--- a/H_FamilyList_FP/화면정의서.pptx
+++ b/H_FamilyList_FP/화면정의서.pptx
@@ -7,9 +7,10 @@
   <p:sldIdLst>
     <p:sldId id="260" r:id="rId2"/>
     <p:sldId id="256" r:id="rId3"/>
-    <p:sldId id="257" r:id="rId4"/>
-    <p:sldId id="258" r:id="rId5"/>
-    <p:sldId id="259" r:id="rId6"/>
+    <p:sldId id="261" r:id="rId4"/>
+    <p:sldId id="257" r:id="rId5"/>
+    <p:sldId id="258" r:id="rId6"/>
+    <p:sldId id="259" r:id="rId7"/>
   </p:sldIdLst>
   <p:sldSz cx="12192000" cy="6858000"/>
   <p:notesSz cx="6858000" cy="9144000"/>
@@ -263,7 +264,7 @@
           <a:p>
             <a:fld id="{9DC0FBBE-1B54-474B-A1EF-57FEDE0B6A08}" type="datetimeFigureOut">
               <a:rPr lang="ko-KR" altLang="en-US" smtClean="0"/>
-              <a:t>2024-09-11</a:t>
+              <a:t>2024-09-12</a:t>
             </a:fld>
             <a:endParaRPr lang="ko-KR" altLang="en-US"/>
           </a:p>
@@ -461,7 +462,7 @@
           <a:p>
             <a:fld id="{9DC0FBBE-1B54-474B-A1EF-57FEDE0B6A08}" type="datetimeFigureOut">
               <a:rPr lang="ko-KR" altLang="en-US" smtClean="0"/>
-              <a:t>2024-09-11</a:t>
+              <a:t>2024-09-12</a:t>
             </a:fld>
             <a:endParaRPr lang="ko-KR" altLang="en-US"/>
           </a:p>
@@ -669,7 +670,7 @@
           <a:p>
             <a:fld id="{9DC0FBBE-1B54-474B-A1EF-57FEDE0B6A08}" type="datetimeFigureOut">
               <a:rPr lang="ko-KR" altLang="en-US" smtClean="0"/>
-              <a:t>2024-09-11</a:t>
+              <a:t>2024-09-12</a:t>
             </a:fld>
             <a:endParaRPr lang="ko-KR" altLang="en-US"/>
           </a:p>
@@ -867,7 +868,7 @@
           <a:p>
             <a:fld id="{9DC0FBBE-1B54-474B-A1EF-57FEDE0B6A08}" type="datetimeFigureOut">
               <a:rPr lang="ko-KR" altLang="en-US" smtClean="0"/>
-              <a:t>2024-09-11</a:t>
+              <a:t>2024-09-12</a:t>
             </a:fld>
             <a:endParaRPr lang="ko-KR" altLang="en-US"/>
           </a:p>
@@ -1142,7 +1143,7 @@
           <a:p>
             <a:fld id="{9DC0FBBE-1B54-474B-A1EF-57FEDE0B6A08}" type="datetimeFigureOut">
               <a:rPr lang="ko-KR" altLang="en-US" smtClean="0"/>
-              <a:t>2024-09-11</a:t>
+              <a:t>2024-09-12</a:t>
             </a:fld>
             <a:endParaRPr lang="ko-KR" altLang="en-US"/>
           </a:p>
@@ -1407,7 +1408,7 @@
           <a:p>
             <a:fld id="{9DC0FBBE-1B54-474B-A1EF-57FEDE0B6A08}" type="datetimeFigureOut">
               <a:rPr lang="ko-KR" altLang="en-US" smtClean="0"/>
-              <a:t>2024-09-11</a:t>
+              <a:t>2024-09-12</a:t>
             </a:fld>
             <a:endParaRPr lang="ko-KR" altLang="en-US"/>
           </a:p>
@@ -1819,7 +1820,7 @@
           <a:p>
             <a:fld id="{9DC0FBBE-1B54-474B-A1EF-57FEDE0B6A08}" type="datetimeFigureOut">
               <a:rPr lang="ko-KR" altLang="en-US" smtClean="0"/>
-              <a:t>2024-09-11</a:t>
+              <a:t>2024-09-12</a:t>
             </a:fld>
             <a:endParaRPr lang="ko-KR" altLang="en-US"/>
           </a:p>
@@ -1960,7 +1961,7 @@
           <a:p>
             <a:fld id="{9DC0FBBE-1B54-474B-A1EF-57FEDE0B6A08}" type="datetimeFigureOut">
               <a:rPr lang="ko-KR" altLang="en-US" smtClean="0"/>
-              <a:t>2024-09-11</a:t>
+              <a:t>2024-09-12</a:t>
             </a:fld>
             <a:endParaRPr lang="ko-KR" altLang="en-US"/>
           </a:p>
@@ -2073,7 +2074,7 @@
           <a:p>
             <a:fld id="{9DC0FBBE-1B54-474B-A1EF-57FEDE0B6A08}" type="datetimeFigureOut">
               <a:rPr lang="ko-KR" altLang="en-US" smtClean="0"/>
-              <a:t>2024-09-11</a:t>
+              <a:t>2024-09-12</a:t>
             </a:fld>
             <a:endParaRPr lang="ko-KR" altLang="en-US"/>
           </a:p>
@@ -2384,7 +2385,7 @@
           <a:p>
             <a:fld id="{9DC0FBBE-1B54-474B-A1EF-57FEDE0B6A08}" type="datetimeFigureOut">
               <a:rPr lang="ko-KR" altLang="en-US" smtClean="0"/>
-              <a:t>2024-09-11</a:t>
+              <a:t>2024-09-12</a:t>
             </a:fld>
             <a:endParaRPr lang="ko-KR" altLang="en-US"/>
           </a:p>
@@ -2672,7 +2673,7 @@
           <a:p>
             <a:fld id="{9DC0FBBE-1B54-474B-A1EF-57FEDE0B6A08}" type="datetimeFigureOut">
               <a:rPr lang="ko-KR" altLang="en-US" smtClean="0"/>
-              <a:t>2024-09-11</a:t>
+              <a:t>2024-09-12</a:t>
             </a:fld>
             <a:endParaRPr lang="ko-KR" altLang="en-US"/>
           </a:p>
@@ -2913,7 +2914,7 @@
           <a:p>
             <a:fld id="{9DC0FBBE-1B54-474B-A1EF-57FEDE0B6A08}" type="datetimeFigureOut">
               <a:rPr lang="ko-KR" altLang="en-US" smtClean="0"/>
-              <a:t>2024-09-11</a:t>
+              <a:t>2024-09-12</a:t>
             </a:fld>
             <a:endParaRPr lang="ko-KR" altLang="en-US"/>
           </a:p>
@@ -5360,6 +5361,1008 @@
           <p:cNvPr id="5" name="그림 4">
             <a:extLst>
               <a:ext uri="{FF2B5EF4-FFF2-40B4-BE49-F238E27FC236}">
+                <a16:creationId xmlns:a16="http://schemas.microsoft.com/office/drawing/2014/main" id="{EB904737-1B2E-95CB-5E6F-C8D622E753FE}"/>
+              </a:ext>
+            </a:extLst>
+          </p:cNvPr>
+          <p:cNvPicPr>
+            <a:picLocks noChangeAspect="1"/>
+          </p:cNvPicPr>
+          <p:nvPr/>
+        </p:nvPicPr>
+        <p:blipFill>
+          <a:blip r:embed="rId2"/>
+          <a:stretch>
+            <a:fillRect/>
+          </a:stretch>
+        </p:blipFill>
+        <p:spPr>
+          <a:xfrm>
+            <a:off x="0" y="95250"/>
+            <a:ext cx="12192000" cy="6667500"/>
+          </a:xfrm>
+          <a:prstGeom prst="rect">
+            <a:avLst/>
+          </a:prstGeom>
+        </p:spPr>
+      </p:pic>
+      <p:sp>
+        <p:nvSpPr>
+          <p:cNvPr id="6" name="TextBox 5">
+            <a:extLst>
+              <a:ext uri="{FF2B5EF4-FFF2-40B4-BE49-F238E27FC236}">
+                <a16:creationId xmlns:a16="http://schemas.microsoft.com/office/drawing/2014/main" id="{1A9ED965-222E-1B26-DB6A-C8CAECE63640}"/>
+              </a:ext>
+            </a:extLst>
+          </p:cNvPr>
+          <p:cNvSpPr txBox="1"/>
+          <p:nvPr/>
+        </p:nvSpPr>
+        <p:spPr>
+          <a:xfrm>
+            <a:off x="98611" y="779930"/>
+            <a:ext cx="1576072" cy="261610"/>
+          </a:xfrm>
+          <a:prstGeom prst="rect">
+            <a:avLst/>
+          </a:prstGeom>
+          <a:noFill/>
+        </p:spPr>
+        <p:txBody>
+          <a:bodyPr wrap="none" rtlCol="0">
+            <a:spAutoFit/>
+          </a:bodyPr>
+          <a:lstStyle/>
+          <a:p>
+            <a:r>
+              <a:rPr lang="en-US" altLang="ko-KR" sz="1100" dirty="0"/>
+              <a:t>Project Name or Brief</a:t>
+            </a:r>
+            <a:endParaRPr lang="ko-KR" altLang="en-US" sz="1100" dirty="0"/>
+          </a:p>
+        </p:txBody>
+      </p:sp>
+      <p:sp>
+        <p:nvSpPr>
+          <p:cNvPr id="7" name="TextBox 6">
+            <a:extLst>
+              <a:ext uri="{FF2B5EF4-FFF2-40B4-BE49-F238E27FC236}">
+                <a16:creationId xmlns:a16="http://schemas.microsoft.com/office/drawing/2014/main" id="{E832BD09-7B78-E2CC-1912-D8F2F5F93791}"/>
+              </a:ext>
+            </a:extLst>
+          </p:cNvPr>
+          <p:cNvSpPr txBox="1"/>
+          <p:nvPr/>
+        </p:nvSpPr>
+        <p:spPr>
+          <a:xfrm>
+            <a:off x="240013" y="1041540"/>
+            <a:ext cx="567784" cy="261610"/>
+          </a:xfrm>
+          <a:prstGeom prst="rect">
+            <a:avLst/>
+          </a:prstGeom>
+          <a:solidFill>
+            <a:schemeClr val="bg1"/>
+          </a:solidFill>
+          <a:ln>
+            <a:solidFill>
+              <a:schemeClr val="accent1"/>
+            </a:solidFill>
+          </a:ln>
+        </p:spPr>
+        <p:txBody>
+          <a:bodyPr wrap="none" rtlCol="0">
+            <a:spAutoFit/>
+          </a:bodyPr>
+          <a:lstStyle/>
+          <a:p>
+            <a:r>
+              <a:rPr lang="en-US" altLang="ko-KR" sz="1100" dirty="0"/>
+              <a:t>HGEN</a:t>
+            </a:r>
+            <a:endParaRPr lang="ko-KR" altLang="en-US" sz="1100" dirty="0"/>
+          </a:p>
+        </p:txBody>
+      </p:sp>
+      <p:sp>
+        <p:nvSpPr>
+          <p:cNvPr id="8" name="TextBox 7">
+            <a:extLst>
+              <a:ext uri="{FF2B5EF4-FFF2-40B4-BE49-F238E27FC236}">
+                <a16:creationId xmlns:a16="http://schemas.microsoft.com/office/drawing/2014/main" id="{83F9302E-A614-F6AF-51FE-0C943E60FA1F}"/>
+              </a:ext>
+            </a:extLst>
+          </p:cNvPr>
+          <p:cNvSpPr txBox="1"/>
+          <p:nvPr/>
+        </p:nvSpPr>
+        <p:spPr>
+          <a:xfrm>
+            <a:off x="98611" y="1564760"/>
+            <a:ext cx="966931" cy="261610"/>
+          </a:xfrm>
+          <a:prstGeom prst="rect">
+            <a:avLst/>
+          </a:prstGeom>
+          <a:noFill/>
+        </p:spPr>
+        <p:txBody>
+          <a:bodyPr wrap="none" rtlCol="0">
+            <a:spAutoFit/>
+          </a:bodyPr>
+          <a:lstStyle/>
+          <a:p>
+            <a:r>
+              <a:rPr lang="en-US" altLang="ko-KR" sz="1100" dirty="0"/>
+              <a:t>Building List</a:t>
+            </a:r>
+            <a:endParaRPr lang="ko-KR" altLang="en-US" sz="1100" dirty="0"/>
+          </a:p>
+        </p:txBody>
+      </p:sp>
+      <p:sp>
+        <p:nvSpPr>
+          <p:cNvPr id="10" name="직사각형 9">
+            <a:extLst>
+              <a:ext uri="{FF2B5EF4-FFF2-40B4-BE49-F238E27FC236}">
+                <a16:creationId xmlns:a16="http://schemas.microsoft.com/office/drawing/2014/main" id="{2582EE0E-0742-7B4A-7D38-74C3B48ABB9A}"/>
+              </a:ext>
+            </a:extLst>
+          </p:cNvPr>
+          <p:cNvSpPr/>
+          <p:nvPr/>
+        </p:nvSpPr>
+        <p:spPr>
+          <a:xfrm>
+            <a:off x="240013" y="1998481"/>
+            <a:ext cx="1434670" cy="2516073"/>
+          </a:xfrm>
+          <a:prstGeom prst="rect">
+            <a:avLst/>
+          </a:prstGeom>
+          <a:solidFill>
+            <a:schemeClr val="bg1"/>
+          </a:solidFill>
+          <a:ln>
+            <a:solidFill>
+              <a:schemeClr val="accent1"/>
+            </a:solidFill>
+          </a:ln>
+        </p:spPr>
+        <p:txBody>
+          <a:bodyPr wrap="square" rtlCol="0">
+            <a:spAutoFit/>
+          </a:bodyPr>
+          <a:lstStyle/>
+          <a:p>
+            <a:r>
+              <a:rPr lang="en-US" altLang="ko-KR" sz="1050" dirty="0"/>
+              <a:t>STB</a:t>
+            </a:r>
+          </a:p>
+          <a:p>
+            <a:r>
+              <a:rPr lang="en-US" altLang="ko-KR" sz="1050" dirty="0">
+                <a:solidFill>
+                  <a:schemeClr val="tx1"/>
+                </a:solidFill>
+              </a:rPr>
+              <a:t>C</a:t>
+            </a:r>
+            <a:r>
+              <a:rPr lang="en-US" altLang="ko-KR" sz="1050" dirty="0"/>
+              <a:t>CB</a:t>
+            </a:r>
+          </a:p>
+          <a:p>
+            <a:r>
+              <a:rPr lang="en-US" altLang="ko-KR" sz="1050" dirty="0">
+                <a:solidFill>
+                  <a:schemeClr val="tx1"/>
+                </a:solidFill>
+              </a:rPr>
+              <a:t>WTB</a:t>
+            </a:r>
+          </a:p>
+          <a:p>
+            <a:endParaRPr lang="en-US" altLang="ko-KR" sz="1050" dirty="0"/>
+          </a:p>
+          <a:p>
+            <a:endParaRPr lang="en-US" altLang="ko-KR" sz="1050" dirty="0">
+              <a:solidFill>
+                <a:schemeClr val="tx1"/>
+              </a:solidFill>
+            </a:endParaRPr>
+          </a:p>
+          <a:p>
+            <a:endParaRPr lang="en-US" altLang="ko-KR" sz="1050" dirty="0"/>
+          </a:p>
+          <a:p>
+            <a:endParaRPr lang="en-US" altLang="ko-KR" sz="1050" dirty="0">
+              <a:solidFill>
+                <a:schemeClr val="tx1"/>
+              </a:solidFill>
+            </a:endParaRPr>
+          </a:p>
+          <a:p>
+            <a:endParaRPr lang="en-US" altLang="ko-KR" sz="1050" dirty="0"/>
+          </a:p>
+          <a:p>
+            <a:endParaRPr lang="en-US" altLang="ko-KR" sz="1050" dirty="0">
+              <a:solidFill>
+                <a:schemeClr val="tx1"/>
+              </a:solidFill>
+            </a:endParaRPr>
+          </a:p>
+          <a:p>
+            <a:endParaRPr lang="en-US" altLang="ko-KR" sz="1050" dirty="0"/>
+          </a:p>
+          <a:p>
+            <a:endParaRPr lang="en-US" altLang="ko-KR" sz="1050" dirty="0">
+              <a:solidFill>
+                <a:schemeClr val="tx1"/>
+              </a:solidFill>
+            </a:endParaRPr>
+          </a:p>
+          <a:p>
+            <a:endParaRPr lang="en-US" altLang="ko-KR" sz="1050" dirty="0"/>
+          </a:p>
+          <a:p>
+            <a:endParaRPr lang="en-US" altLang="ko-KR" sz="1050" dirty="0">
+              <a:solidFill>
+                <a:schemeClr val="tx1"/>
+              </a:solidFill>
+            </a:endParaRPr>
+          </a:p>
+          <a:p>
+            <a:endParaRPr lang="en-US" altLang="ko-KR" sz="1050" dirty="0"/>
+          </a:p>
+          <a:p>
+            <a:endParaRPr lang="ko-KR" altLang="en-US" sz="1050" dirty="0">
+              <a:solidFill>
+                <a:schemeClr val="tx1"/>
+              </a:solidFill>
+            </a:endParaRPr>
+          </a:p>
+        </p:txBody>
+      </p:sp>
+      <p:sp>
+        <p:nvSpPr>
+          <p:cNvPr id="11" name="직사각형 10">
+            <a:extLst>
+              <a:ext uri="{FF2B5EF4-FFF2-40B4-BE49-F238E27FC236}">
+                <a16:creationId xmlns:a16="http://schemas.microsoft.com/office/drawing/2014/main" id="{8A7E0047-C28B-F1CD-959D-FDC52D551130}"/>
+              </a:ext>
+            </a:extLst>
+          </p:cNvPr>
+          <p:cNvSpPr/>
+          <p:nvPr/>
+        </p:nvSpPr>
+        <p:spPr>
+          <a:xfrm>
+            <a:off x="98611" y="779930"/>
+            <a:ext cx="2501714" cy="4754095"/>
+          </a:xfrm>
+          <a:prstGeom prst="rect">
+            <a:avLst/>
+          </a:prstGeom>
+          <a:noFill/>
+          <a:ln>
+            <a:solidFill>
+              <a:schemeClr val="tx1">
+                <a:alpha val="18000"/>
+              </a:schemeClr>
+            </a:solidFill>
+          </a:ln>
+        </p:spPr>
+        <p:style>
+          <a:lnRef idx="2">
+            <a:schemeClr val="accent1">
+              <a:shade val="15000"/>
+            </a:schemeClr>
+          </a:lnRef>
+          <a:fillRef idx="1">
+            <a:schemeClr val="accent1"/>
+          </a:fillRef>
+          <a:effectRef idx="0">
+            <a:schemeClr val="accent1"/>
+          </a:effectRef>
+          <a:fontRef idx="minor">
+            <a:schemeClr val="lt1"/>
+          </a:fontRef>
+        </p:style>
+        <p:txBody>
+          <a:bodyPr rtlCol="0" anchor="ctr"/>
+          <a:lstStyle/>
+          <a:p>
+            <a:pPr algn="ctr"/>
+            <a:endParaRPr lang="ko-KR" altLang="en-US"/>
+          </a:p>
+        </p:txBody>
+      </p:sp>
+      <p:sp>
+        <p:nvSpPr>
+          <p:cNvPr id="12" name="직사각형 11">
+            <a:extLst>
+              <a:ext uri="{FF2B5EF4-FFF2-40B4-BE49-F238E27FC236}">
+                <a16:creationId xmlns:a16="http://schemas.microsoft.com/office/drawing/2014/main" id="{C6A42D7E-900F-2E38-286C-C23A1829F062}"/>
+              </a:ext>
+            </a:extLst>
+          </p:cNvPr>
+          <p:cNvSpPr/>
+          <p:nvPr/>
+        </p:nvSpPr>
+        <p:spPr>
+          <a:xfrm>
+            <a:off x="240013" y="2193307"/>
+            <a:ext cx="1434670" cy="192269"/>
+          </a:xfrm>
+          <a:prstGeom prst="rect">
+            <a:avLst/>
+          </a:prstGeom>
+          <a:solidFill>
+            <a:schemeClr val="accent1">
+              <a:alpha val="39000"/>
+            </a:schemeClr>
+          </a:solidFill>
+          <a:ln>
+            <a:noFill/>
+          </a:ln>
+        </p:spPr>
+        <p:style>
+          <a:lnRef idx="2">
+            <a:schemeClr val="accent1">
+              <a:shade val="15000"/>
+            </a:schemeClr>
+          </a:lnRef>
+          <a:fillRef idx="1">
+            <a:schemeClr val="accent1"/>
+          </a:fillRef>
+          <a:effectRef idx="0">
+            <a:schemeClr val="accent1"/>
+          </a:effectRef>
+          <a:fontRef idx="minor">
+            <a:schemeClr val="lt1"/>
+          </a:fontRef>
+        </p:style>
+        <p:txBody>
+          <a:bodyPr rtlCol="0" anchor="ctr"/>
+          <a:lstStyle/>
+          <a:p>
+            <a:pPr algn="ctr"/>
+            <a:endParaRPr lang="ko-KR" altLang="en-US"/>
+          </a:p>
+        </p:txBody>
+      </p:sp>
+      <p:sp>
+        <p:nvSpPr>
+          <p:cNvPr id="13" name="직사각형 12">
+            <a:extLst>
+              <a:ext uri="{FF2B5EF4-FFF2-40B4-BE49-F238E27FC236}">
+                <a16:creationId xmlns:a16="http://schemas.microsoft.com/office/drawing/2014/main" id="{8171E264-F709-B002-9593-A6B6290C4B8A}"/>
+              </a:ext>
+            </a:extLst>
+          </p:cNvPr>
+          <p:cNvSpPr/>
+          <p:nvPr/>
+        </p:nvSpPr>
+        <p:spPr>
+          <a:xfrm>
+            <a:off x="3022786" y="779930"/>
+            <a:ext cx="5735732" cy="4754095"/>
+          </a:xfrm>
+          <a:prstGeom prst="rect">
+            <a:avLst/>
+          </a:prstGeom>
+          <a:noFill/>
+          <a:ln>
+            <a:solidFill>
+              <a:schemeClr val="tx1">
+                <a:alpha val="18000"/>
+              </a:schemeClr>
+            </a:solidFill>
+          </a:ln>
+        </p:spPr>
+        <p:style>
+          <a:lnRef idx="2">
+            <a:schemeClr val="accent1">
+              <a:shade val="15000"/>
+            </a:schemeClr>
+          </a:lnRef>
+          <a:fillRef idx="1">
+            <a:schemeClr val="accent1"/>
+          </a:fillRef>
+          <a:effectRef idx="0">
+            <a:schemeClr val="accent1"/>
+          </a:effectRef>
+          <a:fontRef idx="minor">
+            <a:schemeClr val="lt1"/>
+          </a:fontRef>
+        </p:style>
+        <p:txBody>
+          <a:bodyPr rtlCol="0" anchor="ctr"/>
+          <a:lstStyle/>
+          <a:p>
+            <a:pPr algn="ctr"/>
+            <a:endParaRPr lang="ko-KR" altLang="en-US"/>
+          </a:p>
+        </p:txBody>
+      </p:sp>
+      <p:sp>
+        <p:nvSpPr>
+          <p:cNvPr id="14" name="TextBox 13">
+            <a:extLst>
+              <a:ext uri="{FF2B5EF4-FFF2-40B4-BE49-F238E27FC236}">
+                <a16:creationId xmlns:a16="http://schemas.microsoft.com/office/drawing/2014/main" id="{B34E015C-D200-83EA-3D32-8ADC0EAAE5CD}"/>
+              </a:ext>
+            </a:extLst>
+          </p:cNvPr>
+          <p:cNvSpPr txBox="1"/>
+          <p:nvPr/>
+        </p:nvSpPr>
+        <p:spPr>
+          <a:xfrm>
+            <a:off x="3022786" y="779930"/>
+            <a:ext cx="1685077" cy="261610"/>
+          </a:xfrm>
+          <a:prstGeom prst="rect">
+            <a:avLst/>
+          </a:prstGeom>
+          <a:noFill/>
+        </p:spPr>
+        <p:txBody>
+          <a:bodyPr wrap="none" rtlCol="0">
+            <a:spAutoFit/>
+          </a:bodyPr>
+          <a:lstStyle/>
+          <a:p>
+            <a:r>
+              <a:rPr lang="en-US" altLang="ko-KR" sz="1100" dirty="0"/>
+              <a:t>Selected Building : CCB</a:t>
+            </a:r>
+            <a:endParaRPr lang="ko-KR" altLang="en-US" sz="1100" dirty="0"/>
+          </a:p>
+        </p:txBody>
+      </p:sp>
+      <p:sp>
+        <p:nvSpPr>
+          <p:cNvPr id="15" name="직사각형 14">
+            <a:extLst>
+              <a:ext uri="{FF2B5EF4-FFF2-40B4-BE49-F238E27FC236}">
+                <a16:creationId xmlns:a16="http://schemas.microsoft.com/office/drawing/2014/main" id="{DD5821B8-2ECA-AB1E-CEC7-4736CADC654A}"/>
+              </a:ext>
+            </a:extLst>
+          </p:cNvPr>
+          <p:cNvSpPr/>
+          <p:nvPr/>
+        </p:nvSpPr>
+        <p:spPr>
+          <a:xfrm>
+            <a:off x="9107836" y="1899820"/>
+            <a:ext cx="2240458" cy="738664"/>
+          </a:xfrm>
+          <a:prstGeom prst="rect">
+            <a:avLst/>
+          </a:prstGeom>
+          <a:solidFill>
+            <a:schemeClr val="bg1"/>
+          </a:solidFill>
+          <a:ln>
+            <a:solidFill>
+              <a:schemeClr val="accent1"/>
+            </a:solidFill>
+          </a:ln>
+        </p:spPr>
+        <p:txBody>
+          <a:bodyPr wrap="square" rtlCol="0">
+            <a:spAutoFit/>
+          </a:bodyPr>
+          <a:lstStyle/>
+          <a:p>
+            <a:r>
+              <a:rPr lang="en-US" altLang="ko-KR" sz="1050" dirty="0"/>
+              <a:t>F06A  /  B03  /  W01A  /</a:t>
+            </a:r>
+          </a:p>
+          <a:p>
+            <a:r>
+              <a:rPr lang="en-US" altLang="ko-KR" sz="1050" dirty="0"/>
+              <a:t>F06A  /  B03  /  W01B  /  C01</a:t>
+            </a:r>
+          </a:p>
+          <a:p>
+            <a:r>
+              <a:rPr lang="en-US" altLang="ko-KR" sz="1050" dirty="0"/>
+              <a:t>F91  /  B35  /  W01B  /  C95A</a:t>
+            </a:r>
+          </a:p>
+          <a:p>
+            <a:endParaRPr lang="en-US" altLang="ko-KR" sz="1050" dirty="0"/>
+          </a:p>
+        </p:txBody>
+      </p:sp>
+      <p:sp>
+        <p:nvSpPr>
+          <p:cNvPr id="17" name="TextBox 16">
+            <a:extLst>
+              <a:ext uri="{FF2B5EF4-FFF2-40B4-BE49-F238E27FC236}">
+                <a16:creationId xmlns:a16="http://schemas.microsoft.com/office/drawing/2014/main" id="{03EC0703-32E0-C215-4141-B573D5383BC4}"/>
+              </a:ext>
+            </a:extLst>
+          </p:cNvPr>
+          <p:cNvSpPr txBox="1"/>
+          <p:nvPr/>
+        </p:nvSpPr>
+        <p:spPr>
+          <a:xfrm>
+            <a:off x="1106899" y="4628212"/>
+            <a:ext cx="463588" cy="261610"/>
+          </a:xfrm>
+          <a:prstGeom prst="rect">
+            <a:avLst/>
+          </a:prstGeom>
+          <a:solidFill>
+            <a:schemeClr val="bg1"/>
+          </a:solidFill>
+          <a:ln>
+            <a:solidFill>
+              <a:schemeClr val="accent1"/>
+            </a:solidFill>
+          </a:ln>
+        </p:spPr>
+        <p:txBody>
+          <a:bodyPr wrap="none" rtlCol="0">
+            <a:spAutoFit/>
+          </a:bodyPr>
+          <a:lstStyle/>
+          <a:p>
+            <a:r>
+              <a:rPr lang="en-US" altLang="ko-KR" sz="1100" dirty="0"/>
+              <a:t>save</a:t>
+            </a:r>
+            <a:endParaRPr lang="ko-KR" altLang="en-US" sz="1100" dirty="0"/>
+          </a:p>
+        </p:txBody>
+      </p:sp>
+      <p:sp>
+        <p:nvSpPr>
+          <p:cNvPr id="18" name="TextBox 17">
+            <a:extLst>
+              <a:ext uri="{FF2B5EF4-FFF2-40B4-BE49-F238E27FC236}">
+                <a16:creationId xmlns:a16="http://schemas.microsoft.com/office/drawing/2014/main" id="{EB32EF2A-E9BD-72E8-5AA7-648A27B6F63C}"/>
+              </a:ext>
+            </a:extLst>
+          </p:cNvPr>
+          <p:cNvSpPr txBox="1"/>
+          <p:nvPr/>
+        </p:nvSpPr>
+        <p:spPr>
+          <a:xfrm>
+            <a:off x="4093199" y="3856415"/>
+            <a:ext cx="463588" cy="261610"/>
+          </a:xfrm>
+          <a:prstGeom prst="rect">
+            <a:avLst/>
+          </a:prstGeom>
+          <a:solidFill>
+            <a:schemeClr val="bg1"/>
+          </a:solidFill>
+          <a:ln>
+            <a:solidFill>
+              <a:schemeClr val="accent1"/>
+            </a:solidFill>
+          </a:ln>
+        </p:spPr>
+        <p:txBody>
+          <a:bodyPr wrap="none" rtlCol="0">
+            <a:spAutoFit/>
+          </a:bodyPr>
+          <a:lstStyle/>
+          <a:p>
+            <a:r>
+              <a:rPr lang="en-US" altLang="ko-KR" sz="1100" dirty="0"/>
+              <a:t>save</a:t>
+            </a:r>
+            <a:endParaRPr lang="ko-KR" altLang="en-US" sz="1100" dirty="0"/>
+          </a:p>
+        </p:txBody>
+      </p:sp>
+      <p:sp>
+        <p:nvSpPr>
+          <p:cNvPr id="19" name="직사각형 18">
+            <a:extLst>
+              <a:ext uri="{FF2B5EF4-FFF2-40B4-BE49-F238E27FC236}">
+                <a16:creationId xmlns:a16="http://schemas.microsoft.com/office/drawing/2014/main" id="{7F19C62E-9355-D953-1A03-961B697B03DD}"/>
+              </a:ext>
+            </a:extLst>
+          </p:cNvPr>
+          <p:cNvSpPr/>
+          <p:nvPr/>
+        </p:nvSpPr>
+        <p:spPr>
+          <a:xfrm>
+            <a:off x="3317966" y="1564760"/>
+            <a:ext cx="4125946" cy="2677656"/>
+          </a:xfrm>
+          <a:prstGeom prst="rect">
+            <a:avLst/>
+          </a:prstGeom>
+          <a:solidFill>
+            <a:schemeClr val="bg1"/>
+          </a:solidFill>
+          <a:ln>
+            <a:solidFill>
+              <a:schemeClr val="accent1"/>
+            </a:solidFill>
+          </a:ln>
+        </p:spPr>
+        <p:txBody>
+          <a:bodyPr wrap="square" rtlCol="0">
+            <a:spAutoFit/>
+          </a:bodyPr>
+          <a:lstStyle/>
+          <a:p>
+            <a:r>
+              <a:rPr lang="en-US" altLang="ko-KR" sz="1050" dirty="0"/>
+              <a:t>F06A  /  B03  /  W01A  /</a:t>
+            </a:r>
+          </a:p>
+          <a:p>
+            <a:r>
+              <a:rPr lang="en-US" altLang="ko-KR" sz="1050" dirty="0"/>
+              <a:t>    room1</a:t>
+            </a:r>
+          </a:p>
+          <a:p>
+            <a:r>
+              <a:rPr lang="en-US" altLang="ko-KR" sz="1050" dirty="0"/>
+              <a:t>    room2</a:t>
+            </a:r>
+          </a:p>
+          <a:p>
+            <a:r>
+              <a:rPr lang="en-US" altLang="ko-KR" sz="1050" dirty="0"/>
+              <a:t>    room3</a:t>
+            </a:r>
+          </a:p>
+          <a:p>
+            <a:r>
+              <a:rPr lang="en-US" altLang="ko-KR" sz="1050" dirty="0"/>
+              <a:t>    room4</a:t>
+            </a:r>
+          </a:p>
+          <a:p>
+            <a:r>
+              <a:rPr lang="en-US" altLang="ko-KR" sz="1050" dirty="0"/>
+              <a:t>F06A  /  B03  /  W01B  /  C01</a:t>
+            </a:r>
+          </a:p>
+          <a:p>
+            <a:r>
+              <a:rPr lang="en-US" altLang="ko-KR" sz="1050" dirty="0"/>
+              <a:t>    room5</a:t>
+            </a:r>
+          </a:p>
+          <a:p>
+            <a:r>
+              <a:rPr lang="en-US" altLang="ko-KR" sz="1050" dirty="0"/>
+              <a:t>    room6</a:t>
+            </a:r>
+          </a:p>
+          <a:p>
+            <a:r>
+              <a:rPr lang="en-US" altLang="ko-KR" sz="1050" dirty="0"/>
+              <a:t>    room7</a:t>
+            </a:r>
+          </a:p>
+          <a:p>
+            <a:r>
+              <a:rPr lang="en-US" altLang="ko-KR" sz="1050" dirty="0"/>
+              <a:t>    room8</a:t>
+            </a:r>
+          </a:p>
+          <a:p>
+            <a:r>
+              <a:rPr lang="en-US" altLang="ko-KR" sz="1050" dirty="0"/>
+              <a:t>F91  /  B35  /  W01B  /  C95A</a:t>
+            </a:r>
+          </a:p>
+          <a:p>
+            <a:r>
+              <a:rPr lang="en-US" altLang="ko-KR" sz="1050" dirty="0"/>
+              <a:t>    room9</a:t>
+            </a:r>
+          </a:p>
+          <a:p>
+            <a:r>
+              <a:rPr lang="en-US" altLang="ko-KR" sz="1050" dirty="0"/>
+              <a:t>    room10</a:t>
+            </a:r>
+          </a:p>
+          <a:p>
+            <a:r>
+              <a:rPr lang="en-US" altLang="ko-KR" sz="1050" dirty="0"/>
+              <a:t>    room11</a:t>
+            </a:r>
+          </a:p>
+          <a:p>
+            <a:r>
+              <a:rPr lang="en-US" altLang="ko-KR" sz="1050" dirty="0"/>
+              <a:t>    room12</a:t>
+            </a:r>
+          </a:p>
+          <a:p>
+            <a:endParaRPr lang="ko-KR" altLang="en-US" sz="1050" dirty="0">
+              <a:solidFill>
+                <a:schemeClr val="tx1"/>
+              </a:solidFill>
+            </a:endParaRPr>
+          </a:p>
+        </p:txBody>
+      </p:sp>
+      <p:sp>
+        <p:nvSpPr>
+          <p:cNvPr id="20" name="TextBox 19">
+            <a:extLst>
+              <a:ext uri="{FF2B5EF4-FFF2-40B4-BE49-F238E27FC236}">
+                <a16:creationId xmlns:a16="http://schemas.microsoft.com/office/drawing/2014/main" id="{79EF48D2-1579-8A97-2DD6-28A6DF57C916}"/>
+              </a:ext>
+            </a:extLst>
+          </p:cNvPr>
+          <p:cNvSpPr txBox="1"/>
+          <p:nvPr/>
+        </p:nvSpPr>
+        <p:spPr>
+          <a:xfrm>
+            <a:off x="3317966" y="1146888"/>
+            <a:ext cx="1037463" cy="261610"/>
+          </a:xfrm>
+          <a:prstGeom prst="rect">
+            <a:avLst/>
+          </a:prstGeom>
+          <a:noFill/>
+        </p:spPr>
+        <p:txBody>
+          <a:bodyPr wrap="none" rtlCol="0">
+            <a:spAutoFit/>
+          </a:bodyPr>
+          <a:lstStyle/>
+          <a:p>
+            <a:r>
+              <a:rPr lang="en-US" altLang="ko-KR" sz="1100" dirty="0"/>
+              <a:t>Room </a:t>
+            </a:r>
+            <a:r>
+              <a:rPr lang="ko-KR" altLang="en-US" sz="1100" dirty="0" err="1"/>
+              <a:t>트리뷰</a:t>
+            </a:r>
+            <a:endParaRPr lang="ko-KR" altLang="en-US" sz="1100" dirty="0"/>
+          </a:p>
+        </p:txBody>
+      </p:sp>
+      <p:sp>
+        <p:nvSpPr>
+          <p:cNvPr id="23" name="TextBox 22">
+            <a:extLst>
+              <a:ext uri="{FF2B5EF4-FFF2-40B4-BE49-F238E27FC236}">
+                <a16:creationId xmlns:a16="http://schemas.microsoft.com/office/drawing/2014/main" id="{73ACE62C-4DF6-6A5B-B938-79EF7C679BD0}"/>
+              </a:ext>
+            </a:extLst>
+          </p:cNvPr>
+          <p:cNvSpPr txBox="1"/>
+          <p:nvPr/>
+        </p:nvSpPr>
+        <p:spPr>
+          <a:xfrm>
+            <a:off x="9522691" y="212436"/>
+            <a:ext cx="1204176" cy="707886"/>
+          </a:xfrm>
+          <a:prstGeom prst="rect">
+            <a:avLst/>
+          </a:prstGeom>
+          <a:noFill/>
+        </p:spPr>
+        <p:txBody>
+          <a:bodyPr wrap="none" rtlCol="0">
+            <a:spAutoFit/>
+          </a:bodyPr>
+          <a:lstStyle/>
+          <a:p>
+            <a:r>
+              <a:rPr lang="en-US" altLang="ko-KR" sz="4000" dirty="0">
+                <a:solidFill>
+                  <a:srgbClr val="FF0000"/>
+                </a:solidFill>
+              </a:rPr>
+              <a:t>C </a:t>
+            </a:r>
+            <a:r>
+              <a:rPr lang="ko-KR" altLang="en-US" sz="4000" dirty="0">
+                <a:solidFill>
+                  <a:srgbClr val="FF0000"/>
+                </a:solidFill>
+              </a:rPr>
+              <a:t>안</a:t>
+            </a:r>
+          </a:p>
+        </p:txBody>
+      </p:sp>
+      <p:sp>
+        <p:nvSpPr>
+          <p:cNvPr id="24" name="직사각형 23">
+            <a:extLst>
+              <a:ext uri="{FF2B5EF4-FFF2-40B4-BE49-F238E27FC236}">
+                <a16:creationId xmlns:a16="http://schemas.microsoft.com/office/drawing/2014/main" id="{384D384B-93BE-BDF0-FAF6-B9FBCCCE2FDC}"/>
+              </a:ext>
+            </a:extLst>
+          </p:cNvPr>
+          <p:cNvSpPr/>
+          <p:nvPr/>
+        </p:nvSpPr>
+        <p:spPr>
+          <a:xfrm>
+            <a:off x="3317966" y="3214490"/>
+            <a:ext cx="2240458" cy="209315"/>
+          </a:xfrm>
+          <a:prstGeom prst="rect">
+            <a:avLst/>
+          </a:prstGeom>
+          <a:solidFill>
+            <a:schemeClr val="accent1">
+              <a:alpha val="39000"/>
+            </a:schemeClr>
+          </a:solidFill>
+          <a:ln>
+            <a:noFill/>
+          </a:ln>
+        </p:spPr>
+        <p:style>
+          <a:lnRef idx="2">
+            <a:schemeClr val="accent1">
+              <a:shade val="15000"/>
+            </a:schemeClr>
+          </a:lnRef>
+          <a:fillRef idx="1">
+            <a:schemeClr val="accent1"/>
+          </a:fillRef>
+          <a:effectRef idx="0">
+            <a:schemeClr val="accent1"/>
+          </a:effectRef>
+          <a:fontRef idx="minor">
+            <a:schemeClr val="lt1"/>
+          </a:fontRef>
+        </p:style>
+        <p:txBody>
+          <a:bodyPr rtlCol="0" anchor="ctr"/>
+          <a:lstStyle/>
+          <a:p>
+            <a:pPr algn="ctr"/>
+            <a:endParaRPr lang="ko-KR" altLang="en-US" dirty="0"/>
+          </a:p>
+        </p:txBody>
+      </p:sp>
+      <p:sp>
+        <p:nvSpPr>
+          <p:cNvPr id="25" name="TextBox 24">
+            <a:extLst>
+              <a:ext uri="{FF2B5EF4-FFF2-40B4-BE49-F238E27FC236}">
+                <a16:creationId xmlns:a16="http://schemas.microsoft.com/office/drawing/2014/main" id="{7F7B1030-F927-1B0C-B808-5DCD7D33B404}"/>
+              </a:ext>
+            </a:extLst>
+          </p:cNvPr>
+          <p:cNvSpPr txBox="1"/>
+          <p:nvPr/>
+        </p:nvSpPr>
+        <p:spPr>
+          <a:xfrm>
+            <a:off x="5734919" y="4287494"/>
+            <a:ext cx="801823" cy="261610"/>
+          </a:xfrm>
+          <a:prstGeom prst="rect">
+            <a:avLst/>
+          </a:prstGeom>
+          <a:solidFill>
+            <a:schemeClr val="bg1"/>
+          </a:solidFill>
+          <a:ln>
+            <a:solidFill>
+              <a:schemeClr val="accent1"/>
+            </a:solidFill>
+          </a:ln>
+        </p:spPr>
+        <p:txBody>
+          <a:bodyPr wrap="none" rtlCol="0">
+            <a:spAutoFit/>
+          </a:bodyPr>
+          <a:lstStyle/>
+          <a:p>
+            <a:r>
+              <a:rPr lang="en-US" altLang="ko-KR" sz="1100" dirty="0"/>
+              <a:t>Add Type</a:t>
+            </a:r>
+            <a:endParaRPr lang="ko-KR" altLang="en-US" sz="1100" dirty="0"/>
+          </a:p>
+        </p:txBody>
+      </p:sp>
+      <p:sp>
+        <p:nvSpPr>
+          <p:cNvPr id="2" name="TextBox 1">
+            <a:extLst>
+              <a:ext uri="{FF2B5EF4-FFF2-40B4-BE49-F238E27FC236}">
+                <a16:creationId xmlns:a16="http://schemas.microsoft.com/office/drawing/2014/main" id="{E9676828-A373-34D5-BDA3-FAC9160E6382}"/>
+              </a:ext>
+            </a:extLst>
+          </p:cNvPr>
+          <p:cNvSpPr txBox="1"/>
+          <p:nvPr/>
+        </p:nvSpPr>
+        <p:spPr>
+          <a:xfrm>
+            <a:off x="6644973" y="4283138"/>
+            <a:ext cx="877163" cy="261610"/>
+          </a:xfrm>
+          <a:prstGeom prst="rect">
+            <a:avLst/>
+          </a:prstGeom>
+          <a:solidFill>
+            <a:schemeClr val="bg1"/>
+          </a:solidFill>
+          <a:ln>
+            <a:solidFill>
+              <a:schemeClr val="accent1"/>
+            </a:solidFill>
+          </a:ln>
+        </p:spPr>
+        <p:txBody>
+          <a:bodyPr wrap="none" rtlCol="0">
+            <a:spAutoFit/>
+          </a:bodyPr>
+          <a:lstStyle/>
+          <a:p>
+            <a:r>
+              <a:rPr lang="en-US" altLang="ko-KR" sz="1100" dirty="0"/>
+              <a:t>Add Room</a:t>
+            </a:r>
+            <a:endParaRPr lang="ko-KR" altLang="en-US" sz="1100" dirty="0"/>
+          </a:p>
+        </p:txBody>
+      </p:sp>
+    </p:spTree>
+    <p:extLst>
+      <p:ext uri="{BB962C8B-B14F-4D97-AF65-F5344CB8AC3E}">
+        <p14:creationId xmlns:p14="http://schemas.microsoft.com/office/powerpoint/2010/main" val="2708691404"/>
+      </p:ext>
+    </p:extLst>
+  </p:cSld>
+  <p:clrMapOvr>
+    <a:masterClrMapping/>
+  </p:clrMapOvr>
+</p:sld>
+</file>
+
+<file path=ppt/slides/slide4.xml><?xml version="1.0" encoding="utf-8"?>
+<p:sld xmlns:a="http://schemas.openxmlformats.org/drawingml/2006/main" xmlns:r="http://schemas.openxmlformats.org/officeDocument/2006/relationships" xmlns:p="http://schemas.openxmlformats.org/presentationml/2006/main">
+  <p:cSld>
+    <p:spTree>
+      <p:nvGrpSpPr>
+        <p:cNvPr id="1" name=""/>
+        <p:cNvGrpSpPr/>
+        <p:nvPr/>
+      </p:nvGrpSpPr>
+      <p:grpSpPr>
+        <a:xfrm>
+          <a:off x="0" y="0"/>
+          <a:ext cx="0" cy="0"/>
+          <a:chOff x="0" y="0"/>
+          <a:chExt cx="0" cy="0"/>
+        </a:xfrm>
+      </p:grpSpPr>
+      <p:pic>
+        <p:nvPicPr>
+          <p:cNvPr id="5" name="그림 4">
+            <a:extLst>
+              <a:ext uri="{FF2B5EF4-FFF2-40B4-BE49-F238E27FC236}">
                 <a16:creationId xmlns:a16="http://schemas.microsoft.com/office/drawing/2014/main" id="{95D9C468-D5EC-3ABC-A07B-9850F8ED4B30}"/>
               </a:ext>
             </a:extLst>
@@ -10523,7 +11526,7 @@
 </p:sld>
 </file>
 
-<file path=ppt/slides/slide4.xml><?xml version="1.0" encoding="utf-8"?>
+<file path=ppt/slides/slide5.xml><?xml version="1.0" encoding="utf-8"?>
 <p:sld xmlns:a="http://schemas.openxmlformats.org/drawingml/2006/main" xmlns:r="http://schemas.openxmlformats.org/officeDocument/2006/relationships" xmlns:p="http://schemas.openxmlformats.org/presentationml/2006/main">
   <p:cSld>
     <p:spTree>
@@ -16285,7 +17288,7 @@
 </p:sld>
 </file>
 
-<file path=ppt/slides/slide5.xml><?xml version="1.0" encoding="utf-8"?>
+<file path=ppt/slides/slide6.xml><?xml version="1.0" encoding="utf-8"?>
 <p:sld xmlns:a="http://schemas.openxmlformats.org/drawingml/2006/main" xmlns:r="http://schemas.openxmlformats.org/officeDocument/2006/relationships" xmlns:p="http://schemas.openxmlformats.org/presentationml/2006/main">
   <p:cSld>
     <p:spTree>

--- a/H_FamilyList_FP/화면정의서.pptx
+++ b/H_FamilyList_FP/화면정의서.pptx
@@ -11,6 +11,7 @@
     <p:sldId id="257" r:id="rId5"/>
     <p:sldId id="258" r:id="rId6"/>
     <p:sldId id="259" r:id="rId7"/>
+    <p:sldId id="262" r:id="rId8"/>
   </p:sldIdLst>
   <p:sldSz cx="12192000" cy="6858000"/>
   <p:notesSz cx="6858000" cy="9144000"/>
@@ -264,7 +265,7 @@
           <a:p>
             <a:fld id="{9DC0FBBE-1B54-474B-A1EF-57FEDE0B6A08}" type="datetimeFigureOut">
               <a:rPr lang="ko-KR" altLang="en-US" smtClean="0"/>
-              <a:t>2024-09-12</a:t>
+              <a:t>2024-09-13</a:t>
             </a:fld>
             <a:endParaRPr lang="ko-KR" altLang="en-US"/>
           </a:p>
@@ -462,7 +463,7 @@
           <a:p>
             <a:fld id="{9DC0FBBE-1B54-474B-A1EF-57FEDE0B6A08}" type="datetimeFigureOut">
               <a:rPr lang="ko-KR" altLang="en-US" smtClean="0"/>
-              <a:t>2024-09-12</a:t>
+              <a:t>2024-09-13</a:t>
             </a:fld>
             <a:endParaRPr lang="ko-KR" altLang="en-US"/>
           </a:p>
@@ -670,7 +671,7 @@
           <a:p>
             <a:fld id="{9DC0FBBE-1B54-474B-A1EF-57FEDE0B6A08}" type="datetimeFigureOut">
               <a:rPr lang="ko-KR" altLang="en-US" smtClean="0"/>
-              <a:t>2024-09-12</a:t>
+              <a:t>2024-09-13</a:t>
             </a:fld>
             <a:endParaRPr lang="ko-KR" altLang="en-US"/>
           </a:p>
@@ -868,7 +869,7 @@
           <a:p>
             <a:fld id="{9DC0FBBE-1B54-474B-A1EF-57FEDE0B6A08}" type="datetimeFigureOut">
               <a:rPr lang="ko-KR" altLang="en-US" smtClean="0"/>
-              <a:t>2024-09-12</a:t>
+              <a:t>2024-09-13</a:t>
             </a:fld>
             <a:endParaRPr lang="ko-KR" altLang="en-US"/>
           </a:p>
@@ -1143,7 +1144,7 @@
           <a:p>
             <a:fld id="{9DC0FBBE-1B54-474B-A1EF-57FEDE0B6A08}" type="datetimeFigureOut">
               <a:rPr lang="ko-KR" altLang="en-US" smtClean="0"/>
-              <a:t>2024-09-12</a:t>
+              <a:t>2024-09-13</a:t>
             </a:fld>
             <a:endParaRPr lang="ko-KR" altLang="en-US"/>
           </a:p>
@@ -1408,7 +1409,7 @@
           <a:p>
             <a:fld id="{9DC0FBBE-1B54-474B-A1EF-57FEDE0B6A08}" type="datetimeFigureOut">
               <a:rPr lang="ko-KR" altLang="en-US" smtClean="0"/>
-              <a:t>2024-09-12</a:t>
+              <a:t>2024-09-13</a:t>
             </a:fld>
             <a:endParaRPr lang="ko-KR" altLang="en-US"/>
           </a:p>
@@ -1820,7 +1821,7 @@
           <a:p>
             <a:fld id="{9DC0FBBE-1B54-474B-A1EF-57FEDE0B6A08}" type="datetimeFigureOut">
               <a:rPr lang="ko-KR" altLang="en-US" smtClean="0"/>
-              <a:t>2024-09-12</a:t>
+              <a:t>2024-09-13</a:t>
             </a:fld>
             <a:endParaRPr lang="ko-KR" altLang="en-US"/>
           </a:p>
@@ -1961,7 +1962,7 @@
           <a:p>
             <a:fld id="{9DC0FBBE-1B54-474B-A1EF-57FEDE0B6A08}" type="datetimeFigureOut">
               <a:rPr lang="ko-KR" altLang="en-US" smtClean="0"/>
-              <a:t>2024-09-12</a:t>
+              <a:t>2024-09-13</a:t>
             </a:fld>
             <a:endParaRPr lang="ko-KR" altLang="en-US"/>
           </a:p>
@@ -2074,7 +2075,7 @@
           <a:p>
             <a:fld id="{9DC0FBBE-1B54-474B-A1EF-57FEDE0B6A08}" type="datetimeFigureOut">
               <a:rPr lang="ko-KR" altLang="en-US" smtClean="0"/>
-              <a:t>2024-09-12</a:t>
+              <a:t>2024-09-13</a:t>
             </a:fld>
             <a:endParaRPr lang="ko-KR" altLang="en-US"/>
           </a:p>
@@ -2385,7 +2386,7 @@
           <a:p>
             <a:fld id="{9DC0FBBE-1B54-474B-A1EF-57FEDE0B6A08}" type="datetimeFigureOut">
               <a:rPr lang="ko-KR" altLang="en-US" smtClean="0"/>
-              <a:t>2024-09-12</a:t>
+              <a:t>2024-09-13</a:t>
             </a:fld>
             <a:endParaRPr lang="ko-KR" altLang="en-US"/>
           </a:p>
@@ -2673,7 +2674,7 @@
           <a:p>
             <a:fld id="{9DC0FBBE-1B54-474B-A1EF-57FEDE0B6A08}" type="datetimeFigureOut">
               <a:rPr lang="ko-KR" altLang="en-US" smtClean="0"/>
-              <a:t>2024-09-12</a:t>
+              <a:t>2024-09-13</a:t>
             </a:fld>
             <a:endParaRPr lang="ko-KR" altLang="en-US"/>
           </a:p>
@@ -2914,7 +2915,7 @@
           <a:p>
             <a:fld id="{9DC0FBBE-1B54-474B-A1EF-57FEDE0B6A08}" type="datetimeFigureOut">
               <a:rPr lang="ko-KR" altLang="en-US" smtClean="0"/>
-              <a:t>2024-09-12</a:t>
+              <a:t>2024-09-13</a:t>
             </a:fld>
             <a:endParaRPr lang="ko-KR" altLang="en-US"/>
           </a:p>
@@ -5400,7 +5401,7 @@
         </p:nvSpPr>
         <p:spPr>
           <a:xfrm>
-            <a:off x="98611" y="779930"/>
+            <a:off x="98611" y="1041540"/>
             <a:ext cx="1576072" cy="261610"/>
           </a:xfrm>
           <a:prstGeom prst="rect">
@@ -5436,7 +5437,7 @@
         </p:nvSpPr>
         <p:spPr>
           <a:xfrm>
-            <a:off x="240013" y="1041540"/>
+            <a:off x="240013" y="1303150"/>
             <a:ext cx="567784" cy="261610"/>
           </a:xfrm>
           <a:prstGeom prst="rect">
@@ -5479,7 +5480,7 @@
         </p:nvSpPr>
         <p:spPr>
           <a:xfrm>
-            <a:off x="98611" y="1564760"/>
+            <a:off x="98611" y="1826370"/>
             <a:ext cx="966931" cy="261610"/>
           </a:xfrm>
           <a:prstGeom prst="rect">
@@ -5515,7 +5516,7 @@
         </p:nvSpPr>
         <p:spPr>
           <a:xfrm>
-            <a:off x="240013" y="1998481"/>
+            <a:off x="240013" y="2260091"/>
             <a:ext cx="1434670" cy="2516073"/>
           </a:xfrm>
           <a:prstGeom prst="rect">
@@ -5641,8 +5642,8 @@
         </p:nvSpPr>
         <p:spPr>
           <a:xfrm>
-            <a:off x="98611" y="779930"/>
-            <a:ext cx="2501714" cy="4754095"/>
+            <a:off x="98611" y="1041540"/>
+            <a:ext cx="2501714" cy="4492485"/>
           </a:xfrm>
           <a:prstGeom prst="rect">
             <a:avLst/>
@@ -5695,7 +5696,7 @@
         </p:nvSpPr>
         <p:spPr>
           <a:xfrm>
-            <a:off x="240013" y="2193307"/>
+            <a:off x="240013" y="2454917"/>
             <a:ext cx="1434670" cy="192269"/>
           </a:xfrm>
           <a:prstGeom prst="rect">
@@ -5750,7 +5751,7 @@
         <p:spPr>
           <a:xfrm>
             <a:off x="3022786" y="779930"/>
-            <a:ext cx="5735732" cy="4754095"/>
+            <a:ext cx="6350354" cy="4754095"/>
           </a:xfrm>
           <a:prstGeom prst="rect">
             <a:avLst/>
@@ -5839,8 +5840,8 @@
         </p:nvSpPr>
         <p:spPr>
           <a:xfrm>
-            <a:off x="9107836" y="1899820"/>
-            <a:ext cx="2240458" cy="738664"/>
+            <a:off x="3302174" y="1564760"/>
+            <a:ext cx="2793826" cy="1546577"/>
           </a:xfrm>
           <a:prstGeom prst="rect">
             <a:avLst/>
@@ -5862,23 +5863,35 @@
           <a:p>
             <a:r>
               <a:rPr lang="en-US" altLang="ko-KR" sz="1050" dirty="0"/>
-              <a:t>F06A  /  B03  /  W01A  /</a:t>
+              <a:t>F91 / B35 / W02A / C95A</a:t>
             </a:r>
+          </a:p>
+          <a:p>
+            <a:endParaRPr lang="en-US" altLang="ko-KR" sz="1050" dirty="0"/>
           </a:p>
           <a:p>
             <a:r>
               <a:rPr lang="en-US" altLang="ko-KR" sz="1050" dirty="0"/>
-              <a:t>F06A  /  B03  /  W01B  /  C01</a:t>
+              <a:t>101	CENTRAL CONTROL ROOM	</a:t>
             </a:r>
           </a:p>
           <a:p>
             <a:r>
               <a:rPr lang="en-US" altLang="ko-KR" sz="1050" dirty="0"/>
-              <a:t>F91  /  B35  /  W01B  /  C95A</a:t>
+              <a:t>102	MEETING ROOM	</a:t>
             </a:r>
           </a:p>
           <a:p>
-            <a:endParaRPr lang="en-US" altLang="ko-KR" sz="1050" dirty="0"/>
+            <a:r>
+              <a:rPr lang="en-US" altLang="ko-KR" sz="1050" dirty="0"/>
+              <a:t>103	ENGINEERING ROOM	</a:t>
+            </a:r>
+          </a:p>
+          <a:p>
+            <a:r>
+              <a:rPr lang="en-US" altLang="ko-KR" sz="1050" dirty="0"/>
+              <a:t>127	NONE	</a:t>
+            </a:r>
           </a:p>
         </p:txBody>
       </p:sp>
@@ -5896,7 +5909,7 @@
         </p:nvSpPr>
         <p:spPr>
           <a:xfrm>
-            <a:off x="1106899" y="4628212"/>
+            <a:off x="1106899" y="4889822"/>
             <a:ext cx="463588" cy="261610"/>
           </a:xfrm>
           <a:prstGeom prst="rect">
@@ -5939,7 +5952,7 @@
         </p:nvSpPr>
         <p:spPr>
           <a:xfrm>
-            <a:off x="4093199" y="3856415"/>
+            <a:off x="1442889" y="693875"/>
             <a:ext cx="463588" cy="261610"/>
           </a:xfrm>
           <a:prstGeom prst="rect">
@@ -5982,8 +5995,8 @@
         </p:nvSpPr>
         <p:spPr>
           <a:xfrm>
-            <a:off x="3317966" y="1564760"/>
-            <a:ext cx="4125946" cy="2677656"/>
+            <a:off x="6714813" y="1564760"/>
+            <a:ext cx="2477690" cy="2677656"/>
           </a:xfrm>
           <a:prstGeom prst="rect">
             <a:avLst/>
@@ -6202,7 +6215,7 @@
         </p:nvSpPr>
         <p:spPr>
           <a:xfrm>
-            <a:off x="3317966" y="3214490"/>
+            <a:off x="6714812" y="3214490"/>
             <a:ext cx="2240458" cy="209315"/>
           </a:xfrm>
           <a:prstGeom prst="rect">
@@ -6244,10 +6257,10 @@
       </p:sp>
       <p:sp>
         <p:nvSpPr>
-          <p:cNvPr id="25" name="TextBox 24">
+          <p:cNvPr id="2" name="TextBox 1">
             <a:extLst>
               <a:ext uri="{FF2B5EF4-FFF2-40B4-BE49-F238E27FC236}">
-                <a16:creationId xmlns:a16="http://schemas.microsoft.com/office/drawing/2014/main" id="{7F7B1030-F927-1B0C-B808-5DCD7D33B404}"/>
+                <a16:creationId xmlns:a16="http://schemas.microsoft.com/office/drawing/2014/main" id="{E9676828-A373-34D5-BDA3-FAC9160E6382}"/>
               </a:ext>
             </a:extLst>
           </p:cNvPr>
@@ -6256,8 +6269,8 @@
         </p:nvSpPr>
         <p:spPr>
           <a:xfrm>
-            <a:off x="5734919" y="4287494"/>
-            <a:ext cx="801823" cy="261610"/>
+            <a:off x="3302174" y="3293000"/>
+            <a:ext cx="782587" cy="261610"/>
           </a:xfrm>
           <a:prstGeom prst="rect">
             <a:avLst/>
@@ -6279,7 +6292,7 @@
           <a:p>
             <a:r>
               <a:rPr lang="en-US" altLang="ko-KR" sz="1100" dirty="0"/>
-              <a:t>Add Type</a:t>
+              <a:t>Add Item</a:t>
             </a:r>
             <a:endParaRPr lang="ko-KR" altLang="en-US" sz="1100" dirty="0"/>
           </a:p>
@@ -6287,10 +6300,10 @@
       </p:sp>
       <p:sp>
         <p:nvSpPr>
-          <p:cNvPr id="2" name="TextBox 1">
+          <p:cNvPr id="3" name="TextBox 2">
             <a:extLst>
               <a:ext uri="{FF2B5EF4-FFF2-40B4-BE49-F238E27FC236}">
-                <a16:creationId xmlns:a16="http://schemas.microsoft.com/office/drawing/2014/main" id="{E9676828-A373-34D5-BDA3-FAC9160E6382}"/>
+                <a16:creationId xmlns:a16="http://schemas.microsoft.com/office/drawing/2014/main" id="{0CDE1ECB-C2D3-20EB-0F2A-8012B85807D9}"/>
               </a:ext>
             </a:extLst>
           </p:cNvPr>
@@ -6299,8 +6312,8 @@
         </p:nvSpPr>
         <p:spPr>
           <a:xfrm>
-            <a:off x="6644973" y="4283138"/>
-            <a:ext cx="877163" cy="261610"/>
+            <a:off x="493760" y="693875"/>
+            <a:ext cx="463588" cy="261610"/>
           </a:xfrm>
           <a:prstGeom prst="rect">
             <a:avLst/>
@@ -6322,7 +6335,50 @@
           <a:p>
             <a:r>
               <a:rPr lang="en-US" altLang="ko-KR" sz="1100" dirty="0"/>
-              <a:t>Add Room</a:t>
+              <a:t>load</a:t>
+            </a:r>
+            <a:endParaRPr lang="ko-KR" altLang="en-US" sz="1100" dirty="0"/>
+          </a:p>
+        </p:txBody>
+      </p:sp>
+      <p:sp>
+        <p:nvSpPr>
+          <p:cNvPr id="16" name="TextBox 15">
+            <a:extLst>
+              <a:ext uri="{FF2B5EF4-FFF2-40B4-BE49-F238E27FC236}">
+                <a16:creationId xmlns:a16="http://schemas.microsoft.com/office/drawing/2014/main" id="{60F1C5E1-AB65-73DB-A85F-22CA09141D9A}"/>
+              </a:ext>
+            </a:extLst>
+          </p:cNvPr>
+          <p:cNvSpPr txBox="1"/>
+          <p:nvPr/>
+        </p:nvSpPr>
+        <p:spPr>
+          <a:xfrm>
+            <a:off x="4163083" y="3293000"/>
+            <a:ext cx="1936749" cy="261610"/>
+          </a:xfrm>
+          <a:prstGeom prst="rect">
+            <a:avLst/>
+          </a:prstGeom>
+          <a:solidFill>
+            <a:schemeClr val="bg1"/>
+          </a:solidFill>
+          <a:ln>
+            <a:solidFill>
+              <a:schemeClr val="accent1"/>
+            </a:solidFill>
+          </a:ln>
+        </p:spPr>
+        <p:txBody>
+          <a:bodyPr wrap="none" rtlCol="0">
+            <a:spAutoFit/>
+          </a:bodyPr>
+          <a:lstStyle/>
+          <a:p>
+            <a:r>
+              <a:rPr lang="en-US" altLang="ko-KR" sz="1100" dirty="0"/>
+              <a:t>Add rooms with finish type</a:t>
             </a:r>
             <a:endParaRPr lang="ko-KR" altLang="en-US" sz="1100" dirty="0"/>
           </a:p>
@@ -17339,6 +17395,6732 @@
     <p:extLst>
       <p:ext uri="{BB962C8B-B14F-4D97-AF65-F5344CB8AC3E}">
         <p14:creationId xmlns:p14="http://schemas.microsoft.com/office/powerpoint/2010/main" val="3343778474"/>
+      </p:ext>
+    </p:extLst>
+  </p:cSld>
+  <p:clrMapOvr>
+    <a:masterClrMapping/>
+  </p:clrMapOvr>
+</p:sld>
+</file>
+
+<file path=ppt/slides/slide7.xml><?xml version="1.0" encoding="utf-8"?>
+<p:sld xmlns:a="http://schemas.openxmlformats.org/drawingml/2006/main" xmlns:r="http://schemas.openxmlformats.org/officeDocument/2006/relationships" xmlns:p="http://schemas.openxmlformats.org/presentationml/2006/main">
+  <p:cSld>
+    <p:spTree>
+      <p:nvGrpSpPr>
+        <p:cNvPr id="1" name=""/>
+        <p:cNvGrpSpPr/>
+        <p:nvPr/>
+      </p:nvGrpSpPr>
+      <p:grpSpPr>
+        <a:xfrm>
+          <a:off x="0" y="0"/>
+          <a:ext cx="0" cy="0"/>
+          <a:chOff x="0" y="0"/>
+          <a:chExt cx="0" cy="0"/>
+        </a:xfrm>
+      </p:grpSpPr>
+      <p:pic>
+        <p:nvPicPr>
+          <p:cNvPr id="5" name="그림 4">
+            <a:extLst>
+              <a:ext uri="{FF2B5EF4-FFF2-40B4-BE49-F238E27FC236}">
+                <a16:creationId xmlns:a16="http://schemas.microsoft.com/office/drawing/2014/main" id="{7B590717-6A02-3545-AEE3-F49AF23DE51D}"/>
+              </a:ext>
+            </a:extLst>
+          </p:cNvPr>
+          <p:cNvPicPr>
+            <a:picLocks noGrp="1" noRot="1" noChangeAspect="1" noMove="1" noResize="1" noEditPoints="1" noAdjustHandles="1" noChangeArrowheads="1" noChangeShapeType="1" noCrop="1"/>
+          </p:cNvPicPr>
+          <p:nvPr/>
+        </p:nvPicPr>
+        <p:blipFill>
+          <a:blip r:embed="rId2"/>
+          <a:stretch>
+            <a:fillRect/>
+          </a:stretch>
+        </p:blipFill>
+        <p:spPr>
+          <a:xfrm>
+            <a:off x="0" y="95250"/>
+            <a:ext cx="12192000" cy="6667500"/>
+          </a:xfrm>
+          <a:prstGeom prst="rect">
+            <a:avLst/>
+          </a:prstGeom>
+        </p:spPr>
+      </p:pic>
+      <p:graphicFrame>
+        <p:nvGraphicFramePr>
+          <p:cNvPr id="6" name="표 5">
+            <a:extLst>
+              <a:ext uri="{FF2B5EF4-FFF2-40B4-BE49-F238E27FC236}">
+                <a16:creationId xmlns:a16="http://schemas.microsoft.com/office/drawing/2014/main" id="{EE3A60FF-2CE3-B6A9-2FAD-7087A8D86FFB}"/>
+              </a:ext>
+            </a:extLst>
+          </p:cNvPr>
+          <p:cNvGraphicFramePr>
+            <a:graphicFrameLocks noGrp="1"/>
+          </p:cNvGraphicFramePr>
+          <p:nvPr>
+            <p:extLst>
+              <p:ext uri="{D42A27DB-BD31-4B8C-83A1-F6EECF244321}">
+                <p14:modId xmlns:p14="http://schemas.microsoft.com/office/powerpoint/2010/main" val="3869316170"/>
+              </p:ext>
+            </p:extLst>
+          </p:nvPr>
+        </p:nvGraphicFramePr>
+        <p:xfrm>
+          <a:off x="2758915" y="1307556"/>
+          <a:ext cx="5634745" cy="1432560"/>
+        </p:xfrm>
+        <a:graphic>
+          <a:graphicData uri="http://schemas.openxmlformats.org/drawingml/2006/table">
+            <a:tbl>
+              <a:tblPr firstRow="1" bandRow="1">
+                <a:tableStyleId>{5C22544A-7EE6-4342-B048-85BDC9FD1C3A}</a:tableStyleId>
+              </a:tblPr>
+              <a:tblGrid>
+                <a:gridCol w="945353">
+                  <a:extLst>
+                    <a:ext uri="{9D8B030D-6E8A-4147-A177-3AD203B41FA5}">
+                      <a16:colId xmlns:a16="http://schemas.microsoft.com/office/drawing/2014/main" val="1714871195"/>
+                    </a:ext>
+                  </a:extLst>
+                </a:gridCol>
+                <a:gridCol w="911902">
+                  <a:extLst>
+                    <a:ext uri="{9D8B030D-6E8A-4147-A177-3AD203B41FA5}">
+                      <a16:colId xmlns:a16="http://schemas.microsoft.com/office/drawing/2014/main" val="582723084"/>
+                    </a:ext>
+                  </a:extLst>
+                </a:gridCol>
+                <a:gridCol w="559857">
+                  <a:extLst>
+                    <a:ext uri="{9D8B030D-6E8A-4147-A177-3AD203B41FA5}">
+                      <a16:colId xmlns:a16="http://schemas.microsoft.com/office/drawing/2014/main" val="1680861650"/>
+                    </a:ext>
+                  </a:extLst>
+                </a:gridCol>
+                <a:gridCol w="901700">
+                  <a:extLst>
+                    <a:ext uri="{9D8B030D-6E8A-4147-A177-3AD203B41FA5}">
+                      <a16:colId xmlns:a16="http://schemas.microsoft.com/office/drawing/2014/main" val="2260511338"/>
+                    </a:ext>
+                  </a:extLst>
+                </a:gridCol>
+                <a:gridCol w="920750">
+                  <a:extLst>
+                    <a:ext uri="{9D8B030D-6E8A-4147-A177-3AD203B41FA5}">
+                      <a16:colId xmlns:a16="http://schemas.microsoft.com/office/drawing/2014/main" val="1008508426"/>
+                    </a:ext>
+                  </a:extLst>
+                </a:gridCol>
+                <a:gridCol w="717550">
+                  <a:extLst>
+                    <a:ext uri="{9D8B030D-6E8A-4147-A177-3AD203B41FA5}">
+                      <a16:colId xmlns:a16="http://schemas.microsoft.com/office/drawing/2014/main" val="2900262038"/>
+                    </a:ext>
+                  </a:extLst>
+                </a:gridCol>
+                <a:gridCol w="677633">
+                  <a:extLst>
+                    <a:ext uri="{9D8B030D-6E8A-4147-A177-3AD203B41FA5}">
+                      <a16:colId xmlns:a16="http://schemas.microsoft.com/office/drawing/2014/main" val="2403558010"/>
+                    </a:ext>
+                  </a:extLst>
+                </a:gridCol>
+              </a:tblGrid>
+              <a:tr h="0">
+                <a:tc>
+                  <a:txBody>
+                    <a:bodyPr/>
+                    <a:lstStyle/>
+                    <a:p>
+                      <a:pPr marL="0" marR="0" lvl="0" indent="0" algn="ctr" defTabSz="914400" rtl="0" eaLnBrk="1" fontAlgn="auto" latinLnBrk="1" hangingPunct="1">
+                        <a:lnSpc>
+                          <a:spcPct val="100000"/>
+                        </a:lnSpc>
+                        <a:spcBef>
+                          <a:spcPts val="0"/>
+                        </a:spcBef>
+                        <a:spcAft>
+                          <a:spcPts val="0"/>
+                        </a:spcAft>
+                        <a:buClrTx/>
+                        <a:buSzTx/>
+                        <a:buFontTx/>
+                        <a:buNone/>
+                        <a:tabLst/>
+                        <a:defRPr/>
+                      </a:pPr>
+                      <a:r>
+                        <a:rPr lang="en-US" altLang="ko-KR" sz="1000" b="0" dirty="0">
+                          <a:solidFill>
+                            <a:schemeClr val="tx1"/>
+                          </a:solidFill>
+                        </a:rPr>
+                        <a:t>Floor</a:t>
+                      </a:r>
+                      <a:endParaRPr lang="ko-KR" altLang="en-US" sz="1000" b="0" dirty="0">
+                        <a:solidFill>
+                          <a:schemeClr val="tx1"/>
+                        </a:solidFill>
+                      </a:endParaRPr>
+                    </a:p>
+                  </a:txBody>
+                  <a:tcPr>
+                    <a:lnL w="12700" cap="flat" cmpd="sng" algn="ctr">
+                      <a:solidFill>
+                        <a:schemeClr val="tx1"/>
+                      </a:solidFill>
+                      <a:prstDash val="solid"/>
+                      <a:round/>
+                      <a:headEnd type="none" w="med" len="med"/>
+                      <a:tailEnd type="none" w="med" len="med"/>
+                    </a:lnL>
+                    <a:lnR w="12700" cap="flat" cmpd="sng" algn="ctr">
+                      <a:solidFill>
+                        <a:schemeClr val="tx1"/>
+                      </a:solidFill>
+                      <a:prstDash val="solid"/>
+                      <a:round/>
+                      <a:headEnd type="none" w="med" len="med"/>
+                      <a:tailEnd type="none" w="med" len="med"/>
+                    </a:lnR>
+                    <a:lnT w="12700" cap="flat" cmpd="sng" algn="ctr">
+                      <a:solidFill>
+                        <a:schemeClr val="tx1"/>
+                      </a:solidFill>
+                      <a:prstDash val="solid"/>
+                      <a:round/>
+                      <a:headEnd type="none" w="med" len="med"/>
+                      <a:tailEnd type="none" w="med" len="med"/>
+                    </a:lnT>
+                    <a:lnB w="12700" cap="flat" cmpd="sng" algn="ctr">
+                      <a:solidFill>
+                        <a:schemeClr val="tx1"/>
+                      </a:solidFill>
+                      <a:prstDash val="solid"/>
+                      <a:round/>
+                      <a:headEnd type="none" w="med" len="med"/>
+                      <a:tailEnd type="none" w="med" len="med"/>
+                    </a:lnB>
+                    <a:solidFill>
+                      <a:schemeClr val="bg2"/>
+                    </a:solidFill>
+                  </a:tcPr>
+                </a:tc>
+                <a:tc>
+                  <a:txBody>
+                    <a:bodyPr/>
+                    <a:lstStyle/>
+                    <a:p>
+                      <a:pPr algn="ctr" latinLnBrk="1"/>
+                      <a:r>
+                        <a:rPr lang="en-US" altLang="ko-KR" sz="1000" b="0" dirty="0">
+                          <a:solidFill>
+                            <a:schemeClr val="tx1"/>
+                          </a:solidFill>
+                        </a:rPr>
+                        <a:t>Work Master Code /w Description</a:t>
+                      </a:r>
+                      <a:endParaRPr lang="ko-KR" altLang="en-US" sz="1000" b="0" dirty="0">
+                        <a:solidFill>
+                          <a:schemeClr val="tx1"/>
+                        </a:solidFill>
+                      </a:endParaRPr>
+                    </a:p>
+                  </a:txBody>
+                  <a:tcPr>
+                    <a:lnL w="12700" cap="flat" cmpd="sng" algn="ctr">
+                      <a:solidFill>
+                        <a:schemeClr val="tx1"/>
+                      </a:solidFill>
+                      <a:prstDash val="solid"/>
+                      <a:round/>
+                      <a:headEnd type="none" w="med" len="med"/>
+                      <a:tailEnd type="none" w="med" len="med"/>
+                    </a:lnL>
+                    <a:lnR w="12700" cap="flat" cmpd="sng" algn="ctr">
+                      <a:solidFill>
+                        <a:schemeClr val="tx1"/>
+                      </a:solidFill>
+                      <a:prstDash val="solid"/>
+                      <a:round/>
+                      <a:headEnd type="none" w="med" len="med"/>
+                      <a:tailEnd type="none" w="med" len="med"/>
+                    </a:lnR>
+                    <a:lnT w="12700" cap="flat" cmpd="sng" algn="ctr">
+                      <a:solidFill>
+                        <a:schemeClr val="tx1"/>
+                      </a:solidFill>
+                      <a:prstDash val="solid"/>
+                      <a:round/>
+                      <a:headEnd type="none" w="med" len="med"/>
+                      <a:tailEnd type="none" w="med" len="med"/>
+                    </a:lnT>
+                    <a:lnB w="12700" cap="flat" cmpd="sng" algn="ctr">
+                      <a:solidFill>
+                        <a:schemeClr val="tx1"/>
+                      </a:solidFill>
+                      <a:prstDash val="solid"/>
+                      <a:round/>
+                      <a:headEnd type="none" w="med" len="med"/>
+                      <a:tailEnd type="none" w="med" len="med"/>
+                    </a:lnB>
+                    <a:solidFill>
+                      <a:schemeClr val="bg2"/>
+                    </a:solidFill>
+                  </a:tcPr>
+                </a:tc>
+                <a:tc>
+                  <a:txBody>
+                    <a:bodyPr/>
+                    <a:lstStyle/>
+                    <a:p>
+                      <a:pPr algn="ctr" latinLnBrk="1"/>
+                      <a:r>
+                        <a:rPr lang="en-US" altLang="ko-KR" sz="1000" b="0" dirty="0">
+                          <a:solidFill>
+                            <a:schemeClr val="tx1"/>
+                          </a:solidFill>
+                        </a:rPr>
+                        <a:t>Gauge Code</a:t>
+                      </a:r>
+                      <a:endParaRPr lang="ko-KR" altLang="en-US" sz="1000" b="0" dirty="0">
+                        <a:solidFill>
+                          <a:schemeClr val="tx1"/>
+                        </a:solidFill>
+                      </a:endParaRPr>
+                    </a:p>
+                  </a:txBody>
+                  <a:tcPr>
+                    <a:lnL w="12700" cap="flat" cmpd="sng" algn="ctr">
+                      <a:solidFill>
+                        <a:schemeClr val="tx1"/>
+                      </a:solidFill>
+                      <a:prstDash val="solid"/>
+                      <a:round/>
+                      <a:headEnd type="none" w="med" len="med"/>
+                      <a:tailEnd type="none" w="med" len="med"/>
+                    </a:lnL>
+                    <a:lnR w="12700" cap="flat" cmpd="sng" algn="ctr">
+                      <a:solidFill>
+                        <a:schemeClr val="tx1"/>
+                      </a:solidFill>
+                      <a:prstDash val="solid"/>
+                      <a:round/>
+                      <a:headEnd type="none" w="med" len="med"/>
+                      <a:tailEnd type="none" w="med" len="med"/>
+                    </a:lnR>
+                    <a:lnT w="12700" cap="flat" cmpd="sng" algn="ctr">
+                      <a:solidFill>
+                        <a:schemeClr val="tx1"/>
+                      </a:solidFill>
+                      <a:prstDash val="solid"/>
+                      <a:round/>
+                      <a:headEnd type="none" w="med" len="med"/>
+                      <a:tailEnd type="none" w="med" len="med"/>
+                    </a:lnT>
+                    <a:lnB w="12700" cap="flat" cmpd="sng" algn="ctr">
+                      <a:solidFill>
+                        <a:schemeClr val="tx1"/>
+                      </a:solidFill>
+                      <a:prstDash val="solid"/>
+                      <a:round/>
+                      <a:headEnd type="none" w="med" len="med"/>
+                      <a:tailEnd type="none" w="med" len="med"/>
+                    </a:lnB>
+                    <a:solidFill>
+                      <a:schemeClr val="bg2"/>
+                    </a:solidFill>
+                  </a:tcPr>
+                </a:tc>
+                <a:tc>
+                  <a:txBody>
+                    <a:bodyPr/>
+                    <a:lstStyle/>
+                    <a:p>
+                      <a:pPr algn="ctr" latinLnBrk="1"/>
+                      <a:r>
+                        <a:rPr lang="en-US" altLang="ko-KR" sz="1000" b="0" dirty="0">
+                          <a:solidFill>
+                            <a:schemeClr val="tx1"/>
+                          </a:solidFill>
+                        </a:rPr>
+                        <a:t>Description</a:t>
+                      </a:r>
+                      <a:endParaRPr lang="ko-KR" altLang="en-US" sz="1000" b="0" dirty="0">
+                        <a:solidFill>
+                          <a:schemeClr val="tx1"/>
+                        </a:solidFill>
+                      </a:endParaRPr>
+                    </a:p>
+                  </a:txBody>
+                  <a:tcPr>
+                    <a:lnL w="12700" cap="flat" cmpd="sng" algn="ctr">
+                      <a:solidFill>
+                        <a:schemeClr val="tx1"/>
+                      </a:solidFill>
+                      <a:prstDash val="solid"/>
+                      <a:round/>
+                      <a:headEnd type="none" w="med" len="med"/>
+                      <a:tailEnd type="none" w="med" len="med"/>
+                    </a:lnL>
+                    <a:lnR w="12700" cap="flat" cmpd="sng" algn="ctr">
+                      <a:solidFill>
+                        <a:schemeClr val="tx1"/>
+                      </a:solidFill>
+                      <a:prstDash val="solid"/>
+                      <a:round/>
+                      <a:headEnd type="none" w="med" len="med"/>
+                      <a:tailEnd type="none" w="med" len="med"/>
+                    </a:lnR>
+                    <a:lnT w="12700" cap="flat" cmpd="sng" algn="ctr">
+                      <a:solidFill>
+                        <a:schemeClr val="tx1"/>
+                      </a:solidFill>
+                      <a:prstDash val="solid"/>
+                      <a:round/>
+                      <a:headEnd type="none" w="med" len="med"/>
+                      <a:tailEnd type="none" w="med" len="med"/>
+                    </a:lnT>
+                    <a:lnB w="12700" cap="flat" cmpd="sng" algn="ctr">
+                      <a:solidFill>
+                        <a:schemeClr val="tx1"/>
+                      </a:solidFill>
+                      <a:prstDash val="solid"/>
+                      <a:round/>
+                      <a:headEnd type="none" w="med" len="med"/>
+                      <a:tailEnd type="none" w="med" len="med"/>
+                    </a:lnB>
+                    <a:solidFill>
+                      <a:schemeClr val="bg2"/>
+                    </a:solidFill>
+                  </a:tcPr>
+                </a:tc>
+                <a:tc>
+                  <a:txBody>
+                    <a:bodyPr/>
+                    <a:lstStyle/>
+                    <a:p>
+                      <a:pPr algn="ctr" latinLnBrk="1"/>
+                      <a:r>
+                        <a:rPr lang="ko-KR" altLang="en-US" sz="1000" b="0" dirty="0">
+                          <a:solidFill>
+                            <a:schemeClr val="tx1"/>
+                          </a:solidFill>
+                        </a:rPr>
+                        <a:t>물량산출식</a:t>
+                      </a:r>
+                    </a:p>
+                  </a:txBody>
+                  <a:tcPr>
+                    <a:lnL w="12700" cap="flat" cmpd="sng" algn="ctr">
+                      <a:solidFill>
+                        <a:schemeClr val="tx1"/>
+                      </a:solidFill>
+                      <a:prstDash val="solid"/>
+                      <a:round/>
+                      <a:headEnd type="none" w="med" len="med"/>
+                      <a:tailEnd type="none" w="med" len="med"/>
+                    </a:lnL>
+                    <a:lnR w="12700" cap="flat" cmpd="sng" algn="ctr">
+                      <a:solidFill>
+                        <a:schemeClr val="tx1"/>
+                      </a:solidFill>
+                      <a:prstDash val="solid"/>
+                      <a:round/>
+                      <a:headEnd type="none" w="med" len="med"/>
+                      <a:tailEnd type="none" w="med" len="med"/>
+                    </a:lnR>
+                    <a:lnT w="12700" cap="flat" cmpd="sng" algn="ctr">
+                      <a:solidFill>
+                        <a:schemeClr val="tx1"/>
+                      </a:solidFill>
+                      <a:prstDash val="solid"/>
+                      <a:round/>
+                      <a:headEnd type="none" w="med" len="med"/>
+                      <a:tailEnd type="none" w="med" len="med"/>
+                    </a:lnT>
+                    <a:lnB w="12700" cap="flat" cmpd="sng" algn="ctr">
+                      <a:solidFill>
+                        <a:schemeClr val="tx1"/>
+                      </a:solidFill>
+                      <a:prstDash val="solid"/>
+                      <a:round/>
+                      <a:headEnd type="none" w="med" len="med"/>
+                      <a:tailEnd type="none" w="med" len="med"/>
+                    </a:lnB>
+                    <a:solidFill>
+                      <a:schemeClr val="bg2"/>
+                    </a:solidFill>
+                  </a:tcPr>
+                </a:tc>
+                <a:tc>
+                  <a:txBody>
+                    <a:bodyPr/>
+                    <a:lstStyle/>
+                    <a:p>
+                      <a:pPr algn="ctr" latinLnBrk="1"/>
+                      <a:r>
+                        <a:rPr lang="en-US" altLang="ko-KR" sz="1000" b="0" dirty="0">
+                          <a:solidFill>
+                            <a:schemeClr val="tx1"/>
+                          </a:solidFill>
+                        </a:rPr>
+                        <a:t>Quantity</a:t>
+                      </a:r>
+                      <a:endParaRPr lang="ko-KR" altLang="en-US" sz="1000" b="0" dirty="0">
+                        <a:solidFill>
+                          <a:schemeClr val="tx1"/>
+                        </a:solidFill>
+                      </a:endParaRPr>
+                    </a:p>
+                  </a:txBody>
+                  <a:tcPr>
+                    <a:lnL w="12700" cap="flat" cmpd="sng" algn="ctr">
+                      <a:solidFill>
+                        <a:schemeClr val="tx1"/>
+                      </a:solidFill>
+                      <a:prstDash val="solid"/>
+                      <a:round/>
+                      <a:headEnd type="none" w="med" len="med"/>
+                      <a:tailEnd type="none" w="med" len="med"/>
+                    </a:lnL>
+                    <a:lnR w="12700" cap="flat" cmpd="sng" algn="ctr">
+                      <a:solidFill>
+                        <a:schemeClr val="tx1"/>
+                      </a:solidFill>
+                      <a:prstDash val="solid"/>
+                      <a:round/>
+                      <a:headEnd type="none" w="med" len="med"/>
+                      <a:tailEnd type="none" w="med" len="med"/>
+                    </a:lnR>
+                    <a:lnT w="12700" cap="flat" cmpd="sng" algn="ctr">
+                      <a:solidFill>
+                        <a:schemeClr val="tx1"/>
+                      </a:solidFill>
+                      <a:prstDash val="solid"/>
+                      <a:round/>
+                      <a:headEnd type="none" w="med" len="med"/>
+                      <a:tailEnd type="none" w="med" len="med"/>
+                    </a:lnT>
+                    <a:lnB w="12700" cap="flat" cmpd="sng" algn="ctr">
+                      <a:solidFill>
+                        <a:schemeClr val="tx1"/>
+                      </a:solidFill>
+                      <a:prstDash val="solid"/>
+                      <a:round/>
+                      <a:headEnd type="none" w="med" len="med"/>
+                      <a:tailEnd type="none" w="med" len="med"/>
+                    </a:lnB>
+                    <a:solidFill>
+                      <a:schemeClr val="bg2"/>
+                    </a:solidFill>
+                  </a:tcPr>
+                </a:tc>
+                <a:tc>
+                  <a:txBody>
+                    <a:bodyPr/>
+                    <a:lstStyle/>
+                    <a:p>
+                      <a:pPr algn="ctr" latinLnBrk="1"/>
+                      <a:r>
+                        <a:rPr lang="en-US" altLang="ko-KR" sz="1000" b="0" dirty="0">
+                          <a:solidFill>
+                            <a:schemeClr val="tx1"/>
+                          </a:solidFill>
+                        </a:rPr>
+                        <a:t>Remark</a:t>
+                      </a:r>
+                      <a:endParaRPr lang="ko-KR" altLang="en-US" sz="1000" b="0" dirty="0">
+                        <a:solidFill>
+                          <a:schemeClr val="tx1"/>
+                        </a:solidFill>
+                      </a:endParaRPr>
+                    </a:p>
+                  </a:txBody>
+                  <a:tcPr>
+                    <a:lnL w="12700" cap="flat" cmpd="sng" algn="ctr">
+                      <a:solidFill>
+                        <a:schemeClr val="tx1"/>
+                      </a:solidFill>
+                      <a:prstDash val="solid"/>
+                      <a:round/>
+                      <a:headEnd type="none" w="med" len="med"/>
+                      <a:tailEnd type="none" w="med" len="med"/>
+                    </a:lnL>
+                    <a:lnR w="12700" cap="flat" cmpd="sng" algn="ctr">
+                      <a:solidFill>
+                        <a:schemeClr val="tx1"/>
+                      </a:solidFill>
+                      <a:prstDash val="solid"/>
+                      <a:round/>
+                      <a:headEnd type="none" w="med" len="med"/>
+                      <a:tailEnd type="none" w="med" len="med"/>
+                    </a:lnR>
+                    <a:lnT w="12700" cap="flat" cmpd="sng" algn="ctr">
+                      <a:solidFill>
+                        <a:schemeClr val="tx1"/>
+                      </a:solidFill>
+                      <a:prstDash val="solid"/>
+                      <a:round/>
+                      <a:headEnd type="none" w="med" len="med"/>
+                      <a:tailEnd type="none" w="med" len="med"/>
+                    </a:lnT>
+                    <a:lnB w="12700" cap="flat" cmpd="sng" algn="ctr">
+                      <a:solidFill>
+                        <a:schemeClr val="tx1"/>
+                      </a:solidFill>
+                      <a:prstDash val="solid"/>
+                      <a:round/>
+                      <a:headEnd type="none" w="med" len="med"/>
+                      <a:tailEnd type="none" w="med" len="med"/>
+                    </a:lnB>
+                    <a:solidFill>
+                      <a:schemeClr val="bg2"/>
+                    </a:solidFill>
+                  </a:tcPr>
+                </a:tc>
+                <a:extLst>
+                  <a:ext uri="{0D108BD9-81ED-4DB2-BD59-A6C34878D82A}">
+                    <a16:rowId xmlns:a16="http://schemas.microsoft.com/office/drawing/2014/main" val="4228979736"/>
+                  </a:ext>
+                </a:extLst>
+              </a:tr>
+              <a:tr h="192405">
+                <a:tc>
+                  <a:txBody>
+                    <a:bodyPr/>
+                    <a:lstStyle/>
+                    <a:p>
+                      <a:pPr latinLnBrk="1"/>
+                      <a:endParaRPr lang="ko-KR" altLang="en-US" sz="1000" b="0" dirty="0">
+                        <a:solidFill>
+                          <a:schemeClr val="tx1"/>
+                        </a:solidFill>
+                      </a:endParaRPr>
+                    </a:p>
+                  </a:txBody>
+                  <a:tcPr>
+                    <a:lnL w="12700" cap="flat" cmpd="sng" algn="ctr">
+                      <a:solidFill>
+                        <a:schemeClr val="tx1"/>
+                      </a:solidFill>
+                      <a:prstDash val="solid"/>
+                      <a:round/>
+                      <a:headEnd type="none" w="med" len="med"/>
+                      <a:tailEnd type="none" w="med" len="med"/>
+                    </a:lnL>
+                    <a:lnR w="12700" cap="flat" cmpd="sng" algn="ctr">
+                      <a:solidFill>
+                        <a:schemeClr val="tx1"/>
+                      </a:solidFill>
+                      <a:prstDash val="solid"/>
+                      <a:round/>
+                      <a:headEnd type="none" w="med" len="med"/>
+                      <a:tailEnd type="none" w="med" len="med"/>
+                    </a:lnR>
+                    <a:lnT w="12700" cap="flat" cmpd="sng" algn="ctr">
+                      <a:solidFill>
+                        <a:schemeClr val="tx1"/>
+                      </a:solidFill>
+                      <a:prstDash val="solid"/>
+                      <a:round/>
+                      <a:headEnd type="none" w="med" len="med"/>
+                      <a:tailEnd type="none" w="med" len="med"/>
+                    </a:lnT>
+                    <a:lnB w="12700" cap="flat" cmpd="sng" algn="ctr">
+                      <a:solidFill>
+                        <a:schemeClr val="tx1"/>
+                      </a:solidFill>
+                      <a:prstDash val="solid"/>
+                      <a:round/>
+                      <a:headEnd type="none" w="med" len="med"/>
+                      <a:tailEnd type="none" w="med" len="med"/>
+                    </a:lnB>
+                    <a:solidFill>
+                      <a:schemeClr val="bg1"/>
+                    </a:solidFill>
+                  </a:tcPr>
+                </a:tc>
+                <a:tc>
+                  <a:txBody>
+                    <a:bodyPr/>
+                    <a:lstStyle/>
+                    <a:p>
+                      <a:pPr latinLnBrk="1"/>
+                      <a:endParaRPr lang="ko-KR" altLang="en-US" sz="1000" b="0">
+                        <a:solidFill>
+                          <a:schemeClr val="tx1"/>
+                        </a:solidFill>
+                      </a:endParaRPr>
+                    </a:p>
+                  </a:txBody>
+                  <a:tcPr>
+                    <a:lnL w="12700" cap="flat" cmpd="sng" algn="ctr">
+                      <a:solidFill>
+                        <a:schemeClr val="tx1"/>
+                      </a:solidFill>
+                      <a:prstDash val="solid"/>
+                      <a:round/>
+                      <a:headEnd type="none" w="med" len="med"/>
+                      <a:tailEnd type="none" w="med" len="med"/>
+                    </a:lnL>
+                    <a:lnR w="12700" cap="flat" cmpd="sng" algn="ctr">
+                      <a:solidFill>
+                        <a:schemeClr val="tx1"/>
+                      </a:solidFill>
+                      <a:prstDash val="solid"/>
+                      <a:round/>
+                      <a:headEnd type="none" w="med" len="med"/>
+                      <a:tailEnd type="none" w="med" len="med"/>
+                    </a:lnR>
+                    <a:lnT w="12700" cap="flat" cmpd="sng" algn="ctr">
+                      <a:solidFill>
+                        <a:schemeClr val="tx1"/>
+                      </a:solidFill>
+                      <a:prstDash val="solid"/>
+                      <a:round/>
+                      <a:headEnd type="none" w="med" len="med"/>
+                      <a:tailEnd type="none" w="med" len="med"/>
+                    </a:lnT>
+                    <a:lnB w="12700" cap="flat" cmpd="sng" algn="ctr">
+                      <a:solidFill>
+                        <a:schemeClr val="tx1"/>
+                      </a:solidFill>
+                      <a:prstDash val="solid"/>
+                      <a:round/>
+                      <a:headEnd type="none" w="med" len="med"/>
+                      <a:tailEnd type="none" w="med" len="med"/>
+                    </a:lnB>
+                    <a:solidFill>
+                      <a:schemeClr val="bg1"/>
+                    </a:solidFill>
+                  </a:tcPr>
+                </a:tc>
+                <a:tc>
+                  <a:txBody>
+                    <a:bodyPr/>
+                    <a:lstStyle/>
+                    <a:p>
+                      <a:pPr latinLnBrk="1"/>
+                      <a:endParaRPr lang="ko-KR" altLang="en-US" sz="1000" b="0">
+                        <a:solidFill>
+                          <a:schemeClr val="tx1"/>
+                        </a:solidFill>
+                      </a:endParaRPr>
+                    </a:p>
+                  </a:txBody>
+                  <a:tcPr>
+                    <a:lnL w="12700" cap="flat" cmpd="sng" algn="ctr">
+                      <a:solidFill>
+                        <a:schemeClr val="tx1"/>
+                      </a:solidFill>
+                      <a:prstDash val="solid"/>
+                      <a:round/>
+                      <a:headEnd type="none" w="med" len="med"/>
+                      <a:tailEnd type="none" w="med" len="med"/>
+                    </a:lnL>
+                    <a:lnR w="12700" cap="flat" cmpd="sng" algn="ctr">
+                      <a:solidFill>
+                        <a:schemeClr val="tx1"/>
+                      </a:solidFill>
+                      <a:prstDash val="solid"/>
+                      <a:round/>
+                      <a:headEnd type="none" w="med" len="med"/>
+                      <a:tailEnd type="none" w="med" len="med"/>
+                    </a:lnR>
+                    <a:lnT w="12700" cap="flat" cmpd="sng" algn="ctr">
+                      <a:solidFill>
+                        <a:schemeClr val="tx1"/>
+                      </a:solidFill>
+                      <a:prstDash val="solid"/>
+                      <a:round/>
+                      <a:headEnd type="none" w="med" len="med"/>
+                      <a:tailEnd type="none" w="med" len="med"/>
+                    </a:lnT>
+                    <a:lnB w="12700" cap="flat" cmpd="sng" algn="ctr">
+                      <a:solidFill>
+                        <a:schemeClr val="tx1"/>
+                      </a:solidFill>
+                      <a:prstDash val="solid"/>
+                      <a:round/>
+                      <a:headEnd type="none" w="med" len="med"/>
+                      <a:tailEnd type="none" w="med" len="med"/>
+                    </a:lnB>
+                    <a:solidFill>
+                      <a:schemeClr val="bg1"/>
+                    </a:solidFill>
+                  </a:tcPr>
+                </a:tc>
+                <a:tc>
+                  <a:txBody>
+                    <a:bodyPr/>
+                    <a:lstStyle/>
+                    <a:p>
+                      <a:pPr latinLnBrk="1"/>
+                      <a:endParaRPr lang="ko-KR" altLang="en-US" sz="1000" b="0" dirty="0">
+                        <a:solidFill>
+                          <a:schemeClr val="tx1"/>
+                        </a:solidFill>
+                      </a:endParaRPr>
+                    </a:p>
+                  </a:txBody>
+                  <a:tcPr>
+                    <a:lnL w="12700" cap="flat" cmpd="sng" algn="ctr">
+                      <a:solidFill>
+                        <a:schemeClr val="tx1"/>
+                      </a:solidFill>
+                      <a:prstDash val="solid"/>
+                      <a:round/>
+                      <a:headEnd type="none" w="med" len="med"/>
+                      <a:tailEnd type="none" w="med" len="med"/>
+                    </a:lnL>
+                    <a:lnR w="12700" cap="flat" cmpd="sng" algn="ctr">
+                      <a:solidFill>
+                        <a:schemeClr val="tx1"/>
+                      </a:solidFill>
+                      <a:prstDash val="solid"/>
+                      <a:round/>
+                      <a:headEnd type="none" w="med" len="med"/>
+                      <a:tailEnd type="none" w="med" len="med"/>
+                    </a:lnR>
+                    <a:lnT w="12700" cap="flat" cmpd="sng" algn="ctr">
+                      <a:solidFill>
+                        <a:schemeClr val="tx1"/>
+                      </a:solidFill>
+                      <a:prstDash val="solid"/>
+                      <a:round/>
+                      <a:headEnd type="none" w="med" len="med"/>
+                      <a:tailEnd type="none" w="med" len="med"/>
+                    </a:lnT>
+                    <a:lnB w="12700" cap="flat" cmpd="sng" algn="ctr">
+                      <a:solidFill>
+                        <a:schemeClr val="tx1"/>
+                      </a:solidFill>
+                      <a:prstDash val="solid"/>
+                      <a:round/>
+                      <a:headEnd type="none" w="med" len="med"/>
+                      <a:tailEnd type="none" w="med" len="med"/>
+                    </a:lnB>
+                    <a:solidFill>
+                      <a:schemeClr val="bg1"/>
+                    </a:solidFill>
+                  </a:tcPr>
+                </a:tc>
+                <a:tc>
+                  <a:txBody>
+                    <a:bodyPr/>
+                    <a:lstStyle/>
+                    <a:p>
+                      <a:pPr latinLnBrk="1"/>
+                      <a:endParaRPr lang="ko-KR" altLang="en-US" sz="1000" b="0" dirty="0">
+                        <a:solidFill>
+                          <a:schemeClr val="tx1"/>
+                        </a:solidFill>
+                      </a:endParaRPr>
+                    </a:p>
+                  </a:txBody>
+                  <a:tcPr>
+                    <a:lnL w="12700" cap="flat" cmpd="sng" algn="ctr">
+                      <a:solidFill>
+                        <a:schemeClr val="tx1"/>
+                      </a:solidFill>
+                      <a:prstDash val="solid"/>
+                      <a:round/>
+                      <a:headEnd type="none" w="med" len="med"/>
+                      <a:tailEnd type="none" w="med" len="med"/>
+                    </a:lnL>
+                    <a:lnR w="12700" cap="flat" cmpd="sng" algn="ctr">
+                      <a:solidFill>
+                        <a:schemeClr val="tx1"/>
+                      </a:solidFill>
+                      <a:prstDash val="solid"/>
+                      <a:round/>
+                      <a:headEnd type="none" w="med" len="med"/>
+                      <a:tailEnd type="none" w="med" len="med"/>
+                    </a:lnR>
+                    <a:lnT w="12700" cap="flat" cmpd="sng" algn="ctr">
+                      <a:solidFill>
+                        <a:schemeClr val="tx1"/>
+                      </a:solidFill>
+                      <a:prstDash val="solid"/>
+                      <a:round/>
+                      <a:headEnd type="none" w="med" len="med"/>
+                      <a:tailEnd type="none" w="med" len="med"/>
+                    </a:lnT>
+                    <a:lnB w="12700" cap="flat" cmpd="sng" algn="ctr">
+                      <a:solidFill>
+                        <a:schemeClr val="tx1"/>
+                      </a:solidFill>
+                      <a:prstDash val="solid"/>
+                      <a:round/>
+                      <a:headEnd type="none" w="med" len="med"/>
+                      <a:tailEnd type="none" w="med" len="med"/>
+                    </a:lnB>
+                    <a:solidFill>
+                      <a:schemeClr val="bg1"/>
+                    </a:solidFill>
+                  </a:tcPr>
+                </a:tc>
+                <a:tc>
+                  <a:txBody>
+                    <a:bodyPr/>
+                    <a:lstStyle/>
+                    <a:p>
+                      <a:pPr latinLnBrk="1"/>
+                      <a:endParaRPr lang="ko-KR" altLang="en-US" sz="1000" b="0" dirty="0">
+                        <a:solidFill>
+                          <a:schemeClr val="tx1"/>
+                        </a:solidFill>
+                      </a:endParaRPr>
+                    </a:p>
+                  </a:txBody>
+                  <a:tcPr>
+                    <a:lnL w="12700" cap="flat" cmpd="sng" algn="ctr">
+                      <a:solidFill>
+                        <a:schemeClr val="tx1"/>
+                      </a:solidFill>
+                      <a:prstDash val="solid"/>
+                      <a:round/>
+                      <a:headEnd type="none" w="med" len="med"/>
+                      <a:tailEnd type="none" w="med" len="med"/>
+                    </a:lnL>
+                    <a:lnR w="12700" cap="flat" cmpd="sng" algn="ctr">
+                      <a:solidFill>
+                        <a:schemeClr val="tx1"/>
+                      </a:solidFill>
+                      <a:prstDash val="solid"/>
+                      <a:round/>
+                      <a:headEnd type="none" w="med" len="med"/>
+                      <a:tailEnd type="none" w="med" len="med"/>
+                    </a:lnR>
+                    <a:lnT w="12700" cap="flat" cmpd="sng" algn="ctr">
+                      <a:solidFill>
+                        <a:schemeClr val="tx1"/>
+                      </a:solidFill>
+                      <a:prstDash val="solid"/>
+                      <a:round/>
+                      <a:headEnd type="none" w="med" len="med"/>
+                      <a:tailEnd type="none" w="med" len="med"/>
+                    </a:lnT>
+                    <a:lnB w="12700" cap="flat" cmpd="sng" algn="ctr">
+                      <a:solidFill>
+                        <a:schemeClr val="tx1"/>
+                      </a:solidFill>
+                      <a:prstDash val="solid"/>
+                      <a:round/>
+                      <a:headEnd type="none" w="med" len="med"/>
+                      <a:tailEnd type="none" w="med" len="med"/>
+                    </a:lnB>
+                    <a:solidFill>
+                      <a:schemeClr val="bg1"/>
+                    </a:solidFill>
+                  </a:tcPr>
+                </a:tc>
+                <a:tc>
+                  <a:txBody>
+                    <a:bodyPr/>
+                    <a:lstStyle/>
+                    <a:p>
+                      <a:pPr latinLnBrk="1"/>
+                      <a:endParaRPr lang="ko-KR" altLang="en-US" sz="1000" b="0" dirty="0">
+                        <a:solidFill>
+                          <a:schemeClr val="tx1"/>
+                        </a:solidFill>
+                      </a:endParaRPr>
+                    </a:p>
+                  </a:txBody>
+                  <a:tcPr>
+                    <a:lnL w="12700" cap="flat" cmpd="sng" algn="ctr">
+                      <a:solidFill>
+                        <a:schemeClr val="tx1"/>
+                      </a:solidFill>
+                      <a:prstDash val="solid"/>
+                      <a:round/>
+                      <a:headEnd type="none" w="med" len="med"/>
+                      <a:tailEnd type="none" w="med" len="med"/>
+                    </a:lnL>
+                    <a:lnR w="12700" cap="flat" cmpd="sng" algn="ctr">
+                      <a:solidFill>
+                        <a:schemeClr val="tx1"/>
+                      </a:solidFill>
+                      <a:prstDash val="solid"/>
+                      <a:round/>
+                      <a:headEnd type="none" w="med" len="med"/>
+                      <a:tailEnd type="none" w="med" len="med"/>
+                    </a:lnR>
+                    <a:lnT w="12700" cap="flat" cmpd="sng" algn="ctr">
+                      <a:solidFill>
+                        <a:schemeClr val="tx1"/>
+                      </a:solidFill>
+                      <a:prstDash val="solid"/>
+                      <a:round/>
+                      <a:headEnd type="none" w="med" len="med"/>
+                      <a:tailEnd type="none" w="med" len="med"/>
+                    </a:lnT>
+                    <a:lnB w="12700" cap="flat" cmpd="sng" algn="ctr">
+                      <a:solidFill>
+                        <a:schemeClr val="tx1"/>
+                      </a:solidFill>
+                      <a:prstDash val="solid"/>
+                      <a:round/>
+                      <a:headEnd type="none" w="med" len="med"/>
+                      <a:tailEnd type="none" w="med" len="med"/>
+                    </a:lnB>
+                    <a:solidFill>
+                      <a:schemeClr val="bg1"/>
+                    </a:solidFill>
+                  </a:tcPr>
+                </a:tc>
+                <a:extLst>
+                  <a:ext uri="{0D108BD9-81ED-4DB2-BD59-A6C34878D82A}">
+                    <a16:rowId xmlns:a16="http://schemas.microsoft.com/office/drawing/2014/main" val="2874484294"/>
+                  </a:ext>
+                </a:extLst>
+              </a:tr>
+              <a:tr h="192405">
+                <a:tc>
+                  <a:txBody>
+                    <a:bodyPr/>
+                    <a:lstStyle/>
+                    <a:p>
+                      <a:pPr latinLnBrk="1"/>
+                      <a:endParaRPr lang="ko-KR" altLang="en-US" sz="1000" b="0" dirty="0">
+                        <a:solidFill>
+                          <a:schemeClr val="tx1"/>
+                        </a:solidFill>
+                      </a:endParaRPr>
+                    </a:p>
+                  </a:txBody>
+                  <a:tcPr>
+                    <a:lnL w="12700" cap="flat" cmpd="sng" algn="ctr">
+                      <a:solidFill>
+                        <a:schemeClr val="tx1"/>
+                      </a:solidFill>
+                      <a:prstDash val="solid"/>
+                      <a:round/>
+                      <a:headEnd type="none" w="med" len="med"/>
+                      <a:tailEnd type="none" w="med" len="med"/>
+                    </a:lnL>
+                    <a:lnR w="12700" cap="flat" cmpd="sng" algn="ctr">
+                      <a:solidFill>
+                        <a:schemeClr val="tx1"/>
+                      </a:solidFill>
+                      <a:prstDash val="solid"/>
+                      <a:round/>
+                      <a:headEnd type="none" w="med" len="med"/>
+                      <a:tailEnd type="none" w="med" len="med"/>
+                    </a:lnR>
+                    <a:lnT w="12700" cap="flat" cmpd="sng" algn="ctr">
+                      <a:solidFill>
+                        <a:schemeClr val="tx1"/>
+                      </a:solidFill>
+                      <a:prstDash val="solid"/>
+                      <a:round/>
+                      <a:headEnd type="none" w="med" len="med"/>
+                      <a:tailEnd type="none" w="med" len="med"/>
+                    </a:lnT>
+                    <a:lnB w="12700" cap="flat" cmpd="sng" algn="ctr">
+                      <a:solidFill>
+                        <a:schemeClr val="tx1"/>
+                      </a:solidFill>
+                      <a:prstDash val="solid"/>
+                      <a:round/>
+                      <a:headEnd type="none" w="med" len="med"/>
+                      <a:tailEnd type="none" w="med" len="med"/>
+                    </a:lnB>
+                    <a:solidFill>
+                      <a:schemeClr val="bg1"/>
+                    </a:solidFill>
+                  </a:tcPr>
+                </a:tc>
+                <a:tc>
+                  <a:txBody>
+                    <a:bodyPr/>
+                    <a:lstStyle/>
+                    <a:p>
+                      <a:pPr latinLnBrk="1"/>
+                      <a:endParaRPr lang="ko-KR" altLang="en-US" sz="1000" b="0">
+                        <a:solidFill>
+                          <a:schemeClr val="tx1"/>
+                        </a:solidFill>
+                      </a:endParaRPr>
+                    </a:p>
+                  </a:txBody>
+                  <a:tcPr>
+                    <a:lnL w="12700" cap="flat" cmpd="sng" algn="ctr">
+                      <a:solidFill>
+                        <a:schemeClr val="tx1"/>
+                      </a:solidFill>
+                      <a:prstDash val="solid"/>
+                      <a:round/>
+                      <a:headEnd type="none" w="med" len="med"/>
+                      <a:tailEnd type="none" w="med" len="med"/>
+                    </a:lnL>
+                    <a:lnR w="12700" cap="flat" cmpd="sng" algn="ctr">
+                      <a:solidFill>
+                        <a:schemeClr val="tx1"/>
+                      </a:solidFill>
+                      <a:prstDash val="solid"/>
+                      <a:round/>
+                      <a:headEnd type="none" w="med" len="med"/>
+                      <a:tailEnd type="none" w="med" len="med"/>
+                    </a:lnR>
+                    <a:lnT w="12700" cap="flat" cmpd="sng" algn="ctr">
+                      <a:solidFill>
+                        <a:schemeClr val="tx1"/>
+                      </a:solidFill>
+                      <a:prstDash val="solid"/>
+                      <a:round/>
+                      <a:headEnd type="none" w="med" len="med"/>
+                      <a:tailEnd type="none" w="med" len="med"/>
+                    </a:lnT>
+                    <a:lnB w="12700" cap="flat" cmpd="sng" algn="ctr">
+                      <a:solidFill>
+                        <a:schemeClr val="tx1"/>
+                      </a:solidFill>
+                      <a:prstDash val="solid"/>
+                      <a:round/>
+                      <a:headEnd type="none" w="med" len="med"/>
+                      <a:tailEnd type="none" w="med" len="med"/>
+                    </a:lnB>
+                    <a:solidFill>
+                      <a:schemeClr val="bg1"/>
+                    </a:solidFill>
+                  </a:tcPr>
+                </a:tc>
+                <a:tc>
+                  <a:txBody>
+                    <a:bodyPr/>
+                    <a:lstStyle/>
+                    <a:p>
+                      <a:pPr latinLnBrk="1"/>
+                      <a:endParaRPr lang="ko-KR" altLang="en-US" sz="1000" b="0">
+                        <a:solidFill>
+                          <a:schemeClr val="tx1"/>
+                        </a:solidFill>
+                      </a:endParaRPr>
+                    </a:p>
+                  </a:txBody>
+                  <a:tcPr>
+                    <a:lnL w="12700" cap="flat" cmpd="sng" algn="ctr">
+                      <a:solidFill>
+                        <a:schemeClr val="tx1"/>
+                      </a:solidFill>
+                      <a:prstDash val="solid"/>
+                      <a:round/>
+                      <a:headEnd type="none" w="med" len="med"/>
+                      <a:tailEnd type="none" w="med" len="med"/>
+                    </a:lnL>
+                    <a:lnR w="12700" cap="flat" cmpd="sng" algn="ctr">
+                      <a:solidFill>
+                        <a:schemeClr val="tx1"/>
+                      </a:solidFill>
+                      <a:prstDash val="solid"/>
+                      <a:round/>
+                      <a:headEnd type="none" w="med" len="med"/>
+                      <a:tailEnd type="none" w="med" len="med"/>
+                    </a:lnR>
+                    <a:lnT w="12700" cap="flat" cmpd="sng" algn="ctr">
+                      <a:solidFill>
+                        <a:schemeClr val="tx1"/>
+                      </a:solidFill>
+                      <a:prstDash val="solid"/>
+                      <a:round/>
+                      <a:headEnd type="none" w="med" len="med"/>
+                      <a:tailEnd type="none" w="med" len="med"/>
+                    </a:lnT>
+                    <a:lnB w="12700" cap="flat" cmpd="sng" algn="ctr">
+                      <a:solidFill>
+                        <a:schemeClr val="tx1"/>
+                      </a:solidFill>
+                      <a:prstDash val="solid"/>
+                      <a:round/>
+                      <a:headEnd type="none" w="med" len="med"/>
+                      <a:tailEnd type="none" w="med" len="med"/>
+                    </a:lnB>
+                    <a:solidFill>
+                      <a:schemeClr val="bg1"/>
+                    </a:solidFill>
+                  </a:tcPr>
+                </a:tc>
+                <a:tc>
+                  <a:txBody>
+                    <a:bodyPr/>
+                    <a:lstStyle/>
+                    <a:p>
+                      <a:pPr latinLnBrk="1"/>
+                      <a:endParaRPr lang="ko-KR" altLang="en-US" sz="1000" b="0">
+                        <a:solidFill>
+                          <a:schemeClr val="tx1"/>
+                        </a:solidFill>
+                      </a:endParaRPr>
+                    </a:p>
+                  </a:txBody>
+                  <a:tcPr>
+                    <a:lnL w="12700" cap="flat" cmpd="sng" algn="ctr">
+                      <a:solidFill>
+                        <a:schemeClr val="tx1"/>
+                      </a:solidFill>
+                      <a:prstDash val="solid"/>
+                      <a:round/>
+                      <a:headEnd type="none" w="med" len="med"/>
+                      <a:tailEnd type="none" w="med" len="med"/>
+                    </a:lnL>
+                    <a:lnR w="12700" cap="flat" cmpd="sng" algn="ctr">
+                      <a:solidFill>
+                        <a:schemeClr val="tx1"/>
+                      </a:solidFill>
+                      <a:prstDash val="solid"/>
+                      <a:round/>
+                      <a:headEnd type="none" w="med" len="med"/>
+                      <a:tailEnd type="none" w="med" len="med"/>
+                    </a:lnR>
+                    <a:lnT w="12700" cap="flat" cmpd="sng" algn="ctr">
+                      <a:solidFill>
+                        <a:schemeClr val="tx1"/>
+                      </a:solidFill>
+                      <a:prstDash val="solid"/>
+                      <a:round/>
+                      <a:headEnd type="none" w="med" len="med"/>
+                      <a:tailEnd type="none" w="med" len="med"/>
+                    </a:lnT>
+                    <a:lnB w="12700" cap="flat" cmpd="sng" algn="ctr">
+                      <a:solidFill>
+                        <a:schemeClr val="tx1"/>
+                      </a:solidFill>
+                      <a:prstDash val="solid"/>
+                      <a:round/>
+                      <a:headEnd type="none" w="med" len="med"/>
+                      <a:tailEnd type="none" w="med" len="med"/>
+                    </a:lnB>
+                    <a:solidFill>
+                      <a:schemeClr val="bg1"/>
+                    </a:solidFill>
+                  </a:tcPr>
+                </a:tc>
+                <a:tc>
+                  <a:txBody>
+                    <a:bodyPr/>
+                    <a:lstStyle/>
+                    <a:p>
+                      <a:pPr latinLnBrk="1"/>
+                      <a:endParaRPr lang="ko-KR" altLang="en-US" sz="1000" b="0">
+                        <a:solidFill>
+                          <a:schemeClr val="tx1"/>
+                        </a:solidFill>
+                      </a:endParaRPr>
+                    </a:p>
+                  </a:txBody>
+                  <a:tcPr>
+                    <a:lnL w="12700" cap="flat" cmpd="sng" algn="ctr">
+                      <a:solidFill>
+                        <a:schemeClr val="tx1"/>
+                      </a:solidFill>
+                      <a:prstDash val="solid"/>
+                      <a:round/>
+                      <a:headEnd type="none" w="med" len="med"/>
+                      <a:tailEnd type="none" w="med" len="med"/>
+                    </a:lnL>
+                    <a:lnR w="12700" cap="flat" cmpd="sng" algn="ctr">
+                      <a:solidFill>
+                        <a:schemeClr val="tx1"/>
+                      </a:solidFill>
+                      <a:prstDash val="solid"/>
+                      <a:round/>
+                      <a:headEnd type="none" w="med" len="med"/>
+                      <a:tailEnd type="none" w="med" len="med"/>
+                    </a:lnR>
+                    <a:lnT w="12700" cap="flat" cmpd="sng" algn="ctr">
+                      <a:solidFill>
+                        <a:schemeClr val="tx1"/>
+                      </a:solidFill>
+                      <a:prstDash val="solid"/>
+                      <a:round/>
+                      <a:headEnd type="none" w="med" len="med"/>
+                      <a:tailEnd type="none" w="med" len="med"/>
+                    </a:lnT>
+                    <a:lnB w="12700" cap="flat" cmpd="sng" algn="ctr">
+                      <a:solidFill>
+                        <a:schemeClr val="tx1"/>
+                      </a:solidFill>
+                      <a:prstDash val="solid"/>
+                      <a:round/>
+                      <a:headEnd type="none" w="med" len="med"/>
+                      <a:tailEnd type="none" w="med" len="med"/>
+                    </a:lnB>
+                    <a:solidFill>
+                      <a:schemeClr val="bg1"/>
+                    </a:solidFill>
+                  </a:tcPr>
+                </a:tc>
+                <a:tc>
+                  <a:txBody>
+                    <a:bodyPr/>
+                    <a:lstStyle/>
+                    <a:p>
+                      <a:pPr latinLnBrk="1"/>
+                      <a:endParaRPr lang="ko-KR" altLang="en-US" sz="1000" b="0">
+                        <a:solidFill>
+                          <a:schemeClr val="tx1"/>
+                        </a:solidFill>
+                      </a:endParaRPr>
+                    </a:p>
+                  </a:txBody>
+                  <a:tcPr>
+                    <a:lnL w="12700" cap="flat" cmpd="sng" algn="ctr">
+                      <a:solidFill>
+                        <a:schemeClr val="tx1"/>
+                      </a:solidFill>
+                      <a:prstDash val="solid"/>
+                      <a:round/>
+                      <a:headEnd type="none" w="med" len="med"/>
+                      <a:tailEnd type="none" w="med" len="med"/>
+                    </a:lnL>
+                    <a:lnR w="12700" cap="flat" cmpd="sng" algn="ctr">
+                      <a:solidFill>
+                        <a:schemeClr val="tx1"/>
+                      </a:solidFill>
+                      <a:prstDash val="solid"/>
+                      <a:round/>
+                      <a:headEnd type="none" w="med" len="med"/>
+                      <a:tailEnd type="none" w="med" len="med"/>
+                    </a:lnR>
+                    <a:lnT w="12700" cap="flat" cmpd="sng" algn="ctr">
+                      <a:solidFill>
+                        <a:schemeClr val="tx1"/>
+                      </a:solidFill>
+                      <a:prstDash val="solid"/>
+                      <a:round/>
+                      <a:headEnd type="none" w="med" len="med"/>
+                      <a:tailEnd type="none" w="med" len="med"/>
+                    </a:lnT>
+                    <a:lnB w="12700" cap="flat" cmpd="sng" algn="ctr">
+                      <a:solidFill>
+                        <a:schemeClr val="tx1"/>
+                      </a:solidFill>
+                      <a:prstDash val="solid"/>
+                      <a:round/>
+                      <a:headEnd type="none" w="med" len="med"/>
+                      <a:tailEnd type="none" w="med" len="med"/>
+                    </a:lnB>
+                    <a:solidFill>
+                      <a:schemeClr val="bg1"/>
+                    </a:solidFill>
+                  </a:tcPr>
+                </a:tc>
+                <a:tc>
+                  <a:txBody>
+                    <a:bodyPr/>
+                    <a:lstStyle/>
+                    <a:p>
+                      <a:pPr latinLnBrk="1"/>
+                      <a:endParaRPr lang="ko-KR" altLang="en-US" sz="1000" b="0">
+                        <a:solidFill>
+                          <a:schemeClr val="tx1"/>
+                        </a:solidFill>
+                      </a:endParaRPr>
+                    </a:p>
+                  </a:txBody>
+                  <a:tcPr>
+                    <a:lnL w="12700" cap="flat" cmpd="sng" algn="ctr">
+                      <a:solidFill>
+                        <a:schemeClr val="tx1"/>
+                      </a:solidFill>
+                      <a:prstDash val="solid"/>
+                      <a:round/>
+                      <a:headEnd type="none" w="med" len="med"/>
+                      <a:tailEnd type="none" w="med" len="med"/>
+                    </a:lnL>
+                    <a:lnR w="12700" cap="flat" cmpd="sng" algn="ctr">
+                      <a:solidFill>
+                        <a:schemeClr val="tx1"/>
+                      </a:solidFill>
+                      <a:prstDash val="solid"/>
+                      <a:round/>
+                      <a:headEnd type="none" w="med" len="med"/>
+                      <a:tailEnd type="none" w="med" len="med"/>
+                    </a:lnR>
+                    <a:lnT w="12700" cap="flat" cmpd="sng" algn="ctr">
+                      <a:solidFill>
+                        <a:schemeClr val="tx1"/>
+                      </a:solidFill>
+                      <a:prstDash val="solid"/>
+                      <a:round/>
+                      <a:headEnd type="none" w="med" len="med"/>
+                      <a:tailEnd type="none" w="med" len="med"/>
+                    </a:lnT>
+                    <a:lnB w="12700" cap="flat" cmpd="sng" algn="ctr">
+                      <a:solidFill>
+                        <a:schemeClr val="tx1"/>
+                      </a:solidFill>
+                      <a:prstDash val="solid"/>
+                      <a:round/>
+                      <a:headEnd type="none" w="med" len="med"/>
+                      <a:tailEnd type="none" w="med" len="med"/>
+                    </a:lnB>
+                    <a:solidFill>
+                      <a:schemeClr val="bg1"/>
+                    </a:solidFill>
+                  </a:tcPr>
+                </a:tc>
+                <a:extLst>
+                  <a:ext uri="{0D108BD9-81ED-4DB2-BD59-A6C34878D82A}">
+                    <a16:rowId xmlns:a16="http://schemas.microsoft.com/office/drawing/2014/main" val="2717201160"/>
+                  </a:ext>
+                </a:extLst>
+              </a:tr>
+              <a:tr h="192405">
+                <a:tc>
+                  <a:txBody>
+                    <a:bodyPr/>
+                    <a:lstStyle/>
+                    <a:p>
+                      <a:pPr latinLnBrk="1"/>
+                      <a:endParaRPr lang="ko-KR" altLang="en-US" sz="1000" b="0" dirty="0">
+                        <a:solidFill>
+                          <a:schemeClr val="tx1"/>
+                        </a:solidFill>
+                      </a:endParaRPr>
+                    </a:p>
+                  </a:txBody>
+                  <a:tcPr>
+                    <a:lnL w="12700" cap="flat" cmpd="sng" algn="ctr">
+                      <a:solidFill>
+                        <a:schemeClr val="tx1"/>
+                      </a:solidFill>
+                      <a:prstDash val="solid"/>
+                      <a:round/>
+                      <a:headEnd type="none" w="med" len="med"/>
+                      <a:tailEnd type="none" w="med" len="med"/>
+                    </a:lnL>
+                    <a:lnR w="12700" cap="flat" cmpd="sng" algn="ctr">
+                      <a:solidFill>
+                        <a:schemeClr val="tx1"/>
+                      </a:solidFill>
+                      <a:prstDash val="solid"/>
+                      <a:round/>
+                      <a:headEnd type="none" w="med" len="med"/>
+                      <a:tailEnd type="none" w="med" len="med"/>
+                    </a:lnR>
+                    <a:lnT w="12700" cap="flat" cmpd="sng" algn="ctr">
+                      <a:solidFill>
+                        <a:schemeClr val="tx1"/>
+                      </a:solidFill>
+                      <a:prstDash val="solid"/>
+                      <a:round/>
+                      <a:headEnd type="none" w="med" len="med"/>
+                      <a:tailEnd type="none" w="med" len="med"/>
+                    </a:lnT>
+                    <a:lnB w="12700" cap="flat" cmpd="sng" algn="ctr">
+                      <a:solidFill>
+                        <a:schemeClr val="tx1"/>
+                      </a:solidFill>
+                      <a:prstDash val="solid"/>
+                      <a:round/>
+                      <a:headEnd type="none" w="med" len="med"/>
+                      <a:tailEnd type="none" w="med" len="med"/>
+                    </a:lnB>
+                    <a:solidFill>
+                      <a:schemeClr val="bg1"/>
+                    </a:solidFill>
+                  </a:tcPr>
+                </a:tc>
+                <a:tc>
+                  <a:txBody>
+                    <a:bodyPr/>
+                    <a:lstStyle/>
+                    <a:p>
+                      <a:pPr latinLnBrk="1"/>
+                      <a:endParaRPr lang="ko-KR" altLang="en-US" sz="1000" b="0" dirty="0">
+                        <a:solidFill>
+                          <a:schemeClr val="tx1"/>
+                        </a:solidFill>
+                      </a:endParaRPr>
+                    </a:p>
+                  </a:txBody>
+                  <a:tcPr>
+                    <a:lnL w="12700" cap="flat" cmpd="sng" algn="ctr">
+                      <a:solidFill>
+                        <a:schemeClr val="tx1"/>
+                      </a:solidFill>
+                      <a:prstDash val="solid"/>
+                      <a:round/>
+                      <a:headEnd type="none" w="med" len="med"/>
+                      <a:tailEnd type="none" w="med" len="med"/>
+                    </a:lnL>
+                    <a:lnR w="12700" cap="flat" cmpd="sng" algn="ctr">
+                      <a:solidFill>
+                        <a:schemeClr val="tx1"/>
+                      </a:solidFill>
+                      <a:prstDash val="solid"/>
+                      <a:round/>
+                      <a:headEnd type="none" w="med" len="med"/>
+                      <a:tailEnd type="none" w="med" len="med"/>
+                    </a:lnR>
+                    <a:lnT w="12700" cap="flat" cmpd="sng" algn="ctr">
+                      <a:solidFill>
+                        <a:schemeClr val="tx1"/>
+                      </a:solidFill>
+                      <a:prstDash val="solid"/>
+                      <a:round/>
+                      <a:headEnd type="none" w="med" len="med"/>
+                      <a:tailEnd type="none" w="med" len="med"/>
+                    </a:lnT>
+                    <a:lnB w="12700" cap="flat" cmpd="sng" algn="ctr">
+                      <a:solidFill>
+                        <a:schemeClr val="tx1"/>
+                      </a:solidFill>
+                      <a:prstDash val="solid"/>
+                      <a:round/>
+                      <a:headEnd type="none" w="med" len="med"/>
+                      <a:tailEnd type="none" w="med" len="med"/>
+                    </a:lnB>
+                    <a:solidFill>
+                      <a:schemeClr val="bg1"/>
+                    </a:solidFill>
+                  </a:tcPr>
+                </a:tc>
+                <a:tc>
+                  <a:txBody>
+                    <a:bodyPr/>
+                    <a:lstStyle/>
+                    <a:p>
+                      <a:pPr latinLnBrk="1"/>
+                      <a:endParaRPr lang="ko-KR" altLang="en-US" sz="1000" b="0">
+                        <a:solidFill>
+                          <a:schemeClr val="tx1"/>
+                        </a:solidFill>
+                      </a:endParaRPr>
+                    </a:p>
+                  </a:txBody>
+                  <a:tcPr>
+                    <a:lnL w="12700" cap="flat" cmpd="sng" algn="ctr">
+                      <a:solidFill>
+                        <a:schemeClr val="tx1"/>
+                      </a:solidFill>
+                      <a:prstDash val="solid"/>
+                      <a:round/>
+                      <a:headEnd type="none" w="med" len="med"/>
+                      <a:tailEnd type="none" w="med" len="med"/>
+                    </a:lnL>
+                    <a:lnR w="12700" cap="flat" cmpd="sng" algn="ctr">
+                      <a:solidFill>
+                        <a:schemeClr val="tx1"/>
+                      </a:solidFill>
+                      <a:prstDash val="solid"/>
+                      <a:round/>
+                      <a:headEnd type="none" w="med" len="med"/>
+                      <a:tailEnd type="none" w="med" len="med"/>
+                    </a:lnR>
+                    <a:lnT w="12700" cap="flat" cmpd="sng" algn="ctr">
+                      <a:solidFill>
+                        <a:schemeClr val="tx1"/>
+                      </a:solidFill>
+                      <a:prstDash val="solid"/>
+                      <a:round/>
+                      <a:headEnd type="none" w="med" len="med"/>
+                      <a:tailEnd type="none" w="med" len="med"/>
+                    </a:lnT>
+                    <a:lnB w="12700" cap="flat" cmpd="sng" algn="ctr">
+                      <a:solidFill>
+                        <a:schemeClr val="tx1"/>
+                      </a:solidFill>
+                      <a:prstDash val="solid"/>
+                      <a:round/>
+                      <a:headEnd type="none" w="med" len="med"/>
+                      <a:tailEnd type="none" w="med" len="med"/>
+                    </a:lnB>
+                    <a:solidFill>
+                      <a:schemeClr val="bg1"/>
+                    </a:solidFill>
+                  </a:tcPr>
+                </a:tc>
+                <a:tc>
+                  <a:txBody>
+                    <a:bodyPr/>
+                    <a:lstStyle/>
+                    <a:p>
+                      <a:pPr latinLnBrk="1"/>
+                      <a:endParaRPr lang="ko-KR" altLang="en-US" sz="1000" b="0" dirty="0">
+                        <a:solidFill>
+                          <a:schemeClr val="tx1"/>
+                        </a:solidFill>
+                      </a:endParaRPr>
+                    </a:p>
+                  </a:txBody>
+                  <a:tcPr>
+                    <a:lnL w="12700" cap="flat" cmpd="sng" algn="ctr">
+                      <a:solidFill>
+                        <a:schemeClr val="tx1"/>
+                      </a:solidFill>
+                      <a:prstDash val="solid"/>
+                      <a:round/>
+                      <a:headEnd type="none" w="med" len="med"/>
+                      <a:tailEnd type="none" w="med" len="med"/>
+                    </a:lnL>
+                    <a:lnR w="12700" cap="flat" cmpd="sng" algn="ctr">
+                      <a:solidFill>
+                        <a:schemeClr val="tx1"/>
+                      </a:solidFill>
+                      <a:prstDash val="solid"/>
+                      <a:round/>
+                      <a:headEnd type="none" w="med" len="med"/>
+                      <a:tailEnd type="none" w="med" len="med"/>
+                    </a:lnR>
+                    <a:lnT w="12700" cap="flat" cmpd="sng" algn="ctr">
+                      <a:solidFill>
+                        <a:schemeClr val="tx1"/>
+                      </a:solidFill>
+                      <a:prstDash val="solid"/>
+                      <a:round/>
+                      <a:headEnd type="none" w="med" len="med"/>
+                      <a:tailEnd type="none" w="med" len="med"/>
+                    </a:lnT>
+                    <a:lnB w="12700" cap="flat" cmpd="sng" algn="ctr">
+                      <a:solidFill>
+                        <a:schemeClr val="tx1"/>
+                      </a:solidFill>
+                      <a:prstDash val="solid"/>
+                      <a:round/>
+                      <a:headEnd type="none" w="med" len="med"/>
+                      <a:tailEnd type="none" w="med" len="med"/>
+                    </a:lnB>
+                    <a:solidFill>
+                      <a:schemeClr val="bg1"/>
+                    </a:solidFill>
+                  </a:tcPr>
+                </a:tc>
+                <a:tc>
+                  <a:txBody>
+                    <a:bodyPr/>
+                    <a:lstStyle/>
+                    <a:p>
+                      <a:pPr latinLnBrk="1"/>
+                      <a:endParaRPr lang="ko-KR" altLang="en-US" sz="1000" b="0" dirty="0">
+                        <a:solidFill>
+                          <a:schemeClr val="tx1"/>
+                        </a:solidFill>
+                      </a:endParaRPr>
+                    </a:p>
+                  </a:txBody>
+                  <a:tcPr>
+                    <a:lnL w="12700" cap="flat" cmpd="sng" algn="ctr">
+                      <a:solidFill>
+                        <a:schemeClr val="tx1"/>
+                      </a:solidFill>
+                      <a:prstDash val="solid"/>
+                      <a:round/>
+                      <a:headEnd type="none" w="med" len="med"/>
+                      <a:tailEnd type="none" w="med" len="med"/>
+                    </a:lnL>
+                    <a:lnR w="12700" cap="flat" cmpd="sng" algn="ctr">
+                      <a:solidFill>
+                        <a:schemeClr val="tx1"/>
+                      </a:solidFill>
+                      <a:prstDash val="solid"/>
+                      <a:round/>
+                      <a:headEnd type="none" w="med" len="med"/>
+                      <a:tailEnd type="none" w="med" len="med"/>
+                    </a:lnR>
+                    <a:lnT w="12700" cap="flat" cmpd="sng" algn="ctr">
+                      <a:solidFill>
+                        <a:schemeClr val="tx1"/>
+                      </a:solidFill>
+                      <a:prstDash val="solid"/>
+                      <a:round/>
+                      <a:headEnd type="none" w="med" len="med"/>
+                      <a:tailEnd type="none" w="med" len="med"/>
+                    </a:lnT>
+                    <a:lnB w="12700" cap="flat" cmpd="sng" algn="ctr">
+                      <a:solidFill>
+                        <a:schemeClr val="tx1"/>
+                      </a:solidFill>
+                      <a:prstDash val="solid"/>
+                      <a:round/>
+                      <a:headEnd type="none" w="med" len="med"/>
+                      <a:tailEnd type="none" w="med" len="med"/>
+                    </a:lnB>
+                    <a:solidFill>
+                      <a:schemeClr val="bg1"/>
+                    </a:solidFill>
+                  </a:tcPr>
+                </a:tc>
+                <a:tc>
+                  <a:txBody>
+                    <a:bodyPr/>
+                    <a:lstStyle/>
+                    <a:p>
+                      <a:pPr latinLnBrk="1"/>
+                      <a:endParaRPr lang="ko-KR" altLang="en-US" sz="1000" b="0" dirty="0">
+                        <a:solidFill>
+                          <a:schemeClr val="tx1"/>
+                        </a:solidFill>
+                      </a:endParaRPr>
+                    </a:p>
+                  </a:txBody>
+                  <a:tcPr>
+                    <a:lnL w="12700" cap="flat" cmpd="sng" algn="ctr">
+                      <a:solidFill>
+                        <a:schemeClr val="tx1"/>
+                      </a:solidFill>
+                      <a:prstDash val="solid"/>
+                      <a:round/>
+                      <a:headEnd type="none" w="med" len="med"/>
+                      <a:tailEnd type="none" w="med" len="med"/>
+                    </a:lnL>
+                    <a:lnR w="12700" cap="flat" cmpd="sng" algn="ctr">
+                      <a:solidFill>
+                        <a:schemeClr val="tx1"/>
+                      </a:solidFill>
+                      <a:prstDash val="solid"/>
+                      <a:round/>
+                      <a:headEnd type="none" w="med" len="med"/>
+                      <a:tailEnd type="none" w="med" len="med"/>
+                    </a:lnR>
+                    <a:lnT w="12700" cap="flat" cmpd="sng" algn="ctr">
+                      <a:solidFill>
+                        <a:schemeClr val="tx1"/>
+                      </a:solidFill>
+                      <a:prstDash val="solid"/>
+                      <a:round/>
+                      <a:headEnd type="none" w="med" len="med"/>
+                      <a:tailEnd type="none" w="med" len="med"/>
+                    </a:lnT>
+                    <a:lnB w="12700" cap="flat" cmpd="sng" algn="ctr">
+                      <a:solidFill>
+                        <a:schemeClr val="tx1"/>
+                      </a:solidFill>
+                      <a:prstDash val="solid"/>
+                      <a:round/>
+                      <a:headEnd type="none" w="med" len="med"/>
+                      <a:tailEnd type="none" w="med" len="med"/>
+                    </a:lnB>
+                    <a:solidFill>
+                      <a:schemeClr val="bg1"/>
+                    </a:solidFill>
+                  </a:tcPr>
+                </a:tc>
+                <a:tc>
+                  <a:txBody>
+                    <a:bodyPr/>
+                    <a:lstStyle/>
+                    <a:p>
+                      <a:pPr latinLnBrk="1"/>
+                      <a:endParaRPr lang="ko-KR" altLang="en-US" sz="1000" b="0" dirty="0">
+                        <a:solidFill>
+                          <a:schemeClr val="tx1"/>
+                        </a:solidFill>
+                      </a:endParaRPr>
+                    </a:p>
+                  </a:txBody>
+                  <a:tcPr>
+                    <a:lnL w="12700" cap="flat" cmpd="sng" algn="ctr">
+                      <a:solidFill>
+                        <a:schemeClr val="tx1"/>
+                      </a:solidFill>
+                      <a:prstDash val="solid"/>
+                      <a:round/>
+                      <a:headEnd type="none" w="med" len="med"/>
+                      <a:tailEnd type="none" w="med" len="med"/>
+                    </a:lnL>
+                    <a:lnR w="12700" cap="flat" cmpd="sng" algn="ctr">
+                      <a:solidFill>
+                        <a:schemeClr val="tx1"/>
+                      </a:solidFill>
+                      <a:prstDash val="solid"/>
+                      <a:round/>
+                      <a:headEnd type="none" w="med" len="med"/>
+                      <a:tailEnd type="none" w="med" len="med"/>
+                    </a:lnR>
+                    <a:lnT w="12700" cap="flat" cmpd="sng" algn="ctr">
+                      <a:solidFill>
+                        <a:schemeClr val="tx1"/>
+                      </a:solidFill>
+                      <a:prstDash val="solid"/>
+                      <a:round/>
+                      <a:headEnd type="none" w="med" len="med"/>
+                      <a:tailEnd type="none" w="med" len="med"/>
+                    </a:lnT>
+                    <a:lnB w="12700" cap="flat" cmpd="sng" algn="ctr">
+                      <a:solidFill>
+                        <a:schemeClr val="tx1"/>
+                      </a:solidFill>
+                      <a:prstDash val="solid"/>
+                      <a:round/>
+                      <a:headEnd type="none" w="med" len="med"/>
+                      <a:tailEnd type="none" w="med" len="med"/>
+                    </a:lnB>
+                    <a:solidFill>
+                      <a:schemeClr val="bg1"/>
+                    </a:solidFill>
+                  </a:tcPr>
+                </a:tc>
+                <a:extLst>
+                  <a:ext uri="{0D108BD9-81ED-4DB2-BD59-A6C34878D82A}">
+                    <a16:rowId xmlns:a16="http://schemas.microsoft.com/office/drawing/2014/main" val="2198859565"/>
+                  </a:ext>
+                </a:extLst>
+              </a:tr>
+            </a:tbl>
+          </a:graphicData>
+        </a:graphic>
+      </p:graphicFrame>
+      <p:sp>
+        <p:nvSpPr>
+          <p:cNvPr id="7" name="TextBox 6">
+            <a:extLst>
+              <a:ext uri="{FF2B5EF4-FFF2-40B4-BE49-F238E27FC236}">
+                <a16:creationId xmlns:a16="http://schemas.microsoft.com/office/drawing/2014/main" id="{B6971CB9-CA48-7BF1-22A8-25D0A469A1EC}"/>
+              </a:ext>
+            </a:extLst>
+          </p:cNvPr>
+          <p:cNvSpPr txBox="1"/>
+          <p:nvPr/>
+        </p:nvSpPr>
+        <p:spPr>
+          <a:xfrm>
+            <a:off x="8832813" y="3239060"/>
+            <a:ext cx="1217000" cy="261610"/>
+          </a:xfrm>
+          <a:prstGeom prst="rect">
+            <a:avLst/>
+          </a:prstGeom>
+          <a:noFill/>
+        </p:spPr>
+        <p:txBody>
+          <a:bodyPr wrap="none" rtlCol="0">
+            <a:spAutoFit/>
+          </a:bodyPr>
+          <a:lstStyle/>
+          <a:p>
+            <a:r>
+              <a:rPr lang="en-US" altLang="ko-KR" sz="1100" b="1" dirty="0"/>
+              <a:t>Applied Rooms</a:t>
+            </a:r>
+            <a:endParaRPr lang="ko-KR" altLang="en-US" sz="1100" b="1" dirty="0"/>
+          </a:p>
+        </p:txBody>
+      </p:sp>
+      <p:sp>
+        <p:nvSpPr>
+          <p:cNvPr id="8" name="TextBox 7">
+            <a:extLst>
+              <a:ext uri="{FF2B5EF4-FFF2-40B4-BE49-F238E27FC236}">
+                <a16:creationId xmlns:a16="http://schemas.microsoft.com/office/drawing/2014/main" id="{687AC1D7-D889-C837-5307-5A80E44363A5}"/>
+              </a:ext>
+            </a:extLst>
+          </p:cNvPr>
+          <p:cNvSpPr txBox="1"/>
+          <p:nvPr/>
+        </p:nvSpPr>
+        <p:spPr>
+          <a:xfrm>
+            <a:off x="2658396" y="937937"/>
+            <a:ext cx="2294218" cy="261610"/>
+          </a:xfrm>
+          <a:prstGeom prst="rect">
+            <a:avLst/>
+          </a:prstGeom>
+          <a:noFill/>
+        </p:spPr>
+        <p:txBody>
+          <a:bodyPr wrap="none" rtlCol="0">
+            <a:spAutoFit/>
+          </a:bodyPr>
+          <a:lstStyle/>
+          <a:p>
+            <a:r>
+              <a:rPr lang="en-US" altLang="ko-KR" sz="1100" b="1" dirty="0"/>
+              <a:t>Standard type: F06A  /    /    / </a:t>
+            </a:r>
+            <a:endParaRPr lang="ko-KR" altLang="en-US" sz="1100" b="1" dirty="0"/>
+          </a:p>
+        </p:txBody>
+      </p:sp>
+      <p:sp>
+        <p:nvSpPr>
+          <p:cNvPr id="11" name="TextBox 10">
+            <a:extLst>
+              <a:ext uri="{FF2B5EF4-FFF2-40B4-BE49-F238E27FC236}">
+                <a16:creationId xmlns:a16="http://schemas.microsoft.com/office/drawing/2014/main" id="{E87D1078-4014-6871-B0E9-D54D24627AA6}"/>
+              </a:ext>
+            </a:extLst>
+          </p:cNvPr>
+          <p:cNvSpPr txBox="1"/>
+          <p:nvPr/>
+        </p:nvSpPr>
+        <p:spPr>
+          <a:xfrm>
+            <a:off x="8832813" y="743437"/>
+            <a:ext cx="1386918" cy="261610"/>
+          </a:xfrm>
+          <a:prstGeom prst="rect">
+            <a:avLst/>
+          </a:prstGeom>
+          <a:noFill/>
+        </p:spPr>
+        <p:txBody>
+          <a:bodyPr wrap="none" rtlCol="0">
+            <a:spAutoFit/>
+          </a:bodyPr>
+          <a:lstStyle/>
+          <a:p>
+            <a:r>
+              <a:rPr lang="en-US" altLang="ko-KR" sz="1100" b="1" dirty="0"/>
+              <a:t>Q’ty Cal Type Tag</a:t>
+            </a:r>
+          </a:p>
+        </p:txBody>
+      </p:sp>
+      <p:grpSp>
+        <p:nvGrpSpPr>
+          <p:cNvPr id="48" name="그룹 47">
+            <a:extLst>
+              <a:ext uri="{FF2B5EF4-FFF2-40B4-BE49-F238E27FC236}">
+                <a16:creationId xmlns:a16="http://schemas.microsoft.com/office/drawing/2014/main" id="{1442D34D-AC8D-335F-C68A-C3499B97ED18}"/>
+              </a:ext>
+            </a:extLst>
+          </p:cNvPr>
+          <p:cNvGrpSpPr/>
+          <p:nvPr/>
+        </p:nvGrpSpPr>
+        <p:grpSpPr>
+          <a:xfrm>
+            <a:off x="10145302" y="743437"/>
+            <a:ext cx="1555117" cy="564119"/>
+            <a:chOff x="6514290" y="937937"/>
+            <a:chExt cx="1555117" cy="564119"/>
+          </a:xfrm>
+        </p:grpSpPr>
+        <p:pic>
+          <p:nvPicPr>
+            <p:cNvPr id="13" name="그림 12">
+              <a:extLst>
+                <a:ext uri="{FF2B5EF4-FFF2-40B4-BE49-F238E27FC236}">
+                  <a16:creationId xmlns:a16="http://schemas.microsoft.com/office/drawing/2014/main" id="{9EF860AD-C196-7C5E-D558-229D3B3040CC}"/>
+                </a:ext>
+              </a:extLst>
+            </p:cNvPr>
+            <p:cNvPicPr>
+              <a:picLocks noChangeAspect="1"/>
+            </p:cNvPicPr>
+            <p:nvPr/>
+          </p:nvPicPr>
+          <p:blipFill rotWithShape="1">
+            <a:blip r:embed="rId3"/>
+            <a:srcRect t="3820" r="927"/>
+            <a:stretch/>
+          </p:blipFill>
+          <p:spPr>
+            <a:xfrm>
+              <a:off x="6531011" y="961474"/>
+              <a:ext cx="1538396" cy="540582"/>
+            </a:xfrm>
+            <a:prstGeom prst="rect">
+              <a:avLst/>
+            </a:prstGeom>
+          </p:spPr>
+        </p:pic>
+        <p:pic>
+          <p:nvPicPr>
+            <p:cNvPr id="16" name="그림 15">
+              <a:extLst>
+                <a:ext uri="{FF2B5EF4-FFF2-40B4-BE49-F238E27FC236}">
+                  <a16:creationId xmlns:a16="http://schemas.microsoft.com/office/drawing/2014/main" id="{69FE00FF-E429-7ADB-B253-086A577FF5C3}"/>
+                </a:ext>
+              </a:extLst>
+            </p:cNvPr>
+            <p:cNvPicPr>
+              <a:picLocks noChangeAspect="1"/>
+            </p:cNvPicPr>
+            <p:nvPr/>
+          </p:nvPicPr>
+          <p:blipFill rotWithShape="1">
+            <a:blip r:embed="rId3"/>
+            <a:srcRect l="47077" t="3820" r="20106"/>
+            <a:stretch/>
+          </p:blipFill>
+          <p:spPr>
+            <a:xfrm>
+              <a:off x="6547628" y="961474"/>
+              <a:ext cx="1359695" cy="540582"/>
+            </a:xfrm>
+            <a:prstGeom prst="rect">
+              <a:avLst/>
+            </a:prstGeom>
+          </p:spPr>
+        </p:pic>
+        <p:sp>
+          <p:nvSpPr>
+            <p:cNvPr id="15" name="TextBox 14">
+              <a:extLst>
+                <a:ext uri="{FF2B5EF4-FFF2-40B4-BE49-F238E27FC236}">
+                  <a16:creationId xmlns:a16="http://schemas.microsoft.com/office/drawing/2014/main" id="{32222E20-8A00-0078-9569-F7B100D39D33}"/>
+                </a:ext>
+              </a:extLst>
+            </p:cNvPr>
+            <p:cNvSpPr txBox="1"/>
+            <p:nvPr/>
+          </p:nvSpPr>
+          <p:spPr>
+            <a:xfrm>
+              <a:off x="6514290" y="937937"/>
+              <a:ext cx="656430" cy="230832"/>
+            </a:xfrm>
+            <a:prstGeom prst="rect">
+              <a:avLst/>
+            </a:prstGeom>
+            <a:noFill/>
+          </p:spPr>
+          <p:txBody>
+            <a:bodyPr wrap="square">
+              <a:spAutoFit/>
+            </a:bodyPr>
+            <a:lstStyle/>
+            <a:p>
+              <a:pPr latinLnBrk="1"/>
+              <a:r>
+                <a:rPr lang="en-US" altLang="ko-KR" sz="900" b="0" dirty="0">
+                  <a:solidFill>
+                    <a:schemeClr val="tx1"/>
+                  </a:solidFill>
+                </a:rPr>
+                <a:t>RM-Q1</a:t>
+              </a:r>
+              <a:endParaRPr lang="ko-KR" altLang="en-US" sz="900" b="0" dirty="0">
+                <a:solidFill>
+                  <a:schemeClr val="tx1"/>
+                </a:solidFill>
+              </a:endParaRPr>
+            </a:p>
+          </p:txBody>
+        </p:sp>
+        <p:sp>
+          <p:nvSpPr>
+            <p:cNvPr id="17" name="TextBox 16">
+              <a:extLst>
+                <a:ext uri="{FF2B5EF4-FFF2-40B4-BE49-F238E27FC236}">
+                  <a16:creationId xmlns:a16="http://schemas.microsoft.com/office/drawing/2014/main" id="{BEB16F64-53E1-6937-352A-0607D468C17F}"/>
+                </a:ext>
+              </a:extLst>
+            </p:cNvPr>
+            <p:cNvSpPr txBox="1"/>
+            <p:nvPr/>
+          </p:nvSpPr>
+          <p:spPr>
+            <a:xfrm>
+              <a:off x="6514290" y="1135358"/>
+              <a:ext cx="656430" cy="230832"/>
+            </a:xfrm>
+            <a:prstGeom prst="rect">
+              <a:avLst/>
+            </a:prstGeom>
+            <a:noFill/>
+          </p:spPr>
+          <p:txBody>
+            <a:bodyPr wrap="square">
+              <a:spAutoFit/>
+            </a:bodyPr>
+            <a:lstStyle/>
+            <a:p>
+              <a:pPr latinLnBrk="1"/>
+              <a:r>
+                <a:rPr lang="en-US" altLang="ko-KR" sz="900" b="0" dirty="0">
+                  <a:solidFill>
+                    <a:schemeClr val="bg1"/>
+                  </a:solidFill>
+                </a:rPr>
+                <a:t>RM-Q1</a:t>
+              </a:r>
+              <a:endParaRPr lang="ko-KR" altLang="en-US" sz="900" b="0" dirty="0">
+                <a:solidFill>
+                  <a:schemeClr val="bg1"/>
+                </a:solidFill>
+              </a:endParaRPr>
+            </a:p>
+          </p:txBody>
+        </p:sp>
+      </p:grpSp>
+      <p:graphicFrame>
+        <p:nvGraphicFramePr>
+          <p:cNvPr id="18" name="표 17">
+            <a:extLst>
+              <a:ext uri="{FF2B5EF4-FFF2-40B4-BE49-F238E27FC236}">
+                <a16:creationId xmlns:a16="http://schemas.microsoft.com/office/drawing/2014/main" id="{029D9CD5-20A2-025C-B8E6-3FCFA2137250}"/>
+              </a:ext>
+            </a:extLst>
+          </p:cNvPr>
+          <p:cNvGraphicFramePr>
+            <a:graphicFrameLocks noGrp="1"/>
+          </p:cNvGraphicFramePr>
+          <p:nvPr>
+            <p:extLst>
+              <p:ext uri="{D42A27DB-BD31-4B8C-83A1-F6EECF244321}">
+                <p14:modId xmlns:p14="http://schemas.microsoft.com/office/powerpoint/2010/main" val="2157395340"/>
+              </p:ext>
+            </p:extLst>
+          </p:nvPr>
+        </p:nvGraphicFramePr>
+        <p:xfrm>
+          <a:off x="2758915" y="2861572"/>
+          <a:ext cx="5634745" cy="1432560"/>
+        </p:xfrm>
+        <a:graphic>
+          <a:graphicData uri="http://schemas.openxmlformats.org/drawingml/2006/table">
+            <a:tbl>
+              <a:tblPr firstRow="1" bandRow="1">
+                <a:tableStyleId>{5C22544A-7EE6-4342-B048-85BDC9FD1C3A}</a:tableStyleId>
+              </a:tblPr>
+              <a:tblGrid>
+                <a:gridCol w="945353">
+                  <a:extLst>
+                    <a:ext uri="{9D8B030D-6E8A-4147-A177-3AD203B41FA5}">
+                      <a16:colId xmlns:a16="http://schemas.microsoft.com/office/drawing/2014/main" val="1714871195"/>
+                    </a:ext>
+                  </a:extLst>
+                </a:gridCol>
+                <a:gridCol w="911902">
+                  <a:extLst>
+                    <a:ext uri="{9D8B030D-6E8A-4147-A177-3AD203B41FA5}">
+                      <a16:colId xmlns:a16="http://schemas.microsoft.com/office/drawing/2014/main" val="582723084"/>
+                    </a:ext>
+                  </a:extLst>
+                </a:gridCol>
+                <a:gridCol w="566207">
+                  <a:extLst>
+                    <a:ext uri="{9D8B030D-6E8A-4147-A177-3AD203B41FA5}">
+                      <a16:colId xmlns:a16="http://schemas.microsoft.com/office/drawing/2014/main" val="1680861650"/>
+                    </a:ext>
+                  </a:extLst>
+                </a:gridCol>
+                <a:gridCol w="889000">
+                  <a:extLst>
+                    <a:ext uri="{9D8B030D-6E8A-4147-A177-3AD203B41FA5}">
+                      <a16:colId xmlns:a16="http://schemas.microsoft.com/office/drawing/2014/main" val="2260511338"/>
+                    </a:ext>
+                  </a:extLst>
+                </a:gridCol>
+                <a:gridCol w="920750">
+                  <a:extLst>
+                    <a:ext uri="{9D8B030D-6E8A-4147-A177-3AD203B41FA5}">
+                      <a16:colId xmlns:a16="http://schemas.microsoft.com/office/drawing/2014/main" val="1008508426"/>
+                    </a:ext>
+                  </a:extLst>
+                </a:gridCol>
+                <a:gridCol w="704850">
+                  <a:extLst>
+                    <a:ext uri="{9D8B030D-6E8A-4147-A177-3AD203B41FA5}">
+                      <a16:colId xmlns:a16="http://schemas.microsoft.com/office/drawing/2014/main" val="2900262038"/>
+                    </a:ext>
+                  </a:extLst>
+                </a:gridCol>
+                <a:gridCol w="696683">
+                  <a:extLst>
+                    <a:ext uri="{9D8B030D-6E8A-4147-A177-3AD203B41FA5}">
+                      <a16:colId xmlns:a16="http://schemas.microsoft.com/office/drawing/2014/main" val="2403558010"/>
+                    </a:ext>
+                  </a:extLst>
+                </a:gridCol>
+              </a:tblGrid>
+              <a:tr h="0">
+                <a:tc>
+                  <a:txBody>
+                    <a:bodyPr/>
+                    <a:lstStyle/>
+                    <a:p>
+                      <a:pPr marL="0" marR="0" lvl="0" indent="0" algn="ctr" defTabSz="914400" rtl="0" eaLnBrk="1" fontAlgn="auto" latinLnBrk="1" hangingPunct="1">
+                        <a:lnSpc>
+                          <a:spcPct val="100000"/>
+                        </a:lnSpc>
+                        <a:spcBef>
+                          <a:spcPts val="0"/>
+                        </a:spcBef>
+                        <a:spcAft>
+                          <a:spcPts val="0"/>
+                        </a:spcAft>
+                        <a:buClrTx/>
+                        <a:buSzTx/>
+                        <a:buFontTx/>
+                        <a:buNone/>
+                        <a:tabLst/>
+                        <a:defRPr/>
+                      </a:pPr>
+                      <a:r>
+                        <a:rPr lang="en-US" altLang="ko-KR" sz="1000" b="0" dirty="0">
+                          <a:solidFill>
+                            <a:schemeClr val="tx1"/>
+                          </a:solidFill>
+                        </a:rPr>
+                        <a:t>Base</a:t>
+                      </a:r>
+                      <a:endParaRPr lang="ko-KR" altLang="en-US" sz="1000" b="0" dirty="0">
+                        <a:solidFill>
+                          <a:schemeClr val="tx1"/>
+                        </a:solidFill>
+                      </a:endParaRPr>
+                    </a:p>
+                  </a:txBody>
+                  <a:tcPr>
+                    <a:lnL w="12700" cap="flat" cmpd="sng" algn="ctr">
+                      <a:solidFill>
+                        <a:schemeClr val="tx1"/>
+                      </a:solidFill>
+                      <a:prstDash val="solid"/>
+                      <a:round/>
+                      <a:headEnd type="none" w="med" len="med"/>
+                      <a:tailEnd type="none" w="med" len="med"/>
+                    </a:lnL>
+                    <a:lnR w="12700" cap="flat" cmpd="sng" algn="ctr">
+                      <a:solidFill>
+                        <a:schemeClr val="tx1"/>
+                      </a:solidFill>
+                      <a:prstDash val="solid"/>
+                      <a:round/>
+                      <a:headEnd type="none" w="med" len="med"/>
+                      <a:tailEnd type="none" w="med" len="med"/>
+                    </a:lnR>
+                    <a:lnT w="12700" cap="flat" cmpd="sng" algn="ctr">
+                      <a:solidFill>
+                        <a:schemeClr val="tx1"/>
+                      </a:solidFill>
+                      <a:prstDash val="solid"/>
+                      <a:round/>
+                      <a:headEnd type="none" w="med" len="med"/>
+                      <a:tailEnd type="none" w="med" len="med"/>
+                    </a:lnT>
+                    <a:lnB w="12700" cap="flat" cmpd="sng" algn="ctr">
+                      <a:solidFill>
+                        <a:schemeClr val="tx1"/>
+                      </a:solidFill>
+                      <a:prstDash val="solid"/>
+                      <a:round/>
+                      <a:headEnd type="none" w="med" len="med"/>
+                      <a:tailEnd type="none" w="med" len="med"/>
+                    </a:lnB>
+                    <a:solidFill>
+                      <a:schemeClr val="bg2"/>
+                    </a:solidFill>
+                  </a:tcPr>
+                </a:tc>
+                <a:tc>
+                  <a:txBody>
+                    <a:bodyPr/>
+                    <a:lstStyle/>
+                    <a:p>
+                      <a:pPr algn="ctr" latinLnBrk="1"/>
+                      <a:r>
+                        <a:rPr lang="en-US" altLang="ko-KR" sz="1000" b="0" dirty="0">
+                          <a:solidFill>
+                            <a:schemeClr val="tx1"/>
+                          </a:solidFill>
+                        </a:rPr>
+                        <a:t>Work Master Code /w Description</a:t>
+                      </a:r>
+                      <a:endParaRPr lang="ko-KR" altLang="en-US" sz="1000" b="0" dirty="0">
+                        <a:solidFill>
+                          <a:schemeClr val="tx1"/>
+                        </a:solidFill>
+                      </a:endParaRPr>
+                    </a:p>
+                  </a:txBody>
+                  <a:tcPr>
+                    <a:lnL w="12700" cap="flat" cmpd="sng" algn="ctr">
+                      <a:solidFill>
+                        <a:schemeClr val="tx1"/>
+                      </a:solidFill>
+                      <a:prstDash val="solid"/>
+                      <a:round/>
+                      <a:headEnd type="none" w="med" len="med"/>
+                      <a:tailEnd type="none" w="med" len="med"/>
+                    </a:lnL>
+                    <a:lnR w="12700" cap="flat" cmpd="sng" algn="ctr">
+                      <a:solidFill>
+                        <a:schemeClr val="tx1"/>
+                      </a:solidFill>
+                      <a:prstDash val="solid"/>
+                      <a:round/>
+                      <a:headEnd type="none" w="med" len="med"/>
+                      <a:tailEnd type="none" w="med" len="med"/>
+                    </a:lnR>
+                    <a:lnT w="12700" cap="flat" cmpd="sng" algn="ctr">
+                      <a:solidFill>
+                        <a:schemeClr val="tx1"/>
+                      </a:solidFill>
+                      <a:prstDash val="solid"/>
+                      <a:round/>
+                      <a:headEnd type="none" w="med" len="med"/>
+                      <a:tailEnd type="none" w="med" len="med"/>
+                    </a:lnT>
+                    <a:lnB w="12700" cap="flat" cmpd="sng" algn="ctr">
+                      <a:solidFill>
+                        <a:schemeClr val="tx1"/>
+                      </a:solidFill>
+                      <a:prstDash val="solid"/>
+                      <a:round/>
+                      <a:headEnd type="none" w="med" len="med"/>
+                      <a:tailEnd type="none" w="med" len="med"/>
+                    </a:lnB>
+                    <a:solidFill>
+                      <a:schemeClr val="bg2"/>
+                    </a:solidFill>
+                  </a:tcPr>
+                </a:tc>
+                <a:tc>
+                  <a:txBody>
+                    <a:bodyPr/>
+                    <a:lstStyle/>
+                    <a:p>
+                      <a:pPr algn="ctr" latinLnBrk="1"/>
+                      <a:r>
+                        <a:rPr lang="en-US" altLang="ko-KR" sz="1000" b="0" dirty="0">
+                          <a:solidFill>
+                            <a:schemeClr val="tx1"/>
+                          </a:solidFill>
+                        </a:rPr>
+                        <a:t>Gauge Code</a:t>
+                      </a:r>
+                      <a:endParaRPr lang="ko-KR" altLang="en-US" sz="1000" b="0" dirty="0">
+                        <a:solidFill>
+                          <a:schemeClr val="tx1"/>
+                        </a:solidFill>
+                      </a:endParaRPr>
+                    </a:p>
+                  </a:txBody>
+                  <a:tcPr>
+                    <a:lnL w="12700" cap="flat" cmpd="sng" algn="ctr">
+                      <a:solidFill>
+                        <a:schemeClr val="tx1"/>
+                      </a:solidFill>
+                      <a:prstDash val="solid"/>
+                      <a:round/>
+                      <a:headEnd type="none" w="med" len="med"/>
+                      <a:tailEnd type="none" w="med" len="med"/>
+                    </a:lnL>
+                    <a:lnR w="12700" cap="flat" cmpd="sng" algn="ctr">
+                      <a:solidFill>
+                        <a:schemeClr val="tx1"/>
+                      </a:solidFill>
+                      <a:prstDash val="solid"/>
+                      <a:round/>
+                      <a:headEnd type="none" w="med" len="med"/>
+                      <a:tailEnd type="none" w="med" len="med"/>
+                    </a:lnR>
+                    <a:lnT w="12700" cap="flat" cmpd="sng" algn="ctr">
+                      <a:solidFill>
+                        <a:schemeClr val="tx1"/>
+                      </a:solidFill>
+                      <a:prstDash val="solid"/>
+                      <a:round/>
+                      <a:headEnd type="none" w="med" len="med"/>
+                      <a:tailEnd type="none" w="med" len="med"/>
+                    </a:lnT>
+                    <a:lnB w="12700" cap="flat" cmpd="sng" algn="ctr">
+                      <a:solidFill>
+                        <a:schemeClr val="tx1"/>
+                      </a:solidFill>
+                      <a:prstDash val="solid"/>
+                      <a:round/>
+                      <a:headEnd type="none" w="med" len="med"/>
+                      <a:tailEnd type="none" w="med" len="med"/>
+                    </a:lnB>
+                    <a:solidFill>
+                      <a:schemeClr val="bg2"/>
+                    </a:solidFill>
+                  </a:tcPr>
+                </a:tc>
+                <a:tc>
+                  <a:txBody>
+                    <a:bodyPr/>
+                    <a:lstStyle/>
+                    <a:p>
+                      <a:pPr algn="ctr" latinLnBrk="1"/>
+                      <a:r>
+                        <a:rPr lang="en-US" altLang="ko-KR" sz="1000" b="0" dirty="0">
+                          <a:solidFill>
+                            <a:schemeClr val="tx1"/>
+                          </a:solidFill>
+                        </a:rPr>
+                        <a:t>Description</a:t>
+                      </a:r>
+                      <a:endParaRPr lang="ko-KR" altLang="en-US" sz="1000" b="0" dirty="0">
+                        <a:solidFill>
+                          <a:schemeClr val="tx1"/>
+                        </a:solidFill>
+                      </a:endParaRPr>
+                    </a:p>
+                  </a:txBody>
+                  <a:tcPr>
+                    <a:lnL w="12700" cap="flat" cmpd="sng" algn="ctr">
+                      <a:solidFill>
+                        <a:schemeClr val="tx1"/>
+                      </a:solidFill>
+                      <a:prstDash val="solid"/>
+                      <a:round/>
+                      <a:headEnd type="none" w="med" len="med"/>
+                      <a:tailEnd type="none" w="med" len="med"/>
+                    </a:lnL>
+                    <a:lnR w="12700" cap="flat" cmpd="sng" algn="ctr">
+                      <a:solidFill>
+                        <a:schemeClr val="tx1"/>
+                      </a:solidFill>
+                      <a:prstDash val="solid"/>
+                      <a:round/>
+                      <a:headEnd type="none" w="med" len="med"/>
+                      <a:tailEnd type="none" w="med" len="med"/>
+                    </a:lnR>
+                    <a:lnT w="12700" cap="flat" cmpd="sng" algn="ctr">
+                      <a:solidFill>
+                        <a:schemeClr val="tx1"/>
+                      </a:solidFill>
+                      <a:prstDash val="solid"/>
+                      <a:round/>
+                      <a:headEnd type="none" w="med" len="med"/>
+                      <a:tailEnd type="none" w="med" len="med"/>
+                    </a:lnT>
+                    <a:lnB w="12700" cap="flat" cmpd="sng" algn="ctr">
+                      <a:solidFill>
+                        <a:schemeClr val="tx1"/>
+                      </a:solidFill>
+                      <a:prstDash val="solid"/>
+                      <a:round/>
+                      <a:headEnd type="none" w="med" len="med"/>
+                      <a:tailEnd type="none" w="med" len="med"/>
+                    </a:lnB>
+                    <a:solidFill>
+                      <a:schemeClr val="bg2"/>
+                    </a:solidFill>
+                  </a:tcPr>
+                </a:tc>
+                <a:tc>
+                  <a:txBody>
+                    <a:bodyPr/>
+                    <a:lstStyle/>
+                    <a:p>
+                      <a:pPr algn="ctr" latinLnBrk="1"/>
+                      <a:r>
+                        <a:rPr lang="ko-KR" altLang="en-US" sz="1000" b="0" dirty="0">
+                          <a:solidFill>
+                            <a:schemeClr val="tx1"/>
+                          </a:solidFill>
+                        </a:rPr>
+                        <a:t>물량산출식</a:t>
+                      </a:r>
+                    </a:p>
+                  </a:txBody>
+                  <a:tcPr>
+                    <a:lnL w="12700" cap="flat" cmpd="sng" algn="ctr">
+                      <a:solidFill>
+                        <a:schemeClr val="tx1"/>
+                      </a:solidFill>
+                      <a:prstDash val="solid"/>
+                      <a:round/>
+                      <a:headEnd type="none" w="med" len="med"/>
+                      <a:tailEnd type="none" w="med" len="med"/>
+                    </a:lnL>
+                    <a:lnR w="12700" cap="flat" cmpd="sng" algn="ctr">
+                      <a:solidFill>
+                        <a:schemeClr val="tx1"/>
+                      </a:solidFill>
+                      <a:prstDash val="solid"/>
+                      <a:round/>
+                      <a:headEnd type="none" w="med" len="med"/>
+                      <a:tailEnd type="none" w="med" len="med"/>
+                    </a:lnR>
+                    <a:lnT w="12700" cap="flat" cmpd="sng" algn="ctr">
+                      <a:solidFill>
+                        <a:schemeClr val="tx1"/>
+                      </a:solidFill>
+                      <a:prstDash val="solid"/>
+                      <a:round/>
+                      <a:headEnd type="none" w="med" len="med"/>
+                      <a:tailEnd type="none" w="med" len="med"/>
+                    </a:lnT>
+                    <a:lnB w="12700" cap="flat" cmpd="sng" algn="ctr">
+                      <a:solidFill>
+                        <a:schemeClr val="tx1"/>
+                      </a:solidFill>
+                      <a:prstDash val="solid"/>
+                      <a:round/>
+                      <a:headEnd type="none" w="med" len="med"/>
+                      <a:tailEnd type="none" w="med" len="med"/>
+                    </a:lnB>
+                    <a:solidFill>
+                      <a:schemeClr val="bg2"/>
+                    </a:solidFill>
+                  </a:tcPr>
+                </a:tc>
+                <a:tc>
+                  <a:txBody>
+                    <a:bodyPr/>
+                    <a:lstStyle/>
+                    <a:p>
+                      <a:pPr algn="ctr" latinLnBrk="1"/>
+                      <a:r>
+                        <a:rPr lang="en-US" altLang="ko-KR" sz="1000" b="0" dirty="0">
+                          <a:solidFill>
+                            <a:schemeClr val="tx1"/>
+                          </a:solidFill>
+                        </a:rPr>
+                        <a:t>Quantity</a:t>
+                      </a:r>
+                      <a:endParaRPr lang="ko-KR" altLang="en-US" sz="1000" b="0" dirty="0">
+                        <a:solidFill>
+                          <a:schemeClr val="tx1"/>
+                        </a:solidFill>
+                      </a:endParaRPr>
+                    </a:p>
+                  </a:txBody>
+                  <a:tcPr>
+                    <a:lnL w="12700" cap="flat" cmpd="sng" algn="ctr">
+                      <a:solidFill>
+                        <a:schemeClr val="tx1"/>
+                      </a:solidFill>
+                      <a:prstDash val="solid"/>
+                      <a:round/>
+                      <a:headEnd type="none" w="med" len="med"/>
+                      <a:tailEnd type="none" w="med" len="med"/>
+                    </a:lnL>
+                    <a:lnR w="12700" cap="flat" cmpd="sng" algn="ctr">
+                      <a:solidFill>
+                        <a:schemeClr val="tx1"/>
+                      </a:solidFill>
+                      <a:prstDash val="solid"/>
+                      <a:round/>
+                      <a:headEnd type="none" w="med" len="med"/>
+                      <a:tailEnd type="none" w="med" len="med"/>
+                    </a:lnR>
+                    <a:lnT w="12700" cap="flat" cmpd="sng" algn="ctr">
+                      <a:solidFill>
+                        <a:schemeClr val="tx1"/>
+                      </a:solidFill>
+                      <a:prstDash val="solid"/>
+                      <a:round/>
+                      <a:headEnd type="none" w="med" len="med"/>
+                      <a:tailEnd type="none" w="med" len="med"/>
+                    </a:lnT>
+                    <a:lnB w="12700" cap="flat" cmpd="sng" algn="ctr">
+                      <a:solidFill>
+                        <a:schemeClr val="tx1"/>
+                      </a:solidFill>
+                      <a:prstDash val="solid"/>
+                      <a:round/>
+                      <a:headEnd type="none" w="med" len="med"/>
+                      <a:tailEnd type="none" w="med" len="med"/>
+                    </a:lnB>
+                    <a:solidFill>
+                      <a:schemeClr val="bg2"/>
+                    </a:solidFill>
+                  </a:tcPr>
+                </a:tc>
+                <a:tc>
+                  <a:txBody>
+                    <a:bodyPr/>
+                    <a:lstStyle/>
+                    <a:p>
+                      <a:pPr algn="ctr" latinLnBrk="1"/>
+                      <a:r>
+                        <a:rPr lang="en-US" altLang="ko-KR" sz="1000" b="0" dirty="0">
+                          <a:solidFill>
+                            <a:schemeClr val="tx1"/>
+                          </a:solidFill>
+                        </a:rPr>
+                        <a:t>Remark</a:t>
+                      </a:r>
+                      <a:endParaRPr lang="ko-KR" altLang="en-US" sz="1000" b="0" dirty="0">
+                        <a:solidFill>
+                          <a:schemeClr val="tx1"/>
+                        </a:solidFill>
+                      </a:endParaRPr>
+                    </a:p>
+                  </a:txBody>
+                  <a:tcPr>
+                    <a:lnL w="12700" cap="flat" cmpd="sng" algn="ctr">
+                      <a:solidFill>
+                        <a:schemeClr val="tx1"/>
+                      </a:solidFill>
+                      <a:prstDash val="solid"/>
+                      <a:round/>
+                      <a:headEnd type="none" w="med" len="med"/>
+                      <a:tailEnd type="none" w="med" len="med"/>
+                    </a:lnL>
+                    <a:lnR w="12700" cap="flat" cmpd="sng" algn="ctr">
+                      <a:solidFill>
+                        <a:schemeClr val="tx1"/>
+                      </a:solidFill>
+                      <a:prstDash val="solid"/>
+                      <a:round/>
+                      <a:headEnd type="none" w="med" len="med"/>
+                      <a:tailEnd type="none" w="med" len="med"/>
+                    </a:lnR>
+                    <a:lnT w="12700" cap="flat" cmpd="sng" algn="ctr">
+                      <a:solidFill>
+                        <a:schemeClr val="tx1"/>
+                      </a:solidFill>
+                      <a:prstDash val="solid"/>
+                      <a:round/>
+                      <a:headEnd type="none" w="med" len="med"/>
+                      <a:tailEnd type="none" w="med" len="med"/>
+                    </a:lnT>
+                    <a:lnB w="12700" cap="flat" cmpd="sng" algn="ctr">
+                      <a:solidFill>
+                        <a:schemeClr val="tx1"/>
+                      </a:solidFill>
+                      <a:prstDash val="solid"/>
+                      <a:round/>
+                      <a:headEnd type="none" w="med" len="med"/>
+                      <a:tailEnd type="none" w="med" len="med"/>
+                    </a:lnB>
+                    <a:solidFill>
+                      <a:schemeClr val="bg2"/>
+                    </a:solidFill>
+                  </a:tcPr>
+                </a:tc>
+                <a:extLst>
+                  <a:ext uri="{0D108BD9-81ED-4DB2-BD59-A6C34878D82A}">
+                    <a16:rowId xmlns:a16="http://schemas.microsoft.com/office/drawing/2014/main" val="4228979736"/>
+                  </a:ext>
+                </a:extLst>
+              </a:tr>
+              <a:tr h="192405">
+                <a:tc>
+                  <a:txBody>
+                    <a:bodyPr/>
+                    <a:lstStyle/>
+                    <a:p>
+                      <a:pPr latinLnBrk="1"/>
+                      <a:endParaRPr lang="ko-KR" altLang="en-US" sz="1000" b="0" dirty="0">
+                        <a:solidFill>
+                          <a:schemeClr val="tx1"/>
+                        </a:solidFill>
+                      </a:endParaRPr>
+                    </a:p>
+                  </a:txBody>
+                  <a:tcPr>
+                    <a:lnL w="12700" cap="flat" cmpd="sng" algn="ctr">
+                      <a:solidFill>
+                        <a:schemeClr val="tx1"/>
+                      </a:solidFill>
+                      <a:prstDash val="solid"/>
+                      <a:round/>
+                      <a:headEnd type="none" w="med" len="med"/>
+                      <a:tailEnd type="none" w="med" len="med"/>
+                    </a:lnL>
+                    <a:lnR w="12700" cap="flat" cmpd="sng" algn="ctr">
+                      <a:solidFill>
+                        <a:schemeClr val="tx1"/>
+                      </a:solidFill>
+                      <a:prstDash val="solid"/>
+                      <a:round/>
+                      <a:headEnd type="none" w="med" len="med"/>
+                      <a:tailEnd type="none" w="med" len="med"/>
+                    </a:lnR>
+                    <a:lnT w="12700" cap="flat" cmpd="sng" algn="ctr">
+                      <a:solidFill>
+                        <a:schemeClr val="tx1"/>
+                      </a:solidFill>
+                      <a:prstDash val="solid"/>
+                      <a:round/>
+                      <a:headEnd type="none" w="med" len="med"/>
+                      <a:tailEnd type="none" w="med" len="med"/>
+                    </a:lnT>
+                    <a:lnB w="12700" cap="flat" cmpd="sng" algn="ctr">
+                      <a:solidFill>
+                        <a:schemeClr val="tx1"/>
+                      </a:solidFill>
+                      <a:prstDash val="solid"/>
+                      <a:round/>
+                      <a:headEnd type="none" w="med" len="med"/>
+                      <a:tailEnd type="none" w="med" len="med"/>
+                    </a:lnB>
+                    <a:solidFill>
+                      <a:schemeClr val="bg1"/>
+                    </a:solidFill>
+                  </a:tcPr>
+                </a:tc>
+                <a:tc>
+                  <a:txBody>
+                    <a:bodyPr/>
+                    <a:lstStyle/>
+                    <a:p>
+                      <a:pPr latinLnBrk="1"/>
+                      <a:endParaRPr lang="ko-KR" altLang="en-US" sz="1000" b="0">
+                        <a:solidFill>
+                          <a:schemeClr val="tx1"/>
+                        </a:solidFill>
+                      </a:endParaRPr>
+                    </a:p>
+                  </a:txBody>
+                  <a:tcPr>
+                    <a:lnL w="12700" cap="flat" cmpd="sng" algn="ctr">
+                      <a:solidFill>
+                        <a:schemeClr val="tx1"/>
+                      </a:solidFill>
+                      <a:prstDash val="solid"/>
+                      <a:round/>
+                      <a:headEnd type="none" w="med" len="med"/>
+                      <a:tailEnd type="none" w="med" len="med"/>
+                    </a:lnL>
+                    <a:lnR w="12700" cap="flat" cmpd="sng" algn="ctr">
+                      <a:solidFill>
+                        <a:schemeClr val="tx1"/>
+                      </a:solidFill>
+                      <a:prstDash val="solid"/>
+                      <a:round/>
+                      <a:headEnd type="none" w="med" len="med"/>
+                      <a:tailEnd type="none" w="med" len="med"/>
+                    </a:lnR>
+                    <a:lnT w="12700" cap="flat" cmpd="sng" algn="ctr">
+                      <a:solidFill>
+                        <a:schemeClr val="tx1"/>
+                      </a:solidFill>
+                      <a:prstDash val="solid"/>
+                      <a:round/>
+                      <a:headEnd type="none" w="med" len="med"/>
+                      <a:tailEnd type="none" w="med" len="med"/>
+                    </a:lnT>
+                    <a:lnB w="12700" cap="flat" cmpd="sng" algn="ctr">
+                      <a:solidFill>
+                        <a:schemeClr val="tx1"/>
+                      </a:solidFill>
+                      <a:prstDash val="solid"/>
+                      <a:round/>
+                      <a:headEnd type="none" w="med" len="med"/>
+                      <a:tailEnd type="none" w="med" len="med"/>
+                    </a:lnB>
+                    <a:solidFill>
+                      <a:schemeClr val="bg1"/>
+                    </a:solidFill>
+                  </a:tcPr>
+                </a:tc>
+                <a:tc>
+                  <a:txBody>
+                    <a:bodyPr/>
+                    <a:lstStyle/>
+                    <a:p>
+                      <a:pPr latinLnBrk="1"/>
+                      <a:endParaRPr lang="ko-KR" altLang="en-US" sz="1000" b="0">
+                        <a:solidFill>
+                          <a:schemeClr val="tx1"/>
+                        </a:solidFill>
+                      </a:endParaRPr>
+                    </a:p>
+                  </a:txBody>
+                  <a:tcPr>
+                    <a:lnL w="12700" cap="flat" cmpd="sng" algn="ctr">
+                      <a:solidFill>
+                        <a:schemeClr val="tx1"/>
+                      </a:solidFill>
+                      <a:prstDash val="solid"/>
+                      <a:round/>
+                      <a:headEnd type="none" w="med" len="med"/>
+                      <a:tailEnd type="none" w="med" len="med"/>
+                    </a:lnL>
+                    <a:lnR w="12700" cap="flat" cmpd="sng" algn="ctr">
+                      <a:solidFill>
+                        <a:schemeClr val="tx1"/>
+                      </a:solidFill>
+                      <a:prstDash val="solid"/>
+                      <a:round/>
+                      <a:headEnd type="none" w="med" len="med"/>
+                      <a:tailEnd type="none" w="med" len="med"/>
+                    </a:lnR>
+                    <a:lnT w="12700" cap="flat" cmpd="sng" algn="ctr">
+                      <a:solidFill>
+                        <a:schemeClr val="tx1"/>
+                      </a:solidFill>
+                      <a:prstDash val="solid"/>
+                      <a:round/>
+                      <a:headEnd type="none" w="med" len="med"/>
+                      <a:tailEnd type="none" w="med" len="med"/>
+                    </a:lnT>
+                    <a:lnB w="12700" cap="flat" cmpd="sng" algn="ctr">
+                      <a:solidFill>
+                        <a:schemeClr val="tx1"/>
+                      </a:solidFill>
+                      <a:prstDash val="solid"/>
+                      <a:round/>
+                      <a:headEnd type="none" w="med" len="med"/>
+                      <a:tailEnd type="none" w="med" len="med"/>
+                    </a:lnB>
+                    <a:solidFill>
+                      <a:schemeClr val="bg1"/>
+                    </a:solidFill>
+                  </a:tcPr>
+                </a:tc>
+                <a:tc>
+                  <a:txBody>
+                    <a:bodyPr/>
+                    <a:lstStyle/>
+                    <a:p>
+                      <a:pPr latinLnBrk="1"/>
+                      <a:endParaRPr lang="ko-KR" altLang="en-US" sz="1000" b="0" dirty="0">
+                        <a:solidFill>
+                          <a:schemeClr val="tx1"/>
+                        </a:solidFill>
+                      </a:endParaRPr>
+                    </a:p>
+                  </a:txBody>
+                  <a:tcPr>
+                    <a:lnL w="12700" cap="flat" cmpd="sng" algn="ctr">
+                      <a:solidFill>
+                        <a:schemeClr val="tx1"/>
+                      </a:solidFill>
+                      <a:prstDash val="solid"/>
+                      <a:round/>
+                      <a:headEnd type="none" w="med" len="med"/>
+                      <a:tailEnd type="none" w="med" len="med"/>
+                    </a:lnL>
+                    <a:lnR w="12700" cap="flat" cmpd="sng" algn="ctr">
+                      <a:solidFill>
+                        <a:schemeClr val="tx1"/>
+                      </a:solidFill>
+                      <a:prstDash val="solid"/>
+                      <a:round/>
+                      <a:headEnd type="none" w="med" len="med"/>
+                      <a:tailEnd type="none" w="med" len="med"/>
+                    </a:lnR>
+                    <a:lnT w="12700" cap="flat" cmpd="sng" algn="ctr">
+                      <a:solidFill>
+                        <a:schemeClr val="tx1"/>
+                      </a:solidFill>
+                      <a:prstDash val="solid"/>
+                      <a:round/>
+                      <a:headEnd type="none" w="med" len="med"/>
+                      <a:tailEnd type="none" w="med" len="med"/>
+                    </a:lnT>
+                    <a:lnB w="12700" cap="flat" cmpd="sng" algn="ctr">
+                      <a:solidFill>
+                        <a:schemeClr val="tx1"/>
+                      </a:solidFill>
+                      <a:prstDash val="solid"/>
+                      <a:round/>
+                      <a:headEnd type="none" w="med" len="med"/>
+                      <a:tailEnd type="none" w="med" len="med"/>
+                    </a:lnB>
+                    <a:solidFill>
+                      <a:schemeClr val="bg1"/>
+                    </a:solidFill>
+                  </a:tcPr>
+                </a:tc>
+                <a:tc>
+                  <a:txBody>
+                    <a:bodyPr/>
+                    <a:lstStyle/>
+                    <a:p>
+                      <a:pPr latinLnBrk="1"/>
+                      <a:endParaRPr lang="ko-KR" altLang="en-US" sz="1000" b="0" dirty="0">
+                        <a:solidFill>
+                          <a:schemeClr val="tx1"/>
+                        </a:solidFill>
+                      </a:endParaRPr>
+                    </a:p>
+                  </a:txBody>
+                  <a:tcPr>
+                    <a:lnL w="12700" cap="flat" cmpd="sng" algn="ctr">
+                      <a:solidFill>
+                        <a:schemeClr val="tx1"/>
+                      </a:solidFill>
+                      <a:prstDash val="solid"/>
+                      <a:round/>
+                      <a:headEnd type="none" w="med" len="med"/>
+                      <a:tailEnd type="none" w="med" len="med"/>
+                    </a:lnL>
+                    <a:lnR w="12700" cap="flat" cmpd="sng" algn="ctr">
+                      <a:solidFill>
+                        <a:schemeClr val="tx1"/>
+                      </a:solidFill>
+                      <a:prstDash val="solid"/>
+                      <a:round/>
+                      <a:headEnd type="none" w="med" len="med"/>
+                      <a:tailEnd type="none" w="med" len="med"/>
+                    </a:lnR>
+                    <a:lnT w="12700" cap="flat" cmpd="sng" algn="ctr">
+                      <a:solidFill>
+                        <a:schemeClr val="tx1"/>
+                      </a:solidFill>
+                      <a:prstDash val="solid"/>
+                      <a:round/>
+                      <a:headEnd type="none" w="med" len="med"/>
+                      <a:tailEnd type="none" w="med" len="med"/>
+                    </a:lnT>
+                    <a:lnB w="12700" cap="flat" cmpd="sng" algn="ctr">
+                      <a:solidFill>
+                        <a:schemeClr val="tx1"/>
+                      </a:solidFill>
+                      <a:prstDash val="solid"/>
+                      <a:round/>
+                      <a:headEnd type="none" w="med" len="med"/>
+                      <a:tailEnd type="none" w="med" len="med"/>
+                    </a:lnB>
+                    <a:solidFill>
+                      <a:schemeClr val="bg1"/>
+                    </a:solidFill>
+                  </a:tcPr>
+                </a:tc>
+                <a:tc>
+                  <a:txBody>
+                    <a:bodyPr/>
+                    <a:lstStyle/>
+                    <a:p>
+                      <a:pPr latinLnBrk="1"/>
+                      <a:endParaRPr lang="ko-KR" altLang="en-US" sz="1000" b="0" dirty="0">
+                        <a:solidFill>
+                          <a:schemeClr val="tx1"/>
+                        </a:solidFill>
+                      </a:endParaRPr>
+                    </a:p>
+                  </a:txBody>
+                  <a:tcPr>
+                    <a:lnL w="12700" cap="flat" cmpd="sng" algn="ctr">
+                      <a:solidFill>
+                        <a:schemeClr val="tx1"/>
+                      </a:solidFill>
+                      <a:prstDash val="solid"/>
+                      <a:round/>
+                      <a:headEnd type="none" w="med" len="med"/>
+                      <a:tailEnd type="none" w="med" len="med"/>
+                    </a:lnL>
+                    <a:lnR w="12700" cap="flat" cmpd="sng" algn="ctr">
+                      <a:solidFill>
+                        <a:schemeClr val="tx1"/>
+                      </a:solidFill>
+                      <a:prstDash val="solid"/>
+                      <a:round/>
+                      <a:headEnd type="none" w="med" len="med"/>
+                      <a:tailEnd type="none" w="med" len="med"/>
+                    </a:lnR>
+                    <a:lnT w="12700" cap="flat" cmpd="sng" algn="ctr">
+                      <a:solidFill>
+                        <a:schemeClr val="tx1"/>
+                      </a:solidFill>
+                      <a:prstDash val="solid"/>
+                      <a:round/>
+                      <a:headEnd type="none" w="med" len="med"/>
+                      <a:tailEnd type="none" w="med" len="med"/>
+                    </a:lnT>
+                    <a:lnB w="12700" cap="flat" cmpd="sng" algn="ctr">
+                      <a:solidFill>
+                        <a:schemeClr val="tx1"/>
+                      </a:solidFill>
+                      <a:prstDash val="solid"/>
+                      <a:round/>
+                      <a:headEnd type="none" w="med" len="med"/>
+                      <a:tailEnd type="none" w="med" len="med"/>
+                    </a:lnB>
+                    <a:solidFill>
+                      <a:schemeClr val="bg1"/>
+                    </a:solidFill>
+                  </a:tcPr>
+                </a:tc>
+                <a:tc>
+                  <a:txBody>
+                    <a:bodyPr/>
+                    <a:lstStyle/>
+                    <a:p>
+                      <a:pPr latinLnBrk="1"/>
+                      <a:endParaRPr lang="ko-KR" altLang="en-US" sz="1000" b="0" dirty="0">
+                        <a:solidFill>
+                          <a:schemeClr val="tx1"/>
+                        </a:solidFill>
+                      </a:endParaRPr>
+                    </a:p>
+                  </a:txBody>
+                  <a:tcPr>
+                    <a:lnL w="12700" cap="flat" cmpd="sng" algn="ctr">
+                      <a:solidFill>
+                        <a:schemeClr val="tx1"/>
+                      </a:solidFill>
+                      <a:prstDash val="solid"/>
+                      <a:round/>
+                      <a:headEnd type="none" w="med" len="med"/>
+                      <a:tailEnd type="none" w="med" len="med"/>
+                    </a:lnL>
+                    <a:lnR w="12700" cap="flat" cmpd="sng" algn="ctr">
+                      <a:solidFill>
+                        <a:schemeClr val="tx1"/>
+                      </a:solidFill>
+                      <a:prstDash val="solid"/>
+                      <a:round/>
+                      <a:headEnd type="none" w="med" len="med"/>
+                      <a:tailEnd type="none" w="med" len="med"/>
+                    </a:lnR>
+                    <a:lnT w="12700" cap="flat" cmpd="sng" algn="ctr">
+                      <a:solidFill>
+                        <a:schemeClr val="tx1"/>
+                      </a:solidFill>
+                      <a:prstDash val="solid"/>
+                      <a:round/>
+                      <a:headEnd type="none" w="med" len="med"/>
+                      <a:tailEnd type="none" w="med" len="med"/>
+                    </a:lnT>
+                    <a:lnB w="12700" cap="flat" cmpd="sng" algn="ctr">
+                      <a:solidFill>
+                        <a:schemeClr val="tx1"/>
+                      </a:solidFill>
+                      <a:prstDash val="solid"/>
+                      <a:round/>
+                      <a:headEnd type="none" w="med" len="med"/>
+                      <a:tailEnd type="none" w="med" len="med"/>
+                    </a:lnB>
+                    <a:solidFill>
+                      <a:schemeClr val="bg1"/>
+                    </a:solidFill>
+                  </a:tcPr>
+                </a:tc>
+                <a:extLst>
+                  <a:ext uri="{0D108BD9-81ED-4DB2-BD59-A6C34878D82A}">
+                    <a16:rowId xmlns:a16="http://schemas.microsoft.com/office/drawing/2014/main" val="2874484294"/>
+                  </a:ext>
+                </a:extLst>
+              </a:tr>
+              <a:tr h="192405">
+                <a:tc>
+                  <a:txBody>
+                    <a:bodyPr/>
+                    <a:lstStyle/>
+                    <a:p>
+                      <a:pPr latinLnBrk="1"/>
+                      <a:endParaRPr lang="ko-KR" altLang="en-US" sz="1000" b="0" dirty="0">
+                        <a:solidFill>
+                          <a:schemeClr val="tx1"/>
+                        </a:solidFill>
+                      </a:endParaRPr>
+                    </a:p>
+                  </a:txBody>
+                  <a:tcPr>
+                    <a:lnL w="12700" cap="flat" cmpd="sng" algn="ctr">
+                      <a:solidFill>
+                        <a:schemeClr val="tx1"/>
+                      </a:solidFill>
+                      <a:prstDash val="solid"/>
+                      <a:round/>
+                      <a:headEnd type="none" w="med" len="med"/>
+                      <a:tailEnd type="none" w="med" len="med"/>
+                    </a:lnL>
+                    <a:lnR w="12700" cap="flat" cmpd="sng" algn="ctr">
+                      <a:solidFill>
+                        <a:schemeClr val="tx1"/>
+                      </a:solidFill>
+                      <a:prstDash val="solid"/>
+                      <a:round/>
+                      <a:headEnd type="none" w="med" len="med"/>
+                      <a:tailEnd type="none" w="med" len="med"/>
+                    </a:lnR>
+                    <a:lnT w="12700" cap="flat" cmpd="sng" algn="ctr">
+                      <a:solidFill>
+                        <a:schemeClr val="tx1"/>
+                      </a:solidFill>
+                      <a:prstDash val="solid"/>
+                      <a:round/>
+                      <a:headEnd type="none" w="med" len="med"/>
+                      <a:tailEnd type="none" w="med" len="med"/>
+                    </a:lnT>
+                    <a:lnB w="12700" cap="flat" cmpd="sng" algn="ctr">
+                      <a:solidFill>
+                        <a:schemeClr val="tx1"/>
+                      </a:solidFill>
+                      <a:prstDash val="solid"/>
+                      <a:round/>
+                      <a:headEnd type="none" w="med" len="med"/>
+                      <a:tailEnd type="none" w="med" len="med"/>
+                    </a:lnB>
+                    <a:solidFill>
+                      <a:schemeClr val="bg1"/>
+                    </a:solidFill>
+                  </a:tcPr>
+                </a:tc>
+                <a:tc>
+                  <a:txBody>
+                    <a:bodyPr/>
+                    <a:lstStyle/>
+                    <a:p>
+                      <a:pPr latinLnBrk="1"/>
+                      <a:endParaRPr lang="ko-KR" altLang="en-US" sz="1000" b="0">
+                        <a:solidFill>
+                          <a:schemeClr val="tx1"/>
+                        </a:solidFill>
+                      </a:endParaRPr>
+                    </a:p>
+                  </a:txBody>
+                  <a:tcPr>
+                    <a:lnL w="12700" cap="flat" cmpd="sng" algn="ctr">
+                      <a:solidFill>
+                        <a:schemeClr val="tx1"/>
+                      </a:solidFill>
+                      <a:prstDash val="solid"/>
+                      <a:round/>
+                      <a:headEnd type="none" w="med" len="med"/>
+                      <a:tailEnd type="none" w="med" len="med"/>
+                    </a:lnL>
+                    <a:lnR w="12700" cap="flat" cmpd="sng" algn="ctr">
+                      <a:solidFill>
+                        <a:schemeClr val="tx1"/>
+                      </a:solidFill>
+                      <a:prstDash val="solid"/>
+                      <a:round/>
+                      <a:headEnd type="none" w="med" len="med"/>
+                      <a:tailEnd type="none" w="med" len="med"/>
+                    </a:lnR>
+                    <a:lnT w="12700" cap="flat" cmpd="sng" algn="ctr">
+                      <a:solidFill>
+                        <a:schemeClr val="tx1"/>
+                      </a:solidFill>
+                      <a:prstDash val="solid"/>
+                      <a:round/>
+                      <a:headEnd type="none" w="med" len="med"/>
+                      <a:tailEnd type="none" w="med" len="med"/>
+                    </a:lnT>
+                    <a:lnB w="12700" cap="flat" cmpd="sng" algn="ctr">
+                      <a:solidFill>
+                        <a:schemeClr val="tx1"/>
+                      </a:solidFill>
+                      <a:prstDash val="solid"/>
+                      <a:round/>
+                      <a:headEnd type="none" w="med" len="med"/>
+                      <a:tailEnd type="none" w="med" len="med"/>
+                    </a:lnB>
+                    <a:solidFill>
+                      <a:schemeClr val="bg1"/>
+                    </a:solidFill>
+                  </a:tcPr>
+                </a:tc>
+                <a:tc>
+                  <a:txBody>
+                    <a:bodyPr/>
+                    <a:lstStyle/>
+                    <a:p>
+                      <a:pPr latinLnBrk="1"/>
+                      <a:endParaRPr lang="ko-KR" altLang="en-US" sz="1000" b="0">
+                        <a:solidFill>
+                          <a:schemeClr val="tx1"/>
+                        </a:solidFill>
+                      </a:endParaRPr>
+                    </a:p>
+                  </a:txBody>
+                  <a:tcPr>
+                    <a:lnL w="12700" cap="flat" cmpd="sng" algn="ctr">
+                      <a:solidFill>
+                        <a:schemeClr val="tx1"/>
+                      </a:solidFill>
+                      <a:prstDash val="solid"/>
+                      <a:round/>
+                      <a:headEnd type="none" w="med" len="med"/>
+                      <a:tailEnd type="none" w="med" len="med"/>
+                    </a:lnL>
+                    <a:lnR w="12700" cap="flat" cmpd="sng" algn="ctr">
+                      <a:solidFill>
+                        <a:schemeClr val="tx1"/>
+                      </a:solidFill>
+                      <a:prstDash val="solid"/>
+                      <a:round/>
+                      <a:headEnd type="none" w="med" len="med"/>
+                      <a:tailEnd type="none" w="med" len="med"/>
+                    </a:lnR>
+                    <a:lnT w="12700" cap="flat" cmpd="sng" algn="ctr">
+                      <a:solidFill>
+                        <a:schemeClr val="tx1"/>
+                      </a:solidFill>
+                      <a:prstDash val="solid"/>
+                      <a:round/>
+                      <a:headEnd type="none" w="med" len="med"/>
+                      <a:tailEnd type="none" w="med" len="med"/>
+                    </a:lnT>
+                    <a:lnB w="12700" cap="flat" cmpd="sng" algn="ctr">
+                      <a:solidFill>
+                        <a:schemeClr val="tx1"/>
+                      </a:solidFill>
+                      <a:prstDash val="solid"/>
+                      <a:round/>
+                      <a:headEnd type="none" w="med" len="med"/>
+                      <a:tailEnd type="none" w="med" len="med"/>
+                    </a:lnB>
+                    <a:solidFill>
+                      <a:schemeClr val="bg1"/>
+                    </a:solidFill>
+                  </a:tcPr>
+                </a:tc>
+                <a:tc>
+                  <a:txBody>
+                    <a:bodyPr/>
+                    <a:lstStyle/>
+                    <a:p>
+                      <a:pPr latinLnBrk="1"/>
+                      <a:endParaRPr lang="ko-KR" altLang="en-US" sz="1000" b="0">
+                        <a:solidFill>
+                          <a:schemeClr val="tx1"/>
+                        </a:solidFill>
+                      </a:endParaRPr>
+                    </a:p>
+                  </a:txBody>
+                  <a:tcPr>
+                    <a:lnL w="12700" cap="flat" cmpd="sng" algn="ctr">
+                      <a:solidFill>
+                        <a:schemeClr val="tx1"/>
+                      </a:solidFill>
+                      <a:prstDash val="solid"/>
+                      <a:round/>
+                      <a:headEnd type="none" w="med" len="med"/>
+                      <a:tailEnd type="none" w="med" len="med"/>
+                    </a:lnL>
+                    <a:lnR w="12700" cap="flat" cmpd="sng" algn="ctr">
+                      <a:solidFill>
+                        <a:schemeClr val="tx1"/>
+                      </a:solidFill>
+                      <a:prstDash val="solid"/>
+                      <a:round/>
+                      <a:headEnd type="none" w="med" len="med"/>
+                      <a:tailEnd type="none" w="med" len="med"/>
+                    </a:lnR>
+                    <a:lnT w="12700" cap="flat" cmpd="sng" algn="ctr">
+                      <a:solidFill>
+                        <a:schemeClr val="tx1"/>
+                      </a:solidFill>
+                      <a:prstDash val="solid"/>
+                      <a:round/>
+                      <a:headEnd type="none" w="med" len="med"/>
+                      <a:tailEnd type="none" w="med" len="med"/>
+                    </a:lnT>
+                    <a:lnB w="12700" cap="flat" cmpd="sng" algn="ctr">
+                      <a:solidFill>
+                        <a:schemeClr val="tx1"/>
+                      </a:solidFill>
+                      <a:prstDash val="solid"/>
+                      <a:round/>
+                      <a:headEnd type="none" w="med" len="med"/>
+                      <a:tailEnd type="none" w="med" len="med"/>
+                    </a:lnB>
+                    <a:solidFill>
+                      <a:schemeClr val="bg1"/>
+                    </a:solidFill>
+                  </a:tcPr>
+                </a:tc>
+                <a:tc>
+                  <a:txBody>
+                    <a:bodyPr/>
+                    <a:lstStyle/>
+                    <a:p>
+                      <a:pPr latinLnBrk="1"/>
+                      <a:endParaRPr lang="ko-KR" altLang="en-US" sz="1000" b="0">
+                        <a:solidFill>
+                          <a:schemeClr val="tx1"/>
+                        </a:solidFill>
+                      </a:endParaRPr>
+                    </a:p>
+                  </a:txBody>
+                  <a:tcPr>
+                    <a:lnL w="12700" cap="flat" cmpd="sng" algn="ctr">
+                      <a:solidFill>
+                        <a:schemeClr val="tx1"/>
+                      </a:solidFill>
+                      <a:prstDash val="solid"/>
+                      <a:round/>
+                      <a:headEnd type="none" w="med" len="med"/>
+                      <a:tailEnd type="none" w="med" len="med"/>
+                    </a:lnL>
+                    <a:lnR w="12700" cap="flat" cmpd="sng" algn="ctr">
+                      <a:solidFill>
+                        <a:schemeClr val="tx1"/>
+                      </a:solidFill>
+                      <a:prstDash val="solid"/>
+                      <a:round/>
+                      <a:headEnd type="none" w="med" len="med"/>
+                      <a:tailEnd type="none" w="med" len="med"/>
+                    </a:lnR>
+                    <a:lnT w="12700" cap="flat" cmpd="sng" algn="ctr">
+                      <a:solidFill>
+                        <a:schemeClr val="tx1"/>
+                      </a:solidFill>
+                      <a:prstDash val="solid"/>
+                      <a:round/>
+                      <a:headEnd type="none" w="med" len="med"/>
+                      <a:tailEnd type="none" w="med" len="med"/>
+                    </a:lnT>
+                    <a:lnB w="12700" cap="flat" cmpd="sng" algn="ctr">
+                      <a:solidFill>
+                        <a:schemeClr val="tx1"/>
+                      </a:solidFill>
+                      <a:prstDash val="solid"/>
+                      <a:round/>
+                      <a:headEnd type="none" w="med" len="med"/>
+                      <a:tailEnd type="none" w="med" len="med"/>
+                    </a:lnB>
+                    <a:solidFill>
+                      <a:schemeClr val="bg1"/>
+                    </a:solidFill>
+                  </a:tcPr>
+                </a:tc>
+                <a:tc>
+                  <a:txBody>
+                    <a:bodyPr/>
+                    <a:lstStyle/>
+                    <a:p>
+                      <a:pPr latinLnBrk="1"/>
+                      <a:endParaRPr lang="ko-KR" altLang="en-US" sz="1000" b="0">
+                        <a:solidFill>
+                          <a:schemeClr val="tx1"/>
+                        </a:solidFill>
+                      </a:endParaRPr>
+                    </a:p>
+                  </a:txBody>
+                  <a:tcPr>
+                    <a:lnL w="12700" cap="flat" cmpd="sng" algn="ctr">
+                      <a:solidFill>
+                        <a:schemeClr val="tx1"/>
+                      </a:solidFill>
+                      <a:prstDash val="solid"/>
+                      <a:round/>
+                      <a:headEnd type="none" w="med" len="med"/>
+                      <a:tailEnd type="none" w="med" len="med"/>
+                    </a:lnL>
+                    <a:lnR w="12700" cap="flat" cmpd="sng" algn="ctr">
+                      <a:solidFill>
+                        <a:schemeClr val="tx1"/>
+                      </a:solidFill>
+                      <a:prstDash val="solid"/>
+                      <a:round/>
+                      <a:headEnd type="none" w="med" len="med"/>
+                      <a:tailEnd type="none" w="med" len="med"/>
+                    </a:lnR>
+                    <a:lnT w="12700" cap="flat" cmpd="sng" algn="ctr">
+                      <a:solidFill>
+                        <a:schemeClr val="tx1"/>
+                      </a:solidFill>
+                      <a:prstDash val="solid"/>
+                      <a:round/>
+                      <a:headEnd type="none" w="med" len="med"/>
+                      <a:tailEnd type="none" w="med" len="med"/>
+                    </a:lnT>
+                    <a:lnB w="12700" cap="flat" cmpd="sng" algn="ctr">
+                      <a:solidFill>
+                        <a:schemeClr val="tx1"/>
+                      </a:solidFill>
+                      <a:prstDash val="solid"/>
+                      <a:round/>
+                      <a:headEnd type="none" w="med" len="med"/>
+                      <a:tailEnd type="none" w="med" len="med"/>
+                    </a:lnB>
+                    <a:solidFill>
+                      <a:schemeClr val="bg1"/>
+                    </a:solidFill>
+                  </a:tcPr>
+                </a:tc>
+                <a:tc>
+                  <a:txBody>
+                    <a:bodyPr/>
+                    <a:lstStyle/>
+                    <a:p>
+                      <a:pPr latinLnBrk="1"/>
+                      <a:endParaRPr lang="ko-KR" altLang="en-US" sz="1000" b="0">
+                        <a:solidFill>
+                          <a:schemeClr val="tx1"/>
+                        </a:solidFill>
+                      </a:endParaRPr>
+                    </a:p>
+                  </a:txBody>
+                  <a:tcPr>
+                    <a:lnL w="12700" cap="flat" cmpd="sng" algn="ctr">
+                      <a:solidFill>
+                        <a:schemeClr val="tx1"/>
+                      </a:solidFill>
+                      <a:prstDash val="solid"/>
+                      <a:round/>
+                      <a:headEnd type="none" w="med" len="med"/>
+                      <a:tailEnd type="none" w="med" len="med"/>
+                    </a:lnL>
+                    <a:lnR w="12700" cap="flat" cmpd="sng" algn="ctr">
+                      <a:solidFill>
+                        <a:schemeClr val="tx1"/>
+                      </a:solidFill>
+                      <a:prstDash val="solid"/>
+                      <a:round/>
+                      <a:headEnd type="none" w="med" len="med"/>
+                      <a:tailEnd type="none" w="med" len="med"/>
+                    </a:lnR>
+                    <a:lnT w="12700" cap="flat" cmpd="sng" algn="ctr">
+                      <a:solidFill>
+                        <a:schemeClr val="tx1"/>
+                      </a:solidFill>
+                      <a:prstDash val="solid"/>
+                      <a:round/>
+                      <a:headEnd type="none" w="med" len="med"/>
+                      <a:tailEnd type="none" w="med" len="med"/>
+                    </a:lnT>
+                    <a:lnB w="12700" cap="flat" cmpd="sng" algn="ctr">
+                      <a:solidFill>
+                        <a:schemeClr val="tx1"/>
+                      </a:solidFill>
+                      <a:prstDash val="solid"/>
+                      <a:round/>
+                      <a:headEnd type="none" w="med" len="med"/>
+                      <a:tailEnd type="none" w="med" len="med"/>
+                    </a:lnB>
+                    <a:solidFill>
+                      <a:schemeClr val="bg1"/>
+                    </a:solidFill>
+                  </a:tcPr>
+                </a:tc>
+                <a:extLst>
+                  <a:ext uri="{0D108BD9-81ED-4DB2-BD59-A6C34878D82A}">
+                    <a16:rowId xmlns:a16="http://schemas.microsoft.com/office/drawing/2014/main" val="2717201160"/>
+                  </a:ext>
+                </a:extLst>
+              </a:tr>
+              <a:tr h="192405">
+                <a:tc>
+                  <a:txBody>
+                    <a:bodyPr/>
+                    <a:lstStyle/>
+                    <a:p>
+                      <a:pPr latinLnBrk="1"/>
+                      <a:endParaRPr lang="ko-KR" altLang="en-US" sz="1000" b="0" dirty="0">
+                        <a:solidFill>
+                          <a:schemeClr val="tx1"/>
+                        </a:solidFill>
+                      </a:endParaRPr>
+                    </a:p>
+                  </a:txBody>
+                  <a:tcPr>
+                    <a:lnL w="12700" cap="flat" cmpd="sng" algn="ctr">
+                      <a:solidFill>
+                        <a:schemeClr val="tx1"/>
+                      </a:solidFill>
+                      <a:prstDash val="solid"/>
+                      <a:round/>
+                      <a:headEnd type="none" w="med" len="med"/>
+                      <a:tailEnd type="none" w="med" len="med"/>
+                    </a:lnL>
+                    <a:lnR w="12700" cap="flat" cmpd="sng" algn="ctr">
+                      <a:solidFill>
+                        <a:schemeClr val="tx1"/>
+                      </a:solidFill>
+                      <a:prstDash val="solid"/>
+                      <a:round/>
+                      <a:headEnd type="none" w="med" len="med"/>
+                      <a:tailEnd type="none" w="med" len="med"/>
+                    </a:lnR>
+                    <a:lnT w="12700" cap="flat" cmpd="sng" algn="ctr">
+                      <a:solidFill>
+                        <a:schemeClr val="tx1"/>
+                      </a:solidFill>
+                      <a:prstDash val="solid"/>
+                      <a:round/>
+                      <a:headEnd type="none" w="med" len="med"/>
+                      <a:tailEnd type="none" w="med" len="med"/>
+                    </a:lnT>
+                    <a:lnB w="12700" cap="flat" cmpd="sng" algn="ctr">
+                      <a:solidFill>
+                        <a:schemeClr val="tx1"/>
+                      </a:solidFill>
+                      <a:prstDash val="solid"/>
+                      <a:round/>
+                      <a:headEnd type="none" w="med" len="med"/>
+                      <a:tailEnd type="none" w="med" len="med"/>
+                    </a:lnB>
+                    <a:solidFill>
+                      <a:schemeClr val="bg1"/>
+                    </a:solidFill>
+                  </a:tcPr>
+                </a:tc>
+                <a:tc>
+                  <a:txBody>
+                    <a:bodyPr/>
+                    <a:lstStyle/>
+                    <a:p>
+                      <a:pPr latinLnBrk="1"/>
+                      <a:endParaRPr lang="ko-KR" altLang="en-US" sz="1000" b="0" dirty="0">
+                        <a:solidFill>
+                          <a:schemeClr val="tx1"/>
+                        </a:solidFill>
+                      </a:endParaRPr>
+                    </a:p>
+                  </a:txBody>
+                  <a:tcPr>
+                    <a:lnL w="12700" cap="flat" cmpd="sng" algn="ctr">
+                      <a:solidFill>
+                        <a:schemeClr val="tx1"/>
+                      </a:solidFill>
+                      <a:prstDash val="solid"/>
+                      <a:round/>
+                      <a:headEnd type="none" w="med" len="med"/>
+                      <a:tailEnd type="none" w="med" len="med"/>
+                    </a:lnL>
+                    <a:lnR w="12700" cap="flat" cmpd="sng" algn="ctr">
+                      <a:solidFill>
+                        <a:schemeClr val="tx1"/>
+                      </a:solidFill>
+                      <a:prstDash val="solid"/>
+                      <a:round/>
+                      <a:headEnd type="none" w="med" len="med"/>
+                      <a:tailEnd type="none" w="med" len="med"/>
+                    </a:lnR>
+                    <a:lnT w="12700" cap="flat" cmpd="sng" algn="ctr">
+                      <a:solidFill>
+                        <a:schemeClr val="tx1"/>
+                      </a:solidFill>
+                      <a:prstDash val="solid"/>
+                      <a:round/>
+                      <a:headEnd type="none" w="med" len="med"/>
+                      <a:tailEnd type="none" w="med" len="med"/>
+                    </a:lnT>
+                    <a:lnB w="12700" cap="flat" cmpd="sng" algn="ctr">
+                      <a:solidFill>
+                        <a:schemeClr val="tx1"/>
+                      </a:solidFill>
+                      <a:prstDash val="solid"/>
+                      <a:round/>
+                      <a:headEnd type="none" w="med" len="med"/>
+                      <a:tailEnd type="none" w="med" len="med"/>
+                    </a:lnB>
+                    <a:solidFill>
+                      <a:schemeClr val="bg1"/>
+                    </a:solidFill>
+                  </a:tcPr>
+                </a:tc>
+                <a:tc>
+                  <a:txBody>
+                    <a:bodyPr/>
+                    <a:lstStyle/>
+                    <a:p>
+                      <a:pPr latinLnBrk="1"/>
+                      <a:endParaRPr lang="ko-KR" altLang="en-US" sz="1000" b="0">
+                        <a:solidFill>
+                          <a:schemeClr val="tx1"/>
+                        </a:solidFill>
+                      </a:endParaRPr>
+                    </a:p>
+                  </a:txBody>
+                  <a:tcPr>
+                    <a:lnL w="12700" cap="flat" cmpd="sng" algn="ctr">
+                      <a:solidFill>
+                        <a:schemeClr val="tx1"/>
+                      </a:solidFill>
+                      <a:prstDash val="solid"/>
+                      <a:round/>
+                      <a:headEnd type="none" w="med" len="med"/>
+                      <a:tailEnd type="none" w="med" len="med"/>
+                    </a:lnL>
+                    <a:lnR w="12700" cap="flat" cmpd="sng" algn="ctr">
+                      <a:solidFill>
+                        <a:schemeClr val="tx1"/>
+                      </a:solidFill>
+                      <a:prstDash val="solid"/>
+                      <a:round/>
+                      <a:headEnd type="none" w="med" len="med"/>
+                      <a:tailEnd type="none" w="med" len="med"/>
+                    </a:lnR>
+                    <a:lnT w="12700" cap="flat" cmpd="sng" algn="ctr">
+                      <a:solidFill>
+                        <a:schemeClr val="tx1"/>
+                      </a:solidFill>
+                      <a:prstDash val="solid"/>
+                      <a:round/>
+                      <a:headEnd type="none" w="med" len="med"/>
+                      <a:tailEnd type="none" w="med" len="med"/>
+                    </a:lnT>
+                    <a:lnB w="12700" cap="flat" cmpd="sng" algn="ctr">
+                      <a:solidFill>
+                        <a:schemeClr val="tx1"/>
+                      </a:solidFill>
+                      <a:prstDash val="solid"/>
+                      <a:round/>
+                      <a:headEnd type="none" w="med" len="med"/>
+                      <a:tailEnd type="none" w="med" len="med"/>
+                    </a:lnB>
+                    <a:solidFill>
+                      <a:schemeClr val="bg1"/>
+                    </a:solidFill>
+                  </a:tcPr>
+                </a:tc>
+                <a:tc>
+                  <a:txBody>
+                    <a:bodyPr/>
+                    <a:lstStyle/>
+                    <a:p>
+                      <a:pPr latinLnBrk="1"/>
+                      <a:endParaRPr lang="ko-KR" altLang="en-US" sz="1000" b="0" dirty="0">
+                        <a:solidFill>
+                          <a:schemeClr val="tx1"/>
+                        </a:solidFill>
+                      </a:endParaRPr>
+                    </a:p>
+                  </a:txBody>
+                  <a:tcPr>
+                    <a:lnL w="12700" cap="flat" cmpd="sng" algn="ctr">
+                      <a:solidFill>
+                        <a:schemeClr val="tx1"/>
+                      </a:solidFill>
+                      <a:prstDash val="solid"/>
+                      <a:round/>
+                      <a:headEnd type="none" w="med" len="med"/>
+                      <a:tailEnd type="none" w="med" len="med"/>
+                    </a:lnL>
+                    <a:lnR w="12700" cap="flat" cmpd="sng" algn="ctr">
+                      <a:solidFill>
+                        <a:schemeClr val="tx1"/>
+                      </a:solidFill>
+                      <a:prstDash val="solid"/>
+                      <a:round/>
+                      <a:headEnd type="none" w="med" len="med"/>
+                      <a:tailEnd type="none" w="med" len="med"/>
+                    </a:lnR>
+                    <a:lnT w="12700" cap="flat" cmpd="sng" algn="ctr">
+                      <a:solidFill>
+                        <a:schemeClr val="tx1"/>
+                      </a:solidFill>
+                      <a:prstDash val="solid"/>
+                      <a:round/>
+                      <a:headEnd type="none" w="med" len="med"/>
+                      <a:tailEnd type="none" w="med" len="med"/>
+                    </a:lnT>
+                    <a:lnB w="12700" cap="flat" cmpd="sng" algn="ctr">
+                      <a:solidFill>
+                        <a:schemeClr val="tx1"/>
+                      </a:solidFill>
+                      <a:prstDash val="solid"/>
+                      <a:round/>
+                      <a:headEnd type="none" w="med" len="med"/>
+                      <a:tailEnd type="none" w="med" len="med"/>
+                    </a:lnB>
+                    <a:solidFill>
+                      <a:schemeClr val="bg1"/>
+                    </a:solidFill>
+                  </a:tcPr>
+                </a:tc>
+                <a:tc>
+                  <a:txBody>
+                    <a:bodyPr/>
+                    <a:lstStyle/>
+                    <a:p>
+                      <a:pPr latinLnBrk="1"/>
+                      <a:endParaRPr lang="ko-KR" altLang="en-US" sz="1000" b="0" dirty="0">
+                        <a:solidFill>
+                          <a:schemeClr val="tx1"/>
+                        </a:solidFill>
+                      </a:endParaRPr>
+                    </a:p>
+                  </a:txBody>
+                  <a:tcPr>
+                    <a:lnL w="12700" cap="flat" cmpd="sng" algn="ctr">
+                      <a:solidFill>
+                        <a:schemeClr val="tx1"/>
+                      </a:solidFill>
+                      <a:prstDash val="solid"/>
+                      <a:round/>
+                      <a:headEnd type="none" w="med" len="med"/>
+                      <a:tailEnd type="none" w="med" len="med"/>
+                    </a:lnL>
+                    <a:lnR w="12700" cap="flat" cmpd="sng" algn="ctr">
+                      <a:solidFill>
+                        <a:schemeClr val="tx1"/>
+                      </a:solidFill>
+                      <a:prstDash val="solid"/>
+                      <a:round/>
+                      <a:headEnd type="none" w="med" len="med"/>
+                      <a:tailEnd type="none" w="med" len="med"/>
+                    </a:lnR>
+                    <a:lnT w="12700" cap="flat" cmpd="sng" algn="ctr">
+                      <a:solidFill>
+                        <a:schemeClr val="tx1"/>
+                      </a:solidFill>
+                      <a:prstDash val="solid"/>
+                      <a:round/>
+                      <a:headEnd type="none" w="med" len="med"/>
+                      <a:tailEnd type="none" w="med" len="med"/>
+                    </a:lnT>
+                    <a:lnB w="12700" cap="flat" cmpd="sng" algn="ctr">
+                      <a:solidFill>
+                        <a:schemeClr val="tx1"/>
+                      </a:solidFill>
+                      <a:prstDash val="solid"/>
+                      <a:round/>
+                      <a:headEnd type="none" w="med" len="med"/>
+                      <a:tailEnd type="none" w="med" len="med"/>
+                    </a:lnB>
+                    <a:solidFill>
+                      <a:schemeClr val="bg1"/>
+                    </a:solidFill>
+                  </a:tcPr>
+                </a:tc>
+                <a:tc>
+                  <a:txBody>
+                    <a:bodyPr/>
+                    <a:lstStyle/>
+                    <a:p>
+                      <a:pPr latinLnBrk="1"/>
+                      <a:endParaRPr lang="ko-KR" altLang="en-US" sz="1000" b="0" dirty="0">
+                        <a:solidFill>
+                          <a:schemeClr val="tx1"/>
+                        </a:solidFill>
+                      </a:endParaRPr>
+                    </a:p>
+                  </a:txBody>
+                  <a:tcPr>
+                    <a:lnL w="12700" cap="flat" cmpd="sng" algn="ctr">
+                      <a:solidFill>
+                        <a:schemeClr val="tx1"/>
+                      </a:solidFill>
+                      <a:prstDash val="solid"/>
+                      <a:round/>
+                      <a:headEnd type="none" w="med" len="med"/>
+                      <a:tailEnd type="none" w="med" len="med"/>
+                    </a:lnL>
+                    <a:lnR w="12700" cap="flat" cmpd="sng" algn="ctr">
+                      <a:solidFill>
+                        <a:schemeClr val="tx1"/>
+                      </a:solidFill>
+                      <a:prstDash val="solid"/>
+                      <a:round/>
+                      <a:headEnd type="none" w="med" len="med"/>
+                      <a:tailEnd type="none" w="med" len="med"/>
+                    </a:lnR>
+                    <a:lnT w="12700" cap="flat" cmpd="sng" algn="ctr">
+                      <a:solidFill>
+                        <a:schemeClr val="tx1"/>
+                      </a:solidFill>
+                      <a:prstDash val="solid"/>
+                      <a:round/>
+                      <a:headEnd type="none" w="med" len="med"/>
+                      <a:tailEnd type="none" w="med" len="med"/>
+                    </a:lnT>
+                    <a:lnB w="12700" cap="flat" cmpd="sng" algn="ctr">
+                      <a:solidFill>
+                        <a:schemeClr val="tx1"/>
+                      </a:solidFill>
+                      <a:prstDash val="solid"/>
+                      <a:round/>
+                      <a:headEnd type="none" w="med" len="med"/>
+                      <a:tailEnd type="none" w="med" len="med"/>
+                    </a:lnB>
+                    <a:solidFill>
+                      <a:schemeClr val="bg1"/>
+                    </a:solidFill>
+                  </a:tcPr>
+                </a:tc>
+                <a:tc>
+                  <a:txBody>
+                    <a:bodyPr/>
+                    <a:lstStyle/>
+                    <a:p>
+                      <a:pPr latinLnBrk="1"/>
+                      <a:endParaRPr lang="ko-KR" altLang="en-US" sz="1000" b="0" dirty="0">
+                        <a:solidFill>
+                          <a:schemeClr val="tx1"/>
+                        </a:solidFill>
+                      </a:endParaRPr>
+                    </a:p>
+                  </a:txBody>
+                  <a:tcPr>
+                    <a:lnL w="12700" cap="flat" cmpd="sng" algn="ctr">
+                      <a:solidFill>
+                        <a:schemeClr val="tx1"/>
+                      </a:solidFill>
+                      <a:prstDash val="solid"/>
+                      <a:round/>
+                      <a:headEnd type="none" w="med" len="med"/>
+                      <a:tailEnd type="none" w="med" len="med"/>
+                    </a:lnL>
+                    <a:lnR w="12700" cap="flat" cmpd="sng" algn="ctr">
+                      <a:solidFill>
+                        <a:schemeClr val="tx1"/>
+                      </a:solidFill>
+                      <a:prstDash val="solid"/>
+                      <a:round/>
+                      <a:headEnd type="none" w="med" len="med"/>
+                      <a:tailEnd type="none" w="med" len="med"/>
+                    </a:lnR>
+                    <a:lnT w="12700" cap="flat" cmpd="sng" algn="ctr">
+                      <a:solidFill>
+                        <a:schemeClr val="tx1"/>
+                      </a:solidFill>
+                      <a:prstDash val="solid"/>
+                      <a:round/>
+                      <a:headEnd type="none" w="med" len="med"/>
+                      <a:tailEnd type="none" w="med" len="med"/>
+                    </a:lnT>
+                    <a:lnB w="12700" cap="flat" cmpd="sng" algn="ctr">
+                      <a:solidFill>
+                        <a:schemeClr val="tx1"/>
+                      </a:solidFill>
+                      <a:prstDash val="solid"/>
+                      <a:round/>
+                      <a:headEnd type="none" w="med" len="med"/>
+                      <a:tailEnd type="none" w="med" len="med"/>
+                    </a:lnB>
+                    <a:solidFill>
+                      <a:schemeClr val="bg1"/>
+                    </a:solidFill>
+                  </a:tcPr>
+                </a:tc>
+                <a:extLst>
+                  <a:ext uri="{0D108BD9-81ED-4DB2-BD59-A6C34878D82A}">
+                    <a16:rowId xmlns:a16="http://schemas.microsoft.com/office/drawing/2014/main" val="2198859565"/>
+                  </a:ext>
+                </a:extLst>
+              </a:tr>
+            </a:tbl>
+          </a:graphicData>
+        </a:graphic>
+      </p:graphicFrame>
+      <p:grpSp>
+        <p:nvGrpSpPr>
+          <p:cNvPr id="23" name="그룹 22">
+            <a:extLst>
+              <a:ext uri="{FF2B5EF4-FFF2-40B4-BE49-F238E27FC236}">
+                <a16:creationId xmlns:a16="http://schemas.microsoft.com/office/drawing/2014/main" id="{68411626-1779-238D-D338-420C720406A0}"/>
+              </a:ext>
+            </a:extLst>
+          </p:cNvPr>
+          <p:cNvGrpSpPr/>
+          <p:nvPr/>
+        </p:nvGrpSpPr>
+        <p:grpSpPr>
+          <a:xfrm>
+            <a:off x="2758915" y="2047373"/>
+            <a:ext cx="915173" cy="540582"/>
+            <a:chOff x="9277629" y="1902768"/>
+            <a:chExt cx="1571837" cy="540582"/>
+          </a:xfrm>
+        </p:grpSpPr>
+        <p:pic>
+          <p:nvPicPr>
+            <p:cNvPr id="19" name="그림 18">
+              <a:extLst>
+                <a:ext uri="{FF2B5EF4-FFF2-40B4-BE49-F238E27FC236}">
+                  <a16:creationId xmlns:a16="http://schemas.microsoft.com/office/drawing/2014/main" id="{CFB153B9-C7D4-FAD2-C3BB-8A53A04AB5AB}"/>
+                </a:ext>
+              </a:extLst>
+            </p:cNvPr>
+            <p:cNvPicPr>
+              <a:picLocks noChangeAspect="1"/>
+            </p:cNvPicPr>
+            <p:nvPr/>
+          </p:nvPicPr>
+          <p:blipFill rotWithShape="1">
+            <a:blip r:embed="rId3"/>
+            <a:srcRect t="3820" r="927"/>
+            <a:stretch/>
+          </p:blipFill>
+          <p:spPr>
+            <a:xfrm>
+              <a:off x="9294352" y="1902768"/>
+              <a:ext cx="1538396" cy="540582"/>
+            </a:xfrm>
+            <a:prstGeom prst="rect">
+              <a:avLst/>
+            </a:prstGeom>
+          </p:spPr>
+        </p:pic>
+        <p:pic>
+          <p:nvPicPr>
+            <p:cNvPr id="20" name="그림 19">
+              <a:extLst>
+                <a:ext uri="{FF2B5EF4-FFF2-40B4-BE49-F238E27FC236}">
+                  <a16:creationId xmlns:a16="http://schemas.microsoft.com/office/drawing/2014/main" id="{B8CE3CCD-57F0-50D7-419B-9773771791EC}"/>
+                </a:ext>
+              </a:extLst>
+            </p:cNvPr>
+            <p:cNvPicPr>
+              <a:picLocks noChangeAspect="1"/>
+            </p:cNvPicPr>
+            <p:nvPr/>
+          </p:nvPicPr>
+          <p:blipFill rotWithShape="1">
+            <a:blip r:embed="rId3"/>
+            <a:srcRect l="47077" t="3820" r="20106"/>
+            <a:stretch/>
+          </p:blipFill>
+          <p:spPr>
+            <a:xfrm>
+              <a:off x="9310969" y="1902768"/>
+              <a:ext cx="1359695" cy="540582"/>
+            </a:xfrm>
+            <a:prstGeom prst="rect">
+              <a:avLst/>
+            </a:prstGeom>
+          </p:spPr>
+        </p:pic>
+        <p:sp>
+          <p:nvSpPr>
+            <p:cNvPr id="21" name="TextBox 20">
+              <a:extLst>
+                <a:ext uri="{FF2B5EF4-FFF2-40B4-BE49-F238E27FC236}">
+                  <a16:creationId xmlns:a16="http://schemas.microsoft.com/office/drawing/2014/main" id="{65413D71-7977-8A6A-EA48-7178731334E0}"/>
+                </a:ext>
+              </a:extLst>
+            </p:cNvPr>
+            <p:cNvSpPr txBox="1"/>
+            <p:nvPr/>
+          </p:nvSpPr>
+          <p:spPr>
+            <a:xfrm>
+              <a:off x="9277629" y="1902768"/>
+              <a:ext cx="1571837" cy="169277"/>
+            </a:xfrm>
+            <a:prstGeom prst="rect">
+              <a:avLst/>
+            </a:prstGeom>
+            <a:noFill/>
+          </p:spPr>
+          <p:txBody>
+            <a:bodyPr wrap="square">
+              <a:spAutoFit/>
+            </a:bodyPr>
+            <a:lstStyle/>
+            <a:p>
+              <a:pPr latinLnBrk="1"/>
+              <a:r>
+                <a:rPr lang="en-US" altLang="ko-KR" sz="500" dirty="0"/>
+                <a:t>Floor Finish WM grp</a:t>
+              </a:r>
+              <a:endParaRPr lang="ko-KR" altLang="en-US" sz="500" b="0" dirty="0">
+                <a:solidFill>
+                  <a:schemeClr val="tx1"/>
+                </a:solidFill>
+              </a:endParaRPr>
+            </a:p>
+          </p:txBody>
+        </p:sp>
+        <p:sp>
+          <p:nvSpPr>
+            <p:cNvPr id="22" name="TextBox 21">
+              <a:extLst>
+                <a:ext uri="{FF2B5EF4-FFF2-40B4-BE49-F238E27FC236}">
+                  <a16:creationId xmlns:a16="http://schemas.microsoft.com/office/drawing/2014/main" id="{33456DFE-A5E5-C186-F025-2AAD4D9D29A6}"/>
+                </a:ext>
+              </a:extLst>
+            </p:cNvPr>
+            <p:cNvSpPr txBox="1"/>
+            <p:nvPr/>
+          </p:nvSpPr>
+          <p:spPr>
+            <a:xfrm>
+              <a:off x="9277631" y="2102052"/>
+              <a:ext cx="1359693" cy="169277"/>
+            </a:xfrm>
+            <a:prstGeom prst="rect">
+              <a:avLst/>
+            </a:prstGeom>
+            <a:noFill/>
+          </p:spPr>
+          <p:txBody>
+            <a:bodyPr wrap="square">
+              <a:spAutoFit/>
+            </a:bodyPr>
+            <a:lstStyle/>
+            <a:p>
+              <a:pPr latinLnBrk="1"/>
+              <a:r>
+                <a:rPr lang="en-US" altLang="ko-KR" sz="500" b="0" dirty="0">
+                  <a:solidFill>
+                    <a:schemeClr val="bg1"/>
+                  </a:solidFill>
+                </a:rPr>
+                <a:t>Floor Finish WM grp</a:t>
+              </a:r>
+            </a:p>
+          </p:txBody>
+        </p:sp>
+      </p:grpSp>
+      <p:grpSp>
+        <p:nvGrpSpPr>
+          <p:cNvPr id="24" name="그룹 23">
+            <a:extLst>
+              <a:ext uri="{FF2B5EF4-FFF2-40B4-BE49-F238E27FC236}">
+                <a16:creationId xmlns:a16="http://schemas.microsoft.com/office/drawing/2014/main" id="{24308A7C-DBA3-8BB6-48C4-4A5587001FA5}"/>
+              </a:ext>
+            </a:extLst>
+          </p:cNvPr>
+          <p:cNvGrpSpPr/>
+          <p:nvPr/>
+        </p:nvGrpSpPr>
+        <p:grpSpPr>
+          <a:xfrm>
+            <a:off x="3724115" y="2047373"/>
+            <a:ext cx="915173" cy="540582"/>
+            <a:chOff x="9277629" y="1902768"/>
+            <a:chExt cx="1571837" cy="540582"/>
+          </a:xfrm>
+        </p:grpSpPr>
+        <p:pic>
+          <p:nvPicPr>
+            <p:cNvPr id="25" name="그림 24">
+              <a:extLst>
+                <a:ext uri="{FF2B5EF4-FFF2-40B4-BE49-F238E27FC236}">
+                  <a16:creationId xmlns:a16="http://schemas.microsoft.com/office/drawing/2014/main" id="{791BB5F9-6137-3769-DB9E-CDB92CA857BA}"/>
+                </a:ext>
+              </a:extLst>
+            </p:cNvPr>
+            <p:cNvPicPr>
+              <a:picLocks noChangeAspect="1"/>
+            </p:cNvPicPr>
+            <p:nvPr/>
+          </p:nvPicPr>
+          <p:blipFill rotWithShape="1">
+            <a:blip r:embed="rId3"/>
+            <a:srcRect t="3820" r="927"/>
+            <a:stretch/>
+          </p:blipFill>
+          <p:spPr>
+            <a:xfrm>
+              <a:off x="9294352" y="1902768"/>
+              <a:ext cx="1538396" cy="540582"/>
+            </a:xfrm>
+            <a:prstGeom prst="rect">
+              <a:avLst/>
+            </a:prstGeom>
+          </p:spPr>
+        </p:pic>
+        <p:pic>
+          <p:nvPicPr>
+            <p:cNvPr id="26" name="그림 25">
+              <a:extLst>
+                <a:ext uri="{FF2B5EF4-FFF2-40B4-BE49-F238E27FC236}">
+                  <a16:creationId xmlns:a16="http://schemas.microsoft.com/office/drawing/2014/main" id="{22FF0F99-8A45-62FD-FEC0-97908736916D}"/>
+                </a:ext>
+              </a:extLst>
+            </p:cNvPr>
+            <p:cNvPicPr>
+              <a:picLocks noChangeAspect="1"/>
+            </p:cNvPicPr>
+            <p:nvPr/>
+          </p:nvPicPr>
+          <p:blipFill rotWithShape="1">
+            <a:blip r:embed="rId3"/>
+            <a:srcRect l="47077" t="3820" r="20106"/>
+            <a:stretch/>
+          </p:blipFill>
+          <p:spPr>
+            <a:xfrm>
+              <a:off x="9310969" y="1902768"/>
+              <a:ext cx="1359695" cy="540582"/>
+            </a:xfrm>
+            <a:prstGeom prst="rect">
+              <a:avLst/>
+            </a:prstGeom>
+          </p:spPr>
+        </p:pic>
+        <p:sp>
+          <p:nvSpPr>
+            <p:cNvPr id="27" name="TextBox 26">
+              <a:extLst>
+                <a:ext uri="{FF2B5EF4-FFF2-40B4-BE49-F238E27FC236}">
+                  <a16:creationId xmlns:a16="http://schemas.microsoft.com/office/drawing/2014/main" id="{CD80E5EB-37AD-8A91-B724-BDF04C35365F}"/>
+                </a:ext>
+              </a:extLst>
+            </p:cNvPr>
+            <p:cNvSpPr txBox="1"/>
+            <p:nvPr/>
+          </p:nvSpPr>
+          <p:spPr>
+            <a:xfrm>
+              <a:off x="9277629" y="1902768"/>
+              <a:ext cx="1571837" cy="169277"/>
+            </a:xfrm>
+            <a:prstGeom prst="rect">
+              <a:avLst/>
+            </a:prstGeom>
+            <a:noFill/>
+          </p:spPr>
+          <p:txBody>
+            <a:bodyPr wrap="square">
+              <a:spAutoFit/>
+            </a:bodyPr>
+            <a:lstStyle/>
+            <a:p>
+              <a:pPr latinLnBrk="1"/>
+              <a:r>
+                <a:rPr lang="en-US" altLang="ko-KR" sz="500" b="0" dirty="0">
+                  <a:solidFill>
+                    <a:schemeClr val="tx1"/>
+                  </a:solidFill>
+                </a:rPr>
+                <a:t>A04AM080-00001</a:t>
+              </a:r>
+              <a:endParaRPr lang="ko-KR" altLang="en-US" sz="500" b="0" dirty="0">
+                <a:solidFill>
+                  <a:schemeClr val="tx1"/>
+                </a:solidFill>
+              </a:endParaRPr>
+            </a:p>
+          </p:txBody>
+        </p:sp>
+        <p:sp>
+          <p:nvSpPr>
+            <p:cNvPr id="28" name="TextBox 27">
+              <a:extLst>
+                <a:ext uri="{FF2B5EF4-FFF2-40B4-BE49-F238E27FC236}">
+                  <a16:creationId xmlns:a16="http://schemas.microsoft.com/office/drawing/2014/main" id="{29743F20-9113-2ABB-E378-D519491D4A68}"/>
+                </a:ext>
+              </a:extLst>
+            </p:cNvPr>
+            <p:cNvSpPr txBox="1"/>
+            <p:nvPr/>
+          </p:nvSpPr>
+          <p:spPr>
+            <a:xfrm>
+              <a:off x="9277631" y="2102052"/>
+              <a:ext cx="1359693" cy="169277"/>
+            </a:xfrm>
+            <a:prstGeom prst="rect">
+              <a:avLst/>
+            </a:prstGeom>
+            <a:noFill/>
+          </p:spPr>
+          <p:txBody>
+            <a:bodyPr wrap="square">
+              <a:spAutoFit/>
+            </a:bodyPr>
+            <a:lstStyle/>
+            <a:p>
+              <a:pPr latinLnBrk="1"/>
+              <a:r>
+                <a:rPr lang="en-US" altLang="ko-KR" sz="500" b="0" dirty="0">
+                  <a:solidFill>
+                    <a:schemeClr val="bg1"/>
+                  </a:solidFill>
+                </a:rPr>
+                <a:t>Floor Finish WM grp</a:t>
+              </a:r>
+            </a:p>
+          </p:txBody>
+        </p:sp>
+      </p:grpSp>
+      <p:pic>
+        <p:nvPicPr>
+          <p:cNvPr id="30" name="그림 29">
+            <a:extLst>
+              <a:ext uri="{FF2B5EF4-FFF2-40B4-BE49-F238E27FC236}">
+                <a16:creationId xmlns:a16="http://schemas.microsoft.com/office/drawing/2014/main" id="{9D4061DE-FA57-FC75-E2E1-4A012148093F}"/>
+              </a:ext>
+            </a:extLst>
+          </p:cNvPr>
+          <p:cNvPicPr>
+            <a:picLocks noChangeAspect="1"/>
+          </p:cNvPicPr>
+          <p:nvPr/>
+        </p:nvPicPr>
+        <p:blipFill rotWithShape="1">
+          <a:blip r:embed="rId4"/>
+          <a:srcRect r="46930"/>
+          <a:stretch/>
+        </p:blipFill>
+        <p:spPr>
+          <a:xfrm>
+            <a:off x="3760294" y="2250380"/>
+            <a:ext cx="834654" cy="922566"/>
+          </a:xfrm>
+          <a:prstGeom prst="rect">
+            <a:avLst/>
+          </a:prstGeom>
+        </p:spPr>
+      </p:pic>
+      <p:sp>
+        <p:nvSpPr>
+          <p:cNvPr id="31" name="직사각형 30">
+            <a:extLst>
+              <a:ext uri="{FF2B5EF4-FFF2-40B4-BE49-F238E27FC236}">
+                <a16:creationId xmlns:a16="http://schemas.microsoft.com/office/drawing/2014/main" id="{1FDA6379-7EDC-F4D0-B91F-B639476AED94}"/>
+              </a:ext>
+            </a:extLst>
+          </p:cNvPr>
+          <p:cNvSpPr/>
+          <p:nvPr/>
+        </p:nvSpPr>
+        <p:spPr>
+          <a:xfrm>
+            <a:off x="240012" y="1293515"/>
+            <a:ext cx="1912637" cy="1708160"/>
+          </a:xfrm>
+          <a:prstGeom prst="rect">
+            <a:avLst/>
+          </a:prstGeom>
+          <a:solidFill>
+            <a:schemeClr val="bg1"/>
+          </a:solidFill>
+          <a:ln>
+            <a:solidFill>
+              <a:schemeClr val="accent1"/>
+            </a:solidFill>
+          </a:ln>
+        </p:spPr>
+        <p:txBody>
+          <a:bodyPr wrap="square" rtlCol="0">
+            <a:spAutoFit/>
+          </a:bodyPr>
+          <a:lstStyle/>
+          <a:p>
+            <a:r>
+              <a:rPr lang="en-US" altLang="ko-KR" sz="1050" b="1" dirty="0">
+                <a:solidFill>
+                  <a:srgbClr val="FF00FF"/>
+                </a:solidFill>
+              </a:rPr>
+              <a:t>F91 / B35 / W02A / C95A</a:t>
+            </a:r>
+          </a:p>
+          <a:p>
+            <a:r>
+              <a:rPr lang="en-US" altLang="ko-KR" sz="1050" dirty="0"/>
+              <a:t>F91 / B35 / W02A / C95A</a:t>
+            </a:r>
+            <a:endParaRPr lang="ko-KR" altLang="en-US" sz="1050" dirty="0">
+              <a:solidFill>
+                <a:schemeClr val="tx1"/>
+              </a:solidFill>
+            </a:endParaRPr>
+          </a:p>
+          <a:p>
+            <a:r>
+              <a:rPr lang="en-US" altLang="ko-KR" sz="1050" dirty="0"/>
+              <a:t>F91 / B35 / W02A / C95A</a:t>
+            </a:r>
+            <a:endParaRPr lang="ko-KR" altLang="en-US" sz="1050" dirty="0">
+              <a:solidFill>
+                <a:schemeClr val="tx1"/>
+              </a:solidFill>
+            </a:endParaRPr>
+          </a:p>
+          <a:p>
+            <a:r>
+              <a:rPr lang="en-US" altLang="ko-KR" sz="1050" dirty="0"/>
+              <a:t>F91 / B35 / W02A / C95A</a:t>
+            </a:r>
+            <a:endParaRPr lang="ko-KR" altLang="en-US" sz="1050" dirty="0">
+              <a:solidFill>
+                <a:schemeClr val="tx1"/>
+              </a:solidFill>
+            </a:endParaRPr>
+          </a:p>
+          <a:p>
+            <a:r>
+              <a:rPr lang="en-US" altLang="ko-KR" sz="1050" dirty="0"/>
+              <a:t>F91 / B35 / W02A / C95A</a:t>
+            </a:r>
+            <a:endParaRPr lang="ko-KR" altLang="en-US" sz="1050" dirty="0">
+              <a:solidFill>
+                <a:schemeClr val="tx1"/>
+              </a:solidFill>
+            </a:endParaRPr>
+          </a:p>
+          <a:p>
+            <a:r>
+              <a:rPr lang="en-US" altLang="ko-KR" sz="1050" dirty="0"/>
+              <a:t>F91 / B35 / W02A / C95A</a:t>
+            </a:r>
+            <a:endParaRPr lang="ko-KR" altLang="en-US" sz="1050" dirty="0">
+              <a:solidFill>
+                <a:schemeClr val="tx1"/>
+              </a:solidFill>
+            </a:endParaRPr>
+          </a:p>
+          <a:p>
+            <a:r>
+              <a:rPr lang="en-US" altLang="ko-KR" sz="1050" dirty="0"/>
+              <a:t>F91 / B35 / W02A / C95A</a:t>
+            </a:r>
+            <a:endParaRPr lang="ko-KR" altLang="en-US" sz="1050" dirty="0">
+              <a:solidFill>
+                <a:schemeClr val="tx1"/>
+              </a:solidFill>
+            </a:endParaRPr>
+          </a:p>
+          <a:p>
+            <a:r>
+              <a:rPr lang="en-US" altLang="ko-KR" sz="1050" dirty="0"/>
+              <a:t>F91 / B35 / W02A / C95A</a:t>
+            </a:r>
+            <a:endParaRPr lang="ko-KR" altLang="en-US" sz="1050" dirty="0">
+              <a:solidFill>
+                <a:schemeClr val="tx1"/>
+              </a:solidFill>
+            </a:endParaRPr>
+          </a:p>
+          <a:p>
+            <a:r>
+              <a:rPr lang="en-US" altLang="ko-KR" sz="1050" dirty="0"/>
+              <a:t>F91 / B35 / W02A / C95A</a:t>
+            </a:r>
+            <a:endParaRPr lang="ko-KR" altLang="en-US" sz="1050" dirty="0">
+              <a:solidFill>
+                <a:schemeClr val="tx1"/>
+              </a:solidFill>
+            </a:endParaRPr>
+          </a:p>
+          <a:p>
+            <a:endParaRPr lang="ko-KR" altLang="en-US" sz="1050" dirty="0">
+              <a:solidFill>
+                <a:schemeClr val="tx1"/>
+              </a:solidFill>
+            </a:endParaRPr>
+          </a:p>
+        </p:txBody>
+      </p:sp>
+      <p:sp>
+        <p:nvSpPr>
+          <p:cNvPr id="32" name="TextBox 31">
+            <a:extLst>
+              <a:ext uri="{FF2B5EF4-FFF2-40B4-BE49-F238E27FC236}">
+                <a16:creationId xmlns:a16="http://schemas.microsoft.com/office/drawing/2014/main" id="{15CA194B-427A-D159-2D94-33F8810C812B}"/>
+              </a:ext>
+            </a:extLst>
+          </p:cNvPr>
+          <p:cNvSpPr txBox="1"/>
+          <p:nvPr/>
+        </p:nvSpPr>
+        <p:spPr>
+          <a:xfrm>
+            <a:off x="240012" y="937937"/>
+            <a:ext cx="1417376" cy="261610"/>
+          </a:xfrm>
+          <a:prstGeom prst="rect">
+            <a:avLst/>
+          </a:prstGeom>
+          <a:noFill/>
+        </p:spPr>
+        <p:txBody>
+          <a:bodyPr wrap="none" rtlCol="0">
+            <a:spAutoFit/>
+          </a:bodyPr>
+          <a:lstStyle/>
+          <a:p>
+            <a:r>
+              <a:rPr lang="en-US" altLang="ko-KR" sz="1100" b="1" dirty="0"/>
+              <a:t>Standard type List</a:t>
+            </a:r>
+            <a:endParaRPr lang="ko-KR" altLang="en-US" sz="1100" b="1" dirty="0"/>
+          </a:p>
+        </p:txBody>
+      </p:sp>
+      <p:sp>
+        <p:nvSpPr>
+          <p:cNvPr id="33" name="직사각형 32">
+            <a:extLst>
+              <a:ext uri="{FF2B5EF4-FFF2-40B4-BE49-F238E27FC236}">
+                <a16:creationId xmlns:a16="http://schemas.microsoft.com/office/drawing/2014/main" id="{4EF5E4CE-3BAA-537D-7FDC-AE4E541CD356}"/>
+              </a:ext>
+            </a:extLst>
+          </p:cNvPr>
+          <p:cNvSpPr/>
+          <p:nvPr/>
+        </p:nvSpPr>
+        <p:spPr>
+          <a:xfrm>
+            <a:off x="8947998" y="3575023"/>
+            <a:ext cx="2748702" cy="553998"/>
+          </a:xfrm>
+          <a:prstGeom prst="rect">
+            <a:avLst/>
+          </a:prstGeom>
+          <a:solidFill>
+            <a:schemeClr val="bg1"/>
+          </a:solidFill>
+          <a:ln>
+            <a:solidFill>
+              <a:schemeClr val="accent1"/>
+            </a:solidFill>
+          </a:ln>
+        </p:spPr>
+        <p:txBody>
+          <a:bodyPr wrap="square" rtlCol="0">
+            <a:spAutoFit/>
+          </a:bodyPr>
+          <a:lstStyle/>
+          <a:p>
+            <a:r>
+              <a:rPr lang="en-US" altLang="ko-KR" sz="1000" dirty="0"/>
+              <a:t>101	CENTRAL CONTROL ROOM</a:t>
+            </a:r>
+          </a:p>
+          <a:p>
+            <a:r>
+              <a:rPr lang="en-US" altLang="ko-KR" sz="1000" dirty="0"/>
+              <a:t>102	MEETING ROOM</a:t>
+            </a:r>
+          </a:p>
+          <a:p>
+            <a:r>
+              <a:rPr lang="en-US" altLang="ko-KR" sz="1000" dirty="0"/>
+              <a:t>103	ENGINEERING ROOM</a:t>
+            </a:r>
+          </a:p>
+        </p:txBody>
+      </p:sp>
+      <p:pic>
+        <p:nvPicPr>
+          <p:cNvPr id="35" name="그림 34">
+            <a:extLst>
+              <a:ext uri="{FF2B5EF4-FFF2-40B4-BE49-F238E27FC236}">
+                <a16:creationId xmlns:a16="http://schemas.microsoft.com/office/drawing/2014/main" id="{545F80FA-A030-2B54-2207-F92E0A108B4D}"/>
+              </a:ext>
+            </a:extLst>
+          </p:cNvPr>
+          <p:cNvPicPr>
+            <a:picLocks noChangeAspect="1"/>
+          </p:cNvPicPr>
+          <p:nvPr/>
+        </p:nvPicPr>
+        <p:blipFill rotWithShape="1">
+          <a:blip r:embed="rId5"/>
+          <a:srcRect l="7210" r="1"/>
+          <a:stretch/>
+        </p:blipFill>
+        <p:spPr>
+          <a:xfrm>
+            <a:off x="8520113" y="1171690"/>
+            <a:ext cx="150794" cy="4721110"/>
+          </a:xfrm>
+          <a:prstGeom prst="rect">
+            <a:avLst/>
+          </a:prstGeom>
+        </p:spPr>
+      </p:pic>
+      <p:sp>
+        <p:nvSpPr>
+          <p:cNvPr id="36" name="TextBox 35">
+            <a:extLst>
+              <a:ext uri="{FF2B5EF4-FFF2-40B4-BE49-F238E27FC236}">
+                <a16:creationId xmlns:a16="http://schemas.microsoft.com/office/drawing/2014/main" id="{D77D8509-3345-E080-8EA1-A83A9D26AA55}"/>
+              </a:ext>
+            </a:extLst>
+          </p:cNvPr>
+          <p:cNvSpPr txBox="1"/>
+          <p:nvPr/>
+        </p:nvSpPr>
+        <p:spPr>
+          <a:xfrm>
+            <a:off x="8832813" y="1225908"/>
+            <a:ext cx="1830950" cy="261610"/>
+          </a:xfrm>
+          <a:prstGeom prst="rect">
+            <a:avLst/>
+          </a:prstGeom>
+          <a:noFill/>
+        </p:spPr>
+        <p:txBody>
+          <a:bodyPr wrap="none" rtlCol="0">
+            <a:spAutoFit/>
+          </a:bodyPr>
+          <a:lstStyle/>
+          <a:p>
+            <a:r>
+              <a:rPr lang="en-US" altLang="ko-KR" sz="1100" b="1" dirty="0"/>
+              <a:t>Q’ty Cal Type Parameter</a:t>
+            </a:r>
+          </a:p>
+        </p:txBody>
+      </p:sp>
+      <p:grpSp>
+        <p:nvGrpSpPr>
+          <p:cNvPr id="37" name="그룹 36">
+            <a:extLst>
+              <a:ext uri="{FF2B5EF4-FFF2-40B4-BE49-F238E27FC236}">
+                <a16:creationId xmlns:a16="http://schemas.microsoft.com/office/drawing/2014/main" id="{82AF62E4-30A1-6D84-A48C-078C60C300A6}"/>
+              </a:ext>
+            </a:extLst>
+          </p:cNvPr>
+          <p:cNvGrpSpPr/>
+          <p:nvPr/>
+        </p:nvGrpSpPr>
+        <p:grpSpPr>
+          <a:xfrm>
+            <a:off x="2758915" y="3615022"/>
+            <a:ext cx="915173" cy="540582"/>
+            <a:chOff x="9277629" y="1902768"/>
+            <a:chExt cx="1571837" cy="540582"/>
+          </a:xfrm>
+        </p:grpSpPr>
+        <p:pic>
+          <p:nvPicPr>
+            <p:cNvPr id="38" name="그림 37">
+              <a:extLst>
+                <a:ext uri="{FF2B5EF4-FFF2-40B4-BE49-F238E27FC236}">
+                  <a16:creationId xmlns:a16="http://schemas.microsoft.com/office/drawing/2014/main" id="{A53E45D9-042A-5CB0-BB2E-3809FEAC72B0}"/>
+                </a:ext>
+              </a:extLst>
+            </p:cNvPr>
+            <p:cNvPicPr>
+              <a:picLocks noChangeAspect="1"/>
+            </p:cNvPicPr>
+            <p:nvPr/>
+          </p:nvPicPr>
+          <p:blipFill rotWithShape="1">
+            <a:blip r:embed="rId3"/>
+            <a:srcRect t="3820" r="927"/>
+            <a:stretch/>
+          </p:blipFill>
+          <p:spPr>
+            <a:xfrm>
+              <a:off x="9294352" y="1902768"/>
+              <a:ext cx="1538396" cy="540582"/>
+            </a:xfrm>
+            <a:prstGeom prst="rect">
+              <a:avLst/>
+            </a:prstGeom>
+          </p:spPr>
+        </p:pic>
+        <p:pic>
+          <p:nvPicPr>
+            <p:cNvPr id="39" name="그림 38">
+              <a:extLst>
+                <a:ext uri="{FF2B5EF4-FFF2-40B4-BE49-F238E27FC236}">
+                  <a16:creationId xmlns:a16="http://schemas.microsoft.com/office/drawing/2014/main" id="{337223AC-CC92-8A45-E203-B9153B4BFEE9}"/>
+                </a:ext>
+              </a:extLst>
+            </p:cNvPr>
+            <p:cNvPicPr>
+              <a:picLocks noChangeAspect="1"/>
+            </p:cNvPicPr>
+            <p:nvPr/>
+          </p:nvPicPr>
+          <p:blipFill rotWithShape="1">
+            <a:blip r:embed="rId3"/>
+            <a:srcRect l="47077" t="3820" r="20106"/>
+            <a:stretch/>
+          </p:blipFill>
+          <p:spPr>
+            <a:xfrm>
+              <a:off x="9310969" y="1902768"/>
+              <a:ext cx="1359695" cy="540582"/>
+            </a:xfrm>
+            <a:prstGeom prst="rect">
+              <a:avLst/>
+            </a:prstGeom>
+          </p:spPr>
+        </p:pic>
+        <p:sp>
+          <p:nvSpPr>
+            <p:cNvPr id="40" name="TextBox 39">
+              <a:extLst>
+                <a:ext uri="{FF2B5EF4-FFF2-40B4-BE49-F238E27FC236}">
+                  <a16:creationId xmlns:a16="http://schemas.microsoft.com/office/drawing/2014/main" id="{5EC34008-5181-F921-3315-58E85341C455}"/>
+                </a:ext>
+              </a:extLst>
+            </p:cNvPr>
+            <p:cNvSpPr txBox="1"/>
+            <p:nvPr/>
+          </p:nvSpPr>
+          <p:spPr>
+            <a:xfrm>
+              <a:off x="9277629" y="1902768"/>
+              <a:ext cx="1571837" cy="169277"/>
+            </a:xfrm>
+            <a:prstGeom prst="rect">
+              <a:avLst/>
+            </a:prstGeom>
+            <a:noFill/>
+          </p:spPr>
+          <p:txBody>
+            <a:bodyPr wrap="square">
+              <a:spAutoFit/>
+            </a:bodyPr>
+            <a:lstStyle/>
+            <a:p>
+              <a:pPr latinLnBrk="1"/>
+              <a:r>
+                <a:rPr lang="en-US" altLang="ko-KR" sz="500" dirty="0"/>
+                <a:t>Floor Finish WM grp</a:t>
+              </a:r>
+              <a:endParaRPr lang="ko-KR" altLang="en-US" sz="500" b="0" dirty="0">
+                <a:solidFill>
+                  <a:schemeClr val="tx1"/>
+                </a:solidFill>
+              </a:endParaRPr>
+            </a:p>
+          </p:txBody>
+        </p:sp>
+        <p:sp>
+          <p:nvSpPr>
+            <p:cNvPr id="41" name="TextBox 40">
+              <a:extLst>
+                <a:ext uri="{FF2B5EF4-FFF2-40B4-BE49-F238E27FC236}">
+                  <a16:creationId xmlns:a16="http://schemas.microsoft.com/office/drawing/2014/main" id="{0722A29B-D5E1-205F-EF81-8FE529ED4B5B}"/>
+                </a:ext>
+              </a:extLst>
+            </p:cNvPr>
+            <p:cNvSpPr txBox="1"/>
+            <p:nvPr/>
+          </p:nvSpPr>
+          <p:spPr>
+            <a:xfrm>
+              <a:off x="9277631" y="2102052"/>
+              <a:ext cx="1359693" cy="169277"/>
+            </a:xfrm>
+            <a:prstGeom prst="rect">
+              <a:avLst/>
+            </a:prstGeom>
+            <a:noFill/>
+          </p:spPr>
+          <p:txBody>
+            <a:bodyPr wrap="square">
+              <a:spAutoFit/>
+            </a:bodyPr>
+            <a:lstStyle/>
+            <a:p>
+              <a:pPr latinLnBrk="1"/>
+              <a:r>
+                <a:rPr lang="en-US" altLang="ko-KR" sz="500" b="0" dirty="0">
+                  <a:solidFill>
+                    <a:schemeClr val="bg1"/>
+                  </a:solidFill>
+                </a:rPr>
+                <a:t>Floor Finish WM grp</a:t>
+              </a:r>
+            </a:p>
+          </p:txBody>
+        </p:sp>
+      </p:grpSp>
+      <p:pic>
+        <p:nvPicPr>
+          <p:cNvPr id="46" name="그림 45">
+            <a:extLst>
+              <a:ext uri="{FF2B5EF4-FFF2-40B4-BE49-F238E27FC236}">
+                <a16:creationId xmlns:a16="http://schemas.microsoft.com/office/drawing/2014/main" id="{0A5AF71F-4236-CA41-83A3-C4D226FDC6E9}"/>
+              </a:ext>
+            </a:extLst>
+          </p:cNvPr>
+          <p:cNvPicPr>
+            <a:picLocks noChangeAspect="1"/>
+          </p:cNvPicPr>
+          <p:nvPr/>
+        </p:nvPicPr>
+        <p:blipFill>
+          <a:blip r:embed="rId6"/>
+          <a:stretch>
+            <a:fillRect/>
+          </a:stretch>
+        </p:blipFill>
+        <p:spPr>
+          <a:xfrm>
+            <a:off x="8947998" y="1557584"/>
+            <a:ext cx="2679912" cy="706713"/>
+          </a:xfrm>
+          <a:prstGeom prst="rect">
+            <a:avLst/>
+          </a:prstGeom>
+        </p:spPr>
+      </p:pic>
+      <p:pic>
+        <p:nvPicPr>
+          <p:cNvPr id="47" name="그림 46">
+            <a:extLst>
+              <a:ext uri="{FF2B5EF4-FFF2-40B4-BE49-F238E27FC236}">
+                <a16:creationId xmlns:a16="http://schemas.microsoft.com/office/drawing/2014/main" id="{A6938169-E2A0-E4AD-A666-DABC330B1A32}"/>
+              </a:ext>
+            </a:extLst>
+          </p:cNvPr>
+          <p:cNvPicPr>
+            <a:picLocks noChangeAspect="1"/>
+          </p:cNvPicPr>
+          <p:nvPr/>
+        </p:nvPicPr>
+        <p:blipFill>
+          <a:blip r:embed="rId7"/>
+          <a:stretch>
+            <a:fillRect/>
+          </a:stretch>
+        </p:blipFill>
+        <p:spPr>
+          <a:xfrm>
+            <a:off x="8954226" y="2398758"/>
+            <a:ext cx="2673684" cy="660249"/>
+          </a:xfrm>
+          <a:prstGeom prst="rect">
+            <a:avLst/>
+          </a:prstGeom>
+        </p:spPr>
+      </p:pic>
+      <p:graphicFrame>
+        <p:nvGraphicFramePr>
+          <p:cNvPr id="49" name="표 48">
+            <a:extLst>
+              <a:ext uri="{FF2B5EF4-FFF2-40B4-BE49-F238E27FC236}">
+                <a16:creationId xmlns:a16="http://schemas.microsoft.com/office/drawing/2014/main" id="{E5E54D22-B4FE-A3B5-F9BD-B4D67F4F7D7F}"/>
+              </a:ext>
+            </a:extLst>
+          </p:cNvPr>
+          <p:cNvGraphicFramePr>
+            <a:graphicFrameLocks noGrp="1"/>
+          </p:cNvGraphicFramePr>
+          <p:nvPr>
+            <p:extLst>
+              <p:ext uri="{D42A27DB-BD31-4B8C-83A1-F6EECF244321}">
+                <p14:modId xmlns:p14="http://schemas.microsoft.com/office/powerpoint/2010/main" val="2249528804"/>
+              </p:ext>
+            </p:extLst>
+          </p:nvPr>
+        </p:nvGraphicFramePr>
+        <p:xfrm>
+          <a:off x="2758915" y="4458597"/>
+          <a:ext cx="5634745" cy="1432560"/>
+        </p:xfrm>
+        <a:graphic>
+          <a:graphicData uri="http://schemas.openxmlformats.org/drawingml/2006/table">
+            <a:tbl>
+              <a:tblPr firstRow="1" bandRow="1">
+                <a:tableStyleId>{5C22544A-7EE6-4342-B048-85BDC9FD1C3A}</a:tableStyleId>
+              </a:tblPr>
+              <a:tblGrid>
+                <a:gridCol w="945353">
+                  <a:extLst>
+                    <a:ext uri="{9D8B030D-6E8A-4147-A177-3AD203B41FA5}">
+                      <a16:colId xmlns:a16="http://schemas.microsoft.com/office/drawing/2014/main" val="1714871195"/>
+                    </a:ext>
+                  </a:extLst>
+                </a:gridCol>
+                <a:gridCol w="911902">
+                  <a:extLst>
+                    <a:ext uri="{9D8B030D-6E8A-4147-A177-3AD203B41FA5}">
+                      <a16:colId xmlns:a16="http://schemas.microsoft.com/office/drawing/2014/main" val="582723084"/>
+                    </a:ext>
+                  </a:extLst>
+                </a:gridCol>
+                <a:gridCol w="566207">
+                  <a:extLst>
+                    <a:ext uri="{9D8B030D-6E8A-4147-A177-3AD203B41FA5}">
+                      <a16:colId xmlns:a16="http://schemas.microsoft.com/office/drawing/2014/main" val="1680861650"/>
+                    </a:ext>
+                  </a:extLst>
+                </a:gridCol>
+                <a:gridCol w="889000">
+                  <a:extLst>
+                    <a:ext uri="{9D8B030D-6E8A-4147-A177-3AD203B41FA5}">
+                      <a16:colId xmlns:a16="http://schemas.microsoft.com/office/drawing/2014/main" val="2260511338"/>
+                    </a:ext>
+                  </a:extLst>
+                </a:gridCol>
+                <a:gridCol w="920750">
+                  <a:extLst>
+                    <a:ext uri="{9D8B030D-6E8A-4147-A177-3AD203B41FA5}">
+                      <a16:colId xmlns:a16="http://schemas.microsoft.com/office/drawing/2014/main" val="1008508426"/>
+                    </a:ext>
+                  </a:extLst>
+                </a:gridCol>
+                <a:gridCol w="704850">
+                  <a:extLst>
+                    <a:ext uri="{9D8B030D-6E8A-4147-A177-3AD203B41FA5}">
+                      <a16:colId xmlns:a16="http://schemas.microsoft.com/office/drawing/2014/main" val="2900262038"/>
+                    </a:ext>
+                  </a:extLst>
+                </a:gridCol>
+                <a:gridCol w="696683">
+                  <a:extLst>
+                    <a:ext uri="{9D8B030D-6E8A-4147-A177-3AD203B41FA5}">
+                      <a16:colId xmlns:a16="http://schemas.microsoft.com/office/drawing/2014/main" val="2403558010"/>
+                    </a:ext>
+                  </a:extLst>
+                </a:gridCol>
+              </a:tblGrid>
+              <a:tr h="0">
+                <a:tc>
+                  <a:txBody>
+                    <a:bodyPr/>
+                    <a:lstStyle/>
+                    <a:p>
+                      <a:pPr marL="0" marR="0" lvl="0" indent="0" algn="ctr" defTabSz="914400" rtl="0" eaLnBrk="1" fontAlgn="auto" latinLnBrk="1" hangingPunct="1">
+                        <a:lnSpc>
+                          <a:spcPct val="100000"/>
+                        </a:lnSpc>
+                        <a:spcBef>
+                          <a:spcPts val="0"/>
+                        </a:spcBef>
+                        <a:spcAft>
+                          <a:spcPts val="0"/>
+                        </a:spcAft>
+                        <a:buClrTx/>
+                        <a:buSzTx/>
+                        <a:buFontTx/>
+                        <a:buNone/>
+                        <a:tabLst/>
+                        <a:defRPr/>
+                      </a:pPr>
+                      <a:r>
+                        <a:rPr lang="en-US" altLang="ko-KR" sz="1000" b="0" dirty="0">
+                          <a:solidFill>
+                            <a:schemeClr val="tx1"/>
+                          </a:solidFill>
+                        </a:rPr>
+                        <a:t>Wall</a:t>
+                      </a:r>
+                      <a:endParaRPr lang="ko-KR" altLang="en-US" sz="1000" b="0" dirty="0">
+                        <a:solidFill>
+                          <a:schemeClr val="tx1"/>
+                        </a:solidFill>
+                      </a:endParaRPr>
+                    </a:p>
+                  </a:txBody>
+                  <a:tcPr>
+                    <a:lnL w="12700" cap="flat" cmpd="sng" algn="ctr">
+                      <a:solidFill>
+                        <a:schemeClr val="tx1"/>
+                      </a:solidFill>
+                      <a:prstDash val="solid"/>
+                      <a:round/>
+                      <a:headEnd type="none" w="med" len="med"/>
+                      <a:tailEnd type="none" w="med" len="med"/>
+                    </a:lnL>
+                    <a:lnR w="12700" cap="flat" cmpd="sng" algn="ctr">
+                      <a:solidFill>
+                        <a:schemeClr val="tx1"/>
+                      </a:solidFill>
+                      <a:prstDash val="solid"/>
+                      <a:round/>
+                      <a:headEnd type="none" w="med" len="med"/>
+                      <a:tailEnd type="none" w="med" len="med"/>
+                    </a:lnR>
+                    <a:lnT w="12700" cap="flat" cmpd="sng" algn="ctr">
+                      <a:solidFill>
+                        <a:schemeClr val="tx1"/>
+                      </a:solidFill>
+                      <a:prstDash val="solid"/>
+                      <a:round/>
+                      <a:headEnd type="none" w="med" len="med"/>
+                      <a:tailEnd type="none" w="med" len="med"/>
+                    </a:lnT>
+                    <a:lnB w="12700" cap="flat" cmpd="sng" algn="ctr">
+                      <a:solidFill>
+                        <a:schemeClr val="tx1"/>
+                      </a:solidFill>
+                      <a:prstDash val="solid"/>
+                      <a:round/>
+                      <a:headEnd type="none" w="med" len="med"/>
+                      <a:tailEnd type="none" w="med" len="med"/>
+                    </a:lnB>
+                    <a:solidFill>
+                      <a:schemeClr val="bg2"/>
+                    </a:solidFill>
+                  </a:tcPr>
+                </a:tc>
+                <a:tc>
+                  <a:txBody>
+                    <a:bodyPr/>
+                    <a:lstStyle/>
+                    <a:p>
+                      <a:pPr algn="ctr" latinLnBrk="1"/>
+                      <a:r>
+                        <a:rPr lang="en-US" altLang="ko-KR" sz="1000" b="0" dirty="0">
+                          <a:solidFill>
+                            <a:schemeClr val="tx1"/>
+                          </a:solidFill>
+                        </a:rPr>
+                        <a:t>Work Master Code /w Description</a:t>
+                      </a:r>
+                      <a:endParaRPr lang="ko-KR" altLang="en-US" sz="1000" b="0" dirty="0">
+                        <a:solidFill>
+                          <a:schemeClr val="tx1"/>
+                        </a:solidFill>
+                      </a:endParaRPr>
+                    </a:p>
+                  </a:txBody>
+                  <a:tcPr>
+                    <a:lnL w="12700" cap="flat" cmpd="sng" algn="ctr">
+                      <a:solidFill>
+                        <a:schemeClr val="tx1"/>
+                      </a:solidFill>
+                      <a:prstDash val="solid"/>
+                      <a:round/>
+                      <a:headEnd type="none" w="med" len="med"/>
+                      <a:tailEnd type="none" w="med" len="med"/>
+                    </a:lnL>
+                    <a:lnR w="12700" cap="flat" cmpd="sng" algn="ctr">
+                      <a:solidFill>
+                        <a:schemeClr val="tx1"/>
+                      </a:solidFill>
+                      <a:prstDash val="solid"/>
+                      <a:round/>
+                      <a:headEnd type="none" w="med" len="med"/>
+                      <a:tailEnd type="none" w="med" len="med"/>
+                    </a:lnR>
+                    <a:lnT w="12700" cap="flat" cmpd="sng" algn="ctr">
+                      <a:solidFill>
+                        <a:schemeClr val="tx1"/>
+                      </a:solidFill>
+                      <a:prstDash val="solid"/>
+                      <a:round/>
+                      <a:headEnd type="none" w="med" len="med"/>
+                      <a:tailEnd type="none" w="med" len="med"/>
+                    </a:lnT>
+                    <a:lnB w="12700" cap="flat" cmpd="sng" algn="ctr">
+                      <a:solidFill>
+                        <a:schemeClr val="tx1"/>
+                      </a:solidFill>
+                      <a:prstDash val="solid"/>
+                      <a:round/>
+                      <a:headEnd type="none" w="med" len="med"/>
+                      <a:tailEnd type="none" w="med" len="med"/>
+                    </a:lnB>
+                    <a:solidFill>
+                      <a:schemeClr val="bg2"/>
+                    </a:solidFill>
+                  </a:tcPr>
+                </a:tc>
+                <a:tc>
+                  <a:txBody>
+                    <a:bodyPr/>
+                    <a:lstStyle/>
+                    <a:p>
+                      <a:pPr algn="ctr" latinLnBrk="1"/>
+                      <a:r>
+                        <a:rPr lang="en-US" altLang="ko-KR" sz="1000" b="0" dirty="0">
+                          <a:solidFill>
+                            <a:schemeClr val="tx1"/>
+                          </a:solidFill>
+                        </a:rPr>
+                        <a:t>Gauge Code</a:t>
+                      </a:r>
+                      <a:endParaRPr lang="ko-KR" altLang="en-US" sz="1000" b="0" dirty="0">
+                        <a:solidFill>
+                          <a:schemeClr val="tx1"/>
+                        </a:solidFill>
+                      </a:endParaRPr>
+                    </a:p>
+                  </a:txBody>
+                  <a:tcPr>
+                    <a:lnL w="12700" cap="flat" cmpd="sng" algn="ctr">
+                      <a:solidFill>
+                        <a:schemeClr val="tx1"/>
+                      </a:solidFill>
+                      <a:prstDash val="solid"/>
+                      <a:round/>
+                      <a:headEnd type="none" w="med" len="med"/>
+                      <a:tailEnd type="none" w="med" len="med"/>
+                    </a:lnL>
+                    <a:lnR w="12700" cap="flat" cmpd="sng" algn="ctr">
+                      <a:solidFill>
+                        <a:schemeClr val="tx1"/>
+                      </a:solidFill>
+                      <a:prstDash val="solid"/>
+                      <a:round/>
+                      <a:headEnd type="none" w="med" len="med"/>
+                      <a:tailEnd type="none" w="med" len="med"/>
+                    </a:lnR>
+                    <a:lnT w="12700" cap="flat" cmpd="sng" algn="ctr">
+                      <a:solidFill>
+                        <a:schemeClr val="tx1"/>
+                      </a:solidFill>
+                      <a:prstDash val="solid"/>
+                      <a:round/>
+                      <a:headEnd type="none" w="med" len="med"/>
+                      <a:tailEnd type="none" w="med" len="med"/>
+                    </a:lnT>
+                    <a:lnB w="12700" cap="flat" cmpd="sng" algn="ctr">
+                      <a:solidFill>
+                        <a:schemeClr val="tx1"/>
+                      </a:solidFill>
+                      <a:prstDash val="solid"/>
+                      <a:round/>
+                      <a:headEnd type="none" w="med" len="med"/>
+                      <a:tailEnd type="none" w="med" len="med"/>
+                    </a:lnB>
+                    <a:solidFill>
+                      <a:schemeClr val="bg2"/>
+                    </a:solidFill>
+                  </a:tcPr>
+                </a:tc>
+                <a:tc>
+                  <a:txBody>
+                    <a:bodyPr/>
+                    <a:lstStyle/>
+                    <a:p>
+                      <a:pPr algn="ctr" latinLnBrk="1"/>
+                      <a:r>
+                        <a:rPr lang="en-US" altLang="ko-KR" sz="1000" b="0" dirty="0">
+                          <a:solidFill>
+                            <a:schemeClr val="tx1"/>
+                          </a:solidFill>
+                        </a:rPr>
+                        <a:t>Description</a:t>
+                      </a:r>
+                      <a:endParaRPr lang="ko-KR" altLang="en-US" sz="1000" b="0" dirty="0">
+                        <a:solidFill>
+                          <a:schemeClr val="tx1"/>
+                        </a:solidFill>
+                      </a:endParaRPr>
+                    </a:p>
+                  </a:txBody>
+                  <a:tcPr>
+                    <a:lnL w="12700" cap="flat" cmpd="sng" algn="ctr">
+                      <a:solidFill>
+                        <a:schemeClr val="tx1"/>
+                      </a:solidFill>
+                      <a:prstDash val="solid"/>
+                      <a:round/>
+                      <a:headEnd type="none" w="med" len="med"/>
+                      <a:tailEnd type="none" w="med" len="med"/>
+                    </a:lnL>
+                    <a:lnR w="12700" cap="flat" cmpd="sng" algn="ctr">
+                      <a:solidFill>
+                        <a:schemeClr val="tx1"/>
+                      </a:solidFill>
+                      <a:prstDash val="solid"/>
+                      <a:round/>
+                      <a:headEnd type="none" w="med" len="med"/>
+                      <a:tailEnd type="none" w="med" len="med"/>
+                    </a:lnR>
+                    <a:lnT w="12700" cap="flat" cmpd="sng" algn="ctr">
+                      <a:solidFill>
+                        <a:schemeClr val="tx1"/>
+                      </a:solidFill>
+                      <a:prstDash val="solid"/>
+                      <a:round/>
+                      <a:headEnd type="none" w="med" len="med"/>
+                      <a:tailEnd type="none" w="med" len="med"/>
+                    </a:lnT>
+                    <a:lnB w="12700" cap="flat" cmpd="sng" algn="ctr">
+                      <a:solidFill>
+                        <a:schemeClr val="tx1"/>
+                      </a:solidFill>
+                      <a:prstDash val="solid"/>
+                      <a:round/>
+                      <a:headEnd type="none" w="med" len="med"/>
+                      <a:tailEnd type="none" w="med" len="med"/>
+                    </a:lnB>
+                    <a:solidFill>
+                      <a:schemeClr val="bg2"/>
+                    </a:solidFill>
+                  </a:tcPr>
+                </a:tc>
+                <a:tc>
+                  <a:txBody>
+                    <a:bodyPr/>
+                    <a:lstStyle/>
+                    <a:p>
+                      <a:pPr algn="ctr" latinLnBrk="1"/>
+                      <a:r>
+                        <a:rPr lang="ko-KR" altLang="en-US" sz="1000" b="0" dirty="0">
+                          <a:solidFill>
+                            <a:schemeClr val="tx1"/>
+                          </a:solidFill>
+                        </a:rPr>
+                        <a:t>물량산출식</a:t>
+                      </a:r>
+                    </a:p>
+                  </a:txBody>
+                  <a:tcPr>
+                    <a:lnL w="12700" cap="flat" cmpd="sng" algn="ctr">
+                      <a:solidFill>
+                        <a:schemeClr val="tx1"/>
+                      </a:solidFill>
+                      <a:prstDash val="solid"/>
+                      <a:round/>
+                      <a:headEnd type="none" w="med" len="med"/>
+                      <a:tailEnd type="none" w="med" len="med"/>
+                    </a:lnL>
+                    <a:lnR w="12700" cap="flat" cmpd="sng" algn="ctr">
+                      <a:solidFill>
+                        <a:schemeClr val="tx1"/>
+                      </a:solidFill>
+                      <a:prstDash val="solid"/>
+                      <a:round/>
+                      <a:headEnd type="none" w="med" len="med"/>
+                      <a:tailEnd type="none" w="med" len="med"/>
+                    </a:lnR>
+                    <a:lnT w="12700" cap="flat" cmpd="sng" algn="ctr">
+                      <a:solidFill>
+                        <a:schemeClr val="tx1"/>
+                      </a:solidFill>
+                      <a:prstDash val="solid"/>
+                      <a:round/>
+                      <a:headEnd type="none" w="med" len="med"/>
+                      <a:tailEnd type="none" w="med" len="med"/>
+                    </a:lnT>
+                    <a:lnB w="12700" cap="flat" cmpd="sng" algn="ctr">
+                      <a:solidFill>
+                        <a:schemeClr val="tx1"/>
+                      </a:solidFill>
+                      <a:prstDash val="solid"/>
+                      <a:round/>
+                      <a:headEnd type="none" w="med" len="med"/>
+                      <a:tailEnd type="none" w="med" len="med"/>
+                    </a:lnB>
+                    <a:solidFill>
+                      <a:schemeClr val="bg2"/>
+                    </a:solidFill>
+                  </a:tcPr>
+                </a:tc>
+                <a:tc>
+                  <a:txBody>
+                    <a:bodyPr/>
+                    <a:lstStyle/>
+                    <a:p>
+                      <a:pPr algn="ctr" latinLnBrk="1"/>
+                      <a:r>
+                        <a:rPr lang="en-US" altLang="ko-KR" sz="1000" b="0" dirty="0">
+                          <a:solidFill>
+                            <a:schemeClr val="tx1"/>
+                          </a:solidFill>
+                        </a:rPr>
+                        <a:t>Quantity</a:t>
+                      </a:r>
+                      <a:endParaRPr lang="ko-KR" altLang="en-US" sz="1000" b="0" dirty="0">
+                        <a:solidFill>
+                          <a:schemeClr val="tx1"/>
+                        </a:solidFill>
+                      </a:endParaRPr>
+                    </a:p>
+                  </a:txBody>
+                  <a:tcPr>
+                    <a:lnL w="12700" cap="flat" cmpd="sng" algn="ctr">
+                      <a:solidFill>
+                        <a:schemeClr val="tx1"/>
+                      </a:solidFill>
+                      <a:prstDash val="solid"/>
+                      <a:round/>
+                      <a:headEnd type="none" w="med" len="med"/>
+                      <a:tailEnd type="none" w="med" len="med"/>
+                    </a:lnL>
+                    <a:lnR w="12700" cap="flat" cmpd="sng" algn="ctr">
+                      <a:solidFill>
+                        <a:schemeClr val="tx1"/>
+                      </a:solidFill>
+                      <a:prstDash val="solid"/>
+                      <a:round/>
+                      <a:headEnd type="none" w="med" len="med"/>
+                      <a:tailEnd type="none" w="med" len="med"/>
+                    </a:lnR>
+                    <a:lnT w="12700" cap="flat" cmpd="sng" algn="ctr">
+                      <a:solidFill>
+                        <a:schemeClr val="tx1"/>
+                      </a:solidFill>
+                      <a:prstDash val="solid"/>
+                      <a:round/>
+                      <a:headEnd type="none" w="med" len="med"/>
+                      <a:tailEnd type="none" w="med" len="med"/>
+                    </a:lnT>
+                    <a:lnB w="12700" cap="flat" cmpd="sng" algn="ctr">
+                      <a:solidFill>
+                        <a:schemeClr val="tx1"/>
+                      </a:solidFill>
+                      <a:prstDash val="solid"/>
+                      <a:round/>
+                      <a:headEnd type="none" w="med" len="med"/>
+                      <a:tailEnd type="none" w="med" len="med"/>
+                    </a:lnB>
+                    <a:solidFill>
+                      <a:schemeClr val="bg2"/>
+                    </a:solidFill>
+                  </a:tcPr>
+                </a:tc>
+                <a:tc>
+                  <a:txBody>
+                    <a:bodyPr/>
+                    <a:lstStyle/>
+                    <a:p>
+                      <a:pPr algn="ctr" latinLnBrk="1"/>
+                      <a:r>
+                        <a:rPr lang="en-US" altLang="ko-KR" sz="1000" b="0" dirty="0">
+                          <a:solidFill>
+                            <a:schemeClr val="tx1"/>
+                          </a:solidFill>
+                        </a:rPr>
+                        <a:t>Remark</a:t>
+                      </a:r>
+                      <a:endParaRPr lang="ko-KR" altLang="en-US" sz="1000" b="0" dirty="0">
+                        <a:solidFill>
+                          <a:schemeClr val="tx1"/>
+                        </a:solidFill>
+                      </a:endParaRPr>
+                    </a:p>
+                  </a:txBody>
+                  <a:tcPr>
+                    <a:lnL w="12700" cap="flat" cmpd="sng" algn="ctr">
+                      <a:solidFill>
+                        <a:schemeClr val="tx1"/>
+                      </a:solidFill>
+                      <a:prstDash val="solid"/>
+                      <a:round/>
+                      <a:headEnd type="none" w="med" len="med"/>
+                      <a:tailEnd type="none" w="med" len="med"/>
+                    </a:lnL>
+                    <a:lnR w="12700" cap="flat" cmpd="sng" algn="ctr">
+                      <a:solidFill>
+                        <a:schemeClr val="tx1"/>
+                      </a:solidFill>
+                      <a:prstDash val="solid"/>
+                      <a:round/>
+                      <a:headEnd type="none" w="med" len="med"/>
+                      <a:tailEnd type="none" w="med" len="med"/>
+                    </a:lnR>
+                    <a:lnT w="12700" cap="flat" cmpd="sng" algn="ctr">
+                      <a:solidFill>
+                        <a:schemeClr val="tx1"/>
+                      </a:solidFill>
+                      <a:prstDash val="solid"/>
+                      <a:round/>
+                      <a:headEnd type="none" w="med" len="med"/>
+                      <a:tailEnd type="none" w="med" len="med"/>
+                    </a:lnT>
+                    <a:lnB w="12700" cap="flat" cmpd="sng" algn="ctr">
+                      <a:solidFill>
+                        <a:schemeClr val="tx1"/>
+                      </a:solidFill>
+                      <a:prstDash val="solid"/>
+                      <a:round/>
+                      <a:headEnd type="none" w="med" len="med"/>
+                      <a:tailEnd type="none" w="med" len="med"/>
+                    </a:lnB>
+                    <a:solidFill>
+                      <a:schemeClr val="bg2"/>
+                    </a:solidFill>
+                  </a:tcPr>
+                </a:tc>
+                <a:extLst>
+                  <a:ext uri="{0D108BD9-81ED-4DB2-BD59-A6C34878D82A}">
+                    <a16:rowId xmlns:a16="http://schemas.microsoft.com/office/drawing/2014/main" val="4228979736"/>
+                  </a:ext>
+                </a:extLst>
+              </a:tr>
+              <a:tr h="192405">
+                <a:tc>
+                  <a:txBody>
+                    <a:bodyPr/>
+                    <a:lstStyle/>
+                    <a:p>
+                      <a:pPr latinLnBrk="1"/>
+                      <a:endParaRPr lang="ko-KR" altLang="en-US" sz="1000" b="0" dirty="0">
+                        <a:solidFill>
+                          <a:schemeClr val="tx1"/>
+                        </a:solidFill>
+                      </a:endParaRPr>
+                    </a:p>
+                  </a:txBody>
+                  <a:tcPr>
+                    <a:lnL w="12700" cap="flat" cmpd="sng" algn="ctr">
+                      <a:solidFill>
+                        <a:schemeClr val="tx1"/>
+                      </a:solidFill>
+                      <a:prstDash val="solid"/>
+                      <a:round/>
+                      <a:headEnd type="none" w="med" len="med"/>
+                      <a:tailEnd type="none" w="med" len="med"/>
+                    </a:lnL>
+                    <a:lnR w="12700" cap="flat" cmpd="sng" algn="ctr">
+                      <a:solidFill>
+                        <a:schemeClr val="tx1"/>
+                      </a:solidFill>
+                      <a:prstDash val="solid"/>
+                      <a:round/>
+                      <a:headEnd type="none" w="med" len="med"/>
+                      <a:tailEnd type="none" w="med" len="med"/>
+                    </a:lnR>
+                    <a:lnT w="12700" cap="flat" cmpd="sng" algn="ctr">
+                      <a:solidFill>
+                        <a:schemeClr val="tx1"/>
+                      </a:solidFill>
+                      <a:prstDash val="solid"/>
+                      <a:round/>
+                      <a:headEnd type="none" w="med" len="med"/>
+                      <a:tailEnd type="none" w="med" len="med"/>
+                    </a:lnT>
+                    <a:lnB w="12700" cap="flat" cmpd="sng" algn="ctr">
+                      <a:solidFill>
+                        <a:schemeClr val="tx1"/>
+                      </a:solidFill>
+                      <a:prstDash val="solid"/>
+                      <a:round/>
+                      <a:headEnd type="none" w="med" len="med"/>
+                      <a:tailEnd type="none" w="med" len="med"/>
+                    </a:lnB>
+                    <a:solidFill>
+                      <a:schemeClr val="bg1"/>
+                    </a:solidFill>
+                  </a:tcPr>
+                </a:tc>
+                <a:tc>
+                  <a:txBody>
+                    <a:bodyPr/>
+                    <a:lstStyle/>
+                    <a:p>
+                      <a:pPr latinLnBrk="1"/>
+                      <a:endParaRPr lang="ko-KR" altLang="en-US" sz="1000" b="0">
+                        <a:solidFill>
+                          <a:schemeClr val="tx1"/>
+                        </a:solidFill>
+                      </a:endParaRPr>
+                    </a:p>
+                  </a:txBody>
+                  <a:tcPr>
+                    <a:lnL w="12700" cap="flat" cmpd="sng" algn="ctr">
+                      <a:solidFill>
+                        <a:schemeClr val="tx1"/>
+                      </a:solidFill>
+                      <a:prstDash val="solid"/>
+                      <a:round/>
+                      <a:headEnd type="none" w="med" len="med"/>
+                      <a:tailEnd type="none" w="med" len="med"/>
+                    </a:lnL>
+                    <a:lnR w="12700" cap="flat" cmpd="sng" algn="ctr">
+                      <a:solidFill>
+                        <a:schemeClr val="tx1"/>
+                      </a:solidFill>
+                      <a:prstDash val="solid"/>
+                      <a:round/>
+                      <a:headEnd type="none" w="med" len="med"/>
+                      <a:tailEnd type="none" w="med" len="med"/>
+                    </a:lnR>
+                    <a:lnT w="12700" cap="flat" cmpd="sng" algn="ctr">
+                      <a:solidFill>
+                        <a:schemeClr val="tx1"/>
+                      </a:solidFill>
+                      <a:prstDash val="solid"/>
+                      <a:round/>
+                      <a:headEnd type="none" w="med" len="med"/>
+                      <a:tailEnd type="none" w="med" len="med"/>
+                    </a:lnT>
+                    <a:lnB w="12700" cap="flat" cmpd="sng" algn="ctr">
+                      <a:solidFill>
+                        <a:schemeClr val="tx1"/>
+                      </a:solidFill>
+                      <a:prstDash val="solid"/>
+                      <a:round/>
+                      <a:headEnd type="none" w="med" len="med"/>
+                      <a:tailEnd type="none" w="med" len="med"/>
+                    </a:lnB>
+                    <a:solidFill>
+                      <a:schemeClr val="bg1"/>
+                    </a:solidFill>
+                  </a:tcPr>
+                </a:tc>
+                <a:tc>
+                  <a:txBody>
+                    <a:bodyPr/>
+                    <a:lstStyle/>
+                    <a:p>
+                      <a:pPr latinLnBrk="1"/>
+                      <a:endParaRPr lang="ko-KR" altLang="en-US" sz="1000" b="0">
+                        <a:solidFill>
+                          <a:schemeClr val="tx1"/>
+                        </a:solidFill>
+                      </a:endParaRPr>
+                    </a:p>
+                  </a:txBody>
+                  <a:tcPr>
+                    <a:lnL w="12700" cap="flat" cmpd="sng" algn="ctr">
+                      <a:solidFill>
+                        <a:schemeClr val="tx1"/>
+                      </a:solidFill>
+                      <a:prstDash val="solid"/>
+                      <a:round/>
+                      <a:headEnd type="none" w="med" len="med"/>
+                      <a:tailEnd type="none" w="med" len="med"/>
+                    </a:lnL>
+                    <a:lnR w="12700" cap="flat" cmpd="sng" algn="ctr">
+                      <a:solidFill>
+                        <a:schemeClr val="tx1"/>
+                      </a:solidFill>
+                      <a:prstDash val="solid"/>
+                      <a:round/>
+                      <a:headEnd type="none" w="med" len="med"/>
+                      <a:tailEnd type="none" w="med" len="med"/>
+                    </a:lnR>
+                    <a:lnT w="12700" cap="flat" cmpd="sng" algn="ctr">
+                      <a:solidFill>
+                        <a:schemeClr val="tx1"/>
+                      </a:solidFill>
+                      <a:prstDash val="solid"/>
+                      <a:round/>
+                      <a:headEnd type="none" w="med" len="med"/>
+                      <a:tailEnd type="none" w="med" len="med"/>
+                    </a:lnT>
+                    <a:lnB w="12700" cap="flat" cmpd="sng" algn="ctr">
+                      <a:solidFill>
+                        <a:schemeClr val="tx1"/>
+                      </a:solidFill>
+                      <a:prstDash val="solid"/>
+                      <a:round/>
+                      <a:headEnd type="none" w="med" len="med"/>
+                      <a:tailEnd type="none" w="med" len="med"/>
+                    </a:lnB>
+                    <a:solidFill>
+                      <a:schemeClr val="bg1"/>
+                    </a:solidFill>
+                  </a:tcPr>
+                </a:tc>
+                <a:tc>
+                  <a:txBody>
+                    <a:bodyPr/>
+                    <a:lstStyle/>
+                    <a:p>
+                      <a:pPr latinLnBrk="1"/>
+                      <a:endParaRPr lang="ko-KR" altLang="en-US" sz="1000" b="0" dirty="0">
+                        <a:solidFill>
+                          <a:schemeClr val="tx1"/>
+                        </a:solidFill>
+                      </a:endParaRPr>
+                    </a:p>
+                  </a:txBody>
+                  <a:tcPr>
+                    <a:lnL w="12700" cap="flat" cmpd="sng" algn="ctr">
+                      <a:solidFill>
+                        <a:schemeClr val="tx1"/>
+                      </a:solidFill>
+                      <a:prstDash val="solid"/>
+                      <a:round/>
+                      <a:headEnd type="none" w="med" len="med"/>
+                      <a:tailEnd type="none" w="med" len="med"/>
+                    </a:lnL>
+                    <a:lnR w="12700" cap="flat" cmpd="sng" algn="ctr">
+                      <a:solidFill>
+                        <a:schemeClr val="tx1"/>
+                      </a:solidFill>
+                      <a:prstDash val="solid"/>
+                      <a:round/>
+                      <a:headEnd type="none" w="med" len="med"/>
+                      <a:tailEnd type="none" w="med" len="med"/>
+                    </a:lnR>
+                    <a:lnT w="12700" cap="flat" cmpd="sng" algn="ctr">
+                      <a:solidFill>
+                        <a:schemeClr val="tx1"/>
+                      </a:solidFill>
+                      <a:prstDash val="solid"/>
+                      <a:round/>
+                      <a:headEnd type="none" w="med" len="med"/>
+                      <a:tailEnd type="none" w="med" len="med"/>
+                    </a:lnT>
+                    <a:lnB w="12700" cap="flat" cmpd="sng" algn="ctr">
+                      <a:solidFill>
+                        <a:schemeClr val="tx1"/>
+                      </a:solidFill>
+                      <a:prstDash val="solid"/>
+                      <a:round/>
+                      <a:headEnd type="none" w="med" len="med"/>
+                      <a:tailEnd type="none" w="med" len="med"/>
+                    </a:lnB>
+                    <a:solidFill>
+                      <a:schemeClr val="bg1"/>
+                    </a:solidFill>
+                  </a:tcPr>
+                </a:tc>
+                <a:tc>
+                  <a:txBody>
+                    <a:bodyPr/>
+                    <a:lstStyle/>
+                    <a:p>
+                      <a:pPr latinLnBrk="1"/>
+                      <a:endParaRPr lang="ko-KR" altLang="en-US" sz="1000" b="0" dirty="0">
+                        <a:solidFill>
+                          <a:schemeClr val="tx1"/>
+                        </a:solidFill>
+                      </a:endParaRPr>
+                    </a:p>
+                  </a:txBody>
+                  <a:tcPr>
+                    <a:lnL w="12700" cap="flat" cmpd="sng" algn="ctr">
+                      <a:solidFill>
+                        <a:schemeClr val="tx1"/>
+                      </a:solidFill>
+                      <a:prstDash val="solid"/>
+                      <a:round/>
+                      <a:headEnd type="none" w="med" len="med"/>
+                      <a:tailEnd type="none" w="med" len="med"/>
+                    </a:lnL>
+                    <a:lnR w="12700" cap="flat" cmpd="sng" algn="ctr">
+                      <a:solidFill>
+                        <a:schemeClr val="tx1"/>
+                      </a:solidFill>
+                      <a:prstDash val="solid"/>
+                      <a:round/>
+                      <a:headEnd type="none" w="med" len="med"/>
+                      <a:tailEnd type="none" w="med" len="med"/>
+                    </a:lnR>
+                    <a:lnT w="12700" cap="flat" cmpd="sng" algn="ctr">
+                      <a:solidFill>
+                        <a:schemeClr val="tx1"/>
+                      </a:solidFill>
+                      <a:prstDash val="solid"/>
+                      <a:round/>
+                      <a:headEnd type="none" w="med" len="med"/>
+                      <a:tailEnd type="none" w="med" len="med"/>
+                    </a:lnT>
+                    <a:lnB w="12700" cap="flat" cmpd="sng" algn="ctr">
+                      <a:solidFill>
+                        <a:schemeClr val="tx1"/>
+                      </a:solidFill>
+                      <a:prstDash val="solid"/>
+                      <a:round/>
+                      <a:headEnd type="none" w="med" len="med"/>
+                      <a:tailEnd type="none" w="med" len="med"/>
+                    </a:lnB>
+                    <a:solidFill>
+                      <a:schemeClr val="bg1"/>
+                    </a:solidFill>
+                  </a:tcPr>
+                </a:tc>
+                <a:tc>
+                  <a:txBody>
+                    <a:bodyPr/>
+                    <a:lstStyle/>
+                    <a:p>
+                      <a:pPr latinLnBrk="1"/>
+                      <a:endParaRPr lang="ko-KR" altLang="en-US" sz="1000" b="0" dirty="0">
+                        <a:solidFill>
+                          <a:schemeClr val="tx1"/>
+                        </a:solidFill>
+                      </a:endParaRPr>
+                    </a:p>
+                  </a:txBody>
+                  <a:tcPr>
+                    <a:lnL w="12700" cap="flat" cmpd="sng" algn="ctr">
+                      <a:solidFill>
+                        <a:schemeClr val="tx1"/>
+                      </a:solidFill>
+                      <a:prstDash val="solid"/>
+                      <a:round/>
+                      <a:headEnd type="none" w="med" len="med"/>
+                      <a:tailEnd type="none" w="med" len="med"/>
+                    </a:lnL>
+                    <a:lnR w="12700" cap="flat" cmpd="sng" algn="ctr">
+                      <a:solidFill>
+                        <a:schemeClr val="tx1"/>
+                      </a:solidFill>
+                      <a:prstDash val="solid"/>
+                      <a:round/>
+                      <a:headEnd type="none" w="med" len="med"/>
+                      <a:tailEnd type="none" w="med" len="med"/>
+                    </a:lnR>
+                    <a:lnT w="12700" cap="flat" cmpd="sng" algn="ctr">
+                      <a:solidFill>
+                        <a:schemeClr val="tx1"/>
+                      </a:solidFill>
+                      <a:prstDash val="solid"/>
+                      <a:round/>
+                      <a:headEnd type="none" w="med" len="med"/>
+                      <a:tailEnd type="none" w="med" len="med"/>
+                    </a:lnT>
+                    <a:lnB w="12700" cap="flat" cmpd="sng" algn="ctr">
+                      <a:solidFill>
+                        <a:schemeClr val="tx1"/>
+                      </a:solidFill>
+                      <a:prstDash val="solid"/>
+                      <a:round/>
+                      <a:headEnd type="none" w="med" len="med"/>
+                      <a:tailEnd type="none" w="med" len="med"/>
+                    </a:lnB>
+                    <a:solidFill>
+                      <a:schemeClr val="bg1"/>
+                    </a:solidFill>
+                  </a:tcPr>
+                </a:tc>
+                <a:tc>
+                  <a:txBody>
+                    <a:bodyPr/>
+                    <a:lstStyle/>
+                    <a:p>
+                      <a:pPr latinLnBrk="1"/>
+                      <a:endParaRPr lang="ko-KR" altLang="en-US" sz="1000" b="0" dirty="0">
+                        <a:solidFill>
+                          <a:schemeClr val="tx1"/>
+                        </a:solidFill>
+                      </a:endParaRPr>
+                    </a:p>
+                  </a:txBody>
+                  <a:tcPr>
+                    <a:lnL w="12700" cap="flat" cmpd="sng" algn="ctr">
+                      <a:solidFill>
+                        <a:schemeClr val="tx1"/>
+                      </a:solidFill>
+                      <a:prstDash val="solid"/>
+                      <a:round/>
+                      <a:headEnd type="none" w="med" len="med"/>
+                      <a:tailEnd type="none" w="med" len="med"/>
+                    </a:lnL>
+                    <a:lnR w="12700" cap="flat" cmpd="sng" algn="ctr">
+                      <a:solidFill>
+                        <a:schemeClr val="tx1"/>
+                      </a:solidFill>
+                      <a:prstDash val="solid"/>
+                      <a:round/>
+                      <a:headEnd type="none" w="med" len="med"/>
+                      <a:tailEnd type="none" w="med" len="med"/>
+                    </a:lnR>
+                    <a:lnT w="12700" cap="flat" cmpd="sng" algn="ctr">
+                      <a:solidFill>
+                        <a:schemeClr val="tx1"/>
+                      </a:solidFill>
+                      <a:prstDash val="solid"/>
+                      <a:round/>
+                      <a:headEnd type="none" w="med" len="med"/>
+                      <a:tailEnd type="none" w="med" len="med"/>
+                    </a:lnT>
+                    <a:lnB w="12700" cap="flat" cmpd="sng" algn="ctr">
+                      <a:solidFill>
+                        <a:schemeClr val="tx1"/>
+                      </a:solidFill>
+                      <a:prstDash val="solid"/>
+                      <a:round/>
+                      <a:headEnd type="none" w="med" len="med"/>
+                      <a:tailEnd type="none" w="med" len="med"/>
+                    </a:lnB>
+                    <a:solidFill>
+                      <a:schemeClr val="bg1"/>
+                    </a:solidFill>
+                  </a:tcPr>
+                </a:tc>
+                <a:extLst>
+                  <a:ext uri="{0D108BD9-81ED-4DB2-BD59-A6C34878D82A}">
+                    <a16:rowId xmlns:a16="http://schemas.microsoft.com/office/drawing/2014/main" val="2874484294"/>
+                  </a:ext>
+                </a:extLst>
+              </a:tr>
+              <a:tr h="192405">
+                <a:tc>
+                  <a:txBody>
+                    <a:bodyPr/>
+                    <a:lstStyle/>
+                    <a:p>
+                      <a:pPr latinLnBrk="1"/>
+                      <a:endParaRPr lang="ko-KR" altLang="en-US" sz="1000" b="0" dirty="0">
+                        <a:solidFill>
+                          <a:schemeClr val="tx1"/>
+                        </a:solidFill>
+                      </a:endParaRPr>
+                    </a:p>
+                  </a:txBody>
+                  <a:tcPr>
+                    <a:lnL w="12700" cap="flat" cmpd="sng" algn="ctr">
+                      <a:solidFill>
+                        <a:schemeClr val="tx1"/>
+                      </a:solidFill>
+                      <a:prstDash val="solid"/>
+                      <a:round/>
+                      <a:headEnd type="none" w="med" len="med"/>
+                      <a:tailEnd type="none" w="med" len="med"/>
+                    </a:lnL>
+                    <a:lnR w="12700" cap="flat" cmpd="sng" algn="ctr">
+                      <a:solidFill>
+                        <a:schemeClr val="tx1"/>
+                      </a:solidFill>
+                      <a:prstDash val="solid"/>
+                      <a:round/>
+                      <a:headEnd type="none" w="med" len="med"/>
+                      <a:tailEnd type="none" w="med" len="med"/>
+                    </a:lnR>
+                    <a:lnT w="12700" cap="flat" cmpd="sng" algn="ctr">
+                      <a:solidFill>
+                        <a:schemeClr val="tx1"/>
+                      </a:solidFill>
+                      <a:prstDash val="solid"/>
+                      <a:round/>
+                      <a:headEnd type="none" w="med" len="med"/>
+                      <a:tailEnd type="none" w="med" len="med"/>
+                    </a:lnT>
+                    <a:lnB w="12700" cap="flat" cmpd="sng" algn="ctr">
+                      <a:solidFill>
+                        <a:schemeClr val="tx1"/>
+                      </a:solidFill>
+                      <a:prstDash val="solid"/>
+                      <a:round/>
+                      <a:headEnd type="none" w="med" len="med"/>
+                      <a:tailEnd type="none" w="med" len="med"/>
+                    </a:lnB>
+                    <a:solidFill>
+                      <a:schemeClr val="bg1"/>
+                    </a:solidFill>
+                  </a:tcPr>
+                </a:tc>
+                <a:tc>
+                  <a:txBody>
+                    <a:bodyPr/>
+                    <a:lstStyle/>
+                    <a:p>
+                      <a:pPr latinLnBrk="1"/>
+                      <a:endParaRPr lang="ko-KR" altLang="en-US" sz="1000" b="0">
+                        <a:solidFill>
+                          <a:schemeClr val="tx1"/>
+                        </a:solidFill>
+                      </a:endParaRPr>
+                    </a:p>
+                  </a:txBody>
+                  <a:tcPr>
+                    <a:lnL w="12700" cap="flat" cmpd="sng" algn="ctr">
+                      <a:solidFill>
+                        <a:schemeClr val="tx1"/>
+                      </a:solidFill>
+                      <a:prstDash val="solid"/>
+                      <a:round/>
+                      <a:headEnd type="none" w="med" len="med"/>
+                      <a:tailEnd type="none" w="med" len="med"/>
+                    </a:lnL>
+                    <a:lnR w="12700" cap="flat" cmpd="sng" algn="ctr">
+                      <a:solidFill>
+                        <a:schemeClr val="tx1"/>
+                      </a:solidFill>
+                      <a:prstDash val="solid"/>
+                      <a:round/>
+                      <a:headEnd type="none" w="med" len="med"/>
+                      <a:tailEnd type="none" w="med" len="med"/>
+                    </a:lnR>
+                    <a:lnT w="12700" cap="flat" cmpd="sng" algn="ctr">
+                      <a:solidFill>
+                        <a:schemeClr val="tx1"/>
+                      </a:solidFill>
+                      <a:prstDash val="solid"/>
+                      <a:round/>
+                      <a:headEnd type="none" w="med" len="med"/>
+                      <a:tailEnd type="none" w="med" len="med"/>
+                    </a:lnT>
+                    <a:lnB w="12700" cap="flat" cmpd="sng" algn="ctr">
+                      <a:solidFill>
+                        <a:schemeClr val="tx1"/>
+                      </a:solidFill>
+                      <a:prstDash val="solid"/>
+                      <a:round/>
+                      <a:headEnd type="none" w="med" len="med"/>
+                      <a:tailEnd type="none" w="med" len="med"/>
+                    </a:lnB>
+                    <a:solidFill>
+                      <a:schemeClr val="bg1"/>
+                    </a:solidFill>
+                  </a:tcPr>
+                </a:tc>
+                <a:tc>
+                  <a:txBody>
+                    <a:bodyPr/>
+                    <a:lstStyle/>
+                    <a:p>
+                      <a:pPr latinLnBrk="1"/>
+                      <a:endParaRPr lang="ko-KR" altLang="en-US" sz="1000" b="0">
+                        <a:solidFill>
+                          <a:schemeClr val="tx1"/>
+                        </a:solidFill>
+                      </a:endParaRPr>
+                    </a:p>
+                  </a:txBody>
+                  <a:tcPr>
+                    <a:lnL w="12700" cap="flat" cmpd="sng" algn="ctr">
+                      <a:solidFill>
+                        <a:schemeClr val="tx1"/>
+                      </a:solidFill>
+                      <a:prstDash val="solid"/>
+                      <a:round/>
+                      <a:headEnd type="none" w="med" len="med"/>
+                      <a:tailEnd type="none" w="med" len="med"/>
+                    </a:lnL>
+                    <a:lnR w="12700" cap="flat" cmpd="sng" algn="ctr">
+                      <a:solidFill>
+                        <a:schemeClr val="tx1"/>
+                      </a:solidFill>
+                      <a:prstDash val="solid"/>
+                      <a:round/>
+                      <a:headEnd type="none" w="med" len="med"/>
+                      <a:tailEnd type="none" w="med" len="med"/>
+                    </a:lnR>
+                    <a:lnT w="12700" cap="flat" cmpd="sng" algn="ctr">
+                      <a:solidFill>
+                        <a:schemeClr val="tx1"/>
+                      </a:solidFill>
+                      <a:prstDash val="solid"/>
+                      <a:round/>
+                      <a:headEnd type="none" w="med" len="med"/>
+                      <a:tailEnd type="none" w="med" len="med"/>
+                    </a:lnT>
+                    <a:lnB w="12700" cap="flat" cmpd="sng" algn="ctr">
+                      <a:solidFill>
+                        <a:schemeClr val="tx1"/>
+                      </a:solidFill>
+                      <a:prstDash val="solid"/>
+                      <a:round/>
+                      <a:headEnd type="none" w="med" len="med"/>
+                      <a:tailEnd type="none" w="med" len="med"/>
+                    </a:lnB>
+                    <a:solidFill>
+                      <a:schemeClr val="bg1"/>
+                    </a:solidFill>
+                  </a:tcPr>
+                </a:tc>
+                <a:tc>
+                  <a:txBody>
+                    <a:bodyPr/>
+                    <a:lstStyle/>
+                    <a:p>
+                      <a:pPr latinLnBrk="1"/>
+                      <a:endParaRPr lang="ko-KR" altLang="en-US" sz="1000" b="0">
+                        <a:solidFill>
+                          <a:schemeClr val="tx1"/>
+                        </a:solidFill>
+                      </a:endParaRPr>
+                    </a:p>
+                  </a:txBody>
+                  <a:tcPr>
+                    <a:lnL w="12700" cap="flat" cmpd="sng" algn="ctr">
+                      <a:solidFill>
+                        <a:schemeClr val="tx1"/>
+                      </a:solidFill>
+                      <a:prstDash val="solid"/>
+                      <a:round/>
+                      <a:headEnd type="none" w="med" len="med"/>
+                      <a:tailEnd type="none" w="med" len="med"/>
+                    </a:lnL>
+                    <a:lnR w="12700" cap="flat" cmpd="sng" algn="ctr">
+                      <a:solidFill>
+                        <a:schemeClr val="tx1"/>
+                      </a:solidFill>
+                      <a:prstDash val="solid"/>
+                      <a:round/>
+                      <a:headEnd type="none" w="med" len="med"/>
+                      <a:tailEnd type="none" w="med" len="med"/>
+                    </a:lnR>
+                    <a:lnT w="12700" cap="flat" cmpd="sng" algn="ctr">
+                      <a:solidFill>
+                        <a:schemeClr val="tx1"/>
+                      </a:solidFill>
+                      <a:prstDash val="solid"/>
+                      <a:round/>
+                      <a:headEnd type="none" w="med" len="med"/>
+                      <a:tailEnd type="none" w="med" len="med"/>
+                    </a:lnT>
+                    <a:lnB w="12700" cap="flat" cmpd="sng" algn="ctr">
+                      <a:solidFill>
+                        <a:schemeClr val="tx1"/>
+                      </a:solidFill>
+                      <a:prstDash val="solid"/>
+                      <a:round/>
+                      <a:headEnd type="none" w="med" len="med"/>
+                      <a:tailEnd type="none" w="med" len="med"/>
+                    </a:lnB>
+                    <a:solidFill>
+                      <a:schemeClr val="bg1"/>
+                    </a:solidFill>
+                  </a:tcPr>
+                </a:tc>
+                <a:tc>
+                  <a:txBody>
+                    <a:bodyPr/>
+                    <a:lstStyle/>
+                    <a:p>
+                      <a:pPr latinLnBrk="1"/>
+                      <a:endParaRPr lang="ko-KR" altLang="en-US" sz="1000" b="0">
+                        <a:solidFill>
+                          <a:schemeClr val="tx1"/>
+                        </a:solidFill>
+                      </a:endParaRPr>
+                    </a:p>
+                  </a:txBody>
+                  <a:tcPr>
+                    <a:lnL w="12700" cap="flat" cmpd="sng" algn="ctr">
+                      <a:solidFill>
+                        <a:schemeClr val="tx1"/>
+                      </a:solidFill>
+                      <a:prstDash val="solid"/>
+                      <a:round/>
+                      <a:headEnd type="none" w="med" len="med"/>
+                      <a:tailEnd type="none" w="med" len="med"/>
+                    </a:lnL>
+                    <a:lnR w="12700" cap="flat" cmpd="sng" algn="ctr">
+                      <a:solidFill>
+                        <a:schemeClr val="tx1"/>
+                      </a:solidFill>
+                      <a:prstDash val="solid"/>
+                      <a:round/>
+                      <a:headEnd type="none" w="med" len="med"/>
+                      <a:tailEnd type="none" w="med" len="med"/>
+                    </a:lnR>
+                    <a:lnT w="12700" cap="flat" cmpd="sng" algn="ctr">
+                      <a:solidFill>
+                        <a:schemeClr val="tx1"/>
+                      </a:solidFill>
+                      <a:prstDash val="solid"/>
+                      <a:round/>
+                      <a:headEnd type="none" w="med" len="med"/>
+                      <a:tailEnd type="none" w="med" len="med"/>
+                    </a:lnT>
+                    <a:lnB w="12700" cap="flat" cmpd="sng" algn="ctr">
+                      <a:solidFill>
+                        <a:schemeClr val="tx1"/>
+                      </a:solidFill>
+                      <a:prstDash val="solid"/>
+                      <a:round/>
+                      <a:headEnd type="none" w="med" len="med"/>
+                      <a:tailEnd type="none" w="med" len="med"/>
+                    </a:lnB>
+                    <a:solidFill>
+                      <a:schemeClr val="bg1"/>
+                    </a:solidFill>
+                  </a:tcPr>
+                </a:tc>
+                <a:tc>
+                  <a:txBody>
+                    <a:bodyPr/>
+                    <a:lstStyle/>
+                    <a:p>
+                      <a:pPr latinLnBrk="1"/>
+                      <a:endParaRPr lang="ko-KR" altLang="en-US" sz="1000" b="0">
+                        <a:solidFill>
+                          <a:schemeClr val="tx1"/>
+                        </a:solidFill>
+                      </a:endParaRPr>
+                    </a:p>
+                  </a:txBody>
+                  <a:tcPr>
+                    <a:lnL w="12700" cap="flat" cmpd="sng" algn="ctr">
+                      <a:solidFill>
+                        <a:schemeClr val="tx1"/>
+                      </a:solidFill>
+                      <a:prstDash val="solid"/>
+                      <a:round/>
+                      <a:headEnd type="none" w="med" len="med"/>
+                      <a:tailEnd type="none" w="med" len="med"/>
+                    </a:lnL>
+                    <a:lnR w="12700" cap="flat" cmpd="sng" algn="ctr">
+                      <a:solidFill>
+                        <a:schemeClr val="tx1"/>
+                      </a:solidFill>
+                      <a:prstDash val="solid"/>
+                      <a:round/>
+                      <a:headEnd type="none" w="med" len="med"/>
+                      <a:tailEnd type="none" w="med" len="med"/>
+                    </a:lnR>
+                    <a:lnT w="12700" cap="flat" cmpd="sng" algn="ctr">
+                      <a:solidFill>
+                        <a:schemeClr val="tx1"/>
+                      </a:solidFill>
+                      <a:prstDash val="solid"/>
+                      <a:round/>
+                      <a:headEnd type="none" w="med" len="med"/>
+                      <a:tailEnd type="none" w="med" len="med"/>
+                    </a:lnT>
+                    <a:lnB w="12700" cap="flat" cmpd="sng" algn="ctr">
+                      <a:solidFill>
+                        <a:schemeClr val="tx1"/>
+                      </a:solidFill>
+                      <a:prstDash val="solid"/>
+                      <a:round/>
+                      <a:headEnd type="none" w="med" len="med"/>
+                      <a:tailEnd type="none" w="med" len="med"/>
+                    </a:lnB>
+                    <a:solidFill>
+                      <a:schemeClr val="bg1"/>
+                    </a:solidFill>
+                  </a:tcPr>
+                </a:tc>
+                <a:tc>
+                  <a:txBody>
+                    <a:bodyPr/>
+                    <a:lstStyle/>
+                    <a:p>
+                      <a:pPr latinLnBrk="1"/>
+                      <a:endParaRPr lang="ko-KR" altLang="en-US" sz="1000" b="0">
+                        <a:solidFill>
+                          <a:schemeClr val="tx1"/>
+                        </a:solidFill>
+                      </a:endParaRPr>
+                    </a:p>
+                  </a:txBody>
+                  <a:tcPr>
+                    <a:lnL w="12700" cap="flat" cmpd="sng" algn="ctr">
+                      <a:solidFill>
+                        <a:schemeClr val="tx1"/>
+                      </a:solidFill>
+                      <a:prstDash val="solid"/>
+                      <a:round/>
+                      <a:headEnd type="none" w="med" len="med"/>
+                      <a:tailEnd type="none" w="med" len="med"/>
+                    </a:lnL>
+                    <a:lnR w="12700" cap="flat" cmpd="sng" algn="ctr">
+                      <a:solidFill>
+                        <a:schemeClr val="tx1"/>
+                      </a:solidFill>
+                      <a:prstDash val="solid"/>
+                      <a:round/>
+                      <a:headEnd type="none" w="med" len="med"/>
+                      <a:tailEnd type="none" w="med" len="med"/>
+                    </a:lnR>
+                    <a:lnT w="12700" cap="flat" cmpd="sng" algn="ctr">
+                      <a:solidFill>
+                        <a:schemeClr val="tx1"/>
+                      </a:solidFill>
+                      <a:prstDash val="solid"/>
+                      <a:round/>
+                      <a:headEnd type="none" w="med" len="med"/>
+                      <a:tailEnd type="none" w="med" len="med"/>
+                    </a:lnT>
+                    <a:lnB w="12700" cap="flat" cmpd="sng" algn="ctr">
+                      <a:solidFill>
+                        <a:schemeClr val="tx1"/>
+                      </a:solidFill>
+                      <a:prstDash val="solid"/>
+                      <a:round/>
+                      <a:headEnd type="none" w="med" len="med"/>
+                      <a:tailEnd type="none" w="med" len="med"/>
+                    </a:lnB>
+                    <a:solidFill>
+                      <a:schemeClr val="bg1"/>
+                    </a:solidFill>
+                  </a:tcPr>
+                </a:tc>
+                <a:extLst>
+                  <a:ext uri="{0D108BD9-81ED-4DB2-BD59-A6C34878D82A}">
+                    <a16:rowId xmlns:a16="http://schemas.microsoft.com/office/drawing/2014/main" val="2717201160"/>
+                  </a:ext>
+                </a:extLst>
+              </a:tr>
+              <a:tr h="192405">
+                <a:tc>
+                  <a:txBody>
+                    <a:bodyPr/>
+                    <a:lstStyle/>
+                    <a:p>
+                      <a:pPr latinLnBrk="1"/>
+                      <a:endParaRPr lang="ko-KR" altLang="en-US" sz="1000" b="0" dirty="0">
+                        <a:solidFill>
+                          <a:schemeClr val="tx1"/>
+                        </a:solidFill>
+                      </a:endParaRPr>
+                    </a:p>
+                  </a:txBody>
+                  <a:tcPr>
+                    <a:lnL w="12700" cap="flat" cmpd="sng" algn="ctr">
+                      <a:solidFill>
+                        <a:schemeClr val="tx1"/>
+                      </a:solidFill>
+                      <a:prstDash val="solid"/>
+                      <a:round/>
+                      <a:headEnd type="none" w="med" len="med"/>
+                      <a:tailEnd type="none" w="med" len="med"/>
+                    </a:lnL>
+                    <a:lnR w="12700" cap="flat" cmpd="sng" algn="ctr">
+                      <a:solidFill>
+                        <a:schemeClr val="tx1"/>
+                      </a:solidFill>
+                      <a:prstDash val="solid"/>
+                      <a:round/>
+                      <a:headEnd type="none" w="med" len="med"/>
+                      <a:tailEnd type="none" w="med" len="med"/>
+                    </a:lnR>
+                    <a:lnT w="12700" cap="flat" cmpd="sng" algn="ctr">
+                      <a:solidFill>
+                        <a:schemeClr val="tx1"/>
+                      </a:solidFill>
+                      <a:prstDash val="solid"/>
+                      <a:round/>
+                      <a:headEnd type="none" w="med" len="med"/>
+                      <a:tailEnd type="none" w="med" len="med"/>
+                    </a:lnT>
+                    <a:lnB w="12700" cap="flat" cmpd="sng" algn="ctr">
+                      <a:solidFill>
+                        <a:schemeClr val="tx1"/>
+                      </a:solidFill>
+                      <a:prstDash val="solid"/>
+                      <a:round/>
+                      <a:headEnd type="none" w="med" len="med"/>
+                      <a:tailEnd type="none" w="med" len="med"/>
+                    </a:lnB>
+                    <a:solidFill>
+                      <a:schemeClr val="bg1"/>
+                    </a:solidFill>
+                  </a:tcPr>
+                </a:tc>
+                <a:tc>
+                  <a:txBody>
+                    <a:bodyPr/>
+                    <a:lstStyle/>
+                    <a:p>
+                      <a:pPr latinLnBrk="1"/>
+                      <a:endParaRPr lang="ko-KR" altLang="en-US" sz="1000" b="0" dirty="0">
+                        <a:solidFill>
+                          <a:schemeClr val="tx1"/>
+                        </a:solidFill>
+                      </a:endParaRPr>
+                    </a:p>
+                  </a:txBody>
+                  <a:tcPr>
+                    <a:lnL w="12700" cap="flat" cmpd="sng" algn="ctr">
+                      <a:solidFill>
+                        <a:schemeClr val="tx1"/>
+                      </a:solidFill>
+                      <a:prstDash val="solid"/>
+                      <a:round/>
+                      <a:headEnd type="none" w="med" len="med"/>
+                      <a:tailEnd type="none" w="med" len="med"/>
+                    </a:lnL>
+                    <a:lnR w="12700" cap="flat" cmpd="sng" algn="ctr">
+                      <a:solidFill>
+                        <a:schemeClr val="tx1"/>
+                      </a:solidFill>
+                      <a:prstDash val="solid"/>
+                      <a:round/>
+                      <a:headEnd type="none" w="med" len="med"/>
+                      <a:tailEnd type="none" w="med" len="med"/>
+                    </a:lnR>
+                    <a:lnT w="12700" cap="flat" cmpd="sng" algn="ctr">
+                      <a:solidFill>
+                        <a:schemeClr val="tx1"/>
+                      </a:solidFill>
+                      <a:prstDash val="solid"/>
+                      <a:round/>
+                      <a:headEnd type="none" w="med" len="med"/>
+                      <a:tailEnd type="none" w="med" len="med"/>
+                    </a:lnT>
+                    <a:lnB w="12700" cap="flat" cmpd="sng" algn="ctr">
+                      <a:solidFill>
+                        <a:schemeClr val="tx1"/>
+                      </a:solidFill>
+                      <a:prstDash val="solid"/>
+                      <a:round/>
+                      <a:headEnd type="none" w="med" len="med"/>
+                      <a:tailEnd type="none" w="med" len="med"/>
+                    </a:lnB>
+                    <a:solidFill>
+                      <a:schemeClr val="bg1"/>
+                    </a:solidFill>
+                  </a:tcPr>
+                </a:tc>
+                <a:tc>
+                  <a:txBody>
+                    <a:bodyPr/>
+                    <a:lstStyle/>
+                    <a:p>
+                      <a:pPr latinLnBrk="1"/>
+                      <a:endParaRPr lang="ko-KR" altLang="en-US" sz="1000" b="0">
+                        <a:solidFill>
+                          <a:schemeClr val="tx1"/>
+                        </a:solidFill>
+                      </a:endParaRPr>
+                    </a:p>
+                  </a:txBody>
+                  <a:tcPr>
+                    <a:lnL w="12700" cap="flat" cmpd="sng" algn="ctr">
+                      <a:solidFill>
+                        <a:schemeClr val="tx1"/>
+                      </a:solidFill>
+                      <a:prstDash val="solid"/>
+                      <a:round/>
+                      <a:headEnd type="none" w="med" len="med"/>
+                      <a:tailEnd type="none" w="med" len="med"/>
+                    </a:lnL>
+                    <a:lnR w="12700" cap="flat" cmpd="sng" algn="ctr">
+                      <a:solidFill>
+                        <a:schemeClr val="tx1"/>
+                      </a:solidFill>
+                      <a:prstDash val="solid"/>
+                      <a:round/>
+                      <a:headEnd type="none" w="med" len="med"/>
+                      <a:tailEnd type="none" w="med" len="med"/>
+                    </a:lnR>
+                    <a:lnT w="12700" cap="flat" cmpd="sng" algn="ctr">
+                      <a:solidFill>
+                        <a:schemeClr val="tx1"/>
+                      </a:solidFill>
+                      <a:prstDash val="solid"/>
+                      <a:round/>
+                      <a:headEnd type="none" w="med" len="med"/>
+                      <a:tailEnd type="none" w="med" len="med"/>
+                    </a:lnT>
+                    <a:lnB w="12700" cap="flat" cmpd="sng" algn="ctr">
+                      <a:solidFill>
+                        <a:schemeClr val="tx1"/>
+                      </a:solidFill>
+                      <a:prstDash val="solid"/>
+                      <a:round/>
+                      <a:headEnd type="none" w="med" len="med"/>
+                      <a:tailEnd type="none" w="med" len="med"/>
+                    </a:lnB>
+                    <a:solidFill>
+                      <a:schemeClr val="bg1"/>
+                    </a:solidFill>
+                  </a:tcPr>
+                </a:tc>
+                <a:tc>
+                  <a:txBody>
+                    <a:bodyPr/>
+                    <a:lstStyle/>
+                    <a:p>
+                      <a:pPr latinLnBrk="1"/>
+                      <a:endParaRPr lang="ko-KR" altLang="en-US" sz="1000" b="0" dirty="0">
+                        <a:solidFill>
+                          <a:schemeClr val="tx1"/>
+                        </a:solidFill>
+                      </a:endParaRPr>
+                    </a:p>
+                  </a:txBody>
+                  <a:tcPr>
+                    <a:lnL w="12700" cap="flat" cmpd="sng" algn="ctr">
+                      <a:solidFill>
+                        <a:schemeClr val="tx1"/>
+                      </a:solidFill>
+                      <a:prstDash val="solid"/>
+                      <a:round/>
+                      <a:headEnd type="none" w="med" len="med"/>
+                      <a:tailEnd type="none" w="med" len="med"/>
+                    </a:lnL>
+                    <a:lnR w="12700" cap="flat" cmpd="sng" algn="ctr">
+                      <a:solidFill>
+                        <a:schemeClr val="tx1"/>
+                      </a:solidFill>
+                      <a:prstDash val="solid"/>
+                      <a:round/>
+                      <a:headEnd type="none" w="med" len="med"/>
+                      <a:tailEnd type="none" w="med" len="med"/>
+                    </a:lnR>
+                    <a:lnT w="12700" cap="flat" cmpd="sng" algn="ctr">
+                      <a:solidFill>
+                        <a:schemeClr val="tx1"/>
+                      </a:solidFill>
+                      <a:prstDash val="solid"/>
+                      <a:round/>
+                      <a:headEnd type="none" w="med" len="med"/>
+                      <a:tailEnd type="none" w="med" len="med"/>
+                    </a:lnT>
+                    <a:lnB w="12700" cap="flat" cmpd="sng" algn="ctr">
+                      <a:solidFill>
+                        <a:schemeClr val="tx1"/>
+                      </a:solidFill>
+                      <a:prstDash val="solid"/>
+                      <a:round/>
+                      <a:headEnd type="none" w="med" len="med"/>
+                      <a:tailEnd type="none" w="med" len="med"/>
+                    </a:lnB>
+                    <a:solidFill>
+                      <a:schemeClr val="bg1"/>
+                    </a:solidFill>
+                  </a:tcPr>
+                </a:tc>
+                <a:tc>
+                  <a:txBody>
+                    <a:bodyPr/>
+                    <a:lstStyle/>
+                    <a:p>
+                      <a:pPr latinLnBrk="1"/>
+                      <a:endParaRPr lang="ko-KR" altLang="en-US" sz="1000" b="0" dirty="0">
+                        <a:solidFill>
+                          <a:schemeClr val="tx1"/>
+                        </a:solidFill>
+                      </a:endParaRPr>
+                    </a:p>
+                  </a:txBody>
+                  <a:tcPr>
+                    <a:lnL w="12700" cap="flat" cmpd="sng" algn="ctr">
+                      <a:solidFill>
+                        <a:schemeClr val="tx1"/>
+                      </a:solidFill>
+                      <a:prstDash val="solid"/>
+                      <a:round/>
+                      <a:headEnd type="none" w="med" len="med"/>
+                      <a:tailEnd type="none" w="med" len="med"/>
+                    </a:lnL>
+                    <a:lnR w="12700" cap="flat" cmpd="sng" algn="ctr">
+                      <a:solidFill>
+                        <a:schemeClr val="tx1"/>
+                      </a:solidFill>
+                      <a:prstDash val="solid"/>
+                      <a:round/>
+                      <a:headEnd type="none" w="med" len="med"/>
+                      <a:tailEnd type="none" w="med" len="med"/>
+                    </a:lnR>
+                    <a:lnT w="12700" cap="flat" cmpd="sng" algn="ctr">
+                      <a:solidFill>
+                        <a:schemeClr val="tx1"/>
+                      </a:solidFill>
+                      <a:prstDash val="solid"/>
+                      <a:round/>
+                      <a:headEnd type="none" w="med" len="med"/>
+                      <a:tailEnd type="none" w="med" len="med"/>
+                    </a:lnT>
+                    <a:lnB w="12700" cap="flat" cmpd="sng" algn="ctr">
+                      <a:solidFill>
+                        <a:schemeClr val="tx1"/>
+                      </a:solidFill>
+                      <a:prstDash val="solid"/>
+                      <a:round/>
+                      <a:headEnd type="none" w="med" len="med"/>
+                      <a:tailEnd type="none" w="med" len="med"/>
+                    </a:lnB>
+                    <a:solidFill>
+                      <a:schemeClr val="bg1"/>
+                    </a:solidFill>
+                  </a:tcPr>
+                </a:tc>
+                <a:tc>
+                  <a:txBody>
+                    <a:bodyPr/>
+                    <a:lstStyle/>
+                    <a:p>
+                      <a:pPr latinLnBrk="1"/>
+                      <a:endParaRPr lang="ko-KR" altLang="en-US" sz="1000" b="0" dirty="0">
+                        <a:solidFill>
+                          <a:schemeClr val="tx1"/>
+                        </a:solidFill>
+                      </a:endParaRPr>
+                    </a:p>
+                  </a:txBody>
+                  <a:tcPr>
+                    <a:lnL w="12700" cap="flat" cmpd="sng" algn="ctr">
+                      <a:solidFill>
+                        <a:schemeClr val="tx1"/>
+                      </a:solidFill>
+                      <a:prstDash val="solid"/>
+                      <a:round/>
+                      <a:headEnd type="none" w="med" len="med"/>
+                      <a:tailEnd type="none" w="med" len="med"/>
+                    </a:lnL>
+                    <a:lnR w="12700" cap="flat" cmpd="sng" algn="ctr">
+                      <a:solidFill>
+                        <a:schemeClr val="tx1"/>
+                      </a:solidFill>
+                      <a:prstDash val="solid"/>
+                      <a:round/>
+                      <a:headEnd type="none" w="med" len="med"/>
+                      <a:tailEnd type="none" w="med" len="med"/>
+                    </a:lnR>
+                    <a:lnT w="12700" cap="flat" cmpd="sng" algn="ctr">
+                      <a:solidFill>
+                        <a:schemeClr val="tx1"/>
+                      </a:solidFill>
+                      <a:prstDash val="solid"/>
+                      <a:round/>
+                      <a:headEnd type="none" w="med" len="med"/>
+                      <a:tailEnd type="none" w="med" len="med"/>
+                    </a:lnT>
+                    <a:lnB w="12700" cap="flat" cmpd="sng" algn="ctr">
+                      <a:solidFill>
+                        <a:schemeClr val="tx1"/>
+                      </a:solidFill>
+                      <a:prstDash val="solid"/>
+                      <a:round/>
+                      <a:headEnd type="none" w="med" len="med"/>
+                      <a:tailEnd type="none" w="med" len="med"/>
+                    </a:lnB>
+                    <a:solidFill>
+                      <a:schemeClr val="bg1"/>
+                    </a:solidFill>
+                  </a:tcPr>
+                </a:tc>
+                <a:tc>
+                  <a:txBody>
+                    <a:bodyPr/>
+                    <a:lstStyle/>
+                    <a:p>
+                      <a:pPr latinLnBrk="1"/>
+                      <a:endParaRPr lang="ko-KR" altLang="en-US" sz="1000" b="0" dirty="0">
+                        <a:solidFill>
+                          <a:schemeClr val="tx1"/>
+                        </a:solidFill>
+                      </a:endParaRPr>
+                    </a:p>
+                  </a:txBody>
+                  <a:tcPr>
+                    <a:lnL w="12700" cap="flat" cmpd="sng" algn="ctr">
+                      <a:solidFill>
+                        <a:schemeClr val="tx1"/>
+                      </a:solidFill>
+                      <a:prstDash val="solid"/>
+                      <a:round/>
+                      <a:headEnd type="none" w="med" len="med"/>
+                      <a:tailEnd type="none" w="med" len="med"/>
+                    </a:lnL>
+                    <a:lnR w="12700" cap="flat" cmpd="sng" algn="ctr">
+                      <a:solidFill>
+                        <a:schemeClr val="tx1"/>
+                      </a:solidFill>
+                      <a:prstDash val="solid"/>
+                      <a:round/>
+                      <a:headEnd type="none" w="med" len="med"/>
+                      <a:tailEnd type="none" w="med" len="med"/>
+                    </a:lnR>
+                    <a:lnT w="12700" cap="flat" cmpd="sng" algn="ctr">
+                      <a:solidFill>
+                        <a:schemeClr val="tx1"/>
+                      </a:solidFill>
+                      <a:prstDash val="solid"/>
+                      <a:round/>
+                      <a:headEnd type="none" w="med" len="med"/>
+                      <a:tailEnd type="none" w="med" len="med"/>
+                    </a:lnT>
+                    <a:lnB w="12700" cap="flat" cmpd="sng" algn="ctr">
+                      <a:solidFill>
+                        <a:schemeClr val="tx1"/>
+                      </a:solidFill>
+                      <a:prstDash val="solid"/>
+                      <a:round/>
+                      <a:headEnd type="none" w="med" len="med"/>
+                      <a:tailEnd type="none" w="med" len="med"/>
+                    </a:lnB>
+                    <a:solidFill>
+                      <a:schemeClr val="bg1"/>
+                    </a:solidFill>
+                  </a:tcPr>
+                </a:tc>
+                <a:extLst>
+                  <a:ext uri="{0D108BD9-81ED-4DB2-BD59-A6C34878D82A}">
+                    <a16:rowId xmlns:a16="http://schemas.microsoft.com/office/drawing/2014/main" val="2198859565"/>
+                  </a:ext>
+                </a:extLst>
+              </a:tr>
+            </a:tbl>
+          </a:graphicData>
+        </a:graphic>
+      </p:graphicFrame>
+      <p:sp>
+        <p:nvSpPr>
+          <p:cNvPr id="2" name="TextBox 1">
+            <a:extLst>
+              <a:ext uri="{FF2B5EF4-FFF2-40B4-BE49-F238E27FC236}">
+                <a16:creationId xmlns:a16="http://schemas.microsoft.com/office/drawing/2014/main" id="{B9C03C8D-9312-BA29-6EAD-5D34DDA84162}"/>
+              </a:ext>
+            </a:extLst>
+          </p:cNvPr>
+          <p:cNvSpPr txBox="1"/>
+          <p:nvPr/>
+        </p:nvSpPr>
+        <p:spPr>
+          <a:xfrm>
+            <a:off x="1203331" y="3377559"/>
+            <a:ext cx="405880" cy="246221"/>
+          </a:xfrm>
+          <a:prstGeom prst="rect">
+            <a:avLst/>
+          </a:prstGeom>
+          <a:solidFill>
+            <a:schemeClr val="bg1"/>
+          </a:solidFill>
+          <a:ln>
+            <a:solidFill>
+              <a:schemeClr val="accent1"/>
+            </a:solidFill>
+          </a:ln>
+        </p:spPr>
+        <p:txBody>
+          <a:bodyPr wrap="none" rtlCol="0">
+            <a:spAutoFit/>
+          </a:bodyPr>
+          <a:lstStyle/>
+          <a:p>
+            <a:r>
+              <a:rPr lang="en-US" altLang="ko-KR" sz="1000" dirty="0"/>
+              <a:t>add</a:t>
+            </a:r>
+            <a:endParaRPr lang="ko-KR" altLang="en-US" sz="1000" dirty="0"/>
+          </a:p>
+        </p:txBody>
+      </p:sp>
+      <p:sp>
+        <p:nvSpPr>
+          <p:cNvPr id="3" name="TextBox 2">
+            <a:extLst>
+              <a:ext uri="{FF2B5EF4-FFF2-40B4-BE49-F238E27FC236}">
+                <a16:creationId xmlns:a16="http://schemas.microsoft.com/office/drawing/2014/main" id="{933166F9-659E-FE32-CBA7-8C00F6500B59}"/>
+              </a:ext>
+            </a:extLst>
+          </p:cNvPr>
+          <p:cNvSpPr txBox="1"/>
+          <p:nvPr/>
+        </p:nvSpPr>
+        <p:spPr>
+          <a:xfrm>
+            <a:off x="1790049" y="3377559"/>
+            <a:ext cx="362600" cy="246221"/>
+          </a:xfrm>
+          <a:prstGeom prst="rect">
+            <a:avLst/>
+          </a:prstGeom>
+          <a:solidFill>
+            <a:schemeClr val="bg1"/>
+          </a:solidFill>
+          <a:ln>
+            <a:solidFill>
+              <a:schemeClr val="accent1"/>
+            </a:solidFill>
+          </a:ln>
+        </p:spPr>
+        <p:txBody>
+          <a:bodyPr wrap="none" rtlCol="0">
+            <a:spAutoFit/>
+          </a:bodyPr>
+          <a:lstStyle/>
+          <a:p>
+            <a:r>
+              <a:rPr lang="en-US" altLang="ko-KR" sz="1000" dirty="0"/>
+              <a:t>del</a:t>
+            </a:r>
+            <a:endParaRPr lang="ko-KR" altLang="en-US" sz="1000" dirty="0"/>
+          </a:p>
+        </p:txBody>
+      </p:sp>
+      <p:sp>
+        <p:nvSpPr>
+          <p:cNvPr id="10" name="TextBox 9">
+            <a:extLst>
+              <a:ext uri="{FF2B5EF4-FFF2-40B4-BE49-F238E27FC236}">
+                <a16:creationId xmlns:a16="http://schemas.microsoft.com/office/drawing/2014/main" id="{7A76347F-C469-7DBD-7657-364DDA215757}"/>
+              </a:ext>
+            </a:extLst>
+          </p:cNvPr>
+          <p:cNvSpPr txBox="1"/>
+          <p:nvPr/>
+        </p:nvSpPr>
+        <p:spPr>
+          <a:xfrm>
+            <a:off x="8832813" y="4434958"/>
+            <a:ext cx="989373" cy="261610"/>
+          </a:xfrm>
+          <a:prstGeom prst="rect">
+            <a:avLst/>
+          </a:prstGeom>
+          <a:noFill/>
+        </p:spPr>
+        <p:txBody>
+          <a:bodyPr wrap="none" rtlCol="0">
+            <a:spAutoFit/>
+          </a:bodyPr>
+          <a:lstStyle/>
+          <a:p>
+            <a:r>
+              <a:rPr lang="en-US" altLang="ko-KR" sz="1100" b="1" dirty="0"/>
+              <a:t>Rest Rooms</a:t>
+            </a:r>
+            <a:endParaRPr lang="ko-KR" altLang="en-US" sz="1100" b="1" dirty="0"/>
+          </a:p>
+        </p:txBody>
+      </p:sp>
+      <p:sp>
+        <p:nvSpPr>
+          <p:cNvPr id="12" name="직사각형 11">
+            <a:extLst>
+              <a:ext uri="{FF2B5EF4-FFF2-40B4-BE49-F238E27FC236}">
+                <a16:creationId xmlns:a16="http://schemas.microsoft.com/office/drawing/2014/main" id="{139BC2B9-E93D-108E-C2D6-A06FED6BE578}"/>
+              </a:ext>
+            </a:extLst>
+          </p:cNvPr>
+          <p:cNvSpPr/>
+          <p:nvPr/>
+        </p:nvSpPr>
+        <p:spPr>
+          <a:xfrm>
+            <a:off x="8947998" y="4721606"/>
+            <a:ext cx="2748702" cy="1169551"/>
+          </a:xfrm>
+          <a:prstGeom prst="rect">
+            <a:avLst/>
+          </a:prstGeom>
+          <a:solidFill>
+            <a:schemeClr val="bg1"/>
+          </a:solidFill>
+          <a:ln>
+            <a:solidFill>
+              <a:schemeClr val="accent1"/>
+            </a:solidFill>
+          </a:ln>
+        </p:spPr>
+        <p:txBody>
+          <a:bodyPr wrap="square" rtlCol="0">
+            <a:spAutoFit/>
+          </a:bodyPr>
+          <a:lstStyle/>
+          <a:p>
+            <a:r>
+              <a:rPr lang="en-US" altLang="ko-KR" sz="1000" dirty="0"/>
+              <a:t>104	CANTEEN	</a:t>
+            </a:r>
+          </a:p>
+          <a:p>
+            <a:r>
+              <a:rPr lang="en-US" altLang="ko-KR" sz="1000" dirty="0"/>
+              <a:t>108	LOCKER ROOM	</a:t>
+            </a:r>
+          </a:p>
+          <a:p>
+            <a:r>
+              <a:rPr lang="en-US" altLang="ko-KR" sz="1000" dirty="0"/>
+              <a:t>113	MAAMS REST ROOM</a:t>
+            </a:r>
+          </a:p>
+          <a:p>
+            <a:r>
+              <a:rPr lang="en-US" altLang="ko-KR" sz="1000" dirty="0"/>
+              <a:t>115	REST ROOM	</a:t>
+            </a:r>
+          </a:p>
+          <a:p>
+            <a:pPr marL="228600" indent="-228600">
+              <a:buAutoNum type="arabicPlain" startAt="126"/>
+            </a:pPr>
+            <a:r>
+              <a:rPr lang="en-US" altLang="ko-KR" sz="1000" dirty="0"/>
+              <a:t>	LOCKER ENTRANCE</a:t>
+            </a:r>
+          </a:p>
+          <a:p>
+            <a:pPr marL="228600" indent="-228600">
+              <a:buAutoNum type="arabicPlain" startAt="105"/>
+            </a:pPr>
+            <a:r>
+              <a:rPr lang="en-US" altLang="ko-KR" sz="1000" dirty="0"/>
+              <a:t>	AIR LOCK</a:t>
+            </a:r>
+          </a:p>
+          <a:p>
+            <a:r>
+              <a:rPr lang="en-US" altLang="ko-KR" sz="1000" dirty="0"/>
+              <a:t>106	LOBBY</a:t>
+            </a:r>
+          </a:p>
+        </p:txBody>
+      </p:sp>
+      <p:pic>
+        <p:nvPicPr>
+          <p:cNvPr id="14" name="그림 13">
+            <a:extLst>
+              <a:ext uri="{FF2B5EF4-FFF2-40B4-BE49-F238E27FC236}">
+                <a16:creationId xmlns:a16="http://schemas.microsoft.com/office/drawing/2014/main" id="{571057A4-2C94-8790-8C2E-8A3553329ED4}"/>
+              </a:ext>
+            </a:extLst>
+          </p:cNvPr>
+          <p:cNvPicPr>
+            <a:picLocks noChangeAspect="1"/>
+          </p:cNvPicPr>
+          <p:nvPr/>
+        </p:nvPicPr>
+        <p:blipFill rotWithShape="1">
+          <a:blip r:embed="rId5"/>
+          <a:srcRect l="7210" r="1"/>
+          <a:stretch/>
+        </p:blipFill>
+        <p:spPr>
+          <a:xfrm>
+            <a:off x="11718159" y="4696567"/>
+            <a:ext cx="150794" cy="1194589"/>
+          </a:xfrm>
+          <a:prstGeom prst="rect">
+            <a:avLst/>
+          </a:prstGeom>
+        </p:spPr>
+      </p:pic>
+      <p:sp>
+        <p:nvSpPr>
+          <p:cNvPr id="29" name="TextBox 28">
+            <a:extLst>
+              <a:ext uri="{FF2B5EF4-FFF2-40B4-BE49-F238E27FC236}">
+                <a16:creationId xmlns:a16="http://schemas.microsoft.com/office/drawing/2014/main" id="{5CA0DC80-9171-BAA7-3CDB-84BE52DF9FB3}"/>
+              </a:ext>
+            </a:extLst>
+          </p:cNvPr>
+          <p:cNvSpPr txBox="1"/>
+          <p:nvPr/>
+        </p:nvSpPr>
+        <p:spPr>
+          <a:xfrm>
+            <a:off x="9890418" y="4212376"/>
+            <a:ext cx="306494" cy="246221"/>
+          </a:xfrm>
+          <a:prstGeom prst="rect">
+            <a:avLst/>
+          </a:prstGeom>
+          <a:solidFill>
+            <a:schemeClr val="bg1"/>
+          </a:solidFill>
+          <a:ln>
+            <a:solidFill>
+              <a:schemeClr val="accent1"/>
+            </a:solidFill>
+          </a:ln>
+        </p:spPr>
+        <p:txBody>
+          <a:bodyPr wrap="none" rtlCol="0">
+            <a:spAutoFit/>
+          </a:bodyPr>
+          <a:lstStyle/>
+          <a:p>
+            <a:r>
+              <a:rPr lang="ko-KR" altLang="en-US" sz="1000" dirty="0"/>
+              <a:t>↑</a:t>
+            </a:r>
+          </a:p>
+        </p:txBody>
+      </p:sp>
+      <p:sp>
+        <p:nvSpPr>
+          <p:cNvPr id="34" name="TextBox 33">
+            <a:extLst>
+              <a:ext uri="{FF2B5EF4-FFF2-40B4-BE49-F238E27FC236}">
+                <a16:creationId xmlns:a16="http://schemas.microsoft.com/office/drawing/2014/main" id="{5ABD07B0-B217-15EB-8DE5-41DBBFECF599}"/>
+              </a:ext>
+            </a:extLst>
+          </p:cNvPr>
+          <p:cNvSpPr txBox="1"/>
+          <p:nvPr/>
+        </p:nvSpPr>
+        <p:spPr>
+          <a:xfrm>
+            <a:off x="10430165" y="4212376"/>
+            <a:ext cx="306494" cy="246221"/>
+          </a:xfrm>
+          <a:prstGeom prst="rect">
+            <a:avLst/>
+          </a:prstGeom>
+          <a:solidFill>
+            <a:schemeClr val="bg1"/>
+          </a:solidFill>
+          <a:ln>
+            <a:solidFill>
+              <a:schemeClr val="accent1"/>
+            </a:solidFill>
+          </a:ln>
+        </p:spPr>
+        <p:txBody>
+          <a:bodyPr wrap="none" rtlCol="0">
+            <a:spAutoFit/>
+          </a:bodyPr>
+          <a:lstStyle/>
+          <a:p>
+            <a:r>
+              <a:rPr lang="ko-KR" altLang="en-US" sz="1000" dirty="0"/>
+              <a:t>↓</a:t>
+            </a:r>
+          </a:p>
+        </p:txBody>
+      </p:sp>
+      <p:sp>
+        <p:nvSpPr>
+          <p:cNvPr id="42" name="직사각형 41">
+            <a:extLst>
+              <a:ext uri="{FF2B5EF4-FFF2-40B4-BE49-F238E27FC236}">
+                <a16:creationId xmlns:a16="http://schemas.microsoft.com/office/drawing/2014/main" id="{7C6C0815-EE81-2629-8280-4F6F9B990727}"/>
+              </a:ext>
+            </a:extLst>
+          </p:cNvPr>
+          <p:cNvSpPr/>
+          <p:nvPr/>
+        </p:nvSpPr>
+        <p:spPr>
+          <a:xfrm>
+            <a:off x="240012" y="3079825"/>
+            <a:ext cx="1912637" cy="253916"/>
+          </a:xfrm>
+          <a:prstGeom prst="rect">
+            <a:avLst/>
+          </a:prstGeom>
+          <a:solidFill>
+            <a:schemeClr val="bg1"/>
+          </a:solidFill>
+          <a:ln>
+            <a:solidFill>
+              <a:schemeClr val="accent1"/>
+            </a:solidFill>
+          </a:ln>
+        </p:spPr>
+        <p:txBody>
+          <a:bodyPr wrap="square" rtlCol="0">
+            <a:spAutoFit/>
+          </a:bodyPr>
+          <a:lstStyle/>
+          <a:p>
+            <a:endParaRPr lang="ko-KR" altLang="en-US" sz="1050" dirty="0">
+              <a:solidFill>
+                <a:schemeClr val="tx1"/>
+              </a:solidFill>
+            </a:endParaRPr>
+          </a:p>
+        </p:txBody>
+      </p:sp>
+    </p:spTree>
+    <p:extLst>
+      <p:ext uri="{BB962C8B-B14F-4D97-AF65-F5344CB8AC3E}">
+        <p14:creationId xmlns:p14="http://schemas.microsoft.com/office/powerpoint/2010/main" val="612154165"/>
       </p:ext>
     </p:extLst>
   </p:cSld>

--- a/H_FamilyList_FP/화면정의서.pptx
+++ b/H_FamilyList_FP/화면정의서.pptx
@@ -265,7 +265,7 @@
           <a:p>
             <a:fld id="{9DC0FBBE-1B54-474B-A1EF-57FEDE0B6A08}" type="datetimeFigureOut">
               <a:rPr lang="ko-KR" altLang="en-US" smtClean="0"/>
-              <a:t>2024-09-13</a:t>
+              <a:t>2024-09-16</a:t>
             </a:fld>
             <a:endParaRPr lang="ko-KR" altLang="en-US"/>
           </a:p>
@@ -463,7 +463,7 @@
           <a:p>
             <a:fld id="{9DC0FBBE-1B54-474B-A1EF-57FEDE0B6A08}" type="datetimeFigureOut">
               <a:rPr lang="ko-KR" altLang="en-US" smtClean="0"/>
-              <a:t>2024-09-13</a:t>
+              <a:t>2024-09-16</a:t>
             </a:fld>
             <a:endParaRPr lang="ko-KR" altLang="en-US"/>
           </a:p>
@@ -671,7 +671,7 @@
           <a:p>
             <a:fld id="{9DC0FBBE-1B54-474B-A1EF-57FEDE0B6A08}" type="datetimeFigureOut">
               <a:rPr lang="ko-KR" altLang="en-US" smtClean="0"/>
-              <a:t>2024-09-13</a:t>
+              <a:t>2024-09-16</a:t>
             </a:fld>
             <a:endParaRPr lang="ko-KR" altLang="en-US"/>
           </a:p>
@@ -869,7 +869,7 @@
           <a:p>
             <a:fld id="{9DC0FBBE-1B54-474B-A1EF-57FEDE0B6A08}" type="datetimeFigureOut">
               <a:rPr lang="ko-KR" altLang="en-US" smtClean="0"/>
-              <a:t>2024-09-13</a:t>
+              <a:t>2024-09-16</a:t>
             </a:fld>
             <a:endParaRPr lang="ko-KR" altLang="en-US"/>
           </a:p>
@@ -1144,7 +1144,7 @@
           <a:p>
             <a:fld id="{9DC0FBBE-1B54-474B-A1EF-57FEDE0B6A08}" type="datetimeFigureOut">
               <a:rPr lang="ko-KR" altLang="en-US" smtClean="0"/>
-              <a:t>2024-09-13</a:t>
+              <a:t>2024-09-16</a:t>
             </a:fld>
             <a:endParaRPr lang="ko-KR" altLang="en-US"/>
           </a:p>
@@ -1409,7 +1409,7 @@
           <a:p>
             <a:fld id="{9DC0FBBE-1B54-474B-A1EF-57FEDE0B6A08}" type="datetimeFigureOut">
               <a:rPr lang="ko-KR" altLang="en-US" smtClean="0"/>
-              <a:t>2024-09-13</a:t>
+              <a:t>2024-09-16</a:t>
             </a:fld>
             <a:endParaRPr lang="ko-KR" altLang="en-US"/>
           </a:p>
@@ -1821,7 +1821,7 @@
           <a:p>
             <a:fld id="{9DC0FBBE-1B54-474B-A1EF-57FEDE0B6A08}" type="datetimeFigureOut">
               <a:rPr lang="ko-KR" altLang="en-US" smtClean="0"/>
-              <a:t>2024-09-13</a:t>
+              <a:t>2024-09-16</a:t>
             </a:fld>
             <a:endParaRPr lang="ko-KR" altLang="en-US"/>
           </a:p>
@@ -1962,7 +1962,7 @@
           <a:p>
             <a:fld id="{9DC0FBBE-1B54-474B-A1EF-57FEDE0B6A08}" type="datetimeFigureOut">
               <a:rPr lang="ko-KR" altLang="en-US" smtClean="0"/>
-              <a:t>2024-09-13</a:t>
+              <a:t>2024-09-16</a:t>
             </a:fld>
             <a:endParaRPr lang="ko-KR" altLang="en-US"/>
           </a:p>
@@ -2075,7 +2075,7 @@
           <a:p>
             <a:fld id="{9DC0FBBE-1B54-474B-A1EF-57FEDE0B6A08}" type="datetimeFigureOut">
               <a:rPr lang="ko-KR" altLang="en-US" smtClean="0"/>
-              <a:t>2024-09-13</a:t>
+              <a:t>2024-09-16</a:t>
             </a:fld>
             <a:endParaRPr lang="ko-KR" altLang="en-US"/>
           </a:p>
@@ -2386,7 +2386,7 @@
           <a:p>
             <a:fld id="{9DC0FBBE-1B54-474B-A1EF-57FEDE0B6A08}" type="datetimeFigureOut">
               <a:rPr lang="ko-KR" altLang="en-US" smtClean="0"/>
-              <a:t>2024-09-13</a:t>
+              <a:t>2024-09-16</a:t>
             </a:fld>
             <a:endParaRPr lang="ko-KR" altLang="en-US"/>
           </a:p>
@@ -2674,7 +2674,7 @@
           <a:p>
             <a:fld id="{9DC0FBBE-1B54-474B-A1EF-57FEDE0B6A08}" type="datetimeFigureOut">
               <a:rPr lang="ko-KR" altLang="en-US" smtClean="0"/>
-              <a:t>2024-09-13</a:t>
+              <a:t>2024-09-16</a:t>
             </a:fld>
             <a:endParaRPr lang="ko-KR" altLang="en-US"/>
           </a:p>
@@ -2915,7 +2915,7 @@
           <a:p>
             <a:fld id="{9DC0FBBE-1B54-474B-A1EF-57FEDE0B6A08}" type="datetimeFigureOut">
               <a:rPr lang="ko-KR" altLang="en-US" smtClean="0"/>
-              <a:t>2024-09-13</a:t>
+              <a:t>2024-09-16</a:t>
             </a:fld>
             <a:endParaRPr lang="ko-KR" altLang="en-US"/>
           </a:p>
@@ -6458,7 +6458,7 @@
         </p:nvSpPr>
         <p:spPr>
           <a:xfrm>
-            <a:off x="98611" y="779930"/>
+            <a:off x="98611" y="1053314"/>
             <a:ext cx="902811" cy="261610"/>
           </a:xfrm>
           <a:prstGeom prst="rect">
@@ -6494,7 +6494,7 @@
         </p:nvSpPr>
         <p:spPr>
           <a:xfrm>
-            <a:off x="98610" y="779930"/>
+            <a:off x="98610" y="1053314"/>
             <a:ext cx="5359215" cy="4754095"/>
           </a:xfrm>
           <a:prstGeom prst="rect">
@@ -6584,7 +6584,7 @@
         </p:nvSpPr>
         <p:spPr>
           <a:xfrm>
-            <a:off x="5667374" y="779930"/>
+            <a:off x="5667374" y="1051952"/>
             <a:ext cx="886781" cy="261610"/>
           </a:xfrm>
           <a:prstGeom prst="rect">
@@ -6620,7 +6620,7 @@
         </p:nvSpPr>
         <p:spPr>
           <a:xfrm>
-            <a:off x="5667374" y="779930"/>
+            <a:off x="5667374" y="1051952"/>
             <a:ext cx="6143625" cy="4754095"/>
           </a:xfrm>
           <a:prstGeom prst="rect">
@@ -6746,13 +6746,13 @@
           <p:nvPr>
             <p:extLst>
               <p:ext uri="{D42A27DB-BD31-4B8C-83A1-F6EECF244321}">
-                <p14:modId xmlns:p14="http://schemas.microsoft.com/office/powerpoint/2010/main" val="3416189002"/>
+                <p14:modId xmlns:p14="http://schemas.microsoft.com/office/powerpoint/2010/main" val="1691812128"/>
               </p:ext>
             </p:extLst>
           </p:nvPr>
         </p:nvGraphicFramePr>
         <p:xfrm>
-          <a:off x="219075" y="1472942"/>
+          <a:off x="219075" y="1746326"/>
           <a:ext cx="4950555" cy="2301240"/>
         </p:xfrm>
         <a:graphic>
@@ -9338,7 +9338,7 @@
         </p:nvSpPr>
         <p:spPr>
           <a:xfrm>
-            <a:off x="256161" y="1152585"/>
+            <a:off x="256161" y="1425969"/>
             <a:ext cx="405880" cy="246221"/>
           </a:xfrm>
           <a:prstGeom prst="rect">
@@ -9381,7 +9381,7 @@
         </p:nvSpPr>
         <p:spPr>
           <a:xfrm>
-            <a:off x="842879" y="1152585"/>
+            <a:off x="842879" y="1425969"/>
             <a:ext cx="362600" cy="246221"/>
           </a:xfrm>
           <a:prstGeom prst="rect">
@@ -9425,13 +9425,13 @@
           <p:nvPr>
             <p:extLst>
               <p:ext uri="{D42A27DB-BD31-4B8C-83A1-F6EECF244321}">
-                <p14:modId xmlns:p14="http://schemas.microsoft.com/office/powerpoint/2010/main" val="2054723639"/>
+                <p14:modId xmlns:p14="http://schemas.microsoft.com/office/powerpoint/2010/main" val="3814491072"/>
               </p:ext>
             </p:extLst>
           </p:nvPr>
         </p:nvGraphicFramePr>
         <p:xfrm>
-          <a:off x="5891818" y="1472942"/>
+          <a:off x="5891818" y="1744964"/>
           <a:ext cx="4870450" cy="1710690"/>
         </p:xfrm>
         <a:graphic>
@@ -9769,7 +9769,7 @@
                     <a:p>
                       <a:pPr algn="l" fontAlgn="ctr"/>
                       <a:r>
-                        <a:rPr lang="ko-KR" altLang="en-US" sz="1000" b="0" i="0" u="none" strike="noStrike">
+                        <a:rPr lang="ko-KR" altLang="en-US" sz="1000" b="0" i="0" u="none" strike="noStrike" dirty="0">
                           <a:solidFill>
                             <a:schemeClr val="tx1"/>
                           </a:solidFill>
@@ -9780,7 +9780,7 @@
                         <a:t>단위중량 기준 </a:t>
                       </a:r>
                       <a:r>
-                        <a:rPr lang="en-US" altLang="ko-KR" sz="1000" b="0" i="0" u="none" strike="noStrike">
+                        <a:rPr lang="en-US" altLang="ko-KR" sz="1000" b="0" i="0" u="none" strike="noStrike" dirty="0">
                           <a:solidFill>
                             <a:schemeClr val="tx1"/>
                           </a:solidFill>
@@ -9791,7 +9791,7 @@
                         <a:t>( </a:t>
                       </a:r>
                       <a:r>
-                        <a:rPr lang="en-US" altLang="ko-KR" sz="1000" b="0" i="0" u="none" strike="noStrike">
+                        <a:rPr lang="en-US" altLang="ko-KR" sz="1000" b="0" i="0" u="none" strike="noStrike" dirty="0">
                           <a:solidFill>
                             <a:schemeClr val="tx1"/>
                           </a:solidFill>
@@ -10103,7 +10103,18 @@
                     <a:p>
                       <a:pPr algn="ctr" fontAlgn="ctr"/>
                       <a:r>
-                        <a:rPr lang="ko-KR" altLang="en-US" sz="900" b="0" i="0" u="none" strike="noStrike">
+                        <a:rPr lang="en-US" altLang="ko-KR" sz="900" b="0" i="0" u="none" strike="noStrike" dirty="0">
+                          <a:solidFill>
+                            <a:schemeClr val="tx1"/>
+                          </a:solidFill>
+                          <a:effectLst/>
+                          <a:latin typeface="Arial Narrow" panose="020B0606020202030204" pitchFamily="34" charset="0"/>
+                          <a:ea typeface="+mn-ea"/>
+                        </a:rPr>
+                        <a:t>KG/M</a:t>
+                      </a:r>
+                      <a:r>
+                        <a:rPr lang="ko-KR" altLang="en-US" sz="900" b="0" i="0" u="none" strike="noStrike" dirty="0">
                           <a:solidFill>
                             <a:schemeClr val="tx1"/>
                           </a:solidFill>
@@ -10354,7 +10365,18 @@
                     <a:p>
                       <a:pPr algn="ctr" fontAlgn="ctr"/>
                       <a:r>
-                        <a:rPr lang="ko-KR" altLang="en-US" sz="900" b="0" i="0" u="none" strike="noStrike">
+                        <a:rPr lang="en-US" altLang="ko-KR" sz="900" b="0" i="0" u="none" strike="noStrike" dirty="0">
+                          <a:solidFill>
+                            <a:schemeClr val="tx1"/>
+                          </a:solidFill>
+                          <a:effectLst/>
+                          <a:latin typeface="Arial Narrow" panose="020B0606020202030204" pitchFamily="34" charset="0"/>
+                          <a:ea typeface="+mn-ea"/>
+                        </a:rPr>
+                        <a:t>KG/M</a:t>
+                      </a:r>
+                      <a:r>
+                        <a:rPr lang="ko-KR" altLang="en-US" sz="900" b="0" i="0" u="none" strike="noStrike" dirty="0">
                           <a:solidFill>
                             <a:schemeClr val="tx1"/>
                           </a:solidFill>
@@ -10856,7 +10878,18 @@
                     <a:p>
                       <a:pPr algn="ctr" fontAlgn="ctr"/>
                       <a:r>
-                        <a:rPr lang="ko-KR" altLang="en-US" sz="900" b="0" i="0" u="none" strike="noStrike">
+                        <a:rPr lang="en-US" altLang="ko-KR" sz="900" b="0" i="0" u="none" strike="noStrike" dirty="0">
+                          <a:solidFill>
+                            <a:schemeClr val="tx1"/>
+                          </a:solidFill>
+                          <a:effectLst/>
+                          <a:latin typeface="Arial Narrow" panose="020B0606020202030204" pitchFamily="34" charset="0"/>
+                          <a:ea typeface="+mn-ea"/>
+                        </a:rPr>
+                        <a:t>KG/M</a:t>
+                      </a:r>
+                      <a:r>
+                        <a:rPr lang="ko-KR" altLang="en-US" sz="900" b="0" i="0" u="none" strike="noStrike" dirty="0">
                           <a:solidFill>
                             <a:schemeClr val="tx1"/>
                           </a:solidFill>
@@ -11107,7 +11140,18 @@
                     <a:p>
                       <a:pPr algn="ctr" fontAlgn="ctr"/>
                       <a:r>
-                        <a:rPr lang="ko-KR" altLang="en-US" sz="900" b="0" i="0" u="none" strike="noStrike">
+                        <a:rPr lang="en-US" altLang="ko-KR" sz="900" b="0" i="0" u="none" strike="noStrike" dirty="0">
+                          <a:solidFill>
+                            <a:schemeClr val="tx1"/>
+                          </a:solidFill>
+                          <a:effectLst/>
+                          <a:latin typeface="Arial Narrow" panose="020B0606020202030204" pitchFamily="34" charset="0"/>
+                          <a:ea typeface="+mn-ea"/>
+                        </a:rPr>
+                        <a:t>KG/M</a:t>
+                      </a:r>
+                      <a:r>
+                        <a:rPr lang="ko-KR" altLang="en-US" sz="900" b="0" i="0" u="none" strike="noStrike" dirty="0">
                           <a:solidFill>
                             <a:schemeClr val="tx1"/>
                           </a:solidFill>
@@ -11297,7 +11341,7 @@
                     <a:p>
                       <a:pPr algn="l" fontAlgn="ctr"/>
                       <a:r>
-                        <a:rPr lang="ko-KR" altLang="en-US" sz="1100" b="0" i="0" u="none" strike="noStrike">
+                        <a:rPr lang="ko-KR" altLang="en-US" sz="1100" b="0" i="0" u="none" strike="noStrike" dirty="0">
                           <a:solidFill>
                             <a:schemeClr val="tx1"/>
                           </a:solidFill>
@@ -11497,7 +11541,7 @@
         </p:nvSpPr>
         <p:spPr>
           <a:xfrm>
-            <a:off x="5967437" y="1152585"/>
+            <a:off x="5967437" y="1424607"/>
             <a:ext cx="405880" cy="246221"/>
           </a:xfrm>
           <a:prstGeom prst="rect">
@@ -11540,7 +11584,7 @@
         </p:nvSpPr>
         <p:spPr>
           <a:xfrm>
-            <a:off x="6554155" y="1152585"/>
+            <a:off x="6554155" y="1424607"/>
             <a:ext cx="362600" cy="246221"/>
           </a:xfrm>
           <a:prstGeom prst="rect">
@@ -11566,6 +11610,92 @@
               <a:t>del</a:t>
             </a:r>
             <a:endParaRPr lang="ko-KR" altLang="en-US" sz="1000" dirty="0"/>
+          </a:p>
+        </p:txBody>
+      </p:sp>
+      <p:sp>
+        <p:nvSpPr>
+          <p:cNvPr id="2" name="TextBox 1">
+            <a:extLst>
+              <a:ext uri="{FF2B5EF4-FFF2-40B4-BE49-F238E27FC236}">
+                <a16:creationId xmlns:a16="http://schemas.microsoft.com/office/drawing/2014/main" id="{70712978-0306-465D-DB2F-88B178BEFD99}"/>
+              </a:ext>
+            </a:extLst>
+          </p:cNvPr>
+          <p:cNvSpPr txBox="1"/>
+          <p:nvPr/>
+        </p:nvSpPr>
+        <p:spPr>
+          <a:xfrm>
+            <a:off x="1442889" y="693875"/>
+            <a:ext cx="463588" cy="261610"/>
+          </a:xfrm>
+          <a:prstGeom prst="rect">
+            <a:avLst/>
+          </a:prstGeom>
+          <a:solidFill>
+            <a:schemeClr val="bg1"/>
+          </a:solidFill>
+          <a:ln>
+            <a:solidFill>
+              <a:schemeClr val="accent1"/>
+            </a:solidFill>
+          </a:ln>
+        </p:spPr>
+        <p:txBody>
+          <a:bodyPr wrap="none" rtlCol="0">
+            <a:spAutoFit/>
+          </a:bodyPr>
+          <a:lstStyle/>
+          <a:p>
+            <a:r>
+              <a:rPr lang="en-US" altLang="ko-KR" sz="1100" dirty="0"/>
+              <a:t>save</a:t>
+            </a:r>
+            <a:endParaRPr lang="ko-KR" altLang="en-US" sz="1100" dirty="0"/>
+          </a:p>
+        </p:txBody>
+      </p:sp>
+      <p:sp>
+        <p:nvSpPr>
+          <p:cNvPr id="3" name="TextBox 2">
+            <a:extLst>
+              <a:ext uri="{FF2B5EF4-FFF2-40B4-BE49-F238E27FC236}">
+                <a16:creationId xmlns:a16="http://schemas.microsoft.com/office/drawing/2014/main" id="{E594D21B-EF1D-E294-6AD2-DD7F6126FEE8}"/>
+              </a:ext>
+            </a:extLst>
+          </p:cNvPr>
+          <p:cNvSpPr txBox="1"/>
+          <p:nvPr/>
+        </p:nvSpPr>
+        <p:spPr>
+          <a:xfrm>
+            <a:off x="493760" y="693875"/>
+            <a:ext cx="463588" cy="261610"/>
+          </a:xfrm>
+          <a:prstGeom prst="rect">
+            <a:avLst/>
+          </a:prstGeom>
+          <a:solidFill>
+            <a:schemeClr val="bg1"/>
+          </a:solidFill>
+          <a:ln>
+            <a:solidFill>
+              <a:schemeClr val="accent1"/>
+            </a:solidFill>
+          </a:ln>
+        </p:spPr>
+        <p:txBody>
+          <a:bodyPr wrap="none" rtlCol="0">
+            <a:spAutoFit/>
+          </a:bodyPr>
+          <a:lstStyle/>
+          <a:p>
+            <a:r>
+              <a:rPr lang="en-US" altLang="ko-KR" sz="1100" dirty="0"/>
+              <a:t>load</a:t>
+            </a:r>
+            <a:endParaRPr lang="ko-KR" altLang="en-US" sz="1100" dirty="0"/>
           </a:p>
         </p:txBody>
       </p:sp>
@@ -11643,7 +11773,7 @@
         </p:nvSpPr>
         <p:spPr>
           <a:xfrm>
-            <a:off x="98611" y="779930"/>
+            <a:off x="98611" y="1051952"/>
             <a:ext cx="760144" cy="261610"/>
           </a:xfrm>
           <a:prstGeom prst="rect">
@@ -11679,7 +11809,7 @@
         </p:nvSpPr>
         <p:spPr>
           <a:xfrm>
-            <a:off x="240013" y="1312681"/>
+            <a:off x="240013" y="1584703"/>
             <a:ext cx="1434670" cy="2192908"/>
           </a:xfrm>
           <a:prstGeom prst="rect">
@@ -11796,7 +11926,7 @@
         </p:nvSpPr>
         <p:spPr>
           <a:xfrm>
-            <a:off x="98611" y="779930"/>
+            <a:off x="98611" y="1051952"/>
             <a:ext cx="1911164" cy="4754095"/>
           </a:xfrm>
           <a:prstGeom prst="rect">
@@ -11850,7 +11980,7 @@
         </p:nvSpPr>
         <p:spPr>
           <a:xfrm>
-            <a:off x="240013" y="1995391"/>
+            <a:off x="240013" y="2267413"/>
             <a:ext cx="1434670" cy="192269"/>
           </a:xfrm>
           <a:prstGeom prst="rect">
@@ -11892,49 +12022,6 @@
       </p:sp>
       <p:sp>
         <p:nvSpPr>
-          <p:cNvPr id="10" name="TextBox 9">
-            <a:extLst>
-              <a:ext uri="{FF2B5EF4-FFF2-40B4-BE49-F238E27FC236}">
-                <a16:creationId xmlns:a16="http://schemas.microsoft.com/office/drawing/2014/main" id="{07A9B1C4-745A-0F9E-DD42-38C38A18D94D}"/>
-              </a:ext>
-            </a:extLst>
-          </p:cNvPr>
-          <p:cNvSpPr txBox="1"/>
-          <p:nvPr/>
-        </p:nvSpPr>
-        <p:spPr>
-          <a:xfrm>
-            <a:off x="9506399" y="5223331"/>
-            <a:ext cx="439544" cy="246221"/>
-          </a:xfrm>
-          <a:prstGeom prst="rect">
-            <a:avLst/>
-          </a:prstGeom>
-          <a:solidFill>
-            <a:schemeClr val="bg1"/>
-          </a:solidFill>
-          <a:ln>
-            <a:solidFill>
-              <a:schemeClr val="accent1"/>
-            </a:solidFill>
-          </a:ln>
-        </p:spPr>
-        <p:txBody>
-          <a:bodyPr wrap="none" rtlCol="0">
-            <a:spAutoFit/>
-          </a:bodyPr>
-          <a:lstStyle/>
-          <a:p>
-            <a:r>
-              <a:rPr lang="en-US" altLang="ko-KR" sz="1000" dirty="0"/>
-              <a:t>save</a:t>
-            </a:r>
-            <a:endParaRPr lang="ko-KR" altLang="en-US" sz="1000" dirty="0"/>
-          </a:p>
-        </p:txBody>
-      </p:sp>
-      <p:sp>
-        <p:nvSpPr>
           <p:cNvPr id="12" name="TextBox 11">
             <a:extLst>
               <a:ext uri="{FF2B5EF4-FFF2-40B4-BE49-F238E27FC236}">
@@ -11947,7 +12034,7 @@
         </p:nvSpPr>
         <p:spPr>
           <a:xfrm>
-            <a:off x="2108385" y="807948"/>
+            <a:off x="2108385" y="1079970"/>
             <a:ext cx="1245854" cy="261610"/>
           </a:xfrm>
           <a:prstGeom prst="rect">
@@ -11987,7 +12074,7 @@
         </p:nvSpPr>
         <p:spPr>
           <a:xfrm>
-            <a:off x="2317936" y="1312681"/>
+            <a:off x="2317936" y="1584703"/>
             <a:ext cx="1434670" cy="1546577"/>
           </a:xfrm>
           <a:prstGeom prst="rect">
@@ -12074,7 +12161,7 @@
         </p:nvSpPr>
         <p:spPr>
           <a:xfrm>
-            <a:off x="2317936" y="1081849"/>
+            <a:off x="2317936" y="1353871"/>
             <a:ext cx="1144865" cy="230832"/>
           </a:xfrm>
           <a:prstGeom prst="rect">
@@ -12110,7 +12197,7 @@
         </p:nvSpPr>
         <p:spPr>
           <a:xfrm>
-            <a:off x="2317936" y="1352421"/>
+            <a:off x="2317936" y="1624443"/>
             <a:ext cx="1434670" cy="192269"/>
           </a:xfrm>
           <a:prstGeom prst="rect">
@@ -12164,7 +12251,7 @@
         </p:nvSpPr>
         <p:spPr>
           <a:xfrm>
-            <a:off x="2317936" y="2959285"/>
+            <a:off x="2317936" y="3231307"/>
             <a:ext cx="405880" cy="246221"/>
           </a:xfrm>
           <a:prstGeom prst="rect">
@@ -12207,7 +12294,7 @@
         </p:nvSpPr>
         <p:spPr>
           <a:xfrm>
-            <a:off x="2904654" y="2959285"/>
+            <a:off x="2904654" y="3231307"/>
             <a:ext cx="362600" cy="246221"/>
           </a:xfrm>
           <a:prstGeom prst="rect">
@@ -12250,7 +12337,7 @@
         </p:nvSpPr>
         <p:spPr>
           <a:xfrm>
-            <a:off x="2108385" y="779930"/>
+            <a:off x="2108385" y="1051952"/>
             <a:ext cx="9293040" cy="4754095"/>
           </a:xfrm>
           <a:prstGeom prst="rect">
@@ -12304,7 +12391,7 @@
         </p:nvSpPr>
         <p:spPr>
           <a:xfrm>
-            <a:off x="3911388" y="807948"/>
+            <a:off x="3911388" y="1079970"/>
             <a:ext cx="1194558" cy="261610"/>
           </a:xfrm>
           <a:prstGeom prst="rect">
@@ -12345,13 +12432,13 @@
           <p:nvPr>
             <p:extLst>
               <p:ext uri="{D42A27DB-BD31-4B8C-83A1-F6EECF244321}">
-                <p14:modId xmlns:p14="http://schemas.microsoft.com/office/powerpoint/2010/main" val="4245525026"/>
+                <p14:modId xmlns:p14="http://schemas.microsoft.com/office/powerpoint/2010/main" val="3322661613"/>
               </p:ext>
             </p:extLst>
           </p:nvPr>
         </p:nvGraphicFramePr>
         <p:xfrm>
-          <a:off x="3962157" y="3196553"/>
+          <a:off x="3962157" y="3468575"/>
           <a:ext cx="6348463" cy="1896923"/>
         </p:xfrm>
         <a:graphic>
@@ -14976,13 +15063,13 @@
           <p:nvPr>
             <p:extLst>
               <p:ext uri="{D42A27DB-BD31-4B8C-83A1-F6EECF244321}">
-                <p14:modId xmlns:p14="http://schemas.microsoft.com/office/powerpoint/2010/main" val="3717381388"/>
+                <p14:modId xmlns:p14="http://schemas.microsoft.com/office/powerpoint/2010/main" val="1082000031"/>
               </p:ext>
             </p:extLst>
           </p:nvPr>
         </p:nvGraphicFramePr>
         <p:xfrm>
-          <a:off x="3962157" y="1320435"/>
+          <a:off x="3962157" y="1592457"/>
           <a:ext cx="5621216" cy="1463040"/>
         </p:xfrm>
         <a:graphic>
@@ -16810,7 +16897,7 @@
         </p:nvSpPr>
         <p:spPr>
           <a:xfrm>
-            <a:off x="3908844" y="1079397"/>
+            <a:off x="3908844" y="1351419"/>
             <a:ext cx="986167" cy="230832"/>
           </a:xfrm>
           <a:prstGeom prst="rect">
@@ -16850,7 +16937,7 @@
         </p:nvSpPr>
         <p:spPr>
           <a:xfrm>
-            <a:off x="3908844" y="2946916"/>
+            <a:off x="3908844" y="3218938"/>
             <a:ext cx="801823" cy="230832"/>
           </a:xfrm>
           <a:prstGeom prst="rect">
@@ -16894,7 +16981,7 @@
         </p:nvSpPr>
         <p:spPr>
           <a:xfrm>
-            <a:off x="4895011" y="1063905"/>
+            <a:off x="4895011" y="1335927"/>
             <a:ext cx="570990" cy="230832"/>
           </a:xfrm>
           <a:prstGeom prst="rect">
@@ -16936,7 +17023,7 @@
         </p:nvSpPr>
         <p:spPr>
           <a:xfrm>
-            <a:off x="5503508" y="1063905"/>
+            <a:off x="5503508" y="1335927"/>
             <a:ext cx="570990" cy="230832"/>
           </a:xfrm>
           <a:prstGeom prst="rect">
@@ -16978,7 +17065,7 @@
         </p:nvSpPr>
         <p:spPr>
           <a:xfrm>
-            <a:off x="4895011" y="2867514"/>
+            <a:off x="4895011" y="3139536"/>
             <a:ext cx="570990" cy="230832"/>
           </a:xfrm>
           <a:prstGeom prst="rect">
@@ -17020,7 +17107,7 @@
         </p:nvSpPr>
         <p:spPr>
           <a:xfrm>
-            <a:off x="5503508" y="2867514"/>
+            <a:off x="5503508" y="3139536"/>
             <a:ext cx="570990" cy="230832"/>
           </a:xfrm>
           <a:prstGeom prst="rect">
@@ -17070,7 +17157,7 @@
         </p:blipFill>
         <p:spPr>
           <a:xfrm>
-            <a:off x="10767455" y="3177748"/>
+            <a:off x="10767455" y="3449770"/>
             <a:ext cx="177135" cy="1915728"/>
           </a:xfrm>
           <a:prstGeom prst="rect">
@@ -17173,7 +17260,7 @@
         </p:blipFill>
         <p:spPr>
           <a:xfrm>
-            <a:off x="9726171" y="4333864"/>
+            <a:off x="9726171" y="4605886"/>
             <a:ext cx="152421" cy="152421"/>
           </a:xfrm>
           <a:prstGeom prst="rect">
@@ -17203,7 +17290,7 @@
         </p:blipFill>
         <p:spPr>
           <a:xfrm>
-            <a:off x="9726171" y="4603542"/>
+            <a:off x="9726171" y="4875564"/>
             <a:ext cx="152421" cy="152421"/>
           </a:xfrm>
           <a:prstGeom prst="rect">
@@ -17233,7 +17320,7 @@
         </p:blipFill>
         <p:spPr>
           <a:xfrm>
-            <a:off x="9726171" y="4880977"/>
+            <a:off x="9726171" y="5152999"/>
             <a:ext cx="152421" cy="152421"/>
           </a:xfrm>
           <a:prstGeom prst="rect">
@@ -17263,7 +17350,7 @@
         </p:blipFill>
         <p:spPr>
           <a:xfrm>
-            <a:off x="9707120" y="3510718"/>
+            <a:off x="9707120" y="3782740"/>
             <a:ext cx="142895" cy="161948"/>
           </a:xfrm>
           <a:prstGeom prst="rect">
@@ -17293,7 +17380,7 @@
         </p:blipFill>
         <p:spPr>
           <a:xfrm>
-            <a:off x="9707120" y="3797680"/>
+            <a:off x="9707120" y="4069702"/>
             <a:ext cx="142895" cy="161948"/>
           </a:xfrm>
           <a:prstGeom prst="rect">
@@ -17323,7 +17410,7 @@
         </p:blipFill>
         <p:spPr>
           <a:xfrm>
-            <a:off x="9707120" y="4054659"/>
+            <a:off x="9707120" y="4326681"/>
             <a:ext cx="142895" cy="161948"/>
           </a:xfrm>
           <a:prstGeom prst="rect">
@@ -17331,6 +17418,92 @@
           </a:prstGeom>
         </p:spPr>
       </p:pic>
+      <p:sp>
+        <p:nvSpPr>
+          <p:cNvPr id="4" name="TextBox 3">
+            <a:extLst>
+              <a:ext uri="{FF2B5EF4-FFF2-40B4-BE49-F238E27FC236}">
+                <a16:creationId xmlns:a16="http://schemas.microsoft.com/office/drawing/2014/main" id="{8D693DA0-12C4-03F7-61E1-1E391E58D11E}"/>
+              </a:ext>
+            </a:extLst>
+          </p:cNvPr>
+          <p:cNvSpPr txBox="1"/>
+          <p:nvPr/>
+        </p:nvSpPr>
+        <p:spPr>
+          <a:xfrm>
+            <a:off x="1442889" y="693875"/>
+            <a:ext cx="463588" cy="261610"/>
+          </a:xfrm>
+          <a:prstGeom prst="rect">
+            <a:avLst/>
+          </a:prstGeom>
+          <a:solidFill>
+            <a:schemeClr val="bg1"/>
+          </a:solidFill>
+          <a:ln>
+            <a:solidFill>
+              <a:schemeClr val="accent1"/>
+            </a:solidFill>
+          </a:ln>
+        </p:spPr>
+        <p:txBody>
+          <a:bodyPr wrap="none" rtlCol="0">
+            <a:spAutoFit/>
+          </a:bodyPr>
+          <a:lstStyle/>
+          <a:p>
+            <a:r>
+              <a:rPr lang="en-US" altLang="ko-KR" sz="1100" dirty="0"/>
+              <a:t>save</a:t>
+            </a:r>
+            <a:endParaRPr lang="ko-KR" altLang="en-US" sz="1100" dirty="0"/>
+          </a:p>
+        </p:txBody>
+      </p:sp>
+      <p:sp>
+        <p:nvSpPr>
+          <p:cNvPr id="30" name="TextBox 29">
+            <a:extLst>
+              <a:ext uri="{FF2B5EF4-FFF2-40B4-BE49-F238E27FC236}">
+                <a16:creationId xmlns:a16="http://schemas.microsoft.com/office/drawing/2014/main" id="{948E43E5-86AD-D0C4-6DCF-23B5B7EDDB1F}"/>
+              </a:ext>
+            </a:extLst>
+          </p:cNvPr>
+          <p:cNvSpPr txBox="1"/>
+          <p:nvPr/>
+        </p:nvSpPr>
+        <p:spPr>
+          <a:xfrm>
+            <a:off x="493760" y="693875"/>
+            <a:ext cx="463588" cy="261610"/>
+          </a:xfrm>
+          <a:prstGeom prst="rect">
+            <a:avLst/>
+          </a:prstGeom>
+          <a:solidFill>
+            <a:schemeClr val="bg1"/>
+          </a:solidFill>
+          <a:ln>
+            <a:solidFill>
+              <a:schemeClr val="accent1"/>
+            </a:solidFill>
+          </a:ln>
+        </p:spPr>
+        <p:txBody>
+          <a:bodyPr wrap="none" rtlCol="0">
+            <a:spAutoFit/>
+          </a:bodyPr>
+          <a:lstStyle/>
+          <a:p>
+            <a:r>
+              <a:rPr lang="en-US" altLang="ko-KR" sz="1100" dirty="0"/>
+              <a:t>load</a:t>
+            </a:r>
+            <a:endParaRPr lang="ko-KR" altLang="en-US" sz="1100" dirty="0"/>
+          </a:p>
+        </p:txBody>
+      </p:sp>
     </p:spTree>
     <p:extLst>
       <p:ext uri="{BB962C8B-B14F-4D97-AF65-F5344CB8AC3E}">

--- a/H_FamilyList_FP/화면정의서.pptx
+++ b/H_FamilyList_FP/화면정의서.pptx
@@ -265,7 +265,7 @@
           <a:p>
             <a:fld id="{9DC0FBBE-1B54-474B-A1EF-57FEDE0B6A08}" type="datetimeFigureOut">
               <a:rPr lang="ko-KR" altLang="en-US" smtClean="0"/>
-              <a:t>2024-09-16</a:t>
+              <a:t>2024-09-20</a:t>
             </a:fld>
             <a:endParaRPr lang="ko-KR" altLang="en-US"/>
           </a:p>
@@ -463,7 +463,7 @@
           <a:p>
             <a:fld id="{9DC0FBBE-1B54-474B-A1EF-57FEDE0B6A08}" type="datetimeFigureOut">
               <a:rPr lang="ko-KR" altLang="en-US" smtClean="0"/>
-              <a:t>2024-09-16</a:t>
+              <a:t>2024-09-20</a:t>
             </a:fld>
             <a:endParaRPr lang="ko-KR" altLang="en-US"/>
           </a:p>
@@ -671,7 +671,7 @@
           <a:p>
             <a:fld id="{9DC0FBBE-1B54-474B-A1EF-57FEDE0B6A08}" type="datetimeFigureOut">
               <a:rPr lang="ko-KR" altLang="en-US" smtClean="0"/>
-              <a:t>2024-09-16</a:t>
+              <a:t>2024-09-20</a:t>
             </a:fld>
             <a:endParaRPr lang="ko-KR" altLang="en-US"/>
           </a:p>
@@ -869,7 +869,7 @@
           <a:p>
             <a:fld id="{9DC0FBBE-1B54-474B-A1EF-57FEDE0B6A08}" type="datetimeFigureOut">
               <a:rPr lang="ko-KR" altLang="en-US" smtClean="0"/>
-              <a:t>2024-09-16</a:t>
+              <a:t>2024-09-20</a:t>
             </a:fld>
             <a:endParaRPr lang="ko-KR" altLang="en-US"/>
           </a:p>
@@ -1144,7 +1144,7 @@
           <a:p>
             <a:fld id="{9DC0FBBE-1B54-474B-A1EF-57FEDE0B6A08}" type="datetimeFigureOut">
               <a:rPr lang="ko-KR" altLang="en-US" smtClean="0"/>
-              <a:t>2024-09-16</a:t>
+              <a:t>2024-09-20</a:t>
             </a:fld>
             <a:endParaRPr lang="ko-KR" altLang="en-US"/>
           </a:p>
@@ -1409,7 +1409,7 @@
           <a:p>
             <a:fld id="{9DC0FBBE-1B54-474B-A1EF-57FEDE0B6A08}" type="datetimeFigureOut">
               <a:rPr lang="ko-KR" altLang="en-US" smtClean="0"/>
-              <a:t>2024-09-16</a:t>
+              <a:t>2024-09-20</a:t>
             </a:fld>
             <a:endParaRPr lang="ko-KR" altLang="en-US"/>
           </a:p>
@@ -1821,7 +1821,7 @@
           <a:p>
             <a:fld id="{9DC0FBBE-1B54-474B-A1EF-57FEDE0B6A08}" type="datetimeFigureOut">
               <a:rPr lang="ko-KR" altLang="en-US" smtClean="0"/>
-              <a:t>2024-09-16</a:t>
+              <a:t>2024-09-20</a:t>
             </a:fld>
             <a:endParaRPr lang="ko-KR" altLang="en-US"/>
           </a:p>
@@ -1962,7 +1962,7 @@
           <a:p>
             <a:fld id="{9DC0FBBE-1B54-474B-A1EF-57FEDE0B6A08}" type="datetimeFigureOut">
               <a:rPr lang="ko-KR" altLang="en-US" smtClean="0"/>
-              <a:t>2024-09-16</a:t>
+              <a:t>2024-09-20</a:t>
             </a:fld>
             <a:endParaRPr lang="ko-KR" altLang="en-US"/>
           </a:p>
@@ -2075,7 +2075,7 @@
           <a:p>
             <a:fld id="{9DC0FBBE-1B54-474B-A1EF-57FEDE0B6A08}" type="datetimeFigureOut">
               <a:rPr lang="ko-KR" altLang="en-US" smtClean="0"/>
-              <a:t>2024-09-16</a:t>
+              <a:t>2024-09-20</a:t>
             </a:fld>
             <a:endParaRPr lang="ko-KR" altLang="en-US"/>
           </a:p>
@@ -2386,7 +2386,7 @@
           <a:p>
             <a:fld id="{9DC0FBBE-1B54-474B-A1EF-57FEDE0B6A08}" type="datetimeFigureOut">
               <a:rPr lang="ko-KR" altLang="en-US" smtClean="0"/>
-              <a:t>2024-09-16</a:t>
+              <a:t>2024-09-20</a:t>
             </a:fld>
             <a:endParaRPr lang="ko-KR" altLang="en-US"/>
           </a:p>
@@ -2674,7 +2674,7 @@
           <a:p>
             <a:fld id="{9DC0FBBE-1B54-474B-A1EF-57FEDE0B6A08}" type="datetimeFigureOut">
               <a:rPr lang="ko-KR" altLang="en-US" smtClean="0"/>
-              <a:t>2024-09-16</a:t>
+              <a:t>2024-09-20</a:t>
             </a:fld>
             <a:endParaRPr lang="ko-KR" altLang="en-US"/>
           </a:p>
@@ -2915,7 +2915,7 @@
           <a:p>
             <a:fld id="{9DC0FBBE-1B54-474B-A1EF-57FEDE0B6A08}" type="datetimeFigureOut">
               <a:rPr lang="ko-KR" altLang="en-US" smtClean="0"/>
-              <a:t>2024-09-16</a:t>
+              <a:t>2024-09-20</a:t>
             </a:fld>
             <a:endParaRPr lang="ko-KR" altLang="en-US"/>
           </a:p>
@@ -12432,13 +12432,13 @@
           <p:nvPr>
             <p:extLst>
               <p:ext uri="{D42A27DB-BD31-4B8C-83A1-F6EECF244321}">
-                <p14:modId xmlns:p14="http://schemas.microsoft.com/office/powerpoint/2010/main" val="3322661613"/>
+                <p14:modId xmlns:p14="http://schemas.microsoft.com/office/powerpoint/2010/main" val="525698536"/>
               </p:ext>
             </p:extLst>
           </p:nvPr>
         </p:nvGraphicFramePr>
         <p:xfrm>
-          <a:off x="3962157" y="3468575"/>
+          <a:off x="4296415" y="3468575"/>
           <a:ext cx="6348463" cy="1896923"/>
         </p:xfrm>
         <a:graphic>
@@ -15063,13 +15063,13 @@
           <p:nvPr>
             <p:extLst>
               <p:ext uri="{D42A27DB-BD31-4B8C-83A1-F6EECF244321}">
-                <p14:modId xmlns:p14="http://schemas.microsoft.com/office/powerpoint/2010/main" val="1082000031"/>
+                <p14:modId xmlns:p14="http://schemas.microsoft.com/office/powerpoint/2010/main" val="1746983007"/>
               </p:ext>
             </p:extLst>
           </p:nvPr>
         </p:nvGraphicFramePr>
         <p:xfrm>
-          <a:off x="3962157" y="1592457"/>
+          <a:off x="4296415" y="1592457"/>
           <a:ext cx="5621216" cy="1463040"/>
         </p:xfrm>
         <a:graphic>
@@ -16897,7 +16897,7 @@
         </p:nvSpPr>
         <p:spPr>
           <a:xfrm>
-            <a:off x="3908844" y="1351419"/>
+            <a:off x="4243102" y="1351419"/>
             <a:ext cx="986167" cy="230832"/>
           </a:xfrm>
           <a:prstGeom prst="rect">
@@ -16937,7 +16937,7 @@
         </p:nvSpPr>
         <p:spPr>
           <a:xfrm>
-            <a:off x="3908844" y="3218938"/>
+            <a:off x="4243102" y="3218938"/>
             <a:ext cx="801823" cy="230832"/>
           </a:xfrm>
           <a:prstGeom prst="rect">
@@ -16981,7 +16981,7 @@
         </p:nvSpPr>
         <p:spPr>
           <a:xfrm>
-            <a:off x="4895011" y="1335927"/>
+            <a:off x="5229269" y="1335927"/>
             <a:ext cx="570990" cy="230832"/>
           </a:xfrm>
           <a:prstGeom prst="rect">
@@ -17023,7 +17023,7 @@
         </p:nvSpPr>
         <p:spPr>
           <a:xfrm>
-            <a:off x="5503508" y="1335927"/>
+            <a:off x="5837766" y="1335927"/>
             <a:ext cx="570990" cy="230832"/>
           </a:xfrm>
           <a:prstGeom prst="rect">
@@ -17065,7 +17065,7 @@
         </p:nvSpPr>
         <p:spPr>
           <a:xfrm>
-            <a:off x="4895011" y="3139536"/>
+            <a:off x="5229269" y="3139536"/>
             <a:ext cx="570990" cy="230832"/>
           </a:xfrm>
           <a:prstGeom prst="rect">
@@ -17107,7 +17107,7 @@
         </p:nvSpPr>
         <p:spPr>
           <a:xfrm>
-            <a:off x="5503508" y="3139536"/>
+            <a:off x="5837766" y="3139536"/>
             <a:ext cx="570990" cy="230832"/>
           </a:xfrm>
           <a:prstGeom prst="rect">
@@ -17501,6 +17501,41 @@
               <a:t>load</a:t>
             </a:r>
             <a:endParaRPr lang="ko-KR" altLang="en-US" sz="1100" dirty="0"/>
+          </a:p>
+        </p:txBody>
+      </p:sp>
+      <p:sp>
+        <p:nvSpPr>
+          <p:cNvPr id="10" name="TextBox 9">
+            <a:extLst>
+              <a:ext uri="{FF2B5EF4-FFF2-40B4-BE49-F238E27FC236}">
+                <a16:creationId xmlns:a16="http://schemas.microsoft.com/office/drawing/2014/main" id="{35DB2548-8754-318B-4E9E-0054E506B00D}"/>
+              </a:ext>
+            </a:extLst>
+          </p:cNvPr>
+          <p:cNvSpPr txBox="1"/>
+          <p:nvPr/>
+        </p:nvSpPr>
+        <p:spPr>
+          <a:xfrm>
+            <a:off x="2317936" y="4095849"/>
+            <a:ext cx="917239" cy="230832"/>
+          </a:xfrm>
+          <a:prstGeom prst="rect">
+            <a:avLst/>
+          </a:prstGeom>
+          <a:noFill/>
+        </p:spPr>
+        <p:txBody>
+          <a:bodyPr wrap="none" rtlCol="0">
+            <a:spAutoFit/>
+          </a:bodyPr>
+          <a:lstStyle/>
+          <a:p>
+            <a:r>
+              <a:rPr lang="ko-KR" altLang="en-US" sz="900" dirty="0"/>
+              <a:t>표준수식 예시</a:t>
+            </a:r>
           </a:p>
         </p:txBody>
       </p:sp>

--- a/H_FamilyList_FP/화면정의서.pptx
+++ b/H_FamilyList_FP/화면정의서.pptx
@@ -10,8 +10,9 @@
     <p:sldId id="261" r:id="rId4"/>
     <p:sldId id="257" r:id="rId5"/>
     <p:sldId id="258" r:id="rId6"/>
-    <p:sldId id="259" r:id="rId7"/>
-    <p:sldId id="262" r:id="rId8"/>
+    <p:sldId id="263" r:id="rId7"/>
+    <p:sldId id="259" r:id="rId8"/>
+    <p:sldId id="262" r:id="rId9"/>
   </p:sldIdLst>
   <p:sldSz cx="12192000" cy="6858000"/>
   <p:notesSz cx="6858000" cy="9144000"/>
@@ -265,7 +266,7 @@
           <a:p>
             <a:fld id="{9DC0FBBE-1B54-474B-A1EF-57FEDE0B6A08}" type="datetimeFigureOut">
               <a:rPr lang="ko-KR" altLang="en-US" smtClean="0"/>
-              <a:t>2024-09-20</a:t>
+              <a:t>2024-09-24</a:t>
             </a:fld>
             <a:endParaRPr lang="ko-KR" altLang="en-US"/>
           </a:p>
@@ -463,7 +464,7 @@
           <a:p>
             <a:fld id="{9DC0FBBE-1B54-474B-A1EF-57FEDE0B6A08}" type="datetimeFigureOut">
               <a:rPr lang="ko-KR" altLang="en-US" smtClean="0"/>
-              <a:t>2024-09-20</a:t>
+              <a:t>2024-09-24</a:t>
             </a:fld>
             <a:endParaRPr lang="ko-KR" altLang="en-US"/>
           </a:p>
@@ -671,7 +672,7 @@
           <a:p>
             <a:fld id="{9DC0FBBE-1B54-474B-A1EF-57FEDE0B6A08}" type="datetimeFigureOut">
               <a:rPr lang="ko-KR" altLang="en-US" smtClean="0"/>
-              <a:t>2024-09-20</a:t>
+              <a:t>2024-09-24</a:t>
             </a:fld>
             <a:endParaRPr lang="ko-KR" altLang="en-US"/>
           </a:p>
@@ -869,7 +870,7 @@
           <a:p>
             <a:fld id="{9DC0FBBE-1B54-474B-A1EF-57FEDE0B6A08}" type="datetimeFigureOut">
               <a:rPr lang="ko-KR" altLang="en-US" smtClean="0"/>
-              <a:t>2024-09-20</a:t>
+              <a:t>2024-09-24</a:t>
             </a:fld>
             <a:endParaRPr lang="ko-KR" altLang="en-US"/>
           </a:p>
@@ -1144,7 +1145,7 @@
           <a:p>
             <a:fld id="{9DC0FBBE-1B54-474B-A1EF-57FEDE0B6A08}" type="datetimeFigureOut">
               <a:rPr lang="ko-KR" altLang="en-US" smtClean="0"/>
-              <a:t>2024-09-20</a:t>
+              <a:t>2024-09-24</a:t>
             </a:fld>
             <a:endParaRPr lang="ko-KR" altLang="en-US"/>
           </a:p>
@@ -1409,7 +1410,7 @@
           <a:p>
             <a:fld id="{9DC0FBBE-1B54-474B-A1EF-57FEDE0B6A08}" type="datetimeFigureOut">
               <a:rPr lang="ko-KR" altLang="en-US" smtClean="0"/>
-              <a:t>2024-09-20</a:t>
+              <a:t>2024-09-24</a:t>
             </a:fld>
             <a:endParaRPr lang="ko-KR" altLang="en-US"/>
           </a:p>
@@ -1821,7 +1822,7 @@
           <a:p>
             <a:fld id="{9DC0FBBE-1B54-474B-A1EF-57FEDE0B6A08}" type="datetimeFigureOut">
               <a:rPr lang="ko-KR" altLang="en-US" smtClean="0"/>
-              <a:t>2024-09-20</a:t>
+              <a:t>2024-09-24</a:t>
             </a:fld>
             <a:endParaRPr lang="ko-KR" altLang="en-US"/>
           </a:p>
@@ -1962,7 +1963,7 @@
           <a:p>
             <a:fld id="{9DC0FBBE-1B54-474B-A1EF-57FEDE0B6A08}" type="datetimeFigureOut">
               <a:rPr lang="ko-KR" altLang="en-US" smtClean="0"/>
-              <a:t>2024-09-20</a:t>
+              <a:t>2024-09-24</a:t>
             </a:fld>
             <a:endParaRPr lang="ko-KR" altLang="en-US"/>
           </a:p>
@@ -2075,7 +2076,7 @@
           <a:p>
             <a:fld id="{9DC0FBBE-1B54-474B-A1EF-57FEDE0B6A08}" type="datetimeFigureOut">
               <a:rPr lang="ko-KR" altLang="en-US" smtClean="0"/>
-              <a:t>2024-09-20</a:t>
+              <a:t>2024-09-24</a:t>
             </a:fld>
             <a:endParaRPr lang="ko-KR" altLang="en-US"/>
           </a:p>
@@ -2386,7 +2387,7 @@
           <a:p>
             <a:fld id="{9DC0FBBE-1B54-474B-A1EF-57FEDE0B6A08}" type="datetimeFigureOut">
               <a:rPr lang="ko-KR" altLang="en-US" smtClean="0"/>
-              <a:t>2024-09-20</a:t>
+              <a:t>2024-09-24</a:t>
             </a:fld>
             <a:endParaRPr lang="ko-KR" altLang="en-US"/>
           </a:p>
@@ -2674,7 +2675,7 @@
           <a:p>
             <a:fld id="{9DC0FBBE-1B54-474B-A1EF-57FEDE0B6A08}" type="datetimeFigureOut">
               <a:rPr lang="ko-KR" altLang="en-US" smtClean="0"/>
-              <a:t>2024-09-20</a:t>
+              <a:t>2024-09-24</a:t>
             </a:fld>
             <a:endParaRPr lang="ko-KR" altLang="en-US"/>
           </a:p>
@@ -2915,7 +2916,7 @@
           <a:p>
             <a:fld id="{9DC0FBBE-1B54-474B-A1EF-57FEDE0B6A08}" type="datetimeFigureOut">
               <a:rPr lang="ko-KR" altLang="en-US" smtClean="0"/>
-              <a:t>2024-09-20</a:t>
+              <a:t>2024-09-24</a:t>
             </a:fld>
             <a:endParaRPr lang="ko-KR" altLang="en-US"/>
           </a:p>
@@ -11731,6 +11732,155 @@
       </p:grpSpPr>
       <p:pic>
         <p:nvPicPr>
+          <p:cNvPr id="40" name="그림 39">
+            <a:extLst>
+              <a:ext uri="{FF2B5EF4-FFF2-40B4-BE49-F238E27FC236}">
+                <a16:creationId xmlns:a16="http://schemas.microsoft.com/office/drawing/2014/main" id="{59E480E6-8FE2-C7B8-F932-87BBC1CDC512}"/>
+              </a:ext>
+            </a:extLst>
+          </p:cNvPr>
+          <p:cNvPicPr>
+            <a:picLocks noChangeAspect="1"/>
+          </p:cNvPicPr>
+          <p:nvPr/>
+        </p:nvPicPr>
+        <p:blipFill>
+          <a:blip r:embed="rId2"/>
+          <a:stretch>
+            <a:fillRect/>
+          </a:stretch>
+        </p:blipFill>
+        <p:spPr>
+          <a:xfrm>
+            <a:off x="0" y="95250"/>
+            <a:ext cx="12192000" cy="6667500"/>
+          </a:xfrm>
+          <a:prstGeom prst="rect">
+            <a:avLst/>
+          </a:prstGeom>
+        </p:spPr>
+      </p:pic>
+      <p:sp>
+        <p:nvSpPr>
+          <p:cNvPr id="35" name="TextBox 34">
+            <a:extLst>
+              <a:ext uri="{FF2B5EF4-FFF2-40B4-BE49-F238E27FC236}">
+                <a16:creationId xmlns:a16="http://schemas.microsoft.com/office/drawing/2014/main" id="{B0B81A30-F7FB-DF9F-2ED8-5B7FD28F09A1}"/>
+              </a:ext>
+            </a:extLst>
+          </p:cNvPr>
+          <p:cNvSpPr txBox="1"/>
+          <p:nvPr/>
+        </p:nvSpPr>
+        <p:spPr>
+          <a:xfrm>
+            <a:off x="7479306" y="3402105"/>
+            <a:ext cx="1614545" cy="230832"/>
+          </a:xfrm>
+          <a:prstGeom prst="rect">
+            <a:avLst/>
+          </a:prstGeom>
+          <a:solidFill>
+            <a:schemeClr val="bg1"/>
+          </a:solidFill>
+          <a:ln>
+            <a:solidFill>
+              <a:schemeClr val="accent1"/>
+            </a:solidFill>
+          </a:ln>
+        </p:spPr>
+        <p:txBody>
+          <a:bodyPr wrap="none" rtlCol="0">
+            <a:spAutoFit/>
+          </a:bodyPr>
+          <a:lstStyle/>
+          <a:p>
+            <a:r>
+              <a:rPr lang="ko-KR" altLang="en-US" sz="900" dirty="0"/>
+              <a:t>공통 입력 값 항목 업데이트</a:t>
+            </a:r>
+          </a:p>
+        </p:txBody>
+      </p:sp>
+      <p:sp>
+        <p:nvSpPr>
+          <p:cNvPr id="36" name="TextBox 35">
+            <a:extLst>
+              <a:ext uri="{FF2B5EF4-FFF2-40B4-BE49-F238E27FC236}">
+                <a16:creationId xmlns:a16="http://schemas.microsoft.com/office/drawing/2014/main" id="{8F3662DF-8076-7DC0-F436-79DB8AD285C3}"/>
+              </a:ext>
+            </a:extLst>
+          </p:cNvPr>
+          <p:cNvSpPr txBox="1"/>
+          <p:nvPr/>
+        </p:nvSpPr>
+        <p:spPr>
+          <a:xfrm>
+            <a:off x="9522691" y="212436"/>
+            <a:ext cx="1217000" cy="707886"/>
+          </a:xfrm>
+          <a:prstGeom prst="rect">
+            <a:avLst/>
+          </a:prstGeom>
+          <a:noFill/>
+        </p:spPr>
+        <p:txBody>
+          <a:bodyPr wrap="none" rtlCol="0">
+            <a:spAutoFit/>
+          </a:bodyPr>
+          <a:lstStyle/>
+          <a:p>
+            <a:r>
+              <a:rPr lang="en-US" altLang="ko-KR" sz="4000" dirty="0">
+                <a:solidFill>
+                  <a:srgbClr val="FF0000"/>
+                </a:solidFill>
+              </a:rPr>
+              <a:t>A </a:t>
+            </a:r>
+            <a:r>
+              <a:rPr lang="ko-KR" altLang="en-US" sz="4000" dirty="0">
+                <a:solidFill>
+                  <a:srgbClr val="FF0000"/>
+                </a:solidFill>
+              </a:rPr>
+              <a:t>안</a:t>
+            </a:r>
+          </a:p>
+        </p:txBody>
+      </p:sp>
+    </p:spTree>
+    <p:extLst>
+      <p:ext uri="{BB962C8B-B14F-4D97-AF65-F5344CB8AC3E}">
+        <p14:creationId xmlns:p14="http://schemas.microsoft.com/office/powerpoint/2010/main" val="1008366792"/>
+      </p:ext>
+    </p:extLst>
+  </p:cSld>
+  <p:clrMapOvr>
+    <a:masterClrMapping/>
+  </p:clrMapOvr>
+</p:sld>
+</file>
+
+<file path=ppt/slides/slide6.xml><?xml version="1.0" encoding="utf-8"?>
+<p:sld xmlns:a="http://schemas.openxmlformats.org/drawingml/2006/main" xmlns:r="http://schemas.openxmlformats.org/officeDocument/2006/relationships" xmlns:p="http://schemas.openxmlformats.org/presentationml/2006/main">
+  <p:cSld>
+    <p:spTree>
+      <p:nvGrpSpPr>
+        <p:cNvPr id="1" name=""/>
+        <p:cNvGrpSpPr/>
+        <p:nvPr/>
+      </p:nvGrpSpPr>
+      <p:grpSpPr>
+        <a:xfrm>
+          <a:off x="0" y="0"/>
+          <a:ext cx="0" cy="0"/>
+          <a:chOff x="0" y="0"/>
+          <a:chExt cx="0" cy="0"/>
+        </a:xfrm>
+      </p:grpSpPr>
+      <p:pic>
+        <p:nvPicPr>
           <p:cNvPr id="5" name="그림 4">
             <a:extLst>
               <a:ext uri="{FF2B5EF4-FFF2-40B4-BE49-F238E27FC236}">
@@ -12429,13 +12579,7 @@
           <p:cNvGraphicFramePr>
             <a:graphicFrameLocks noGrp="1"/>
           </p:cNvGraphicFramePr>
-          <p:nvPr>
-            <p:extLst>
-              <p:ext uri="{D42A27DB-BD31-4B8C-83A1-F6EECF244321}">
-                <p14:modId xmlns:p14="http://schemas.microsoft.com/office/powerpoint/2010/main" val="525698536"/>
-              </p:ext>
-            </p:extLst>
-          </p:nvPr>
+          <p:nvPr/>
         </p:nvGraphicFramePr>
         <p:xfrm>
           <a:off x="4296415" y="3468575"/>
@@ -13916,7 +14060,7 @@
                     <a:lstStyle/>
                     <a:p>
                       <a:pPr latinLnBrk="1"/>
-                      <a:endParaRPr lang="ko-KR" altLang="en-US" sz="1000" b="0">
+                      <a:endParaRPr lang="ko-KR" altLang="en-US" sz="1000" b="0" dirty="0">
                         <a:solidFill>
                           <a:schemeClr val="tx1"/>
                         </a:solidFill>
@@ -14633,7 +14777,7 @@
                     <a:lstStyle/>
                     <a:p>
                       <a:pPr latinLnBrk="1"/>
-                      <a:endParaRPr lang="ko-KR" altLang="en-US" sz="1000" b="0">
+                      <a:endParaRPr lang="ko-KR" altLang="en-US" sz="1000" b="0" dirty="0">
                         <a:solidFill>
                           <a:schemeClr val="tx1"/>
                         </a:solidFill>
@@ -15060,13 +15204,7 @@
           <p:cNvGraphicFramePr>
             <a:graphicFrameLocks noGrp="1"/>
           </p:cNvGraphicFramePr>
-          <p:nvPr>
-            <p:extLst>
-              <p:ext uri="{D42A27DB-BD31-4B8C-83A1-F6EECF244321}">
-                <p14:modId xmlns:p14="http://schemas.microsoft.com/office/powerpoint/2010/main" val="1746983007"/>
-              </p:ext>
-            </p:extLst>
-          </p:nvPr>
+          <p:nvPr/>
         </p:nvGraphicFramePr>
         <p:xfrm>
           <a:off x="4296415" y="1592457"/>
@@ -17539,10 +17677,73 @@
           </a:p>
         </p:txBody>
       </p:sp>
+      <p:sp>
+        <p:nvSpPr>
+          <p:cNvPr id="36" name="TextBox 35">
+            <a:extLst>
+              <a:ext uri="{FF2B5EF4-FFF2-40B4-BE49-F238E27FC236}">
+                <a16:creationId xmlns:a16="http://schemas.microsoft.com/office/drawing/2014/main" id="{7BD60096-BFE5-62C6-E36D-0E4AE37B5C41}"/>
+              </a:ext>
+            </a:extLst>
+          </p:cNvPr>
+          <p:cNvSpPr txBox="1"/>
+          <p:nvPr/>
+        </p:nvSpPr>
+        <p:spPr>
+          <a:xfrm>
+            <a:off x="8287335" y="212436"/>
+            <a:ext cx="3621504" cy="707886"/>
+          </a:xfrm>
+          <a:prstGeom prst="rect">
+            <a:avLst/>
+          </a:prstGeom>
+          <a:noFill/>
+        </p:spPr>
+        <p:txBody>
+          <a:bodyPr wrap="none" rtlCol="0">
+            <a:spAutoFit/>
+          </a:bodyPr>
+          <a:lstStyle/>
+          <a:p>
+            <a:r>
+              <a:rPr lang="en-US" altLang="ko-KR" sz="4000" dirty="0">
+                <a:solidFill>
+                  <a:srgbClr val="FF0000"/>
+                </a:solidFill>
+              </a:rPr>
+              <a:t>B </a:t>
+            </a:r>
+            <a:r>
+              <a:rPr lang="ko-KR" altLang="en-US" sz="4000" dirty="0">
+                <a:solidFill>
+                  <a:srgbClr val="FF0000"/>
+                </a:solidFill>
+              </a:rPr>
+              <a:t>안</a:t>
+            </a:r>
+            <a:r>
+              <a:rPr lang="en-US" altLang="ko-KR" sz="4000" dirty="0">
+                <a:solidFill>
+                  <a:srgbClr val="FF0000"/>
+                </a:solidFill>
+              </a:rPr>
+              <a:t>-</a:t>
+            </a:r>
+            <a:r>
+              <a:rPr lang="ko-KR" altLang="en-US" sz="4000" dirty="0">
+                <a:solidFill>
+                  <a:srgbClr val="FF0000"/>
+                </a:solidFill>
+              </a:rPr>
+              <a:t>구현 난해</a:t>
+            </a:r>
+          </a:p>
+        </p:txBody>
+      </p:sp>
     </p:spTree>
     <p:extLst>
       <p:ext uri="{BB962C8B-B14F-4D97-AF65-F5344CB8AC3E}">
-        <p14:creationId xmlns:p14="http://schemas.microsoft.com/office/powerpoint/2010/main" val="1008366792"/>
+        <p14:creationId xmlns:p14="http://schemas.microsoft.com/office/powerpoint/2010/main" val="4063738867"/>
       </p:ext>
     </p:extLst>
   </p:cSld>
@@ -17552,7 +17753,7 @@
 </p:sld>
 </file>
 
-<file path=ppt/slides/slide6.xml><?xml version="1.0" encoding="utf-8"?>
+<file path=ppt/slides/slide7.xml><?xml version="1.0" encoding="utf-8"?>
 <p:sld xmlns:a="http://schemas.openxmlformats.org/drawingml/2006/main" xmlns:r="http://schemas.openxmlformats.org/officeDocument/2006/relationships" xmlns:p="http://schemas.openxmlformats.org/presentationml/2006/main">
   <p:cSld>
     <p:spTree>
@@ -17612,7 +17813,7 @@
 </p:sld>
 </file>
 
-<file path=ppt/slides/slide7.xml><?xml version="1.0" encoding="utf-8"?>
+<file path=ppt/slides/slide8.xml><?xml version="1.0" encoding="utf-8"?>
 <p:sld xmlns:a="http://schemas.openxmlformats.org/drawingml/2006/main" xmlns:r="http://schemas.openxmlformats.org/officeDocument/2006/relationships" xmlns:p="http://schemas.openxmlformats.org/presentationml/2006/main">
   <p:cSld>
     <p:spTree>
@@ -24325,6 +24526,61 @@
           </a:p>
         </p:txBody>
       </p:sp>
+      <p:sp>
+        <p:nvSpPr>
+          <p:cNvPr id="4" name="직사각형 3">
+            <a:extLst>
+              <a:ext uri="{FF2B5EF4-FFF2-40B4-BE49-F238E27FC236}">
+                <a16:creationId xmlns:a16="http://schemas.microsoft.com/office/drawing/2014/main" id="{819358A5-CB26-742F-7B0F-4EF4EFFE412B}"/>
+              </a:ext>
+            </a:extLst>
+          </p:cNvPr>
+          <p:cNvSpPr/>
+          <p:nvPr/>
+        </p:nvSpPr>
+        <p:spPr>
+          <a:xfrm>
+            <a:off x="240012" y="660401"/>
+            <a:ext cx="1912637" cy="253916"/>
+          </a:xfrm>
+          <a:prstGeom prst="rect">
+            <a:avLst/>
+          </a:prstGeom>
+          <a:solidFill>
+            <a:schemeClr val="bg1"/>
+          </a:solidFill>
+          <a:ln>
+            <a:solidFill>
+              <a:schemeClr val="accent1"/>
+            </a:solidFill>
+          </a:ln>
+        </p:spPr>
+        <p:txBody>
+          <a:bodyPr wrap="square" rtlCol="0">
+            <a:spAutoFit/>
+          </a:bodyPr>
+          <a:lstStyle/>
+          <a:p>
+            <a:r>
+              <a:rPr lang="en-US" altLang="ko-KR" sz="1050" dirty="0"/>
+              <a:t>Building:</a:t>
+            </a:r>
+            <a:r>
+              <a:rPr lang="ko-KR" altLang="en-US" sz="1050" dirty="0"/>
+              <a:t> </a:t>
+            </a:r>
+            <a:r>
+              <a:rPr lang="en-US" altLang="ko-KR" sz="1050" dirty="0"/>
+              <a:t>CCB</a:t>
+            </a:r>
+            <a:endParaRPr lang="ko-KR" altLang="en-US" sz="1050" dirty="0">
+              <a:solidFill>
+                <a:schemeClr val="tx1"/>
+              </a:solidFill>
+            </a:endParaRPr>
+          </a:p>
+        </p:txBody>
+      </p:sp>
     </p:spTree>
     <p:extLst>
       <p:ext uri="{BB962C8B-B14F-4D97-AF65-F5344CB8AC3E}">

--- a/H_FamilyList_FP/화면정의서.pptx
+++ b/H_FamilyList_FP/화면정의서.pptx
@@ -11,8 +11,8 @@
     <p:sldId id="257" r:id="rId5"/>
     <p:sldId id="258" r:id="rId6"/>
     <p:sldId id="263" r:id="rId7"/>
-    <p:sldId id="259" r:id="rId8"/>
-    <p:sldId id="262" r:id="rId9"/>
+    <p:sldId id="262" r:id="rId8"/>
+    <p:sldId id="259" r:id="rId9"/>
   </p:sldIdLst>
   <p:sldSz cx="12192000" cy="6858000"/>
   <p:notesSz cx="6858000" cy="9144000"/>
@@ -266,7 +266,7 @@
           <a:p>
             <a:fld id="{9DC0FBBE-1B54-474B-A1EF-57FEDE0B6A08}" type="datetimeFigureOut">
               <a:rPr lang="ko-KR" altLang="en-US" smtClean="0"/>
-              <a:t>2024-09-24</a:t>
+              <a:t>2024-09-25</a:t>
             </a:fld>
             <a:endParaRPr lang="ko-KR" altLang="en-US"/>
           </a:p>
@@ -464,7 +464,7 @@
           <a:p>
             <a:fld id="{9DC0FBBE-1B54-474B-A1EF-57FEDE0B6A08}" type="datetimeFigureOut">
               <a:rPr lang="ko-KR" altLang="en-US" smtClean="0"/>
-              <a:t>2024-09-24</a:t>
+              <a:t>2024-09-25</a:t>
             </a:fld>
             <a:endParaRPr lang="ko-KR" altLang="en-US"/>
           </a:p>
@@ -672,7 +672,7 @@
           <a:p>
             <a:fld id="{9DC0FBBE-1B54-474B-A1EF-57FEDE0B6A08}" type="datetimeFigureOut">
               <a:rPr lang="ko-KR" altLang="en-US" smtClean="0"/>
-              <a:t>2024-09-24</a:t>
+              <a:t>2024-09-25</a:t>
             </a:fld>
             <a:endParaRPr lang="ko-KR" altLang="en-US"/>
           </a:p>
@@ -870,7 +870,7 @@
           <a:p>
             <a:fld id="{9DC0FBBE-1B54-474B-A1EF-57FEDE0B6A08}" type="datetimeFigureOut">
               <a:rPr lang="ko-KR" altLang="en-US" smtClean="0"/>
-              <a:t>2024-09-24</a:t>
+              <a:t>2024-09-25</a:t>
             </a:fld>
             <a:endParaRPr lang="ko-KR" altLang="en-US"/>
           </a:p>
@@ -1145,7 +1145,7 @@
           <a:p>
             <a:fld id="{9DC0FBBE-1B54-474B-A1EF-57FEDE0B6A08}" type="datetimeFigureOut">
               <a:rPr lang="ko-KR" altLang="en-US" smtClean="0"/>
-              <a:t>2024-09-24</a:t>
+              <a:t>2024-09-25</a:t>
             </a:fld>
             <a:endParaRPr lang="ko-KR" altLang="en-US"/>
           </a:p>
@@ -1410,7 +1410,7 @@
           <a:p>
             <a:fld id="{9DC0FBBE-1B54-474B-A1EF-57FEDE0B6A08}" type="datetimeFigureOut">
               <a:rPr lang="ko-KR" altLang="en-US" smtClean="0"/>
-              <a:t>2024-09-24</a:t>
+              <a:t>2024-09-25</a:t>
             </a:fld>
             <a:endParaRPr lang="ko-KR" altLang="en-US"/>
           </a:p>
@@ -1822,7 +1822,7 @@
           <a:p>
             <a:fld id="{9DC0FBBE-1B54-474B-A1EF-57FEDE0B6A08}" type="datetimeFigureOut">
               <a:rPr lang="ko-KR" altLang="en-US" smtClean="0"/>
-              <a:t>2024-09-24</a:t>
+              <a:t>2024-09-25</a:t>
             </a:fld>
             <a:endParaRPr lang="ko-KR" altLang="en-US"/>
           </a:p>
@@ -1963,7 +1963,7 @@
           <a:p>
             <a:fld id="{9DC0FBBE-1B54-474B-A1EF-57FEDE0B6A08}" type="datetimeFigureOut">
               <a:rPr lang="ko-KR" altLang="en-US" smtClean="0"/>
-              <a:t>2024-09-24</a:t>
+              <a:t>2024-09-25</a:t>
             </a:fld>
             <a:endParaRPr lang="ko-KR" altLang="en-US"/>
           </a:p>
@@ -2076,7 +2076,7 @@
           <a:p>
             <a:fld id="{9DC0FBBE-1B54-474B-A1EF-57FEDE0B6A08}" type="datetimeFigureOut">
               <a:rPr lang="ko-KR" altLang="en-US" smtClean="0"/>
-              <a:t>2024-09-24</a:t>
+              <a:t>2024-09-25</a:t>
             </a:fld>
             <a:endParaRPr lang="ko-KR" altLang="en-US"/>
           </a:p>
@@ -2387,7 +2387,7 @@
           <a:p>
             <a:fld id="{9DC0FBBE-1B54-474B-A1EF-57FEDE0B6A08}" type="datetimeFigureOut">
               <a:rPr lang="ko-KR" altLang="en-US" smtClean="0"/>
-              <a:t>2024-09-24</a:t>
+              <a:t>2024-09-25</a:t>
             </a:fld>
             <a:endParaRPr lang="ko-KR" altLang="en-US"/>
           </a:p>
@@ -2675,7 +2675,7 @@
           <a:p>
             <a:fld id="{9DC0FBBE-1B54-474B-A1EF-57FEDE0B6A08}" type="datetimeFigureOut">
               <a:rPr lang="ko-KR" altLang="en-US" smtClean="0"/>
-              <a:t>2024-09-24</a:t>
+              <a:t>2024-09-25</a:t>
             </a:fld>
             <a:endParaRPr lang="ko-KR" altLang="en-US"/>
           </a:p>
@@ -2916,7 +2916,7 @@
           <a:p>
             <a:fld id="{9DC0FBBE-1B54-474B-A1EF-57FEDE0B6A08}" type="datetimeFigureOut">
               <a:rPr lang="ko-KR" altLang="en-US" smtClean="0"/>
-              <a:t>2024-09-24</a:t>
+              <a:t>2024-09-25</a:t>
             </a:fld>
             <a:endParaRPr lang="ko-KR" altLang="en-US"/>
           </a:p>
@@ -17754,66 +17754,6 @@
 </file>
 
 <file path=ppt/slides/slide7.xml><?xml version="1.0" encoding="utf-8"?>
-<p:sld xmlns:a="http://schemas.openxmlformats.org/drawingml/2006/main" xmlns:r="http://schemas.openxmlformats.org/officeDocument/2006/relationships" xmlns:p="http://schemas.openxmlformats.org/presentationml/2006/main">
-  <p:cSld>
-    <p:spTree>
-      <p:nvGrpSpPr>
-        <p:cNvPr id="1" name=""/>
-        <p:cNvGrpSpPr/>
-        <p:nvPr/>
-      </p:nvGrpSpPr>
-      <p:grpSpPr>
-        <a:xfrm>
-          <a:off x="0" y="0"/>
-          <a:ext cx="0" cy="0"/>
-          <a:chOff x="0" y="0"/>
-          <a:chExt cx="0" cy="0"/>
-        </a:xfrm>
-      </p:grpSpPr>
-      <p:pic>
-        <p:nvPicPr>
-          <p:cNvPr id="5" name="그림 4">
-            <a:extLst>
-              <a:ext uri="{FF2B5EF4-FFF2-40B4-BE49-F238E27FC236}">
-                <a16:creationId xmlns:a16="http://schemas.microsoft.com/office/drawing/2014/main" id="{95D9C468-D5EC-3ABC-A07B-9850F8ED4B30}"/>
-              </a:ext>
-            </a:extLst>
-          </p:cNvPr>
-          <p:cNvPicPr>
-            <a:picLocks noChangeAspect="1"/>
-          </p:cNvPicPr>
-          <p:nvPr/>
-        </p:nvPicPr>
-        <p:blipFill>
-          <a:blip r:embed="rId2"/>
-          <a:stretch>
-            <a:fillRect/>
-          </a:stretch>
-        </p:blipFill>
-        <p:spPr>
-          <a:xfrm>
-            <a:off x="0" y="95250"/>
-            <a:ext cx="12192000" cy="6667500"/>
-          </a:xfrm>
-          <a:prstGeom prst="rect">
-            <a:avLst/>
-          </a:prstGeom>
-        </p:spPr>
-      </p:pic>
-    </p:spTree>
-    <p:extLst>
-      <p:ext uri="{BB962C8B-B14F-4D97-AF65-F5344CB8AC3E}">
-        <p14:creationId xmlns:p14="http://schemas.microsoft.com/office/powerpoint/2010/main" val="3343778474"/>
-      </p:ext>
-    </p:extLst>
-  </p:cSld>
-  <p:clrMapOvr>
-    <a:masterClrMapping/>
-  </p:clrMapOvr>
-</p:sld>
-</file>
-
-<file path=ppt/slides/slide8.xml><?xml version="1.0" encoding="utf-8"?>
 <p:sld xmlns:a="http://schemas.openxmlformats.org/drawingml/2006/main" xmlns:r="http://schemas.openxmlformats.org/officeDocument/2006/relationships" xmlns:p="http://schemas.openxmlformats.org/presentationml/2006/main">
   <p:cSld>
     <p:spTree>
@@ -21943,7 +21883,7 @@
         </p:nvSpPr>
         <p:spPr>
           <a:xfrm>
-            <a:off x="240012" y="1293515"/>
+            <a:off x="240012" y="1694433"/>
             <a:ext cx="1912637" cy="1708160"/>
           </a:xfrm>
           <a:prstGeom prst="rect">
@@ -22084,7 +22024,7 @@
         </p:nvSpPr>
         <p:spPr>
           <a:xfrm>
-            <a:off x="240012" y="937937"/>
+            <a:off x="240012" y="1032919"/>
             <a:ext cx="1417376" cy="261610"/>
           </a:xfrm>
           <a:prstGeom prst="rect">
@@ -22204,7 +22144,7 @@
         <p:spPr>
           <a:xfrm>
             <a:off x="8832813" y="1225908"/>
-            <a:ext cx="1830950" cy="261610"/>
+            <a:ext cx="2395207" cy="261610"/>
           </a:xfrm>
           <a:prstGeom prst="rect">
             <a:avLst/>
@@ -22219,7 +22159,7 @@
           <a:p>
             <a:r>
               <a:rPr lang="en-US" altLang="ko-KR" sz="1100" b="1" dirty="0"/>
-              <a:t>Q’ty Cal Type Parameter</a:t>
+              <a:t>Q’ty Cal Type Parameter: RM-Q1</a:t>
             </a:r>
           </a:p>
         </p:txBody>
@@ -24178,7 +24118,7 @@
         </p:nvSpPr>
         <p:spPr>
           <a:xfrm>
-            <a:off x="1203331" y="3377559"/>
+            <a:off x="1203331" y="3778477"/>
             <a:ext cx="405880" cy="246221"/>
           </a:xfrm>
           <a:prstGeom prst="rect">
@@ -24221,7 +24161,7 @@
         </p:nvSpPr>
         <p:spPr>
           <a:xfrm>
-            <a:off x="1790049" y="3377559"/>
+            <a:off x="1790049" y="3778477"/>
             <a:ext cx="362600" cy="246221"/>
           </a:xfrm>
           <a:prstGeom prst="rect">
@@ -24497,7 +24437,7 @@
         </p:nvSpPr>
         <p:spPr>
           <a:xfrm>
-            <a:off x="240012" y="3079825"/>
+            <a:off x="240012" y="3480743"/>
             <a:ext cx="1912637" cy="253916"/>
           </a:xfrm>
           <a:prstGeom prst="rect">
@@ -24581,10 +24521,150 @@
           </a:p>
         </p:txBody>
       </p:sp>
+      <p:pic>
+        <p:nvPicPr>
+          <p:cNvPr id="9" name="그림 8">
+            <a:extLst>
+              <a:ext uri="{FF2B5EF4-FFF2-40B4-BE49-F238E27FC236}">
+                <a16:creationId xmlns:a16="http://schemas.microsoft.com/office/drawing/2014/main" id="{0198B8F5-4E81-1A8A-C97F-ED0B8FC57901}"/>
+              </a:ext>
+            </a:extLst>
+          </p:cNvPr>
+          <p:cNvPicPr>
+            <a:picLocks noChangeAspect="1"/>
+          </p:cNvPicPr>
+          <p:nvPr/>
+        </p:nvPicPr>
+        <p:blipFill rotWithShape="1">
+          <a:blip r:embed="rId3"/>
+          <a:srcRect l="90638" t="3820" r="928" b="55438"/>
+          <a:stretch/>
+        </p:blipFill>
+        <p:spPr>
+          <a:xfrm>
+            <a:off x="1921793" y="685326"/>
+            <a:ext cx="230856" cy="228991"/>
+          </a:xfrm>
+          <a:prstGeom prst="rect">
+            <a:avLst/>
+          </a:prstGeom>
+        </p:spPr>
+      </p:pic>
+      <p:sp>
+        <p:nvSpPr>
+          <p:cNvPr id="43" name="직사각형 42">
+            <a:extLst>
+              <a:ext uri="{FF2B5EF4-FFF2-40B4-BE49-F238E27FC236}">
+                <a16:creationId xmlns:a16="http://schemas.microsoft.com/office/drawing/2014/main" id="{4CDD139D-16B8-DF07-DA74-DEAF3A603660}"/>
+              </a:ext>
+            </a:extLst>
+          </p:cNvPr>
+          <p:cNvSpPr/>
+          <p:nvPr/>
+        </p:nvSpPr>
+        <p:spPr>
+          <a:xfrm>
+            <a:off x="240011" y="1316438"/>
+            <a:ext cx="1912637" cy="253916"/>
+          </a:xfrm>
+          <a:prstGeom prst="rect">
+            <a:avLst/>
+          </a:prstGeom>
+          <a:solidFill>
+            <a:schemeClr val="bg1"/>
+          </a:solidFill>
+          <a:ln>
+            <a:solidFill>
+              <a:schemeClr val="accent1"/>
+            </a:solidFill>
+          </a:ln>
+        </p:spPr>
+        <p:txBody>
+          <a:bodyPr wrap="square" rtlCol="0">
+            <a:spAutoFit/>
+          </a:bodyPr>
+          <a:lstStyle/>
+          <a:p>
+            <a:r>
+              <a:rPr lang="en-US" altLang="ko-KR" sz="1050" dirty="0">
+                <a:solidFill>
+                  <a:schemeClr val="tx1"/>
+                </a:solidFill>
+              </a:rPr>
+              <a:t>Search:</a:t>
+            </a:r>
+            <a:endParaRPr lang="ko-KR" altLang="en-US" sz="1050" dirty="0">
+              <a:solidFill>
+                <a:schemeClr val="tx1"/>
+              </a:solidFill>
+            </a:endParaRPr>
+          </a:p>
+        </p:txBody>
+      </p:sp>
     </p:spTree>
     <p:extLst>
       <p:ext uri="{BB962C8B-B14F-4D97-AF65-F5344CB8AC3E}">
         <p14:creationId xmlns:p14="http://schemas.microsoft.com/office/powerpoint/2010/main" val="612154165"/>
+      </p:ext>
+    </p:extLst>
+  </p:cSld>
+  <p:clrMapOvr>
+    <a:masterClrMapping/>
+  </p:clrMapOvr>
+</p:sld>
+</file>
+
+<file path=ppt/slides/slide8.xml><?xml version="1.0" encoding="utf-8"?>
+<p:sld xmlns:a="http://schemas.openxmlformats.org/drawingml/2006/main" xmlns:r="http://schemas.openxmlformats.org/officeDocument/2006/relationships" xmlns:p="http://schemas.openxmlformats.org/presentationml/2006/main">
+  <p:cSld>
+    <p:spTree>
+      <p:nvGrpSpPr>
+        <p:cNvPr id="1" name=""/>
+        <p:cNvGrpSpPr/>
+        <p:nvPr/>
+      </p:nvGrpSpPr>
+      <p:grpSpPr>
+        <a:xfrm>
+          <a:off x="0" y="0"/>
+          <a:ext cx="0" cy="0"/>
+          <a:chOff x="0" y="0"/>
+          <a:chExt cx="0" cy="0"/>
+        </a:xfrm>
+      </p:grpSpPr>
+      <p:pic>
+        <p:nvPicPr>
+          <p:cNvPr id="5" name="그림 4">
+            <a:extLst>
+              <a:ext uri="{FF2B5EF4-FFF2-40B4-BE49-F238E27FC236}">
+                <a16:creationId xmlns:a16="http://schemas.microsoft.com/office/drawing/2014/main" id="{95D9C468-D5EC-3ABC-A07B-9850F8ED4B30}"/>
+              </a:ext>
+            </a:extLst>
+          </p:cNvPr>
+          <p:cNvPicPr>
+            <a:picLocks noChangeAspect="1"/>
+          </p:cNvPicPr>
+          <p:nvPr/>
+        </p:nvPicPr>
+        <p:blipFill>
+          <a:blip r:embed="rId2"/>
+          <a:stretch>
+            <a:fillRect/>
+          </a:stretch>
+        </p:blipFill>
+        <p:spPr>
+          <a:xfrm>
+            <a:off x="0" y="95250"/>
+            <a:ext cx="12192000" cy="6667500"/>
+          </a:xfrm>
+          <a:prstGeom prst="rect">
+            <a:avLst/>
+          </a:prstGeom>
+        </p:spPr>
+      </p:pic>
+    </p:spTree>
+    <p:extLst>
+      <p:ext uri="{BB962C8B-B14F-4D97-AF65-F5344CB8AC3E}">
+        <p14:creationId xmlns:p14="http://schemas.microsoft.com/office/powerpoint/2010/main" val="3343778474"/>
       </p:ext>
     </p:extLst>
   </p:cSld>

--- a/H_FamilyList_FP/화면정의서.pptx
+++ b/H_FamilyList_FP/화면정의서.pptx
@@ -12,7 +12,8 @@
     <p:sldId id="258" r:id="rId6"/>
     <p:sldId id="263" r:id="rId7"/>
     <p:sldId id="262" r:id="rId8"/>
-    <p:sldId id="259" r:id="rId9"/>
+    <p:sldId id="264" r:id="rId9"/>
+    <p:sldId id="259" r:id="rId10"/>
   </p:sldIdLst>
   <p:sldSz cx="12192000" cy="6858000"/>
   <p:notesSz cx="6858000" cy="9144000"/>
@@ -4269,6 +4270,105 @@
           </a:p>
         </p:txBody>
       </p:sp>
+      <p:grpSp>
+        <p:nvGrpSpPr>
+          <p:cNvPr id="3" name="그룹 2">
+            <a:extLst>
+              <a:ext uri="{FF2B5EF4-FFF2-40B4-BE49-F238E27FC236}">
+                <a16:creationId xmlns:a16="http://schemas.microsoft.com/office/drawing/2014/main" id="{2C838388-443A-E7DE-9F5C-D71F9288C7CC}"/>
+              </a:ext>
+            </a:extLst>
+          </p:cNvPr>
+          <p:cNvGrpSpPr/>
+          <p:nvPr/>
+        </p:nvGrpSpPr>
+        <p:grpSpPr>
+          <a:xfrm>
+            <a:off x="240013" y="212436"/>
+            <a:ext cx="11429473" cy="6378239"/>
+            <a:chOff x="240013" y="212436"/>
+            <a:chExt cx="11429473" cy="6378239"/>
+          </a:xfrm>
+        </p:grpSpPr>
+        <p:cxnSp>
+          <p:nvCxnSpPr>
+            <p:cNvPr id="4" name="직선 연결선 3">
+              <a:extLst>
+                <a:ext uri="{FF2B5EF4-FFF2-40B4-BE49-F238E27FC236}">
+                  <a16:creationId xmlns:a16="http://schemas.microsoft.com/office/drawing/2014/main" id="{F3683043-67DE-3C2A-D545-2AF0B3F8D610}"/>
+                </a:ext>
+              </a:extLst>
+            </p:cNvPr>
+            <p:cNvCxnSpPr>
+              <a:cxnSpLocks/>
+            </p:cNvCxnSpPr>
+            <p:nvPr/>
+          </p:nvCxnSpPr>
+          <p:spPr>
+            <a:xfrm>
+              <a:off x="240013" y="212436"/>
+              <a:ext cx="11429473" cy="6188364"/>
+            </a:xfrm>
+            <a:prstGeom prst="line">
+              <a:avLst/>
+            </a:prstGeom>
+            <a:ln w="38100"/>
+          </p:spPr>
+          <p:style>
+            <a:lnRef idx="1">
+              <a:schemeClr val="accent2"/>
+            </a:lnRef>
+            <a:fillRef idx="0">
+              <a:schemeClr val="accent2"/>
+            </a:fillRef>
+            <a:effectRef idx="0">
+              <a:schemeClr val="accent2"/>
+            </a:effectRef>
+            <a:fontRef idx="minor">
+              <a:schemeClr val="tx1"/>
+            </a:fontRef>
+          </p:style>
+        </p:cxnSp>
+        <p:cxnSp>
+          <p:nvCxnSpPr>
+            <p:cNvPr id="9" name="직선 연결선 8">
+              <a:extLst>
+                <a:ext uri="{FF2B5EF4-FFF2-40B4-BE49-F238E27FC236}">
+                  <a16:creationId xmlns:a16="http://schemas.microsoft.com/office/drawing/2014/main" id="{E51AE715-29E1-A3B3-3265-B118AC8C0DEA}"/>
+                </a:ext>
+              </a:extLst>
+            </p:cNvPr>
+            <p:cNvCxnSpPr>
+              <a:cxnSpLocks/>
+            </p:cNvCxnSpPr>
+            <p:nvPr/>
+          </p:nvCxnSpPr>
+          <p:spPr>
+            <a:xfrm flipV="1">
+              <a:off x="478683" y="883750"/>
+              <a:ext cx="10922742" cy="5706925"/>
+            </a:xfrm>
+            <a:prstGeom prst="line">
+              <a:avLst/>
+            </a:prstGeom>
+            <a:ln w="38100"/>
+          </p:spPr>
+          <p:style>
+            <a:lnRef idx="1">
+              <a:schemeClr val="accent2"/>
+            </a:lnRef>
+            <a:fillRef idx="0">
+              <a:schemeClr val="accent2"/>
+            </a:fillRef>
+            <a:effectRef idx="0">
+              <a:schemeClr val="accent2"/>
+            </a:effectRef>
+            <a:fontRef idx="minor">
+              <a:schemeClr val="tx1"/>
+            </a:fontRef>
+          </p:style>
+        </p:cxnSp>
+      </p:grpSp>
     </p:spTree>
     <p:extLst>
       <p:ext uri="{BB962C8B-B14F-4D97-AF65-F5344CB8AC3E}">
@@ -5328,6 +5428,105 @@
           </a:p>
         </p:txBody>
       </p:sp>
+      <p:grpSp>
+        <p:nvGrpSpPr>
+          <p:cNvPr id="2" name="그룹 1">
+            <a:extLst>
+              <a:ext uri="{FF2B5EF4-FFF2-40B4-BE49-F238E27FC236}">
+                <a16:creationId xmlns:a16="http://schemas.microsoft.com/office/drawing/2014/main" id="{225A93A0-3A65-9CE5-9CD9-D18761F28EC7}"/>
+              </a:ext>
+            </a:extLst>
+          </p:cNvPr>
+          <p:cNvGrpSpPr/>
+          <p:nvPr/>
+        </p:nvGrpSpPr>
+        <p:grpSpPr>
+          <a:xfrm>
+            <a:off x="240013" y="212436"/>
+            <a:ext cx="11429473" cy="6378239"/>
+            <a:chOff x="240013" y="212436"/>
+            <a:chExt cx="11429473" cy="6378239"/>
+          </a:xfrm>
+        </p:grpSpPr>
+        <p:cxnSp>
+          <p:nvCxnSpPr>
+            <p:cNvPr id="3" name="직선 연결선 2">
+              <a:extLst>
+                <a:ext uri="{FF2B5EF4-FFF2-40B4-BE49-F238E27FC236}">
+                  <a16:creationId xmlns:a16="http://schemas.microsoft.com/office/drawing/2014/main" id="{54402A91-A11A-1FCC-5A1C-EC6B89B1062F}"/>
+                </a:ext>
+              </a:extLst>
+            </p:cNvPr>
+            <p:cNvCxnSpPr>
+              <a:cxnSpLocks/>
+            </p:cNvCxnSpPr>
+            <p:nvPr/>
+          </p:nvCxnSpPr>
+          <p:spPr>
+            <a:xfrm>
+              <a:off x="240013" y="212436"/>
+              <a:ext cx="11429473" cy="6188364"/>
+            </a:xfrm>
+            <a:prstGeom prst="line">
+              <a:avLst/>
+            </a:prstGeom>
+            <a:ln w="38100"/>
+          </p:spPr>
+          <p:style>
+            <a:lnRef idx="1">
+              <a:schemeClr val="accent2"/>
+            </a:lnRef>
+            <a:fillRef idx="0">
+              <a:schemeClr val="accent2"/>
+            </a:fillRef>
+            <a:effectRef idx="0">
+              <a:schemeClr val="accent2"/>
+            </a:effectRef>
+            <a:fontRef idx="minor">
+              <a:schemeClr val="tx1"/>
+            </a:fontRef>
+          </p:style>
+        </p:cxnSp>
+        <p:cxnSp>
+          <p:nvCxnSpPr>
+            <p:cNvPr id="4" name="직선 연결선 3">
+              <a:extLst>
+                <a:ext uri="{FF2B5EF4-FFF2-40B4-BE49-F238E27FC236}">
+                  <a16:creationId xmlns:a16="http://schemas.microsoft.com/office/drawing/2014/main" id="{930C432B-A2A9-120F-B647-DDDE1BCE0A2A}"/>
+                </a:ext>
+              </a:extLst>
+            </p:cNvPr>
+            <p:cNvCxnSpPr>
+              <a:cxnSpLocks/>
+            </p:cNvCxnSpPr>
+            <p:nvPr/>
+          </p:nvCxnSpPr>
+          <p:spPr>
+            <a:xfrm flipV="1">
+              <a:off x="478683" y="883750"/>
+              <a:ext cx="10922742" cy="5706925"/>
+            </a:xfrm>
+            <a:prstGeom prst="line">
+              <a:avLst/>
+            </a:prstGeom>
+            <a:ln w="38100"/>
+          </p:spPr>
+          <p:style>
+            <a:lnRef idx="1">
+              <a:schemeClr val="accent2"/>
+            </a:lnRef>
+            <a:fillRef idx="0">
+              <a:schemeClr val="accent2"/>
+            </a:fillRef>
+            <a:effectRef idx="0">
+              <a:schemeClr val="accent2"/>
+            </a:effectRef>
+            <a:fontRef idx="minor">
+              <a:schemeClr val="tx1"/>
+            </a:fontRef>
+          </p:style>
+        </p:cxnSp>
+      </p:grpSp>
     </p:spTree>
     <p:extLst>
       <p:ext uri="{BB962C8B-B14F-4D97-AF65-F5344CB8AC3E}">
@@ -17740,6 +17939,105 @@
           </a:p>
         </p:txBody>
       </p:sp>
+      <p:grpSp>
+        <p:nvGrpSpPr>
+          <p:cNvPr id="42" name="그룹 41">
+            <a:extLst>
+              <a:ext uri="{FF2B5EF4-FFF2-40B4-BE49-F238E27FC236}">
+                <a16:creationId xmlns:a16="http://schemas.microsoft.com/office/drawing/2014/main" id="{12FAE867-08F8-0B06-99D0-A62EEB1D3776}"/>
+              </a:ext>
+            </a:extLst>
+          </p:cNvPr>
+          <p:cNvGrpSpPr/>
+          <p:nvPr/>
+        </p:nvGrpSpPr>
+        <p:grpSpPr>
+          <a:xfrm>
+            <a:off x="240013" y="212436"/>
+            <a:ext cx="11429473" cy="6378239"/>
+            <a:chOff x="240013" y="212436"/>
+            <a:chExt cx="11429473" cy="6378239"/>
+          </a:xfrm>
+        </p:grpSpPr>
+        <p:cxnSp>
+          <p:nvCxnSpPr>
+            <p:cNvPr id="37" name="직선 연결선 36">
+              <a:extLst>
+                <a:ext uri="{FF2B5EF4-FFF2-40B4-BE49-F238E27FC236}">
+                  <a16:creationId xmlns:a16="http://schemas.microsoft.com/office/drawing/2014/main" id="{76F1732C-24C4-03A5-08D3-F1DE3A905F14}"/>
+                </a:ext>
+              </a:extLst>
+            </p:cNvPr>
+            <p:cNvCxnSpPr>
+              <a:cxnSpLocks/>
+            </p:cNvCxnSpPr>
+            <p:nvPr/>
+          </p:nvCxnSpPr>
+          <p:spPr>
+            <a:xfrm>
+              <a:off x="240013" y="212436"/>
+              <a:ext cx="11429473" cy="6188364"/>
+            </a:xfrm>
+            <a:prstGeom prst="line">
+              <a:avLst/>
+            </a:prstGeom>
+            <a:ln w="38100"/>
+          </p:spPr>
+          <p:style>
+            <a:lnRef idx="1">
+              <a:schemeClr val="accent2"/>
+            </a:lnRef>
+            <a:fillRef idx="0">
+              <a:schemeClr val="accent2"/>
+            </a:fillRef>
+            <a:effectRef idx="0">
+              <a:schemeClr val="accent2"/>
+            </a:effectRef>
+            <a:fontRef idx="minor">
+              <a:schemeClr val="tx1"/>
+            </a:fontRef>
+          </p:style>
+        </p:cxnSp>
+        <p:cxnSp>
+          <p:nvCxnSpPr>
+            <p:cNvPr id="39" name="직선 연결선 38">
+              <a:extLst>
+                <a:ext uri="{FF2B5EF4-FFF2-40B4-BE49-F238E27FC236}">
+                  <a16:creationId xmlns:a16="http://schemas.microsoft.com/office/drawing/2014/main" id="{ACC5B321-BBF7-783B-A5C9-28F581B686A5}"/>
+                </a:ext>
+              </a:extLst>
+            </p:cNvPr>
+            <p:cNvCxnSpPr>
+              <a:cxnSpLocks/>
+            </p:cNvCxnSpPr>
+            <p:nvPr/>
+          </p:nvCxnSpPr>
+          <p:spPr>
+            <a:xfrm flipV="1">
+              <a:off x="478683" y="883750"/>
+              <a:ext cx="10922742" cy="5706925"/>
+            </a:xfrm>
+            <a:prstGeom prst="line">
+              <a:avLst/>
+            </a:prstGeom>
+            <a:ln w="38100"/>
+          </p:spPr>
+          <p:style>
+            <a:lnRef idx="1">
+              <a:schemeClr val="accent2"/>
+            </a:lnRef>
+            <a:fillRef idx="0">
+              <a:schemeClr val="accent2"/>
+            </a:fillRef>
+            <a:effectRef idx="0">
+              <a:schemeClr val="accent2"/>
+            </a:effectRef>
+            <a:fontRef idx="minor">
+              <a:schemeClr val="tx1"/>
+            </a:fontRef>
+          </p:style>
+        </p:cxnSp>
+      </p:grpSp>
     </p:spTree>
     <p:extLst>
       <p:ext uri="{BB962C8B-B14F-4D97-AF65-F5344CB8AC3E}">
@@ -24480,7 +24778,7 @@
         </p:nvSpPr>
         <p:spPr>
           <a:xfrm>
-            <a:off x="240012" y="660401"/>
+            <a:off x="2956283" y="631707"/>
             <a:ext cx="1912637" cy="253916"/>
           </a:xfrm>
           <a:prstGeom prst="rect">
@@ -24542,7 +24840,7 @@
         </p:blipFill>
         <p:spPr>
           <a:xfrm>
-            <a:off x="1921793" y="685326"/>
+            <a:off x="4638064" y="656632"/>
             <a:ext cx="230856" cy="228991"/>
           </a:xfrm>
           <a:prstGeom prst="rect">
@@ -24601,6 +24899,36 @@
           </a:p>
         </p:txBody>
       </p:sp>
+      <p:pic>
+        <p:nvPicPr>
+          <p:cNvPr id="45" name="그림 44">
+            <a:extLst>
+              <a:ext uri="{FF2B5EF4-FFF2-40B4-BE49-F238E27FC236}">
+                <a16:creationId xmlns:a16="http://schemas.microsoft.com/office/drawing/2014/main" id="{8D780280-979D-A7CB-0B3B-DF0389C4B4AB}"/>
+              </a:ext>
+            </a:extLst>
+          </p:cNvPr>
+          <p:cNvPicPr>
+            <a:picLocks noChangeAspect="1"/>
+          </p:cNvPicPr>
+          <p:nvPr/>
+        </p:nvPicPr>
+        <p:blipFill>
+          <a:blip r:embed="rId8"/>
+          <a:stretch>
+            <a:fillRect/>
+          </a:stretch>
+        </p:blipFill>
+        <p:spPr>
+          <a:xfrm>
+            <a:off x="197368" y="624600"/>
+            <a:ext cx="2561547" cy="310306"/>
+          </a:xfrm>
+          <a:prstGeom prst="rect">
+            <a:avLst/>
+          </a:prstGeom>
+        </p:spPr>
+      </p:pic>
     </p:spTree>
     <p:extLst>
       <p:ext uri="{BB962C8B-B14F-4D97-AF65-F5344CB8AC3E}">
@@ -24615,6 +24943,6231 @@
 </file>
 
 <file path=ppt/slides/slide8.xml><?xml version="1.0" encoding="utf-8"?>
+<p:sld xmlns:a="http://schemas.openxmlformats.org/drawingml/2006/main" xmlns:r="http://schemas.openxmlformats.org/officeDocument/2006/relationships" xmlns:p="http://schemas.openxmlformats.org/presentationml/2006/main">
+  <p:cSld>
+    <p:spTree>
+      <p:nvGrpSpPr>
+        <p:cNvPr id="1" name=""/>
+        <p:cNvGrpSpPr/>
+        <p:nvPr/>
+      </p:nvGrpSpPr>
+      <p:grpSpPr>
+        <a:xfrm>
+          <a:off x="0" y="0"/>
+          <a:ext cx="0" cy="0"/>
+          <a:chOff x="0" y="0"/>
+          <a:chExt cx="0" cy="0"/>
+        </a:xfrm>
+      </p:grpSpPr>
+      <p:pic>
+        <p:nvPicPr>
+          <p:cNvPr id="45" name="그림 44">
+            <a:extLst>
+              <a:ext uri="{FF2B5EF4-FFF2-40B4-BE49-F238E27FC236}">
+                <a16:creationId xmlns:a16="http://schemas.microsoft.com/office/drawing/2014/main" id="{2B248996-ADF4-33F7-32A6-625165F577B8}"/>
+              </a:ext>
+            </a:extLst>
+          </p:cNvPr>
+          <p:cNvPicPr>
+            <a:picLocks noChangeAspect="1"/>
+          </p:cNvPicPr>
+          <p:nvPr/>
+        </p:nvPicPr>
+        <p:blipFill>
+          <a:blip r:embed="rId2"/>
+          <a:stretch>
+            <a:fillRect/>
+          </a:stretch>
+        </p:blipFill>
+        <p:spPr>
+          <a:xfrm>
+            <a:off x="0" y="134982"/>
+            <a:ext cx="12192000" cy="6553200"/>
+          </a:xfrm>
+          <a:prstGeom prst="rect">
+            <a:avLst/>
+          </a:prstGeom>
+        </p:spPr>
+      </p:pic>
+      <p:graphicFrame>
+        <p:nvGraphicFramePr>
+          <p:cNvPr id="6" name="표 5">
+            <a:extLst>
+              <a:ext uri="{FF2B5EF4-FFF2-40B4-BE49-F238E27FC236}">
+                <a16:creationId xmlns:a16="http://schemas.microsoft.com/office/drawing/2014/main" id="{EE3A60FF-2CE3-B6A9-2FAD-7087A8D86FFB}"/>
+              </a:ext>
+            </a:extLst>
+          </p:cNvPr>
+          <p:cNvGraphicFramePr>
+            <a:graphicFrameLocks noGrp="1"/>
+          </p:cNvGraphicFramePr>
+          <p:nvPr>
+            <p:extLst>
+              <p:ext uri="{D42A27DB-BD31-4B8C-83A1-F6EECF244321}">
+                <p14:modId xmlns:p14="http://schemas.microsoft.com/office/powerpoint/2010/main" val="3100153670"/>
+              </p:ext>
+            </p:extLst>
+          </p:nvPr>
+        </p:nvGraphicFramePr>
+        <p:xfrm>
+          <a:off x="2873215" y="1307556"/>
+          <a:ext cx="5634745" cy="1965960"/>
+        </p:xfrm>
+        <a:graphic>
+          <a:graphicData uri="http://schemas.openxmlformats.org/drawingml/2006/table">
+            <a:tbl>
+              <a:tblPr firstRow="1" bandRow="1">
+                <a:tableStyleId>{5C22544A-7EE6-4342-B048-85BDC9FD1C3A}</a:tableStyleId>
+              </a:tblPr>
+              <a:tblGrid>
+                <a:gridCol w="945353">
+                  <a:extLst>
+                    <a:ext uri="{9D8B030D-6E8A-4147-A177-3AD203B41FA5}">
+                      <a16:colId xmlns:a16="http://schemas.microsoft.com/office/drawing/2014/main" val="1714871195"/>
+                    </a:ext>
+                  </a:extLst>
+                </a:gridCol>
+                <a:gridCol w="911902">
+                  <a:extLst>
+                    <a:ext uri="{9D8B030D-6E8A-4147-A177-3AD203B41FA5}">
+                      <a16:colId xmlns:a16="http://schemas.microsoft.com/office/drawing/2014/main" val="582723084"/>
+                    </a:ext>
+                  </a:extLst>
+                </a:gridCol>
+                <a:gridCol w="559857">
+                  <a:extLst>
+                    <a:ext uri="{9D8B030D-6E8A-4147-A177-3AD203B41FA5}">
+                      <a16:colId xmlns:a16="http://schemas.microsoft.com/office/drawing/2014/main" val="1680861650"/>
+                    </a:ext>
+                  </a:extLst>
+                </a:gridCol>
+                <a:gridCol w="901700">
+                  <a:extLst>
+                    <a:ext uri="{9D8B030D-6E8A-4147-A177-3AD203B41FA5}">
+                      <a16:colId xmlns:a16="http://schemas.microsoft.com/office/drawing/2014/main" val="2260511338"/>
+                    </a:ext>
+                  </a:extLst>
+                </a:gridCol>
+                <a:gridCol w="920750">
+                  <a:extLst>
+                    <a:ext uri="{9D8B030D-6E8A-4147-A177-3AD203B41FA5}">
+                      <a16:colId xmlns:a16="http://schemas.microsoft.com/office/drawing/2014/main" val="1008508426"/>
+                    </a:ext>
+                  </a:extLst>
+                </a:gridCol>
+                <a:gridCol w="717550">
+                  <a:extLst>
+                    <a:ext uri="{9D8B030D-6E8A-4147-A177-3AD203B41FA5}">
+                      <a16:colId xmlns:a16="http://schemas.microsoft.com/office/drawing/2014/main" val="2900262038"/>
+                    </a:ext>
+                  </a:extLst>
+                </a:gridCol>
+                <a:gridCol w="677633">
+                  <a:extLst>
+                    <a:ext uri="{9D8B030D-6E8A-4147-A177-3AD203B41FA5}">
+                      <a16:colId xmlns:a16="http://schemas.microsoft.com/office/drawing/2014/main" val="2403558010"/>
+                    </a:ext>
+                  </a:extLst>
+                </a:gridCol>
+              </a:tblGrid>
+              <a:tr h="0">
+                <a:tc>
+                  <a:txBody>
+                    <a:bodyPr/>
+                    <a:lstStyle/>
+                    <a:p>
+                      <a:pPr marL="0" marR="0" lvl="0" indent="0" algn="ctr" defTabSz="914400" rtl="0" eaLnBrk="1" fontAlgn="auto" latinLnBrk="1" hangingPunct="1">
+                        <a:lnSpc>
+                          <a:spcPct val="100000"/>
+                        </a:lnSpc>
+                        <a:spcBef>
+                          <a:spcPts val="0"/>
+                        </a:spcBef>
+                        <a:spcAft>
+                          <a:spcPts val="0"/>
+                        </a:spcAft>
+                        <a:buClrTx/>
+                        <a:buSzTx/>
+                        <a:buFontTx/>
+                        <a:buNone/>
+                        <a:tabLst/>
+                        <a:defRPr/>
+                      </a:pPr>
+                      <a:r>
+                        <a:rPr lang="en-US" altLang="ko-KR" sz="1000" b="0" dirty="0" err="1">
+                          <a:solidFill>
+                            <a:schemeClr val="tx1"/>
+                          </a:solidFill>
+                        </a:rPr>
+                        <a:t>wmGroup</a:t>
+                      </a:r>
+                      <a:endParaRPr lang="ko-KR" altLang="en-US" sz="1000" b="0" dirty="0">
+                        <a:solidFill>
+                          <a:schemeClr val="tx1"/>
+                        </a:solidFill>
+                      </a:endParaRPr>
+                    </a:p>
+                  </a:txBody>
+                  <a:tcPr>
+                    <a:lnL w="12700" cap="flat" cmpd="sng" algn="ctr">
+                      <a:solidFill>
+                        <a:schemeClr val="tx1"/>
+                      </a:solidFill>
+                      <a:prstDash val="solid"/>
+                      <a:round/>
+                      <a:headEnd type="none" w="med" len="med"/>
+                      <a:tailEnd type="none" w="med" len="med"/>
+                    </a:lnL>
+                    <a:lnR w="12700" cap="flat" cmpd="sng" algn="ctr">
+                      <a:solidFill>
+                        <a:schemeClr val="tx1"/>
+                      </a:solidFill>
+                      <a:prstDash val="solid"/>
+                      <a:round/>
+                      <a:headEnd type="none" w="med" len="med"/>
+                      <a:tailEnd type="none" w="med" len="med"/>
+                    </a:lnR>
+                    <a:lnT w="12700" cap="flat" cmpd="sng" algn="ctr">
+                      <a:solidFill>
+                        <a:schemeClr val="tx1"/>
+                      </a:solidFill>
+                      <a:prstDash val="solid"/>
+                      <a:round/>
+                      <a:headEnd type="none" w="med" len="med"/>
+                      <a:tailEnd type="none" w="med" len="med"/>
+                    </a:lnT>
+                    <a:lnB w="12700" cap="flat" cmpd="sng" algn="ctr">
+                      <a:solidFill>
+                        <a:schemeClr val="tx1"/>
+                      </a:solidFill>
+                      <a:prstDash val="solid"/>
+                      <a:round/>
+                      <a:headEnd type="none" w="med" len="med"/>
+                      <a:tailEnd type="none" w="med" len="med"/>
+                    </a:lnB>
+                    <a:solidFill>
+                      <a:schemeClr val="bg2"/>
+                    </a:solidFill>
+                  </a:tcPr>
+                </a:tc>
+                <a:tc>
+                  <a:txBody>
+                    <a:bodyPr/>
+                    <a:lstStyle/>
+                    <a:p>
+                      <a:pPr algn="ctr" latinLnBrk="1"/>
+                      <a:r>
+                        <a:rPr lang="en-US" altLang="ko-KR" sz="900" b="0" dirty="0">
+                          <a:solidFill>
+                            <a:schemeClr val="tx1"/>
+                          </a:solidFill>
+                        </a:rPr>
+                        <a:t>Work Master Code /w Description</a:t>
+                      </a:r>
+                      <a:endParaRPr lang="ko-KR" altLang="en-US" sz="900" b="0" dirty="0">
+                        <a:solidFill>
+                          <a:schemeClr val="tx1"/>
+                        </a:solidFill>
+                      </a:endParaRPr>
+                    </a:p>
+                  </a:txBody>
+                  <a:tcPr>
+                    <a:lnL w="12700" cap="flat" cmpd="sng" algn="ctr">
+                      <a:solidFill>
+                        <a:schemeClr val="tx1"/>
+                      </a:solidFill>
+                      <a:prstDash val="solid"/>
+                      <a:round/>
+                      <a:headEnd type="none" w="med" len="med"/>
+                      <a:tailEnd type="none" w="med" len="med"/>
+                    </a:lnL>
+                    <a:lnR w="12700" cap="flat" cmpd="sng" algn="ctr">
+                      <a:solidFill>
+                        <a:schemeClr val="tx1"/>
+                      </a:solidFill>
+                      <a:prstDash val="solid"/>
+                      <a:round/>
+                      <a:headEnd type="none" w="med" len="med"/>
+                      <a:tailEnd type="none" w="med" len="med"/>
+                    </a:lnR>
+                    <a:lnT w="12700" cap="flat" cmpd="sng" algn="ctr">
+                      <a:solidFill>
+                        <a:schemeClr val="tx1"/>
+                      </a:solidFill>
+                      <a:prstDash val="solid"/>
+                      <a:round/>
+                      <a:headEnd type="none" w="med" len="med"/>
+                      <a:tailEnd type="none" w="med" len="med"/>
+                    </a:lnT>
+                    <a:lnB w="12700" cap="flat" cmpd="sng" algn="ctr">
+                      <a:solidFill>
+                        <a:schemeClr val="tx1"/>
+                      </a:solidFill>
+                      <a:prstDash val="solid"/>
+                      <a:round/>
+                      <a:headEnd type="none" w="med" len="med"/>
+                      <a:tailEnd type="none" w="med" len="med"/>
+                    </a:lnB>
+                    <a:solidFill>
+                      <a:schemeClr val="bg2"/>
+                    </a:solidFill>
+                  </a:tcPr>
+                </a:tc>
+                <a:tc>
+                  <a:txBody>
+                    <a:bodyPr/>
+                    <a:lstStyle/>
+                    <a:p>
+                      <a:pPr algn="ctr" latinLnBrk="1"/>
+                      <a:r>
+                        <a:rPr lang="en-US" altLang="ko-KR" sz="1000" b="0" dirty="0">
+                          <a:solidFill>
+                            <a:schemeClr val="tx1"/>
+                          </a:solidFill>
+                        </a:rPr>
+                        <a:t>Gauge Code</a:t>
+                      </a:r>
+                      <a:endParaRPr lang="ko-KR" altLang="en-US" sz="1000" b="0" dirty="0">
+                        <a:solidFill>
+                          <a:schemeClr val="tx1"/>
+                        </a:solidFill>
+                      </a:endParaRPr>
+                    </a:p>
+                  </a:txBody>
+                  <a:tcPr>
+                    <a:lnL w="12700" cap="flat" cmpd="sng" algn="ctr">
+                      <a:solidFill>
+                        <a:schemeClr val="tx1"/>
+                      </a:solidFill>
+                      <a:prstDash val="solid"/>
+                      <a:round/>
+                      <a:headEnd type="none" w="med" len="med"/>
+                      <a:tailEnd type="none" w="med" len="med"/>
+                    </a:lnL>
+                    <a:lnR w="12700" cap="flat" cmpd="sng" algn="ctr">
+                      <a:solidFill>
+                        <a:schemeClr val="tx1"/>
+                      </a:solidFill>
+                      <a:prstDash val="solid"/>
+                      <a:round/>
+                      <a:headEnd type="none" w="med" len="med"/>
+                      <a:tailEnd type="none" w="med" len="med"/>
+                    </a:lnR>
+                    <a:lnT w="12700" cap="flat" cmpd="sng" algn="ctr">
+                      <a:solidFill>
+                        <a:schemeClr val="tx1"/>
+                      </a:solidFill>
+                      <a:prstDash val="solid"/>
+                      <a:round/>
+                      <a:headEnd type="none" w="med" len="med"/>
+                      <a:tailEnd type="none" w="med" len="med"/>
+                    </a:lnT>
+                    <a:lnB w="12700" cap="flat" cmpd="sng" algn="ctr">
+                      <a:solidFill>
+                        <a:schemeClr val="tx1"/>
+                      </a:solidFill>
+                      <a:prstDash val="solid"/>
+                      <a:round/>
+                      <a:headEnd type="none" w="med" len="med"/>
+                      <a:tailEnd type="none" w="med" len="med"/>
+                    </a:lnB>
+                    <a:solidFill>
+                      <a:schemeClr val="bg2"/>
+                    </a:solidFill>
+                  </a:tcPr>
+                </a:tc>
+                <a:tc>
+                  <a:txBody>
+                    <a:bodyPr/>
+                    <a:lstStyle/>
+                    <a:p>
+                      <a:pPr algn="ctr" latinLnBrk="1"/>
+                      <a:r>
+                        <a:rPr lang="en-US" altLang="ko-KR" sz="1000" b="0" dirty="0">
+                          <a:solidFill>
+                            <a:schemeClr val="tx1"/>
+                          </a:solidFill>
+                        </a:rPr>
+                        <a:t>Description</a:t>
+                      </a:r>
+                      <a:endParaRPr lang="ko-KR" altLang="en-US" sz="1000" b="0" dirty="0">
+                        <a:solidFill>
+                          <a:schemeClr val="tx1"/>
+                        </a:solidFill>
+                      </a:endParaRPr>
+                    </a:p>
+                  </a:txBody>
+                  <a:tcPr>
+                    <a:lnL w="12700" cap="flat" cmpd="sng" algn="ctr">
+                      <a:solidFill>
+                        <a:schemeClr val="tx1"/>
+                      </a:solidFill>
+                      <a:prstDash val="solid"/>
+                      <a:round/>
+                      <a:headEnd type="none" w="med" len="med"/>
+                      <a:tailEnd type="none" w="med" len="med"/>
+                    </a:lnL>
+                    <a:lnR w="12700" cap="flat" cmpd="sng" algn="ctr">
+                      <a:solidFill>
+                        <a:schemeClr val="tx1"/>
+                      </a:solidFill>
+                      <a:prstDash val="solid"/>
+                      <a:round/>
+                      <a:headEnd type="none" w="med" len="med"/>
+                      <a:tailEnd type="none" w="med" len="med"/>
+                    </a:lnR>
+                    <a:lnT w="12700" cap="flat" cmpd="sng" algn="ctr">
+                      <a:solidFill>
+                        <a:schemeClr val="tx1"/>
+                      </a:solidFill>
+                      <a:prstDash val="solid"/>
+                      <a:round/>
+                      <a:headEnd type="none" w="med" len="med"/>
+                      <a:tailEnd type="none" w="med" len="med"/>
+                    </a:lnT>
+                    <a:lnB w="12700" cap="flat" cmpd="sng" algn="ctr">
+                      <a:solidFill>
+                        <a:schemeClr val="tx1"/>
+                      </a:solidFill>
+                      <a:prstDash val="solid"/>
+                      <a:round/>
+                      <a:headEnd type="none" w="med" len="med"/>
+                      <a:tailEnd type="none" w="med" len="med"/>
+                    </a:lnB>
+                    <a:solidFill>
+                      <a:schemeClr val="bg2"/>
+                    </a:solidFill>
+                  </a:tcPr>
+                </a:tc>
+                <a:tc>
+                  <a:txBody>
+                    <a:bodyPr/>
+                    <a:lstStyle/>
+                    <a:p>
+                      <a:pPr algn="ctr" latinLnBrk="1"/>
+                      <a:r>
+                        <a:rPr lang="ko-KR" altLang="en-US" sz="1000" b="0" dirty="0">
+                          <a:solidFill>
+                            <a:schemeClr val="tx1"/>
+                          </a:solidFill>
+                        </a:rPr>
+                        <a:t>물량산출식</a:t>
+                      </a:r>
+                    </a:p>
+                  </a:txBody>
+                  <a:tcPr>
+                    <a:lnL w="12700" cap="flat" cmpd="sng" algn="ctr">
+                      <a:solidFill>
+                        <a:schemeClr val="tx1"/>
+                      </a:solidFill>
+                      <a:prstDash val="solid"/>
+                      <a:round/>
+                      <a:headEnd type="none" w="med" len="med"/>
+                      <a:tailEnd type="none" w="med" len="med"/>
+                    </a:lnL>
+                    <a:lnR w="12700" cap="flat" cmpd="sng" algn="ctr">
+                      <a:solidFill>
+                        <a:schemeClr val="tx1"/>
+                      </a:solidFill>
+                      <a:prstDash val="solid"/>
+                      <a:round/>
+                      <a:headEnd type="none" w="med" len="med"/>
+                      <a:tailEnd type="none" w="med" len="med"/>
+                    </a:lnR>
+                    <a:lnT w="12700" cap="flat" cmpd="sng" algn="ctr">
+                      <a:solidFill>
+                        <a:schemeClr val="tx1"/>
+                      </a:solidFill>
+                      <a:prstDash val="solid"/>
+                      <a:round/>
+                      <a:headEnd type="none" w="med" len="med"/>
+                      <a:tailEnd type="none" w="med" len="med"/>
+                    </a:lnT>
+                    <a:lnB w="12700" cap="flat" cmpd="sng" algn="ctr">
+                      <a:solidFill>
+                        <a:schemeClr val="tx1"/>
+                      </a:solidFill>
+                      <a:prstDash val="solid"/>
+                      <a:round/>
+                      <a:headEnd type="none" w="med" len="med"/>
+                      <a:tailEnd type="none" w="med" len="med"/>
+                    </a:lnB>
+                    <a:solidFill>
+                      <a:schemeClr val="bg2"/>
+                    </a:solidFill>
+                  </a:tcPr>
+                </a:tc>
+                <a:tc>
+                  <a:txBody>
+                    <a:bodyPr/>
+                    <a:lstStyle/>
+                    <a:p>
+                      <a:pPr algn="ctr" latinLnBrk="1"/>
+                      <a:r>
+                        <a:rPr lang="en-US" altLang="ko-KR" sz="1000" b="0" dirty="0">
+                          <a:solidFill>
+                            <a:schemeClr val="tx1"/>
+                          </a:solidFill>
+                        </a:rPr>
+                        <a:t>Quantity</a:t>
+                      </a:r>
+                      <a:endParaRPr lang="ko-KR" altLang="en-US" sz="1000" b="0" dirty="0">
+                        <a:solidFill>
+                          <a:schemeClr val="tx1"/>
+                        </a:solidFill>
+                      </a:endParaRPr>
+                    </a:p>
+                  </a:txBody>
+                  <a:tcPr>
+                    <a:lnL w="12700" cap="flat" cmpd="sng" algn="ctr">
+                      <a:solidFill>
+                        <a:schemeClr val="tx1"/>
+                      </a:solidFill>
+                      <a:prstDash val="solid"/>
+                      <a:round/>
+                      <a:headEnd type="none" w="med" len="med"/>
+                      <a:tailEnd type="none" w="med" len="med"/>
+                    </a:lnL>
+                    <a:lnR w="12700" cap="flat" cmpd="sng" algn="ctr">
+                      <a:solidFill>
+                        <a:schemeClr val="tx1"/>
+                      </a:solidFill>
+                      <a:prstDash val="solid"/>
+                      <a:round/>
+                      <a:headEnd type="none" w="med" len="med"/>
+                      <a:tailEnd type="none" w="med" len="med"/>
+                    </a:lnR>
+                    <a:lnT w="12700" cap="flat" cmpd="sng" algn="ctr">
+                      <a:solidFill>
+                        <a:schemeClr val="tx1"/>
+                      </a:solidFill>
+                      <a:prstDash val="solid"/>
+                      <a:round/>
+                      <a:headEnd type="none" w="med" len="med"/>
+                      <a:tailEnd type="none" w="med" len="med"/>
+                    </a:lnT>
+                    <a:lnB w="12700" cap="flat" cmpd="sng" algn="ctr">
+                      <a:solidFill>
+                        <a:schemeClr val="tx1"/>
+                      </a:solidFill>
+                      <a:prstDash val="solid"/>
+                      <a:round/>
+                      <a:headEnd type="none" w="med" len="med"/>
+                      <a:tailEnd type="none" w="med" len="med"/>
+                    </a:lnB>
+                    <a:solidFill>
+                      <a:schemeClr val="bg2"/>
+                    </a:solidFill>
+                  </a:tcPr>
+                </a:tc>
+                <a:tc>
+                  <a:txBody>
+                    <a:bodyPr/>
+                    <a:lstStyle/>
+                    <a:p>
+                      <a:pPr algn="ctr" latinLnBrk="1"/>
+                      <a:r>
+                        <a:rPr lang="en-US" altLang="ko-KR" sz="1000" b="0" dirty="0">
+                          <a:solidFill>
+                            <a:schemeClr val="tx1"/>
+                          </a:solidFill>
+                        </a:rPr>
+                        <a:t>Remark</a:t>
+                      </a:r>
+                      <a:endParaRPr lang="ko-KR" altLang="en-US" sz="1000" b="0" dirty="0">
+                        <a:solidFill>
+                          <a:schemeClr val="tx1"/>
+                        </a:solidFill>
+                      </a:endParaRPr>
+                    </a:p>
+                  </a:txBody>
+                  <a:tcPr>
+                    <a:lnL w="12700" cap="flat" cmpd="sng" algn="ctr">
+                      <a:solidFill>
+                        <a:schemeClr val="tx1"/>
+                      </a:solidFill>
+                      <a:prstDash val="solid"/>
+                      <a:round/>
+                      <a:headEnd type="none" w="med" len="med"/>
+                      <a:tailEnd type="none" w="med" len="med"/>
+                    </a:lnL>
+                    <a:lnR w="12700" cap="flat" cmpd="sng" algn="ctr">
+                      <a:solidFill>
+                        <a:schemeClr val="tx1"/>
+                      </a:solidFill>
+                      <a:prstDash val="solid"/>
+                      <a:round/>
+                      <a:headEnd type="none" w="med" len="med"/>
+                      <a:tailEnd type="none" w="med" len="med"/>
+                    </a:lnR>
+                    <a:lnT w="12700" cap="flat" cmpd="sng" algn="ctr">
+                      <a:solidFill>
+                        <a:schemeClr val="tx1"/>
+                      </a:solidFill>
+                      <a:prstDash val="solid"/>
+                      <a:round/>
+                      <a:headEnd type="none" w="med" len="med"/>
+                      <a:tailEnd type="none" w="med" len="med"/>
+                    </a:lnT>
+                    <a:lnB w="12700" cap="flat" cmpd="sng" algn="ctr">
+                      <a:solidFill>
+                        <a:schemeClr val="tx1"/>
+                      </a:solidFill>
+                      <a:prstDash val="solid"/>
+                      <a:round/>
+                      <a:headEnd type="none" w="med" len="med"/>
+                      <a:tailEnd type="none" w="med" len="med"/>
+                    </a:lnB>
+                    <a:solidFill>
+                      <a:schemeClr val="bg2"/>
+                    </a:solidFill>
+                  </a:tcPr>
+                </a:tc>
+                <a:extLst>
+                  <a:ext uri="{0D108BD9-81ED-4DB2-BD59-A6C34878D82A}">
+                    <a16:rowId xmlns:a16="http://schemas.microsoft.com/office/drawing/2014/main" val="4228979736"/>
+                  </a:ext>
+                </a:extLst>
+              </a:tr>
+              <a:tr h="192405">
+                <a:tc>
+                  <a:txBody>
+                    <a:bodyPr/>
+                    <a:lstStyle/>
+                    <a:p>
+                      <a:pPr latinLnBrk="1"/>
+                      <a:endParaRPr lang="ko-KR" altLang="en-US" sz="1000" b="0" dirty="0">
+                        <a:solidFill>
+                          <a:schemeClr val="tx1"/>
+                        </a:solidFill>
+                      </a:endParaRPr>
+                    </a:p>
+                  </a:txBody>
+                  <a:tcPr>
+                    <a:lnL w="12700" cap="flat" cmpd="sng" algn="ctr">
+                      <a:solidFill>
+                        <a:schemeClr val="tx1"/>
+                      </a:solidFill>
+                      <a:prstDash val="solid"/>
+                      <a:round/>
+                      <a:headEnd type="none" w="med" len="med"/>
+                      <a:tailEnd type="none" w="med" len="med"/>
+                    </a:lnL>
+                    <a:lnR w="12700" cap="flat" cmpd="sng" algn="ctr">
+                      <a:solidFill>
+                        <a:schemeClr val="tx1"/>
+                      </a:solidFill>
+                      <a:prstDash val="solid"/>
+                      <a:round/>
+                      <a:headEnd type="none" w="med" len="med"/>
+                      <a:tailEnd type="none" w="med" len="med"/>
+                    </a:lnR>
+                    <a:lnT w="12700" cap="flat" cmpd="sng" algn="ctr">
+                      <a:solidFill>
+                        <a:schemeClr val="tx1"/>
+                      </a:solidFill>
+                      <a:prstDash val="solid"/>
+                      <a:round/>
+                      <a:headEnd type="none" w="med" len="med"/>
+                      <a:tailEnd type="none" w="med" len="med"/>
+                    </a:lnT>
+                    <a:lnB w="12700" cap="flat" cmpd="sng" algn="ctr">
+                      <a:solidFill>
+                        <a:schemeClr val="tx1"/>
+                      </a:solidFill>
+                      <a:prstDash val="solid"/>
+                      <a:round/>
+                      <a:headEnd type="none" w="med" len="med"/>
+                      <a:tailEnd type="none" w="med" len="med"/>
+                    </a:lnB>
+                    <a:solidFill>
+                      <a:schemeClr val="bg1"/>
+                    </a:solidFill>
+                  </a:tcPr>
+                </a:tc>
+                <a:tc>
+                  <a:txBody>
+                    <a:bodyPr/>
+                    <a:lstStyle/>
+                    <a:p>
+                      <a:pPr latinLnBrk="1"/>
+                      <a:endParaRPr lang="ko-KR" altLang="en-US" sz="1000" b="0">
+                        <a:solidFill>
+                          <a:schemeClr val="tx1"/>
+                        </a:solidFill>
+                      </a:endParaRPr>
+                    </a:p>
+                  </a:txBody>
+                  <a:tcPr>
+                    <a:lnL w="12700" cap="flat" cmpd="sng" algn="ctr">
+                      <a:solidFill>
+                        <a:schemeClr val="tx1"/>
+                      </a:solidFill>
+                      <a:prstDash val="solid"/>
+                      <a:round/>
+                      <a:headEnd type="none" w="med" len="med"/>
+                      <a:tailEnd type="none" w="med" len="med"/>
+                    </a:lnL>
+                    <a:lnR w="12700" cap="flat" cmpd="sng" algn="ctr">
+                      <a:solidFill>
+                        <a:schemeClr val="tx1"/>
+                      </a:solidFill>
+                      <a:prstDash val="solid"/>
+                      <a:round/>
+                      <a:headEnd type="none" w="med" len="med"/>
+                      <a:tailEnd type="none" w="med" len="med"/>
+                    </a:lnR>
+                    <a:lnT w="12700" cap="flat" cmpd="sng" algn="ctr">
+                      <a:solidFill>
+                        <a:schemeClr val="tx1"/>
+                      </a:solidFill>
+                      <a:prstDash val="solid"/>
+                      <a:round/>
+                      <a:headEnd type="none" w="med" len="med"/>
+                      <a:tailEnd type="none" w="med" len="med"/>
+                    </a:lnT>
+                    <a:lnB w="12700" cap="flat" cmpd="sng" algn="ctr">
+                      <a:solidFill>
+                        <a:schemeClr val="tx1"/>
+                      </a:solidFill>
+                      <a:prstDash val="solid"/>
+                      <a:round/>
+                      <a:headEnd type="none" w="med" len="med"/>
+                      <a:tailEnd type="none" w="med" len="med"/>
+                    </a:lnB>
+                    <a:solidFill>
+                      <a:schemeClr val="bg1"/>
+                    </a:solidFill>
+                  </a:tcPr>
+                </a:tc>
+                <a:tc>
+                  <a:txBody>
+                    <a:bodyPr/>
+                    <a:lstStyle/>
+                    <a:p>
+                      <a:pPr latinLnBrk="1"/>
+                      <a:endParaRPr lang="ko-KR" altLang="en-US" sz="1000" b="0">
+                        <a:solidFill>
+                          <a:schemeClr val="tx1"/>
+                        </a:solidFill>
+                      </a:endParaRPr>
+                    </a:p>
+                  </a:txBody>
+                  <a:tcPr>
+                    <a:lnL w="12700" cap="flat" cmpd="sng" algn="ctr">
+                      <a:solidFill>
+                        <a:schemeClr val="tx1"/>
+                      </a:solidFill>
+                      <a:prstDash val="solid"/>
+                      <a:round/>
+                      <a:headEnd type="none" w="med" len="med"/>
+                      <a:tailEnd type="none" w="med" len="med"/>
+                    </a:lnL>
+                    <a:lnR w="12700" cap="flat" cmpd="sng" algn="ctr">
+                      <a:solidFill>
+                        <a:schemeClr val="tx1"/>
+                      </a:solidFill>
+                      <a:prstDash val="solid"/>
+                      <a:round/>
+                      <a:headEnd type="none" w="med" len="med"/>
+                      <a:tailEnd type="none" w="med" len="med"/>
+                    </a:lnR>
+                    <a:lnT w="12700" cap="flat" cmpd="sng" algn="ctr">
+                      <a:solidFill>
+                        <a:schemeClr val="tx1"/>
+                      </a:solidFill>
+                      <a:prstDash val="solid"/>
+                      <a:round/>
+                      <a:headEnd type="none" w="med" len="med"/>
+                      <a:tailEnd type="none" w="med" len="med"/>
+                    </a:lnT>
+                    <a:lnB w="12700" cap="flat" cmpd="sng" algn="ctr">
+                      <a:solidFill>
+                        <a:schemeClr val="tx1"/>
+                      </a:solidFill>
+                      <a:prstDash val="solid"/>
+                      <a:round/>
+                      <a:headEnd type="none" w="med" len="med"/>
+                      <a:tailEnd type="none" w="med" len="med"/>
+                    </a:lnB>
+                    <a:solidFill>
+                      <a:schemeClr val="bg1"/>
+                    </a:solidFill>
+                  </a:tcPr>
+                </a:tc>
+                <a:tc>
+                  <a:txBody>
+                    <a:bodyPr/>
+                    <a:lstStyle/>
+                    <a:p>
+                      <a:pPr latinLnBrk="1"/>
+                      <a:endParaRPr lang="ko-KR" altLang="en-US" sz="1000" b="0" dirty="0">
+                        <a:solidFill>
+                          <a:schemeClr val="tx1"/>
+                        </a:solidFill>
+                      </a:endParaRPr>
+                    </a:p>
+                  </a:txBody>
+                  <a:tcPr>
+                    <a:lnL w="12700" cap="flat" cmpd="sng" algn="ctr">
+                      <a:solidFill>
+                        <a:schemeClr val="tx1"/>
+                      </a:solidFill>
+                      <a:prstDash val="solid"/>
+                      <a:round/>
+                      <a:headEnd type="none" w="med" len="med"/>
+                      <a:tailEnd type="none" w="med" len="med"/>
+                    </a:lnL>
+                    <a:lnR w="12700" cap="flat" cmpd="sng" algn="ctr">
+                      <a:solidFill>
+                        <a:schemeClr val="tx1"/>
+                      </a:solidFill>
+                      <a:prstDash val="solid"/>
+                      <a:round/>
+                      <a:headEnd type="none" w="med" len="med"/>
+                      <a:tailEnd type="none" w="med" len="med"/>
+                    </a:lnR>
+                    <a:lnT w="12700" cap="flat" cmpd="sng" algn="ctr">
+                      <a:solidFill>
+                        <a:schemeClr val="tx1"/>
+                      </a:solidFill>
+                      <a:prstDash val="solid"/>
+                      <a:round/>
+                      <a:headEnd type="none" w="med" len="med"/>
+                      <a:tailEnd type="none" w="med" len="med"/>
+                    </a:lnT>
+                    <a:lnB w="12700" cap="flat" cmpd="sng" algn="ctr">
+                      <a:solidFill>
+                        <a:schemeClr val="tx1"/>
+                      </a:solidFill>
+                      <a:prstDash val="solid"/>
+                      <a:round/>
+                      <a:headEnd type="none" w="med" len="med"/>
+                      <a:tailEnd type="none" w="med" len="med"/>
+                    </a:lnB>
+                    <a:solidFill>
+                      <a:schemeClr val="bg1"/>
+                    </a:solidFill>
+                  </a:tcPr>
+                </a:tc>
+                <a:tc>
+                  <a:txBody>
+                    <a:bodyPr/>
+                    <a:lstStyle/>
+                    <a:p>
+                      <a:pPr latinLnBrk="1"/>
+                      <a:endParaRPr lang="ko-KR" altLang="en-US" sz="1000" b="0" dirty="0">
+                        <a:solidFill>
+                          <a:schemeClr val="tx1"/>
+                        </a:solidFill>
+                      </a:endParaRPr>
+                    </a:p>
+                  </a:txBody>
+                  <a:tcPr>
+                    <a:lnL w="12700" cap="flat" cmpd="sng" algn="ctr">
+                      <a:solidFill>
+                        <a:schemeClr val="tx1"/>
+                      </a:solidFill>
+                      <a:prstDash val="solid"/>
+                      <a:round/>
+                      <a:headEnd type="none" w="med" len="med"/>
+                      <a:tailEnd type="none" w="med" len="med"/>
+                    </a:lnL>
+                    <a:lnR w="12700" cap="flat" cmpd="sng" algn="ctr">
+                      <a:solidFill>
+                        <a:schemeClr val="tx1"/>
+                      </a:solidFill>
+                      <a:prstDash val="solid"/>
+                      <a:round/>
+                      <a:headEnd type="none" w="med" len="med"/>
+                      <a:tailEnd type="none" w="med" len="med"/>
+                    </a:lnR>
+                    <a:lnT w="12700" cap="flat" cmpd="sng" algn="ctr">
+                      <a:solidFill>
+                        <a:schemeClr val="tx1"/>
+                      </a:solidFill>
+                      <a:prstDash val="solid"/>
+                      <a:round/>
+                      <a:headEnd type="none" w="med" len="med"/>
+                      <a:tailEnd type="none" w="med" len="med"/>
+                    </a:lnT>
+                    <a:lnB w="12700" cap="flat" cmpd="sng" algn="ctr">
+                      <a:solidFill>
+                        <a:schemeClr val="tx1"/>
+                      </a:solidFill>
+                      <a:prstDash val="solid"/>
+                      <a:round/>
+                      <a:headEnd type="none" w="med" len="med"/>
+                      <a:tailEnd type="none" w="med" len="med"/>
+                    </a:lnB>
+                    <a:solidFill>
+                      <a:schemeClr val="bg1"/>
+                    </a:solidFill>
+                  </a:tcPr>
+                </a:tc>
+                <a:tc>
+                  <a:txBody>
+                    <a:bodyPr/>
+                    <a:lstStyle/>
+                    <a:p>
+                      <a:pPr latinLnBrk="1"/>
+                      <a:endParaRPr lang="ko-KR" altLang="en-US" sz="1000" b="0" dirty="0">
+                        <a:solidFill>
+                          <a:schemeClr val="tx1"/>
+                        </a:solidFill>
+                      </a:endParaRPr>
+                    </a:p>
+                  </a:txBody>
+                  <a:tcPr>
+                    <a:lnL w="12700" cap="flat" cmpd="sng" algn="ctr">
+                      <a:solidFill>
+                        <a:schemeClr val="tx1"/>
+                      </a:solidFill>
+                      <a:prstDash val="solid"/>
+                      <a:round/>
+                      <a:headEnd type="none" w="med" len="med"/>
+                      <a:tailEnd type="none" w="med" len="med"/>
+                    </a:lnL>
+                    <a:lnR w="12700" cap="flat" cmpd="sng" algn="ctr">
+                      <a:solidFill>
+                        <a:schemeClr val="tx1"/>
+                      </a:solidFill>
+                      <a:prstDash val="solid"/>
+                      <a:round/>
+                      <a:headEnd type="none" w="med" len="med"/>
+                      <a:tailEnd type="none" w="med" len="med"/>
+                    </a:lnR>
+                    <a:lnT w="12700" cap="flat" cmpd="sng" algn="ctr">
+                      <a:solidFill>
+                        <a:schemeClr val="tx1"/>
+                      </a:solidFill>
+                      <a:prstDash val="solid"/>
+                      <a:round/>
+                      <a:headEnd type="none" w="med" len="med"/>
+                      <a:tailEnd type="none" w="med" len="med"/>
+                    </a:lnT>
+                    <a:lnB w="12700" cap="flat" cmpd="sng" algn="ctr">
+                      <a:solidFill>
+                        <a:schemeClr val="tx1"/>
+                      </a:solidFill>
+                      <a:prstDash val="solid"/>
+                      <a:round/>
+                      <a:headEnd type="none" w="med" len="med"/>
+                      <a:tailEnd type="none" w="med" len="med"/>
+                    </a:lnB>
+                    <a:solidFill>
+                      <a:schemeClr val="bg1"/>
+                    </a:solidFill>
+                  </a:tcPr>
+                </a:tc>
+                <a:tc>
+                  <a:txBody>
+                    <a:bodyPr/>
+                    <a:lstStyle/>
+                    <a:p>
+                      <a:pPr latinLnBrk="1"/>
+                      <a:endParaRPr lang="ko-KR" altLang="en-US" sz="1000" b="0" dirty="0">
+                        <a:solidFill>
+                          <a:schemeClr val="tx1"/>
+                        </a:solidFill>
+                      </a:endParaRPr>
+                    </a:p>
+                  </a:txBody>
+                  <a:tcPr>
+                    <a:lnL w="12700" cap="flat" cmpd="sng" algn="ctr">
+                      <a:solidFill>
+                        <a:schemeClr val="tx1"/>
+                      </a:solidFill>
+                      <a:prstDash val="solid"/>
+                      <a:round/>
+                      <a:headEnd type="none" w="med" len="med"/>
+                      <a:tailEnd type="none" w="med" len="med"/>
+                    </a:lnL>
+                    <a:lnR w="12700" cap="flat" cmpd="sng" algn="ctr">
+                      <a:solidFill>
+                        <a:schemeClr val="tx1"/>
+                      </a:solidFill>
+                      <a:prstDash val="solid"/>
+                      <a:round/>
+                      <a:headEnd type="none" w="med" len="med"/>
+                      <a:tailEnd type="none" w="med" len="med"/>
+                    </a:lnR>
+                    <a:lnT w="12700" cap="flat" cmpd="sng" algn="ctr">
+                      <a:solidFill>
+                        <a:schemeClr val="tx1"/>
+                      </a:solidFill>
+                      <a:prstDash val="solid"/>
+                      <a:round/>
+                      <a:headEnd type="none" w="med" len="med"/>
+                      <a:tailEnd type="none" w="med" len="med"/>
+                    </a:lnT>
+                    <a:lnB w="12700" cap="flat" cmpd="sng" algn="ctr">
+                      <a:solidFill>
+                        <a:schemeClr val="tx1"/>
+                      </a:solidFill>
+                      <a:prstDash val="solid"/>
+                      <a:round/>
+                      <a:headEnd type="none" w="med" len="med"/>
+                      <a:tailEnd type="none" w="med" len="med"/>
+                    </a:lnB>
+                    <a:solidFill>
+                      <a:schemeClr val="bg1"/>
+                    </a:solidFill>
+                  </a:tcPr>
+                </a:tc>
+                <a:extLst>
+                  <a:ext uri="{0D108BD9-81ED-4DB2-BD59-A6C34878D82A}">
+                    <a16:rowId xmlns:a16="http://schemas.microsoft.com/office/drawing/2014/main" val="2874484294"/>
+                  </a:ext>
+                </a:extLst>
+              </a:tr>
+              <a:tr h="192405">
+                <a:tc>
+                  <a:txBody>
+                    <a:bodyPr/>
+                    <a:lstStyle/>
+                    <a:p>
+                      <a:pPr latinLnBrk="1"/>
+                      <a:endParaRPr lang="ko-KR" altLang="en-US" sz="1000" b="0" dirty="0">
+                        <a:solidFill>
+                          <a:schemeClr val="tx1"/>
+                        </a:solidFill>
+                      </a:endParaRPr>
+                    </a:p>
+                  </a:txBody>
+                  <a:tcPr>
+                    <a:lnL w="12700" cap="flat" cmpd="sng" algn="ctr">
+                      <a:solidFill>
+                        <a:schemeClr val="tx1"/>
+                      </a:solidFill>
+                      <a:prstDash val="solid"/>
+                      <a:round/>
+                      <a:headEnd type="none" w="med" len="med"/>
+                      <a:tailEnd type="none" w="med" len="med"/>
+                    </a:lnL>
+                    <a:lnR w="12700" cap="flat" cmpd="sng" algn="ctr">
+                      <a:solidFill>
+                        <a:schemeClr val="tx1"/>
+                      </a:solidFill>
+                      <a:prstDash val="solid"/>
+                      <a:round/>
+                      <a:headEnd type="none" w="med" len="med"/>
+                      <a:tailEnd type="none" w="med" len="med"/>
+                    </a:lnR>
+                    <a:lnT w="12700" cap="flat" cmpd="sng" algn="ctr">
+                      <a:solidFill>
+                        <a:schemeClr val="tx1"/>
+                      </a:solidFill>
+                      <a:prstDash val="solid"/>
+                      <a:round/>
+                      <a:headEnd type="none" w="med" len="med"/>
+                      <a:tailEnd type="none" w="med" len="med"/>
+                    </a:lnT>
+                    <a:lnB w="12700" cap="flat" cmpd="sng" algn="ctr">
+                      <a:solidFill>
+                        <a:schemeClr val="tx1"/>
+                      </a:solidFill>
+                      <a:prstDash val="solid"/>
+                      <a:round/>
+                      <a:headEnd type="none" w="med" len="med"/>
+                      <a:tailEnd type="none" w="med" len="med"/>
+                    </a:lnB>
+                    <a:solidFill>
+                      <a:schemeClr val="bg1"/>
+                    </a:solidFill>
+                  </a:tcPr>
+                </a:tc>
+                <a:tc>
+                  <a:txBody>
+                    <a:bodyPr/>
+                    <a:lstStyle/>
+                    <a:p>
+                      <a:pPr latinLnBrk="1"/>
+                      <a:endParaRPr lang="ko-KR" altLang="en-US" sz="1000" b="0">
+                        <a:solidFill>
+                          <a:schemeClr val="tx1"/>
+                        </a:solidFill>
+                      </a:endParaRPr>
+                    </a:p>
+                  </a:txBody>
+                  <a:tcPr>
+                    <a:lnL w="12700" cap="flat" cmpd="sng" algn="ctr">
+                      <a:solidFill>
+                        <a:schemeClr val="tx1"/>
+                      </a:solidFill>
+                      <a:prstDash val="solid"/>
+                      <a:round/>
+                      <a:headEnd type="none" w="med" len="med"/>
+                      <a:tailEnd type="none" w="med" len="med"/>
+                    </a:lnL>
+                    <a:lnR w="12700" cap="flat" cmpd="sng" algn="ctr">
+                      <a:solidFill>
+                        <a:schemeClr val="tx1"/>
+                      </a:solidFill>
+                      <a:prstDash val="solid"/>
+                      <a:round/>
+                      <a:headEnd type="none" w="med" len="med"/>
+                      <a:tailEnd type="none" w="med" len="med"/>
+                    </a:lnR>
+                    <a:lnT w="12700" cap="flat" cmpd="sng" algn="ctr">
+                      <a:solidFill>
+                        <a:schemeClr val="tx1"/>
+                      </a:solidFill>
+                      <a:prstDash val="solid"/>
+                      <a:round/>
+                      <a:headEnd type="none" w="med" len="med"/>
+                      <a:tailEnd type="none" w="med" len="med"/>
+                    </a:lnT>
+                    <a:lnB w="12700" cap="flat" cmpd="sng" algn="ctr">
+                      <a:solidFill>
+                        <a:schemeClr val="tx1"/>
+                      </a:solidFill>
+                      <a:prstDash val="solid"/>
+                      <a:round/>
+                      <a:headEnd type="none" w="med" len="med"/>
+                      <a:tailEnd type="none" w="med" len="med"/>
+                    </a:lnB>
+                    <a:solidFill>
+                      <a:schemeClr val="bg1"/>
+                    </a:solidFill>
+                  </a:tcPr>
+                </a:tc>
+                <a:tc>
+                  <a:txBody>
+                    <a:bodyPr/>
+                    <a:lstStyle/>
+                    <a:p>
+                      <a:pPr latinLnBrk="1"/>
+                      <a:endParaRPr lang="ko-KR" altLang="en-US" sz="1000" b="0">
+                        <a:solidFill>
+                          <a:schemeClr val="tx1"/>
+                        </a:solidFill>
+                      </a:endParaRPr>
+                    </a:p>
+                  </a:txBody>
+                  <a:tcPr>
+                    <a:lnL w="12700" cap="flat" cmpd="sng" algn="ctr">
+                      <a:solidFill>
+                        <a:schemeClr val="tx1"/>
+                      </a:solidFill>
+                      <a:prstDash val="solid"/>
+                      <a:round/>
+                      <a:headEnd type="none" w="med" len="med"/>
+                      <a:tailEnd type="none" w="med" len="med"/>
+                    </a:lnL>
+                    <a:lnR w="12700" cap="flat" cmpd="sng" algn="ctr">
+                      <a:solidFill>
+                        <a:schemeClr val="tx1"/>
+                      </a:solidFill>
+                      <a:prstDash val="solid"/>
+                      <a:round/>
+                      <a:headEnd type="none" w="med" len="med"/>
+                      <a:tailEnd type="none" w="med" len="med"/>
+                    </a:lnR>
+                    <a:lnT w="12700" cap="flat" cmpd="sng" algn="ctr">
+                      <a:solidFill>
+                        <a:schemeClr val="tx1"/>
+                      </a:solidFill>
+                      <a:prstDash val="solid"/>
+                      <a:round/>
+                      <a:headEnd type="none" w="med" len="med"/>
+                      <a:tailEnd type="none" w="med" len="med"/>
+                    </a:lnT>
+                    <a:lnB w="12700" cap="flat" cmpd="sng" algn="ctr">
+                      <a:solidFill>
+                        <a:schemeClr val="tx1"/>
+                      </a:solidFill>
+                      <a:prstDash val="solid"/>
+                      <a:round/>
+                      <a:headEnd type="none" w="med" len="med"/>
+                      <a:tailEnd type="none" w="med" len="med"/>
+                    </a:lnB>
+                    <a:solidFill>
+                      <a:schemeClr val="bg1"/>
+                    </a:solidFill>
+                  </a:tcPr>
+                </a:tc>
+                <a:tc>
+                  <a:txBody>
+                    <a:bodyPr/>
+                    <a:lstStyle/>
+                    <a:p>
+                      <a:pPr latinLnBrk="1"/>
+                      <a:endParaRPr lang="ko-KR" altLang="en-US" sz="1000" b="0">
+                        <a:solidFill>
+                          <a:schemeClr val="tx1"/>
+                        </a:solidFill>
+                      </a:endParaRPr>
+                    </a:p>
+                  </a:txBody>
+                  <a:tcPr>
+                    <a:lnL w="12700" cap="flat" cmpd="sng" algn="ctr">
+                      <a:solidFill>
+                        <a:schemeClr val="tx1"/>
+                      </a:solidFill>
+                      <a:prstDash val="solid"/>
+                      <a:round/>
+                      <a:headEnd type="none" w="med" len="med"/>
+                      <a:tailEnd type="none" w="med" len="med"/>
+                    </a:lnL>
+                    <a:lnR w="12700" cap="flat" cmpd="sng" algn="ctr">
+                      <a:solidFill>
+                        <a:schemeClr val="tx1"/>
+                      </a:solidFill>
+                      <a:prstDash val="solid"/>
+                      <a:round/>
+                      <a:headEnd type="none" w="med" len="med"/>
+                      <a:tailEnd type="none" w="med" len="med"/>
+                    </a:lnR>
+                    <a:lnT w="12700" cap="flat" cmpd="sng" algn="ctr">
+                      <a:solidFill>
+                        <a:schemeClr val="tx1"/>
+                      </a:solidFill>
+                      <a:prstDash val="solid"/>
+                      <a:round/>
+                      <a:headEnd type="none" w="med" len="med"/>
+                      <a:tailEnd type="none" w="med" len="med"/>
+                    </a:lnT>
+                    <a:lnB w="12700" cap="flat" cmpd="sng" algn="ctr">
+                      <a:solidFill>
+                        <a:schemeClr val="tx1"/>
+                      </a:solidFill>
+                      <a:prstDash val="solid"/>
+                      <a:round/>
+                      <a:headEnd type="none" w="med" len="med"/>
+                      <a:tailEnd type="none" w="med" len="med"/>
+                    </a:lnB>
+                    <a:solidFill>
+                      <a:schemeClr val="bg1"/>
+                    </a:solidFill>
+                  </a:tcPr>
+                </a:tc>
+                <a:tc>
+                  <a:txBody>
+                    <a:bodyPr/>
+                    <a:lstStyle/>
+                    <a:p>
+                      <a:pPr latinLnBrk="1"/>
+                      <a:endParaRPr lang="ko-KR" altLang="en-US" sz="1000" b="0">
+                        <a:solidFill>
+                          <a:schemeClr val="tx1"/>
+                        </a:solidFill>
+                      </a:endParaRPr>
+                    </a:p>
+                  </a:txBody>
+                  <a:tcPr>
+                    <a:lnL w="12700" cap="flat" cmpd="sng" algn="ctr">
+                      <a:solidFill>
+                        <a:schemeClr val="tx1"/>
+                      </a:solidFill>
+                      <a:prstDash val="solid"/>
+                      <a:round/>
+                      <a:headEnd type="none" w="med" len="med"/>
+                      <a:tailEnd type="none" w="med" len="med"/>
+                    </a:lnL>
+                    <a:lnR w="12700" cap="flat" cmpd="sng" algn="ctr">
+                      <a:solidFill>
+                        <a:schemeClr val="tx1"/>
+                      </a:solidFill>
+                      <a:prstDash val="solid"/>
+                      <a:round/>
+                      <a:headEnd type="none" w="med" len="med"/>
+                      <a:tailEnd type="none" w="med" len="med"/>
+                    </a:lnR>
+                    <a:lnT w="12700" cap="flat" cmpd="sng" algn="ctr">
+                      <a:solidFill>
+                        <a:schemeClr val="tx1"/>
+                      </a:solidFill>
+                      <a:prstDash val="solid"/>
+                      <a:round/>
+                      <a:headEnd type="none" w="med" len="med"/>
+                      <a:tailEnd type="none" w="med" len="med"/>
+                    </a:lnT>
+                    <a:lnB w="12700" cap="flat" cmpd="sng" algn="ctr">
+                      <a:solidFill>
+                        <a:schemeClr val="tx1"/>
+                      </a:solidFill>
+                      <a:prstDash val="solid"/>
+                      <a:round/>
+                      <a:headEnd type="none" w="med" len="med"/>
+                      <a:tailEnd type="none" w="med" len="med"/>
+                    </a:lnB>
+                    <a:solidFill>
+                      <a:schemeClr val="bg1"/>
+                    </a:solidFill>
+                  </a:tcPr>
+                </a:tc>
+                <a:tc>
+                  <a:txBody>
+                    <a:bodyPr/>
+                    <a:lstStyle/>
+                    <a:p>
+                      <a:pPr latinLnBrk="1"/>
+                      <a:endParaRPr lang="ko-KR" altLang="en-US" sz="1000" b="0">
+                        <a:solidFill>
+                          <a:schemeClr val="tx1"/>
+                        </a:solidFill>
+                      </a:endParaRPr>
+                    </a:p>
+                  </a:txBody>
+                  <a:tcPr>
+                    <a:lnL w="12700" cap="flat" cmpd="sng" algn="ctr">
+                      <a:solidFill>
+                        <a:schemeClr val="tx1"/>
+                      </a:solidFill>
+                      <a:prstDash val="solid"/>
+                      <a:round/>
+                      <a:headEnd type="none" w="med" len="med"/>
+                      <a:tailEnd type="none" w="med" len="med"/>
+                    </a:lnL>
+                    <a:lnR w="12700" cap="flat" cmpd="sng" algn="ctr">
+                      <a:solidFill>
+                        <a:schemeClr val="tx1"/>
+                      </a:solidFill>
+                      <a:prstDash val="solid"/>
+                      <a:round/>
+                      <a:headEnd type="none" w="med" len="med"/>
+                      <a:tailEnd type="none" w="med" len="med"/>
+                    </a:lnR>
+                    <a:lnT w="12700" cap="flat" cmpd="sng" algn="ctr">
+                      <a:solidFill>
+                        <a:schemeClr val="tx1"/>
+                      </a:solidFill>
+                      <a:prstDash val="solid"/>
+                      <a:round/>
+                      <a:headEnd type="none" w="med" len="med"/>
+                      <a:tailEnd type="none" w="med" len="med"/>
+                    </a:lnT>
+                    <a:lnB w="12700" cap="flat" cmpd="sng" algn="ctr">
+                      <a:solidFill>
+                        <a:schemeClr val="tx1"/>
+                      </a:solidFill>
+                      <a:prstDash val="solid"/>
+                      <a:round/>
+                      <a:headEnd type="none" w="med" len="med"/>
+                      <a:tailEnd type="none" w="med" len="med"/>
+                    </a:lnB>
+                    <a:solidFill>
+                      <a:schemeClr val="bg1"/>
+                    </a:solidFill>
+                  </a:tcPr>
+                </a:tc>
+                <a:tc>
+                  <a:txBody>
+                    <a:bodyPr/>
+                    <a:lstStyle/>
+                    <a:p>
+                      <a:pPr latinLnBrk="1"/>
+                      <a:endParaRPr lang="ko-KR" altLang="en-US" sz="1000" b="0">
+                        <a:solidFill>
+                          <a:schemeClr val="tx1"/>
+                        </a:solidFill>
+                      </a:endParaRPr>
+                    </a:p>
+                  </a:txBody>
+                  <a:tcPr>
+                    <a:lnL w="12700" cap="flat" cmpd="sng" algn="ctr">
+                      <a:solidFill>
+                        <a:schemeClr val="tx1"/>
+                      </a:solidFill>
+                      <a:prstDash val="solid"/>
+                      <a:round/>
+                      <a:headEnd type="none" w="med" len="med"/>
+                      <a:tailEnd type="none" w="med" len="med"/>
+                    </a:lnL>
+                    <a:lnR w="12700" cap="flat" cmpd="sng" algn="ctr">
+                      <a:solidFill>
+                        <a:schemeClr val="tx1"/>
+                      </a:solidFill>
+                      <a:prstDash val="solid"/>
+                      <a:round/>
+                      <a:headEnd type="none" w="med" len="med"/>
+                      <a:tailEnd type="none" w="med" len="med"/>
+                    </a:lnR>
+                    <a:lnT w="12700" cap="flat" cmpd="sng" algn="ctr">
+                      <a:solidFill>
+                        <a:schemeClr val="tx1"/>
+                      </a:solidFill>
+                      <a:prstDash val="solid"/>
+                      <a:round/>
+                      <a:headEnd type="none" w="med" len="med"/>
+                      <a:tailEnd type="none" w="med" len="med"/>
+                    </a:lnT>
+                    <a:lnB w="12700" cap="flat" cmpd="sng" algn="ctr">
+                      <a:solidFill>
+                        <a:schemeClr val="tx1"/>
+                      </a:solidFill>
+                      <a:prstDash val="solid"/>
+                      <a:round/>
+                      <a:headEnd type="none" w="med" len="med"/>
+                      <a:tailEnd type="none" w="med" len="med"/>
+                    </a:lnB>
+                    <a:solidFill>
+                      <a:schemeClr val="bg1"/>
+                    </a:solidFill>
+                  </a:tcPr>
+                </a:tc>
+                <a:extLst>
+                  <a:ext uri="{0D108BD9-81ED-4DB2-BD59-A6C34878D82A}">
+                    <a16:rowId xmlns:a16="http://schemas.microsoft.com/office/drawing/2014/main" val="2717201160"/>
+                  </a:ext>
+                </a:extLst>
+              </a:tr>
+              <a:tr h="192405">
+                <a:tc>
+                  <a:txBody>
+                    <a:bodyPr/>
+                    <a:lstStyle/>
+                    <a:p>
+                      <a:pPr latinLnBrk="1"/>
+                      <a:endParaRPr lang="ko-KR" altLang="en-US" sz="1000" b="0" dirty="0">
+                        <a:solidFill>
+                          <a:schemeClr val="tx1"/>
+                        </a:solidFill>
+                      </a:endParaRPr>
+                    </a:p>
+                  </a:txBody>
+                  <a:tcPr>
+                    <a:lnL w="12700" cap="flat" cmpd="sng" algn="ctr">
+                      <a:solidFill>
+                        <a:schemeClr val="tx1"/>
+                      </a:solidFill>
+                      <a:prstDash val="solid"/>
+                      <a:round/>
+                      <a:headEnd type="none" w="med" len="med"/>
+                      <a:tailEnd type="none" w="med" len="med"/>
+                    </a:lnL>
+                    <a:lnR w="12700" cap="flat" cmpd="sng" algn="ctr">
+                      <a:solidFill>
+                        <a:schemeClr val="tx1"/>
+                      </a:solidFill>
+                      <a:prstDash val="solid"/>
+                      <a:round/>
+                      <a:headEnd type="none" w="med" len="med"/>
+                      <a:tailEnd type="none" w="med" len="med"/>
+                    </a:lnR>
+                    <a:lnT w="12700" cap="flat" cmpd="sng" algn="ctr">
+                      <a:solidFill>
+                        <a:schemeClr val="tx1"/>
+                      </a:solidFill>
+                      <a:prstDash val="solid"/>
+                      <a:round/>
+                      <a:headEnd type="none" w="med" len="med"/>
+                      <a:tailEnd type="none" w="med" len="med"/>
+                    </a:lnT>
+                    <a:lnB w="12700" cap="flat" cmpd="sng" algn="ctr">
+                      <a:solidFill>
+                        <a:schemeClr val="tx1"/>
+                      </a:solidFill>
+                      <a:prstDash val="solid"/>
+                      <a:round/>
+                      <a:headEnd type="none" w="med" len="med"/>
+                      <a:tailEnd type="none" w="med" len="med"/>
+                    </a:lnB>
+                    <a:solidFill>
+                      <a:schemeClr val="bg1"/>
+                    </a:solidFill>
+                  </a:tcPr>
+                </a:tc>
+                <a:tc>
+                  <a:txBody>
+                    <a:bodyPr/>
+                    <a:lstStyle/>
+                    <a:p>
+                      <a:pPr latinLnBrk="1"/>
+                      <a:endParaRPr lang="ko-KR" altLang="en-US" sz="1000" b="0" dirty="0">
+                        <a:solidFill>
+                          <a:schemeClr val="tx1"/>
+                        </a:solidFill>
+                      </a:endParaRPr>
+                    </a:p>
+                  </a:txBody>
+                  <a:tcPr>
+                    <a:lnL w="12700" cap="flat" cmpd="sng" algn="ctr">
+                      <a:solidFill>
+                        <a:schemeClr val="tx1"/>
+                      </a:solidFill>
+                      <a:prstDash val="solid"/>
+                      <a:round/>
+                      <a:headEnd type="none" w="med" len="med"/>
+                      <a:tailEnd type="none" w="med" len="med"/>
+                    </a:lnL>
+                    <a:lnR w="12700" cap="flat" cmpd="sng" algn="ctr">
+                      <a:solidFill>
+                        <a:schemeClr val="tx1"/>
+                      </a:solidFill>
+                      <a:prstDash val="solid"/>
+                      <a:round/>
+                      <a:headEnd type="none" w="med" len="med"/>
+                      <a:tailEnd type="none" w="med" len="med"/>
+                    </a:lnR>
+                    <a:lnT w="12700" cap="flat" cmpd="sng" algn="ctr">
+                      <a:solidFill>
+                        <a:schemeClr val="tx1"/>
+                      </a:solidFill>
+                      <a:prstDash val="solid"/>
+                      <a:round/>
+                      <a:headEnd type="none" w="med" len="med"/>
+                      <a:tailEnd type="none" w="med" len="med"/>
+                    </a:lnT>
+                    <a:lnB w="12700" cap="flat" cmpd="sng" algn="ctr">
+                      <a:solidFill>
+                        <a:schemeClr val="tx1"/>
+                      </a:solidFill>
+                      <a:prstDash val="solid"/>
+                      <a:round/>
+                      <a:headEnd type="none" w="med" len="med"/>
+                      <a:tailEnd type="none" w="med" len="med"/>
+                    </a:lnB>
+                    <a:solidFill>
+                      <a:schemeClr val="bg1"/>
+                    </a:solidFill>
+                  </a:tcPr>
+                </a:tc>
+                <a:tc>
+                  <a:txBody>
+                    <a:bodyPr/>
+                    <a:lstStyle/>
+                    <a:p>
+                      <a:pPr latinLnBrk="1"/>
+                      <a:endParaRPr lang="ko-KR" altLang="en-US" sz="1000" b="0">
+                        <a:solidFill>
+                          <a:schemeClr val="tx1"/>
+                        </a:solidFill>
+                      </a:endParaRPr>
+                    </a:p>
+                  </a:txBody>
+                  <a:tcPr>
+                    <a:lnL w="12700" cap="flat" cmpd="sng" algn="ctr">
+                      <a:solidFill>
+                        <a:schemeClr val="tx1"/>
+                      </a:solidFill>
+                      <a:prstDash val="solid"/>
+                      <a:round/>
+                      <a:headEnd type="none" w="med" len="med"/>
+                      <a:tailEnd type="none" w="med" len="med"/>
+                    </a:lnL>
+                    <a:lnR w="12700" cap="flat" cmpd="sng" algn="ctr">
+                      <a:solidFill>
+                        <a:schemeClr val="tx1"/>
+                      </a:solidFill>
+                      <a:prstDash val="solid"/>
+                      <a:round/>
+                      <a:headEnd type="none" w="med" len="med"/>
+                      <a:tailEnd type="none" w="med" len="med"/>
+                    </a:lnR>
+                    <a:lnT w="12700" cap="flat" cmpd="sng" algn="ctr">
+                      <a:solidFill>
+                        <a:schemeClr val="tx1"/>
+                      </a:solidFill>
+                      <a:prstDash val="solid"/>
+                      <a:round/>
+                      <a:headEnd type="none" w="med" len="med"/>
+                      <a:tailEnd type="none" w="med" len="med"/>
+                    </a:lnT>
+                    <a:lnB w="12700" cap="flat" cmpd="sng" algn="ctr">
+                      <a:solidFill>
+                        <a:schemeClr val="tx1"/>
+                      </a:solidFill>
+                      <a:prstDash val="solid"/>
+                      <a:round/>
+                      <a:headEnd type="none" w="med" len="med"/>
+                      <a:tailEnd type="none" w="med" len="med"/>
+                    </a:lnB>
+                    <a:solidFill>
+                      <a:schemeClr val="bg1"/>
+                    </a:solidFill>
+                  </a:tcPr>
+                </a:tc>
+                <a:tc>
+                  <a:txBody>
+                    <a:bodyPr/>
+                    <a:lstStyle/>
+                    <a:p>
+                      <a:pPr latinLnBrk="1"/>
+                      <a:endParaRPr lang="ko-KR" altLang="en-US" sz="1000" b="0" dirty="0">
+                        <a:solidFill>
+                          <a:schemeClr val="tx1"/>
+                        </a:solidFill>
+                      </a:endParaRPr>
+                    </a:p>
+                  </a:txBody>
+                  <a:tcPr>
+                    <a:lnL w="12700" cap="flat" cmpd="sng" algn="ctr">
+                      <a:solidFill>
+                        <a:schemeClr val="tx1"/>
+                      </a:solidFill>
+                      <a:prstDash val="solid"/>
+                      <a:round/>
+                      <a:headEnd type="none" w="med" len="med"/>
+                      <a:tailEnd type="none" w="med" len="med"/>
+                    </a:lnL>
+                    <a:lnR w="12700" cap="flat" cmpd="sng" algn="ctr">
+                      <a:solidFill>
+                        <a:schemeClr val="tx1"/>
+                      </a:solidFill>
+                      <a:prstDash val="solid"/>
+                      <a:round/>
+                      <a:headEnd type="none" w="med" len="med"/>
+                      <a:tailEnd type="none" w="med" len="med"/>
+                    </a:lnR>
+                    <a:lnT w="12700" cap="flat" cmpd="sng" algn="ctr">
+                      <a:solidFill>
+                        <a:schemeClr val="tx1"/>
+                      </a:solidFill>
+                      <a:prstDash val="solid"/>
+                      <a:round/>
+                      <a:headEnd type="none" w="med" len="med"/>
+                      <a:tailEnd type="none" w="med" len="med"/>
+                    </a:lnT>
+                    <a:lnB w="12700" cap="flat" cmpd="sng" algn="ctr">
+                      <a:solidFill>
+                        <a:schemeClr val="tx1"/>
+                      </a:solidFill>
+                      <a:prstDash val="solid"/>
+                      <a:round/>
+                      <a:headEnd type="none" w="med" len="med"/>
+                      <a:tailEnd type="none" w="med" len="med"/>
+                    </a:lnB>
+                    <a:solidFill>
+                      <a:schemeClr val="bg1"/>
+                    </a:solidFill>
+                  </a:tcPr>
+                </a:tc>
+                <a:tc>
+                  <a:txBody>
+                    <a:bodyPr/>
+                    <a:lstStyle/>
+                    <a:p>
+                      <a:pPr latinLnBrk="1"/>
+                      <a:endParaRPr lang="ko-KR" altLang="en-US" sz="1000" b="0" dirty="0">
+                        <a:solidFill>
+                          <a:schemeClr val="tx1"/>
+                        </a:solidFill>
+                      </a:endParaRPr>
+                    </a:p>
+                  </a:txBody>
+                  <a:tcPr>
+                    <a:lnL w="12700" cap="flat" cmpd="sng" algn="ctr">
+                      <a:solidFill>
+                        <a:schemeClr val="tx1"/>
+                      </a:solidFill>
+                      <a:prstDash val="solid"/>
+                      <a:round/>
+                      <a:headEnd type="none" w="med" len="med"/>
+                      <a:tailEnd type="none" w="med" len="med"/>
+                    </a:lnL>
+                    <a:lnR w="12700" cap="flat" cmpd="sng" algn="ctr">
+                      <a:solidFill>
+                        <a:schemeClr val="tx1"/>
+                      </a:solidFill>
+                      <a:prstDash val="solid"/>
+                      <a:round/>
+                      <a:headEnd type="none" w="med" len="med"/>
+                      <a:tailEnd type="none" w="med" len="med"/>
+                    </a:lnR>
+                    <a:lnT w="12700" cap="flat" cmpd="sng" algn="ctr">
+                      <a:solidFill>
+                        <a:schemeClr val="tx1"/>
+                      </a:solidFill>
+                      <a:prstDash val="solid"/>
+                      <a:round/>
+                      <a:headEnd type="none" w="med" len="med"/>
+                      <a:tailEnd type="none" w="med" len="med"/>
+                    </a:lnT>
+                    <a:lnB w="12700" cap="flat" cmpd="sng" algn="ctr">
+                      <a:solidFill>
+                        <a:schemeClr val="tx1"/>
+                      </a:solidFill>
+                      <a:prstDash val="solid"/>
+                      <a:round/>
+                      <a:headEnd type="none" w="med" len="med"/>
+                      <a:tailEnd type="none" w="med" len="med"/>
+                    </a:lnB>
+                    <a:solidFill>
+                      <a:schemeClr val="bg1"/>
+                    </a:solidFill>
+                  </a:tcPr>
+                </a:tc>
+                <a:tc>
+                  <a:txBody>
+                    <a:bodyPr/>
+                    <a:lstStyle/>
+                    <a:p>
+                      <a:pPr latinLnBrk="1"/>
+                      <a:endParaRPr lang="ko-KR" altLang="en-US" sz="1000" b="0" dirty="0">
+                        <a:solidFill>
+                          <a:schemeClr val="tx1"/>
+                        </a:solidFill>
+                      </a:endParaRPr>
+                    </a:p>
+                  </a:txBody>
+                  <a:tcPr>
+                    <a:lnL w="12700" cap="flat" cmpd="sng" algn="ctr">
+                      <a:solidFill>
+                        <a:schemeClr val="tx1"/>
+                      </a:solidFill>
+                      <a:prstDash val="solid"/>
+                      <a:round/>
+                      <a:headEnd type="none" w="med" len="med"/>
+                      <a:tailEnd type="none" w="med" len="med"/>
+                    </a:lnL>
+                    <a:lnR w="12700" cap="flat" cmpd="sng" algn="ctr">
+                      <a:solidFill>
+                        <a:schemeClr val="tx1"/>
+                      </a:solidFill>
+                      <a:prstDash val="solid"/>
+                      <a:round/>
+                      <a:headEnd type="none" w="med" len="med"/>
+                      <a:tailEnd type="none" w="med" len="med"/>
+                    </a:lnR>
+                    <a:lnT w="12700" cap="flat" cmpd="sng" algn="ctr">
+                      <a:solidFill>
+                        <a:schemeClr val="tx1"/>
+                      </a:solidFill>
+                      <a:prstDash val="solid"/>
+                      <a:round/>
+                      <a:headEnd type="none" w="med" len="med"/>
+                      <a:tailEnd type="none" w="med" len="med"/>
+                    </a:lnT>
+                    <a:lnB w="12700" cap="flat" cmpd="sng" algn="ctr">
+                      <a:solidFill>
+                        <a:schemeClr val="tx1"/>
+                      </a:solidFill>
+                      <a:prstDash val="solid"/>
+                      <a:round/>
+                      <a:headEnd type="none" w="med" len="med"/>
+                      <a:tailEnd type="none" w="med" len="med"/>
+                    </a:lnB>
+                    <a:solidFill>
+                      <a:schemeClr val="bg1"/>
+                    </a:solidFill>
+                  </a:tcPr>
+                </a:tc>
+                <a:tc>
+                  <a:txBody>
+                    <a:bodyPr/>
+                    <a:lstStyle/>
+                    <a:p>
+                      <a:pPr latinLnBrk="1"/>
+                      <a:endParaRPr lang="ko-KR" altLang="en-US" sz="1000" b="0" dirty="0">
+                        <a:solidFill>
+                          <a:schemeClr val="tx1"/>
+                        </a:solidFill>
+                      </a:endParaRPr>
+                    </a:p>
+                  </a:txBody>
+                  <a:tcPr>
+                    <a:lnL w="12700" cap="flat" cmpd="sng" algn="ctr">
+                      <a:solidFill>
+                        <a:schemeClr val="tx1"/>
+                      </a:solidFill>
+                      <a:prstDash val="solid"/>
+                      <a:round/>
+                      <a:headEnd type="none" w="med" len="med"/>
+                      <a:tailEnd type="none" w="med" len="med"/>
+                    </a:lnL>
+                    <a:lnR w="12700" cap="flat" cmpd="sng" algn="ctr">
+                      <a:solidFill>
+                        <a:schemeClr val="tx1"/>
+                      </a:solidFill>
+                      <a:prstDash val="solid"/>
+                      <a:round/>
+                      <a:headEnd type="none" w="med" len="med"/>
+                      <a:tailEnd type="none" w="med" len="med"/>
+                    </a:lnR>
+                    <a:lnT w="12700" cap="flat" cmpd="sng" algn="ctr">
+                      <a:solidFill>
+                        <a:schemeClr val="tx1"/>
+                      </a:solidFill>
+                      <a:prstDash val="solid"/>
+                      <a:round/>
+                      <a:headEnd type="none" w="med" len="med"/>
+                      <a:tailEnd type="none" w="med" len="med"/>
+                    </a:lnT>
+                    <a:lnB w="12700" cap="flat" cmpd="sng" algn="ctr">
+                      <a:solidFill>
+                        <a:schemeClr val="tx1"/>
+                      </a:solidFill>
+                      <a:prstDash val="solid"/>
+                      <a:round/>
+                      <a:headEnd type="none" w="med" len="med"/>
+                      <a:tailEnd type="none" w="med" len="med"/>
+                    </a:lnB>
+                    <a:solidFill>
+                      <a:schemeClr val="bg1"/>
+                    </a:solidFill>
+                  </a:tcPr>
+                </a:tc>
+                <a:extLst>
+                  <a:ext uri="{0D108BD9-81ED-4DB2-BD59-A6C34878D82A}">
+                    <a16:rowId xmlns:a16="http://schemas.microsoft.com/office/drawing/2014/main" val="2198859565"/>
+                  </a:ext>
+                </a:extLst>
+              </a:tr>
+              <a:tr h="192405">
+                <a:tc>
+                  <a:txBody>
+                    <a:bodyPr/>
+                    <a:lstStyle/>
+                    <a:p>
+                      <a:pPr latinLnBrk="1"/>
+                      <a:endParaRPr lang="ko-KR" altLang="en-US" sz="1000" b="0" dirty="0">
+                        <a:solidFill>
+                          <a:schemeClr val="tx1"/>
+                        </a:solidFill>
+                      </a:endParaRPr>
+                    </a:p>
+                  </a:txBody>
+                  <a:tcPr>
+                    <a:lnL w="12700" cap="flat" cmpd="sng" algn="ctr">
+                      <a:solidFill>
+                        <a:schemeClr val="tx1"/>
+                      </a:solidFill>
+                      <a:prstDash val="solid"/>
+                      <a:round/>
+                      <a:headEnd type="none" w="med" len="med"/>
+                      <a:tailEnd type="none" w="med" len="med"/>
+                    </a:lnL>
+                    <a:lnR w="12700" cap="flat" cmpd="sng" algn="ctr">
+                      <a:solidFill>
+                        <a:schemeClr val="tx1"/>
+                      </a:solidFill>
+                      <a:prstDash val="solid"/>
+                      <a:round/>
+                      <a:headEnd type="none" w="med" len="med"/>
+                      <a:tailEnd type="none" w="med" len="med"/>
+                    </a:lnR>
+                    <a:lnT w="12700" cap="flat" cmpd="sng" algn="ctr">
+                      <a:solidFill>
+                        <a:schemeClr val="tx1"/>
+                      </a:solidFill>
+                      <a:prstDash val="solid"/>
+                      <a:round/>
+                      <a:headEnd type="none" w="med" len="med"/>
+                      <a:tailEnd type="none" w="med" len="med"/>
+                    </a:lnT>
+                    <a:lnB w="12700" cap="flat" cmpd="sng" algn="ctr">
+                      <a:solidFill>
+                        <a:schemeClr val="tx1"/>
+                      </a:solidFill>
+                      <a:prstDash val="solid"/>
+                      <a:round/>
+                      <a:headEnd type="none" w="med" len="med"/>
+                      <a:tailEnd type="none" w="med" len="med"/>
+                    </a:lnB>
+                    <a:solidFill>
+                      <a:schemeClr val="bg1"/>
+                    </a:solidFill>
+                  </a:tcPr>
+                </a:tc>
+                <a:tc>
+                  <a:txBody>
+                    <a:bodyPr/>
+                    <a:lstStyle/>
+                    <a:p>
+                      <a:pPr latinLnBrk="1"/>
+                      <a:endParaRPr lang="ko-KR" altLang="en-US" sz="1000" b="0" dirty="0">
+                        <a:solidFill>
+                          <a:schemeClr val="tx1"/>
+                        </a:solidFill>
+                      </a:endParaRPr>
+                    </a:p>
+                  </a:txBody>
+                  <a:tcPr>
+                    <a:lnL w="12700" cap="flat" cmpd="sng" algn="ctr">
+                      <a:solidFill>
+                        <a:schemeClr val="tx1"/>
+                      </a:solidFill>
+                      <a:prstDash val="solid"/>
+                      <a:round/>
+                      <a:headEnd type="none" w="med" len="med"/>
+                      <a:tailEnd type="none" w="med" len="med"/>
+                    </a:lnL>
+                    <a:lnR w="12700" cap="flat" cmpd="sng" algn="ctr">
+                      <a:solidFill>
+                        <a:schemeClr val="tx1"/>
+                      </a:solidFill>
+                      <a:prstDash val="solid"/>
+                      <a:round/>
+                      <a:headEnd type="none" w="med" len="med"/>
+                      <a:tailEnd type="none" w="med" len="med"/>
+                    </a:lnR>
+                    <a:lnT w="12700" cap="flat" cmpd="sng" algn="ctr">
+                      <a:solidFill>
+                        <a:schemeClr val="tx1"/>
+                      </a:solidFill>
+                      <a:prstDash val="solid"/>
+                      <a:round/>
+                      <a:headEnd type="none" w="med" len="med"/>
+                      <a:tailEnd type="none" w="med" len="med"/>
+                    </a:lnT>
+                    <a:lnB w="12700" cap="flat" cmpd="sng" algn="ctr">
+                      <a:solidFill>
+                        <a:schemeClr val="tx1"/>
+                      </a:solidFill>
+                      <a:prstDash val="solid"/>
+                      <a:round/>
+                      <a:headEnd type="none" w="med" len="med"/>
+                      <a:tailEnd type="none" w="med" len="med"/>
+                    </a:lnB>
+                    <a:solidFill>
+                      <a:schemeClr val="bg1"/>
+                    </a:solidFill>
+                  </a:tcPr>
+                </a:tc>
+                <a:tc>
+                  <a:txBody>
+                    <a:bodyPr/>
+                    <a:lstStyle/>
+                    <a:p>
+                      <a:pPr latinLnBrk="1"/>
+                      <a:endParaRPr lang="ko-KR" altLang="en-US" sz="1000" b="0">
+                        <a:solidFill>
+                          <a:schemeClr val="tx1"/>
+                        </a:solidFill>
+                      </a:endParaRPr>
+                    </a:p>
+                  </a:txBody>
+                  <a:tcPr>
+                    <a:lnL w="12700" cap="flat" cmpd="sng" algn="ctr">
+                      <a:solidFill>
+                        <a:schemeClr val="tx1"/>
+                      </a:solidFill>
+                      <a:prstDash val="solid"/>
+                      <a:round/>
+                      <a:headEnd type="none" w="med" len="med"/>
+                      <a:tailEnd type="none" w="med" len="med"/>
+                    </a:lnL>
+                    <a:lnR w="12700" cap="flat" cmpd="sng" algn="ctr">
+                      <a:solidFill>
+                        <a:schemeClr val="tx1"/>
+                      </a:solidFill>
+                      <a:prstDash val="solid"/>
+                      <a:round/>
+                      <a:headEnd type="none" w="med" len="med"/>
+                      <a:tailEnd type="none" w="med" len="med"/>
+                    </a:lnR>
+                    <a:lnT w="12700" cap="flat" cmpd="sng" algn="ctr">
+                      <a:solidFill>
+                        <a:schemeClr val="tx1"/>
+                      </a:solidFill>
+                      <a:prstDash val="solid"/>
+                      <a:round/>
+                      <a:headEnd type="none" w="med" len="med"/>
+                      <a:tailEnd type="none" w="med" len="med"/>
+                    </a:lnT>
+                    <a:lnB w="12700" cap="flat" cmpd="sng" algn="ctr">
+                      <a:solidFill>
+                        <a:schemeClr val="tx1"/>
+                      </a:solidFill>
+                      <a:prstDash val="solid"/>
+                      <a:round/>
+                      <a:headEnd type="none" w="med" len="med"/>
+                      <a:tailEnd type="none" w="med" len="med"/>
+                    </a:lnB>
+                    <a:solidFill>
+                      <a:schemeClr val="bg1"/>
+                    </a:solidFill>
+                  </a:tcPr>
+                </a:tc>
+                <a:tc>
+                  <a:txBody>
+                    <a:bodyPr/>
+                    <a:lstStyle/>
+                    <a:p>
+                      <a:pPr latinLnBrk="1"/>
+                      <a:endParaRPr lang="ko-KR" altLang="en-US" sz="1000" b="0" dirty="0">
+                        <a:solidFill>
+                          <a:schemeClr val="tx1"/>
+                        </a:solidFill>
+                      </a:endParaRPr>
+                    </a:p>
+                  </a:txBody>
+                  <a:tcPr>
+                    <a:lnL w="12700" cap="flat" cmpd="sng" algn="ctr">
+                      <a:solidFill>
+                        <a:schemeClr val="tx1"/>
+                      </a:solidFill>
+                      <a:prstDash val="solid"/>
+                      <a:round/>
+                      <a:headEnd type="none" w="med" len="med"/>
+                      <a:tailEnd type="none" w="med" len="med"/>
+                    </a:lnL>
+                    <a:lnR w="12700" cap="flat" cmpd="sng" algn="ctr">
+                      <a:solidFill>
+                        <a:schemeClr val="tx1"/>
+                      </a:solidFill>
+                      <a:prstDash val="solid"/>
+                      <a:round/>
+                      <a:headEnd type="none" w="med" len="med"/>
+                      <a:tailEnd type="none" w="med" len="med"/>
+                    </a:lnR>
+                    <a:lnT w="12700" cap="flat" cmpd="sng" algn="ctr">
+                      <a:solidFill>
+                        <a:schemeClr val="tx1"/>
+                      </a:solidFill>
+                      <a:prstDash val="solid"/>
+                      <a:round/>
+                      <a:headEnd type="none" w="med" len="med"/>
+                      <a:tailEnd type="none" w="med" len="med"/>
+                    </a:lnT>
+                    <a:lnB w="12700" cap="flat" cmpd="sng" algn="ctr">
+                      <a:solidFill>
+                        <a:schemeClr val="tx1"/>
+                      </a:solidFill>
+                      <a:prstDash val="solid"/>
+                      <a:round/>
+                      <a:headEnd type="none" w="med" len="med"/>
+                      <a:tailEnd type="none" w="med" len="med"/>
+                    </a:lnB>
+                    <a:solidFill>
+                      <a:schemeClr val="bg1"/>
+                    </a:solidFill>
+                  </a:tcPr>
+                </a:tc>
+                <a:tc>
+                  <a:txBody>
+                    <a:bodyPr/>
+                    <a:lstStyle/>
+                    <a:p>
+                      <a:pPr latinLnBrk="1"/>
+                      <a:endParaRPr lang="ko-KR" altLang="en-US" sz="1000" b="0" dirty="0">
+                        <a:solidFill>
+                          <a:schemeClr val="tx1"/>
+                        </a:solidFill>
+                      </a:endParaRPr>
+                    </a:p>
+                  </a:txBody>
+                  <a:tcPr>
+                    <a:lnL w="12700" cap="flat" cmpd="sng" algn="ctr">
+                      <a:solidFill>
+                        <a:schemeClr val="tx1"/>
+                      </a:solidFill>
+                      <a:prstDash val="solid"/>
+                      <a:round/>
+                      <a:headEnd type="none" w="med" len="med"/>
+                      <a:tailEnd type="none" w="med" len="med"/>
+                    </a:lnL>
+                    <a:lnR w="12700" cap="flat" cmpd="sng" algn="ctr">
+                      <a:solidFill>
+                        <a:schemeClr val="tx1"/>
+                      </a:solidFill>
+                      <a:prstDash val="solid"/>
+                      <a:round/>
+                      <a:headEnd type="none" w="med" len="med"/>
+                      <a:tailEnd type="none" w="med" len="med"/>
+                    </a:lnR>
+                    <a:lnT w="12700" cap="flat" cmpd="sng" algn="ctr">
+                      <a:solidFill>
+                        <a:schemeClr val="tx1"/>
+                      </a:solidFill>
+                      <a:prstDash val="solid"/>
+                      <a:round/>
+                      <a:headEnd type="none" w="med" len="med"/>
+                      <a:tailEnd type="none" w="med" len="med"/>
+                    </a:lnT>
+                    <a:lnB w="12700" cap="flat" cmpd="sng" algn="ctr">
+                      <a:solidFill>
+                        <a:schemeClr val="tx1"/>
+                      </a:solidFill>
+                      <a:prstDash val="solid"/>
+                      <a:round/>
+                      <a:headEnd type="none" w="med" len="med"/>
+                      <a:tailEnd type="none" w="med" len="med"/>
+                    </a:lnB>
+                    <a:solidFill>
+                      <a:schemeClr val="bg1"/>
+                    </a:solidFill>
+                  </a:tcPr>
+                </a:tc>
+                <a:tc>
+                  <a:txBody>
+                    <a:bodyPr/>
+                    <a:lstStyle/>
+                    <a:p>
+                      <a:pPr latinLnBrk="1"/>
+                      <a:endParaRPr lang="ko-KR" altLang="en-US" sz="1000" b="0" dirty="0">
+                        <a:solidFill>
+                          <a:schemeClr val="tx1"/>
+                        </a:solidFill>
+                      </a:endParaRPr>
+                    </a:p>
+                  </a:txBody>
+                  <a:tcPr>
+                    <a:lnL w="12700" cap="flat" cmpd="sng" algn="ctr">
+                      <a:solidFill>
+                        <a:schemeClr val="tx1"/>
+                      </a:solidFill>
+                      <a:prstDash val="solid"/>
+                      <a:round/>
+                      <a:headEnd type="none" w="med" len="med"/>
+                      <a:tailEnd type="none" w="med" len="med"/>
+                    </a:lnL>
+                    <a:lnR w="12700" cap="flat" cmpd="sng" algn="ctr">
+                      <a:solidFill>
+                        <a:schemeClr val="tx1"/>
+                      </a:solidFill>
+                      <a:prstDash val="solid"/>
+                      <a:round/>
+                      <a:headEnd type="none" w="med" len="med"/>
+                      <a:tailEnd type="none" w="med" len="med"/>
+                    </a:lnR>
+                    <a:lnT w="12700" cap="flat" cmpd="sng" algn="ctr">
+                      <a:solidFill>
+                        <a:schemeClr val="tx1"/>
+                      </a:solidFill>
+                      <a:prstDash val="solid"/>
+                      <a:round/>
+                      <a:headEnd type="none" w="med" len="med"/>
+                      <a:tailEnd type="none" w="med" len="med"/>
+                    </a:lnT>
+                    <a:lnB w="12700" cap="flat" cmpd="sng" algn="ctr">
+                      <a:solidFill>
+                        <a:schemeClr val="tx1"/>
+                      </a:solidFill>
+                      <a:prstDash val="solid"/>
+                      <a:round/>
+                      <a:headEnd type="none" w="med" len="med"/>
+                      <a:tailEnd type="none" w="med" len="med"/>
+                    </a:lnB>
+                    <a:solidFill>
+                      <a:schemeClr val="bg1"/>
+                    </a:solidFill>
+                  </a:tcPr>
+                </a:tc>
+                <a:tc>
+                  <a:txBody>
+                    <a:bodyPr/>
+                    <a:lstStyle/>
+                    <a:p>
+                      <a:pPr latinLnBrk="1"/>
+                      <a:endParaRPr lang="ko-KR" altLang="en-US" sz="1000" b="0" dirty="0">
+                        <a:solidFill>
+                          <a:schemeClr val="tx1"/>
+                        </a:solidFill>
+                      </a:endParaRPr>
+                    </a:p>
+                  </a:txBody>
+                  <a:tcPr>
+                    <a:lnL w="12700" cap="flat" cmpd="sng" algn="ctr">
+                      <a:solidFill>
+                        <a:schemeClr val="tx1"/>
+                      </a:solidFill>
+                      <a:prstDash val="solid"/>
+                      <a:round/>
+                      <a:headEnd type="none" w="med" len="med"/>
+                      <a:tailEnd type="none" w="med" len="med"/>
+                    </a:lnL>
+                    <a:lnR w="12700" cap="flat" cmpd="sng" algn="ctr">
+                      <a:solidFill>
+                        <a:schemeClr val="tx1"/>
+                      </a:solidFill>
+                      <a:prstDash val="solid"/>
+                      <a:round/>
+                      <a:headEnd type="none" w="med" len="med"/>
+                      <a:tailEnd type="none" w="med" len="med"/>
+                    </a:lnR>
+                    <a:lnT w="12700" cap="flat" cmpd="sng" algn="ctr">
+                      <a:solidFill>
+                        <a:schemeClr val="tx1"/>
+                      </a:solidFill>
+                      <a:prstDash val="solid"/>
+                      <a:round/>
+                      <a:headEnd type="none" w="med" len="med"/>
+                      <a:tailEnd type="none" w="med" len="med"/>
+                    </a:lnT>
+                    <a:lnB w="12700" cap="flat" cmpd="sng" algn="ctr">
+                      <a:solidFill>
+                        <a:schemeClr val="tx1"/>
+                      </a:solidFill>
+                      <a:prstDash val="solid"/>
+                      <a:round/>
+                      <a:headEnd type="none" w="med" len="med"/>
+                      <a:tailEnd type="none" w="med" len="med"/>
+                    </a:lnB>
+                    <a:solidFill>
+                      <a:schemeClr val="bg1"/>
+                    </a:solidFill>
+                  </a:tcPr>
+                </a:tc>
+                <a:extLst>
+                  <a:ext uri="{0D108BD9-81ED-4DB2-BD59-A6C34878D82A}">
+                    <a16:rowId xmlns:a16="http://schemas.microsoft.com/office/drawing/2014/main" val="571161705"/>
+                  </a:ext>
+                </a:extLst>
+              </a:tr>
+              <a:tr h="192405">
+                <a:tc>
+                  <a:txBody>
+                    <a:bodyPr/>
+                    <a:lstStyle/>
+                    <a:p>
+                      <a:pPr latinLnBrk="1"/>
+                      <a:endParaRPr lang="ko-KR" altLang="en-US" sz="1000" b="0" dirty="0">
+                        <a:solidFill>
+                          <a:schemeClr val="tx1"/>
+                        </a:solidFill>
+                      </a:endParaRPr>
+                    </a:p>
+                  </a:txBody>
+                  <a:tcPr>
+                    <a:lnL w="12700" cap="flat" cmpd="sng" algn="ctr">
+                      <a:solidFill>
+                        <a:schemeClr val="tx1"/>
+                      </a:solidFill>
+                      <a:prstDash val="solid"/>
+                      <a:round/>
+                      <a:headEnd type="none" w="med" len="med"/>
+                      <a:tailEnd type="none" w="med" len="med"/>
+                    </a:lnL>
+                    <a:lnR w="12700" cap="flat" cmpd="sng" algn="ctr">
+                      <a:solidFill>
+                        <a:schemeClr val="tx1"/>
+                      </a:solidFill>
+                      <a:prstDash val="solid"/>
+                      <a:round/>
+                      <a:headEnd type="none" w="med" len="med"/>
+                      <a:tailEnd type="none" w="med" len="med"/>
+                    </a:lnR>
+                    <a:lnT w="12700" cap="flat" cmpd="sng" algn="ctr">
+                      <a:solidFill>
+                        <a:schemeClr val="tx1"/>
+                      </a:solidFill>
+                      <a:prstDash val="solid"/>
+                      <a:round/>
+                      <a:headEnd type="none" w="med" len="med"/>
+                      <a:tailEnd type="none" w="med" len="med"/>
+                    </a:lnT>
+                    <a:lnB w="12700" cap="flat" cmpd="sng" algn="ctr">
+                      <a:solidFill>
+                        <a:schemeClr val="tx1"/>
+                      </a:solidFill>
+                      <a:prstDash val="solid"/>
+                      <a:round/>
+                      <a:headEnd type="none" w="med" len="med"/>
+                      <a:tailEnd type="none" w="med" len="med"/>
+                    </a:lnB>
+                    <a:solidFill>
+                      <a:schemeClr val="bg1"/>
+                    </a:solidFill>
+                  </a:tcPr>
+                </a:tc>
+                <a:tc>
+                  <a:txBody>
+                    <a:bodyPr/>
+                    <a:lstStyle/>
+                    <a:p>
+                      <a:pPr latinLnBrk="1"/>
+                      <a:endParaRPr lang="ko-KR" altLang="en-US" sz="1000" b="0" dirty="0">
+                        <a:solidFill>
+                          <a:schemeClr val="tx1"/>
+                        </a:solidFill>
+                      </a:endParaRPr>
+                    </a:p>
+                  </a:txBody>
+                  <a:tcPr>
+                    <a:lnL w="12700" cap="flat" cmpd="sng" algn="ctr">
+                      <a:solidFill>
+                        <a:schemeClr val="tx1"/>
+                      </a:solidFill>
+                      <a:prstDash val="solid"/>
+                      <a:round/>
+                      <a:headEnd type="none" w="med" len="med"/>
+                      <a:tailEnd type="none" w="med" len="med"/>
+                    </a:lnL>
+                    <a:lnR w="12700" cap="flat" cmpd="sng" algn="ctr">
+                      <a:solidFill>
+                        <a:schemeClr val="tx1"/>
+                      </a:solidFill>
+                      <a:prstDash val="solid"/>
+                      <a:round/>
+                      <a:headEnd type="none" w="med" len="med"/>
+                      <a:tailEnd type="none" w="med" len="med"/>
+                    </a:lnR>
+                    <a:lnT w="12700" cap="flat" cmpd="sng" algn="ctr">
+                      <a:solidFill>
+                        <a:schemeClr val="tx1"/>
+                      </a:solidFill>
+                      <a:prstDash val="solid"/>
+                      <a:round/>
+                      <a:headEnd type="none" w="med" len="med"/>
+                      <a:tailEnd type="none" w="med" len="med"/>
+                    </a:lnT>
+                    <a:lnB w="12700" cap="flat" cmpd="sng" algn="ctr">
+                      <a:solidFill>
+                        <a:schemeClr val="tx1"/>
+                      </a:solidFill>
+                      <a:prstDash val="solid"/>
+                      <a:round/>
+                      <a:headEnd type="none" w="med" len="med"/>
+                      <a:tailEnd type="none" w="med" len="med"/>
+                    </a:lnB>
+                    <a:solidFill>
+                      <a:schemeClr val="bg1"/>
+                    </a:solidFill>
+                  </a:tcPr>
+                </a:tc>
+                <a:tc>
+                  <a:txBody>
+                    <a:bodyPr/>
+                    <a:lstStyle/>
+                    <a:p>
+                      <a:pPr latinLnBrk="1"/>
+                      <a:endParaRPr lang="ko-KR" altLang="en-US" sz="1000" b="0">
+                        <a:solidFill>
+                          <a:schemeClr val="tx1"/>
+                        </a:solidFill>
+                      </a:endParaRPr>
+                    </a:p>
+                  </a:txBody>
+                  <a:tcPr>
+                    <a:lnL w="12700" cap="flat" cmpd="sng" algn="ctr">
+                      <a:solidFill>
+                        <a:schemeClr val="tx1"/>
+                      </a:solidFill>
+                      <a:prstDash val="solid"/>
+                      <a:round/>
+                      <a:headEnd type="none" w="med" len="med"/>
+                      <a:tailEnd type="none" w="med" len="med"/>
+                    </a:lnL>
+                    <a:lnR w="12700" cap="flat" cmpd="sng" algn="ctr">
+                      <a:solidFill>
+                        <a:schemeClr val="tx1"/>
+                      </a:solidFill>
+                      <a:prstDash val="solid"/>
+                      <a:round/>
+                      <a:headEnd type="none" w="med" len="med"/>
+                      <a:tailEnd type="none" w="med" len="med"/>
+                    </a:lnR>
+                    <a:lnT w="12700" cap="flat" cmpd="sng" algn="ctr">
+                      <a:solidFill>
+                        <a:schemeClr val="tx1"/>
+                      </a:solidFill>
+                      <a:prstDash val="solid"/>
+                      <a:round/>
+                      <a:headEnd type="none" w="med" len="med"/>
+                      <a:tailEnd type="none" w="med" len="med"/>
+                    </a:lnT>
+                    <a:lnB w="12700" cap="flat" cmpd="sng" algn="ctr">
+                      <a:solidFill>
+                        <a:schemeClr val="tx1"/>
+                      </a:solidFill>
+                      <a:prstDash val="solid"/>
+                      <a:round/>
+                      <a:headEnd type="none" w="med" len="med"/>
+                      <a:tailEnd type="none" w="med" len="med"/>
+                    </a:lnB>
+                    <a:solidFill>
+                      <a:schemeClr val="bg1"/>
+                    </a:solidFill>
+                  </a:tcPr>
+                </a:tc>
+                <a:tc>
+                  <a:txBody>
+                    <a:bodyPr/>
+                    <a:lstStyle/>
+                    <a:p>
+                      <a:pPr latinLnBrk="1"/>
+                      <a:endParaRPr lang="ko-KR" altLang="en-US" sz="1000" b="0" dirty="0">
+                        <a:solidFill>
+                          <a:schemeClr val="tx1"/>
+                        </a:solidFill>
+                      </a:endParaRPr>
+                    </a:p>
+                  </a:txBody>
+                  <a:tcPr>
+                    <a:lnL w="12700" cap="flat" cmpd="sng" algn="ctr">
+                      <a:solidFill>
+                        <a:schemeClr val="tx1"/>
+                      </a:solidFill>
+                      <a:prstDash val="solid"/>
+                      <a:round/>
+                      <a:headEnd type="none" w="med" len="med"/>
+                      <a:tailEnd type="none" w="med" len="med"/>
+                    </a:lnL>
+                    <a:lnR w="12700" cap="flat" cmpd="sng" algn="ctr">
+                      <a:solidFill>
+                        <a:schemeClr val="tx1"/>
+                      </a:solidFill>
+                      <a:prstDash val="solid"/>
+                      <a:round/>
+                      <a:headEnd type="none" w="med" len="med"/>
+                      <a:tailEnd type="none" w="med" len="med"/>
+                    </a:lnR>
+                    <a:lnT w="12700" cap="flat" cmpd="sng" algn="ctr">
+                      <a:solidFill>
+                        <a:schemeClr val="tx1"/>
+                      </a:solidFill>
+                      <a:prstDash val="solid"/>
+                      <a:round/>
+                      <a:headEnd type="none" w="med" len="med"/>
+                      <a:tailEnd type="none" w="med" len="med"/>
+                    </a:lnT>
+                    <a:lnB w="12700" cap="flat" cmpd="sng" algn="ctr">
+                      <a:solidFill>
+                        <a:schemeClr val="tx1"/>
+                      </a:solidFill>
+                      <a:prstDash val="solid"/>
+                      <a:round/>
+                      <a:headEnd type="none" w="med" len="med"/>
+                      <a:tailEnd type="none" w="med" len="med"/>
+                    </a:lnB>
+                    <a:solidFill>
+                      <a:schemeClr val="bg1"/>
+                    </a:solidFill>
+                  </a:tcPr>
+                </a:tc>
+                <a:tc>
+                  <a:txBody>
+                    <a:bodyPr/>
+                    <a:lstStyle/>
+                    <a:p>
+                      <a:pPr latinLnBrk="1"/>
+                      <a:endParaRPr lang="ko-KR" altLang="en-US" sz="1000" b="0" dirty="0">
+                        <a:solidFill>
+                          <a:schemeClr val="tx1"/>
+                        </a:solidFill>
+                      </a:endParaRPr>
+                    </a:p>
+                  </a:txBody>
+                  <a:tcPr>
+                    <a:lnL w="12700" cap="flat" cmpd="sng" algn="ctr">
+                      <a:solidFill>
+                        <a:schemeClr val="tx1"/>
+                      </a:solidFill>
+                      <a:prstDash val="solid"/>
+                      <a:round/>
+                      <a:headEnd type="none" w="med" len="med"/>
+                      <a:tailEnd type="none" w="med" len="med"/>
+                    </a:lnL>
+                    <a:lnR w="12700" cap="flat" cmpd="sng" algn="ctr">
+                      <a:solidFill>
+                        <a:schemeClr val="tx1"/>
+                      </a:solidFill>
+                      <a:prstDash val="solid"/>
+                      <a:round/>
+                      <a:headEnd type="none" w="med" len="med"/>
+                      <a:tailEnd type="none" w="med" len="med"/>
+                    </a:lnR>
+                    <a:lnT w="12700" cap="flat" cmpd="sng" algn="ctr">
+                      <a:solidFill>
+                        <a:schemeClr val="tx1"/>
+                      </a:solidFill>
+                      <a:prstDash val="solid"/>
+                      <a:round/>
+                      <a:headEnd type="none" w="med" len="med"/>
+                      <a:tailEnd type="none" w="med" len="med"/>
+                    </a:lnT>
+                    <a:lnB w="12700" cap="flat" cmpd="sng" algn="ctr">
+                      <a:solidFill>
+                        <a:schemeClr val="tx1"/>
+                      </a:solidFill>
+                      <a:prstDash val="solid"/>
+                      <a:round/>
+                      <a:headEnd type="none" w="med" len="med"/>
+                      <a:tailEnd type="none" w="med" len="med"/>
+                    </a:lnB>
+                    <a:solidFill>
+                      <a:schemeClr val="bg1"/>
+                    </a:solidFill>
+                  </a:tcPr>
+                </a:tc>
+                <a:tc>
+                  <a:txBody>
+                    <a:bodyPr/>
+                    <a:lstStyle/>
+                    <a:p>
+                      <a:pPr latinLnBrk="1"/>
+                      <a:endParaRPr lang="ko-KR" altLang="en-US" sz="1000" b="0" dirty="0">
+                        <a:solidFill>
+                          <a:schemeClr val="tx1"/>
+                        </a:solidFill>
+                      </a:endParaRPr>
+                    </a:p>
+                  </a:txBody>
+                  <a:tcPr>
+                    <a:lnL w="12700" cap="flat" cmpd="sng" algn="ctr">
+                      <a:solidFill>
+                        <a:schemeClr val="tx1"/>
+                      </a:solidFill>
+                      <a:prstDash val="solid"/>
+                      <a:round/>
+                      <a:headEnd type="none" w="med" len="med"/>
+                      <a:tailEnd type="none" w="med" len="med"/>
+                    </a:lnL>
+                    <a:lnR w="12700" cap="flat" cmpd="sng" algn="ctr">
+                      <a:solidFill>
+                        <a:schemeClr val="tx1"/>
+                      </a:solidFill>
+                      <a:prstDash val="solid"/>
+                      <a:round/>
+                      <a:headEnd type="none" w="med" len="med"/>
+                      <a:tailEnd type="none" w="med" len="med"/>
+                    </a:lnR>
+                    <a:lnT w="12700" cap="flat" cmpd="sng" algn="ctr">
+                      <a:solidFill>
+                        <a:schemeClr val="tx1"/>
+                      </a:solidFill>
+                      <a:prstDash val="solid"/>
+                      <a:round/>
+                      <a:headEnd type="none" w="med" len="med"/>
+                      <a:tailEnd type="none" w="med" len="med"/>
+                    </a:lnT>
+                    <a:lnB w="12700" cap="flat" cmpd="sng" algn="ctr">
+                      <a:solidFill>
+                        <a:schemeClr val="tx1"/>
+                      </a:solidFill>
+                      <a:prstDash val="solid"/>
+                      <a:round/>
+                      <a:headEnd type="none" w="med" len="med"/>
+                      <a:tailEnd type="none" w="med" len="med"/>
+                    </a:lnB>
+                    <a:solidFill>
+                      <a:schemeClr val="bg1"/>
+                    </a:solidFill>
+                  </a:tcPr>
+                </a:tc>
+                <a:tc>
+                  <a:txBody>
+                    <a:bodyPr/>
+                    <a:lstStyle/>
+                    <a:p>
+                      <a:pPr latinLnBrk="1"/>
+                      <a:endParaRPr lang="ko-KR" altLang="en-US" sz="1000" b="0" dirty="0">
+                        <a:solidFill>
+                          <a:schemeClr val="tx1"/>
+                        </a:solidFill>
+                      </a:endParaRPr>
+                    </a:p>
+                  </a:txBody>
+                  <a:tcPr>
+                    <a:lnL w="12700" cap="flat" cmpd="sng" algn="ctr">
+                      <a:solidFill>
+                        <a:schemeClr val="tx1"/>
+                      </a:solidFill>
+                      <a:prstDash val="solid"/>
+                      <a:round/>
+                      <a:headEnd type="none" w="med" len="med"/>
+                      <a:tailEnd type="none" w="med" len="med"/>
+                    </a:lnL>
+                    <a:lnR w="12700" cap="flat" cmpd="sng" algn="ctr">
+                      <a:solidFill>
+                        <a:schemeClr val="tx1"/>
+                      </a:solidFill>
+                      <a:prstDash val="solid"/>
+                      <a:round/>
+                      <a:headEnd type="none" w="med" len="med"/>
+                      <a:tailEnd type="none" w="med" len="med"/>
+                    </a:lnR>
+                    <a:lnT w="12700" cap="flat" cmpd="sng" algn="ctr">
+                      <a:solidFill>
+                        <a:schemeClr val="tx1"/>
+                      </a:solidFill>
+                      <a:prstDash val="solid"/>
+                      <a:round/>
+                      <a:headEnd type="none" w="med" len="med"/>
+                      <a:tailEnd type="none" w="med" len="med"/>
+                    </a:lnT>
+                    <a:lnB w="12700" cap="flat" cmpd="sng" algn="ctr">
+                      <a:solidFill>
+                        <a:schemeClr val="tx1"/>
+                      </a:solidFill>
+                      <a:prstDash val="solid"/>
+                      <a:round/>
+                      <a:headEnd type="none" w="med" len="med"/>
+                      <a:tailEnd type="none" w="med" len="med"/>
+                    </a:lnB>
+                    <a:solidFill>
+                      <a:schemeClr val="bg1"/>
+                    </a:solidFill>
+                  </a:tcPr>
+                </a:tc>
+                <a:extLst>
+                  <a:ext uri="{0D108BD9-81ED-4DB2-BD59-A6C34878D82A}">
+                    <a16:rowId xmlns:a16="http://schemas.microsoft.com/office/drawing/2014/main" val="2722083703"/>
+                  </a:ext>
+                </a:extLst>
+              </a:tr>
+              <a:tr h="192405">
+                <a:tc>
+                  <a:txBody>
+                    <a:bodyPr/>
+                    <a:lstStyle/>
+                    <a:p>
+                      <a:pPr latinLnBrk="1"/>
+                      <a:endParaRPr lang="ko-KR" altLang="en-US" sz="1000" b="0" dirty="0">
+                        <a:solidFill>
+                          <a:schemeClr val="tx1"/>
+                        </a:solidFill>
+                      </a:endParaRPr>
+                    </a:p>
+                  </a:txBody>
+                  <a:tcPr>
+                    <a:lnL w="12700" cap="flat" cmpd="sng" algn="ctr">
+                      <a:solidFill>
+                        <a:schemeClr val="tx1"/>
+                      </a:solidFill>
+                      <a:prstDash val="solid"/>
+                      <a:round/>
+                      <a:headEnd type="none" w="med" len="med"/>
+                      <a:tailEnd type="none" w="med" len="med"/>
+                    </a:lnL>
+                    <a:lnR w="12700" cap="flat" cmpd="sng" algn="ctr">
+                      <a:solidFill>
+                        <a:schemeClr val="tx1"/>
+                      </a:solidFill>
+                      <a:prstDash val="solid"/>
+                      <a:round/>
+                      <a:headEnd type="none" w="med" len="med"/>
+                      <a:tailEnd type="none" w="med" len="med"/>
+                    </a:lnR>
+                    <a:lnT w="12700" cap="flat" cmpd="sng" algn="ctr">
+                      <a:solidFill>
+                        <a:schemeClr val="tx1"/>
+                      </a:solidFill>
+                      <a:prstDash val="solid"/>
+                      <a:round/>
+                      <a:headEnd type="none" w="med" len="med"/>
+                      <a:tailEnd type="none" w="med" len="med"/>
+                    </a:lnT>
+                    <a:lnB w="12700" cap="flat" cmpd="sng" algn="ctr">
+                      <a:solidFill>
+                        <a:schemeClr val="tx1"/>
+                      </a:solidFill>
+                      <a:prstDash val="solid"/>
+                      <a:round/>
+                      <a:headEnd type="none" w="med" len="med"/>
+                      <a:tailEnd type="none" w="med" len="med"/>
+                    </a:lnB>
+                    <a:solidFill>
+                      <a:schemeClr val="bg1"/>
+                    </a:solidFill>
+                  </a:tcPr>
+                </a:tc>
+                <a:tc>
+                  <a:txBody>
+                    <a:bodyPr/>
+                    <a:lstStyle/>
+                    <a:p>
+                      <a:pPr latinLnBrk="1"/>
+                      <a:endParaRPr lang="ko-KR" altLang="en-US" sz="1000" b="0" dirty="0">
+                        <a:solidFill>
+                          <a:schemeClr val="tx1"/>
+                        </a:solidFill>
+                      </a:endParaRPr>
+                    </a:p>
+                  </a:txBody>
+                  <a:tcPr>
+                    <a:lnL w="12700" cap="flat" cmpd="sng" algn="ctr">
+                      <a:solidFill>
+                        <a:schemeClr val="tx1"/>
+                      </a:solidFill>
+                      <a:prstDash val="solid"/>
+                      <a:round/>
+                      <a:headEnd type="none" w="med" len="med"/>
+                      <a:tailEnd type="none" w="med" len="med"/>
+                    </a:lnL>
+                    <a:lnR w="12700" cap="flat" cmpd="sng" algn="ctr">
+                      <a:solidFill>
+                        <a:schemeClr val="tx1"/>
+                      </a:solidFill>
+                      <a:prstDash val="solid"/>
+                      <a:round/>
+                      <a:headEnd type="none" w="med" len="med"/>
+                      <a:tailEnd type="none" w="med" len="med"/>
+                    </a:lnR>
+                    <a:lnT w="12700" cap="flat" cmpd="sng" algn="ctr">
+                      <a:solidFill>
+                        <a:schemeClr val="tx1"/>
+                      </a:solidFill>
+                      <a:prstDash val="solid"/>
+                      <a:round/>
+                      <a:headEnd type="none" w="med" len="med"/>
+                      <a:tailEnd type="none" w="med" len="med"/>
+                    </a:lnT>
+                    <a:lnB w="12700" cap="flat" cmpd="sng" algn="ctr">
+                      <a:solidFill>
+                        <a:schemeClr val="tx1"/>
+                      </a:solidFill>
+                      <a:prstDash val="solid"/>
+                      <a:round/>
+                      <a:headEnd type="none" w="med" len="med"/>
+                      <a:tailEnd type="none" w="med" len="med"/>
+                    </a:lnB>
+                    <a:solidFill>
+                      <a:schemeClr val="bg1"/>
+                    </a:solidFill>
+                  </a:tcPr>
+                </a:tc>
+                <a:tc>
+                  <a:txBody>
+                    <a:bodyPr/>
+                    <a:lstStyle/>
+                    <a:p>
+                      <a:pPr latinLnBrk="1"/>
+                      <a:endParaRPr lang="ko-KR" altLang="en-US" sz="1000" b="0">
+                        <a:solidFill>
+                          <a:schemeClr val="tx1"/>
+                        </a:solidFill>
+                      </a:endParaRPr>
+                    </a:p>
+                  </a:txBody>
+                  <a:tcPr>
+                    <a:lnL w="12700" cap="flat" cmpd="sng" algn="ctr">
+                      <a:solidFill>
+                        <a:schemeClr val="tx1"/>
+                      </a:solidFill>
+                      <a:prstDash val="solid"/>
+                      <a:round/>
+                      <a:headEnd type="none" w="med" len="med"/>
+                      <a:tailEnd type="none" w="med" len="med"/>
+                    </a:lnL>
+                    <a:lnR w="12700" cap="flat" cmpd="sng" algn="ctr">
+                      <a:solidFill>
+                        <a:schemeClr val="tx1"/>
+                      </a:solidFill>
+                      <a:prstDash val="solid"/>
+                      <a:round/>
+                      <a:headEnd type="none" w="med" len="med"/>
+                      <a:tailEnd type="none" w="med" len="med"/>
+                    </a:lnR>
+                    <a:lnT w="12700" cap="flat" cmpd="sng" algn="ctr">
+                      <a:solidFill>
+                        <a:schemeClr val="tx1"/>
+                      </a:solidFill>
+                      <a:prstDash val="solid"/>
+                      <a:round/>
+                      <a:headEnd type="none" w="med" len="med"/>
+                      <a:tailEnd type="none" w="med" len="med"/>
+                    </a:lnT>
+                    <a:lnB w="12700" cap="flat" cmpd="sng" algn="ctr">
+                      <a:solidFill>
+                        <a:schemeClr val="tx1"/>
+                      </a:solidFill>
+                      <a:prstDash val="solid"/>
+                      <a:round/>
+                      <a:headEnd type="none" w="med" len="med"/>
+                      <a:tailEnd type="none" w="med" len="med"/>
+                    </a:lnB>
+                    <a:solidFill>
+                      <a:schemeClr val="bg1"/>
+                    </a:solidFill>
+                  </a:tcPr>
+                </a:tc>
+                <a:tc>
+                  <a:txBody>
+                    <a:bodyPr/>
+                    <a:lstStyle/>
+                    <a:p>
+                      <a:pPr latinLnBrk="1"/>
+                      <a:endParaRPr lang="ko-KR" altLang="en-US" sz="1000" b="0" dirty="0">
+                        <a:solidFill>
+                          <a:schemeClr val="tx1"/>
+                        </a:solidFill>
+                      </a:endParaRPr>
+                    </a:p>
+                  </a:txBody>
+                  <a:tcPr>
+                    <a:lnL w="12700" cap="flat" cmpd="sng" algn="ctr">
+                      <a:solidFill>
+                        <a:schemeClr val="tx1"/>
+                      </a:solidFill>
+                      <a:prstDash val="solid"/>
+                      <a:round/>
+                      <a:headEnd type="none" w="med" len="med"/>
+                      <a:tailEnd type="none" w="med" len="med"/>
+                    </a:lnL>
+                    <a:lnR w="12700" cap="flat" cmpd="sng" algn="ctr">
+                      <a:solidFill>
+                        <a:schemeClr val="tx1"/>
+                      </a:solidFill>
+                      <a:prstDash val="solid"/>
+                      <a:round/>
+                      <a:headEnd type="none" w="med" len="med"/>
+                      <a:tailEnd type="none" w="med" len="med"/>
+                    </a:lnR>
+                    <a:lnT w="12700" cap="flat" cmpd="sng" algn="ctr">
+                      <a:solidFill>
+                        <a:schemeClr val="tx1"/>
+                      </a:solidFill>
+                      <a:prstDash val="solid"/>
+                      <a:round/>
+                      <a:headEnd type="none" w="med" len="med"/>
+                      <a:tailEnd type="none" w="med" len="med"/>
+                    </a:lnT>
+                    <a:lnB w="12700" cap="flat" cmpd="sng" algn="ctr">
+                      <a:solidFill>
+                        <a:schemeClr val="tx1"/>
+                      </a:solidFill>
+                      <a:prstDash val="solid"/>
+                      <a:round/>
+                      <a:headEnd type="none" w="med" len="med"/>
+                      <a:tailEnd type="none" w="med" len="med"/>
+                    </a:lnB>
+                    <a:solidFill>
+                      <a:schemeClr val="bg1"/>
+                    </a:solidFill>
+                  </a:tcPr>
+                </a:tc>
+                <a:tc>
+                  <a:txBody>
+                    <a:bodyPr/>
+                    <a:lstStyle/>
+                    <a:p>
+                      <a:pPr latinLnBrk="1"/>
+                      <a:endParaRPr lang="ko-KR" altLang="en-US" sz="1000" b="0" dirty="0">
+                        <a:solidFill>
+                          <a:schemeClr val="tx1"/>
+                        </a:solidFill>
+                      </a:endParaRPr>
+                    </a:p>
+                  </a:txBody>
+                  <a:tcPr>
+                    <a:lnL w="12700" cap="flat" cmpd="sng" algn="ctr">
+                      <a:solidFill>
+                        <a:schemeClr val="tx1"/>
+                      </a:solidFill>
+                      <a:prstDash val="solid"/>
+                      <a:round/>
+                      <a:headEnd type="none" w="med" len="med"/>
+                      <a:tailEnd type="none" w="med" len="med"/>
+                    </a:lnL>
+                    <a:lnR w="12700" cap="flat" cmpd="sng" algn="ctr">
+                      <a:solidFill>
+                        <a:schemeClr val="tx1"/>
+                      </a:solidFill>
+                      <a:prstDash val="solid"/>
+                      <a:round/>
+                      <a:headEnd type="none" w="med" len="med"/>
+                      <a:tailEnd type="none" w="med" len="med"/>
+                    </a:lnR>
+                    <a:lnT w="12700" cap="flat" cmpd="sng" algn="ctr">
+                      <a:solidFill>
+                        <a:schemeClr val="tx1"/>
+                      </a:solidFill>
+                      <a:prstDash val="solid"/>
+                      <a:round/>
+                      <a:headEnd type="none" w="med" len="med"/>
+                      <a:tailEnd type="none" w="med" len="med"/>
+                    </a:lnT>
+                    <a:lnB w="12700" cap="flat" cmpd="sng" algn="ctr">
+                      <a:solidFill>
+                        <a:schemeClr val="tx1"/>
+                      </a:solidFill>
+                      <a:prstDash val="solid"/>
+                      <a:round/>
+                      <a:headEnd type="none" w="med" len="med"/>
+                      <a:tailEnd type="none" w="med" len="med"/>
+                    </a:lnB>
+                    <a:solidFill>
+                      <a:schemeClr val="bg1"/>
+                    </a:solidFill>
+                  </a:tcPr>
+                </a:tc>
+                <a:tc>
+                  <a:txBody>
+                    <a:bodyPr/>
+                    <a:lstStyle/>
+                    <a:p>
+                      <a:pPr latinLnBrk="1"/>
+                      <a:endParaRPr lang="ko-KR" altLang="en-US" sz="1000" b="0" dirty="0">
+                        <a:solidFill>
+                          <a:schemeClr val="tx1"/>
+                        </a:solidFill>
+                      </a:endParaRPr>
+                    </a:p>
+                  </a:txBody>
+                  <a:tcPr>
+                    <a:lnL w="12700" cap="flat" cmpd="sng" algn="ctr">
+                      <a:solidFill>
+                        <a:schemeClr val="tx1"/>
+                      </a:solidFill>
+                      <a:prstDash val="solid"/>
+                      <a:round/>
+                      <a:headEnd type="none" w="med" len="med"/>
+                      <a:tailEnd type="none" w="med" len="med"/>
+                    </a:lnL>
+                    <a:lnR w="12700" cap="flat" cmpd="sng" algn="ctr">
+                      <a:solidFill>
+                        <a:schemeClr val="tx1"/>
+                      </a:solidFill>
+                      <a:prstDash val="solid"/>
+                      <a:round/>
+                      <a:headEnd type="none" w="med" len="med"/>
+                      <a:tailEnd type="none" w="med" len="med"/>
+                    </a:lnR>
+                    <a:lnT w="12700" cap="flat" cmpd="sng" algn="ctr">
+                      <a:solidFill>
+                        <a:schemeClr val="tx1"/>
+                      </a:solidFill>
+                      <a:prstDash val="solid"/>
+                      <a:round/>
+                      <a:headEnd type="none" w="med" len="med"/>
+                      <a:tailEnd type="none" w="med" len="med"/>
+                    </a:lnT>
+                    <a:lnB w="12700" cap="flat" cmpd="sng" algn="ctr">
+                      <a:solidFill>
+                        <a:schemeClr val="tx1"/>
+                      </a:solidFill>
+                      <a:prstDash val="solid"/>
+                      <a:round/>
+                      <a:headEnd type="none" w="med" len="med"/>
+                      <a:tailEnd type="none" w="med" len="med"/>
+                    </a:lnB>
+                    <a:solidFill>
+                      <a:schemeClr val="bg1"/>
+                    </a:solidFill>
+                  </a:tcPr>
+                </a:tc>
+                <a:tc>
+                  <a:txBody>
+                    <a:bodyPr/>
+                    <a:lstStyle/>
+                    <a:p>
+                      <a:pPr latinLnBrk="1"/>
+                      <a:endParaRPr lang="ko-KR" altLang="en-US" sz="1000" b="0" dirty="0">
+                        <a:solidFill>
+                          <a:schemeClr val="tx1"/>
+                        </a:solidFill>
+                      </a:endParaRPr>
+                    </a:p>
+                  </a:txBody>
+                  <a:tcPr>
+                    <a:lnL w="12700" cap="flat" cmpd="sng" algn="ctr">
+                      <a:solidFill>
+                        <a:schemeClr val="tx1"/>
+                      </a:solidFill>
+                      <a:prstDash val="solid"/>
+                      <a:round/>
+                      <a:headEnd type="none" w="med" len="med"/>
+                      <a:tailEnd type="none" w="med" len="med"/>
+                    </a:lnL>
+                    <a:lnR w="12700" cap="flat" cmpd="sng" algn="ctr">
+                      <a:solidFill>
+                        <a:schemeClr val="tx1"/>
+                      </a:solidFill>
+                      <a:prstDash val="solid"/>
+                      <a:round/>
+                      <a:headEnd type="none" w="med" len="med"/>
+                      <a:tailEnd type="none" w="med" len="med"/>
+                    </a:lnR>
+                    <a:lnT w="12700" cap="flat" cmpd="sng" algn="ctr">
+                      <a:solidFill>
+                        <a:schemeClr val="tx1"/>
+                      </a:solidFill>
+                      <a:prstDash val="solid"/>
+                      <a:round/>
+                      <a:headEnd type="none" w="med" len="med"/>
+                      <a:tailEnd type="none" w="med" len="med"/>
+                    </a:lnT>
+                    <a:lnB w="12700" cap="flat" cmpd="sng" algn="ctr">
+                      <a:solidFill>
+                        <a:schemeClr val="tx1"/>
+                      </a:solidFill>
+                      <a:prstDash val="solid"/>
+                      <a:round/>
+                      <a:headEnd type="none" w="med" len="med"/>
+                      <a:tailEnd type="none" w="med" len="med"/>
+                    </a:lnB>
+                    <a:solidFill>
+                      <a:schemeClr val="bg1"/>
+                    </a:solidFill>
+                  </a:tcPr>
+                </a:tc>
+                <a:extLst>
+                  <a:ext uri="{0D108BD9-81ED-4DB2-BD59-A6C34878D82A}">
+                    <a16:rowId xmlns:a16="http://schemas.microsoft.com/office/drawing/2014/main" val="1273322509"/>
+                  </a:ext>
+                </a:extLst>
+              </a:tr>
+            </a:tbl>
+          </a:graphicData>
+        </a:graphic>
+      </p:graphicFrame>
+      <p:sp>
+        <p:nvSpPr>
+          <p:cNvPr id="7" name="TextBox 6">
+            <a:extLst>
+              <a:ext uri="{FF2B5EF4-FFF2-40B4-BE49-F238E27FC236}">
+                <a16:creationId xmlns:a16="http://schemas.microsoft.com/office/drawing/2014/main" id="{B6971CB9-CA48-7BF1-22A8-25D0A469A1EC}"/>
+              </a:ext>
+            </a:extLst>
+          </p:cNvPr>
+          <p:cNvSpPr txBox="1"/>
+          <p:nvPr/>
+        </p:nvSpPr>
+        <p:spPr>
+          <a:xfrm>
+            <a:off x="8832813" y="3239060"/>
+            <a:ext cx="2010487" cy="261610"/>
+          </a:xfrm>
+          <a:prstGeom prst="rect">
+            <a:avLst/>
+          </a:prstGeom>
+          <a:noFill/>
+        </p:spPr>
+        <p:txBody>
+          <a:bodyPr wrap="none" rtlCol="0">
+            <a:spAutoFit/>
+          </a:bodyPr>
+          <a:lstStyle/>
+          <a:p>
+            <a:r>
+              <a:rPr lang="en-US" altLang="ko-KR" sz="1100" b="1" dirty="0"/>
+              <a:t>Applied Revit</a:t>
+            </a:r>
+            <a:r>
+              <a:rPr lang="ko-KR" altLang="en-US" sz="1100" b="1" dirty="0"/>
+              <a:t> </a:t>
+            </a:r>
+            <a:r>
+              <a:rPr lang="en-US" altLang="ko-KR" sz="1100" b="1" dirty="0"/>
+              <a:t>Family</a:t>
+            </a:r>
+            <a:r>
+              <a:rPr lang="ko-KR" altLang="en-US" sz="1100" b="1" dirty="0"/>
+              <a:t> </a:t>
+            </a:r>
+            <a:r>
+              <a:rPr lang="en-US" altLang="ko-KR" sz="1100" b="1" dirty="0"/>
+              <a:t>Types</a:t>
+            </a:r>
+            <a:endParaRPr lang="ko-KR" altLang="en-US" sz="1100" b="1" dirty="0"/>
+          </a:p>
+        </p:txBody>
+      </p:sp>
+      <p:sp>
+        <p:nvSpPr>
+          <p:cNvPr id="8" name="TextBox 7">
+            <a:extLst>
+              <a:ext uri="{FF2B5EF4-FFF2-40B4-BE49-F238E27FC236}">
+                <a16:creationId xmlns:a16="http://schemas.microsoft.com/office/drawing/2014/main" id="{687AC1D7-D889-C837-5307-5A80E44363A5}"/>
+              </a:ext>
+            </a:extLst>
+          </p:cNvPr>
+          <p:cNvSpPr txBox="1"/>
+          <p:nvPr/>
+        </p:nvSpPr>
+        <p:spPr>
+          <a:xfrm>
+            <a:off x="2772696" y="937937"/>
+            <a:ext cx="2667718" cy="261610"/>
+          </a:xfrm>
+          <a:prstGeom prst="rect">
+            <a:avLst/>
+          </a:prstGeom>
+          <a:noFill/>
+        </p:spPr>
+        <p:txBody>
+          <a:bodyPr wrap="none" rtlCol="0">
+            <a:spAutoFit/>
+          </a:bodyPr>
+          <a:lstStyle/>
+          <a:p>
+            <a:r>
+              <a:rPr lang="en-US" altLang="ko-KR" sz="1100" b="1" dirty="0"/>
+              <a:t>Standard type: </a:t>
+            </a:r>
+            <a:r>
+              <a:rPr lang="pt-BR" altLang="ko-KR" sz="1100" b="1" dirty="0"/>
+              <a:t>H_FL_AR_S17_RC Slab</a:t>
+            </a:r>
+          </a:p>
+        </p:txBody>
+      </p:sp>
+      <p:sp>
+        <p:nvSpPr>
+          <p:cNvPr id="11" name="TextBox 10">
+            <a:extLst>
+              <a:ext uri="{FF2B5EF4-FFF2-40B4-BE49-F238E27FC236}">
+                <a16:creationId xmlns:a16="http://schemas.microsoft.com/office/drawing/2014/main" id="{E87D1078-4014-6871-B0E9-D54D24627AA6}"/>
+              </a:ext>
+            </a:extLst>
+          </p:cNvPr>
+          <p:cNvSpPr txBox="1"/>
+          <p:nvPr/>
+        </p:nvSpPr>
+        <p:spPr>
+          <a:xfrm>
+            <a:off x="8832813" y="743437"/>
+            <a:ext cx="1386918" cy="261610"/>
+          </a:xfrm>
+          <a:prstGeom prst="rect">
+            <a:avLst/>
+          </a:prstGeom>
+          <a:noFill/>
+        </p:spPr>
+        <p:txBody>
+          <a:bodyPr wrap="none" rtlCol="0">
+            <a:spAutoFit/>
+          </a:bodyPr>
+          <a:lstStyle/>
+          <a:p>
+            <a:r>
+              <a:rPr lang="en-US" altLang="ko-KR" sz="1100" b="1" dirty="0"/>
+              <a:t>Q’ty Cal Type Tag</a:t>
+            </a:r>
+          </a:p>
+        </p:txBody>
+      </p:sp>
+      <p:grpSp>
+        <p:nvGrpSpPr>
+          <p:cNvPr id="48" name="그룹 47">
+            <a:extLst>
+              <a:ext uri="{FF2B5EF4-FFF2-40B4-BE49-F238E27FC236}">
+                <a16:creationId xmlns:a16="http://schemas.microsoft.com/office/drawing/2014/main" id="{1442D34D-AC8D-335F-C68A-C3499B97ED18}"/>
+              </a:ext>
+            </a:extLst>
+          </p:cNvPr>
+          <p:cNvGrpSpPr/>
+          <p:nvPr/>
+        </p:nvGrpSpPr>
+        <p:grpSpPr>
+          <a:xfrm>
+            <a:off x="10145302" y="743437"/>
+            <a:ext cx="1555117" cy="564119"/>
+            <a:chOff x="6514290" y="937937"/>
+            <a:chExt cx="1555117" cy="564119"/>
+          </a:xfrm>
+        </p:grpSpPr>
+        <p:pic>
+          <p:nvPicPr>
+            <p:cNvPr id="13" name="그림 12">
+              <a:extLst>
+                <a:ext uri="{FF2B5EF4-FFF2-40B4-BE49-F238E27FC236}">
+                  <a16:creationId xmlns:a16="http://schemas.microsoft.com/office/drawing/2014/main" id="{9EF860AD-C196-7C5E-D558-229D3B3040CC}"/>
+                </a:ext>
+              </a:extLst>
+            </p:cNvPr>
+            <p:cNvPicPr>
+              <a:picLocks noChangeAspect="1"/>
+            </p:cNvPicPr>
+            <p:nvPr/>
+          </p:nvPicPr>
+          <p:blipFill rotWithShape="1">
+            <a:blip r:embed="rId3"/>
+            <a:srcRect t="3820" r="927"/>
+            <a:stretch/>
+          </p:blipFill>
+          <p:spPr>
+            <a:xfrm>
+              <a:off x="6531011" y="961474"/>
+              <a:ext cx="1538396" cy="540582"/>
+            </a:xfrm>
+            <a:prstGeom prst="rect">
+              <a:avLst/>
+            </a:prstGeom>
+          </p:spPr>
+        </p:pic>
+        <p:pic>
+          <p:nvPicPr>
+            <p:cNvPr id="16" name="그림 15">
+              <a:extLst>
+                <a:ext uri="{FF2B5EF4-FFF2-40B4-BE49-F238E27FC236}">
+                  <a16:creationId xmlns:a16="http://schemas.microsoft.com/office/drawing/2014/main" id="{69FE00FF-E429-7ADB-B253-086A577FF5C3}"/>
+                </a:ext>
+              </a:extLst>
+            </p:cNvPr>
+            <p:cNvPicPr>
+              <a:picLocks noChangeAspect="1"/>
+            </p:cNvPicPr>
+            <p:nvPr/>
+          </p:nvPicPr>
+          <p:blipFill rotWithShape="1">
+            <a:blip r:embed="rId3"/>
+            <a:srcRect l="47077" t="3820" r="20106"/>
+            <a:stretch/>
+          </p:blipFill>
+          <p:spPr>
+            <a:xfrm>
+              <a:off x="6547628" y="961474"/>
+              <a:ext cx="1359695" cy="540582"/>
+            </a:xfrm>
+            <a:prstGeom prst="rect">
+              <a:avLst/>
+            </a:prstGeom>
+          </p:spPr>
+        </p:pic>
+        <p:sp>
+          <p:nvSpPr>
+            <p:cNvPr id="15" name="TextBox 14">
+              <a:extLst>
+                <a:ext uri="{FF2B5EF4-FFF2-40B4-BE49-F238E27FC236}">
+                  <a16:creationId xmlns:a16="http://schemas.microsoft.com/office/drawing/2014/main" id="{32222E20-8A00-0078-9569-F7B100D39D33}"/>
+                </a:ext>
+              </a:extLst>
+            </p:cNvPr>
+            <p:cNvSpPr txBox="1"/>
+            <p:nvPr/>
+          </p:nvSpPr>
+          <p:spPr>
+            <a:xfrm>
+              <a:off x="6514290" y="937937"/>
+              <a:ext cx="656430" cy="230832"/>
+            </a:xfrm>
+            <a:prstGeom prst="rect">
+              <a:avLst/>
+            </a:prstGeom>
+            <a:noFill/>
+          </p:spPr>
+          <p:txBody>
+            <a:bodyPr wrap="square">
+              <a:spAutoFit/>
+            </a:bodyPr>
+            <a:lstStyle/>
+            <a:p>
+              <a:pPr latinLnBrk="1"/>
+              <a:r>
+                <a:rPr lang="en-US" altLang="ko-KR" sz="900" b="0" dirty="0">
+                  <a:solidFill>
+                    <a:schemeClr val="tx1"/>
+                  </a:solidFill>
+                </a:rPr>
+                <a:t>FL-Q1</a:t>
+              </a:r>
+              <a:endParaRPr lang="ko-KR" altLang="en-US" sz="900" b="0" dirty="0">
+                <a:solidFill>
+                  <a:schemeClr val="tx1"/>
+                </a:solidFill>
+              </a:endParaRPr>
+            </a:p>
+          </p:txBody>
+        </p:sp>
+        <p:sp>
+          <p:nvSpPr>
+            <p:cNvPr id="17" name="TextBox 16">
+              <a:extLst>
+                <a:ext uri="{FF2B5EF4-FFF2-40B4-BE49-F238E27FC236}">
+                  <a16:creationId xmlns:a16="http://schemas.microsoft.com/office/drawing/2014/main" id="{BEB16F64-53E1-6937-352A-0607D468C17F}"/>
+                </a:ext>
+              </a:extLst>
+            </p:cNvPr>
+            <p:cNvSpPr txBox="1"/>
+            <p:nvPr/>
+          </p:nvSpPr>
+          <p:spPr>
+            <a:xfrm>
+              <a:off x="6514290" y="1135358"/>
+              <a:ext cx="656430" cy="230832"/>
+            </a:xfrm>
+            <a:prstGeom prst="rect">
+              <a:avLst/>
+            </a:prstGeom>
+            <a:noFill/>
+          </p:spPr>
+          <p:txBody>
+            <a:bodyPr wrap="square">
+              <a:spAutoFit/>
+            </a:bodyPr>
+            <a:lstStyle/>
+            <a:p>
+              <a:pPr latinLnBrk="1"/>
+              <a:r>
+                <a:rPr lang="en-US" altLang="ko-KR" sz="900" b="0" dirty="0">
+                  <a:solidFill>
+                    <a:schemeClr val="bg1"/>
+                  </a:solidFill>
+                </a:rPr>
+                <a:t>FL-Q1</a:t>
+              </a:r>
+              <a:endParaRPr lang="ko-KR" altLang="en-US" sz="900" b="0" dirty="0">
+                <a:solidFill>
+                  <a:schemeClr val="bg1"/>
+                </a:solidFill>
+              </a:endParaRPr>
+            </a:p>
+          </p:txBody>
+        </p:sp>
+      </p:grpSp>
+      <p:grpSp>
+        <p:nvGrpSpPr>
+          <p:cNvPr id="23" name="그룹 22">
+            <a:extLst>
+              <a:ext uri="{FF2B5EF4-FFF2-40B4-BE49-F238E27FC236}">
+                <a16:creationId xmlns:a16="http://schemas.microsoft.com/office/drawing/2014/main" id="{68411626-1779-238D-D338-420C720406A0}"/>
+              </a:ext>
+            </a:extLst>
+          </p:cNvPr>
+          <p:cNvGrpSpPr/>
+          <p:nvPr/>
+        </p:nvGrpSpPr>
+        <p:grpSpPr>
+          <a:xfrm>
+            <a:off x="2873215" y="1828298"/>
+            <a:ext cx="915173" cy="540582"/>
+            <a:chOff x="9277629" y="1902768"/>
+            <a:chExt cx="1571837" cy="540582"/>
+          </a:xfrm>
+        </p:grpSpPr>
+        <p:pic>
+          <p:nvPicPr>
+            <p:cNvPr id="19" name="그림 18">
+              <a:extLst>
+                <a:ext uri="{FF2B5EF4-FFF2-40B4-BE49-F238E27FC236}">
+                  <a16:creationId xmlns:a16="http://schemas.microsoft.com/office/drawing/2014/main" id="{CFB153B9-C7D4-FAD2-C3BB-8A53A04AB5AB}"/>
+                </a:ext>
+              </a:extLst>
+            </p:cNvPr>
+            <p:cNvPicPr>
+              <a:picLocks noChangeAspect="1"/>
+            </p:cNvPicPr>
+            <p:nvPr/>
+          </p:nvPicPr>
+          <p:blipFill rotWithShape="1">
+            <a:blip r:embed="rId3"/>
+            <a:srcRect t="3820" r="927"/>
+            <a:stretch/>
+          </p:blipFill>
+          <p:spPr>
+            <a:xfrm>
+              <a:off x="9294352" y="1902768"/>
+              <a:ext cx="1538396" cy="540582"/>
+            </a:xfrm>
+            <a:prstGeom prst="rect">
+              <a:avLst/>
+            </a:prstGeom>
+          </p:spPr>
+        </p:pic>
+        <p:pic>
+          <p:nvPicPr>
+            <p:cNvPr id="20" name="그림 19">
+              <a:extLst>
+                <a:ext uri="{FF2B5EF4-FFF2-40B4-BE49-F238E27FC236}">
+                  <a16:creationId xmlns:a16="http://schemas.microsoft.com/office/drawing/2014/main" id="{B8CE3CCD-57F0-50D7-419B-9773771791EC}"/>
+                </a:ext>
+              </a:extLst>
+            </p:cNvPr>
+            <p:cNvPicPr>
+              <a:picLocks noChangeAspect="1"/>
+            </p:cNvPicPr>
+            <p:nvPr/>
+          </p:nvPicPr>
+          <p:blipFill rotWithShape="1">
+            <a:blip r:embed="rId3"/>
+            <a:srcRect l="47077" t="3820" r="20106"/>
+            <a:stretch/>
+          </p:blipFill>
+          <p:spPr>
+            <a:xfrm>
+              <a:off x="9310969" y="1902768"/>
+              <a:ext cx="1359695" cy="540582"/>
+            </a:xfrm>
+            <a:prstGeom prst="rect">
+              <a:avLst/>
+            </a:prstGeom>
+          </p:spPr>
+        </p:pic>
+        <p:sp>
+          <p:nvSpPr>
+            <p:cNvPr id="21" name="TextBox 20">
+              <a:extLst>
+                <a:ext uri="{FF2B5EF4-FFF2-40B4-BE49-F238E27FC236}">
+                  <a16:creationId xmlns:a16="http://schemas.microsoft.com/office/drawing/2014/main" id="{65413D71-7977-8A6A-EA48-7178731334E0}"/>
+                </a:ext>
+              </a:extLst>
+            </p:cNvPr>
+            <p:cNvSpPr txBox="1"/>
+            <p:nvPr/>
+          </p:nvSpPr>
+          <p:spPr>
+            <a:xfrm>
+              <a:off x="9277629" y="1902768"/>
+              <a:ext cx="1571837" cy="169277"/>
+            </a:xfrm>
+            <a:prstGeom prst="rect">
+              <a:avLst/>
+            </a:prstGeom>
+            <a:noFill/>
+          </p:spPr>
+          <p:txBody>
+            <a:bodyPr wrap="square">
+              <a:spAutoFit/>
+            </a:bodyPr>
+            <a:lstStyle/>
+            <a:p>
+              <a:pPr latinLnBrk="1"/>
+              <a:r>
+                <a:rPr lang="en-US" altLang="ko-KR" sz="500" dirty="0"/>
+                <a:t>Floor Finish WM grp</a:t>
+              </a:r>
+              <a:endParaRPr lang="ko-KR" altLang="en-US" sz="500" b="0" dirty="0">
+                <a:solidFill>
+                  <a:schemeClr val="tx1"/>
+                </a:solidFill>
+              </a:endParaRPr>
+            </a:p>
+          </p:txBody>
+        </p:sp>
+        <p:sp>
+          <p:nvSpPr>
+            <p:cNvPr id="22" name="TextBox 21">
+              <a:extLst>
+                <a:ext uri="{FF2B5EF4-FFF2-40B4-BE49-F238E27FC236}">
+                  <a16:creationId xmlns:a16="http://schemas.microsoft.com/office/drawing/2014/main" id="{33456DFE-A5E5-C186-F025-2AAD4D9D29A6}"/>
+                </a:ext>
+              </a:extLst>
+            </p:cNvPr>
+            <p:cNvSpPr txBox="1"/>
+            <p:nvPr/>
+          </p:nvSpPr>
+          <p:spPr>
+            <a:xfrm>
+              <a:off x="9277631" y="2102052"/>
+              <a:ext cx="1359693" cy="169277"/>
+            </a:xfrm>
+            <a:prstGeom prst="rect">
+              <a:avLst/>
+            </a:prstGeom>
+            <a:noFill/>
+          </p:spPr>
+          <p:txBody>
+            <a:bodyPr wrap="square">
+              <a:spAutoFit/>
+            </a:bodyPr>
+            <a:lstStyle/>
+            <a:p>
+              <a:pPr latinLnBrk="1"/>
+              <a:r>
+                <a:rPr lang="en-US" altLang="ko-KR" sz="500" b="0" dirty="0">
+                  <a:solidFill>
+                    <a:schemeClr val="bg1"/>
+                  </a:solidFill>
+                </a:rPr>
+                <a:t>Floor Finish WM grp</a:t>
+              </a:r>
+            </a:p>
+          </p:txBody>
+        </p:sp>
+      </p:grpSp>
+      <p:grpSp>
+        <p:nvGrpSpPr>
+          <p:cNvPr id="24" name="그룹 23">
+            <a:extLst>
+              <a:ext uri="{FF2B5EF4-FFF2-40B4-BE49-F238E27FC236}">
+                <a16:creationId xmlns:a16="http://schemas.microsoft.com/office/drawing/2014/main" id="{24308A7C-DBA3-8BB6-48C4-4A5587001FA5}"/>
+              </a:ext>
+            </a:extLst>
+          </p:cNvPr>
+          <p:cNvGrpSpPr/>
+          <p:nvPr/>
+        </p:nvGrpSpPr>
+        <p:grpSpPr>
+          <a:xfrm>
+            <a:off x="3838415" y="1828298"/>
+            <a:ext cx="915173" cy="540582"/>
+            <a:chOff x="9277629" y="1902768"/>
+            <a:chExt cx="1571837" cy="540582"/>
+          </a:xfrm>
+        </p:grpSpPr>
+        <p:pic>
+          <p:nvPicPr>
+            <p:cNvPr id="25" name="그림 24">
+              <a:extLst>
+                <a:ext uri="{FF2B5EF4-FFF2-40B4-BE49-F238E27FC236}">
+                  <a16:creationId xmlns:a16="http://schemas.microsoft.com/office/drawing/2014/main" id="{791BB5F9-6137-3769-DB9E-CDB92CA857BA}"/>
+                </a:ext>
+              </a:extLst>
+            </p:cNvPr>
+            <p:cNvPicPr>
+              <a:picLocks noChangeAspect="1"/>
+            </p:cNvPicPr>
+            <p:nvPr/>
+          </p:nvPicPr>
+          <p:blipFill rotWithShape="1">
+            <a:blip r:embed="rId3"/>
+            <a:srcRect t="3820" r="927"/>
+            <a:stretch/>
+          </p:blipFill>
+          <p:spPr>
+            <a:xfrm>
+              <a:off x="9294352" y="1902768"/>
+              <a:ext cx="1538396" cy="540582"/>
+            </a:xfrm>
+            <a:prstGeom prst="rect">
+              <a:avLst/>
+            </a:prstGeom>
+          </p:spPr>
+        </p:pic>
+        <p:pic>
+          <p:nvPicPr>
+            <p:cNvPr id="26" name="그림 25">
+              <a:extLst>
+                <a:ext uri="{FF2B5EF4-FFF2-40B4-BE49-F238E27FC236}">
+                  <a16:creationId xmlns:a16="http://schemas.microsoft.com/office/drawing/2014/main" id="{22FF0F99-8A45-62FD-FEC0-97908736916D}"/>
+                </a:ext>
+              </a:extLst>
+            </p:cNvPr>
+            <p:cNvPicPr>
+              <a:picLocks noChangeAspect="1"/>
+            </p:cNvPicPr>
+            <p:nvPr/>
+          </p:nvPicPr>
+          <p:blipFill rotWithShape="1">
+            <a:blip r:embed="rId3"/>
+            <a:srcRect l="47077" t="3820" r="20106"/>
+            <a:stretch/>
+          </p:blipFill>
+          <p:spPr>
+            <a:xfrm>
+              <a:off x="9310969" y="1902768"/>
+              <a:ext cx="1359695" cy="540582"/>
+            </a:xfrm>
+            <a:prstGeom prst="rect">
+              <a:avLst/>
+            </a:prstGeom>
+          </p:spPr>
+        </p:pic>
+        <p:sp>
+          <p:nvSpPr>
+            <p:cNvPr id="27" name="TextBox 26">
+              <a:extLst>
+                <a:ext uri="{FF2B5EF4-FFF2-40B4-BE49-F238E27FC236}">
+                  <a16:creationId xmlns:a16="http://schemas.microsoft.com/office/drawing/2014/main" id="{CD80E5EB-37AD-8A91-B724-BDF04C35365F}"/>
+                </a:ext>
+              </a:extLst>
+            </p:cNvPr>
+            <p:cNvSpPr txBox="1"/>
+            <p:nvPr/>
+          </p:nvSpPr>
+          <p:spPr>
+            <a:xfrm>
+              <a:off x="9277629" y="1902768"/>
+              <a:ext cx="1571837" cy="169277"/>
+            </a:xfrm>
+            <a:prstGeom prst="rect">
+              <a:avLst/>
+            </a:prstGeom>
+            <a:noFill/>
+          </p:spPr>
+          <p:txBody>
+            <a:bodyPr wrap="square">
+              <a:spAutoFit/>
+            </a:bodyPr>
+            <a:lstStyle/>
+            <a:p>
+              <a:pPr latinLnBrk="1"/>
+              <a:r>
+                <a:rPr lang="en-US" altLang="ko-KR" sz="500" b="0" dirty="0">
+                  <a:solidFill>
+                    <a:schemeClr val="tx1"/>
+                  </a:solidFill>
+                </a:rPr>
+                <a:t>A04AM080-00001</a:t>
+              </a:r>
+              <a:endParaRPr lang="ko-KR" altLang="en-US" sz="500" b="0" dirty="0">
+                <a:solidFill>
+                  <a:schemeClr val="tx1"/>
+                </a:solidFill>
+              </a:endParaRPr>
+            </a:p>
+          </p:txBody>
+        </p:sp>
+        <p:sp>
+          <p:nvSpPr>
+            <p:cNvPr id="28" name="TextBox 27">
+              <a:extLst>
+                <a:ext uri="{FF2B5EF4-FFF2-40B4-BE49-F238E27FC236}">
+                  <a16:creationId xmlns:a16="http://schemas.microsoft.com/office/drawing/2014/main" id="{29743F20-9113-2ABB-E378-D519491D4A68}"/>
+                </a:ext>
+              </a:extLst>
+            </p:cNvPr>
+            <p:cNvSpPr txBox="1"/>
+            <p:nvPr/>
+          </p:nvSpPr>
+          <p:spPr>
+            <a:xfrm>
+              <a:off x="9277631" y="2102052"/>
+              <a:ext cx="1359693" cy="169277"/>
+            </a:xfrm>
+            <a:prstGeom prst="rect">
+              <a:avLst/>
+            </a:prstGeom>
+            <a:noFill/>
+          </p:spPr>
+          <p:txBody>
+            <a:bodyPr wrap="square">
+              <a:spAutoFit/>
+            </a:bodyPr>
+            <a:lstStyle/>
+            <a:p>
+              <a:pPr latinLnBrk="1"/>
+              <a:r>
+                <a:rPr lang="en-US" altLang="ko-KR" sz="500" b="0" dirty="0">
+                  <a:solidFill>
+                    <a:schemeClr val="bg1"/>
+                  </a:solidFill>
+                </a:rPr>
+                <a:t>Floor Finish WM grp</a:t>
+              </a:r>
+            </a:p>
+          </p:txBody>
+        </p:sp>
+      </p:grpSp>
+      <p:pic>
+        <p:nvPicPr>
+          <p:cNvPr id="30" name="그림 29">
+            <a:extLst>
+              <a:ext uri="{FF2B5EF4-FFF2-40B4-BE49-F238E27FC236}">
+                <a16:creationId xmlns:a16="http://schemas.microsoft.com/office/drawing/2014/main" id="{9D4061DE-FA57-FC75-E2E1-4A012148093F}"/>
+              </a:ext>
+            </a:extLst>
+          </p:cNvPr>
+          <p:cNvPicPr>
+            <a:picLocks noChangeAspect="1"/>
+          </p:cNvPicPr>
+          <p:nvPr/>
+        </p:nvPicPr>
+        <p:blipFill rotWithShape="1">
+          <a:blip r:embed="rId4"/>
+          <a:srcRect r="46930"/>
+          <a:stretch/>
+        </p:blipFill>
+        <p:spPr>
+          <a:xfrm>
+            <a:off x="3874594" y="2031305"/>
+            <a:ext cx="834654" cy="922566"/>
+          </a:xfrm>
+          <a:prstGeom prst="rect">
+            <a:avLst/>
+          </a:prstGeom>
+        </p:spPr>
+      </p:pic>
+      <p:sp>
+        <p:nvSpPr>
+          <p:cNvPr id="31" name="직사각형 30">
+            <a:extLst>
+              <a:ext uri="{FF2B5EF4-FFF2-40B4-BE49-F238E27FC236}">
+                <a16:creationId xmlns:a16="http://schemas.microsoft.com/office/drawing/2014/main" id="{1FDA6379-7EDC-F4D0-B91F-B639476AED94}"/>
+              </a:ext>
+            </a:extLst>
+          </p:cNvPr>
+          <p:cNvSpPr/>
+          <p:nvPr/>
+        </p:nvSpPr>
+        <p:spPr>
+          <a:xfrm>
+            <a:off x="304781" y="1694433"/>
+            <a:ext cx="2424784" cy="1546577"/>
+          </a:xfrm>
+          <a:prstGeom prst="rect">
+            <a:avLst/>
+          </a:prstGeom>
+          <a:solidFill>
+            <a:schemeClr val="bg1"/>
+          </a:solidFill>
+          <a:ln>
+            <a:solidFill>
+              <a:schemeClr val="accent1"/>
+            </a:solidFill>
+          </a:ln>
+        </p:spPr>
+        <p:txBody>
+          <a:bodyPr wrap="square" rtlCol="0">
+            <a:spAutoFit/>
+          </a:bodyPr>
+          <a:lstStyle/>
+          <a:p>
+            <a:r>
+              <a:rPr lang="pt-BR" altLang="ko-KR" sz="1050" b="1" dirty="0"/>
+              <a:t>H_FL_AR_S17_RC Slab</a:t>
+            </a:r>
+          </a:p>
+          <a:p>
+            <a:r>
+              <a:rPr lang="pt-BR" altLang="ko-KR" sz="1050" dirty="0"/>
+              <a:t>H_FL_AR_S17_RC Slab_S Trowel</a:t>
+            </a:r>
+          </a:p>
+          <a:p>
+            <a:r>
+              <a:rPr lang="pt-BR" altLang="ko-KR" sz="1050" dirty="0"/>
+              <a:t>H_FL_AR_S17_Roof RC Slab</a:t>
+            </a:r>
+            <a:endParaRPr lang="ko-KR" altLang="en-US" sz="1050" dirty="0">
+              <a:solidFill>
+                <a:schemeClr val="tx1"/>
+              </a:solidFill>
+            </a:endParaRPr>
+          </a:p>
+          <a:p>
+            <a:r>
+              <a:rPr lang="en-US" altLang="ko-KR" sz="1050" dirty="0"/>
+              <a:t>H_FL_AR_S17_STG Top Slab</a:t>
+            </a:r>
+            <a:endParaRPr lang="ko-KR" altLang="en-US" sz="1050" dirty="0">
+              <a:solidFill>
+                <a:schemeClr val="tx1"/>
+              </a:solidFill>
+            </a:endParaRPr>
+          </a:p>
+          <a:p>
+            <a:r>
+              <a:rPr lang="pt-BR" altLang="ko-KR" sz="1050" dirty="0"/>
+              <a:t>H_FL_AR_S17_RC Deck Slab</a:t>
+            </a:r>
+            <a:endParaRPr lang="ko-KR" altLang="en-US" sz="1050" dirty="0">
+              <a:solidFill>
+                <a:schemeClr val="tx1"/>
+              </a:solidFill>
+            </a:endParaRPr>
+          </a:p>
+          <a:p>
+            <a:r>
+              <a:rPr lang="pt-BR" altLang="ko-KR" sz="1050" dirty="0"/>
+              <a:t>H_FL_AR_S17_RC Deck Slab_S Trowel</a:t>
+            </a:r>
+            <a:endParaRPr lang="ko-KR" altLang="en-US" sz="1050" dirty="0">
+              <a:solidFill>
+                <a:schemeClr val="tx1"/>
+              </a:solidFill>
+            </a:endParaRPr>
+          </a:p>
+          <a:p>
+            <a:r>
+              <a:rPr lang="en-US" altLang="ko-KR" sz="1050" dirty="0"/>
+              <a:t>H_RF_AR_S17_Roof RC Deck Slab</a:t>
+            </a:r>
+            <a:endParaRPr lang="ko-KR" altLang="en-US" sz="1050" dirty="0">
+              <a:solidFill>
+                <a:schemeClr val="tx1"/>
+              </a:solidFill>
+            </a:endParaRPr>
+          </a:p>
+          <a:p>
+            <a:r>
+              <a:rPr lang="pt-BR" altLang="ko-KR" sz="1050" dirty="0"/>
+              <a:t>H_FL_AR_S05_Grating</a:t>
+            </a:r>
+            <a:endParaRPr lang="ko-KR" altLang="en-US" sz="1050" dirty="0">
+              <a:solidFill>
+                <a:schemeClr val="tx1"/>
+              </a:solidFill>
+            </a:endParaRPr>
+          </a:p>
+          <a:p>
+            <a:r>
+              <a:rPr lang="pt-BR" altLang="ko-KR" sz="1050" dirty="0"/>
+              <a:t>H_FL_AR_S06_Removable Grating</a:t>
+            </a:r>
+            <a:endParaRPr lang="ko-KR" altLang="en-US" sz="1050" dirty="0">
+              <a:solidFill>
+                <a:schemeClr val="tx1"/>
+              </a:solidFill>
+            </a:endParaRPr>
+          </a:p>
+        </p:txBody>
+      </p:sp>
+      <p:sp>
+        <p:nvSpPr>
+          <p:cNvPr id="32" name="TextBox 31">
+            <a:extLst>
+              <a:ext uri="{FF2B5EF4-FFF2-40B4-BE49-F238E27FC236}">
+                <a16:creationId xmlns:a16="http://schemas.microsoft.com/office/drawing/2014/main" id="{15CA194B-427A-D159-2D94-33F8810C812B}"/>
+              </a:ext>
+            </a:extLst>
+          </p:cNvPr>
+          <p:cNvSpPr txBox="1"/>
+          <p:nvPr/>
+        </p:nvSpPr>
+        <p:spPr>
+          <a:xfrm>
+            <a:off x="240012" y="1032919"/>
+            <a:ext cx="1417376" cy="261610"/>
+          </a:xfrm>
+          <a:prstGeom prst="rect">
+            <a:avLst/>
+          </a:prstGeom>
+          <a:noFill/>
+        </p:spPr>
+        <p:txBody>
+          <a:bodyPr wrap="none" rtlCol="0">
+            <a:spAutoFit/>
+          </a:bodyPr>
+          <a:lstStyle/>
+          <a:p>
+            <a:r>
+              <a:rPr lang="en-US" altLang="ko-KR" sz="1100" b="1" dirty="0"/>
+              <a:t>Standard type List</a:t>
+            </a:r>
+            <a:endParaRPr lang="ko-KR" altLang="en-US" sz="1100" b="1" dirty="0"/>
+          </a:p>
+        </p:txBody>
+      </p:sp>
+      <p:sp>
+        <p:nvSpPr>
+          <p:cNvPr id="33" name="직사각형 32">
+            <a:extLst>
+              <a:ext uri="{FF2B5EF4-FFF2-40B4-BE49-F238E27FC236}">
+                <a16:creationId xmlns:a16="http://schemas.microsoft.com/office/drawing/2014/main" id="{4EF5E4CE-3BAA-537D-7FDC-AE4E541CD356}"/>
+              </a:ext>
+            </a:extLst>
+          </p:cNvPr>
+          <p:cNvSpPr/>
+          <p:nvPr/>
+        </p:nvSpPr>
+        <p:spPr>
+          <a:xfrm>
+            <a:off x="8947998" y="3575023"/>
+            <a:ext cx="2748702" cy="707886"/>
+          </a:xfrm>
+          <a:prstGeom prst="rect">
+            <a:avLst/>
+          </a:prstGeom>
+          <a:solidFill>
+            <a:schemeClr val="bg1"/>
+          </a:solidFill>
+          <a:ln>
+            <a:solidFill>
+              <a:schemeClr val="accent1"/>
+            </a:solidFill>
+          </a:ln>
+        </p:spPr>
+        <p:txBody>
+          <a:bodyPr wrap="square" rtlCol="0">
+            <a:spAutoFit/>
+          </a:bodyPr>
+          <a:lstStyle/>
+          <a:p>
+            <a:r>
+              <a:rPr lang="pt-BR" altLang="ko-KR" sz="1000" dirty="0"/>
+              <a:t>H_FL_AR_S17_RC Slab_T150</a:t>
+            </a:r>
+          </a:p>
+          <a:p>
+            <a:r>
+              <a:rPr lang="pt-BR" altLang="ko-KR" sz="1000" dirty="0"/>
+              <a:t>H_FL_AR_S17_RC Slab_T200</a:t>
+            </a:r>
+          </a:p>
+          <a:p>
+            <a:endParaRPr lang="pt-BR" altLang="ko-KR" sz="1000" dirty="0"/>
+          </a:p>
+          <a:p>
+            <a:endParaRPr lang="en-US" altLang="ko-KR" sz="1000" dirty="0"/>
+          </a:p>
+        </p:txBody>
+      </p:sp>
+      <p:pic>
+        <p:nvPicPr>
+          <p:cNvPr id="35" name="그림 34">
+            <a:extLst>
+              <a:ext uri="{FF2B5EF4-FFF2-40B4-BE49-F238E27FC236}">
+                <a16:creationId xmlns:a16="http://schemas.microsoft.com/office/drawing/2014/main" id="{545F80FA-A030-2B54-2207-F92E0A108B4D}"/>
+              </a:ext>
+            </a:extLst>
+          </p:cNvPr>
+          <p:cNvPicPr>
+            <a:picLocks noChangeAspect="1"/>
+          </p:cNvPicPr>
+          <p:nvPr/>
+        </p:nvPicPr>
+        <p:blipFill rotWithShape="1">
+          <a:blip r:embed="rId5"/>
+          <a:srcRect l="7210" r="1"/>
+          <a:stretch/>
+        </p:blipFill>
+        <p:spPr>
+          <a:xfrm>
+            <a:off x="8520113" y="1171689"/>
+            <a:ext cx="169050" cy="2257311"/>
+          </a:xfrm>
+          <a:prstGeom prst="rect">
+            <a:avLst/>
+          </a:prstGeom>
+        </p:spPr>
+      </p:pic>
+      <p:sp>
+        <p:nvSpPr>
+          <p:cNvPr id="36" name="TextBox 35">
+            <a:extLst>
+              <a:ext uri="{FF2B5EF4-FFF2-40B4-BE49-F238E27FC236}">
+                <a16:creationId xmlns:a16="http://schemas.microsoft.com/office/drawing/2014/main" id="{D77D8509-3345-E080-8EA1-A83A9D26AA55}"/>
+              </a:ext>
+            </a:extLst>
+          </p:cNvPr>
+          <p:cNvSpPr txBox="1"/>
+          <p:nvPr/>
+        </p:nvSpPr>
+        <p:spPr>
+          <a:xfrm>
+            <a:off x="8832813" y="1225908"/>
+            <a:ext cx="2311851" cy="261610"/>
+          </a:xfrm>
+          <a:prstGeom prst="rect">
+            <a:avLst/>
+          </a:prstGeom>
+          <a:noFill/>
+        </p:spPr>
+        <p:txBody>
+          <a:bodyPr wrap="none" rtlCol="0">
+            <a:spAutoFit/>
+          </a:bodyPr>
+          <a:lstStyle/>
+          <a:p>
+            <a:r>
+              <a:rPr lang="en-US" altLang="ko-KR" sz="1100" b="1" dirty="0"/>
+              <a:t>Q’ty Cal Type Parameter: FL-Q1</a:t>
+            </a:r>
+          </a:p>
+        </p:txBody>
+      </p:sp>
+      <p:sp>
+        <p:nvSpPr>
+          <p:cNvPr id="2" name="TextBox 1">
+            <a:extLst>
+              <a:ext uri="{FF2B5EF4-FFF2-40B4-BE49-F238E27FC236}">
+                <a16:creationId xmlns:a16="http://schemas.microsoft.com/office/drawing/2014/main" id="{B9C03C8D-9312-BA29-6EAD-5D34DDA84162}"/>
+              </a:ext>
+            </a:extLst>
+          </p:cNvPr>
+          <p:cNvSpPr txBox="1"/>
+          <p:nvPr/>
+        </p:nvSpPr>
+        <p:spPr>
+          <a:xfrm>
+            <a:off x="1203331" y="3778477"/>
+            <a:ext cx="405880" cy="246221"/>
+          </a:xfrm>
+          <a:prstGeom prst="rect">
+            <a:avLst/>
+          </a:prstGeom>
+          <a:solidFill>
+            <a:schemeClr val="bg1"/>
+          </a:solidFill>
+          <a:ln>
+            <a:solidFill>
+              <a:schemeClr val="accent1"/>
+            </a:solidFill>
+          </a:ln>
+        </p:spPr>
+        <p:txBody>
+          <a:bodyPr wrap="none" rtlCol="0">
+            <a:spAutoFit/>
+          </a:bodyPr>
+          <a:lstStyle/>
+          <a:p>
+            <a:r>
+              <a:rPr lang="en-US" altLang="ko-KR" sz="1000" dirty="0"/>
+              <a:t>add</a:t>
+            </a:r>
+            <a:endParaRPr lang="ko-KR" altLang="en-US" sz="1000" dirty="0"/>
+          </a:p>
+        </p:txBody>
+      </p:sp>
+      <p:sp>
+        <p:nvSpPr>
+          <p:cNvPr id="3" name="TextBox 2">
+            <a:extLst>
+              <a:ext uri="{FF2B5EF4-FFF2-40B4-BE49-F238E27FC236}">
+                <a16:creationId xmlns:a16="http://schemas.microsoft.com/office/drawing/2014/main" id="{933166F9-659E-FE32-CBA7-8C00F6500B59}"/>
+              </a:ext>
+            </a:extLst>
+          </p:cNvPr>
+          <p:cNvSpPr txBox="1"/>
+          <p:nvPr/>
+        </p:nvSpPr>
+        <p:spPr>
+          <a:xfrm>
+            <a:off x="1790049" y="3778477"/>
+            <a:ext cx="362600" cy="246221"/>
+          </a:xfrm>
+          <a:prstGeom prst="rect">
+            <a:avLst/>
+          </a:prstGeom>
+          <a:solidFill>
+            <a:schemeClr val="bg1"/>
+          </a:solidFill>
+          <a:ln>
+            <a:solidFill>
+              <a:schemeClr val="accent1"/>
+            </a:solidFill>
+          </a:ln>
+        </p:spPr>
+        <p:txBody>
+          <a:bodyPr wrap="none" rtlCol="0">
+            <a:spAutoFit/>
+          </a:bodyPr>
+          <a:lstStyle/>
+          <a:p>
+            <a:r>
+              <a:rPr lang="en-US" altLang="ko-KR" sz="1000" dirty="0"/>
+              <a:t>del</a:t>
+            </a:r>
+            <a:endParaRPr lang="ko-KR" altLang="en-US" sz="1000" dirty="0"/>
+          </a:p>
+        </p:txBody>
+      </p:sp>
+      <p:sp>
+        <p:nvSpPr>
+          <p:cNvPr id="12" name="직사각형 11">
+            <a:extLst>
+              <a:ext uri="{FF2B5EF4-FFF2-40B4-BE49-F238E27FC236}">
+                <a16:creationId xmlns:a16="http://schemas.microsoft.com/office/drawing/2014/main" id="{139BC2B9-E93D-108E-C2D6-A06FED6BE578}"/>
+              </a:ext>
+            </a:extLst>
+          </p:cNvPr>
+          <p:cNvSpPr/>
+          <p:nvPr/>
+        </p:nvSpPr>
+        <p:spPr>
+          <a:xfrm>
+            <a:off x="8947998" y="4721606"/>
+            <a:ext cx="2748702" cy="246221"/>
+          </a:xfrm>
+          <a:prstGeom prst="rect">
+            <a:avLst/>
+          </a:prstGeom>
+          <a:solidFill>
+            <a:schemeClr val="bg1"/>
+          </a:solidFill>
+          <a:ln>
+            <a:solidFill>
+              <a:schemeClr val="accent1"/>
+            </a:solidFill>
+          </a:ln>
+        </p:spPr>
+        <p:txBody>
+          <a:bodyPr wrap="square" rtlCol="0">
+            <a:spAutoFit/>
+          </a:bodyPr>
+          <a:lstStyle/>
+          <a:p>
+            <a:endParaRPr lang="en-US" altLang="ko-KR" sz="1000" dirty="0"/>
+          </a:p>
+        </p:txBody>
+      </p:sp>
+      <p:pic>
+        <p:nvPicPr>
+          <p:cNvPr id="14" name="그림 13">
+            <a:extLst>
+              <a:ext uri="{FF2B5EF4-FFF2-40B4-BE49-F238E27FC236}">
+                <a16:creationId xmlns:a16="http://schemas.microsoft.com/office/drawing/2014/main" id="{571057A4-2C94-8790-8C2E-8A3553329ED4}"/>
+              </a:ext>
+            </a:extLst>
+          </p:cNvPr>
+          <p:cNvPicPr>
+            <a:picLocks noChangeAspect="1"/>
+          </p:cNvPicPr>
+          <p:nvPr/>
+        </p:nvPicPr>
+        <p:blipFill rotWithShape="1">
+          <a:blip r:embed="rId5"/>
+          <a:srcRect l="7210" r="1"/>
+          <a:stretch/>
+        </p:blipFill>
+        <p:spPr>
+          <a:xfrm>
+            <a:off x="11718159" y="4696567"/>
+            <a:ext cx="150794" cy="1194589"/>
+          </a:xfrm>
+          <a:prstGeom prst="rect">
+            <a:avLst/>
+          </a:prstGeom>
+        </p:spPr>
+      </p:pic>
+      <p:sp>
+        <p:nvSpPr>
+          <p:cNvPr id="29" name="TextBox 28">
+            <a:extLst>
+              <a:ext uri="{FF2B5EF4-FFF2-40B4-BE49-F238E27FC236}">
+                <a16:creationId xmlns:a16="http://schemas.microsoft.com/office/drawing/2014/main" id="{5CA0DC80-9171-BAA7-3CDB-84BE52DF9FB3}"/>
+              </a:ext>
+            </a:extLst>
+          </p:cNvPr>
+          <p:cNvSpPr txBox="1"/>
+          <p:nvPr/>
+        </p:nvSpPr>
+        <p:spPr>
+          <a:xfrm>
+            <a:off x="9890418" y="4357262"/>
+            <a:ext cx="405880" cy="246221"/>
+          </a:xfrm>
+          <a:prstGeom prst="rect">
+            <a:avLst/>
+          </a:prstGeom>
+          <a:solidFill>
+            <a:schemeClr val="bg1"/>
+          </a:solidFill>
+          <a:ln>
+            <a:solidFill>
+              <a:schemeClr val="accent1"/>
+            </a:solidFill>
+          </a:ln>
+        </p:spPr>
+        <p:txBody>
+          <a:bodyPr wrap="none" rtlCol="0">
+            <a:spAutoFit/>
+          </a:bodyPr>
+          <a:lstStyle/>
+          <a:p>
+            <a:r>
+              <a:rPr lang="en-US" altLang="ko-KR" sz="1000" dirty="0"/>
+              <a:t>add</a:t>
+            </a:r>
+            <a:endParaRPr lang="ko-KR" altLang="en-US" sz="1000" dirty="0"/>
+          </a:p>
+        </p:txBody>
+      </p:sp>
+      <p:sp>
+        <p:nvSpPr>
+          <p:cNvPr id="34" name="TextBox 33">
+            <a:extLst>
+              <a:ext uri="{FF2B5EF4-FFF2-40B4-BE49-F238E27FC236}">
+                <a16:creationId xmlns:a16="http://schemas.microsoft.com/office/drawing/2014/main" id="{5ABD07B0-B217-15EB-8DE5-41DBBFECF599}"/>
+              </a:ext>
+            </a:extLst>
+          </p:cNvPr>
+          <p:cNvSpPr txBox="1"/>
+          <p:nvPr/>
+        </p:nvSpPr>
+        <p:spPr>
+          <a:xfrm>
+            <a:off x="10430165" y="4357262"/>
+            <a:ext cx="362600" cy="246221"/>
+          </a:xfrm>
+          <a:prstGeom prst="rect">
+            <a:avLst/>
+          </a:prstGeom>
+          <a:solidFill>
+            <a:schemeClr val="bg1"/>
+          </a:solidFill>
+          <a:ln>
+            <a:solidFill>
+              <a:schemeClr val="accent1"/>
+            </a:solidFill>
+          </a:ln>
+        </p:spPr>
+        <p:txBody>
+          <a:bodyPr wrap="none" rtlCol="0">
+            <a:spAutoFit/>
+          </a:bodyPr>
+          <a:lstStyle/>
+          <a:p>
+            <a:r>
+              <a:rPr lang="en-US" altLang="ko-KR" sz="1000" dirty="0"/>
+              <a:t>del</a:t>
+            </a:r>
+            <a:endParaRPr lang="ko-KR" altLang="en-US" sz="1000" dirty="0"/>
+          </a:p>
+        </p:txBody>
+      </p:sp>
+      <p:sp>
+        <p:nvSpPr>
+          <p:cNvPr id="42" name="직사각형 41">
+            <a:extLst>
+              <a:ext uri="{FF2B5EF4-FFF2-40B4-BE49-F238E27FC236}">
+                <a16:creationId xmlns:a16="http://schemas.microsoft.com/office/drawing/2014/main" id="{7C6C0815-EE81-2629-8280-4F6F9B990727}"/>
+              </a:ext>
+            </a:extLst>
+          </p:cNvPr>
+          <p:cNvSpPr/>
+          <p:nvPr/>
+        </p:nvSpPr>
+        <p:spPr>
+          <a:xfrm>
+            <a:off x="240012" y="3480743"/>
+            <a:ext cx="1912637" cy="253916"/>
+          </a:xfrm>
+          <a:prstGeom prst="rect">
+            <a:avLst/>
+          </a:prstGeom>
+          <a:solidFill>
+            <a:schemeClr val="bg1"/>
+          </a:solidFill>
+          <a:ln>
+            <a:solidFill>
+              <a:schemeClr val="accent1"/>
+            </a:solidFill>
+          </a:ln>
+        </p:spPr>
+        <p:txBody>
+          <a:bodyPr wrap="square" rtlCol="0">
+            <a:spAutoFit/>
+          </a:bodyPr>
+          <a:lstStyle/>
+          <a:p>
+            <a:endParaRPr lang="ko-KR" altLang="en-US" sz="1050" dirty="0">
+              <a:solidFill>
+                <a:schemeClr val="tx1"/>
+              </a:solidFill>
+            </a:endParaRPr>
+          </a:p>
+        </p:txBody>
+      </p:sp>
+      <p:sp>
+        <p:nvSpPr>
+          <p:cNvPr id="43" name="직사각형 42">
+            <a:extLst>
+              <a:ext uri="{FF2B5EF4-FFF2-40B4-BE49-F238E27FC236}">
+                <a16:creationId xmlns:a16="http://schemas.microsoft.com/office/drawing/2014/main" id="{4CDD139D-16B8-DF07-DA74-DEAF3A603660}"/>
+              </a:ext>
+            </a:extLst>
+          </p:cNvPr>
+          <p:cNvSpPr/>
+          <p:nvPr/>
+        </p:nvSpPr>
+        <p:spPr>
+          <a:xfrm>
+            <a:off x="240011" y="1316438"/>
+            <a:ext cx="1912637" cy="253916"/>
+          </a:xfrm>
+          <a:prstGeom prst="rect">
+            <a:avLst/>
+          </a:prstGeom>
+          <a:solidFill>
+            <a:schemeClr val="bg1"/>
+          </a:solidFill>
+          <a:ln>
+            <a:solidFill>
+              <a:schemeClr val="accent1"/>
+            </a:solidFill>
+          </a:ln>
+        </p:spPr>
+        <p:txBody>
+          <a:bodyPr wrap="square" rtlCol="0">
+            <a:spAutoFit/>
+          </a:bodyPr>
+          <a:lstStyle/>
+          <a:p>
+            <a:r>
+              <a:rPr lang="en-US" altLang="ko-KR" sz="1050" dirty="0">
+                <a:solidFill>
+                  <a:schemeClr val="tx1"/>
+                </a:solidFill>
+              </a:rPr>
+              <a:t>Search:</a:t>
+            </a:r>
+            <a:endParaRPr lang="ko-KR" altLang="en-US" sz="1050" dirty="0">
+              <a:solidFill>
+                <a:schemeClr val="tx1"/>
+              </a:solidFill>
+            </a:endParaRPr>
+          </a:p>
+        </p:txBody>
+      </p:sp>
+      <p:sp>
+        <p:nvSpPr>
+          <p:cNvPr id="50" name="TextBox 49">
+            <a:extLst>
+              <a:ext uri="{FF2B5EF4-FFF2-40B4-BE49-F238E27FC236}">
+                <a16:creationId xmlns:a16="http://schemas.microsoft.com/office/drawing/2014/main" id="{9F70CBCE-BFD2-F409-2F23-C0612A8CAC67}"/>
+              </a:ext>
+            </a:extLst>
+          </p:cNvPr>
+          <p:cNvSpPr txBox="1"/>
+          <p:nvPr/>
+        </p:nvSpPr>
+        <p:spPr>
+          <a:xfrm>
+            <a:off x="2878616" y="3354076"/>
+            <a:ext cx="405880" cy="246221"/>
+          </a:xfrm>
+          <a:prstGeom prst="rect">
+            <a:avLst/>
+          </a:prstGeom>
+          <a:solidFill>
+            <a:schemeClr val="bg1"/>
+          </a:solidFill>
+          <a:ln>
+            <a:solidFill>
+              <a:schemeClr val="accent1"/>
+            </a:solidFill>
+          </a:ln>
+        </p:spPr>
+        <p:txBody>
+          <a:bodyPr wrap="none" rtlCol="0">
+            <a:spAutoFit/>
+          </a:bodyPr>
+          <a:lstStyle/>
+          <a:p>
+            <a:r>
+              <a:rPr lang="en-US" altLang="ko-KR" sz="1000" dirty="0"/>
+              <a:t>add</a:t>
+            </a:r>
+            <a:endParaRPr lang="ko-KR" altLang="en-US" sz="1000" dirty="0"/>
+          </a:p>
+        </p:txBody>
+      </p:sp>
+      <p:sp>
+        <p:nvSpPr>
+          <p:cNvPr id="51" name="TextBox 50">
+            <a:extLst>
+              <a:ext uri="{FF2B5EF4-FFF2-40B4-BE49-F238E27FC236}">
+                <a16:creationId xmlns:a16="http://schemas.microsoft.com/office/drawing/2014/main" id="{832A6ABD-0626-EECD-CBE7-66EE268AFB2E}"/>
+              </a:ext>
+            </a:extLst>
+          </p:cNvPr>
+          <p:cNvSpPr txBox="1"/>
+          <p:nvPr/>
+        </p:nvSpPr>
+        <p:spPr>
+          <a:xfrm>
+            <a:off x="3465334" y="3354076"/>
+            <a:ext cx="362600" cy="246221"/>
+          </a:xfrm>
+          <a:prstGeom prst="rect">
+            <a:avLst/>
+          </a:prstGeom>
+          <a:solidFill>
+            <a:schemeClr val="bg1"/>
+          </a:solidFill>
+          <a:ln>
+            <a:solidFill>
+              <a:schemeClr val="accent1"/>
+            </a:solidFill>
+          </a:ln>
+        </p:spPr>
+        <p:txBody>
+          <a:bodyPr wrap="none" rtlCol="0">
+            <a:spAutoFit/>
+          </a:bodyPr>
+          <a:lstStyle/>
+          <a:p>
+            <a:r>
+              <a:rPr lang="en-US" altLang="ko-KR" sz="1000" dirty="0"/>
+              <a:t>del</a:t>
+            </a:r>
+            <a:endParaRPr lang="ko-KR" altLang="en-US" sz="1000" dirty="0"/>
+          </a:p>
+        </p:txBody>
+      </p:sp>
+      <p:sp>
+        <p:nvSpPr>
+          <p:cNvPr id="52" name="TextBox 51">
+            <a:extLst>
+              <a:ext uri="{FF2B5EF4-FFF2-40B4-BE49-F238E27FC236}">
+                <a16:creationId xmlns:a16="http://schemas.microsoft.com/office/drawing/2014/main" id="{8E58FC43-DDE8-89C2-FA6D-DF0A7C124007}"/>
+              </a:ext>
+            </a:extLst>
+          </p:cNvPr>
+          <p:cNvSpPr txBox="1"/>
+          <p:nvPr/>
+        </p:nvSpPr>
+        <p:spPr>
+          <a:xfrm>
+            <a:off x="2772696" y="3733207"/>
+            <a:ext cx="3055645" cy="261610"/>
+          </a:xfrm>
+          <a:prstGeom prst="rect">
+            <a:avLst/>
+          </a:prstGeom>
+          <a:noFill/>
+        </p:spPr>
+        <p:txBody>
+          <a:bodyPr wrap="none" rtlCol="0">
+            <a:spAutoFit/>
+          </a:bodyPr>
+          <a:lstStyle/>
+          <a:p>
+            <a:r>
+              <a:rPr lang="en-US" altLang="ko-KR" sz="1100" b="1" dirty="0"/>
+              <a:t>Only for        : </a:t>
+            </a:r>
+            <a:r>
+              <a:rPr lang="pt-BR" altLang="ko-KR" sz="1100" b="1" dirty="0">
+                <a:solidFill>
+                  <a:srgbClr val="FF00FF"/>
+                </a:solidFill>
+              </a:rPr>
+              <a:t>H_FL_AR_S17_RC Slab_T150</a:t>
+            </a:r>
+          </a:p>
+        </p:txBody>
+      </p:sp>
+      <p:sp>
+        <p:nvSpPr>
+          <p:cNvPr id="53" name="직사각형 52">
+            <a:extLst>
+              <a:ext uri="{FF2B5EF4-FFF2-40B4-BE49-F238E27FC236}">
+                <a16:creationId xmlns:a16="http://schemas.microsoft.com/office/drawing/2014/main" id="{98B5C7F6-9539-3086-B43F-86D2132A8332}"/>
+              </a:ext>
+            </a:extLst>
+          </p:cNvPr>
+          <p:cNvSpPr/>
+          <p:nvPr/>
+        </p:nvSpPr>
+        <p:spPr>
+          <a:xfrm>
+            <a:off x="312957" y="1694433"/>
+            <a:ext cx="2416608" cy="228991"/>
+          </a:xfrm>
+          <a:prstGeom prst="rect">
+            <a:avLst/>
+          </a:prstGeom>
+          <a:solidFill>
+            <a:srgbClr val="0078D7">
+              <a:alpha val="48000"/>
+            </a:srgbClr>
+          </a:solidFill>
+          <a:ln>
+            <a:noFill/>
+          </a:ln>
+        </p:spPr>
+        <p:style>
+          <a:lnRef idx="2">
+            <a:schemeClr val="accent1">
+              <a:shade val="15000"/>
+            </a:schemeClr>
+          </a:lnRef>
+          <a:fillRef idx="1">
+            <a:schemeClr val="accent1"/>
+          </a:fillRef>
+          <a:effectRef idx="0">
+            <a:schemeClr val="accent1"/>
+          </a:effectRef>
+          <a:fontRef idx="minor">
+            <a:schemeClr val="lt1"/>
+          </a:fontRef>
+        </p:style>
+        <p:txBody>
+          <a:bodyPr rtlCol="0" anchor="ctr"/>
+          <a:lstStyle/>
+          <a:p>
+            <a:pPr algn="ctr"/>
+            <a:endParaRPr lang="ko-KR" altLang="en-US"/>
+          </a:p>
+        </p:txBody>
+      </p:sp>
+      <p:graphicFrame>
+        <p:nvGraphicFramePr>
+          <p:cNvPr id="54" name="표 53">
+            <a:extLst>
+              <a:ext uri="{FF2B5EF4-FFF2-40B4-BE49-F238E27FC236}">
+                <a16:creationId xmlns:a16="http://schemas.microsoft.com/office/drawing/2014/main" id="{6430C90C-BF47-B429-C5A7-3BA9EBCAAE13}"/>
+              </a:ext>
+            </a:extLst>
+          </p:cNvPr>
+          <p:cNvGraphicFramePr>
+            <a:graphicFrameLocks noGrp="1"/>
+          </p:cNvGraphicFramePr>
+          <p:nvPr>
+            <p:extLst>
+              <p:ext uri="{D42A27DB-BD31-4B8C-83A1-F6EECF244321}">
+                <p14:modId xmlns:p14="http://schemas.microsoft.com/office/powerpoint/2010/main" val="1772670520"/>
+              </p:ext>
+            </p:extLst>
+          </p:nvPr>
+        </p:nvGraphicFramePr>
+        <p:xfrm>
+          <a:off x="2873215" y="4108183"/>
+          <a:ext cx="5634745" cy="990600"/>
+        </p:xfrm>
+        <a:graphic>
+          <a:graphicData uri="http://schemas.openxmlformats.org/drawingml/2006/table">
+            <a:tbl>
+              <a:tblPr firstRow="1" bandRow="1">
+                <a:tableStyleId>{5C22544A-7EE6-4342-B048-85BDC9FD1C3A}</a:tableStyleId>
+              </a:tblPr>
+              <a:tblGrid>
+                <a:gridCol w="945353">
+                  <a:extLst>
+                    <a:ext uri="{9D8B030D-6E8A-4147-A177-3AD203B41FA5}">
+                      <a16:colId xmlns:a16="http://schemas.microsoft.com/office/drawing/2014/main" val="1714871195"/>
+                    </a:ext>
+                  </a:extLst>
+                </a:gridCol>
+                <a:gridCol w="911902">
+                  <a:extLst>
+                    <a:ext uri="{9D8B030D-6E8A-4147-A177-3AD203B41FA5}">
+                      <a16:colId xmlns:a16="http://schemas.microsoft.com/office/drawing/2014/main" val="582723084"/>
+                    </a:ext>
+                  </a:extLst>
+                </a:gridCol>
+                <a:gridCol w="559857">
+                  <a:extLst>
+                    <a:ext uri="{9D8B030D-6E8A-4147-A177-3AD203B41FA5}">
+                      <a16:colId xmlns:a16="http://schemas.microsoft.com/office/drawing/2014/main" val="1680861650"/>
+                    </a:ext>
+                  </a:extLst>
+                </a:gridCol>
+                <a:gridCol w="901700">
+                  <a:extLst>
+                    <a:ext uri="{9D8B030D-6E8A-4147-A177-3AD203B41FA5}">
+                      <a16:colId xmlns:a16="http://schemas.microsoft.com/office/drawing/2014/main" val="2260511338"/>
+                    </a:ext>
+                  </a:extLst>
+                </a:gridCol>
+                <a:gridCol w="920750">
+                  <a:extLst>
+                    <a:ext uri="{9D8B030D-6E8A-4147-A177-3AD203B41FA5}">
+                      <a16:colId xmlns:a16="http://schemas.microsoft.com/office/drawing/2014/main" val="1008508426"/>
+                    </a:ext>
+                  </a:extLst>
+                </a:gridCol>
+                <a:gridCol w="717550">
+                  <a:extLst>
+                    <a:ext uri="{9D8B030D-6E8A-4147-A177-3AD203B41FA5}">
+                      <a16:colId xmlns:a16="http://schemas.microsoft.com/office/drawing/2014/main" val="2900262038"/>
+                    </a:ext>
+                  </a:extLst>
+                </a:gridCol>
+                <a:gridCol w="677633">
+                  <a:extLst>
+                    <a:ext uri="{9D8B030D-6E8A-4147-A177-3AD203B41FA5}">
+                      <a16:colId xmlns:a16="http://schemas.microsoft.com/office/drawing/2014/main" val="2403558010"/>
+                    </a:ext>
+                  </a:extLst>
+                </a:gridCol>
+              </a:tblGrid>
+              <a:tr h="0">
+                <a:tc>
+                  <a:txBody>
+                    <a:bodyPr/>
+                    <a:lstStyle/>
+                    <a:p>
+                      <a:pPr marL="0" marR="0" lvl="0" indent="0" algn="ctr" defTabSz="914400" rtl="0" eaLnBrk="1" fontAlgn="auto" latinLnBrk="1" hangingPunct="1">
+                        <a:lnSpc>
+                          <a:spcPct val="100000"/>
+                        </a:lnSpc>
+                        <a:spcBef>
+                          <a:spcPts val="0"/>
+                        </a:spcBef>
+                        <a:spcAft>
+                          <a:spcPts val="0"/>
+                        </a:spcAft>
+                        <a:buClrTx/>
+                        <a:buSzTx/>
+                        <a:buFontTx/>
+                        <a:buNone/>
+                        <a:tabLst/>
+                        <a:defRPr/>
+                      </a:pPr>
+                      <a:r>
+                        <a:rPr lang="en-US" altLang="ko-KR" sz="1000" b="0" dirty="0" err="1">
+                          <a:solidFill>
+                            <a:schemeClr val="tx1"/>
+                          </a:solidFill>
+                        </a:rPr>
+                        <a:t>wmGroup</a:t>
+                      </a:r>
+                      <a:endParaRPr lang="ko-KR" altLang="en-US" sz="1000" b="0" dirty="0">
+                        <a:solidFill>
+                          <a:schemeClr val="tx1"/>
+                        </a:solidFill>
+                      </a:endParaRPr>
+                    </a:p>
+                  </a:txBody>
+                  <a:tcPr>
+                    <a:lnL w="12700" cap="flat" cmpd="sng" algn="ctr">
+                      <a:solidFill>
+                        <a:schemeClr val="tx1"/>
+                      </a:solidFill>
+                      <a:prstDash val="solid"/>
+                      <a:round/>
+                      <a:headEnd type="none" w="med" len="med"/>
+                      <a:tailEnd type="none" w="med" len="med"/>
+                    </a:lnL>
+                    <a:lnR w="12700" cap="flat" cmpd="sng" algn="ctr">
+                      <a:solidFill>
+                        <a:schemeClr val="tx1"/>
+                      </a:solidFill>
+                      <a:prstDash val="solid"/>
+                      <a:round/>
+                      <a:headEnd type="none" w="med" len="med"/>
+                      <a:tailEnd type="none" w="med" len="med"/>
+                    </a:lnR>
+                    <a:lnT w="12700" cap="flat" cmpd="sng" algn="ctr">
+                      <a:solidFill>
+                        <a:schemeClr val="tx1"/>
+                      </a:solidFill>
+                      <a:prstDash val="solid"/>
+                      <a:round/>
+                      <a:headEnd type="none" w="med" len="med"/>
+                      <a:tailEnd type="none" w="med" len="med"/>
+                    </a:lnT>
+                    <a:lnB w="12700" cap="flat" cmpd="sng" algn="ctr">
+                      <a:solidFill>
+                        <a:schemeClr val="tx1"/>
+                      </a:solidFill>
+                      <a:prstDash val="solid"/>
+                      <a:round/>
+                      <a:headEnd type="none" w="med" len="med"/>
+                      <a:tailEnd type="none" w="med" len="med"/>
+                    </a:lnB>
+                    <a:solidFill>
+                      <a:schemeClr val="bg2"/>
+                    </a:solidFill>
+                  </a:tcPr>
+                </a:tc>
+                <a:tc>
+                  <a:txBody>
+                    <a:bodyPr/>
+                    <a:lstStyle/>
+                    <a:p>
+                      <a:pPr algn="ctr" latinLnBrk="1"/>
+                      <a:r>
+                        <a:rPr lang="en-US" altLang="ko-KR" sz="900" b="0" dirty="0">
+                          <a:solidFill>
+                            <a:schemeClr val="tx1"/>
+                          </a:solidFill>
+                        </a:rPr>
+                        <a:t>Work Master Code /w Description</a:t>
+                      </a:r>
+                      <a:endParaRPr lang="ko-KR" altLang="en-US" sz="900" b="0" dirty="0">
+                        <a:solidFill>
+                          <a:schemeClr val="tx1"/>
+                        </a:solidFill>
+                      </a:endParaRPr>
+                    </a:p>
+                  </a:txBody>
+                  <a:tcPr>
+                    <a:lnL w="12700" cap="flat" cmpd="sng" algn="ctr">
+                      <a:solidFill>
+                        <a:schemeClr val="tx1"/>
+                      </a:solidFill>
+                      <a:prstDash val="solid"/>
+                      <a:round/>
+                      <a:headEnd type="none" w="med" len="med"/>
+                      <a:tailEnd type="none" w="med" len="med"/>
+                    </a:lnL>
+                    <a:lnR w="12700" cap="flat" cmpd="sng" algn="ctr">
+                      <a:solidFill>
+                        <a:schemeClr val="tx1"/>
+                      </a:solidFill>
+                      <a:prstDash val="solid"/>
+                      <a:round/>
+                      <a:headEnd type="none" w="med" len="med"/>
+                      <a:tailEnd type="none" w="med" len="med"/>
+                    </a:lnR>
+                    <a:lnT w="12700" cap="flat" cmpd="sng" algn="ctr">
+                      <a:solidFill>
+                        <a:schemeClr val="tx1"/>
+                      </a:solidFill>
+                      <a:prstDash val="solid"/>
+                      <a:round/>
+                      <a:headEnd type="none" w="med" len="med"/>
+                      <a:tailEnd type="none" w="med" len="med"/>
+                    </a:lnT>
+                    <a:lnB w="12700" cap="flat" cmpd="sng" algn="ctr">
+                      <a:solidFill>
+                        <a:schemeClr val="tx1"/>
+                      </a:solidFill>
+                      <a:prstDash val="solid"/>
+                      <a:round/>
+                      <a:headEnd type="none" w="med" len="med"/>
+                      <a:tailEnd type="none" w="med" len="med"/>
+                    </a:lnB>
+                    <a:solidFill>
+                      <a:schemeClr val="bg2"/>
+                    </a:solidFill>
+                  </a:tcPr>
+                </a:tc>
+                <a:tc>
+                  <a:txBody>
+                    <a:bodyPr/>
+                    <a:lstStyle/>
+                    <a:p>
+                      <a:pPr algn="ctr" latinLnBrk="1"/>
+                      <a:r>
+                        <a:rPr lang="en-US" altLang="ko-KR" sz="1000" b="0" dirty="0">
+                          <a:solidFill>
+                            <a:schemeClr val="tx1"/>
+                          </a:solidFill>
+                        </a:rPr>
+                        <a:t>Gauge Code</a:t>
+                      </a:r>
+                      <a:endParaRPr lang="ko-KR" altLang="en-US" sz="1000" b="0" dirty="0">
+                        <a:solidFill>
+                          <a:schemeClr val="tx1"/>
+                        </a:solidFill>
+                      </a:endParaRPr>
+                    </a:p>
+                  </a:txBody>
+                  <a:tcPr>
+                    <a:lnL w="12700" cap="flat" cmpd="sng" algn="ctr">
+                      <a:solidFill>
+                        <a:schemeClr val="tx1"/>
+                      </a:solidFill>
+                      <a:prstDash val="solid"/>
+                      <a:round/>
+                      <a:headEnd type="none" w="med" len="med"/>
+                      <a:tailEnd type="none" w="med" len="med"/>
+                    </a:lnL>
+                    <a:lnR w="12700" cap="flat" cmpd="sng" algn="ctr">
+                      <a:solidFill>
+                        <a:schemeClr val="tx1"/>
+                      </a:solidFill>
+                      <a:prstDash val="solid"/>
+                      <a:round/>
+                      <a:headEnd type="none" w="med" len="med"/>
+                      <a:tailEnd type="none" w="med" len="med"/>
+                    </a:lnR>
+                    <a:lnT w="12700" cap="flat" cmpd="sng" algn="ctr">
+                      <a:solidFill>
+                        <a:schemeClr val="tx1"/>
+                      </a:solidFill>
+                      <a:prstDash val="solid"/>
+                      <a:round/>
+                      <a:headEnd type="none" w="med" len="med"/>
+                      <a:tailEnd type="none" w="med" len="med"/>
+                    </a:lnT>
+                    <a:lnB w="12700" cap="flat" cmpd="sng" algn="ctr">
+                      <a:solidFill>
+                        <a:schemeClr val="tx1"/>
+                      </a:solidFill>
+                      <a:prstDash val="solid"/>
+                      <a:round/>
+                      <a:headEnd type="none" w="med" len="med"/>
+                      <a:tailEnd type="none" w="med" len="med"/>
+                    </a:lnB>
+                    <a:solidFill>
+                      <a:schemeClr val="bg2"/>
+                    </a:solidFill>
+                  </a:tcPr>
+                </a:tc>
+                <a:tc>
+                  <a:txBody>
+                    <a:bodyPr/>
+                    <a:lstStyle/>
+                    <a:p>
+                      <a:pPr algn="ctr" latinLnBrk="1"/>
+                      <a:r>
+                        <a:rPr lang="en-US" altLang="ko-KR" sz="1000" b="0" dirty="0">
+                          <a:solidFill>
+                            <a:schemeClr val="tx1"/>
+                          </a:solidFill>
+                        </a:rPr>
+                        <a:t>Description</a:t>
+                      </a:r>
+                      <a:endParaRPr lang="ko-KR" altLang="en-US" sz="1000" b="0" dirty="0">
+                        <a:solidFill>
+                          <a:schemeClr val="tx1"/>
+                        </a:solidFill>
+                      </a:endParaRPr>
+                    </a:p>
+                  </a:txBody>
+                  <a:tcPr>
+                    <a:lnL w="12700" cap="flat" cmpd="sng" algn="ctr">
+                      <a:solidFill>
+                        <a:schemeClr val="tx1"/>
+                      </a:solidFill>
+                      <a:prstDash val="solid"/>
+                      <a:round/>
+                      <a:headEnd type="none" w="med" len="med"/>
+                      <a:tailEnd type="none" w="med" len="med"/>
+                    </a:lnL>
+                    <a:lnR w="12700" cap="flat" cmpd="sng" algn="ctr">
+                      <a:solidFill>
+                        <a:schemeClr val="tx1"/>
+                      </a:solidFill>
+                      <a:prstDash val="solid"/>
+                      <a:round/>
+                      <a:headEnd type="none" w="med" len="med"/>
+                      <a:tailEnd type="none" w="med" len="med"/>
+                    </a:lnR>
+                    <a:lnT w="12700" cap="flat" cmpd="sng" algn="ctr">
+                      <a:solidFill>
+                        <a:schemeClr val="tx1"/>
+                      </a:solidFill>
+                      <a:prstDash val="solid"/>
+                      <a:round/>
+                      <a:headEnd type="none" w="med" len="med"/>
+                      <a:tailEnd type="none" w="med" len="med"/>
+                    </a:lnT>
+                    <a:lnB w="12700" cap="flat" cmpd="sng" algn="ctr">
+                      <a:solidFill>
+                        <a:schemeClr val="tx1"/>
+                      </a:solidFill>
+                      <a:prstDash val="solid"/>
+                      <a:round/>
+                      <a:headEnd type="none" w="med" len="med"/>
+                      <a:tailEnd type="none" w="med" len="med"/>
+                    </a:lnB>
+                    <a:solidFill>
+                      <a:schemeClr val="bg2"/>
+                    </a:solidFill>
+                  </a:tcPr>
+                </a:tc>
+                <a:tc>
+                  <a:txBody>
+                    <a:bodyPr/>
+                    <a:lstStyle/>
+                    <a:p>
+                      <a:pPr algn="ctr" latinLnBrk="1"/>
+                      <a:r>
+                        <a:rPr lang="ko-KR" altLang="en-US" sz="1000" b="0" dirty="0">
+                          <a:solidFill>
+                            <a:schemeClr val="tx1"/>
+                          </a:solidFill>
+                        </a:rPr>
+                        <a:t>물량산출식</a:t>
+                      </a:r>
+                    </a:p>
+                  </a:txBody>
+                  <a:tcPr>
+                    <a:lnL w="12700" cap="flat" cmpd="sng" algn="ctr">
+                      <a:solidFill>
+                        <a:schemeClr val="tx1"/>
+                      </a:solidFill>
+                      <a:prstDash val="solid"/>
+                      <a:round/>
+                      <a:headEnd type="none" w="med" len="med"/>
+                      <a:tailEnd type="none" w="med" len="med"/>
+                    </a:lnL>
+                    <a:lnR w="12700" cap="flat" cmpd="sng" algn="ctr">
+                      <a:solidFill>
+                        <a:schemeClr val="tx1"/>
+                      </a:solidFill>
+                      <a:prstDash val="solid"/>
+                      <a:round/>
+                      <a:headEnd type="none" w="med" len="med"/>
+                      <a:tailEnd type="none" w="med" len="med"/>
+                    </a:lnR>
+                    <a:lnT w="12700" cap="flat" cmpd="sng" algn="ctr">
+                      <a:solidFill>
+                        <a:schemeClr val="tx1"/>
+                      </a:solidFill>
+                      <a:prstDash val="solid"/>
+                      <a:round/>
+                      <a:headEnd type="none" w="med" len="med"/>
+                      <a:tailEnd type="none" w="med" len="med"/>
+                    </a:lnT>
+                    <a:lnB w="12700" cap="flat" cmpd="sng" algn="ctr">
+                      <a:solidFill>
+                        <a:schemeClr val="tx1"/>
+                      </a:solidFill>
+                      <a:prstDash val="solid"/>
+                      <a:round/>
+                      <a:headEnd type="none" w="med" len="med"/>
+                      <a:tailEnd type="none" w="med" len="med"/>
+                    </a:lnB>
+                    <a:solidFill>
+                      <a:schemeClr val="bg2"/>
+                    </a:solidFill>
+                  </a:tcPr>
+                </a:tc>
+                <a:tc>
+                  <a:txBody>
+                    <a:bodyPr/>
+                    <a:lstStyle/>
+                    <a:p>
+                      <a:pPr algn="ctr" latinLnBrk="1"/>
+                      <a:r>
+                        <a:rPr lang="en-US" altLang="ko-KR" sz="1000" b="0" dirty="0">
+                          <a:solidFill>
+                            <a:schemeClr val="tx1"/>
+                          </a:solidFill>
+                        </a:rPr>
+                        <a:t>Quantity</a:t>
+                      </a:r>
+                      <a:endParaRPr lang="ko-KR" altLang="en-US" sz="1000" b="0" dirty="0">
+                        <a:solidFill>
+                          <a:schemeClr val="tx1"/>
+                        </a:solidFill>
+                      </a:endParaRPr>
+                    </a:p>
+                  </a:txBody>
+                  <a:tcPr>
+                    <a:lnL w="12700" cap="flat" cmpd="sng" algn="ctr">
+                      <a:solidFill>
+                        <a:schemeClr val="tx1"/>
+                      </a:solidFill>
+                      <a:prstDash val="solid"/>
+                      <a:round/>
+                      <a:headEnd type="none" w="med" len="med"/>
+                      <a:tailEnd type="none" w="med" len="med"/>
+                    </a:lnL>
+                    <a:lnR w="12700" cap="flat" cmpd="sng" algn="ctr">
+                      <a:solidFill>
+                        <a:schemeClr val="tx1"/>
+                      </a:solidFill>
+                      <a:prstDash val="solid"/>
+                      <a:round/>
+                      <a:headEnd type="none" w="med" len="med"/>
+                      <a:tailEnd type="none" w="med" len="med"/>
+                    </a:lnR>
+                    <a:lnT w="12700" cap="flat" cmpd="sng" algn="ctr">
+                      <a:solidFill>
+                        <a:schemeClr val="tx1"/>
+                      </a:solidFill>
+                      <a:prstDash val="solid"/>
+                      <a:round/>
+                      <a:headEnd type="none" w="med" len="med"/>
+                      <a:tailEnd type="none" w="med" len="med"/>
+                    </a:lnT>
+                    <a:lnB w="12700" cap="flat" cmpd="sng" algn="ctr">
+                      <a:solidFill>
+                        <a:schemeClr val="tx1"/>
+                      </a:solidFill>
+                      <a:prstDash val="solid"/>
+                      <a:round/>
+                      <a:headEnd type="none" w="med" len="med"/>
+                      <a:tailEnd type="none" w="med" len="med"/>
+                    </a:lnB>
+                    <a:solidFill>
+                      <a:schemeClr val="bg2"/>
+                    </a:solidFill>
+                  </a:tcPr>
+                </a:tc>
+                <a:tc>
+                  <a:txBody>
+                    <a:bodyPr/>
+                    <a:lstStyle/>
+                    <a:p>
+                      <a:pPr algn="ctr" latinLnBrk="1"/>
+                      <a:r>
+                        <a:rPr lang="en-US" altLang="ko-KR" sz="1000" b="0" dirty="0">
+                          <a:solidFill>
+                            <a:schemeClr val="tx1"/>
+                          </a:solidFill>
+                        </a:rPr>
+                        <a:t>Remark</a:t>
+                      </a:r>
+                      <a:endParaRPr lang="ko-KR" altLang="en-US" sz="1000" b="0" dirty="0">
+                        <a:solidFill>
+                          <a:schemeClr val="tx1"/>
+                        </a:solidFill>
+                      </a:endParaRPr>
+                    </a:p>
+                  </a:txBody>
+                  <a:tcPr>
+                    <a:lnL w="12700" cap="flat" cmpd="sng" algn="ctr">
+                      <a:solidFill>
+                        <a:schemeClr val="tx1"/>
+                      </a:solidFill>
+                      <a:prstDash val="solid"/>
+                      <a:round/>
+                      <a:headEnd type="none" w="med" len="med"/>
+                      <a:tailEnd type="none" w="med" len="med"/>
+                    </a:lnL>
+                    <a:lnR w="12700" cap="flat" cmpd="sng" algn="ctr">
+                      <a:solidFill>
+                        <a:schemeClr val="tx1"/>
+                      </a:solidFill>
+                      <a:prstDash val="solid"/>
+                      <a:round/>
+                      <a:headEnd type="none" w="med" len="med"/>
+                      <a:tailEnd type="none" w="med" len="med"/>
+                    </a:lnR>
+                    <a:lnT w="12700" cap="flat" cmpd="sng" algn="ctr">
+                      <a:solidFill>
+                        <a:schemeClr val="tx1"/>
+                      </a:solidFill>
+                      <a:prstDash val="solid"/>
+                      <a:round/>
+                      <a:headEnd type="none" w="med" len="med"/>
+                      <a:tailEnd type="none" w="med" len="med"/>
+                    </a:lnT>
+                    <a:lnB w="12700" cap="flat" cmpd="sng" algn="ctr">
+                      <a:solidFill>
+                        <a:schemeClr val="tx1"/>
+                      </a:solidFill>
+                      <a:prstDash val="solid"/>
+                      <a:round/>
+                      <a:headEnd type="none" w="med" len="med"/>
+                      <a:tailEnd type="none" w="med" len="med"/>
+                    </a:lnB>
+                    <a:solidFill>
+                      <a:schemeClr val="bg2"/>
+                    </a:solidFill>
+                  </a:tcPr>
+                </a:tc>
+                <a:extLst>
+                  <a:ext uri="{0D108BD9-81ED-4DB2-BD59-A6C34878D82A}">
+                    <a16:rowId xmlns:a16="http://schemas.microsoft.com/office/drawing/2014/main" val="4228979736"/>
+                  </a:ext>
+                </a:extLst>
+              </a:tr>
+              <a:tr h="192405">
+                <a:tc>
+                  <a:txBody>
+                    <a:bodyPr/>
+                    <a:lstStyle/>
+                    <a:p>
+                      <a:pPr latinLnBrk="1"/>
+                      <a:endParaRPr lang="ko-KR" altLang="en-US" sz="1000" b="0" dirty="0">
+                        <a:solidFill>
+                          <a:schemeClr val="tx1"/>
+                        </a:solidFill>
+                      </a:endParaRPr>
+                    </a:p>
+                  </a:txBody>
+                  <a:tcPr>
+                    <a:lnL w="12700" cap="flat" cmpd="sng" algn="ctr">
+                      <a:solidFill>
+                        <a:schemeClr val="tx1"/>
+                      </a:solidFill>
+                      <a:prstDash val="solid"/>
+                      <a:round/>
+                      <a:headEnd type="none" w="med" len="med"/>
+                      <a:tailEnd type="none" w="med" len="med"/>
+                    </a:lnL>
+                    <a:lnR w="12700" cap="flat" cmpd="sng" algn="ctr">
+                      <a:solidFill>
+                        <a:schemeClr val="tx1"/>
+                      </a:solidFill>
+                      <a:prstDash val="solid"/>
+                      <a:round/>
+                      <a:headEnd type="none" w="med" len="med"/>
+                      <a:tailEnd type="none" w="med" len="med"/>
+                    </a:lnR>
+                    <a:lnT w="12700" cap="flat" cmpd="sng" algn="ctr">
+                      <a:solidFill>
+                        <a:schemeClr val="tx1"/>
+                      </a:solidFill>
+                      <a:prstDash val="solid"/>
+                      <a:round/>
+                      <a:headEnd type="none" w="med" len="med"/>
+                      <a:tailEnd type="none" w="med" len="med"/>
+                    </a:lnT>
+                    <a:lnB w="12700" cap="flat" cmpd="sng" algn="ctr">
+                      <a:solidFill>
+                        <a:schemeClr val="tx1"/>
+                      </a:solidFill>
+                      <a:prstDash val="solid"/>
+                      <a:round/>
+                      <a:headEnd type="none" w="med" len="med"/>
+                      <a:tailEnd type="none" w="med" len="med"/>
+                    </a:lnB>
+                    <a:solidFill>
+                      <a:schemeClr val="bg1"/>
+                    </a:solidFill>
+                  </a:tcPr>
+                </a:tc>
+                <a:tc>
+                  <a:txBody>
+                    <a:bodyPr/>
+                    <a:lstStyle/>
+                    <a:p>
+                      <a:pPr latinLnBrk="1"/>
+                      <a:endParaRPr lang="ko-KR" altLang="en-US" sz="1000" b="0">
+                        <a:solidFill>
+                          <a:schemeClr val="tx1"/>
+                        </a:solidFill>
+                      </a:endParaRPr>
+                    </a:p>
+                  </a:txBody>
+                  <a:tcPr>
+                    <a:lnL w="12700" cap="flat" cmpd="sng" algn="ctr">
+                      <a:solidFill>
+                        <a:schemeClr val="tx1"/>
+                      </a:solidFill>
+                      <a:prstDash val="solid"/>
+                      <a:round/>
+                      <a:headEnd type="none" w="med" len="med"/>
+                      <a:tailEnd type="none" w="med" len="med"/>
+                    </a:lnL>
+                    <a:lnR w="12700" cap="flat" cmpd="sng" algn="ctr">
+                      <a:solidFill>
+                        <a:schemeClr val="tx1"/>
+                      </a:solidFill>
+                      <a:prstDash val="solid"/>
+                      <a:round/>
+                      <a:headEnd type="none" w="med" len="med"/>
+                      <a:tailEnd type="none" w="med" len="med"/>
+                    </a:lnR>
+                    <a:lnT w="12700" cap="flat" cmpd="sng" algn="ctr">
+                      <a:solidFill>
+                        <a:schemeClr val="tx1"/>
+                      </a:solidFill>
+                      <a:prstDash val="solid"/>
+                      <a:round/>
+                      <a:headEnd type="none" w="med" len="med"/>
+                      <a:tailEnd type="none" w="med" len="med"/>
+                    </a:lnT>
+                    <a:lnB w="12700" cap="flat" cmpd="sng" algn="ctr">
+                      <a:solidFill>
+                        <a:schemeClr val="tx1"/>
+                      </a:solidFill>
+                      <a:prstDash val="solid"/>
+                      <a:round/>
+                      <a:headEnd type="none" w="med" len="med"/>
+                      <a:tailEnd type="none" w="med" len="med"/>
+                    </a:lnB>
+                    <a:solidFill>
+                      <a:schemeClr val="bg1"/>
+                    </a:solidFill>
+                  </a:tcPr>
+                </a:tc>
+                <a:tc>
+                  <a:txBody>
+                    <a:bodyPr/>
+                    <a:lstStyle/>
+                    <a:p>
+                      <a:pPr latinLnBrk="1"/>
+                      <a:endParaRPr lang="ko-KR" altLang="en-US" sz="1000" b="0">
+                        <a:solidFill>
+                          <a:schemeClr val="tx1"/>
+                        </a:solidFill>
+                      </a:endParaRPr>
+                    </a:p>
+                  </a:txBody>
+                  <a:tcPr>
+                    <a:lnL w="12700" cap="flat" cmpd="sng" algn="ctr">
+                      <a:solidFill>
+                        <a:schemeClr val="tx1"/>
+                      </a:solidFill>
+                      <a:prstDash val="solid"/>
+                      <a:round/>
+                      <a:headEnd type="none" w="med" len="med"/>
+                      <a:tailEnd type="none" w="med" len="med"/>
+                    </a:lnL>
+                    <a:lnR w="12700" cap="flat" cmpd="sng" algn="ctr">
+                      <a:solidFill>
+                        <a:schemeClr val="tx1"/>
+                      </a:solidFill>
+                      <a:prstDash val="solid"/>
+                      <a:round/>
+                      <a:headEnd type="none" w="med" len="med"/>
+                      <a:tailEnd type="none" w="med" len="med"/>
+                    </a:lnR>
+                    <a:lnT w="12700" cap="flat" cmpd="sng" algn="ctr">
+                      <a:solidFill>
+                        <a:schemeClr val="tx1"/>
+                      </a:solidFill>
+                      <a:prstDash val="solid"/>
+                      <a:round/>
+                      <a:headEnd type="none" w="med" len="med"/>
+                      <a:tailEnd type="none" w="med" len="med"/>
+                    </a:lnT>
+                    <a:lnB w="12700" cap="flat" cmpd="sng" algn="ctr">
+                      <a:solidFill>
+                        <a:schemeClr val="tx1"/>
+                      </a:solidFill>
+                      <a:prstDash val="solid"/>
+                      <a:round/>
+                      <a:headEnd type="none" w="med" len="med"/>
+                      <a:tailEnd type="none" w="med" len="med"/>
+                    </a:lnB>
+                    <a:solidFill>
+                      <a:schemeClr val="bg1"/>
+                    </a:solidFill>
+                  </a:tcPr>
+                </a:tc>
+                <a:tc>
+                  <a:txBody>
+                    <a:bodyPr/>
+                    <a:lstStyle/>
+                    <a:p>
+                      <a:pPr latinLnBrk="1"/>
+                      <a:endParaRPr lang="ko-KR" altLang="en-US" sz="1000" b="0" dirty="0">
+                        <a:solidFill>
+                          <a:schemeClr val="tx1"/>
+                        </a:solidFill>
+                      </a:endParaRPr>
+                    </a:p>
+                  </a:txBody>
+                  <a:tcPr>
+                    <a:lnL w="12700" cap="flat" cmpd="sng" algn="ctr">
+                      <a:solidFill>
+                        <a:schemeClr val="tx1"/>
+                      </a:solidFill>
+                      <a:prstDash val="solid"/>
+                      <a:round/>
+                      <a:headEnd type="none" w="med" len="med"/>
+                      <a:tailEnd type="none" w="med" len="med"/>
+                    </a:lnL>
+                    <a:lnR w="12700" cap="flat" cmpd="sng" algn="ctr">
+                      <a:solidFill>
+                        <a:schemeClr val="tx1"/>
+                      </a:solidFill>
+                      <a:prstDash val="solid"/>
+                      <a:round/>
+                      <a:headEnd type="none" w="med" len="med"/>
+                      <a:tailEnd type="none" w="med" len="med"/>
+                    </a:lnR>
+                    <a:lnT w="12700" cap="flat" cmpd="sng" algn="ctr">
+                      <a:solidFill>
+                        <a:schemeClr val="tx1"/>
+                      </a:solidFill>
+                      <a:prstDash val="solid"/>
+                      <a:round/>
+                      <a:headEnd type="none" w="med" len="med"/>
+                      <a:tailEnd type="none" w="med" len="med"/>
+                    </a:lnT>
+                    <a:lnB w="12700" cap="flat" cmpd="sng" algn="ctr">
+                      <a:solidFill>
+                        <a:schemeClr val="tx1"/>
+                      </a:solidFill>
+                      <a:prstDash val="solid"/>
+                      <a:round/>
+                      <a:headEnd type="none" w="med" len="med"/>
+                      <a:tailEnd type="none" w="med" len="med"/>
+                    </a:lnB>
+                    <a:solidFill>
+                      <a:schemeClr val="bg1"/>
+                    </a:solidFill>
+                  </a:tcPr>
+                </a:tc>
+                <a:tc>
+                  <a:txBody>
+                    <a:bodyPr/>
+                    <a:lstStyle/>
+                    <a:p>
+                      <a:pPr latinLnBrk="1"/>
+                      <a:endParaRPr lang="ko-KR" altLang="en-US" sz="1000" b="0" dirty="0">
+                        <a:solidFill>
+                          <a:schemeClr val="tx1"/>
+                        </a:solidFill>
+                      </a:endParaRPr>
+                    </a:p>
+                  </a:txBody>
+                  <a:tcPr>
+                    <a:lnL w="12700" cap="flat" cmpd="sng" algn="ctr">
+                      <a:solidFill>
+                        <a:schemeClr val="tx1"/>
+                      </a:solidFill>
+                      <a:prstDash val="solid"/>
+                      <a:round/>
+                      <a:headEnd type="none" w="med" len="med"/>
+                      <a:tailEnd type="none" w="med" len="med"/>
+                    </a:lnL>
+                    <a:lnR w="12700" cap="flat" cmpd="sng" algn="ctr">
+                      <a:solidFill>
+                        <a:schemeClr val="tx1"/>
+                      </a:solidFill>
+                      <a:prstDash val="solid"/>
+                      <a:round/>
+                      <a:headEnd type="none" w="med" len="med"/>
+                      <a:tailEnd type="none" w="med" len="med"/>
+                    </a:lnR>
+                    <a:lnT w="12700" cap="flat" cmpd="sng" algn="ctr">
+                      <a:solidFill>
+                        <a:schemeClr val="tx1"/>
+                      </a:solidFill>
+                      <a:prstDash val="solid"/>
+                      <a:round/>
+                      <a:headEnd type="none" w="med" len="med"/>
+                      <a:tailEnd type="none" w="med" len="med"/>
+                    </a:lnT>
+                    <a:lnB w="12700" cap="flat" cmpd="sng" algn="ctr">
+                      <a:solidFill>
+                        <a:schemeClr val="tx1"/>
+                      </a:solidFill>
+                      <a:prstDash val="solid"/>
+                      <a:round/>
+                      <a:headEnd type="none" w="med" len="med"/>
+                      <a:tailEnd type="none" w="med" len="med"/>
+                    </a:lnB>
+                    <a:solidFill>
+                      <a:schemeClr val="bg1"/>
+                    </a:solidFill>
+                  </a:tcPr>
+                </a:tc>
+                <a:tc>
+                  <a:txBody>
+                    <a:bodyPr/>
+                    <a:lstStyle/>
+                    <a:p>
+                      <a:pPr latinLnBrk="1"/>
+                      <a:endParaRPr lang="ko-KR" altLang="en-US" sz="1000" b="0" dirty="0">
+                        <a:solidFill>
+                          <a:schemeClr val="tx1"/>
+                        </a:solidFill>
+                      </a:endParaRPr>
+                    </a:p>
+                  </a:txBody>
+                  <a:tcPr>
+                    <a:lnL w="12700" cap="flat" cmpd="sng" algn="ctr">
+                      <a:solidFill>
+                        <a:schemeClr val="tx1"/>
+                      </a:solidFill>
+                      <a:prstDash val="solid"/>
+                      <a:round/>
+                      <a:headEnd type="none" w="med" len="med"/>
+                      <a:tailEnd type="none" w="med" len="med"/>
+                    </a:lnL>
+                    <a:lnR w="12700" cap="flat" cmpd="sng" algn="ctr">
+                      <a:solidFill>
+                        <a:schemeClr val="tx1"/>
+                      </a:solidFill>
+                      <a:prstDash val="solid"/>
+                      <a:round/>
+                      <a:headEnd type="none" w="med" len="med"/>
+                      <a:tailEnd type="none" w="med" len="med"/>
+                    </a:lnR>
+                    <a:lnT w="12700" cap="flat" cmpd="sng" algn="ctr">
+                      <a:solidFill>
+                        <a:schemeClr val="tx1"/>
+                      </a:solidFill>
+                      <a:prstDash val="solid"/>
+                      <a:round/>
+                      <a:headEnd type="none" w="med" len="med"/>
+                      <a:tailEnd type="none" w="med" len="med"/>
+                    </a:lnT>
+                    <a:lnB w="12700" cap="flat" cmpd="sng" algn="ctr">
+                      <a:solidFill>
+                        <a:schemeClr val="tx1"/>
+                      </a:solidFill>
+                      <a:prstDash val="solid"/>
+                      <a:round/>
+                      <a:headEnd type="none" w="med" len="med"/>
+                      <a:tailEnd type="none" w="med" len="med"/>
+                    </a:lnB>
+                    <a:solidFill>
+                      <a:schemeClr val="bg1"/>
+                    </a:solidFill>
+                  </a:tcPr>
+                </a:tc>
+                <a:tc>
+                  <a:txBody>
+                    <a:bodyPr/>
+                    <a:lstStyle/>
+                    <a:p>
+                      <a:pPr latinLnBrk="1"/>
+                      <a:endParaRPr lang="ko-KR" altLang="en-US" sz="1000" b="0" dirty="0">
+                        <a:solidFill>
+                          <a:schemeClr val="tx1"/>
+                        </a:solidFill>
+                      </a:endParaRPr>
+                    </a:p>
+                  </a:txBody>
+                  <a:tcPr>
+                    <a:lnL w="12700" cap="flat" cmpd="sng" algn="ctr">
+                      <a:solidFill>
+                        <a:schemeClr val="tx1"/>
+                      </a:solidFill>
+                      <a:prstDash val="solid"/>
+                      <a:round/>
+                      <a:headEnd type="none" w="med" len="med"/>
+                      <a:tailEnd type="none" w="med" len="med"/>
+                    </a:lnL>
+                    <a:lnR w="12700" cap="flat" cmpd="sng" algn="ctr">
+                      <a:solidFill>
+                        <a:schemeClr val="tx1"/>
+                      </a:solidFill>
+                      <a:prstDash val="solid"/>
+                      <a:round/>
+                      <a:headEnd type="none" w="med" len="med"/>
+                      <a:tailEnd type="none" w="med" len="med"/>
+                    </a:lnR>
+                    <a:lnT w="12700" cap="flat" cmpd="sng" algn="ctr">
+                      <a:solidFill>
+                        <a:schemeClr val="tx1"/>
+                      </a:solidFill>
+                      <a:prstDash val="solid"/>
+                      <a:round/>
+                      <a:headEnd type="none" w="med" len="med"/>
+                      <a:tailEnd type="none" w="med" len="med"/>
+                    </a:lnT>
+                    <a:lnB w="12700" cap="flat" cmpd="sng" algn="ctr">
+                      <a:solidFill>
+                        <a:schemeClr val="tx1"/>
+                      </a:solidFill>
+                      <a:prstDash val="solid"/>
+                      <a:round/>
+                      <a:headEnd type="none" w="med" len="med"/>
+                      <a:tailEnd type="none" w="med" len="med"/>
+                    </a:lnB>
+                    <a:solidFill>
+                      <a:schemeClr val="bg1"/>
+                    </a:solidFill>
+                  </a:tcPr>
+                </a:tc>
+                <a:extLst>
+                  <a:ext uri="{0D108BD9-81ED-4DB2-BD59-A6C34878D82A}">
+                    <a16:rowId xmlns:a16="http://schemas.microsoft.com/office/drawing/2014/main" val="2874484294"/>
+                  </a:ext>
+                </a:extLst>
+              </a:tr>
+              <a:tr h="192405">
+                <a:tc>
+                  <a:txBody>
+                    <a:bodyPr/>
+                    <a:lstStyle/>
+                    <a:p>
+                      <a:pPr latinLnBrk="1"/>
+                      <a:endParaRPr lang="ko-KR" altLang="en-US" sz="1000" b="0" dirty="0">
+                        <a:solidFill>
+                          <a:schemeClr val="tx1"/>
+                        </a:solidFill>
+                      </a:endParaRPr>
+                    </a:p>
+                  </a:txBody>
+                  <a:tcPr>
+                    <a:lnL w="12700" cap="flat" cmpd="sng" algn="ctr">
+                      <a:solidFill>
+                        <a:schemeClr val="tx1"/>
+                      </a:solidFill>
+                      <a:prstDash val="solid"/>
+                      <a:round/>
+                      <a:headEnd type="none" w="med" len="med"/>
+                      <a:tailEnd type="none" w="med" len="med"/>
+                    </a:lnL>
+                    <a:lnR w="12700" cap="flat" cmpd="sng" algn="ctr">
+                      <a:solidFill>
+                        <a:schemeClr val="tx1"/>
+                      </a:solidFill>
+                      <a:prstDash val="solid"/>
+                      <a:round/>
+                      <a:headEnd type="none" w="med" len="med"/>
+                      <a:tailEnd type="none" w="med" len="med"/>
+                    </a:lnR>
+                    <a:lnT w="12700" cap="flat" cmpd="sng" algn="ctr">
+                      <a:solidFill>
+                        <a:schemeClr val="tx1"/>
+                      </a:solidFill>
+                      <a:prstDash val="solid"/>
+                      <a:round/>
+                      <a:headEnd type="none" w="med" len="med"/>
+                      <a:tailEnd type="none" w="med" len="med"/>
+                    </a:lnT>
+                    <a:lnB w="12700" cap="flat" cmpd="sng" algn="ctr">
+                      <a:solidFill>
+                        <a:schemeClr val="tx1"/>
+                      </a:solidFill>
+                      <a:prstDash val="solid"/>
+                      <a:round/>
+                      <a:headEnd type="none" w="med" len="med"/>
+                      <a:tailEnd type="none" w="med" len="med"/>
+                    </a:lnB>
+                    <a:solidFill>
+                      <a:schemeClr val="bg1"/>
+                    </a:solidFill>
+                  </a:tcPr>
+                </a:tc>
+                <a:tc>
+                  <a:txBody>
+                    <a:bodyPr/>
+                    <a:lstStyle/>
+                    <a:p>
+                      <a:pPr latinLnBrk="1"/>
+                      <a:endParaRPr lang="ko-KR" altLang="en-US" sz="1000" b="0">
+                        <a:solidFill>
+                          <a:schemeClr val="tx1"/>
+                        </a:solidFill>
+                      </a:endParaRPr>
+                    </a:p>
+                  </a:txBody>
+                  <a:tcPr>
+                    <a:lnL w="12700" cap="flat" cmpd="sng" algn="ctr">
+                      <a:solidFill>
+                        <a:schemeClr val="tx1"/>
+                      </a:solidFill>
+                      <a:prstDash val="solid"/>
+                      <a:round/>
+                      <a:headEnd type="none" w="med" len="med"/>
+                      <a:tailEnd type="none" w="med" len="med"/>
+                    </a:lnL>
+                    <a:lnR w="12700" cap="flat" cmpd="sng" algn="ctr">
+                      <a:solidFill>
+                        <a:schemeClr val="tx1"/>
+                      </a:solidFill>
+                      <a:prstDash val="solid"/>
+                      <a:round/>
+                      <a:headEnd type="none" w="med" len="med"/>
+                      <a:tailEnd type="none" w="med" len="med"/>
+                    </a:lnR>
+                    <a:lnT w="12700" cap="flat" cmpd="sng" algn="ctr">
+                      <a:solidFill>
+                        <a:schemeClr val="tx1"/>
+                      </a:solidFill>
+                      <a:prstDash val="solid"/>
+                      <a:round/>
+                      <a:headEnd type="none" w="med" len="med"/>
+                      <a:tailEnd type="none" w="med" len="med"/>
+                    </a:lnT>
+                    <a:lnB w="12700" cap="flat" cmpd="sng" algn="ctr">
+                      <a:solidFill>
+                        <a:schemeClr val="tx1"/>
+                      </a:solidFill>
+                      <a:prstDash val="solid"/>
+                      <a:round/>
+                      <a:headEnd type="none" w="med" len="med"/>
+                      <a:tailEnd type="none" w="med" len="med"/>
+                    </a:lnB>
+                    <a:solidFill>
+                      <a:schemeClr val="bg1"/>
+                    </a:solidFill>
+                  </a:tcPr>
+                </a:tc>
+                <a:tc>
+                  <a:txBody>
+                    <a:bodyPr/>
+                    <a:lstStyle/>
+                    <a:p>
+                      <a:pPr latinLnBrk="1"/>
+                      <a:endParaRPr lang="ko-KR" altLang="en-US" sz="1000" b="0">
+                        <a:solidFill>
+                          <a:schemeClr val="tx1"/>
+                        </a:solidFill>
+                      </a:endParaRPr>
+                    </a:p>
+                  </a:txBody>
+                  <a:tcPr>
+                    <a:lnL w="12700" cap="flat" cmpd="sng" algn="ctr">
+                      <a:solidFill>
+                        <a:schemeClr val="tx1"/>
+                      </a:solidFill>
+                      <a:prstDash val="solid"/>
+                      <a:round/>
+                      <a:headEnd type="none" w="med" len="med"/>
+                      <a:tailEnd type="none" w="med" len="med"/>
+                    </a:lnL>
+                    <a:lnR w="12700" cap="flat" cmpd="sng" algn="ctr">
+                      <a:solidFill>
+                        <a:schemeClr val="tx1"/>
+                      </a:solidFill>
+                      <a:prstDash val="solid"/>
+                      <a:round/>
+                      <a:headEnd type="none" w="med" len="med"/>
+                      <a:tailEnd type="none" w="med" len="med"/>
+                    </a:lnR>
+                    <a:lnT w="12700" cap="flat" cmpd="sng" algn="ctr">
+                      <a:solidFill>
+                        <a:schemeClr val="tx1"/>
+                      </a:solidFill>
+                      <a:prstDash val="solid"/>
+                      <a:round/>
+                      <a:headEnd type="none" w="med" len="med"/>
+                      <a:tailEnd type="none" w="med" len="med"/>
+                    </a:lnT>
+                    <a:lnB w="12700" cap="flat" cmpd="sng" algn="ctr">
+                      <a:solidFill>
+                        <a:schemeClr val="tx1"/>
+                      </a:solidFill>
+                      <a:prstDash val="solid"/>
+                      <a:round/>
+                      <a:headEnd type="none" w="med" len="med"/>
+                      <a:tailEnd type="none" w="med" len="med"/>
+                    </a:lnB>
+                    <a:solidFill>
+                      <a:schemeClr val="bg1"/>
+                    </a:solidFill>
+                  </a:tcPr>
+                </a:tc>
+                <a:tc>
+                  <a:txBody>
+                    <a:bodyPr/>
+                    <a:lstStyle/>
+                    <a:p>
+                      <a:pPr latinLnBrk="1"/>
+                      <a:endParaRPr lang="ko-KR" altLang="en-US" sz="1000" b="0">
+                        <a:solidFill>
+                          <a:schemeClr val="tx1"/>
+                        </a:solidFill>
+                      </a:endParaRPr>
+                    </a:p>
+                  </a:txBody>
+                  <a:tcPr>
+                    <a:lnL w="12700" cap="flat" cmpd="sng" algn="ctr">
+                      <a:solidFill>
+                        <a:schemeClr val="tx1"/>
+                      </a:solidFill>
+                      <a:prstDash val="solid"/>
+                      <a:round/>
+                      <a:headEnd type="none" w="med" len="med"/>
+                      <a:tailEnd type="none" w="med" len="med"/>
+                    </a:lnL>
+                    <a:lnR w="12700" cap="flat" cmpd="sng" algn="ctr">
+                      <a:solidFill>
+                        <a:schemeClr val="tx1"/>
+                      </a:solidFill>
+                      <a:prstDash val="solid"/>
+                      <a:round/>
+                      <a:headEnd type="none" w="med" len="med"/>
+                      <a:tailEnd type="none" w="med" len="med"/>
+                    </a:lnR>
+                    <a:lnT w="12700" cap="flat" cmpd="sng" algn="ctr">
+                      <a:solidFill>
+                        <a:schemeClr val="tx1"/>
+                      </a:solidFill>
+                      <a:prstDash val="solid"/>
+                      <a:round/>
+                      <a:headEnd type="none" w="med" len="med"/>
+                      <a:tailEnd type="none" w="med" len="med"/>
+                    </a:lnT>
+                    <a:lnB w="12700" cap="flat" cmpd="sng" algn="ctr">
+                      <a:solidFill>
+                        <a:schemeClr val="tx1"/>
+                      </a:solidFill>
+                      <a:prstDash val="solid"/>
+                      <a:round/>
+                      <a:headEnd type="none" w="med" len="med"/>
+                      <a:tailEnd type="none" w="med" len="med"/>
+                    </a:lnB>
+                    <a:solidFill>
+                      <a:schemeClr val="bg1"/>
+                    </a:solidFill>
+                  </a:tcPr>
+                </a:tc>
+                <a:tc>
+                  <a:txBody>
+                    <a:bodyPr/>
+                    <a:lstStyle/>
+                    <a:p>
+                      <a:pPr latinLnBrk="1"/>
+                      <a:endParaRPr lang="ko-KR" altLang="en-US" sz="1000" b="0">
+                        <a:solidFill>
+                          <a:schemeClr val="tx1"/>
+                        </a:solidFill>
+                      </a:endParaRPr>
+                    </a:p>
+                  </a:txBody>
+                  <a:tcPr>
+                    <a:lnL w="12700" cap="flat" cmpd="sng" algn="ctr">
+                      <a:solidFill>
+                        <a:schemeClr val="tx1"/>
+                      </a:solidFill>
+                      <a:prstDash val="solid"/>
+                      <a:round/>
+                      <a:headEnd type="none" w="med" len="med"/>
+                      <a:tailEnd type="none" w="med" len="med"/>
+                    </a:lnL>
+                    <a:lnR w="12700" cap="flat" cmpd="sng" algn="ctr">
+                      <a:solidFill>
+                        <a:schemeClr val="tx1"/>
+                      </a:solidFill>
+                      <a:prstDash val="solid"/>
+                      <a:round/>
+                      <a:headEnd type="none" w="med" len="med"/>
+                      <a:tailEnd type="none" w="med" len="med"/>
+                    </a:lnR>
+                    <a:lnT w="12700" cap="flat" cmpd="sng" algn="ctr">
+                      <a:solidFill>
+                        <a:schemeClr val="tx1"/>
+                      </a:solidFill>
+                      <a:prstDash val="solid"/>
+                      <a:round/>
+                      <a:headEnd type="none" w="med" len="med"/>
+                      <a:tailEnd type="none" w="med" len="med"/>
+                    </a:lnT>
+                    <a:lnB w="12700" cap="flat" cmpd="sng" algn="ctr">
+                      <a:solidFill>
+                        <a:schemeClr val="tx1"/>
+                      </a:solidFill>
+                      <a:prstDash val="solid"/>
+                      <a:round/>
+                      <a:headEnd type="none" w="med" len="med"/>
+                      <a:tailEnd type="none" w="med" len="med"/>
+                    </a:lnB>
+                    <a:solidFill>
+                      <a:schemeClr val="bg1"/>
+                    </a:solidFill>
+                  </a:tcPr>
+                </a:tc>
+                <a:tc>
+                  <a:txBody>
+                    <a:bodyPr/>
+                    <a:lstStyle/>
+                    <a:p>
+                      <a:pPr latinLnBrk="1"/>
+                      <a:endParaRPr lang="ko-KR" altLang="en-US" sz="1000" b="0">
+                        <a:solidFill>
+                          <a:schemeClr val="tx1"/>
+                        </a:solidFill>
+                      </a:endParaRPr>
+                    </a:p>
+                  </a:txBody>
+                  <a:tcPr>
+                    <a:lnL w="12700" cap="flat" cmpd="sng" algn="ctr">
+                      <a:solidFill>
+                        <a:schemeClr val="tx1"/>
+                      </a:solidFill>
+                      <a:prstDash val="solid"/>
+                      <a:round/>
+                      <a:headEnd type="none" w="med" len="med"/>
+                      <a:tailEnd type="none" w="med" len="med"/>
+                    </a:lnL>
+                    <a:lnR w="12700" cap="flat" cmpd="sng" algn="ctr">
+                      <a:solidFill>
+                        <a:schemeClr val="tx1"/>
+                      </a:solidFill>
+                      <a:prstDash val="solid"/>
+                      <a:round/>
+                      <a:headEnd type="none" w="med" len="med"/>
+                      <a:tailEnd type="none" w="med" len="med"/>
+                    </a:lnR>
+                    <a:lnT w="12700" cap="flat" cmpd="sng" algn="ctr">
+                      <a:solidFill>
+                        <a:schemeClr val="tx1"/>
+                      </a:solidFill>
+                      <a:prstDash val="solid"/>
+                      <a:round/>
+                      <a:headEnd type="none" w="med" len="med"/>
+                      <a:tailEnd type="none" w="med" len="med"/>
+                    </a:lnT>
+                    <a:lnB w="12700" cap="flat" cmpd="sng" algn="ctr">
+                      <a:solidFill>
+                        <a:schemeClr val="tx1"/>
+                      </a:solidFill>
+                      <a:prstDash val="solid"/>
+                      <a:round/>
+                      <a:headEnd type="none" w="med" len="med"/>
+                      <a:tailEnd type="none" w="med" len="med"/>
+                    </a:lnB>
+                    <a:solidFill>
+                      <a:schemeClr val="bg1"/>
+                    </a:solidFill>
+                  </a:tcPr>
+                </a:tc>
+                <a:tc>
+                  <a:txBody>
+                    <a:bodyPr/>
+                    <a:lstStyle/>
+                    <a:p>
+                      <a:pPr latinLnBrk="1"/>
+                      <a:endParaRPr lang="ko-KR" altLang="en-US" sz="1000" b="0" dirty="0">
+                        <a:solidFill>
+                          <a:schemeClr val="tx1"/>
+                        </a:solidFill>
+                      </a:endParaRPr>
+                    </a:p>
+                  </a:txBody>
+                  <a:tcPr>
+                    <a:lnL w="12700" cap="flat" cmpd="sng" algn="ctr">
+                      <a:solidFill>
+                        <a:schemeClr val="tx1"/>
+                      </a:solidFill>
+                      <a:prstDash val="solid"/>
+                      <a:round/>
+                      <a:headEnd type="none" w="med" len="med"/>
+                      <a:tailEnd type="none" w="med" len="med"/>
+                    </a:lnL>
+                    <a:lnR w="12700" cap="flat" cmpd="sng" algn="ctr">
+                      <a:solidFill>
+                        <a:schemeClr val="tx1"/>
+                      </a:solidFill>
+                      <a:prstDash val="solid"/>
+                      <a:round/>
+                      <a:headEnd type="none" w="med" len="med"/>
+                      <a:tailEnd type="none" w="med" len="med"/>
+                    </a:lnR>
+                    <a:lnT w="12700" cap="flat" cmpd="sng" algn="ctr">
+                      <a:solidFill>
+                        <a:schemeClr val="tx1"/>
+                      </a:solidFill>
+                      <a:prstDash val="solid"/>
+                      <a:round/>
+                      <a:headEnd type="none" w="med" len="med"/>
+                      <a:tailEnd type="none" w="med" len="med"/>
+                    </a:lnT>
+                    <a:lnB w="12700" cap="flat" cmpd="sng" algn="ctr">
+                      <a:solidFill>
+                        <a:schemeClr val="tx1"/>
+                      </a:solidFill>
+                      <a:prstDash val="solid"/>
+                      <a:round/>
+                      <a:headEnd type="none" w="med" len="med"/>
+                      <a:tailEnd type="none" w="med" len="med"/>
+                    </a:lnB>
+                    <a:solidFill>
+                      <a:schemeClr val="bg1"/>
+                    </a:solidFill>
+                  </a:tcPr>
+                </a:tc>
+                <a:extLst>
+                  <a:ext uri="{0D108BD9-81ED-4DB2-BD59-A6C34878D82A}">
+                    <a16:rowId xmlns:a16="http://schemas.microsoft.com/office/drawing/2014/main" val="2717201160"/>
+                  </a:ext>
+                </a:extLst>
+              </a:tr>
+            </a:tbl>
+          </a:graphicData>
+        </a:graphic>
+      </p:graphicFrame>
+      <p:sp>
+        <p:nvSpPr>
+          <p:cNvPr id="55" name="직사각형 54">
+            <a:extLst>
+              <a:ext uri="{FF2B5EF4-FFF2-40B4-BE49-F238E27FC236}">
+                <a16:creationId xmlns:a16="http://schemas.microsoft.com/office/drawing/2014/main" id="{30B2D757-28D0-D9AB-1C2F-E5B91DEABA52}"/>
+              </a:ext>
+            </a:extLst>
+          </p:cNvPr>
+          <p:cNvSpPr/>
+          <p:nvPr/>
+        </p:nvSpPr>
+        <p:spPr>
+          <a:xfrm>
+            <a:off x="8947998" y="3580746"/>
+            <a:ext cx="2748701" cy="197731"/>
+          </a:xfrm>
+          <a:prstGeom prst="rect">
+            <a:avLst/>
+          </a:prstGeom>
+          <a:solidFill>
+            <a:srgbClr val="0078D7">
+              <a:alpha val="48000"/>
+            </a:srgbClr>
+          </a:solidFill>
+          <a:ln>
+            <a:noFill/>
+          </a:ln>
+        </p:spPr>
+        <p:style>
+          <a:lnRef idx="2">
+            <a:schemeClr val="accent1">
+              <a:shade val="15000"/>
+            </a:schemeClr>
+          </a:lnRef>
+          <a:fillRef idx="1">
+            <a:schemeClr val="accent1"/>
+          </a:fillRef>
+          <a:effectRef idx="0">
+            <a:schemeClr val="accent1"/>
+          </a:effectRef>
+          <a:fontRef idx="minor">
+            <a:schemeClr val="lt1"/>
+          </a:fontRef>
+        </p:style>
+        <p:txBody>
+          <a:bodyPr rtlCol="0" anchor="ctr"/>
+          <a:lstStyle/>
+          <a:p>
+            <a:pPr algn="ctr"/>
+            <a:endParaRPr lang="ko-KR" altLang="en-US"/>
+          </a:p>
+        </p:txBody>
+      </p:sp>
+      <p:pic>
+        <p:nvPicPr>
+          <p:cNvPr id="56" name="그림 55">
+            <a:extLst>
+              <a:ext uri="{FF2B5EF4-FFF2-40B4-BE49-F238E27FC236}">
+                <a16:creationId xmlns:a16="http://schemas.microsoft.com/office/drawing/2014/main" id="{7042DD00-0485-CE8F-EEA9-AC7E0944965D}"/>
+              </a:ext>
+            </a:extLst>
+          </p:cNvPr>
+          <p:cNvPicPr>
+            <a:picLocks noChangeAspect="1"/>
+          </p:cNvPicPr>
+          <p:nvPr/>
+        </p:nvPicPr>
+        <p:blipFill>
+          <a:blip r:embed="rId6"/>
+          <a:stretch>
+            <a:fillRect/>
+          </a:stretch>
+        </p:blipFill>
+        <p:spPr>
+          <a:xfrm>
+            <a:off x="123961" y="1741015"/>
+            <a:ext cx="152421" cy="152421"/>
+          </a:xfrm>
+          <a:prstGeom prst="rect">
+            <a:avLst/>
+          </a:prstGeom>
+        </p:spPr>
+      </p:pic>
+      <p:pic>
+        <p:nvPicPr>
+          <p:cNvPr id="57" name="그림 56">
+            <a:extLst>
+              <a:ext uri="{FF2B5EF4-FFF2-40B4-BE49-F238E27FC236}">
+                <a16:creationId xmlns:a16="http://schemas.microsoft.com/office/drawing/2014/main" id="{38022954-849C-C527-49A4-74FEE4900738}"/>
+              </a:ext>
+            </a:extLst>
+          </p:cNvPr>
+          <p:cNvPicPr>
+            <a:picLocks noChangeAspect="1"/>
+          </p:cNvPicPr>
+          <p:nvPr/>
+        </p:nvPicPr>
+        <p:blipFill>
+          <a:blip r:embed="rId7"/>
+          <a:stretch>
+            <a:fillRect/>
+          </a:stretch>
+        </p:blipFill>
+        <p:spPr>
+          <a:xfrm>
+            <a:off x="123890" y="1911854"/>
+            <a:ext cx="142895" cy="161948"/>
+          </a:xfrm>
+          <a:prstGeom prst="rect">
+            <a:avLst/>
+          </a:prstGeom>
+        </p:spPr>
+      </p:pic>
+      <p:pic>
+        <p:nvPicPr>
+          <p:cNvPr id="58" name="그림 57">
+            <a:extLst>
+              <a:ext uri="{FF2B5EF4-FFF2-40B4-BE49-F238E27FC236}">
+                <a16:creationId xmlns:a16="http://schemas.microsoft.com/office/drawing/2014/main" id="{8CCA7700-FC75-43AD-7852-9858D065FBC6}"/>
+              </a:ext>
+            </a:extLst>
+          </p:cNvPr>
+          <p:cNvPicPr>
+            <a:picLocks noChangeAspect="1"/>
+          </p:cNvPicPr>
+          <p:nvPr/>
+        </p:nvPicPr>
+        <p:blipFill>
+          <a:blip r:embed="rId7"/>
+          <a:stretch>
+            <a:fillRect/>
+          </a:stretch>
+        </p:blipFill>
+        <p:spPr>
+          <a:xfrm>
+            <a:off x="123890" y="2223154"/>
+            <a:ext cx="142895" cy="161948"/>
+          </a:xfrm>
+          <a:prstGeom prst="rect">
+            <a:avLst/>
+          </a:prstGeom>
+        </p:spPr>
+      </p:pic>
+      <p:pic>
+        <p:nvPicPr>
+          <p:cNvPr id="59" name="그림 58">
+            <a:extLst>
+              <a:ext uri="{FF2B5EF4-FFF2-40B4-BE49-F238E27FC236}">
+                <a16:creationId xmlns:a16="http://schemas.microsoft.com/office/drawing/2014/main" id="{FCC971FB-C4EC-1029-B989-3206B3A38D0C}"/>
+              </a:ext>
+            </a:extLst>
+          </p:cNvPr>
+          <p:cNvPicPr>
+            <a:picLocks noChangeAspect="1"/>
+          </p:cNvPicPr>
+          <p:nvPr/>
+        </p:nvPicPr>
+        <p:blipFill>
+          <a:blip r:embed="rId7"/>
+          <a:stretch>
+            <a:fillRect/>
+          </a:stretch>
+        </p:blipFill>
+        <p:spPr>
+          <a:xfrm>
+            <a:off x="123890" y="2380887"/>
+            <a:ext cx="142895" cy="161948"/>
+          </a:xfrm>
+          <a:prstGeom prst="rect">
+            <a:avLst/>
+          </a:prstGeom>
+        </p:spPr>
+      </p:pic>
+      <p:pic>
+        <p:nvPicPr>
+          <p:cNvPr id="60" name="그림 59">
+            <a:extLst>
+              <a:ext uri="{FF2B5EF4-FFF2-40B4-BE49-F238E27FC236}">
+                <a16:creationId xmlns:a16="http://schemas.microsoft.com/office/drawing/2014/main" id="{2F41EC32-4B94-4EDB-8083-CA28ECEEFCA1}"/>
+              </a:ext>
+            </a:extLst>
+          </p:cNvPr>
+          <p:cNvPicPr>
+            <a:picLocks noChangeAspect="1"/>
+          </p:cNvPicPr>
+          <p:nvPr/>
+        </p:nvPicPr>
+        <p:blipFill>
+          <a:blip r:embed="rId7"/>
+          <a:stretch>
+            <a:fillRect/>
+          </a:stretch>
+        </p:blipFill>
+        <p:spPr>
+          <a:xfrm>
+            <a:off x="123890" y="2548362"/>
+            <a:ext cx="142895" cy="161948"/>
+          </a:xfrm>
+          <a:prstGeom prst="rect">
+            <a:avLst/>
+          </a:prstGeom>
+        </p:spPr>
+      </p:pic>
+      <p:pic>
+        <p:nvPicPr>
+          <p:cNvPr id="61" name="그림 60">
+            <a:extLst>
+              <a:ext uri="{FF2B5EF4-FFF2-40B4-BE49-F238E27FC236}">
+                <a16:creationId xmlns:a16="http://schemas.microsoft.com/office/drawing/2014/main" id="{DE64ECB0-9123-0568-EFB5-812078F60FD3}"/>
+              </a:ext>
+            </a:extLst>
+          </p:cNvPr>
+          <p:cNvPicPr>
+            <a:picLocks noChangeAspect="1"/>
+          </p:cNvPicPr>
+          <p:nvPr/>
+        </p:nvPicPr>
+        <p:blipFill>
+          <a:blip r:embed="rId7"/>
+          <a:stretch>
+            <a:fillRect/>
+          </a:stretch>
+        </p:blipFill>
+        <p:spPr>
+          <a:xfrm>
+            <a:off x="123890" y="2708999"/>
+            <a:ext cx="142895" cy="161948"/>
+          </a:xfrm>
+          <a:prstGeom prst="rect">
+            <a:avLst/>
+          </a:prstGeom>
+        </p:spPr>
+      </p:pic>
+      <p:pic>
+        <p:nvPicPr>
+          <p:cNvPr id="62" name="그림 61">
+            <a:extLst>
+              <a:ext uri="{FF2B5EF4-FFF2-40B4-BE49-F238E27FC236}">
+                <a16:creationId xmlns:a16="http://schemas.microsoft.com/office/drawing/2014/main" id="{DD9371FE-027E-8C87-04E3-39ACFD63DDFE}"/>
+              </a:ext>
+            </a:extLst>
+          </p:cNvPr>
+          <p:cNvPicPr>
+            <a:picLocks noChangeAspect="1"/>
+          </p:cNvPicPr>
+          <p:nvPr/>
+        </p:nvPicPr>
+        <p:blipFill>
+          <a:blip r:embed="rId7"/>
+          <a:stretch>
+            <a:fillRect/>
+          </a:stretch>
+        </p:blipFill>
+        <p:spPr>
+          <a:xfrm>
+            <a:off x="123890" y="2872055"/>
+            <a:ext cx="142895" cy="161948"/>
+          </a:xfrm>
+          <a:prstGeom prst="rect">
+            <a:avLst/>
+          </a:prstGeom>
+        </p:spPr>
+      </p:pic>
+      <p:pic>
+        <p:nvPicPr>
+          <p:cNvPr id="63" name="그림 62">
+            <a:extLst>
+              <a:ext uri="{FF2B5EF4-FFF2-40B4-BE49-F238E27FC236}">
+                <a16:creationId xmlns:a16="http://schemas.microsoft.com/office/drawing/2014/main" id="{33876470-AE6F-DDC8-9F5D-185198E264AD}"/>
+              </a:ext>
+            </a:extLst>
+          </p:cNvPr>
+          <p:cNvPicPr>
+            <a:picLocks noChangeAspect="1"/>
+          </p:cNvPicPr>
+          <p:nvPr/>
+        </p:nvPicPr>
+        <p:blipFill>
+          <a:blip r:embed="rId7"/>
+          <a:stretch>
+            <a:fillRect/>
+          </a:stretch>
+        </p:blipFill>
+        <p:spPr>
+          <a:xfrm>
+            <a:off x="123890" y="3029706"/>
+            <a:ext cx="142895" cy="161948"/>
+          </a:xfrm>
+          <a:prstGeom prst="rect">
+            <a:avLst/>
+          </a:prstGeom>
+        </p:spPr>
+      </p:pic>
+      <p:pic>
+        <p:nvPicPr>
+          <p:cNvPr id="64" name="그림 63">
+            <a:extLst>
+              <a:ext uri="{FF2B5EF4-FFF2-40B4-BE49-F238E27FC236}">
+                <a16:creationId xmlns:a16="http://schemas.microsoft.com/office/drawing/2014/main" id="{29A53283-0D82-996B-246C-96760DC99B0E}"/>
+              </a:ext>
+            </a:extLst>
+          </p:cNvPr>
+          <p:cNvPicPr>
+            <a:picLocks noChangeAspect="1"/>
+          </p:cNvPicPr>
+          <p:nvPr/>
+        </p:nvPicPr>
+        <p:blipFill>
+          <a:blip r:embed="rId6"/>
+          <a:stretch>
+            <a:fillRect/>
+          </a:stretch>
+        </p:blipFill>
+        <p:spPr>
+          <a:xfrm>
+            <a:off x="123961" y="2065206"/>
+            <a:ext cx="152421" cy="152421"/>
+          </a:xfrm>
+          <a:prstGeom prst="rect">
+            <a:avLst/>
+          </a:prstGeom>
+        </p:spPr>
+      </p:pic>
+      <p:pic>
+        <p:nvPicPr>
+          <p:cNvPr id="68" name="그림 67">
+            <a:extLst>
+              <a:ext uri="{FF2B5EF4-FFF2-40B4-BE49-F238E27FC236}">
+                <a16:creationId xmlns:a16="http://schemas.microsoft.com/office/drawing/2014/main" id="{22FB1FB1-BAA8-6425-0428-0E1B3D040D6C}"/>
+              </a:ext>
+            </a:extLst>
+          </p:cNvPr>
+          <p:cNvPicPr>
+            <a:picLocks noChangeAspect="1"/>
+          </p:cNvPicPr>
+          <p:nvPr/>
+        </p:nvPicPr>
+        <p:blipFill>
+          <a:blip r:embed="rId8"/>
+          <a:srcRect t="18786" b="30828"/>
+          <a:stretch/>
+        </p:blipFill>
+        <p:spPr>
+          <a:xfrm>
+            <a:off x="8832868" y="1490917"/>
+            <a:ext cx="2973052" cy="701019"/>
+          </a:xfrm>
+          <a:prstGeom prst="rect">
+            <a:avLst/>
+          </a:prstGeom>
+        </p:spPr>
+      </p:pic>
+      <p:pic>
+        <p:nvPicPr>
+          <p:cNvPr id="70" name="그림 69">
+            <a:extLst>
+              <a:ext uri="{FF2B5EF4-FFF2-40B4-BE49-F238E27FC236}">
+                <a16:creationId xmlns:a16="http://schemas.microsoft.com/office/drawing/2014/main" id="{D33172B6-59C4-8B24-4BBB-3E223277736B}"/>
+              </a:ext>
+            </a:extLst>
+          </p:cNvPr>
+          <p:cNvPicPr>
+            <a:picLocks noChangeAspect="1"/>
+          </p:cNvPicPr>
+          <p:nvPr/>
+        </p:nvPicPr>
+        <p:blipFill>
+          <a:blip r:embed="rId9"/>
+          <a:stretch>
+            <a:fillRect/>
+          </a:stretch>
+        </p:blipFill>
+        <p:spPr>
+          <a:xfrm>
+            <a:off x="8867775" y="2280603"/>
+            <a:ext cx="2850384" cy="345790"/>
+          </a:xfrm>
+          <a:prstGeom prst="rect">
+            <a:avLst/>
+          </a:prstGeom>
+        </p:spPr>
+      </p:pic>
+      <p:sp>
+        <p:nvSpPr>
+          <p:cNvPr id="71" name="직사각형 70">
+            <a:extLst>
+              <a:ext uri="{FF2B5EF4-FFF2-40B4-BE49-F238E27FC236}">
+                <a16:creationId xmlns:a16="http://schemas.microsoft.com/office/drawing/2014/main" id="{259B3770-5255-DD5F-5E73-F7BF8FFFC110}"/>
+              </a:ext>
+            </a:extLst>
+          </p:cNvPr>
+          <p:cNvSpPr/>
+          <p:nvPr/>
+        </p:nvSpPr>
+        <p:spPr>
+          <a:xfrm>
+            <a:off x="2956283" y="696359"/>
+            <a:ext cx="1912637" cy="253916"/>
+          </a:xfrm>
+          <a:prstGeom prst="rect">
+            <a:avLst/>
+          </a:prstGeom>
+          <a:solidFill>
+            <a:schemeClr val="bg1"/>
+          </a:solidFill>
+          <a:ln>
+            <a:solidFill>
+              <a:schemeClr val="accent1"/>
+            </a:solidFill>
+          </a:ln>
+        </p:spPr>
+        <p:txBody>
+          <a:bodyPr wrap="square" rtlCol="0">
+            <a:spAutoFit/>
+          </a:bodyPr>
+          <a:lstStyle/>
+          <a:p>
+            <a:r>
+              <a:rPr lang="en-US" altLang="ko-KR" sz="1050" dirty="0"/>
+              <a:t>Building:</a:t>
+            </a:r>
+            <a:r>
+              <a:rPr lang="ko-KR" altLang="en-US" sz="1050" dirty="0"/>
+              <a:t> </a:t>
+            </a:r>
+            <a:r>
+              <a:rPr lang="en-US" altLang="ko-KR" sz="1050" dirty="0"/>
+              <a:t>CCB</a:t>
+            </a:r>
+            <a:endParaRPr lang="ko-KR" altLang="en-US" sz="1050" dirty="0">
+              <a:solidFill>
+                <a:schemeClr val="tx1"/>
+              </a:solidFill>
+            </a:endParaRPr>
+          </a:p>
+        </p:txBody>
+      </p:sp>
+      <p:pic>
+        <p:nvPicPr>
+          <p:cNvPr id="72" name="그림 71">
+            <a:extLst>
+              <a:ext uri="{FF2B5EF4-FFF2-40B4-BE49-F238E27FC236}">
+                <a16:creationId xmlns:a16="http://schemas.microsoft.com/office/drawing/2014/main" id="{D49A92DE-70D6-AB0B-A7E7-5A0CE5E1E495}"/>
+              </a:ext>
+            </a:extLst>
+          </p:cNvPr>
+          <p:cNvPicPr>
+            <a:picLocks noChangeAspect="1"/>
+          </p:cNvPicPr>
+          <p:nvPr/>
+        </p:nvPicPr>
+        <p:blipFill rotWithShape="1">
+          <a:blip r:embed="rId3"/>
+          <a:srcRect l="90638" t="3820" r="928" b="55438"/>
+          <a:stretch/>
+        </p:blipFill>
+        <p:spPr>
+          <a:xfrm>
+            <a:off x="4638064" y="721284"/>
+            <a:ext cx="230856" cy="228991"/>
+          </a:xfrm>
+          <a:prstGeom prst="rect">
+            <a:avLst/>
+          </a:prstGeom>
+        </p:spPr>
+      </p:pic>
+      <p:pic>
+        <p:nvPicPr>
+          <p:cNvPr id="73" name="그림 72">
+            <a:extLst>
+              <a:ext uri="{FF2B5EF4-FFF2-40B4-BE49-F238E27FC236}">
+                <a16:creationId xmlns:a16="http://schemas.microsoft.com/office/drawing/2014/main" id="{F9A561AD-F953-1385-A5CC-231F63F996D7}"/>
+              </a:ext>
+            </a:extLst>
+          </p:cNvPr>
+          <p:cNvPicPr>
+            <a:picLocks noChangeAspect="1"/>
+          </p:cNvPicPr>
+          <p:nvPr/>
+        </p:nvPicPr>
+        <p:blipFill>
+          <a:blip r:embed="rId10"/>
+          <a:stretch>
+            <a:fillRect/>
+          </a:stretch>
+        </p:blipFill>
+        <p:spPr>
+          <a:xfrm>
+            <a:off x="197368" y="689252"/>
+            <a:ext cx="2561547" cy="310306"/>
+          </a:xfrm>
+          <a:prstGeom prst="rect">
+            <a:avLst/>
+          </a:prstGeom>
+        </p:spPr>
+      </p:pic>
+    </p:spTree>
+    <p:extLst>
+      <p:ext uri="{BB962C8B-B14F-4D97-AF65-F5344CB8AC3E}">
+        <p14:creationId xmlns:p14="http://schemas.microsoft.com/office/powerpoint/2010/main" val="2873408921"/>
+      </p:ext>
+    </p:extLst>
+  </p:cSld>
+  <p:clrMapOvr>
+    <a:masterClrMapping/>
+  </p:clrMapOvr>
+</p:sld>
+</file>
+
+<file path=ppt/slides/slide9.xml><?xml version="1.0" encoding="utf-8"?>
 <p:sld xmlns:a="http://schemas.openxmlformats.org/drawingml/2006/main" xmlns:r="http://schemas.openxmlformats.org/officeDocument/2006/relationships" xmlns:p="http://schemas.openxmlformats.org/presentationml/2006/main">
   <p:cSld>
     <p:spTree>

--- a/H_FamilyList_FP/화면정의서.pptx
+++ b/H_FamilyList_FP/화면정의서.pptx
@@ -267,7 +267,7 @@
           <a:p>
             <a:fld id="{9DC0FBBE-1B54-474B-A1EF-57FEDE0B6A08}" type="datetimeFigureOut">
               <a:rPr lang="ko-KR" altLang="en-US" smtClean="0"/>
-              <a:t>2024-09-25</a:t>
+              <a:t>2024-09-26</a:t>
             </a:fld>
             <a:endParaRPr lang="ko-KR" altLang="en-US"/>
           </a:p>
@@ -465,7 +465,7 @@
           <a:p>
             <a:fld id="{9DC0FBBE-1B54-474B-A1EF-57FEDE0B6A08}" type="datetimeFigureOut">
               <a:rPr lang="ko-KR" altLang="en-US" smtClean="0"/>
-              <a:t>2024-09-25</a:t>
+              <a:t>2024-09-26</a:t>
             </a:fld>
             <a:endParaRPr lang="ko-KR" altLang="en-US"/>
           </a:p>
@@ -673,7 +673,7 @@
           <a:p>
             <a:fld id="{9DC0FBBE-1B54-474B-A1EF-57FEDE0B6A08}" type="datetimeFigureOut">
               <a:rPr lang="ko-KR" altLang="en-US" smtClean="0"/>
-              <a:t>2024-09-25</a:t>
+              <a:t>2024-09-26</a:t>
             </a:fld>
             <a:endParaRPr lang="ko-KR" altLang="en-US"/>
           </a:p>
@@ -871,7 +871,7 @@
           <a:p>
             <a:fld id="{9DC0FBBE-1B54-474B-A1EF-57FEDE0B6A08}" type="datetimeFigureOut">
               <a:rPr lang="ko-KR" altLang="en-US" smtClean="0"/>
-              <a:t>2024-09-25</a:t>
+              <a:t>2024-09-26</a:t>
             </a:fld>
             <a:endParaRPr lang="ko-KR" altLang="en-US"/>
           </a:p>
@@ -1146,7 +1146,7 @@
           <a:p>
             <a:fld id="{9DC0FBBE-1B54-474B-A1EF-57FEDE0B6A08}" type="datetimeFigureOut">
               <a:rPr lang="ko-KR" altLang="en-US" smtClean="0"/>
-              <a:t>2024-09-25</a:t>
+              <a:t>2024-09-26</a:t>
             </a:fld>
             <a:endParaRPr lang="ko-KR" altLang="en-US"/>
           </a:p>
@@ -1411,7 +1411,7 @@
           <a:p>
             <a:fld id="{9DC0FBBE-1B54-474B-A1EF-57FEDE0B6A08}" type="datetimeFigureOut">
               <a:rPr lang="ko-KR" altLang="en-US" smtClean="0"/>
-              <a:t>2024-09-25</a:t>
+              <a:t>2024-09-26</a:t>
             </a:fld>
             <a:endParaRPr lang="ko-KR" altLang="en-US"/>
           </a:p>
@@ -1823,7 +1823,7 @@
           <a:p>
             <a:fld id="{9DC0FBBE-1B54-474B-A1EF-57FEDE0B6A08}" type="datetimeFigureOut">
               <a:rPr lang="ko-KR" altLang="en-US" smtClean="0"/>
-              <a:t>2024-09-25</a:t>
+              <a:t>2024-09-26</a:t>
             </a:fld>
             <a:endParaRPr lang="ko-KR" altLang="en-US"/>
           </a:p>
@@ -1964,7 +1964,7 @@
           <a:p>
             <a:fld id="{9DC0FBBE-1B54-474B-A1EF-57FEDE0B6A08}" type="datetimeFigureOut">
               <a:rPr lang="ko-KR" altLang="en-US" smtClean="0"/>
-              <a:t>2024-09-25</a:t>
+              <a:t>2024-09-26</a:t>
             </a:fld>
             <a:endParaRPr lang="ko-KR" altLang="en-US"/>
           </a:p>
@@ -2077,7 +2077,7 @@
           <a:p>
             <a:fld id="{9DC0FBBE-1B54-474B-A1EF-57FEDE0B6A08}" type="datetimeFigureOut">
               <a:rPr lang="ko-KR" altLang="en-US" smtClean="0"/>
-              <a:t>2024-09-25</a:t>
+              <a:t>2024-09-26</a:t>
             </a:fld>
             <a:endParaRPr lang="ko-KR" altLang="en-US"/>
           </a:p>
@@ -2388,7 +2388,7 @@
           <a:p>
             <a:fld id="{9DC0FBBE-1B54-474B-A1EF-57FEDE0B6A08}" type="datetimeFigureOut">
               <a:rPr lang="ko-KR" altLang="en-US" smtClean="0"/>
-              <a:t>2024-09-25</a:t>
+              <a:t>2024-09-26</a:t>
             </a:fld>
             <a:endParaRPr lang="ko-KR" altLang="en-US"/>
           </a:p>
@@ -2676,7 +2676,7 @@
           <a:p>
             <a:fld id="{9DC0FBBE-1B54-474B-A1EF-57FEDE0B6A08}" type="datetimeFigureOut">
               <a:rPr lang="ko-KR" altLang="en-US" smtClean="0"/>
-              <a:t>2024-09-25</a:t>
+              <a:t>2024-09-26</a:t>
             </a:fld>
             <a:endParaRPr lang="ko-KR" altLang="en-US"/>
           </a:p>
@@ -2917,7 +2917,7 @@
           <a:p>
             <a:fld id="{9DC0FBBE-1B54-474B-A1EF-57FEDE0B6A08}" type="datetimeFigureOut">
               <a:rPr lang="ko-KR" altLang="en-US" smtClean="0"/>
-              <a:t>2024-09-25</a:t>
+              <a:t>2024-09-26</a:t>
             </a:fld>
             <a:endParaRPr lang="ko-KR" altLang="en-US"/>
           </a:p>
@@ -24929,6 +24929,523 @@
           </a:prstGeom>
         </p:spPr>
       </p:pic>
+      <p:sp>
+        <p:nvSpPr>
+          <p:cNvPr id="44" name="직사각형 43">
+            <a:extLst>
+              <a:ext uri="{FF2B5EF4-FFF2-40B4-BE49-F238E27FC236}">
+                <a16:creationId xmlns:a16="http://schemas.microsoft.com/office/drawing/2014/main" id="{AE8CEA24-7A41-07DC-529D-C784C9FC422C}"/>
+              </a:ext>
+            </a:extLst>
+          </p:cNvPr>
+          <p:cNvSpPr/>
+          <p:nvPr/>
+        </p:nvSpPr>
+        <p:spPr>
+          <a:xfrm>
+            <a:off x="0" y="624600"/>
+            <a:ext cx="11994632" cy="330169"/>
+          </a:xfrm>
+          <a:prstGeom prst="rect">
+            <a:avLst/>
+          </a:prstGeom>
+          <a:noFill/>
+          <a:ln>
+            <a:solidFill>
+              <a:srgbClr val="FF0000"/>
+            </a:solidFill>
+            <a:prstDash val="dash"/>
+          </a:ln>
+        </p:spPr>
+        <p:style>
+          <a:lnRef idx="2">
+            <a:schemeClr val="accent1">
+              <a:shade val="15000"/>
+            </a:schemeClr>
+          </a:lnRef>
+          <a:fillRef idx="1">
+            <a:schemeClr val="accent1"/>
+          </a:fillRef>
+          <a:effectRef idx="0">
+            <a:schemeClr val="accent1"/>
+          </a:effectRef>
+          <a:fontRef idx="minor">
+            <a:schemeClr val="lt1"/>
+          </a:fontRef>
+        </p:style>
+        <p:txBody>
+          <a:bodyPr rtlCol="0" anchor="ctr"/>
+          <a:lstStyle/>
+          <a:p>
+            <a:pPr algn="ctr"/>
+            <a:endParaRPr lang="ko-KR" altLang="en-US"/>
+          </a:p>
+        </p:txBody>
+      </p:sp>
+      <p:sp>
+        <p:nvSpPr>
+          <p:cNvPr id="50" name="직사각형 49">
+            <a:extLst>
+              <a:ext uri="{FF2B5EF4-FFF2-40B4-BE49-F238E27FC236}">
+                <a16:creationId xmlns:a16="http://schemas.microsoft.com/office/drawing/2014/main" id="{E3C39FDF-E5EC-EA81-4251-EC25D9CD69D2}"/>
+              </a:ext>
+            </a:extLst>
+          </p:cNvPr>
+          <p:cNvSpPr/>
+          <p:nvPr/>
+        </p:nvSpPr>
+        <p:spPr>
+          <a:xfrm>
+            <a:off x="0" y="982551"/>
+            <a:ext cx="11994632" cy="4934591"/>
+          </a:xfrm>
+          <a:prstGeom prst="rect">
+            <a:avLst/>
+          </a:prstGeom>
+          <a:noFill/>
+          <a:ln>
+            <a:solidFill>
+              <a:srgbClr val="FF0000"/>
+            </a:solidFill>
+            <a:prstDash val="dash"/>
+          </a:ln>
+        </p:spPr>
+        <p:style>
+          <a:lnRef idx="2">
+            <a:schemeClr val="accent1">
+              <a:shade val="15000"/>
+            </a:schemeClr>
+          </a:lnRef>
+          <a:fillRef idx="1">
+            <a:schemeClr val="accent1"/>
+          </a:fillRef>
+          <a:effectRef idx="0">
+            <a:schemeClr val="accent1"/>
+          </a:effectRef>
+          <a:fontRef idx="minor">
+            <a:schemeClr val="lt1"/>
+          </a:fontRef>
+        </p:style>
+        <p:txBody>
+          <a:bodyPr rtlCol="0" anchor="ctr"/>
+          <a:lstStyle/>
+          <a:p>
+            <a:pPr algn="ctr"/>
+            <a:endParaRPr lang="ko-KR" altLang="en-US"/>
+          </a:p>
+        </p:txBody>
+      </p:sp>
+      <p:sp>
+        <p:nvSpPr>
+          <p:cNvPr id="51" name="직사각형 50">
+            <a:extLst>
+              <a:ext uri="{FF2B5EF4-FFF2-40B4-BE49-F238E27FC236}">
+                <a16:creationId xmlns:a16="http://schemas.microsoft.com/office/drawing/2014/main" id="{65A21FF4-CD5C-13C1-04DF-EDF257016F1D}"/>
+              </a:ext>
+            </a:extLst>
+          </p:cNvPr>
+          <p:cNvSpPr/>
+          <p:nvPr/>
+        </p:nvSpPr>
+        <p:spPr>
+          <a:xfrm>
+            <a:off x="105185" y="1053743"/>
+            <a:ext cx="2343415" cy="4721111"/>
+          </a:xfrm>
+          <a:prstGeom prst="rect">
+            <a:avLst/>
+          </a:prstGeom>
+          <a:noFill/>
+          <a:ln>
+            <a:solidFill>
+              <a:srgbClr val="00B0F0"/>
+            </a:solidFill>
+            <a:prstDash val="dash"/>
+          </a:ln>
+        </p:spPr>
+        <p:style>
+          <a:lnRef idx="2">
+            <a:schemeClr val="accent1">
+              <a:shade val="15000"/>
+            </a:schemeClr>
+          </a:lnRef>
+          <a:fillRef idx="1">
+            <a:schemeClr val="accent1"/>
+          </a:fillRef>
+          <a:effectRef idx="0">
+            <a:schemeClr val="accent1"/>
+          </a:effectRef>
+          <a:fontRef idx="minor">
+            <a:schemeClr val="lt1"/>
+          </a:fontRef>
+        </p:style>
+        <p:txBody>
+          <a:bodyPr rtlCol="0" anchor="ctr"/>
+          <a:lstStyle/>
+          <a:p>
+            <a:pPr algn="ctr"/>
+            <a:endParaRPr lang="ko-KR" altLang="en-US"/>
+          </a:p>
+        </p:txBody>
+      </p:sp>
+      <p:sp>
+        <p:nvSpPr>
+          <p:cNvPr id="52" name="직사각형 51">
+            <a:extLst>
+              <a:ext uri="{FF2B5EF4-FFF2-40B4-BE49-F238E27FC236}">
+                <a16:creationId xmlns:a16="http://schemas.microsoft.com/office/drawing/2014/main" id="{1F35AB9A-9607-FA73-2832-1D41DAC52E1A}"/>
+              </a:ext>
+            </a:extLst>
+          </p:cNvPr>
+          <p:cNvSpPr/>
+          <p:nvPr/>
+        </p:nvSpPr>
+        <p:spPr>
+          <a:xfrm>
+            <a:off x="2594388" y="1074762"/>
+            <a:ext cx="6120357" cy="4700092"/>
+          </a:xfrm>
+          <a:prstGeom prst="rect">
+            <a:avLst/>
+          </a:prstGeom>
+          <a:noFill/>
+          <a:ln>
+            <a:solidFill>
+              <a:srgbClr val="00B0F0"/>
+            </a:solidFill>
+            <a:prstDash val="dash"/>
+          </a:ln>
+        </p:spPr>
+        <p:style>
+          <a:lnRef idx="2">
+            <a:schemeClr val="accent1">
+              <a:shade val="15000"/>
+            </a:schemeClr>
+          </a:lnRef>
+          <a:fillRef idx="1">
+            <a:schemeClr val="accent1"/>
+          </a:fillRef>
+          <a:effectRef idx="0">
+            <a:schemeClr val="accent1"/>
+          </a:effectRef>
+          <a:fontRef idx="minor">
+            <a:schemeClr val="lt1"/>
+          </a:fontRef>
+        </p:style>
+        <p:txBody>
+          <a:bodyPr rtlCol="0" anchor="ctr"/>
+          <a:lstStyle/>
+          <a:p>
+            <a:pPr algn="ctr"/>
+            <a:endParaRPr lang="ko-KR" altLang="en-US"/>
+          </a:p>
+        </p:txBody>
+      </p:sp>
+      <p:sp>
+        <p:nvSpPr>
+          <p:cNvPr id="53" name="직사각형 52">
+            <a:extLst>
+              <a:ext uri="{FF2B5EF4-FFF2-40B4-BE49-F238E27FC236}">
+                <a16:creationId xmlns:a16="http://schemas.microsoft.com/office/drawing/2014/main" id="{DD98EE53-002B-A27D-E4EA-F9E0260A25A2}"/>
+              </a:ext>
+            </a:extLst>
+          </p:cNvPr>
+          <p:cNvSpPr/>
+          <p:nvPr/>
+        </p:nvSpPr>
+        <p:spPr>
+          <a:xfrm>
+            <a:off x="8784242" y="1074762"/>
+            <a:ext cx="3118859" cy="4700092"/>
+          </a:xfrm>
+          <a:prstGeom prst="rect">
+            <a:avLst/>
+          </a:prstGeom>
+          <a:noFill/>
+          <a:ln>
+            <a:solidFill>
+              <a:srgbClr val="00B0F0"/>
+            </a:solidFill>
+            <a:prstDash val="dash"/>
+          </a:ln>
+        </p:spPr>
+        <p:style>
+          <a:lnRef idx="2">
+            <a:schemeClr val="accent1">
+              <a:shade val="15000"/>
+            </a:schemeClr>
+          </a:lnRef>
+          <a:fillRef idx="1">
+            <a:schemeClr val="accent1"/>
+          </a:fillRef>
+          <a:effectRef idx="0">
+            <a:schemeClr val="accent1"/>
+          </a:effectRef>
+          <a:fontRef idx="minor">
+            <a:schemeClr val="lt1"/>
+          </a:fontRef>
+        </p:style>
+        <p:txBody>
+          <a:bodyPr rtlCol="0" anchor="ctr"/>
+          <a:lstStyle/>
+          <a:p>
+            <a:pPr algn="ctr"/>
+            <a:endParaRPr lang="ko-KR" altLang="en-US"/>
+          </a:p>
+        </p:txBody>
+      </p:sp>
+      <p:sp>
+        <p:nvSpPr>
+          <p:cNvPr id="54" name="TextBox 53">
+            <a:extLst>
+              <a:ext uri="{FF2B5EF4-FFF2-40B4-BE49-F238E27FC236}">
+                <a16:creationId xmlns:a16="http://schemas.microsoft.com/office/drawing/2014/main" id="{8CDC9AB3-72BB-1412-6DD9-EE7A3945B94F}"/>
+              </a:ext>
+            </a:extLst>
+          </p:cNvPr>
+          <p:cNvSpPr txBox="1"/>
+          <p:nvPr/>
+        </p:nvSpPr>
+        <p:spPr>
+          <a:xfrm>
+            <a:off x="8845965" y="311069"/>
+            <a:ext cx="1197700" cy="369332"/>
+          </a:xfrm>
+          <a:prstGeom prst="rect">
+            <a:avLst/>
+          </a:prstGeom>
+          <a:noFill/>
+        </p:spPr>
+        <p:txBody>
+          <a:bodyPr wrap="none" rtlCol="0">
+            <a:spAutoFit/>
+          </a:bodyPr>
+          <a:lstStyle/>
+          <a:p>
+            <a:r>
+              <a:rPr lang="en-US" altLang="ko-KR" dirty="0">
+                <a:solidFill>
+                  <a:srgbClr val="FF0000"/>
+                </a:solidFill>
+              </a:rPr>
+              <a:t>Big</a:t>
+            </a:r>
+            <a:r>
+              <a:rPr lang="ko-KR" altLang="en-US" dirty="0">
+                <a:solidFill>
+                  <a:srgbClr val="FF0000"/>
+                </a:solidFill>
+              </a:rPr>
+              <a:t> </a:t>
+            </a:r>
+            <a:r>
+              <a:rPr lang="en-US" altLang="ko-KR" dirty="0">
+                <a:solidFill>
+                  <a:srgbClr val="FF0000"/>
+                </a:solidFill>
+              </a:rPr>
+              <a:t>Area1</a:t>
+            </a:r>
+            <a:endParaRPr lang="ko-KR" altLang="en-US" dirty="0">
+              <a:solidFill>
+                <a:srgbClr val="FF0000"/>
+              </a:solidFill>
+            </a:endParaRPr>
+          </a:p>
+        </p:txBody>
+      </p:sp>
+      <p:sp>
+        <p:nvSpPr>
+          <p:cNvPr id="55" name="TextBox 54">
+            <a:extLst>
+              <a:ext uri="{FF2B5EF4-FFF2-40B4-BE49-F238E27FC236}">
+                <a16:creationId xmlns:a16="http://schemas.microsoft.com/office/drawing/2014/main" id="{E4ACD007-A3B9-C70C-2C4B-7AABE289F9A8}"/>
+              </a:ext>
+            </a:extLst>
+          </p:cNvPr>
+          <p:cNvSpPr txBox="1"/>
+          <p:nvPr/>
+        </p:nvSpPr>
+        <p:spPr>
+          <a:xfrm>
+            <a:off x="780608" y="5782844"/>
+            <a:ext cx="1197700" cy="369332"/>
+          </a:xfrm>
+          <a:prstGeom prst="rect">
+            <a:avLst/>
+          </a:prstGeom>
+          <a:noFill/>
+        </p:spPr>
+        <p:txBody>
+          <a:bodyPr wrap="none" rtlCol="0">
+            <a:spAutoFit/>
+          </a:bodyPr>
+          <a:lstStyle/>
+          <a:p>
+            <a:r>
+              <a:rPr lang="en-US" altLang="ko-KR" dirty="0">
+                <a:solidFill>
+                  <a:srgbClr val="FF0000"/>
+                </a:solidFill>
+              </a:rPr>
+              <a:t>Big</a:t>
+            </a:r>
+            <a:r>
+              <a:rPr lang="ko-KR" altLang="en-US" dirty="0">
+                <a:solidFill>
+                  <a:srgbClr val="FF0000"/>
+                </a:solidFill>
+              </a:rPr>
+              <a:t> </a:t>
+            </a:r>
+            <a:r>
+              <a:rPr lang="en-US" altLang="ko-KR" dirty="0">
+                <a:solidFill>
+                  <a:srgbClr val="FF0000"/>
+                </a:solidFill>
+              </a:rPr>
+              <a:t>Area2</a:t>
+            </a:r>
+            <a:endParaRPr lang="ko-KR" altLang="en-US" dirty="0">
+              <a:solidFill>
+                <a:srgbClr val="FF0000"/>
+              </a:solidFill>
+            </a:endParaRPr>
+          </a:p>
+        </p:txBody>
+      </p:sp>
+      <p:sp>
+        <p:nvSpPr>
+          <p:cNvPr id="56" name="TextBox 55">
+            <a:extLst>
+              <a:ext uri="{FF2B5EF4-FFF2-40B4-BE49-F238E27FC236}">
+                <a16:creationId xmlns:a16="http://schemas.microsoft.com/office/drawing/2014/main" id="{0713B9E5-6670-6F66-A7B9-0E1305782175}"/>
+              </a:ext>
+            </a:extLst>
+          </p:cNvPr>
+          <p:cNvSpPr txBox="1"/>
+          <p:nvPr/>
+        </p:nvSpPr>
+        <p:spPr>
+          <a:xfrm>
+            <a:off x="801016" y="5275816"/>
+            <a:ext cx="1050288" cy="369332"/>
+          </a:xfrm>
+          <a:prstGeom prst="rect">
+            <a:avLst/>
+          </a:prstGeom>
+          <a:noFill/>
+        </p:spPr>
+        <p:txBody>
+          <a:bodyPr wrap="none" rtlCol="0">
+            <a:spAutoFit/>
+          </a:bodyPr>
+          <a:lstStyle/>
+          <a:p>
+            <a:r>
+              <a:rPr lang="en-US" altLang="ko-KR" dirty="0">
+                <a:solidFill>
+                  <a:srgbClr val="0000FF"/>
+                </a:solidFill>
+              </a:rPr>
+              <a:t>section1</a:t>
+            </a:r>
+            <a:endParaRPr lang="ko-KR" altLang="en-US" dirty="0">
+              <a:solidFill>
+                <a:srgbClr val="0000FF"/>
+              </a:solidFill>
+            </a:endParaRPr>
+          </a:p>
+        </p:txBody>
+      </p:sp>
+      <p:sp>
+        <p:nvSpPr>
+          <p:cNvPr id="57" name="TextBox 56">
+            <a:extLst>
+              <a:ext uri="{FF2B5EF4-FFF2-40B4-BE49-F238E27FC236}">
+                <a16:creationId xmlns:a16="http://schemas.microsoft.com/office/drawing/2014/main" id="{28CAA5DB-ACA1-17D3-3FC9-53F4B509FF75}"/>
+              </a:ext>
+            </a:extLst>
+          </p:cNvPr>
+          <p:cNvSpPr txBox="1"/>
+          <p:nvPr/>
+        </p:nvSpPr>
+        <p:spPr>
+          <a:xfrm>
+            <a:off x="2921938" y="5275816"/>
+            <a:ext cx="1050288" cy="369332"/>
+          </a:xfrm>
+          <a:prstGeom prst="rect">
+            <a:avLst/>
+          </a:prstGeom>
+          <a:noFill/>
+        </p:spPr>
+        <p:txBody>
+          <a:bodyPr wrap="none" rtlCol="0">
+            <a:spAutoFit/>
+          </a:bodyPr>
+          <a:lstStyle/>
+          <a:p>
+            <a:r>
+              <a:rPr lang="en-US" altLang="ko-KR" dirty="0">
+                <a:solidFill>
+                  <a:srgbClr val="0000FF"/>
+                </a:solidFill>
+              </a:rPr>
+              <a:t>section2</a:t>
+            </a:r>
+            <a:endParaRPr lang="ko-KR" altLang="en-US" dirty="0">
+              <a:solidFill>
+                <a:srgbClr val="0000FF"/>
+              </a:solidFill>
+            </a:endParaRPr>
+          </a:p>
+        </p:txBody>
+      </p:sp>
+      <p:sp>
+        <p:nvSpPr>
+          <p:cNvPr id="58" name="TextBox 57">
+            <a:extLst>
+              <a:ext uri="{FF2B5EF4-FFF2-40B4-BE49-F238E27FC236}">
+                <a16:creationId xmlns:a16="http://schemas.microsoft.com/office/drawing/2014/main" id="{D3BAACEB-3FF8-1B81-4644-29FAFF19C091}"/>
+              </a:ext>
+            </a:extLst>
+          </p:cNvPr>
+          <p:cNvSpPr txBox="1"/>
+          <p:nvPr/>
+        </p:nvSpPr>
+        <p:spPr>
+          <a:xfrm>
+            <a:off x="10910871" y="5275816"/>
+            <a:ext cx="1050288" cy="369332"/>
+          </a:xfrm>
+          <a:prstGeom prst="rect">
+            <a:avLst/>
+          </a:prstGeom>
+          <a:noFill/>
+        </p:spPr>
+        <p:txBody>
+          <a:bodyPr wrap="none" rtlCol="0">
+            <a:spAutoFit/>
+          </a:bodyPr>
+          <a:lstStyle/>
+          <a:p>
+            <a:r>
+              <a:rPr lang="en-US" altLang="ko-KR" dirty="0">
+                <a:solidFill>
+                  <a:srgbClr val="0000FF"/>
+                </a:solidFill>
+              </a:rPr>
+              <a:t>section3</a:t>
+            </a:r>
+            <a:endParaRPr lang="ko-KR" altLang="en-US" dirty="0">
+              <a:solidFill>
+                <a:srgbClr val="0000FF"/>
+              </a:solidFill>
+            </a:endParaRPr>
+          </a:p>
+        </p:txBody>
+      </p:sp>
     </p:spTree>
     <p:extLst>
       <p:ext uri="{BB962C8B-B14F-4D97-AF65-F5344CB8AC3E}">
@@ -30995,15 +31512,15 @@
           </p:cNvPicPr>
           <p:nvPr/>
         </p:nvPicPr>
-        <p:blipFill>
+        <p:blipFill rotWithShape="1">
           <a:blip r:embed="rId8"/>
-          <a:srcRect t="18786" b="30828"/>
+          <a:srcRect l="1" t="18786" r="38113" b="30828"/>
           <a:stretch/>
         </p:blipFill>
         <p:spPr>
           <a:xfrm>
-            <a:off x="8832868" y="1490917"/>
-            <a:ext cx="2973052" cy="701019"/>
+            <a:off x="8976020" y="1490917"/>
+            <a:ext cx="2548307" cy="701019"/>
           </a:xfrm>
           <a:prstGeom prst="rect">
             <a:avLst/>
@@ -31024,16 +31541,15 @@
           </p:cNvPicPr>
           <p:nvPr/>
         </p:nvPicPr>
-        <p:blipFill>
+        <p:blipFill rotWithShape="1">
           <a:blip r:embed="rId9"/>
-          <a:stretch>
-            <a:fillRect/>
-          </a:stretch>
+          <a:srcRect r="36676" b="-1226"/>
+          <a:stretch/>
         </p:blipFill>
         <p:spPr>
           <a:xfrm>
-            <a:off x="8867775" y="2280603"/>
-            <a:ext cx="2850384" cy="345790"/>
+            <a:off x="9029977" y="2280603"/>
+            <a:ext cx="2499960" cy="350030"/>
           </a:xfrm>
           <a:prstGeom prst="rect">
             <a:avLst/>
@@ -31154,6 +31670,53 @@
           </a:prstGeom>
         </p:spPr>
       </p:pic>
+      <p:sp>
+        <p:nvSpPr>
+          <p:cNvPr id="4" name="직사각형 3">
+            <a:extLst>
+              <a:ext uri="{FF2B5EF4-FFF2-40B4-BE49-F238E27FC236}">
+                <a16:creationId xmlns:a16="http://schemas.microsoft.com/office/drawing/2014/main" id="{7E7724F7-5E00-20DE-9202-138A00B83C5F}"/>
+              </a:ext>
+            </a:extLst>
+          </p:cNvPr>
+          <p:cNvSpPr/>
+          <p:nvPr/>
+        </p:nvSpPr>
+        <p:spPr>
+          <a:xfrm>
+            <a:off x="7122195" y="909808"/>
+            <a:ext cx="1297926" cy="253916"/>
+          </a:xfrm>
+          <a:prstGeom prst="rect">
+            <a:avLst/>
+          </a:prstGeom>
+          <a:solidFill>
+            <a:schemeClr val="bg1"/>
+          </a:solidFill>
+          <a:ln>
+            <a:solidFill>
+              <a:schemeClr val="accent1"/>
+            </a:solidFill>
+          </a:ln>
+        </p:spPr>
+        <p:txBody>
+          <a:bodyPr wrap="square" rtlCol="0">
+            <a:spAutoFit/>
+          </a:bodyPr>
+          <a:lstStyle/>
+          <a:p>
+            <a:r>
+              <a:rPr lang="en-US" altLang="ko-KR" sz="1050" dirty="0"/>
+              <a:t>Update common</a:t>
+            </a:r>
+            <a:endParaRPr lang="ko-KR" altLang="en-US" sz="1050" dirty="0">
+              <a:solidFill>
+                <a:schemeClr val="tx1"/>
+              </a:solidFill>
+            </a:endParaRPr>
+          </a:p>
+        </p:txBody>
+      </p:sp>
     </p:spTree>
     <p:extLst>
       <p:ext uri="{BB962C8B-B14F-4D97-AF65-F5344CB8AC3E}">

--- a/H_FamilyList_FP/화면정의서.pptx
+++ b/H_FamilyList_FP/화면정의서.pptx
@@ -13,7 +13,9 @@
     <p:sldId id="263" r:id="rId7"/>
     <p:sldId id="262" r:id="rId8"/>
     <p:sldId id="264" r:id="rId9"/>
-    <p:sldId id="259" r:id="rId10"/>
+    <p:sldId id="265" r:id="rId10"/>
+    <p:sldId id="266" r:id="rId11"/>
+    <p:sldId id="259" r:id="rId12"/>
   </p:sldIdLst>
   <p:sldSz cx="12192000" cy="6858000"/>
   <p:notesSz cx="6858000" cy="9144000"/>
@@ -267,7 +269,7 @@
           <a:p>
             <a:fld id="{9DC0FBBE-1B54-474B-A1EF-57FEDE0B6A08}" type="datetimeFigureOut">
               <a:rPr lang="ko-KR" altLang="en-US" smtClean="0"/>
-              <a:t>2024-09-26</a:t>
+              <a:t>2024-09-29</a:t>
             </a:fld>
             <a:endParaRPr lang="ko-KR" altLang="en-US"/>
           </a:p>
@@ -465,7 +467,7 @@
           <a:p>
             <a:fld id="{9DC0FBBE-1B54-474B-A1EF-57FEDE0B6A08}" type="datetimeFigureOut">
               <a:rPr lang="ko-KR" altLang="en-US" smtClean="0"/>
-              <a:t>2024-09-26</a:t>
+              <a:t>2024-09-29</a:t>
             </a:fld>
             <a:endParaRPr lang="ko-KR" altLang="en-US"/>
           </a:p>
@@ -673,7 +675,7 @@
           <a:p>
             <a:fld id="{9DC0FBBE-1B54-474B-A1EF-57FEDE0B6A08}" type="datetimeFigureOut">
               <a:rPr lang="ko-KR" altLang="en-US" smtClean="0"/>
-              <a:t>2024-09-26</a:t>
+              <a:t>2024-09-29</a:t>
             </a:fld>
             <a:endParaRPr lang="ko-KR" altLang="en-US"/>
           </a:p>
@@ -871,7 +873,7 @@
           <a:p>
             <a:fld id="{9DC0FBBE-1B54-474B-A1EF-57FEDE0B6A08}" type="datetimeFigureOut">
               <a:rPr lang="ko-KR" altLang="en-US" smtClean="0"/>
-              <a:t>2024-09-26</a:t>
+              <a:t>2024-09-29</a:t>
             </a:fld>
             <a:endParaRPr lang="ko-KR" altLang="en-US"/>
           </a:p>
@@ -1146,7 +1148,7 @@
           <a:p>
             <a:fld id="{9DC0FBBE-1B54-474B-A1EF-57FEDE0B6A08}" type="datetimeFigureOut">
               <a:rPr lang="ko-KR" altLang="en-US" smtClean="0"/>
-              <a:t>2024-09-26</a:t>
+              <a:t>2024-09-29</a:t>
             </a:fld>
             <a:endParaRPr lang="ko-KR" altLang="en-US"/>
           </a:p>
@@ -1411,7 +1413,7 @@
           <a:p>
             <a:fld id="{9DC0FBBE-1B54-474B-A1EF-57FEDE0B6A08}" type="datetimeFigureOut">
               <a:rPr lang="ko-KR" altLang="en-US" smtClean="0"/>
-              <a:t>2024-09-26</a:t>
+              <a:t>2024-09-29</a:t>
             </a:fld>
             <a:endParaRPr lang="ko-KR" altLang="en-US"/>
           </a:p>
@@ -1823,7 +1825,7 @@
           <a:p>
             <a:fld id="{9DC0FBBE-1B54-474B-A1EF-57FEDE0B6A08}" type="datetimeFigureOut">
               <a:rPr lang="ko-KR" altLang="en-US" smtClean="0"/>
-              <a:t>2024-09-26</a:t>
+              <a:t>2024-09-29</a:t>
             </a:fld>
             <a:endParaRPr lang="ko-KR" altLang="en-US"/>
           </a:p>
@@ -1964,7 +1966,7 @@
           <a:p>
             <a:fld id="{9DC0FBBE-1B54-474B-A1EF-57FEDE0B6A08}" type="datetimeFigureOut">
               <a:rPr lang="ko-KR" altLang="en-US" smtClean="0"/>
-              <a:t>2024-09-26</a:t>
+              <a:t>2024-09-29</a:t>
             </a:fld>
             <a:endParaRPr lang="ko-KR" altLang="en-US"/>
           </a:p>
@@ -2077,7 +2079,7 @@
           <a:p>
             <a:fld id="{9DC0FBBE-1B54-474B-A1EF-57FEDE0B6A08}" type="datetimeFigureOut">
               <a:rPr lang="ko-KR" altLang="en-US" smtClean="0"/>
-              <a:t>2024-09-26</a:t>
+              <a:t>2024-09-29</a:t>
             </a:fld>
             <a:endParaRPr lang="ko-KR" altLang="en-US"/>
           </a:p>
@@ -2388,7 +2390,7 @@
           <a:p>
             <a:fld id="{9DC0FBBE-1B54-474B-A1EF-57FEDE0B6A08}" type="datetimeFigureOut">
               <a:rPr lang="ko-KR" altLang="en-US" smtClean="0"/>
-              <a:t>2024-09-26</a:t>
+              <a:t>2024-09-29</a:t>
             </a:fld>
             <a:endParaRPr lang="ko-KR" altLang="en-US"/>
           </a:p>
@@ -2676,7 +2678,7 @@
           <a:p>
             <a:fld id="{9DC0FBBE-1B54-474B-A1EF-57FEDE0B6A08}" type="datetimeFigureOut">
               <a:rPr lang="ko-KR" altLang="en-US" smtClean="0"/>
-              <a:t>2024-09-26</a:t>
+              <a:t>2024-09-29</a:t>
             </a:fld>
             <a:endParaRPr lang="ko-KR" altLang="en-US"/>
           </a:p>
@@ -2917,7 +2919,7 @@
           <a:p>
             <a:fld id="{9DC0FBBE-1B54-474B-A1EF-57FEDE0B6A08}" type="datetimeFigureOut">
               <a:rPr lang="ko-KR" altLang="en-US" smtClean="0"/>
-              <a:t>2024-09-26</a:t>
+              <a:t>2024-09-29</a:t>
             </a:fld>
             <a:endParaRPr lang="ko-KR" altLang="en-US"/>
           </a:p>
@@ -4373,6 +4375,201 @@
     <p:extLst>
       <p:ext uri="{BB962C8B-B14F-4D97-AF65-F5344CB8AC3E}">
         <p14:creationId xmlns:p14="http://schemas.microsoft.com/office/powerpoint/2010/main" val="1422202678"/>
+      </p:ext>
+    </p:extLst>
+  </p:cSld>
+  <p:clrMapOvr>
+    <a:masterClrMapping/>
+  </p:clrMapOvr>
+</p:sld>
+</file>
+
+<file path=ppt/slides/slide10.xml><?xml version="1.0" encoding="utf-8"?>
+<p:sld xmlns:a="http://schemas.openxmlformats.org/drawingml/2006/main" xmlns:r="http://schemas.openxmlformats.org/officeDocument/2006/relationships" xmlns:p="http://schemas.openxmlformats.org/presentationml/2006/main">
+  <p:cSld>
+    <p:spTree>
+      <p:nvGrpSpPr>
+        <p:cNvPr id="1" name=""/>
+        <p:cNvGrpSpPr/>
+        <p:nvPr/>
+      </p:nvGrpSpPr>
+      <p:grpSpPr>
+        <a:xfrm>
+          <a:off x="0" y="0"/>
+          <a:ext cx="0" cy="0"/>
+          <a:chOff x="0" y="0"/>
+          <a:chExt cx="0" cy="0"/>
+        </a:xfrm>
+      </p:grpSpPr>
+      <p:pic>
+        <p:nvPicPr>
+          <p:cNvPr id="3" name="그림 2">
+            <a:extLst>
+              <a:ext uri="{FF2B5EF4-FFF2-40B4-BE49-F238E27FC236}">
+                <a16:creationId xmlns:a16="http://schemas.microsoft.com/office/drawing/2014/main" id="{6FB2B73D-E4C5-1AA9-2832-CA8F6810C0D4}"/>
+              </a:ext>
+            </a:extLst>
+          </p:cNvPr>
+          <p:cNvPicPr>
+            <a:picLocks noChangeAspect="1"/>
+          </p:cNvPicPr>
+          <p:nvPr/>
+        </p:nvPicPr>
+        <p:blipFill>
+          <a:blip r:embed="rId2"/>
+          <a:stretch>
+            <a:fillRect/>
+          </a:stretch>
+        </p:blipFill>
+        <p:spPr>
+          <a:xfrm>
+            <a:off x="0" y="152400"/>
+            <a:ext cx="12192000" cy="6553200"/>
+          </a:xfrm>
+          <a:prstGeom prst="rect">
+            <a:avLst/>
+          </a:prstGeom>
+        </p:spPr>
+      </p:pic>
+      <p:sp>
+        <p:nvSpPr>
+          <p:cNvPr id="15" name="TextBox 14">
+            <a:extLst>
+              <a:ext uri="{FF2B5EF4-FFF2-40B4-BE49-F238E27FC236}">
+                <a16:creationId xmlns:a16="http://schemas.microsoft.com/office/drawing/2014/main" id="{33777411-29AC-EE30-4FB2-31F0615140F6}"/>
+              </a:ext>
+            </a:extLst>
+          </p:cNvPr>
+          <p:cNvSpPr txBox="1"/>
+          <p:nvPr/>
+        </p:nvSpPr>
+        <p:spPr>
+          <a:xfrm>
+            <a:off x="240012" y="5471569"/>
+            <a:ext cx="1037463" cy="261610"/>
+          </a:xfrm>
+          <a:prstGeom prst="rect">
+            <a:avLst/>
+          </a:prstGeom>
+          <a:solidFill>
+            <a:schemeClr val="bg2"/>
+          </a:solidFill>
+        </p:spPr>
+        <p:txBody>
+          <a:bodyPr wrap="none" rtlCol="0">
+            <a:spAutoFit/>
+          </a:bodyPr>
+          <a:lstStyle/>
+          <a:p>
+            <a:r>
+              <a:rPr lang="en-US" altLang="ko-KR" sz="1100" b="1" dirty="0"/>
+              <a:t>Hide</a:t>
+            </a:r>
+            <a:r>
+              <a:rPr lang="ko-KR" altLang="en-US" sz="1100" b="1" dirty="0"/>
+              <a:t> </a:t>
+            </a:r>
+            <a:r>
+              <a:rPr lang="en-US" altLang="ko-KR" sz="1100" b="1" dirty="0"/>
+              <a:t>unused</a:t>
+            </a:r>
+            <a:endParaRPr lang="ko-KR" altLang="en-US" sz="1100" b="1" dirty="0"/>
+          </a:p>
+        </p:txBody>
+      </p:sp>
+      <p:pic>
+        <p:nvPicPr>
+          <p:cNvPr id="8" name="그림 7">
+            <a:extLst>
+              <a:ext uri="{FF2B5EF4-FFF2-40B4-BE49-F238E27FC236}">
+                <a16:creationId xmlns:a16="http://schemas.microsoft.com/office/drawing/2014/main" id="{EEA32BFE-D83F-44FF-D00B-3F0EB0C820AC}"/>
+              </a:ext>
+            </a:extLst>
+          </p:cNvPr>
+          <p:cNvPicPr>
+            <a:picLocks noChangeAspect="1"/>
+          </p:cNvPicPr>
+          <p:nvPr/>
+        </p:nvPicPr>
+        <p:blipFill>
+          <a:blip r:embed="rId3"/>
+          <a:srcRect r="16415"/>
+          <a:stretch/>
+        </p:blipFill>
+        <p:spPr>
+          <a:xfrm>
+            <a:off x="201437" y="1756312"/>
+            <a:ext cx="1798813" cy="1347333"/>
+          </a:xfrm>
+          <a:prstGeom prst="rect">
+            <a:avLst/>
+          </a:prstGeom>
+        </p:spPr>
+      </p:pic>
+    </p:spTree>
+    <p:extLst>
+      <p:ext uri="{BB962C8B-B14F-4D97-AF65-F5344CB8AC3E}">
+        <p14:creationId xmlns:p14="http://schemas.microsoft.com/office/powerpoint/2010/main" val="437664509"/>
+      </p:ext>
+    </p:extLst>
+  </p:cSld>
+  <p:clrMapOvr>
+    <a:masterClrMapping/>
+  </p:clrMapOvr>
+</p:sld>
+</file>
+
+<file path=ppt/slides/slide11.xml><?xml version="1.0" encoding="utf-8"?>
+<p:sld xmlns:a="http://schemas.openxmlformats.org/drawingml/2006/main" xmlns:r="http://schemas.openxmlformats.org/officeDocument/2006/relationships" xmlns:p="http://schemas.openxmlformats.org/presentationml/2006/main">
+  <p:cSld>
+    <p:spTree>
+      <p:nvGrpSpPr>
+        <p:cNvPr id="1" name=""/>
+        <p:cNvGrpSpPr/>
+        <p:nvPr/>
+      </p:nvGrpSpPr>
+      <p:grpSpPr>
+        <a:xfrm>
+          <a:off x="0" y="0"/>
+          <a:ext cx="0" cy="0"/>
+          <a:chOff x="0" y="0"/>
+          <a:chExt cx="0" cy="0"/>
+        </a:xfrm>
+      </p:grpSpPr>
+      <p:pic>
+        <p:nvPicPr>
+          <p:cNvPr id="5" name="그림 4">
+            <a:extLst>
+              <a:ext uri="{FF2B5EF4-FFF2-40B4-BE49-F238E27FC236}">
+                <a16:creationId xmlns:a16="http://schemas.microsoft.com/office/drawing/2014/main" id="{95D9C468-D5EC-3ABC-A07B-9850F8ED4B30}"/>
+              </a:ext>
+            </a:extLst>
+          </p:cNvPr>
+          <p:cNvPicPr>
+            <a:picLocks noChangeAspect="1"/>
+          </p:cNvPicPr>
+          <p:nvPr/>
+        </p:nvPicPr>
+        <p:blipFill>
+          <a:blip r:embed="rId2"/>
+          <a:stretch>
+            <a:fillRect/>
+          </a:stretch>
+        </p:blipFill>
+        <p:spPr>
+          <a:xfrm>
+            <a:off x="0" y="95250"/>
+            <a:ext cx="12192000" cy="6667500"/>
+          </a:xfrm>
+          <a:prstGeom prst="rect">
+            <a:avLst/>
+          </a:prstGeom>
+        </p:spPr>
+      </p:pic>
+    </p:spTree>
+    <p:extLst>
+      <p:ext uri="{BB962C8B-B14F-4D97-AF65-F5344CB8AC3E}">
+        <p14:creationId xmlns:p14="http://schemas.microsoft.com/office/powerpoint/2010/main" val="3343778474"/>
       </p:ext>
     </p:extLst>
   </p:cSld>
@@ -31752,7 +31949,7 @@
           <p:cNvPr id="5" name="그림 4">
             <a:extLst>
               <a:ext uri="{FF2B5EF4-FFF2-40B4-BE49-F238E27FC236}">
-                <a16:creationId xmlns:a16="http://schemas.microsoft.com/office/drawing/2014/main" id="{95D9C468-D5EC-3ABC-A07B-9850F8ED4B30}"/>
+                <a16:creationId xmlns:a16="http://schemas.microsoft.com/office/drawing/2014/main" id="{FC2A3C94-CDBC-F969-6F8F-EE4E02680EC3}"/>
               </a:ext>
             </a:extLst>
           </p:cNvPr>
@@ -31769,18 +31966,317 @@
         </p:blipFill>
         <p:spPr>
           <a:xfrm>
-            <a:off x="0" y="95250"/>
-            <a:ext cx="12192000" cy="6667500"/>
+            <a:off x="0" y="166128"/>
+            <a:ext cx="12192000" cy="6525744"/>
           </a:xfrm>
           <a:prstGeom prst="rect">
             <a:avLst/>
           </a:prstGeom>
         </p:spPr>
       </p:pic>
+      <p:pic>
+        <p:nvPicPr>
+          <p:cNvPr id="12" name="그림 11">
+            <a:extLst>
+              <a:ext uri="{FF2B5EF4-FFF2-40B4-BE49-F238E27FC236}">
+                <a16:creationId xmlns:a16="http://schemas.microsoft.com/office/drawing/2014/main" id="{B8EEA736-4E5E-BEC1-7621-3F37EDEA24D7}"/>
+              </a:ext>
+            </a:extLst>
+          </p:cNvPr>
+          <p:cNvPicPr>
+            <a:picLocks noChangeAspect="1"/>
+          </p:cNvPicPr>
+          <p:nvPr/>
+        </p:nvPicPr>
+        <p:blipFill>
+          <a:blip r:embed="rId3"/>
+          <a:stretch>
+            <a:fillRect/>
+          </a:stretch>
+        </p:blipFill>
+        <p:spPr>
+          <a:xfrm>
+            <a:off x="1725201" y="1100698"/>
+            <a:ext cx="6913974" cy="3604648"/>
+          </a:xfrm>
+          <a:prstGeom prst="rect">
+            <a:avLst/>
+          </a:prstGeom>
+        </p:spPr>
+      </p:pic>
+      <p:pic>
+        <p:nvPicPr>
+          <p:cNvPr id="14" name="그림 13">
+            <a:extLst>
+              <a:ext uri="{FF2B5EF4-FFF2-40B4-BE49-F238E27FC236}">
+                <a16:creationId xmlns:a16="http://schemas.microsoft.com/office/drawing/2014/main" id="{73B1E28C-0645-1683-1255-82708E104503}"/>
+              </a:ext>
+            </a:extLst>
+          </p:cNvPr>
+          <p:cNvPicPr>
+            <a:picLocks noChangeAspect="1"/>
+          </p:cNvPicPr>
+          <p:nvPr/>
+        </p:nvPicPr>
+        <p:blipFill>
+          <a:blip r:embed="rId4"/>
+          <a:stretch>
+            <a:fillRect/>
+          </a:stretch>
+        </p:blipFill>
+        <p:spPr>
+          <a:xfrm>
+            <a:off x="1904621" y="1604927"/>
+            <a:ext cx="5430008" cy="504895"/>
+          </a:xfrm>
+          <a:prstGeom prst="rect">
+            <a:avLst/>
+          </a:prstGeom>
+        </p:spPr>
+      </p:pic>
+      <p:sp>
+        <p:nvSpPr>
+          <p:cNvPr id="10" name="직사각형 9">
+            <a:extLst>
+              <a:ext uri="{FF2B5EF4-FFF2-40B4-BE49-F238E27FC236}">
+                <a16:creationId xmlns:a16="http://schemas.microsoft.com/office/drawing/2014/main" id="{B87FFA5B-2978-E164-E9B9-F6A3EB74DC61}"/>
+              </a:ext>
+            </a:extLst>
+          </p:cNvPr>
+          <p:cNvSpPr/>
+          <p:nvPr/>
+        </p:nvSpPr>
+        <p:spPr>
+          <a:xfrm>
+            <a:off x="1981201" y="2344426"/>
+            <a:ext cx="2152650" cy="1338828"/>
+          </a:xfrm>
+          <a:prstGeom prst="rect">
+            <a:avLst/>
+          </a:prstGeom>
+          <a:solidFill>
+            <a:schemeClr val="bg1"/>
+          </a:solidFill>
+          <a:ln>
+            <a:noFill/>
+          </a:ln>
+        </p:spPr>
+        <p:txBody>
+          <a:bodyPr wrap="square" rtlCol="0">
+            <a:spAutoFit/>
+          </a:bodyPr>
+          <a:lstStyle/>
+          <a:p>
+            <a:r>
+              <a:rPr lang="pt-BR" altLang="ko-KR" sz="900" b="1" dirty="0"/>
+              <a:t>H_FL_AR_S17_RC Slab</a:t>
+            </a:r>
+          </a:p>
+          <a:p>
+            <a:r>
+              <a:rPr lang="pt-BR" altLang="ko-KR" sz="900" dirty="0"/>
+              <a:t>H_FL_AR_S17_RC Slab_S Trowel</a:t>
+            </a:r>
+          </a:p>
+          <a:p>
+            <a:r>
+              <a:rPr lang="pt-BR" altLang="ko-KR" sz="900" dirty="0"/>
+              <a:t>H_FL_AR_S17_Roof RC Slab</a:t>
+            </a:r>
+            <a:endParaRPr lang="ko-KR" altLang="en-US" sz="900" dirty="0">
+              <a:solidFill>
+                <a:schemeClr val="tx1"/>
+              </a:solidFill>
+            </a:endParaRPr>
+          </a:p>
+          <a:p>
+            <a:r>
+              <a:rPr lang="en-US" altLang="ko-KR" sz="900" dirty="0"/>
+              <a:t>H_FL_AR_S17_STG Top Slab</a:t>
+            </a:r>
+            <a:endParaRPr lang="ko-KR" altLang="en-US" sz="900" dirty="0">
+              <a:solidFill>
+                <a:schemeClr val="tx1"/>
+              </a:solidFill>
+            </a:endParaRPr>
+          </a:p>
+          <a:p>
+            <a:r>
+              <a:rPr lang="pt-BR" altLang="ko-KR" sz="900" dirty="0"/>
+              <a:t>H_FL_AR_S17_RC Deck Slab</a:t>
+            </a:r>
+            <a:endParaRPr lang="ko-KR" altLang="en-US" sz="900" dirty="0">
+              <a:solidFill>
+                <a:schemeClr val="tx1"/>
+              </a:solidFill>
+            </a:endParaRPr>
+          </a:p>
+          <a:p>
+            <a:r>
+              <a:rPr lang="pt-BR" altLang="ko-KR" sz="900" dirty="0"/>
+              <a:t>H_FL_AR_S17_RC Deck Slab_S Trowel</a:t>
+            </a:r>
+            <a:endParaRPr lang="ko-KR" altLang="en-US" sz="900" dirty="0">
+              <a:solidFill>
+                <a:schemeClr val="tx1"/>
+              </a:solidFill>
+            </a:endParaRPr>
+          </a:p>
+          <a:p>
+            <a:r>
+              <a:rPr lang="en-US" altLang="ko-KR" sz="900" dirty="0"/>
+              <a:t>H_RF_AR_S17_Roof RC Deck Slab</a:t>
+            </a:r>
+            <a:endParaRPr lang="ko-KR" altLang="en-US" sz="900" dirty="0">
+              <a:solidFill>
+                <a:schemeClr val="tx1"/>
+              </a:solidFill>
+            </a:endParaRPr>
+          </a:p>
+          <a:p>
+            <a:r>
+              <a:rPr lang="pt-BR" altLang="ko-KR" sz="900" dirty="0"/>
+              <a:t>H_FL_AR_S05_Grating</a:t>
+            </a:r>
+            <a:endParaRPr lang="ko-KR" altLang="en-US" sz="900" dirty="0">
+              <a:solidFill>
+                <a:schemeClr val="tx1"/>
+              </a:solidFill>
+            </a:endParaRPr>
+          </a:p>
+          <a:p>
+            <a:r>
+              <a:rPr lang="pt-BR" altLang="ko-KR" sz="900" dirty="0"/>
+              <a:t>H_FL_AR_S06_Removable Grating</a:t>
+            </a:r>
+            <a:endParaRPr lang="ko-KR" altLang="en-US" sz="900" dirty="0">
+              <a:solidFill>
+                <a:schemeClr val="tx1"/>
+              </a:solidFill>
+            </a:endParaRPr>
+          </a:p>
+        </p:txBody>
+      </p:sp>
+      <p:pic>
+        <p:nvPicPr>
+          <p:cNvPr id="9" name="그림 8">
+            <a:extLst>
+              <a:ext uri="{FF2B5EF4-FFF2-40B4-BE49-F238E27FC236}">
+                <a16:creationId xmlns:a16="http://schemas.microsoft.com/office/drawing/2014/main" id="{550F43B0-76CB-32E6-5EE0-E75F3CCFF831}"/>
+              </a:ext>
+            </a:extLst>
+          </p:cNvPr>
+          <p:cNvPicPr>
+            <a:picLocks noChangeAspect="1"/>
+          </p:cNvPicPr>
+          <p:nvPr/>
+        </p:nvPicPr>
+        <p:blipFill>
+          <a:blip r:embed="rId5"/>
+          <a:stretch>
+            <a:fillRect/>
+          </a:stretch>
+        </p:blipFill>
+        <p:spPr>
+          <a:xfrm>
+            <a:off x="4705871" y="2214597"/>
+            <a:ext cx="3161779" cy="2076740"/>
+          </a:xfrm>
+          <a:prstGeom prst="rect">
+            <a:avLst/>
+          </a:prstGeom>
+        </p:spPr>
+      </p:pic>
+      <p:sp>
+        <p:nvSpPr>
+          <p:cNvPr id="6" name="TextBox 5">
+            <a:extLst>
+              <a:ext uri="{FF2B5EF4-FFF2-40B4-BE49-F238E27FC236}">
+                <a16:creationId xmlns:a16="http://schemas.microsoft.com/office/drawing/2014/main" id="{2F72B152-61F0-FEFE-EAD4-54942375A292}"/>
+              </a:ext>
+            </a:extLst>
+          </p:cNvPr>
+          <p:cNvSpPr txBox="1"/>
+          <p:nvPr/>
+        </p:nvSpPr>
+        <p:spPr>
+          <a:xfrm>
+            <a:off x="4216921" y="2374646"/>
+            <a:ext cx="405880" cy="246221"/>
+          </a:xfrm>
+          <a:prstGeom prst="rect">
+            <a:avLst/>
+          </a:prstGeom>
+          <a:solidFill>
+            <a:schemeClr val="bg1"/>
+          </a:solidFill>
+          <a:ln>
+            <a:solidFill>
+              <a:schemeClr val="accent1"/>
+            </a:solidFill>
+          </a:ln>
+        </p:spPr>
+        <p:txBody>
+          <a:bodyPr wrap="none" rtlCol="0">
+            <a:spAutoFit/>
+          </a:bodyPr>
+          <a:lstStyle/>
+          <a:p>
+            <a:r>
+              <a:rPr lang="en-US" altLang="ko-KR" sz="1000" dirty="0"/>
+              <a:t>add</a:t>
+            </a:r>
+            <a:endParaRPr lang="ko-KR" altLang="en-US" sz="1000" dirty="0"/>
+          </a:p>
+        </p:txBody>
+      </p:sp>
+      <p:sp>
+        <p:nvSpPr>
+          <p:cNvPr id="7" name="TextBox 6">
+            <a:extLst>
+              <a:ext uri="{FF2B5EF4-FFF2-40B4-BE49-F238E27FC236}">
+                <a16:creationId xmlns:a16="http://schemas.microsoft.com/office/drawing/2014/main" id="{C9E780C8-05D5-FC27-87B3-499DB77EDE5D}"/>
+              </a:ext>
+            </a:extLst>
+          </p:cNvPr>
+          <p:cNvSpPr txBox="1"/>
+          <p:nvPr/>
+        </p:nvSpPr>
+        <p:spPr>
+          <a:xfrm>
+            <a:off x="4238561" y="2856863"/>
+            <a:ext cx="362600" cy="246221"/>
+          </a:xfrm>
+          <a:prstGeom prst="rect">
+            <a:avLst/>
+          </a:prstGeom>
+          <a:solidFill>
+            <a:schemeClr val="bg1"/>
+          </a:solidFill>
+          <a:ln>
+            <a:solidFill>
+              <a:schemeClr val="accent1"/>
+            </a:solidFill>
+          </a:ln>
+        </p:spPr>
+        <p:txBody>
+          <a:bodyPr wrap="none" rtlCol="0">
+            <a:spAutoFit/>
+          </a:bodyPr>
+          <a:lstStyle/>
+          <a:p>
+            <a:r>
+              <a:rPr lang="en-US" altLang="ko-KR" sz="1000" dirty="0"/>
+              <a:t>del</a:t>
+            </a:r>
+            <a:endParaRPr lang="ko-KR" altLang="en-US" sz="1000" dirty="0"/>
+          </a:p>
+        </p:txBody>
+      </p:sp>
     </p:spTree>
     <p:extLst>
       <p:ext uri="{BB962C8B-B14F-4D97-AF65-F5344CB8AC3E}">
-        <p14:creationId xmlns:p14="http://schemas.microsoft.com/office/powerpoint/2010/main" val="3343778474"/>
+        <p14:creationId xmlns:p14="http://schemas.microsoft.com/office/powerpoint/2010/main" val="1482082224"/>
       </p:ext>
     </p:extLst>
   </p:cSld>

--- a/H_FamilyList_FP/화면정의서.pptx
+++ b/H_FamilyList_FP/화면정의서.pptx
@@ -269,7 +269,7 @@
           <a:p>
             <a:fld id="{9DC0FBBE-1B54-474B-A1EF-57FEDE0B6A08}" type="datetimeFigureOut">
               <a:rPr lang="ko-KR" altLang="en-US" smtClean="0"/>
-              <a:t>2024-09-29</a:t>
+              <a:t>2024-10-05</a:t>
             </a:fld>
             <a:endParaRPr lang="ko-KR" altLang="en-US"/>
           </a:p>
@@ -467,7 +467,7 @@
           <a:p>
             <a:fld id="{9DC0FBBE-1B54-474B-A1EF-57FEDE0B6A08}" type="datetimeFigureOut">
               <a:rPr lang="ko-KR" altLang="en-US" smtClean="0"/>
-              <a:t>2024-09-29</a:t>
+              <a:t>2024-10-05</a:t>
             </a:fld>
             <a:endParaRPr lang="ko-KR" altLang="en-US"/>
           </a:p>
@@ -675,7 +675,7 @@
           <a:p>
             <a:fld id="{9DC0FBBE-1B54-474B-A1EF-57FEDE0B6A08}" type="datetimeFigureOut">
               <a:rPr lang="ko-KR" altLang="en-US" smtClean="0"/>
-              <a:t>2024-09-29</a:t>
+              <a:t>2024-10-05</a:t>
             </a:fld>
             <a:endParaRPr lang="ko-KR" altLang="en-US"/>
           </a:p>
@@ -873,7 +873,7 @@
           <a:p>
             <a:fld id="{9DC0FBBE-1B54-474B-A1EF-57FEDE0B6A08}" type="datetimeFigureOut">
               <a:rPr lang="ko-KR" altLang="en-US" smtClean="0"/>
-              <a:t>2024-09-29</a:t>
+              <a:t>2024-10-05</a:t>
             </a:fld>
             <a:endParaRPr lang="ko-KR" altLang="en-US"/>
           </a:p>
@@ -1148,7 +1148,7 @@
           <a:p>
             <a:fld id="{9DC0FBBE-1B54-474B-A1EF-57FEDE0B6A08}" type="datetimeFigureOut">
               <a:rPr lang="ko-KR" altLang="en-US" smtClean="0"/>
-              <a:t>2024-09-29</a:t>
+              <a:t>2024-10-05</a:t>
             </a:fld>
             <a:endParaRPr lang="ko-KR" altLang="en-US"/>
           </a:p>
@@ -1413,7 +1413,7 @@
           <a:p>
             <a:fld id="{9DC0FBBE-1B54-474B-A1EF-57FEDE0B6A08}" type="datetimeFigureOut">
               <a:rPr lang="ko-KR" altLang="en-US" smtClean="0"/>
-              <a:t>2024-09-29</a:t>
+              <a:t>2024-10-05</a:t>
             </a:fld>
             <a:endParaRPr lang="ko-KR" altLang="en-US"/>
           </a:p>
@@ -1825,7 +1825,7 @@
           <a:p>
             <a:fld id="{9DC0FBBE-1B54-474B-A1EF-57FEDE0B6A08}" type="datetimeFigureOut">
               <a:rPr lang="ko-KR" altLang="en-US" smtClean="0"/>
-              <a:t>2024-09-29</a:t>
+              <a:t>2024-10-05</a:t>
             </a:fld>
             <a:endParaRPr lang="ko-KR" altLang="en-US"/>
           </a:p>
@@ -1966,7 +1966,7 @@
           <a:p>
             <a:fld id="{9DC0FBBE-1B54-474B-A1EF-57FEDE0B6A08}" type="datetimeFigureOut">
               <a:rPr lang="ko-KR" altLang="en-US" smtClean="0"/>
-              <a:t>2024-09-29</a:t>
+              <a:t>2024-10-05</a:t>
             </a:fld>
             <a:endParaRPr lang="ko-KR" altLang="en-US"/>
           </a:p>
@@ -2079,7 +2079,7 @@
           <a:p>
             <a:fld id="{9DC0FBBE-1B54-474B-A1EF-57FEDE0B6A08}" type="datetimeFigureOut">
               <a:rPr lang="ko-KR" altLang="en-US" smtClean="0"/>
-              <a:t>2024-09-29</a:t>
+              <a:t>2024-10-05</a:t>
             </a:fld>
             <a:endParaRPr lang="ko-KR" altLang="en-US"/>
           </a:p>
@@ -2390,7 +2390,7 @@
           <a:p>
             <a:fld id="{9DC0FBBE-1B54-474B-A1EF-57FEDE0B6A08}" type="datetimeFigureOut">
               <a:rPr lang="ko-KR" altLang="en-US" smtClean="0"/>
-              <a:t>2024-09-29</a:t>
+              <a:t>2024-10-05</a:t>
             </a:fld>
             <a:endParaRPr lang="ko-KR" altLang="en-US"/>
           </a:p>
@@ -2678,7 +2678,7 @@
           <a:p>
             <a:fld id="{9DC0FBBE-1B54-474B-A1EF-57FEDE0B6A08}" type="datetimeFigureOut">
               <a:rPr lang="ko-KR" altLang="en-US" smtClean="0"/>
-              <a:t>2024-09-29</a:t>
+              <a:t>2024-10-05</a:t>
             </a:fld>
             <a:endParaRPr lang="ko-KR" altLang="en-US"/>
           </a:p>
@@ -2919,7 +2919,7 @@
           <a:p>
             <a:fld id="{9DC0FBBE-1B54-474B-A1EF-57FEDE0B6A08}" type="datetimeFigureOut">
               <a:rPr lang="ko-KR" altLang="en-US" smtClean="0"/>
-              <a:t>2024-09-29</a:t>
+              <a:t>2024-10-05</a:t>
             </a:fld>
             <a:endParaRPr lang="ko-KR" altLang="en-US"/>
           </a:p>
@@ -4506,6 +4506,148 @@
           </a:prstGeom>
         </p:spPr>
       </p:pic>
+      <p:sp>
+        <p:nvSpPr>
+          <p:cNvPr id="4" name="TextBox 3">
+            <a:extLst>
+              <a:ext uri="{FF2B5EF4-FFF2-40B4-BE49-F238E27FC236}">
+                <a16:creationId xmlns:a16="http://schemas.microsoft.com/office/drawing/2014/main" id="{8C5CBFEE-D872-AC8B-1CB4-E2161C557495}"/>
+              </a:ext>
+            </a:extLst>
+          </p:cNvPr>
+          <p:cNvSpPr txBox="1"/>
+          <p:nvPr/>
+        </p:nvSpPr>
+        <p:spPr>
+          <a:xfrm>
+            <a:off x="2606031" y="1038483"/>
+            <a:ext cx="1552028" cy="184666"/>
+          </a:xfrm>
+          <a:prstGeom prst="rect">
+            <a:avLst/>
+          </a:prstGeom>
+          <a:noFill/>
+        </p:spPr>
+        <p:txBody>
+          <a:bodyPr wrap="none" rtlCol="0">
+            <a:spAutoFit/>
+          </a:bodyPr>
+          <a:lstStyle/>
+          <a:p>
+            <a:r>
+              <a:rPr lang="ko-KR" altLang="en-US" sz="600" dirty="0"/>
+              <a:t>현재 선택 타입을 상기 빌딩에 적용하기</a:t>
+            </a:r>
+          </a:p>
+        </p:txBody>
+      </p:sp>
+      <p:pic>
+        <p:nvPicPr>
+          <p:cNvPr id="5" name="그림 4">
+            <a:extLst>
+              <a:ext uri="{FF2B5EF4-FFF2-40B4-BE49-F238E27FC236}">
+                <a16:creationId xmlns:a16="http://schemas.microsoft.com/office/drawing/2014/main" id="{4671B433-CED8-E7CA-6CFB-1236458E84C1}"/>
+              </a:ext>
+            </a:extLst>
+          </p:cNvPr>
+          <p:cNvPicPr>
+            <a:picLocks noChangeAspect="1"/>
+          </p:cNvPicPr>
+          <p:nvPr/>
+        </p:nvPicPr>
+        <p:blipFill>
+          <a:blip r:embed="rId2"/>
+          <a:srcRect l="31283" t="11047" r="59030" b="86124"/>
+          <a:stretch/>
+        </p:blipFill>
+        <p:spPr>
+          <a:xfrm>
+            <a:off x="10774679" y="1403231"/>
+            <a:ext cx="1181101" cy="185420"/>
+          </a:xfrm>
+          <a:prstGeom prst="rect">
+            <a:avLst/>
+          </a:prstGeom>
+        </p:spPr>
+      </p:pic>
+      <p:pic>
+        <p:nvPicPr>
+          <p:cNvPr id="7" name="그림 6">
+            <a:extLst>
+              <a:ext uri="{FF2B5EF4-FFF2-40B4-BE49-F238E27FC236}">
+                <a16:creationId xmlns:a16="http://schemas.microsoft.com/office/drawing/2014/main" id="{CE712105-7C6A-8625-C4DB-B86019E739E8}"/>
+              </a:ext>
+            </a:extLst>
+          </p:cNvPr>
+          <p:cNvPicPr>
+            <a:picLocks noChangeAspect="1"/>
+          </p:cNvPicPr>
+          <p:nvPr/>
+        </p:nvPicPr>
+        <p:blipFill>
+          <a:blip r:embed="rId4"/>
+          <a:stretch>
+            <a:fillRect/>
+          </a:stretch>
+        </p:blipFill>
+        <p:spPr>
+          <a:xfrm>
+            <a:off x="3707945" y="800325"/>
+            <a:ext cx="1971950" cy="238158"/>
+          </a:xfrm>
+          <a:prstGeom prst="rect">
+            <a:avLst/>
+          </a:prstGeom>
+        </p:spPr>
+      </p:pic>
+      <p:sp>
+        <p:nvSpPr>
+          <p:cNvPr id="9" name="직사각형 8">
+            <a:extLst>
+              <a:ext uri="{FF2B5EF4-FFF2-40B4-BE49-F238E27FC236}">
+                <a16:creationId xmlns:a16="http://schemas.microsoft.com/office/drawing/2014/main" id="{52C3CFBF-93B3-1CD5-27C2-542D4BAEEA44}"/>
+              </a:ext>
+            </a:extLst>
+          </p:cNvPr>
+          <p:cNvSpPr/>
+          <p:nvPr/>
+        </p:nvSpPr>
+        <p:spPr>
+          <a:xfrm>
+            <a:off x="2684859" y="1049982"/>
+            <a:ext cx="1466850" cy="161667"/>
+          </a:xfrm>
+          <a:prstGeom prst="rect">
+            <a:avLst/>
+          </a:prstGeom>
+          <a:noFill/>
+          <a:ln w="6350"/>
+        </p:spPr>
+        <p:style>
+          <a:lnRef idx="2">
+            <a:schemeClr val="accent1">
+              <a:shade val="15000"/>
+            </a:schemeClr>
+          </a:lnRef>
+          <a:fillRef idx="1">
+            <a:schemeClr val="accent1"/>
+          </a:fillRef>
+          <a:effectRef idx="0">
+            <a:schemeClr val="accent1"/>
+          </a:effectRef>
+          <a:fontRef idx="minor">
+            <a:schemeClr val="lt1"/>
+          </a:fontRef>
+        </p:style>
+        <p:txBody>
+          <a:bodyPr rtlCol="0" anchor="ctr"/>
+          <a:lstStyle/>
+          <a:p>
+            <a:pPr algn="ctr"/>
+            <a:endParaRPr lang="ko-KR" altLang="en-US"/>
+          </a:p>
+        </p:txBody>
+      </p:sp>
     </p:spTree>
     <p:extLst>
       <p:ext uri="{BB962C8B-B14F-4D97-AF65-F5344CB8AC3E}">

--- a/H_FamilyList_FP/화면정의서.pptx
+++ b/H_FamilyList_FP/화면정의서.pptx
@@ -12,10 +12,11 @@
     <p:sldId id="258" r:id="rId6"/>
     <p:sldId id="263" r:id="rId7"/>
     <p:sldId id="262" r:id="rId8"/>
-    <p:sldId id="264" r:id="rId9"/>
-    <p:sldId id="265" r:id="rId10"/>
-    <p:sldId id="266" r:id="rId11"/>
-    <p:sldId id="259" r:id="rId12"/>
+    <p:sldId id="267" r:id="rId9"/>
+    <p:sldId id="264" r:id="rId10"/>
+    <p:sldId id="265" r:id="rId11"/>
+    <p:sldId id="266" r:id="rId12"/>
+    <p:sldId id="259" r:id="rId13"/>
   </p:sldIdLst>
   <p:sldSz cx="12192000" cy="6858000"/>
   <p:notesSz cx="6858000" cy="9144000"/>
@@ -269,7 +270,7 @@
           <a:p>
             <a:fld id="{9DC0FBBE-1B54-474B-A1EF-57FEDE0B6A08}" type="datetimeFigureOut">
               <a:rPr lang="ko-KR" altLang="en-US" smtClean="0"/>
-              <a:t>2024-10-05</a:t>
+              <a:t>2024-10-07</a:t>
             </a:fld>
             <a:endParaRPr lang="ko-KR" altLang="en-US"/>
           </a:p>
@@ -467,7 +468,7 @@
           <a:p>
             <a:fld id="{9DC0FBBE-1B54-474B-A1EF-57FEDE0B6A08}" type="datetimeFigureOut">
               <a:rPr lang="ko-KR" altLang="en-US" smtClean="0"/>
-              <a:t>2024-10-05</a:t>
+              <a:t>2024-10-07</a:t>
             </a:fld>
             <a:endParaRPr lang="ko-KR" altLang="en-US"/>
           </a:p>
@@ -675,7 +676,7 @@
           <a:p>
             <a:fld id="{9DC0FBBE-1B54-474B-A1EF-57FEDE0B6A08}" type="datetimeFigureOut">
               <a:rPr lang="ko-KR" altLang="en-US" smtClean="0"/>
-              <a:t>2024-10-05</a:t>
+              <a:t>2024-10-07</a:t>
             </a:fld>
             <a:endParaRPr lang="ko-KR" altLang="en-US"/>
           </a:p>
@@ -873,7 +874,7 @@
           <a:p>
             <a:fld id="{9DC0FBBE-1B54-474B-A1EF-57FEDE0B6A08}" type="datetimeFigureOut">
               <a:rPr lang="ko-KR" altLang="en-US" smtClean="0"/>
-              <a:t>2024-10-05</a:t>
+              <a:t>2024-10-07</a:t>
             </a:fld>
             <a:endParaRPr lang="ko-KR" altLang="en-US"/>
           </a:p>
@@ -1148,7 +1149,7 @@
           <a:p>
             <a:fld id="{9DC0FBBE-1B54-474B-A1EF-57FEDE0B6A08}" type="datetimeFigureOut">
               <a:rPr lang="ko-KR" altLang="en-US" smtClean="0"/>
-              <a:t>2024-10-05</a:t>
+              <a:t>2024-10-07</a:t>
             </a:fld>
             <a:endParaRPr lang="ko-KR" altLang="en-US"/>
           </a:p>
@@ -1413,7 +1414,7 @@
           <a:p>
             <a:fld id="{9DC0FBBE-1B54-474B-A1EF-57FEDE0B6A08}" type="datetimeFigureOut">
               <a:rPr lang="ko-KR" altLang="en-US" smtClean="0"/>
-              <a:t>2024-10-05</a:t>
+              <a:t>2024-10-07</a:t>
             </a:fld>
             <a:endParaRPr lang="ko-KR" altLang="en-US"/>
           </a:p>
@@ -1825,7 +1826,7 @@
           <a:p>
             <a:fld id="{9DC0FBBE-1B54-474B-A1EF-57FEDE0B6A08}" type="datetimeFigureOut">
               <a:rPr lang="ko-KR" altLang="en-US" smtClean="0"/>
-              <a:t>2024-10-05</a:t>
+              <a:t>2024-10-07</a:t>
             </a:fld>
             <a:endParaRPr lang="ko-KR" altLang="en-US"/>
           </a:p>
@@ -1966,7 +1967,7 @@
           <a:p>
             <a:fld id="{9DC0FBBE-1B54-474B-A1EF-57FEDE0B6A08}" type="datetimeFigureOut">
               <a:rPr lang="ko-KR" altLang="en-US" smtClean="0"/>
-              <a:t>2024-10-05</a:t>
+              <a:t>2024-10-07</a:t>
             </a:fld>
             <a:endParaRPr lang="ko-KR" altLang="en-US"/>
           </a:p>
@@ -2079,7 +2080,7 @@
           <a:p>
             <a:fld id="{9DC0FBBE-1B54-474B-A1EF-57FEDE0B6A08}" type="datetimeFigureOut">
               <a:rPr lang="ko-KR" altLang="en-US" smtClean="0"/>
-              <a:t>2024-10-05</a:t>
+              <a:t>2024-10-07</a:t>
             </a:fld>
             <a:endParaRPr lang="ko-KR" altLang="en-US"/>
           </a:p>
@@ -2390,7 +2391,7 @@
           <a:p>
             <a:fld id="{9DC0FBBE-1B54-474B-A1EF-57FEDE0B6A08}" type="datetimeFigureOut">
               <a:rPr lang="ko-KR" altLang="en-US" smtClean="0"/>
-              <a:t>2024-10-05</a:t>
+              <a:t>2024-10-07</a:t>
             </a:fld>
             <a:endParaRPr lang="ko-KR" altLang="en-US"/>
           </a:p>
@@ -2678,7 +2679,7 @@
           <a:p>
             <a:fld id="{9DC0FBBE-1B54-474B-A1EF-57FEDE0B6A08}" type="datetimeFigureOut">
               <a:rPr lang="ko-KR" altLang="en-US" smtClean="0"/>
-              <a:t>2024-10-05</a:t>
+              <a:t>2024-10-07</a:t>
             </a:fld>
             <a:endParaRPr lang="ko-KR" altLang="en-US"/>
           </a:p>
@@ -2919,7 +2920,7 @@
           <a:p>
             <a:fld id="{9DC0FBBE-1B54-474B-A1EF-57FEDE0B6A08}" type="datetimeFigureOut">
               <a:rPr lang="ko-KR" altLang="en-US" smtClean="0"/>
-              <a:t>2024-10-05</a:t>
+              <a:t>2024-10-07</a:t>
             </a:fld>
             <a:endParaRPr lang="ko-KR" altLang="en-US"/>
           </a:p>
@@ -4403,6 +4404,365 @@
       </p:grpSpPr>
       <p:pic>
         <p:nvPicPr>
+          <p:cNvPr id="5" name="그림 4">
+            <a:extLst>
+              <a:ext uri="{FF2B5EF4-FFF2-40B4-BE49-F238E27FC236}">
+                <a16:creationId xmlns:a16="http://schemas.microsoft.com/office/drawing/2014/main" id="{FC2A3C94-CDBC-F969-6F8F-EE4E02680EC3}"/>
+              </a:ext>
+            </a:extLst>
+          </p:cNvPr>
+          <p:cNvPicPr>
+            <a:picLocks noChangeAspect="1"/>
+          </p:cNvPicPr>
+          <p:nvPr/>
+        </p:nvPicPr>
+        <p:blipFill>
+          <a:blip r:embed="rId2"/>
+          <a:stretch>
+            <a:fillRect/>
+          </a:stretch>
+        </p:blipFill>
+        <p:spPr>
+          <a:xfrm>
+            <a:off x="0" y="166128"/>
+            <a:ext cx="12192000" cy="6525744"/>
+          </a:xfrm>
+          <a:prstGeom prst="rect">
+            <a:avLst/>
+          </a:prstGeom>
+        </p:spPr>
+      </p:pic>
+      <p:pic>
+        <p:nvPicPr>
+          <p:cNvPr id="12" name="그림 11">
+            <a:extLst>
+              <a:ext uri="{FF2B5EF4-FFF2-40B4-BE49-F238E27FC236}">
+                <a16:creationId xmlns:a16="http://schemas.microsoft.com/office/drawing/2014/main" id="{B8EEA736-4E5E-BEC1-7621-3F37EDEA24D7}"/>
+              </a:ext>
+            </a:extLst>
+          </p:cNvPr>
+          <p:cNvPicPr>
+            <a:picLocks noChangeAspect="1"/>
+          </p:cNvPicPr>
+          <p:nvPr/>
+        </p:nvPicPr>
+        <p:blipFill>
+          <a:blip r:embed="rId3"/>
+          <a:stretch>
+            <a:fillRect/>
+          </a:stretch>
+        </p:blipFill>
+        <p:spPr>
+          <a:xfrm>
+            <a:off x="1725201" y="1100698"/>
+            <a:ext cx="6913974" cy="3604648"/>
+          </a:xfrm>
+          <a:prstGeom prst="rect">
+            <a:avLst/>
+          </a:prstGeom>
+        </p:spPr>
+      </p:pic>
+      <p:pic>
+        <p:nvPicPr>
+          <p:cNvPr id="14" name="그림 13">
+            <a:extLst>
+              <a:ext uri="{FF2B5EF4-FFF2-40B4-BE49-F238E27FC236}">
+                <a16:creationId xmlns:a16="http://schemas.microsoft.com/office/drawing/2014/main" id="{73B1E28C-0645-1683-1255-82708E104503}"/>
+              </a:ext>
+            </a:extLst>
+          </p:cNvPr>
+          <p:cNvPicPr>
+            <a:picLocks noChangeAspect="1"/>
+          </p:cNvPicPr>
+          <p:nvPr/>
+        </p:nvPicPr>
+        <p:blipFill>
+          <a:blip r:embed="rId4"/>
+          <a:stretch>
+            <a:fillRect/>
+          </a:stretch>
+        </p:blipFill>
+        <p:spPr>
+          <a:xfrm>
+            <a:off x="1904621" y="1604927"/>
+            <a:ext cx="5430008" cy="504895"/>
+          </a:xfrm>
+          <a:prstGeom prst="rect">
+            <a:avLst/>
+          </a:prstGeom>
+        </p:spPr>
+      </p:pic>
+      <p:sp>
+        <p:nvSpPr>
+          <p:cNvPr id="10" name="직사각형 9">
+            <a:extLst>
+              <a:ext uri="{FF2B5EF4-FFF2-40B4-BE49-F238E27FC236}">
+                <a16:creationId xmlns:a16="http://schemas.microsoft.com/office/drawing/2014/main" id="{B87FFA5B-2978-E164-E9B9-F6A3EB74DC61}"/>
+              </a:ext>
+            </a:extLst>
+          </p:cNvPr>
+          <p:cNvSpPr/>
+          <p:nvPr/>
+        </p:nvSpPr>
+        <p:spPr>
+          <a:xfrm>
+            <a:off x="1981201" y="2344426"/>
+            <a:ext cx="2152650" cy="1338828"/>
+          </a:xfrm>
+          <a:prstGeom prst="rect">
+            <a:avLst/>
+          </a:prstGeom>
+          <a:solidFill>
+            <a:schemeClr val="bg1"/>
+          </a:solidFill>
+          <a:ln>
+            <a:noFill/>
+          </a:ln>
+        </p:spPr>
+        <p:txBody>
+          <a:bodyPr wrap="square" rtlCol="0">
+            <a:spAutoFit/>
+          </a:bodyPr>
+          <a:lstStyle/>
+          <a:p>
+            <a:r>
+              <a:rPr lang="pt-BR" altLang="ko-KR" sz="900" b="1" dirty="0"/>
+              <a:t>H_FL_AR_S17_RC Slab</a:t>
+            </a:r>
+          </a:p>
+          <a:p>
+            <a:r>
+              <a:rPr lang="pt-BR" altLang="ko-KR" sz="900" dirty="0"/>
+              <a:t>H_FL_AR_S17_RC Slab_S Trowel</a:t>
+            </a:r>
+          </a:p>
+          <a:p>
+            <a:r>
+              <a:rPr lang="pt-BR" altLang="ko-KR" sz="900" dirty="0"/>
+              <a:t>H_FL_AR_S17_Roof RC Slab</a:t>
+            </a:r>
+            <a:endParaRPr lang="ko-KR" altLang="en-US" sz="900" dirty="0">
+              <a:solidFill>
+                <a:schemeClr val="tx1"/>
+              </a:solidFill>
+            </a:endParaRPr>
+          </a:p>
+          <a:p>
+            <a:r>
+              <a:rPr lang="en-US" altLang="ko-KR" sz="900" dirty="0"/>
+              <a:t>H_FL_AR_S17_STG Top Slab</a:t>
+            </a:r>
+            <a:endParaRPr lang="ko-KR" altLang="en-US" sz="900" dirty="0">
+              <a:solidFill>
+                <a:schemeClr val="tx1"/>
+              </a:solidFill>
+            </a:endParaRPr>
+          </a:p>
+          <a:p>
+            <a:r>
+              <a:rPr lang="pt-BR" altLang="ko-KR" sz="900" dirty="0"/>
+              <a:t>H_FL_AR_S17_RC Deck Slab</a:t>
+            </a:r>
+            <a:endParaRPr lang="ko-KR" altLang="en-US" sz="900" dirty="0">
+              <a:solidFill>
+                <a:schemeClr val="tx1"/>
+              </a:solidFill>
+            </a:endParaRPr>
+          </a:p>
+          <a:p>
+            <a:r>
+              <a:rPr lang="pt-BR" altLang="ko-KR" sz="900" dirty="0"/>
+              <a:t>H_FL_AR_S17_RC Deck Slab_S Trowel</a:t>
+            </a:r>
+            <a:endParaRPr lang="ko-KR" altLang="en-US" sz="900" dirty="0">
+              <a:solidFill>
+                <a:schemeClr val="tx1"/>
+              </a:solidFill>
+            </a:endParaRPr>
+          </a:p>
+          <a:p>
+            <a:r>
+              <a:rPr lang="en-US" altLang="ko-KR" sz="900" dirty="0"/>
+              <a:t>H_RF_AR_S17_Roof RC Deck Slab</a:t>
+            </a:r>
+            <a:endParaRPr lang="ko-KR" altLang="en-US" sz="900" dirty="0">
+              <a:solidFill>
+                <a:schemeClr val="tx1"/>
+              </a:solidFill>
+            </a:endParaRPr>
+          </a:p>
+          <a:p>
+            <a:r>
+              <a:rPr lang="pt-BR" altLang="ko-KR" sz="900" dirty="0"/>
+              <a:t>H_FL_AR_S05_Grating</a:t>
+            </a:r>
+            <a:endParaRPr lang="ko-KR" altLang="en-US" sz="900" dirty="0">
+              <a:solidFill>
+                <a:schemeClr val="tx1"/>
+              </a:solidFill>
+            </a:endParaRPr>
+          </a:p>
+          <a:p>
+            <a:r>
+              <a:rPr lang="pt-BR" altLang="ko-KR" sz="900" dirty="0"/>
+              <a:t>H_FL_AR_S06_Removable Grating</a:t>
+            </a:r>
+            <a:endParaRPr lang="ko-KR" altLang="en-US" sz="900" dirty="0">
+              <a:solidFill>
+                <a:schemeClr val="tx1"/>
+              </a:solidFill>
+            </a:endParaRPr>
+          </a:p>
+        </p:txBody>
+      </p:sp>
+      <p:pic>
+        <p:nvPicPr>
+          <p:cNvPr id="9" name="그림 8">
+            <a:extLst>
+              <a:ext uri="{FF2B5EF4-FFF2-40B4-BE49-F238E27FC236}">
+                <a16:creationId xmlns:a16="http://schemas.microsoft.com/office/drawing/2014/main" id="{550F43B0-76CB-32E6-5EE0-E75F3CCFF831}"/>
+              </a:ext>
+            </a:extLst>
+          </p:cNvPr>
+          <p:cNvPicPr>
+            <a:picLocks noChangeAspect="1"/>
+          </p:cNvPicPr>
+          <p:nvPr/>
+        </p:nvPicPr>
+        <p:blipFill>
+          <a:blip r:embed="rId5"/>
+          <a:stretch>
+            <a:fillRect/>
+          </a:stretch>
+        </p:blipFill>
+        <p:spPr>
+          <a:xfrm>
+            <a:off x="4705871" y="2214597"/>
+            <a:ext cx="3161779" cy="2076740"/>
+          </a:xfrm>
+          <a:prstGeom prst="rect">
+            <a:avLst/>
+          </a:prstGeom>
+        </p:spPr>
+      </p:pic>
+      <p:sp>
+        <p:nvSpPr>
+          <p:cNvPr id="6" name="TextBox 5">
+            <a:extLst>
+              <a:ext uri="{FF2B5EF4-FFF2-40B4-BE49-F238E27FC236}">
+                <a16:creationId xmlns:a16="http://schemas.microsoft.com/office/drawing/2014/main" id="{2F72B152-61F0-FEFE-EAD4-54942375A292}"/>
+              </a:ext>
+            </a:extLst>
+          </p:cNvPr>
+          <p:cNvSpPr txBox="1"/>
+          <p:nvPr/>
+        </p:nvSpPr>
+        <p:spPr>
+          <a:xfrm>
+            <a:off x="4216921" y="2374646"/>
+            <a:ext cx="405880" cy="246221"/>
+          </a:xfrm>
+          <a:prstGeom prst="rect">
+            <a:avLst/>
+          </a:prstGeom>
+          <a:solidFill>
+            <a:schemeClr val="bg1"/>
+          </a:solidFill>
+          <a:ln>
+            <a:solidFill>
+              <a:schemeClr val="accent1"/>
+            </a:solidFill>
+          </a:ln>
+        </p:spPr>
+        <p:txBody>
+          <a:bodyPr wrap="none" rtlCol="0">
+            <a:spAutoFit/>
+          </a:bodyPr>
+          <a:lstStyle/>
+          <a:p>
+            <a:r>
+              <a:rPr lang="en-US" altLang="ko-KR" sz="1000" dirty="0"/>
+              <a:t>add</a:t>
+            </a:r>
+            <a:endParaRPr lang="ko-KR" altLang="en-US" sz="1000" dirty="0"/>
+          </a:p>
+        </p:txBody>
+      </p:sp>
+      <p:sp>
+        <p:nvSpPr>
+          <p:cNvPr id="7" name="TextBox 6">
+            <a:extLst>
+              <a:ext uri="{FF2B5EF4-FFF2-40B4-BE49-F238E27FC236}">
+                <a16:creationId xmlns:a16="http://schemas.microsoft.com/office/drawing/2014/main" id="{C9E780C8-05D5-FC27-87B3-499DB77EDE5D}"/>
+              </a:ext>
+            </a:extLst>
+          </p:cNvPr>
+          <p:cNvSpPr txBox="1"/>
+          <p:nvPr/>
+        </p:nvSpPr>
+        <p:spPr>
+          <a:xfrm>
+            <a:off x="4238561" y="2856863"/>
+            <a:ext cx="362600" cy="246221"/>
+          </a:xfrm>
+          <a:prstGeom prst="rect">
+            <a:avLst/>
+          </a:prstGeom>
+          <a:solidFill>
+            <a:schemeClr val="bg1"/>
+          </a:solidFill>
+          <a:ln>
+            <a:solidFill>
+              <a:schemeClr val="accent1"/>
+            </a:solidFill>
+          </a:ln>
+        </p:spPr>
+        <p:txBody>
+          <a:bodyPr wrap="none" rtlCol="0">
+            <a:spAutoFit/>
+          </a:bodyPr>
+          <a:lstStyle/>
+          <a:p>
+            <a:r>
+              <a:rPr lang="en-US" altLang="ko-KR" sz="1000" dirty="0"/>
+              <a:t>del</a:t>
+            </a:r>
+            <a:endParaRPr lang="ko-KR" altLang="en-US" sz="1000" dirty="0"/>
+          </a:p>
+        </p:txBody>
+      </p:sp>
+    </p:spTree>
+    <p:extLst>
+      <p:ext uri="{BB962C8B-B14F-4D97-AF65-F5344CB8AC3E}">
+        <p14:creationId xmlns:p14="http://schemas.microsoft.com/office/powerpoint/2010/main" val="1482082224"/>
+      </p:ext>
+    </p:extLst>
+  </p:cSld>
+  <p:clrMapOvr>
+    <a:masterClrMapping/>
+  </p:clrMapOvr>
+</p:sld>
+</file>
+
+<file path=ppt/slides/slide11.xml><?xml version="1.0" encoding="utf-8"?>
+<p:sld xmlns:a="http://schemas.openxmlformats.org/drawingml/2006/main" xmlns:r="http://schemas.openxmlformats.org/officeDocument/2006/relationships" xmlns:p="http://schemas.openxmlformats.org/presentationml/2006/main">
+  <p:cSld>
+    <p:spTree>
+      <p:nvGrpSpPr>
+        <p:cNvPr id="1" name=""/>
+        <p:cNvGrpSpPr/>
+        <p:nvPr/>
+      </p:nvGrpSpPr>
+      <p:grpSpPr>
+        <a:xfrm>
+          <a:off x="0" y="0"/>
+          <a:ext cx="0" cy="0"/>
+          <a:chOff x="0" y="0"/>
+          <a:chExt cx="0" cy="0"/>
+        </a:xfrm>
+      </p:grpSpPr>
+      <p:pic>
+        <p:nvPicPr>
           <p:cNvPr id="3" name="그림 2">
             <a:extLst>
               <a:ext uri="{FF2B5EF4-FFF2-40B4-BE49-F238E27FC236}">
@@ -4661,7 +5021,7 @@
 </p:sld>
 </file>
 
-<file path=ppt/slides/slide11.xml><?xml version="1.0" encoding="utf-8"?>
+<file path=ppt/slides/slide12.xml><?xml version="1.0" encoding="utf-8"?>
 <p:sld xmlns:a="http://schemas.openxmlformats.org/drawingml/2006/main" xmlns:r="http://schemas.openxmlformats.org/officeDocument/2006/relationships" xmlns:p="http://schemas.openxmlformats.org/presentationml/2006/main">
   <p:cSld>
     <p:spTree>
@@ -25799,6 +26159,1066 @@
 </file>
 
 <file path=ppt/slides/slide8.xml><?xml version="1.0" encoding="utf-8"?>
+<p:sld xmlns:a="http://schemas.openxmlformats.org/drawingml/2006/main" xmlns:r="http://schemas.openxmlformats.org/officeDocument/2006/relationships" xmlns:p="http://schemas.openxmlformats.org/presentationml/2006/main">
+  <p:cSld>
+    <p:spTree>
+      <p:nvGrpSpPr>
+        <p:cNvPr id="1" name=""/>
+        <p:cNvGrpSpPr/>
+        <p:nvPr/>
+      </p:nvGrpSpPr>
+      <p:grpSpPr>
+        <a:xfrm>
+          <a:off x="0" y="0"/>
+          <a:ext cx="0" cy="0"/>
+          <a:chOff x="0" y="0"/>
+          <a:chExt cx="0" cy="0"/>
+        </a:xfrm>
+      </p:grpSpPr>
+      <p:pic>
+        <p:nvPicPr>
+          <p:cNvPr id="5" name="그림 4">
+            <a:extLst>
+              <a:ext uri="{FF2B5EF4-FFF2-40B4-BE49-F238E27FC236}">
+                <a16:creationId xmlns:a16="http://schemas.microsoft.com/office/drawing/2014/main" id="{4BF000A0-662A-BE14-D29A-D87A928D4D4F}"/>
+              </a:ext>
+            </a:extLst>
+          </p:cNvPr>
+          <p:cNvPicPr>
+            <a:picLocks noChangeAspect="1"/>
+          </p:cNvPicPr>
+          <p:nvPr/>
+        </p:nvPicPr>
+        <p:blipFill>
+          <a:blip r:embed="rId2"/>
+          <a:stretch>
+            <a:fillRect/>
+          </a:stretch>
+        </p:blipFill>
+        <p:spPr>
+          <a:xfrm>
+            <a:off x="0" y="95250"/>
+            <a:ext cx="12192000" cy="6667500"/>
+          </a:xfrm>
+          <a:prstGeom prst="rect">
+            <a:avLst/>
+          </a:prstGeom>
+        </p:spPr>
+      </p:pic>
+      <p:grpSp>
+        <p:nvGrpSpPr>
+          <p:cNvPr id="6" name="그룹 5">
+            <a:extLst>
+              <a:ext uri="{FF2B5EF4-FFF2-40B4-BE49-F238E27FC236}">
+                <a16:creationId xmlns:a16="http://schemas.microsoft.com/office/drawing/2014/main" id="{94BF2312-06BF-E34A-6681-7D4B3B8D6B4B}"/>
+              </a:ext>
+            </a:extLst>
+          </p:cNvPr>
+          <p:cNvGrpSpPr/>
+          <p:nvPr/>
+        </p:nvGrpSpPr>
+        <p:grpSpPr>
+          <a:xfrm>
+            <a:off x="3930650" y="774700"/>
+            <a:ext cx="1275229" cy="276784"/>
+            <a:chOff x="240013" y="212436"/>
+            <a:chExt cx="11429473" cy="6378239"/>
+          </a:xfrm>
+        </p:grpSpPr>
+        <p:cxnSp>
+          <p:nvCxnSpPr>
+            <p:cNvPr id="7" name="직선 연결선 6">
+              <a:extLst>
+                <a:ext uri="{FF2B5EF4-FFF2-40B4-BE49-F238E27FC236}">
+                  <a16:creationId xmlns:a16="http://schemas.microsoft.com/office/drawing/2014/main" id="{FE4583E2-3A48-F4EB-938F-D9796E4901DA}"/>
+                </a:ext>
+              </a:extLst>
+            </p:cNvPr>
+            <p:cNvCxnSpPr>
+              <a:cxnSpLocks/>
+            </p:cNvCxnSpPr>
+            <p:nvPr/>
+          </p:nvCxnSpPr>
+          <p:spPr>
+            <a:xfrm>
+              <a:off x="240013" y="212436"/>
+              <a:ext cx="11429473" cy="6188364"/>
+            </a:xfrm>
+            <a:prstGeom prst="line">
+              <a:avLst/>
+            </a:prstGeom>
+            <a:ln w="9525">
+              <a:solidFill>
+                <a:srgbClr val="00B050"/>
+              </a:solidFill>
+            </a:ln>
+          </p:spPr>
+          <p:style>
+            <a:lnRef idx="1">
+              <a:schemeClr val="accent2"/>
+            </a:lnRef>
+            <a:fillRef idx="0">
+              <a:schemeClr val="accent2"/>
+            </a:fillRef>
+            <a:effectRef idx="0">
+              <a:schemeClr val="accent2"/>
+            </a:effectRef>
+            <a:fontRef idx="minor">
+              <a:schemeClr val="tx1"/>
+            </a:fontRef>
+          </p:style>
+        </p:cxnSp>
+        <p:cxnSp>
+          <p:nvCxnSpPr>
+            <p:cNvPr id="8" name="직선 연결선 7">
+              <a:extLst>
+                <a:ext uri="{FF2B5EF4-FFF2-40B4-BE49-F238E27FC236}">
+                  <a16:creationId xmlns:a16="http://schemas.microsoft.com/office/drawing/2014/main" id="{D739BBF7-4213-0AA4-6927-1A8A917B1503}"/>
+                </a:ext>
+              </a:extLst>
+            </p:cNvPr>
+            <p:cNvCxnSpPr>
+              <a:cxnSpLocks/>
+            </p:cNvCxnSpPr>
+            <p:nvPr/>
+          </p:nvCxnSpPr>
+          <p:spPr>
+            <a:xfrm flipV="1">
+              <a:off x="478683" y="883750"/>
+              <a:ext cx="10922742" cy="5706925"/>
+            </a:xfrm>
+            <a:prstGeom prst="line">
+              <a:avLst/>
+            </a:prstGeom>
+            <a:ln w="9525">
+              <a:solidFill>
+                <a:srgbClr val="00B050"/>
+              </a:solidFill>
+            </a:ln>
+          </p:spPr>
+          <p:style>
+            <a:lnRef idx="1">
+              <a:schemeClr val="accent2"/>
+            </a:lnRef>
+            <a:fillRef idx="0">
+              <a:schemeClr val="accent2"/>
+            </a:fillRef>
+            <a:effectRef idx="0">
+              <a:schemeClr val="accent2"/>
+            </a:effectRef>
+            <a:fontRef idx="minor">
+              <a:schemeClr val="tx1"/>
+            </a:fontRef>
+          </p:style>
+        </p:cxnSp>
+      </p:grpSp>
+      <p:sp>
+        <p:nvSpPr>
+          <p:cNvPr id="9" name="직사각형 8">
+            <a:extLst>
+              <a:ext uri="{FF2B5EF4-FFF2-40B4-BE49-F238E27FC236}">
+                <a16:creationId xmlns:a16="http://schemas.microsoft.com/office/drawing/2014/main" id="{E1CC9D1A-07BA-1A52-0F56-4F9943EEED1C}"/>
+              </a:ext>
+            </a:extLst>
+          </p:cNvPr>
+          <p:cNvSpPr/>
+          <p:nvPr/>
+        </p:nvSpPr>
+        <p:spPr>
+          <a:xfrm>
+            <a:off x="3838985" y="1722695"/>
+            <a:ext cx="199615" cy="3329366"/>
+          </a:xfrm>
+          <a:prstGeom prst="rect">
+            <a:avLst/>
+          </a:prstGeom>
+          <a:noFill/>
+          <a:ln>
+            <a:solidFill>
+              <a:srgbClr val="00B050"/>
+            </a:solidFill>
+            <a:prstDash val="dash"/>
+          </a:ln>
+        </p:spPr>
+        <p:style>
+          <a:lnRef idx="2">
+            <a:schemeClr val="accent1">
+              <a:shade val="15000"/>
+            </a:schemeClr>
+          </a:lnRef>
+          <a:fillRef idx="1">
+            <a:schemeClr val="accent1"/>
+          </a:fillRef>
+          <a:effectRef idx="0">
+            <a:schemeClr val="accent1"/>
+          </a:effectRef>
+          <a:fontRef idx="minor">
+            <a:schemeClr val="lt1"/>
+          </a:fontRef>
+        </p:style>
+        <p:txBody>
+          <a:bodyPr rtlCol="0" anchor="ctr"/>
+          <a:lstStyle/>
+          <a:p>
+            <a:pPr algn="ctr"/>
+            <a:endParaRPr lang="ko-KR" altLang="en-US">
+              <a:solidFill>
+                <a:srgbClr val="00B050"/>
+              </a:solidFill>
+            </a:endParaRPr>
+          </a:p>
+        </p:txBody>
+      </p:sp>
+      <p:sp>
+        <p:nvSpPr>
+          <p:cNvPr id="10" name="자유형: 도형 9">
+            <a:extLst>
+              <a:ext uri="{FF2B5EF4-FFF2-40B4-BE49-F238E27FC236}">
+                <a16:creationId xmlns:a16="http://schemas.microsoft.com/office/drawing/2014/main" id="{08FD67C1-EBA8-8C20-2D4A-2E3FA916400F}"/>
+              </a:ext>
+            </a:extLst>
+          </p:cNvPr>
+          <p:cNvSpPr/>
+          <p:nvPr/>
+        </p:nvSpPr>
+        <p:spPr>
+          <a:xfrm>
+            <a:off x="2374900" y="1981200"/>
+            <a:ext cx="1466850" cy="177800"/>
+          </a:xfrm>
+          <a:custGeom>
+            <a:avLst/>
+            <a:gdLst>
+              <a:gd name="connsiteX0" fmla="*/ 0 w 1466850"/>
+              <a:gd name="connsiteY0" fmla="*/ 0 h 177800"/>
+              <a:gd name="connsiteX1" fmla="*/ 0 w 1466850"/>
+              <a:gd name="connsiteY1" fmla="*/ 177800 h 177800"/>
+              <a:gd name="connsiteX2" fmla="*/ 1466850 w 1466850"/>
+              <a:gd name="connsiteY2" fmla="*/ 177800 h 177800"/>
+            </a:gdLst>
+            <a:ahLst/>
+            <a:cxnLst>
+              <a:cxn ang="0">
+                <a:pos x="connsiteX0" y="connsiteY0"/>
+              </a:cxn>
+              <a:cxn ang="0">
+                <a:pos x="connsiteX1" y="connsiteY1"/>
+              </a:cxn>
+              <a:cxn ang="0">
+                <a:pos x="connsiteX2" y="connsiteY2"/>
+              </a:cxn>
+            </a:cxnLst>
+            <a:rect l="l" t="t" r="r" b="b"/>
+            <a:pathLst>
+              <a:path w="1466850" h="177800">
+                <a:moveTo>
+                  <a:pt x="0" y="0"/>
+                </a:moveTo>
+                <a:lnTo>
+                  <a:pt x="0" y="177800"/>
+                </a:lnTo>
+                <a:lnTo>
+                  <a:pt x="1466850" y="177800"/>
+                </a:lnTo>
+              </a:path>
+            </a:pathLst>
+          </a:custGeom>
+          <a:noFill/>
+          <a:ln>
+            <a:solidFill>
+              <a:srgbClr val="00B050"/>
+            </a:solidFill>
+            <a:prstDash val="dash"/>
+            <a:headEnd type="oval"/>
+          </a:ln>
+        </p:spPr>
+        <p:style>
+          <a:lnRef idx="2">
+            <a:schemeClr val="accent1">
+              <a:shade val="15000"/>
+            </a:schemeClr>
+          </a:lnRef>
+          <a:fillRef idx="1">
+            <a:schemeClr val="accent1"/>
+          </a:fillRef>
+          <a:effectRef idx="0">
+            <a:schemeClr val="accent1"/>
+          </a:effectRef>
+          <a:fontRef idx="minor">
+            <a:schemeClr val="lt1"/>
+          </a:fontRef>
+        </p:style>
+        <p:txBody>
+          <a:bodyPr rtlCol="0" anchor="ctr"/>
+          <a:lstStyle/>
+          <a:p>
+            <a:pPr algn="ctr"/>
+            <a:endParaRPr lang="ko-KR" altLang="en-US">
+              <a:solidFill>
+                <a:srgbClr val="00B050"/>
+              </a:solidFill>
+            </a:endParaRPr>
+          </a:p>
+        </p:txBody>
+      </p:sp>
+      <p:sp>
+        <p:nvSpPr>
+          <p:cNvPr id="11" name="TextBox 10">
+            <a:extLst>
+              <a:ext uri="{FF2B5EF4-FFF2-40B4-BE49-F238E27FC236}">
+                <a16:creationId xmlns:a16="http://schemas.microsoft.com/office/drawing/2014/main" id="{4E8B6E40-12FE-4EAD-BBA1-26F4F65DDBD0}"/>
+              </a:ext>
+            </a:extLst>
+          </p:cNvPr>
+          <p:cNvSpPr txBox="1"/>
+          <p:nvPr/>
+        </p:nvSpPr>
+        <p:spPr>
+          <a:xfrm>
+            <a:off x="2517789" y="2159000"/>
+            <a:ext cx="1321196" cy="184666"/>
+          </a:xfrm>
+          <a:prstGeom prst="rect">
+            <a:avLst/>
+          </a:prstGeom>
+          <a:noFill/>
+        </p:spPr>
+        <p:txBody>
+          <a:bodyPr wrap="none" rtlCol="0">
+            <a:spAutoFit/>
+          </a:bodyPr>
+          <a:lstStyle/>
+          <a:p>
+            <a:r>
+              <a:rPr lang="ko-KR" altLang="en-US" sz="600" dirty="0">
+                <a:solidFill>
+                  <a:srgbClr val="00B050"/>
+                </a:solidFill>
+              </a:rPr>
+              <a:t>드롭다운 항목 선택 시 자동 채움</a:t>
+            </a:r>
+          </a:p>
+        </p:txBody>
+      </p:sp>
+      <p:sp>
+        <p:nvSpPr>
+          <p:cNvPr id="12" name="직사각형 11">
+            <a:extLst>
+              <a:ext uri="{FF2B5EF4-FFF2-40B4-BE49-F238E27FC236}">
+                <a16:creationId xmlns:a16="http://schemas.microsoft.com/office/drawing/2014/main" id="{3E30B043-F1DA-3BB7-7905-58309196EA86}"/>
+              </a:ext>
+            </a:extLst>
+          </p:cNvPr>
+          <p:cNvSpPr/>
+          <p:nvPr/>
+        </p:nvSpPr>
+        <p:spPr>
+          <a:xfrm>
+            <a:off x="9670612" y="1584583"/>
+            <a:ext cx="1335526" cy="201355"/>
+          </a:xfrm>
+          <a:prstGeom prst="rect">
+            <a:avLst/>
+          </a:prstGeom>
+          <a:noFill/>
+          <a:ln>
+            <a:solidFill>
+              <a:srgbClr val="FF00FF"/>
+            </a:solidFill>
+            <a:prstDash val="dash"/>
+          </a:ln>
+        </p:spPr>
+        <p:style>
+          <a:lnRef idx="2">
+            <a:schemeClr val="accent1">
+              <a:shade val="15000"/>
+            </a:schemeClr>
+          </a:lnRef>
+          <a:fillRef idx="1">
+            <a:schemeClr val="accent1"/>
+          </a:fillRef>
+          <a:effectRef idx="0">
+            <a:schemeClr val="accent1"/>
+          </a:effectRef>
+          <a:fontRef idx="minor">
+            <a:schemeClr val="lt1"/>
+          </a:fontRef>
+        </p:style>
+        <p:txBody>
+          <a:bodyPr rtlCol="0" anchor="ctr"/>
+          <a:lstStyle/>
+          <a:p>
+            <a:pPr algn="ctr"/>
+            <a:endParaRPr lang="ko-KR" altLang="en-US"/>
+          </a:p>
+        </p:txBody>
+      </p:sp>
+      <p:sp>
+        <p:nvSpPr>
+          <p:cNvPr id="13" name="TextBox 12">
+            <a:extLst>
+              <a:ext uri="{FF2B5EF4-FFF2-40B4-BE49-F238E27FC236}">
+                <a16:creationId xmlns:a16="http://schemas.microsoft.com/office/drawing/2014/main" id="{D467E58D-AB38-FA40-81CE-4715701DC191}"/>
+              </a:ext>
+            </a:extLst>
+          </p:cNvPr>
+          <p:cNvSpPr txBox="1"/>
+          <p:nvPr/>
+        </p:nvSpPr>
+        <p:spPr>
+          <a:xfrm>
+            <a:off x="9010014" y="835325"/>
+            <a:ext cx="1425390" cy="184666"/>
+          </a:xfrm>
+          <a:prstGeom prst="rect">
+            <a:avLst/>
+          </a:prstGeom>
+          <a:noFill/>
+        </p:spPr>
+        <p:txBody>
+          <a:bodyPr wrap="none" rtlCol="0">
+            <a:spAutoFit/>
+          </a:bodyPr>
+          <a:lstStyle/>
+          <a:p>
+            <a:r>
+              <a:rPr lang="ko-KR" altLang="en-US" sz="600" dirty="0">
+                <a:solidFill>
+                  <a:srgbClr val="FF00FF"/>
+                </a:solidFill>
+              </a:rPr>
+              <a:t>레이블 더블 클릭 시 수식 예시 </a:t>
+            </a:r>
+            <a:r>
+              <a:rPr lang="ko-KR" altLang="en-US" sz="600" dirty="0" err="1">
+                <a:solidFill>
+                  <a:srgbClr val="FF00FF"/>
+                </a:solidFill>
+              </a:rPr>
+              <a:t>새창</a:t>
+            </a:r>
+            <a:endParaRPr lang="ko-KR" altLang="en-US" sz="600" dirty="0">
+              <a:solidFill>
+                <a:srgbClr val="FF00FF"/>
+              </a:solidFill>
+            </a:endParaRPr>
+          </a:p>
+        </p:txBody>
+      </p:sp>
+      <p:sp>
+        <p:nvSpPr>
+          <p:cNvPr id="14" name="자유형: 도형 13">
+            <a:extLst>
+              <a:ext uri="{FF2B5EF4-FFF2-40B4-BE49-F238E27FC236}">
+                <a16:creationId xmlns:a16="http://schemas.microsoft.com/office/drawing/2014/main" id="{EAA13000-5A2A-BD05-FECB-8244E7166F6E}"/>
+              </a:ext>
+            </a:extLst>
+          </p:cNvPr>
+          <p:cNvSpPr/>
+          <p:nvPr/>
+        </p:nvSpPr>
+        <p:spPr>
+          <a:xfrm>
+            <a:off x="9380220" y="1021080"/>
+            <a:ext cx="556260" cy="563880"/>
+          </a:xfrm>
+          <a:custGeom>
+            <a:avLst/>
+            <a:gdLst>
+              <a:gd name="connsiteX0" fmla="*/ 0 w 556260"/>
+              <a:gd name="connsiteY0" fmla="*/ 0 h 563880"/>
+              <a:gd name="connsiteX1" fmla="*/ 0 w 556260"/>
+              <a:gd name="connsiteY1" fmla="*/ 152400 h 563880"/>
+              <a:gd name="connsiteX2" fmla="*/ 556260 w 556260"/>
+              <a:gd name="connsiteY2" fmla="*/ 152400 h 563880"/>
+              <a:gd name="connsiteX3" fmla="*/ 556260 w 556260"/>
+              <a:gd name="connsiteY3" fmla="*/ 563880 h 563880"/>
+            </a:gdLst>
+            <a:ahLst/>
+            <a:cxnLst>
+              <a:cxn ang="0">
+                <a:pos x="connsiteX0" y="connsiteY0"/>
+              </a:cxn>
+              <a:cxn ang="0">
+                <a:pos x="connsiteX1" y="connsiteY1"/>
+              </a:cxn>
+              <a:cxn ang="0">
+                <a:pos x="connsiteX2" y="connsiteY2"/>
+              </a:cxn>
+              <a:cxn ang="0">
+                <a:pos x="connsiteX3" y="connsiteY3"/>
+              </a:cxn>
+            </a:cxnLst>
+            <a:rect l="l" t="t" r="r" b="b"/>
+            <a:pathLst>
+              <a:path w="556260" h="563880">
+                <a:moveTo>
+                  <a:pt x="0" y="0"/>
+                </a:moveTo>
+                <a:lnTo>
+                  <a:pt x="0" y="152400"/>
+                </a:lnTo>
+                <a:lnTo>
+                  <a:pt x="556260" y="152400"/>
+                </a:lnTo>
+                <a:lnTo>
+                  <a:pt x="556260" y="563880"/>
+                </a:lnTo>
+              </a:path>
+            </a:pathLst>
+          </a:custGeom>
+          <a:noFill/>
+          <a:ln>
+            <a:solidFill>
+              <a:srgbClr val="FF00FF"/>
+            </a:solidFill>
+            <a:prstDash val="dash"/>
+          </a:ln>
+        </p:spPr>
+        <p:style>
+          <a:lnRef idx="2">
+            <a:schemeClr val="accent1">
+              <a:shade val="15000"/>
+            </a:schemeClr>
+          </a:lnRef>
+          <a:fillRef idx="1">
+            <a:schemeClr val="accent1"/>
+          </a:fillRef>
+          <a:effectRef idx="0">
+            <a:schemeClr val="accent1"/>
+          </a:effectRef>
+          <a:fontRef idx="minor">
+            <a:schemeClr val="lt1"/>
+          </a:fontRef>
+        </p:style>
+        <p:txBody>
+          <a:bodyPr rtlCol="0" anchor="ctr"/>
+          <a:lstStyle/>
+          <a:p>
+            <a:pPr algn="ctr"/>
+            <a:endParaRPr lang="ko-KR" altLang="en-US"/>
+          </a:p>
+        </p:txBody>
+      </p:sp>
+      <p:pic>
+        <p:nvPicPr>
+          <p:cNvPr id="16" name="그림 15">
+            <a:extLst>
+              <a:ext uri="{FF2B5EF4-FFF2-40B4-BE49-F238E27FC236}">
+                <a16:creationId xmlns:a16="http://schemas.microsoft.com/office/drawing/2014/main" id="{179C69BC-F006-6082-F4FB-AAF71667BCDA}"/>
+              </a:ext>
+            </a:extLst>
+          </p:cNvPr>
+          <p:cNvPicPr>
+            <a:picLocks noChangeAspect="1"/>
+          </p:cNvPicPr>
+          <p:nvPr/>
+        </p:nvPicPr>
+        <p:blipFill>
+          <a:blip r:embed="rId3"/>
+          <a:stretch>
+            <a:fillRect/>
+          </a:stretch>
+        </p:blipFill>
+        <p:spPr>
+          <a:xfrm>
+            <a:off x="8763258" y="-1742314"/>
+            <a:ext cx="1803142" cy="2517014"/>
+          </a:xfrm>
+          <a:prstGeom prst="rect">
+            <a:avLst/>
+          </a:prstGeom>
+          <a:ln w="25400">
+            <a:solidFill>
+              <a:schemeClr val="accent1">
+                <a:shade val="15000"/>
+              </a:schemeClr>
+            </a:solidFill>
+          </a:ln>
+        </p:spPr>
+      </p:pic>
+      <p:sp>
+        <p:nvSpPr>
+          <p:cNvPr id="17" name="TextBox 16">
+            <a:extLst>
+              <a:ext uri="{FF2B5EF4-FFF2-40B4-BE49-F238E27FC236}">
+                <a16:creationId xmlns:a16="http://schemas.microsoft.com/office/drawing/2014/main" id="{6491D352-11C4-E37A-1ECC-613EF5D509DA}"/>
+              </a:ext>
+            </a:extLst>
+          </p:cNvPr>
+          <p:cNvSpPr txBox="1"/>
+          <p:nvPr/>
+        </p:nvSpPr>
+        <p:spPr>
+          <a:xfrm>
+            <a:off x="4762981" y="1043244"/>
+            <a:ext cx="519694" cy="184666"/>
+          </a:xfrm>
+          <a:prstGeom prst="rect">
+            <a:avLst/>
+          </a:prstGeom>
+          <a:noFill/>
+        </p:spPr>
+        <p:txBody>
+          <a:bodyPr wrap="none" rtlCol="0">
+            <a:spAutoFit/>
+          </a:bodyPr>
+          <a:lstStyle/>
+          <a:p>
+            <a:r>
+              <a:rPr lang="ko-KR" altLang="en-US" sz="600" dirty="0">
+                <a:solidFill>
+                  <a:srgbClr val="00B050"/>
+                </a:solidFill>
+              </a:rPr>
+              <a:t>버튼 삭제</a:t>
+            </a:r>
+          </a:p>
+        </p:txBody>
+      </p:sp>
+      <p:sp>
+        <p:nvSpPr>
+          <p:cNvPr id="18" name="직사각형 17">
+            <a:extLst>
+              <a:ext uri="{FF2B5EF4-FFF2-40B4-BE49-F238E27FC236}">
+                <a16:creationId xmlns:a16="http://schemas.microsoft.com/office/drawing/2014/main" id="{FE96FBF7-1452-B6DB-A1A4-14C334FB8556}"/>
+              </a:ext>
+            </a:extLst>
+          </p:cNvPr>
+          <p:cNvSpPr/>
+          <p:nvPr/>
+        </p:nvSpPr>
+        <p:spPr>
+          <a:xfrm>
+            <a:off x="105184" y="6083300"/>
+            <a:ext cx="6219415" cy="633444"/>
+          </a:xfrm>
+          <a:prstGeom prst="rect">
+            <a:avLst/>
+          </a:prstGeom>
+          <a:noFill/>
+          <a:ln>
+            <a:solidFill>
+              <a:srgbClr val="FF00FF"/>
+            </a:solidFill>
+            <a:prstDash val="dash"/>
+          </a:ln>
+        </p:spPr>
+        <p:style>
+          <a:lnRef idx="2">
+            <a:schemeClr val="accent1">
+              <a:shade val="15000"/>
+            </a:schemeClr>
+          </a:lnRef>
+          <a:fillRef idx="1">
+            <a:schemeClr val="accent1"/>
+          </a:fillRef>
+          <a:effectRef idx="0">
+            <a:schemeClr val="accent1"/>
+          </a:effectRef>
+          <a:fontRef idx="minor">
+            <a:schemeClr val="lt1"/>
+          </a:fontRef>
+        </p:style>
+        <p:txBody>
+          <a:bodyPr rtlCol="0" anchor="ctr"/>
+          <a:lstStyle/>
+          <a:p>
+            <a:pPr marL="228600" indent="-228600">
+              <a:buAutoNum type="arabicPeriod"/>
+            </a:pPr>
+            <a:r>
+              <a:rPr lang="ko-KR" altLang="en-US" sz="800" dirty="0">
+                <a:solidFill>
+                  <a:schemeClr val="tx1"/>
+                </a:solidFill>
+              </a:rPr>
+              <a:t>빌딩선택</a:t>
+            </a:r>
+            <a:endParaRPr lang="en-US" altLang="ko-KR" sz="800" dirty="0">
+              <a:solidFill>
+                <a:schemeClr val="tx1"/>
+              </a:solidFill>
+            </a:endParaRPr>
+          </a:p>
+          <a:p>
+            <a:pPr marL="228600" indent="-228600">
+              <a:buAutoNum type="arabicPeriod"/>
+            </a:pPr>
+            <a:r>
+              <a:rPr lang="ko-KR" altLang="en-US" sz="800" dirty="0">
+                <a:solidFill>
+                  <a:schemeClr val="tx1"/>
+                </a:solidFill>
+              </a:rPr>
+              <a:t>스탠다드 타입 선택</a:t>
+            </a:r>
+            <a:endParaRPr lang="en-US" altLang="ko-KR" sz="800" dirty="0">
+              <a:solidFill>
+                <a:schemeClr val="tx1"/>
+              </a:solidFill>
+            </a:endParaRPr>
+          </a:p>
+          <a:p>
+            <a:pPr marL="228600" indent="-228600">
+              <a:buAutoNum type="arabicPeriod"/>
+            </a:pPr>
+            <a:r>
+              <a:rPr lang="ko-KR" altLang="en-US" sz="800" dirty="0">
+                <a:solidFill>
+                  <a:schemeClr val="tx1"/>
+                </a:solidFill>
+              </a:rPr>
+              <a:t>적용 타입 등록</a:t>
+            </a:r>
+            <a:endParaRPr lang="en-US" altLang="ko-KR" sz="800" dirty="0">
+              <a:solidFill>
+                <a:schemeClr val="tx1"/>
+              </a:solidFill>
+            </a:endParaRPr>
+          </a:p>
+          <a:p>
+            <a:pPr marL="228600" indent="-228600">
+              <a:buAutoNum type="arabicPeriod"/>
+            </a:pPr>
+            <a:r>
+              <a:rPr lang="en-US" altLang="ko-KR" sz="800" dirty="0">
+                <a:solidFill>
+                  <a:schemeClr val="tx1"/>
+                </a:solidFill>
+              </a:rPr>
+              <a:t>WM </a:t>
+            </a:r>
+            <a:r>
+              <a:rPr lang="ko-KR" altLang="en-US" sz="800" dirty="0">
+                <a:solidFill>
+                  <a:schemeClr val="tx1"/>
+                </a:solidFill>
+              </a:rPr>
+              <a:t>항목 등록</a:t>
+            </a:r>
+          </a:p>
+        </p:txBody>
+      </p:sp>
+      <p:sp>
+        <p:nvSpPr>
+          <p:cNvPr id="19" name="TextBox 18">
+            <a:extLst>
+              <a:ext uri="{FF2B5EF4-FFF2-40B4-BE49-F238E27FC236}">
+                <a16:creationId xmlns:a16="http://schemas.microsoft.com/office/drawing/2014/main" id="{FBA87A43-3713-D81D-2EF6-9DBEB4E4C875}"/>
+              </a:ext>
+            </a:extLst>
+          </p:cNvPr>
+          <p:cNvSpPr txBox="1"/>
+          <p:nvPr/>
+        </p:nvSpPr>
+        <p:spPr>
+          <a:xfrm>
+            <a:off x="6508764" y="6400022"/>
+            <a:ext cx="1217000" cy="184666"/>
+          </a:xfrm>
+          <a:prstGeom prst="rect">
+            <a:avLst/>
+          </a:prstGeom>
+          <a:noFill/>
+        </p:spPr>
+        <p:txBody>
+          <a:bodyPr wrap="none" rtlCol="0">
+            <a:spAutoFit/>
+          </a:bodyPr>
+          <a:lstStyle/>
+          <a:p>
+            <a:r>
+              <a:rPr lang="ko-KR" altLang="en-US" sz="600" dirty="0">
+                <a:solidFill>
+                  <a:srgbClr val="FF00FF"/>
+                </a:solidFill>
+              </a:rPr>
+              <a:t>탭 </a:t>
+            </a:r>
+            <a:r>
+              <a:rPr lang="ko-KR" altLang="en-US" sz="600" dirty="0" err="1">
+                <a:solidFill>
+                  <a:srgbClr val="FF00FF"/>
+                </a:solidFill>
+              </a:rPr>
+              <a:t>시작시</a:t>
+            </a:r>
+            <a:r>
+              <a:rPr lang="ko-KR" altLang="en-US" sz="600" dirty="0">
+                <a:solidFill>
+                  <a:srgbClr val="FF00FF"/>
+                </a:solidFill>
+              </a:rPr>
+              <a:t> 사용 설명서 띄우기</a:t>
+            </a:r>
+          </a:p>
+        </p:txBody>
+      </p:sp>
+      <p:sp>
+        <p:nvSpPr>
+          <p:cNvPr id="20" name="TextBox 19">
+            <a:extLst>
+              <a:ext uri="{FF2B5EF4-FFF2-40B4-BE49-F238E27FC236}">
+                <a16:creationId xmlns:a16="http://schemas.microsoft.com/office/drawing/2014/main" id="{C2207B24-5223-D581-D6DA-C988DF38D2A3}"/>
+              </a:ext>
+            </a:extLst>
+          </p:cNvPr>
+          <p:cNvSpPr txBox="1"/>
+          <p:nvPr/>
+        </p:nvSpPr>
+        <p:spPr>
+          <a:xfrm>
+            <a:off x="7480314" y="4162183"/>
+            <a:ext cx="3196709" cy="369332"/>
+          </a:xfrm>
+          <a:prstGeom prst="rect">
+            <a:avLst/>
+          </a:prstGeom>
+          <a:noFill/>
+        </p:spPr>
+        <p:txBody>
+          <a:bodyPr wrap="none" rtlCol="0">
+            <a:spAutoFit/>
+          </a:bodyPr>
+          <a:lstStyle/>
+          <a:p>
+            <a:r>
+              <a:rPr lang="en-US" altLang="ko-KR" sz="600" dirty="0">
+                <a:solidFill>
+                  <a:srgbClr val="FF00FF"/>
+                </a:solidFill>
+              </a:rPr>
+              <a:t>JSON</a:t>
+            </a:r>
+            <a:r>
+              <a:rPr lang="ko-KR" altLang="en-US" sz="600" dirty="0">
+                <a:solidFill>
+                  <a:srgbClr val="FF00FF"/>
+                </a:solidFill>
+              </a:rPr>
+              <a:t> 상에서는 </a:t>
+            </a:r>
+            <a:r>
+              <a:rPr lang="en-US" altLang="ko-KR" sz="600" dirty="0" err="1">
+                <a:solidFill>
+                  <a:srgbClr val="FF00FF"/>
+                </a:solidFill>
+              </a:rPr>
+              <a:t>stdType</a:t>
+            </a:r>
+            <a:r>
+              <a:rPr lang="en-US" altLang="ko-KR" sz="600" dirty="0">
+                <a:solidFill>
+                  <a:srgbClr val="FF00FF"/>
+                </a:solidFill>
+              </a:rPr>
+              <a:t> </a:t>
+            </a:r>
+            <a:r>
+              <a:rPr lang="ko-KR" altLang="en-US" sz="600" dirty="0">
+                <a:solidFill>
+                  <a:srgbClr val="FF00FF"/>
+                </a:solidFill>
+              </a:rPr>
+              <a:t>키의 값만 교체하고</a:t>
+            </a:r>
+            <a:r>
+              <a:rPr lang="en-US" altLang="ko-KR" sz="600" dirty="0">
+                <a:solidFill>
+                  <a:srgbClr val="FF00FF"/>
+                </a:solidFill>
+              </a:rPr>
+              <a:t>, </a:t>
+            </a:r>
+            <a:r>
+              <a:rPr lang="ko-KR" altLang="en-US" sz="600" dirty="0">
+                <a:solidFill>
+                  <a:srgbClr val="FF00FF"/>
+                </a:solidFill>
+              </a:rPr>
+              <a:t>뷰에서 </a:t>
+            </a:r>
+            <a:r>
+              <a:rPr lang="ko-KR" altLang="en-US" sz="600" dirty="0" err="1">
+                <a:solidFill>
+                  <a:srgbClr val="FF00FF"/>
+                </a:solidFill>
+              </a:rPr>
+              <a:t>키값</a:t>
+            </a:r>
+            <a:r>
+              <a:rPr lang="ko-KR" altLang="en-US" sz="600" dirty="0">
+                <a:solidFill>
+                  <a:srgbClr val="FF00FF"/>
+                </a:solidFill>
+              </a:rPr>
+              <a:t> 여부로 </a:t>
+            </a:r>
+            <a:r>
+              <a:rPr lang="ko-KR" altLang="en-US" sz="600" dirty="0" err="1">
+                <a:solidFill>
+                  <a:srgbClr val="FF00FF"/>
+                </a:solidFill>
+              </a:rPr>
+              <a:t>소팅해서</a:t>
+            </a:r>
+            <a:r>
+              <a:rPr lang="ko-KR" altLang="en-US" sz="600" dirty="0">
+                <a:solidFill>
+                  <a:srgbClr val="FF00FF"/>
+                </a:solidFill>
+              </a:rPr>
+              <a:t> 화면 뿌리기</a:t>
+            </a:r>
+            <a:endParaRPr lang="en-US" altLang="ko-KR" sz="600" dirty="0">
+              <a:solidFill>
+                <a:srgbClr val="FF00FF"/>
+              </a:solidFill>
+            </a:endParaRPr>
+          </a:p>
+          <a:p>
+            <a:r>
+              <a:rPr lang="ko-KR" altLang="en-US" sz="600" dirty="0" err="1">
+                <a:solidFill>
+                  <a:srgbClr val="FF00FF"/>
+                </a:solidFill>
+              </a:rPr>
+              <a:t>화살표누르면</a:t>
+            </a:r>
+            <a:r>
+              <a:rPr lang="ko-KR" altLang="en-US" sz="600" dirty="0">
+                <a:solidFill>
+                  <a:srgbClr val="FF00FF"/>
+                </a:solidFill>
+              </a:rPr>
+              <a:t> </a:t>
+            </a:r>
+            <a:r>
+              <a:rPr lang="en-US" altLang="ko-KR" sz="600" dirty="0" err="1">
+                <a:solidFill>
+                  <a:srgbClr val="FF00FF"/>
+                </a:solidFill>
+              </a:rPr>
+              <a:t>bd_tag</a:t>
+            </a:r>
+            <a:r>
+              <a:rPr lang="en-US" altLang="ko-KR" sz="600" dirty="0">
+                <a:solidFill>
+                  <a:srgbClr val="FF00FF"/>
+                </a:solidFill>
+              </a:rPr>
+              <a:t>, </a:t>
+            </a:r>
+            <a:r>
+              <a:rPr lang="en-US" altLang="ko-KR" sz="600" dirty="0" err="1">
+                <a:solidFill>
+                  <a:srgbClr val="FF00FF"/>
+                </a:solidFill>
+              </a:rPr>
+              <a:t>calc_tag</a:t>
+            </a:r>
+            <a:r>
+              <a:rPr lang="en-US" altLang="ko-KR" sz="600" dirty="0">
+                <a:solidFill>
+                  <a:srgbClr val="FF00FF"/>
+                </a:solidFill>
+              </a:rPr>
+              <a:t>, </a:t>
+            </a:r>
+            <a:r>
+              <a:rPr lang="en-US" altLang="ko-KR" sz="600" dirty="0" err="1">
+                <a:solidFill>
+                  <a:srgbClr val="FF00FF"/>
+                </a:solidFill>
+              </a:rPr>
+              <a:t>stdType_tag</a:t>
+            </a:r>
+            <a:r>
+              <a:rPr lang="ko-KR" altLang="en-US" sz="600" dirty="0">
+                <a:solidFill>
+                  <a:srgbClr val="FF00FF"/>
+                </a:solidFill>
+              </a:rPr>
+              <a:t>의 </a:t>
+            </a:r>
+            <a:r>
+              <a:rPr lang="ko-KR" altLang="en-US" sz="600" dirty="0" err="1">
+                <a:solidFill>
+                  <a:srgbClr val="FF00FF"/>
+                </a:solidFill>
+              </a:rPr>
+              <a:t>키값을</a:t>
+            </a:r>
+            <a:r>
+              <a:rPr lang="ko-KR" altLang="en-US" sz="600" dirty="0">
+                <a:solidFill>
+                  <a:srgbClr val="FF00FF"/>
+                </a:solidFill>
+              </a:rPr>
+              <a:t> 변경하고 </a:t>
+            </a:r>
+            <a:endParaRPr lang="en-US" altLang="ko-KR" sz="600" dirty="0">
+              <a:solidFill>
+                <a:srgbClr val="FF00FF"/>
+              </a:solidFill>
+            </a:endParaRPr>
+          </a:p>
+          <a:p>
+            <a:r>
+              <a:rPr lang="ko-KR" altLang="en-US" sz="600" dirty="0">
+                <a:solidFill>
+                  <a:srgbClr val="FF00FF"/>
+                </a:solidFill>
+              </a:rPr>
+              <a:t>필요시 </a:t>
+            </a:r>
+            <a:r>
+              <a:rPr lang="ko-KR" altLang="en-US" sz="600" dirty="0" err="1">
+                <a:solidFill>
+                  <a:srgbClr val="FF00FF"/>
+                </a:solidFill>
+              </a:rPr>
+              <a:t>새로고침</a:t>
+            </a:r>
+            <a:r>
+              <a:rPr lang="ko-KR" altLang="en-US" sz="600" dirty="0">
+                <a:solidFill>
+                  <a:srgbClr val="FF00FF"/>
+                </a:solidFill>
+              </a:rPr>
+              <a:t> 함수 </a:t>
+            </a:r>
+            <a:r>
+              <a:rPr lang="ko-KR" altLang="en-US" sz="600" dirty="0" err="1">
+                <a:solidFill>
+                  <a:srgbClr val="FF00FF"/>
+                </a:solidFill>
+              </a:rPr>
+              <a:t>바인드</a:t>
+            </a:r>
+            <a:endParaRPr lang="ko-KR" altLang="en-US" sz="600" dirty="0">
+              <a:solidFill>
+                <a:srgbClr val="FF00FF"/>
+              </a:solidFill>
+            </a:endParaRPr>
+          </a:p>
+        </p:txBody>
+      </p:sp>
+    </p:spTree>
+    <p:extLst>
+      <p:ext uri="{BB962C8B-B14F-4D97-AF65-F5344CB8AC3E}">
+        <p14:creationId xmlns:p14="http://schemas.microsoft.com/office/powerpoint/2010/main" val="1933626405"/>
+      </p:ext>
+    </p:extLst>
+  </p:cSld>
+  <p:clrMapOvr>
+    <a:masterClrMapping/>
+  </p:clrMapOvr>
+</p:sld>
+</file>
+
+<file path=ppt/slides/slide9.xml><?xml version="1.0" encoding="utf-8"?>
 <p:sld xmlns:a="http://schemas.openxmlformats.org/drawingml/2006/main" xmlns:r="http://schemas.openxmlformats.org/officeDocument/2006/relationships" xmlns:p="http://schemas.openxmlformats.org/presentationml/2006/main">
   <p:cSld>
     <p:spTree>
@@ -32069,365 +33489,6 @@
 </p:sld>
 </file>
 
-<file path=ppt/slides/slide9.xml><?xml version="1.0" encoding="utf-8"?>
-<p:sld xmlns:a="http://schemas.openxmlformats.org/drawingml/2006/main" xmlns:r="http://schemas.openxmlformats.org/officeDocument/2006/relationships" xmlns:p="http://schemas.openxmlformats.org/presentationml/2006/main">
-  <p:cSld>
-    <p:spTree>
-      <p:nvGrpSpPr>
-        <p:cNvPr id="1" name=""/>
-        <p:cNvGrpSpPr/>
-        <p:nvPr/>
-      </p:nvGrpSpPr>
-      <p:grpSpPr>
-        <a:xfrm>
-          <a:off x="0" y="0"/>
-          <a:ext cx="0" cy="0"/>
-          <a:chOff x="0" y="0"/>
-          <a:chExt cx="0" cy="0"/>
-        </a:xfrm>
-      </p:grpSpPr>
-      <p:pic>
-        <p:nvPicPr>
-          <p:cNvPr id="5" name="그림 4">
-            <a:extLst>
-              <a:ext uri="{FF2B5EF4-FFF2-40B4-BE49-F238E27FC236}">
-                <a16:creationId xmlns:a16="http://schemas.microsoft.com/office/drawing/2014/main" id="{FC2A3C94-CDBC-F969-6F8F-EE4E02680EC3}"/>
-              </a:ext>
-            </a:extLst>
-          </p:cNvPr>
-          <p:cNvPicPr>
-            <a:picLocks noChangeAspect="1"/>
-          </p:cNvPicPr>
-          <p:nvPr/>
-        </p:nvPicPr>
-        <p:blipFill>
-          <a:blip r:embed="rId2"/>
-          <a:stretch>
-            <a:fillRect/>
-          </a:stretch>
-        </p:blipFill>
-        <p:spPr>
-          <a:xfrm>
-            <a:off x="0" y="166128"/>
-            <a:ext cx="12192000" cy="6525744"/>
-          </a:xfrm>
-          <a:prstGeom prst="rect">
-            <a:avLst/>
-          </a:prstGeom>
-        </p:spPr>
-      </p:pic>
-      <p:pic>
-        <p:nvPicPr>
-          <p:cNvPr id="12" name="그림 11">
-            <a:extLst>
-              <a:ext uri="{FF2B5EF4-FFF2-40B4-BE49-F238E27FC236}">
-                <a16:creationId xmlns:a16="http://schemas.microsoft.com/office/drawing/2014/main" id="{B8EEA736-4E5E-BEC1-7621-3F37EDEA24D7}"/>
-              </a:ext>
-            </a:extLst>
-          </p:cNvPr>
-          <p:cNvPicPr>
-            <a:picLocks noChangeAspect="1"/>
-          </p:cNvPicPr>
-          <p:nvPr/>
-        </p:nvPicPr>
-        <p:blipFill>
-          <a:blip r:embed="rId3"/>
-          <a:stretch>
-            <a:fillRect/>
-          </a:stretch>
-        </p:blipFill>
-        <p:spPr>
-          <a:xfrm>
-            <a:off x="1725201" y="1100698"/>
-            <a:ext cx="6913974" cy="3604648"/>
-          </a:xfrm>
-          <a:prstGeom prst="rect">
-            <a:avLst/>
-          </a:prstGeom>
-        </p:spPr>
-      </p:pic>
-      <p:pic>
-        <p:nvPicPr>
-          <p:cNvPr id="14" name="그림 13">
-            <a:extLst>
-              <a:ext uri="{FF2B5EF4-FFF2-40B4-BE49-F238E27FC236}">
-                <a16:creationId xmlns:a16="http://schemas.microsoft.com/office/drawing/2014/main" id="{73B1E28C-0645-1683-1255-82708E104503}"/>
-              </a:ext>
-            </a:extLst>
-          </p:cNvPr>
-          <p:cNvPicPr>
-            <a:picLocks noChangeAspect="1"/>
-          </p:cNvPicPr>
-          <p:nvPr/>
-        </p:nvPicPr>
-        <p:blipFill>
-          <a:blip r:embed="rId4"/>
-          <a:stretch>
-            <a:fillRect/>
-          </a:stretch>
-        </p:blipFill>
-        <p:spPr>
-          <a:xfrm>
-            <a:off x="1904621" y="1604927"/>
-            <a:ext cx="5430008" cy="504895"/>
-          </a:xfrm>
-          <a:prstGeom prst="rect">
-            <a:avLst/>
-          </a:prstGeom>
-        </p:spPr>
-      </p:pic>
-      <p:sp>
-        <p:nvSpPr>
-          <p:cNvPr id="10" name="직사각형 9">
-            <a:extLst>
-              <a:ext uri="{FF2B5EF4-FFF2-40B4-BE49-F238E27FC236}">
-                <a16:creationId xmlns:a16="http://schemas.microsoft.com/office/drawing/2014/main" id="{B87FFA5B-2978-E164-E9B9-F6A3EB74DC61}"/>
-              </a:ext>
-            </a:extLst>
-          </p:cNvPr>
-          <p:cNvSpPr/>
-          <p:nvPr/>
-        </p:nvSpPr>
-        <p:spPr>
-          <a:xfrm>
-            <a:off x="1981201" y="2344426"/>
-            <a:ext cx="2152650" cy="1338828"/>
-          </a:xfrm>
-          <a:prstGeom prst="rect">
-            <a:avLst/>
-          </a:prstGeom>
-          <a:solidFill>
-            <a:schemeClr val="bg1"/>
-          </a:solidFill>
-          <a:ln>
-            <a:noFill/>
-          </a:ln>
-        </p:spPr>
-        <p:txBody>
-          <a:bodyPr wrap="square" rtlCol="0">
-            <a:spAutoFit/>
-          </a:bodyPr>
-          <a:lstStyle/>
-          <a:p>
-            <a:r>
-              <a:rPr lang="pt-BR" altLang="ko-KR" sz="900" b="1" dirty="0"/>
-              <a:t>H_FL_AR_S17_RC Slab</a:t>
-            </a:r>
-          </a:p>
-          <a:p>
-            <a:r>
-              <a:rPr lang="pt-BR" altLang="ko-KR" sz="900" dirty="0"/>
-              <a:t>H_FL_AR_S17_RC Slab_S Trowel</a:t>
-            </a:r>
-          </a:p>
-          <a:p>
-            <a:r>
-              <a:rPr lang="pt-BR" altLang="ko-KR" sz="900" dirty="0"/>
-              <a:t>H_FL_AR_S17_Roof RC Slab</a:t>
-            </a:r>
-            <a:endParaRPr lang="ko-KR" altLang="en-US" sz="900" dirty="0">
-              <a:solidFill>
-                <a:schemeClr val="tx1"/>
-              </a:solidFill>
-            </a:endParaRPr>
-          </a:p>
-          <a:p>
-            <a:r>
-              <a:rPr lang="en-US" altLang="ko-KR" sz="900" dirty="0"/>
-              <a:t>H_FL_AR_S17_STG Top Slab</a:t>
-            </a:r>
-            <a:endParaRPr lang="ko-KR" altLang="en-US" sz="900" dirty="0">
-              <a:solidFill>
-                <a:schemeClr val="tx1"/>
-              </a:solidFill>
-            </a:endParaRPr>
-          </a:p>
-          <a:p>
-            <a:r>
-              <a:rPr lang="pt-BR" altLang="ko-KR" sz="900" dirty="0"/>
-              <a:t>H_FL_AR_S17_RC Deck Slab</a:t>
-            </a:r>
-            <a:endParaRPr lang="ko-KR" altLang="en-US" sz="900" dirty="0">
-              <a:solidFill>
-                <a:schemeClr val="tx1"/>
-              </a:solidFill>
-            </a:endParaRPr>
-          </a:p>
-          <a:p>
-            <a:r>
-              <a:rPr lang="pt-BR" altLang="ko-KR" sz="900" dirty="0"/>
-              <a:t>H_FL_AR_S17_RC Deck Slab_S Trowel</a:t>
-            </a:r>
-            <a:endParaRPr lang="ko-KR" altLang="en-US" sz="900" dirty="0">
-              <a:solidFill>
-                <a:schemeClr val="tx1"/>
-              </a:solidFill>
-            </a:endParaRPr>
-          </a:p>
-          <a:p>
-            <a:r>
-              <a:rPr lang="en-US" altLang="ko-KR" sz="900" dirty="0"/>
-              <a:t>H_RF_AR_S17_Roof RC Deck Slab</a:t>
-            </a:r>
-            <a:endParaRPr lang="ko-KR" altLang="en-US" sz="900" dirty="0">
-              <a:solidFill>
-                <a:schemeClr val="tx1"/>
-              </a:solidFill>
-            </a:endParaRPr>
-          </a:p>
-          <a:p>
-            <a:r>
-              <a:rPr lang="pt-BR" altLang="ko-KR" sz="900" dirty="0"/>
-              <a:t>H_FL_AR_S05_Grating</a:t>
-            </a:r>
-            <a:endParaRPr lang="ko-KR" altLang="en-US" sz="900" dirty="0">
-              <a:solidFill>
-                <a:schemeClr val="tx1"/>
-              </a:solidFill>
-            </a:endParaRPr>
-          </a:p>
-          <a:p>
-            <a:r>
-              <a:rPr lang="pt-BR" altLang="ko-KR" sz="900" dirty="0"/>
-              <a:t>H_FL_AR_S06_Removable Grating</a:t>
-            </a:r>
-            <a:endParaRPr lang="ko-KR" altLang="en-US" sz="900" dirty="0">
-              <a:solidFill>
-                <a:schemeClr val="tx1"/>
-              </a:solidFill>
-            </a:endParaRPr>
-          </a:p>
-        </p:txBody>
-      </p:sp>
-      <p:pic>
-        <p:nvPicPr>
-          <p:cNvPr id="9" name="그림 8">
-            <a:extLst>
-              <a:ext uri="{FF2B5EF4-FFF2-40B4-BE49-F238E27FC236}">
-                <a16:creationId xmlns:a16="http://schemas.microsoft.com/office/drawing/2014/main" id="{550F43B0-76CB-32E6-5EE0-E75F3CCFF831}"/>
-              </a:ext>
-            </a:extLst>
-          </p:cNvPr>
-          <p:cNvPicPr>
-            <a:picLocks noChangeAspect="1"/>
-          </p:cNvPicPr>
-          <p:nvPr/>
-        </p:nvPicPr>
-        <p:blipFill>
-          <a:blip r:embed="rId5"/>
-          <a:stretch>
-            <a:fillRect/>
-          </a:stretch>
-        </p:blipFill>
-        <p:spPr>
-          <a:xfrm>
-            <a:off x="4705871" y="2214597"/>
-            <a:ext cx="3161779" cy="2076740"/>
-          </a:xfrm>
-          <a:prstGeom prst="rect">
-            <a:avLst/>
-          </a:prstGeom>
-        </p:spPr>
-      </p:pic>
-      <p:sp>
-        <p:nvSpPr>
-          <p:cNvPr id="6" name="TextBox 5">
-            <a:extLst>
-              <a:ext uri="{FF2B5EF4-FFF2-40B4-BE49-F238E27FC236}">
-                <a16:creationId xmlns:a16="http://schemas.microsoft.com/office/drawing/2014/main" id="{2F72B152-61F0-FEFE-EAD4-54942375A292}"/>
-              </a:ext>
-            </a:extLst>
-          </p:cNvPr>
-          <p:cNvSpPr txBox="1"/>
-          <p:nvPr/>
-        </p:nvSpPr>
-        <p:spPr>
-          <a:xfrm>
-            <a:off x="4216921" y="2374646"/>
-            <a:ext cx="405880" cy="246221"/>
-          </a:xfrm>
-          <a:prstGeom prst="rect">
-            <a:avLst/>
-          </a:prstGeom>
-          <a:solidFill>
-            <a:schemeClr val="bg1"/>
-          </a:solidFill>
-          <a:ln>
-            <a:solidFill>
-              <a:schemeClr val="accent1"/>
-            </a:solidFill>
-          </a:ln>
-        </p:spPr>
-        <p:txBody>
-          <a:bodyPr wrap="none" rtlCol="0">
-            <a:spAutoFit/>
-          </a:bodyPr>
-          <a:lstStyle/>
-          <a:p>
-            <a:r>
-              <a:rPr lang="en-US" altLang="ko-KR" sz="1000" dirty="0"/>
-              <a:t>add</a:t>
-            </a:r>
-            <a:endParaRPr lang="ko-KR" altLang="en-US" sz="1000" dirty="0"/>
-          </a:p>
-        </p:txBody>
-      </p:sp>
-      <p:sp>
-        <p:nvSpPr>
-          <p:cNvPr id="7" name="TextBox 6">
-            <a:extLst>
-              <a:ext uri="{FF2B5EF4-FFF2-40B4-BE49-F238E27FC236}">
-                <a16:creationId xmlns:a16="http://schemas.microsoft.com/office/drawing/2014/main" id="{C9E780C8-05D5-FC27-87B3-499DB77EDE5D}"/>
-              </a:ext>
-            </a:extLst>
-          </p:cNvPr>
-          <p:cNvSpPr txBox="1"/>
-          <p:nvPr/>
-        </p:nvSpPr>
-        <p:spPr>
-          <a:xfrm>
-            <a:off x="4238561" y="2856863"/>
-            <a:ext cx="362600" cy="246221"/>
-          </a:xfrm>
-          <a:prstGeom prst="rect">
-            <a:avLst/>
-          </a:prstGeom>
-          <a:solidFill>
-            <a:schemeClr val="bg1"/>
-          </a:solidFill>
-          <a:ln>
-            <a:solidFill>
-              <a:schemeClr val="accent1"/>
-            </a:solidFill>
-          </a:ln>
-        </p:spPr>
-        <p:txBody>
-          <a:bodyPr wrap="none" rtlCol="0">
-            <a:spAutoFit/>
-          </a:bodyPr>
-          <a:lstStyle/>
-          <a:p>
-            <a:r>
-              <a:rPr lang="en-US" altLang="ko-KR" sz="1000" dirty="0"/>
-              <a:t>del</a:t>
-            </a:r>
-            <a:endParaRPr lang="ko-KR" altLang="en-US" sz="1000" dirty="0"/>
-          </a:p>
-        </p:txBody>
-      </p:sp>
-    </p:spTree>
-    <p:extLst>
-      <p:ext uri="{BB962C8B-B14F-4D97-AF65-F5344CB8AC3E}">
-        <p14:creationId xmlns:p14="http://schemas.microsoft.com/office/powerpoint/2010/main" val="1482082224"/>
-      </p:ext>
-    </p:extLst>
-  </p:cSld>
-  <p:clrMapOvr>
-    <a:masterClrMapping/>
-  </p:clrMapOvr>
-</p:sld>
-</file>
-
 <file path=ppt/theme/theme1.xml><?xml version="1.0" encoding="utf-8"?>
 <a:theme xmlns:a="http://schemas.openxmlformats.org/drawingml/2006/main" name="Office 테마">
   <a:themeElements>

--- a/H_FamilyList_FP/화면정의서.pptx
+++ b/H_FamilyList_FP/화면정의서.pptx
@@ -271,7 +271,7 @@
           <a:p>
             <a:fld id="{9DC0FBBE-1B54-474B-A1EF-57FEDE0B6A08}" type="datetimeFigureOut">
               <a:rPr lang="ko-KR" altLang="en-US" smtClean="0"/>
-              <a:t>2024-10-10</a:t>
+              <a:t>2024-10-11</a:t>
             </a:fld>
             <a:endParaRPr lang="ko-KR" altLang="en-US"/>
           </a:p>
@@ -469,7 +469,7 @@
           <a:p>
             <a:fld id="{9DC0FBBE-1B54-474B-A1EF-57FEDE0B6A08}" type="datetimeFigureOut">
               <a:rPr lang="ko-KR" altLang="en-US" smtClean="0"/>
-              <a:t>2024-10-10</a:t>
+              <a:t>2024-10-11</a:t>
             </a:fld>
             <a:endParaRPr lang="ko-KR" altLang="en-US"/>
           </a:p>
@@ -677,7 +677,7 @@
           <a:p>
             <a:fld id="{9DC0FBBE-1B54-474B-A1EF-57FEDE0B6A08}" type="datetimeFigureOut">
               <a:rPr lang="ko-KR" altLang="en-US" smtClean="0"/>
-              <a:t>2024-10-10</a:t>
+              <a:t>2024-10-11</a:t>
             </a:fld>
             <a:endParaRPr lang="ko-KR" altLang="en-US"/>
           </a:p>
@@ -875,7 +875,7 @@
           <a:p>
             <a:fld id="{9DC0FBBE-1B54-474B-A1EF-57FEDE0B6A08}" type="datetimeFigureOut">
               <a:rPr lang="ko-KR" altLang="en-US" smtClean="0"/>
-              <a:t>2024-10-10</a:t>
+              <a:t>2024-10-11</a:t>
             </a:fld>
             <a:endParaRPr lang="ko-KR" altLang="en-US"/>
           </a:p>
@@ -1150,7 +1150,7 @@
           <a:p>
             <a:fld id="{9DC0FBBE-1B54-474B-A1EF-57FEDE0B6A08}" type="datetimeFigureOut">
               <a:rPr lang="ko-KR" altLang="en-US" smtClean="0"/>
-              <a:t>2024-10-10</a:t>
+              <a:t>2024-10-11</a:t>
             </a:fld>
             <a:endParaRPr lang="ko-KR" altLang="en-US"/>
           </a:p>
@@ -1415,7 +1415,7 @@
           <a:p>
             <a:fld id="{9DC0FBBE-1B54-474B-A1EF-57FEDE0B6A08}" type="datetimeFigureOut">
               <a:rPr lang="ko-KR" altLang="en-US" smtClean="0"/>
-              <a:t>2024-10-10</a:t>
+              <a:t>2024-10-11</a:t>
             </a:fld>
             <a:endParaRPr lang="ko-KR" altLang="en-US"/>
           </a:p>
@@ -1827,7 +1827,7 @@
           <a:p>
             <a:fld id="{9DC0FBBE-1B54-474B-A1EF-57FEDE0B6A08}" type="datetimeFigureOut">
               <a:rPr lang="ko-KR" altLang="en-US" smtClean="0"/>
-              <a:t>2024-10-10</a:t>
+              <a:t>2024-10-11</a:t>
             </a:fld>
             <a:endParaRPr lang="ko-KR" altLang="en-US"/>
           </a:p>
@@ -1968,7 +1968,7 @@
           <a:p>
             <a:fld id="{9DC0FBBE-1B54-474B-A1EF-57FEDE0B6A08}" type="datetimeFigureOut">
               <a:rPr lang="ko-KR" altLang="en-US" smtClean="0"/>
-              <a:t>2024-10-10</a:t>
+              <a:t>2024-10-11</a:t>
             </a:fld>
             <a:endParaRPr lang="ko-KR" altLang="en-US"/>
           </a:p>
@@ -2081,7 +2081,7 @@
           <a:p>
             <a:fld id="{9DC0FBBE-1B54-474B-A1EF-57FEDE0B6A08}" type="datetimeFigureOut">
               <a:rPr lang="ko-KR" altLang="en-US" smtClean="0"/>
-              <a:t>2024-10-10</a:t>
+              <a:t>2024-10-11</a:t>
             </a:fld>
             <a:endParaRPr lang="ko-KR" altLang="en-US"/>
           </a:p>
@@ -2392,7 +2392,7 @@
           <a:p>
             <a:fld id="{9DC0FBBE-1B54-474B-A1EF-57FEDE0B6A08}" type="datetimeFigureOut">
               <a:rPr lang="ko-KR" altLang="en-US" smtClean="0"/>
-              <a:t>2024-10-10</a:t>
+              <a:t>2024-10-11</a:t>
             </a:fld>
             <a:endParaRPr lang="ko-KR" altLang="en-US"/>
           </a:p>
@@ -2680,7 +2680,7 @@
           <a:p>
             <a:fld id="{9DC0FBBE-1B54-474B-A1EF-57FEDE0B6A08}" type="datetimeFigureOut">
               <a:rPr lang="ko-KR" altLang="en-US" smtClean="0"/>
-              <a:t>2024-10-10</a:t>
+              <a:t>2024-10-11</a:t>
             </a:fld>
             <a:endParaRPr lang="ko-KR" altLang="en-US"/>
           </a:p>
@@ -2921,7 +2921,7 @@
           <a:p>
             <a:fld id="{9DC0FBBE-1B54-474B-A1EF-57FEDE0B6A08}" type="datetimeFigureOut">
               <a:rPr lang="ko-KR" altLang="en-US" smtClean="0"/>
-              <a:t>2024-10-10</a:t>
+              <a:t>2024-10-11</a:t>
             </a:fld>
             <a:endParaRPr lang="ko-KR" altLang="en-US"/>
           </a:p>
@@ -33509,10 +33509,10 @@
       </p:grpSpPr>
       <p:pic>
         <p:nvPicPr>
-          <p:cNvPr id="5" name="그림 4">
+          <p:cNvPr id="3" name="그림 2">
             <a:extLst>
               <a:ext uri="{FF2B5EF4-FFF2-40B4-BE49-F238E27FC236}">
-                <a16:creationId xmlns:a16="http://schemas.microsoft.com/office/drawing/2014/main" id="{34CD7CF0-C233-4335-9F5E-F2C5E6A77AF6}"/>
+                <a16:creationId xmlns:a16="http://schemas.microsoft.com/office/drawing/2014/main" id="{E104DBD9-B730-EE42-1270-5CD4789A9C86}"/>
               </a:ext>
             </a:extLst>
           </p:cNvPr>
@@ -33537,6 +33537,996 @@
           </a:prstGeom>
         </p:spPr>
       </p:pic>
+      <p:sp>
+        <p:nvSpPr>
+          <p:cNvPr id="4" name="TextBox 3">
+            <a:extLst>
+              <a:ext uri="{FF2B5EF4-FFF2-40B4-BE49-F238E27FC236}">
+                <a16:creationId xmlns:a16="http://schemas.microsoft.com/office/drawing/2014/main" id="{ED0D42A5-DA8A-DA3E-2DA9-6D0A80B554A7}"/>
+              </a:ext>
+            </a:extLst>
+          </p:cNvPr>
+          <p:cNvSpPr txBox="1"/>
+          <p:nvPr/>
+        </p:nvSpPr>
+        <p:spPr>
+          <a:xfrm>
+            <a:off x="6858000" y="-80682"/>
+            <a:ext cx="3512500" cy="369332"/>
+          </a:xfrm>
+          <a:prstGeom prst="rect">
+            <a:avLst/>
+          </a:prstGeom>
+          <a:noFill/>
+        </p:spPr>
+        <p:txBody>
+          <a:bodyPr wrap="none" rtlCol="0">
+            <a:spAutoFit/>
+          </a:bodyPr>
+          <a:lstStyle/>
+          <a:p>
+            <a:r>
+              <a:rPr lang="ko-KR" altLang="en-US" dirty="0"/>
+              <a:t>다른 카테고리 </a:t>
+            </a:r>
+            <a:r>
+              <a:rPr lang="ko-KR" altLang="en-US" dirty="0" err="1"/>
+              <a:t>작업시</a:t>
+            </a:r>
+            <a:r>
+              <a:rPr lang="ko-KR" altLang="en-US" dirty="0"/>
+              <a:t> 수정 사항</a:t>
+            </a:r>
+          </a:p>
+        </p:txBody>
+      </p:sp>
+      <p:sp>
+        <p:nvSpPr>
+          <p:cNvPr id="6" name="직사각형 5">
+            <a:extLst>
+              <a:ext uri="{FF2B5EF4-FFF2-40B4-BE49-F238E27FC236}">
+                <a16:creationId xmlns:a16="http://schemas.microsoft.com/office/drawing/2014/main" id="{4D955AD8-5266-01D7-BDD0-6231491182BD}"/>
+              </a:ext>
+            </a:extLst>
+          </p:cNvPr>
+          <p:cNvSpPr/>
+          <p:nvPr/>
+        </p:nvSpPr>
+        <p:spPr>
+          <a:xfrm>
+            <a:off x="26896" y="1296146"/>
+            <a:ext cx="1721224" cy="4728135"/>
+          </a:xfrm>
+          <a:prstGeom prst="rect">
+            <a:avLst/>
+          </a:prstGeom>
+          <a:noFill/>
+          <a:ln>
+            <a:solidFill>
+              <a:srgbClr val="FF00FF"/>
+            </a:solidFill>
+            <a:prstDash val="dash"/>
+          </a:ln>
+        </p:spPr>
+        <p:style>
+          <a:lnRef idx="2">
+            <a:schemeClr val="accent1">
+              <a:shade val="15000"/>
+            </a:schemeClr>
+          </a:lnRef>
+          <a:fillRef idx="1">
+            <a:schemeClr val="accent1"/>
+          </a:fillRef>
+          <a:effectRef idx="0">
+            <a:schemeClr val="accent1"/>
+          </a:effectRef>
+          <a:fontRef idx="minor">
+            <a:schemeClr val="lt1"/>
+          </a:fontRef>
+        </p:style>
+        <p:txBody>
+          <a:bodyPr rtlCol="0" anchor="ctr"/>
+          <a:lstStyle/>
+          <a:p>
+            <a:endParaRPr lang="ko-KR" altLang="en-US" sz="800" dirty="0">
+              <a:solidFill>
+                <a:schemeClr val="tx1"/>
+              </a:solidFill>
+            </a:endParaRPr>
+          </a:p>
+        </p:txBody>
+      </p:sp>
+      <p:pic>
+        <p:nvPicPr>
+          <p:cNvPr id="11" name="그림 10">
+            <a:extLst>
+              <a:ext uri="{FF2B5EF4-FFF2-40B4-BE49-F238E27FC236}">
+                <a16:creationId xmlns:a16="http://schemas.microsoft.com/office/drawing/2014/main" id="{88566CF5-FD05-3F60-D8A7-7D04688F6ECD}"/>
+              </a:ext>
+            </a:extLst>
+          </p:cNvPr>
+          <p:cNvPicPr>
+            <a:picLocks noChangeAspect="1"/>
+          </p:cNvPicPr>
+          <p:nvPr/>
+        </p:nvPicPr>
+        <p:blipFill rotWithShape="1">
+          <a:blip r:embed="rId2"/>
+          <a:srcRect l="14559" t="29335" r="22353" b="64051"/>
+          <a:stretch/>
+        </p:blipFill>
+        <p:spPr>
+          <a:xfrm>
+            <a:off x="1775016" y="3126696"/>
+            <a:ext cx="7691713" cy="441028"/>
+          </a:xfrm>
+          <a:prstGeom prst="rect">
+            <a:avLst/>
+          </a:prstGeom>
+        </p:spPr>
+      </p:pic>
+      <p:pic>
+        <p:nvPicPr>
+          <p:cNvPr id="12" name="그림 11">
+            <a:extLst>
+              <a:ext uri="{FF2B5EF4-FFF2-40B4-BE49-F238E27FC236}">
+                <a16:creationId xmlns:a16="http://schemas.microsoft.com/office/drawing/2014/main" id="{A07E7C82-1D11-D309-0691-E8EB25D2B221}"/>
+              </a:ext>
+            </a:extLst>
+          </p:cNvPr>
+          <p:cNvPicPr>
+            <a:picLocks noChangeAspect="1"/>
+          </p:cNvPicPr>
+          <p:nvPr/>
+        </p:nvPicPr>
+        <p:blipFill rotWithShape="1">
+          <a:blip r:embed="rId2"/>
+          <a:srcRect l="14559" t="29335" r="24338" b="66633"/>
+          <a:stretch/>
+        </p:blipFill>
+        <p:spPr>
+          <a:xfrm>
+            <a:off x="1775016" y="2250141"/>
+            <a:ext cx="7691713" cy="1178859"/>
+          </a:xfrm>
+          <a:prstGeom prst="rect">
+            <a:avLst/>
+          </a:prstGeom>
+        </p:spPr>
+      </p:pic>
+      <p:sp>
+        <p:nvSpPr>
+          <p:cNvPr id="14" name="TextBox 13">
+            <a:extLst>
+              <a:ext uri="{FF2B5EF4-FFF2-40B4-BE49-F238E27FC236}">
+                <a16:creationId xmlns:a16="http://schemas.microsoft.com/office/drawing/2014/main" id="{7034DBB4-1792-576A-0A87-2EB6055820B4}"/>
+              </a:ext>
+            </a:extLst>
+          </p:cNvPr>
+          <p:cNvSpPr txBox="1"/>
+          <p:nvPr/>
+        </p:nvSpPr>
+        <p:spPr>
+          <a:xfrm>
+            <a:off x="7082602" y="3254877"/>
+            <a:ext cx="1103187" cy="184666"/>
+          </a:xfrm>
+          <a:prstGeom prst="rect">
+            <a:avLst/>
+          </a:prstGeom>
+          <a:noFill/>
+        </p:spPr>
+        <p:txBody>
+          <a:bodyPr wrap="none" rtlCol="0">
+            <a:spAutoFit/>
+          </a:bodyPr>
+          <a:lstStyle/>
+          <a:p>
+            <a:r>
+              <a:rPr lang="en-US" altLang="ko-KR" sz="600" dirty="0">
+                <a:solidFill>
+                  <a:srgbClr val="FF00FF"/>
+                </a:solidFill>
+              </a:rPr>
+              <a:t>WM</a:t>
+            </a:r>
+            <a:r>
+              <a:rPr lang="ko-KR" altLang="en-US" sz="600" dirty="0">
+                <a:solidFill>
+                  <a:srgbClr val="FF00FF"/>
+                </a:solidFill>
+              </a:rPr>
+              <a:t>시트 영역 하나만 두기</a:t>
+            </a:r>
+          </a:p>
+        </p:txBody>
+      </p:sp>
+      <p:pic>
+        <p:nvPicPr>
+          <p:cNvPr id="16" name="그림 15">
+            <a:extLst>
+              <a:ext uri="{FF2B5EF4-FFF2-40B4-BE49-F238E27FC236}">
+                <a16:creationId xmlns:a16="http://schemas.microsoft.com/office/drawing/2014/main" id="{E60BDCA6-DA91-00BE-719C-EAA0ED2F5200}"/>
+              </a:ext>
+            </a:extLst>
+          </p:cNvPr>
+          <p:cNvPicPr>
+            <a:picLocks noChangeAspect="1"/>
+          </p:cNvPicPr>
+          <p:nvPr/>
+        </p:nvPicPr>
+        <p:blipFill>
+          <a:blip r:embed="rId3"/>
+          <a:stretch>
+            <a:fillRect/>
+          </a:stretch>
+        </p:blipFill>
+        <p:spPr>
+          <a:xfrm>
+            <a:off x="1775014" y="3564839"/>
+            <a:ext cx="7691713" cy="1652384"/>
+          </a:xfrm>
+          <a:prstGeom prst="rect">
+            <a:avLst/>
+          </a:prstGeom>
+        </p:spPr>
+      </p:pic>
+      <p:sp>
+        <p:nvSpPr>
+          <p:cNvPr id="13" name="직사각형 12">
+            <a:extLst>
+              <a:ext uri="{FF2B5EF4-FFF2-40B4-BE49-F238E27FC236}">
+                <a16:creationId xmlns:a16="http://schemas.microsoft.com/office/drawing/2014/main" id="{A3D0265C-3279-BFE9-BCB1-7066DEAEEF04}"/>
+              </a:ext>
+            </a:extLst>
+          </p:cNvPr>
+          <p:cNvSpPr/>
+          <p:nvPr/>
+        </p:nvSpPr>
+        <p:spPr>
+          <a:xfrm>
+            <a:off x="1775015" y="1296146"/>
+            <a:ext cx="7718609" cy="2268693"/>
+          </a:xfrm>
+          <a:prstGeom prst="rect">
+            <a:avLst/>
+          </a:prstGeom>
+          <a:noFill/>
+          <a:ln>
+            <a:solidFill>
+              <a:srgbClr val="FF00FF"/>
+            </a:solidFill>
+            <a:prstDash val="dash"/>
+          </a:ln>
+        </p:spPr>
+        <p:style>
+          <a:lnRef idx="2">
+            <a:schemeClr val="accent1">
+              <a:shade val="15000"/>
+            </a:schemeClr>
+          </a:lnRef>
+          <a:fillRef idx="1">
+            <a:schemeClr val="accent1"/>
+          </a:fillRef>
+          <a:effectRef idx="0">
+            <a:schemeClr val="accent1"/>
+          </a:effectRef>
+          <a:fontRef idx="minor">
+            <a:schemeClr val="lt1"/>
+          </a:fontRef>
+        </p:style>
+        <p:txBody>
+          <a:bodyPr rtlCol="0" anchor="ctr"/>
+          <a:lstStyle/>
+          <a:p>
+            <a:endParaRPr lang="ko-KR" altLang="en-US" sz="800" dirty="0">
+              <a:solidFill>
+                <a:schemeClr val="tx1"/>
+              </a:solidFill>
+            </a:endParaRPr>
+          </a:p>
+        </p:txBody>
+      </p:sp>
+      <p:pic>
+        <p:nvPicPr>
+          <p:cNvPr id="20" name="그림 19">
+            <a:extLst>
+              <a:ext uri="{FF2B5EF4-FFF2-40B4-BE49-F238E27FC236}">
+                <a16:creationId xmlns:a16="http://schemas.microsoft.com/office/drawing/2014/main" id="{1334D3C1-9053-264E-8E4D-ABC423E065BD}"/>
+              </a:ext>
+            </a:extLst>
+          </p:cNvPr>
+          <p:cNvPicPr>
+            <a:picLocks noChangeAspect="1"/>
+          </p:cNvPicPr>
+          <p:nvPr/>
+        </p:nvPicPr>
+        <p:blipFill>
+          <a:blip r:embed="rId4"/>
+          <a:stretch>
+            <a:fillRect/>
+          </a:stretch>
+        </p:blipFill>
+        <p:spPr>
+          <a:xfrm>
+            <a:off x="1775012" y="4382995"/>
+            <a:ext cx="7691713" cy="935995"/>
+          </a:xfrm>
+          <a:prstGeom prst="rect">
+            <a:avLst/>
+          </a:prstGeom>
+        </p:spPr>
+      </p:pic>
+      <p:sp>
+        <p:nvSpPr>
+          <p:cNvPr id="21" name="TextBox 20">
+            <a:extLst>
+              <a:ext uri="{FF2B5EF4-FFF2-40B4-BE49-F238E27FC236}">
+                <a16:creationId xmlns:a16="http://schemas.microsoft.com/office/drawing/2014/main" id="{B20FA1B8-F7C2-1B15-3096-4047616B260C}"/>
+              </a:ext>
+            </a:extLst>
+          </p:cNvPr>
+          <p:cNvSpPr txBox="1"/>
+          <p:nvPr/>
+        </p:nvSpPr>
+        <p:spPr>
+          <a:xfrm>
+            <a:off x="1775012" y="4032180"/>
+            <a:ext cx="2263761" cy="246221"/>
+          </a:xfrm>
+          <a:prstGeom prst="rect">
+            <a:avLst/>
+          </a:prstGeom>
+          <a:noFill/>
+        </p:spPr>
+        <p:txBody>
+          <a:bodyPr wrap="none" rtlCol="0">
+            <a:spAutoFit/>
+          </a:bodyPr>
+          <a:lstStyle/>
+          <a:p>
+            <a:r>
+              <a:rPr lang="en-US" altLang="ko-KR" sz="1000" dirty="0"/>
+              <a:t>Only for Selected Revit Family Type</a:t>
+            </a:r>
+            <a:endParaRPr lang="ko-KR" altLang="en-US" sz="1000" dirty="0"/>
+          </a:p>
+        </p:txBody>
+      </p:sp>
+      <p:pic>
+        <p:nvPicPr>
+          <p:cNvPr id="23" name="그림 22">
+            <a:extLst>
+              <a:ext uri="{FF2B5EF4-FFF2-40B4-BE49-F238E27FC236}">
+                <a16:creationId xmlns:a16="http://schemas.microsoft.com/office/drawing/2014/main" id="{B81EEFC7-BDAB-A850-9C2D-9D9953C104DE}"/>
+              </a:ext>
+            </a:extLst>
+          </p:cNvPr>
+          <p:cNvPicPr>
+            <a:picLocks noChangeAspect="1"/>
+          </p:cNvPicPr>
+          <p:nvPr/>
+        </p:nvPicPr>
+        <p:blipFill>
+          <a:blip r:embed="rId5"/>
+          <a:stretch>
+            <a:fillRect/>
+          </a:stretch>
+        </p:blipFill>
+        <p:spPr>
+          <a:xfrm>
+            <a:off x="10062373" y="3369471"/>
+            <a:ext cx="1084767" cy="139561"/>
+          </a:xfrm>
+          <a:prstGeom prst="rect">
+            <a:avLst/>
+          </a:prstGeom>
+        </p:spPr>
+      </p:pic>
+      <p:sp>
+        <p:nvSpPr>
+          <p:cNvPr id="24" name="직사각형 23">
+            <a:extLst>
+              <a:ext uri="{FF2B5EF4-FFF2-40B4-BE49-F238E27FC236}">
+                <a16:creationId xmlns:a16="http://schemas.microsoft.com/office/drawing/2014/main" id="{4856409A-05CE-B9E5-0B5C-14FC2C47453F}"/>
+              </a:ext>
+            </a:extLst>
+          </p:cNvPr>
+          <p:cNvSpPr/>
+          <p:nvPr/>
+        </p:nvSpPr>
+        <p:spPr>
+          <a:xfrm>
+            <a:off x="1775015" y="3600965"/>
+            <a:ext cx="7718609" cy="2268693"/>
+          </a:xfrm>
+          <a:prstGeom prst="rect">
+            <a:avLst/>
+          </a:prstGeom>
+          <a:noFill/>
+          <a:ln>
+            <a:solidFill>
+              <a:srgbClr val="FF00FF"/>
+            </a:solidFill>
+            <a:prstDash val="dash"/>
+          </a:ln>
+        </p:spPr>
+        <p:style>
+          <a:lnRef idx="2">
+            <a:schemeClr val="accent1">
+              <a:shade val="15000"/>
+            </a:schemeClr>
+          </a:lnRef>
+          <a:fillRef idx="1">
+            <a:schemeClr val="accent1"/>
+          </a:fillRef>
+          <a:effectRef idx="0">
+            <a:schemeClr val="accent1"/>
+          </a:effectRef>
+          <a:fontRef idx="minor">
+            <a:schemeClr val="lt1"/>
+          </a:fontRef>
+        </p:style>
+        <p:txBody>
+          <a:bodyPr rtlCol="0" anchor="ctr"/>
+          <a:lstStyle/>
+          <a:p>
+            <a:endParaRPr lang="ko-KR" altLang="en-US" sz="800" dirty="0">
+              <a:solidFill>
+                <a:schemeClr val="tx1"/>
+              </a:solidFill>
+            </a:endParaRPr>
+          </a:p>
+        </p:txBody>
+      </p:sp>
+      <p:sp>
+        <p:nvSpPr>
+          <p:cNvPr id="25" name="TextBox 24">
+            <a:extLst>
+              <a:ext uri="{FF2B5EF4-FFF2-40B4-BE49-F238E27FC236}">
+                <a16:creationId xmlns:a16="http://schemas.microsoft.com/office/drawing/2014/main" id="{A1976C3B-A71E-3E90-7657-70696808CDB5}"/>
+              </a:ext>
+            </a:extLst>
+          </p:cNvPr>
+          <p:cNvSpPr txBox="1"/>
+          <p:nvPr/>
+        </p:nvSpPr>
+        <p:spPr>
+          <a:xfrm>
+            <a:off x="7082602" y="3970624"/>
+            <a:ext cx="1313180" cy="184666"/>
+          </a:xfrm>
+          <a:prstGeom prst="rect">
+            <a:avLst/>
+          </a:prstGeom>
+          <a:noFill/>
+        </p:spPr>
+        <p:txBody>
+          <a:bodyPr wrap="none" rtlCol="0">
+            <a:spAutoFit/>
+          </a:bodyPr>
+          <a:lstStyle/>
+          <a:p>
+            <a:r>
+              <a:rPr lang="en-US" altLang="ko-KR" sz="600" dirty="0">
+                <a:solidFill>
+                  <a:srgbClr val="FF00FF"/>
+                </a:solidFill>
+              </a:rPr>
+              <a:t>Only for WM</a:t>
+            </a:r>
+            <a:r>
+              <a:rPr lang="ko-KR" altLang="en-US" sz="600" dirty="0">
+                <a:solidFill>
+                  <a:srgbClr val="FF00FF"/>
+                </a:solidFill>
+              </a:rPr>
+              <a:t>시트 영역 추가하기</a:t>
+            </a:r>
+          </a:p>
+        </p:txBody>
+      </p:sp>
+      <p:pic>
+        <p:nvPicPr>
+          <p:cNvPr id="27" name="그림 26">
+            <a:extLst>
+              <a:ext uri="{FF2B5EF4-FFF2-40B4-BE49-F238E27FC236}">
+                <a16:creationId xmlns:a16="http://schemas.microsoft.com/office/drawing/2014/main" id="{BE88A932-1331-2D89-26A9-0BF594EE48F9}"/>
+              </a:ext>
+            </a:extLst>
+          </p:cNvPr>
+          <p:cNvPicPr>
+            <a:picLocks noChangeAspect="1"/>
+          </p:cNvPicPr>
+          <p:nvPr/>
+        </p:nvPicPr>
+        <p:blipFill>
+          <a:blip r:embed="rId6"/>
+          <a:stretch>
+            <a:fillRect/>
+          </a:stretch>
+        </p:blipFill>
+        <p:spPr>
+          <a:xfrm>
+            <a:off x="152401" y="1719262"/>
+            <a:ext cx="1395412" cy="3760787"/>
+          </a:xfrm>
+          <a:prstGeom prst="rect">
+            <a:avLst/>
+          </a:prstGeom>
+        </p:spPr>
+      </p:pic>
+      <p:sp>
+        <p:nvSpPr>
+          <p:cNvPr id="7" name="TextBox 6">
+            <a:extLst>
+              <a:ext uri="{FF2B5EF4-FFF2-40B4-BE49-F238E27FC236}">
+                <a16:creationId xmlns:a16="http://schemas.microsoft.com/office/drawing/2014/main" id="{487E4C76-B12E-35F3-6028-4BC9CEF9455E}"/>
+              </a:ext>
+            </a:extLst>
+          </p:cNvPr>
+          <p:cNvSpPr txBox="1"/>
+          <p:nvPr/>
+        </p:nvSpPr>
+        <p:spPr>
+          <a:xfrm>
+            <a:off x="581879" y="2214015"/>
+            <a:ext cx="2117887" cy="184666"/>
+          </a:xfrm>
+          <a:prstGeom prst="rect">
+            <a:avLst/>
+          </a:prstGeom>
+          <a:noFill/>
+        </p:spPr>
+        <p:txBody>
+          <a:bodyPr wrap="none" rtlCol="0">
+            <a:spAutoFit/>
+          </a:bodyPr>
+          <a:lstStyle/>
+          <a:p>
+            <a:r>
+              <a:rPr lang="ko-KR" altLang="en-US" sz="600" dirty="0" err="1">
+                <a:solidFill>
+                  <a:srgbClr val="FF00FF"/>
+                </a:solidFill>
+              </a:rPr>
+              <a:t>팀스탠다드</a:t>
+            </a:r>
+            <a:r>
+              <a:rPr lang="ko-KR" altLang="en-US" sz="600" dirty="0">
+                <a:solidFill>
+                  <a:srgbClr val="FF00FF"/>
+                </a:solidFill>
+              </a:rPr>
+              <a:t> </a:t>
+            </a:r>
+            <a:r>
+              <a:rPr lang="ko-KR" altLang="en-US" sz="600" dirty="0" err="1">
+                <a:solidFill>
+                  <a:srgbClr val="FF00FF"/>
+                </a:solidFill>
+              </a:rPr>
+              <a:t>트리뷰</a:t>
+            </a:r>
+            <a:r>
+              <a:rPr lang="ko-KR" altLang="en-US" sz="600" dirty="0">
+                <a:solidFill>
+                  <a:srgbClr val="FF00FF"/>
+                </a:solidFill>
+              </a:rPr>
+              <a:t> 로 </a:t>
+            </a:r>
+            <a:r>
+              <a:rPr lang="ko-KR" altLang="en-US" sz="600" dirty="0" err="1">
+                <a:solidFill>
+                  <a:srgbClr val="FF00FF"/>
+                </a:solidFill>
+              </a:rPr>
+              <a:t>해당카테고리만</a:t>
+            </a:r>
+            <a:r>
+              <a:rPr lang="ko-KR" altLang="en-US" sz="600" dirty="0">
+                <a:solidFill>
+                  <a:srgbClr val="FF00FF"/>
+                </a:solidFill>
+              </a:rPr>
+              <a:t> 보이도록 수정 요</a:t>
+            </a:r>
+          </a:p>
+        </p:txBody>
+      </p:sp>
+      <p:sp>
+        <p:nvSpPr>
+          <p:cNvPr id="28" name="직사각형 27">
+            <a:extLst>
+              <a:ext uri="{FF2B5EF4-FFF2-40B4-BE49-F238E27FC236}">
+                <a16:creationId xmlns:a16="http://schemas.microsoft.com/office/drawing/2014/main" id="{41AD91D5-B380-9921-049C-EE05983B37C2}"/>
+              </a:ext>
+            </a:extLst>
+          </p:cNvPr>
+          <p:cNvSpPr/>
+          <p:nvPr/>
+        </p:nvSpPr>
+        <p:spPr>
+          <a:xfrm>
+            <a:off x="233082" y="5710518"/>
+            <a:ext cx="1246094" cy="192647"/>
+          </a:xfrm>
+          <a:prstGeom prst="rect">
+            <a:avLst/>
+          </a:prstGeom>
+          <a:solidFill>
+            <a:schemeClr val="bg1"/>
+          </a:solidFill>
+        </p:spPr>
+        <p:style>
+          <a:lnRef idx="2">
+            <a:schemeClr val="accent1">
+              <a:shade val="15000"/>
+            </a:schemeClr>
+          </a:lnRef>
+          <a:fillRef idx="1">
+            <a:schemeClr val="accent1"/>
+          </a:fillRef>
+          <a:effectRef idx="0">
+            <a:schemeClr val="accent1"/>
+          </a:effectRef>
+          <a:fontRef idx="minor">
+            <a:schemeClr val="lt1"/>
+          </a:fontRef>
+        </p:style>
+        <p:txBody>
+          <a:bodyPr rtlCol="0" anchor="ctr"/>
+          <a:lstStyle/>
+          <a:p>
+            <a:pPr algn="ctr"/>
+            <a:r>
+              <a:rPr lang="en-US" altLang="ko-KR" sz="800" dirty="0">
+                <a:solidFill>
+                  <a:schemeClr val="tx1"/>
+                </a:solidFill>
+              </a:rPr>
+              <a:t>Edit Standard Type</a:t>
+            </a:r>
+            <a:endParaRPr lang="ko-KR" altLang="en-US" sz="800" dirty="0">
+              <a:solidFill>
+                <a:schemeClr val="tx1"/>
+              </a:solidFill>
+            </a:endParaRPr>
+          </a:p>
+        </p:txBody>
+      </p:sp>
+      <p:pic>
+        <p:nvPicPr>
+          <p:cNvPr id="30" name="그림 29">
+            <a:extLst>
+              <a:ext uri="{FF2B5EF4-FFF2-40B4-BE49-F238E27FC236}">
+                <a16:creationId xmlns:a16="http://schemas.microsoft.com/office/drawing/2014/main" id="{679513ED-D1C0-6C34-371F-FE6169520C8B}"/>
+              </a:ext>
+            </a:extLst>
+          </p:cNvPr>
+          <p:cNvPicPr>
+            <a:picLocks noChangeAspect="1"/>
+          </p:cNvPicPr>
+          <p:nvPr/>
+        </p:nvPicPr>
+        <p:blipFill>
+          <a:blip r:embed="rId7"/>
+          <a:stretch>
+            <a:fillRect/>
+          </a:stretch>
+        </p:blipFill>
+        <p:spPr>
+          <a:xfrm>
+            <a:off x="9690845" y="4975412"/>
+            <a:ext cx="2247531" cy="894246"/>
+          </a:xfrm>
+          <a:prstGeom prst="rect">
+            <a:avLst/>
+          </a:prstGeom>
+        </p:spPr>
+      </p:pic>
+      <p:sp>
+        <p:nvSpPr>
+          <p:cNvPr id="31" name="직사각형 30">
+            <a:extLst>
+              <a:ext uri="{FF2B5EF4-FFF2-40B4-BE49-F238E27FC236}">
+                <a16:creationId xmlns:a16="http://schemas.microsoft.com/office/drawing/2014/main" id="{8BB6B805-D5FC-A356-885F-BD5094BDA78F}"/>
+              </a:ext>
+            </a:extLst>
+          </p:cNvPr>
+          <p:cNvSpPr/>
+          <p:nvPr/>
+        </p:nvSpPr>
+        <p:spPr>
+          <a:xfrm>
+            <a:off x="9690845" y="4885765"/>
+            <a:ext cx="2247531" cy="1088329"/>
+          </a:xfrm>
+          <a:prstGeom prst="rect">
+            <a:avLst/>
+          </a:prstGeom>
+          <a:noFill/>
+          <a:ln>
+            <a:solidFill>
+              <a:srgbClr val="FF00FF"/>
+            </a:solidFill>
+            <a:prstDash val="dash"/>
+          </a:ln>
+        </p:spPr>
+        <p:style>
+          <a:lnRef idx="2">
+            <a:schemeClr val="accent1">
+              <a:shade val="15000"/>
+            </a:schemeClr>
+          </a:lnRef>
+          <a:fillRef idx="1">
+            <a:schemeClr val="accent1"/>
+          </a:fillRef>
+          <a:effectRef idx="0">
+            <a:schemeClr val="accent1"/>
+          </a:effectRef>
+          <a:fontRef idx="minor">
+            <a:schemeClr val="lt1"/>
+          </a:fontRef>
+        </p:style>
+        <p:txBody>
+          <a:bodyPr rtlCol="0" anchor="ctr"/>
+          <a:lstStyle/>
+          <a:p>
+            <a:endParaRPr lang="ko-KR" altLang="en-US" sz="800" dirty="0">
+              <a:solidFill>
+                <a:schemeClr val="tx1"/>
+              </a:solidFill>
+            </a:endParaRPr>
+          </a:p>
+        </p:txBody>
+      </p:sp>
+      <p:sp>
+        <p:nvSpPr>
+          <p:cNvPr id="32" name="TextBox 31">
+            <a:extLst>
+              <a:ext uri="{FF2B5EF4-FFF2-40B4-BE49-F238E27FC236}">
+                <a16:creationId xmlns:a16="http://schemas.microsoft.com/office/drawing/2014/main" id="{69ED0609-6FDF-9CF0-6E4F-BA48CCD77AE9}"/>
+              </a:ext>
+            </a:extLst>
+          </p:cNvPr>
+          <p:cNvSpPr txBox="1"/>
+          <p:nvPr/>
+        </p:nvSpPr>
+        <p:spPr>
+          <a:xfrm>
+            <a:off x="9814097" y="5604557"/>
+            <a:ext cx="1112805" cy="184666"/>
+          </a:xfrm>
+          <a:prstGeom prst="rect">
+            <a:avLst/>
+          </a:prstGeom>
+          <a:noFill/>
+        </p:spPr>
+        <p:txBody>
+          <a:bodyPr wrap="none" rtlCol="0">
+            <a:spAutoFit/>
+          </a:bodyPr>
+          <a:lstStyle/>
+          <a:p>
+            <a:r>
+              <a:rPr lang="ko-KR" altLang="en-US" sz="600">
+                <a:solidFill>
+                  <a:srgbClr val="FF00FF"/>
+                </a:solidFill>
+              </a:rPr>
+              <a:t>텍스트 인풋 위젯으로 교체</a:t>
+            </a:r>
+            <a:endParaRPr lang="ko-KR" altLang="en-US" sz="600" dirty="0">
+              <a:solidFill>
+                <a:srgbClr val="FF00FF"/>
+              </a:solidFill>
+            </a:endParaRPr>
+          </a:p>
+        </p:txBody>
+      </p:sp>
+      <p:sp>
+        <p:nvSpPr>
+          <p:cNvPr id="33" name="직사각형 32">
+            <a:extLst>
+              <a:ext uri="{FF2B5EF4-FFF2-40B4-BE49-F238E27FC236}">
+                <a16:creationId xmlns:a16="http://schemas.microsoft.com/office/drawing/2014/main" id="{DC8E3226-D0E5-0650-D597-55DF3CB05238}"/>
+              </a:ext>
+            </a:extLst>
+          </p:cNvPr>
+          <p:cNvSpPr/>
+          <p:nvPr/>
+        </p:nvSpPr>
+        <p:spPr>
+          <a:xfrm>
+            <a:off x="9879105" y="3220181"/>
+            <a:ext cx="183267" cy="518102"/>
+          </a:xfrm>
+          <a:prstGeom prst="rect">
+            <a:avLst/>
+          </a:prstGeom>
+          <a:noFill/>
+          <a:ln>
+            <a:solidFill>
+              <a:srgbClr val="FF00FF"/>
+            </a:solidFill>
+            <a:prstDash val="dash"/>
+          </a:ln>
+        </p:spPr>
+        <p:style>
+          <a:lnRef idx="2">
+            <a:schemeClr val="accent1">
+              <a:shade val="15000"/>
+            </a:schemeClr>
+          </a:lnRef>
+          <a:fillRef idx="1">
+            <a:schemeClr val="accent1"/>
+          </a:fillRef>
+          <a:effectRef idx="0">
+            <a:schemeClr val="accent1"/>
+          </a:effectRef>
+          <a:fontRef idx="minor">
+            <a:schemeClr val="lt1"/>
+          </a:fontRef>
+        </p:style>
+        <p:txBody>
+          <a:bodyPr rtlCol="0" anchor="ctr"/>
+          <a:lstStyle/>
+          <a:p>
+            <a:endParaRPr lang="ko-KR" altLang="en-US" sz="800" dirty="0">
+              <a:solidFill>
+                <a:schemeClr val="tx1"/>
+              </a:solidFill>
+            </a:endParaRPr>
+          </a:p>
+        </p:txBody>
+      </p:sp>
+      <p:sp>
+        <p:nvSpPr>
+          <p:cNvPr id="34" name="TextBox 33">
+            <a:extLst>
+              <a:ext uri="{FF2B5EF4-FFF2-40B4-BE49-F238E27FC236}">
+                <a16:creationId xmlns:a16="http://schemas.microsoft.com/office/drawing/2014/main" id="{FA43777A-052F-7C61-D689-07B0D2A7F5E7}"/>
+              </a:ext>
+            </a:extLst>
+          </p:cNvPr>
+          <p:cNvSpPr txBox="1"/>
+          <p:nvPr/>
+        </p:nvSpPr>
+        <p:spPr>
+          <a:xfrm>
+            <a:off x="10014380" y="3096839"/>
+            <a:ext cx="652743" cy="184666"/>
+          </a:xfrm>
+          <a:prstGeom prst="rect">
+            <a:avLst/>
+          </a:prstGeom>
+          <a:noFill/>
+        </p:spPr>
+        <p:txBody>
+          <a:bodyPr wrap="none" rtlCol="0">
+            <a:spAutoFit/>
+          </a:bodyPr>
+          <a:lstStyle/>
+          <a:p>
+            <a:r>
+              <a:rPr lang="en-US" altLang="ko-KR" sz="600" dirty="0">
+                <a:solidFill>
+                  <a:srgbClr val="FF00FF"/>
+                </a:solidFill>
+              </a:rPr>
+              <a:t>No</a:t>
+            </a:r>
+            <a:r>
+              <a:rPr lang="ko-KR" altLang="en-US" sz="600" dirty="0">
+                <a:solidFill>
+                  <a:srgbClr val="FF00FF"/>
+                </a:solidFill>
+              </a:rPr>
+              <a:t> 칼럼 삭제</a:t>
+            </a:r>
+          </a:p>
+        </p:txBody>
+      </p:sp>
+      <p:sp>
+        <p:nvSpPr>
+          <p:cNvPr id="35" name="직사각형 34">
+            <a:extLst>
+              <a:ext uri="{FF2B5EF4-FFF2-40B4-BE49-F238E27FC236}">
+                <a16:creationId xmlns:a16="http://schemas.microsoft.com/office/drawing/2014/main" id="{35496D1E-2265-97A9-E7A1-720A400E2F68}"/>
+              </a:ext>
+            </a:extLst>
+          </p:cNvPr>
+          <p:cNvSpPr/>
+          <p:nvPr/>
+        </p:nvSpPr>
+        <p:spPr>
+          <a:xfrm>
+            <a:off x="9504644" y="4676260"/>
+            <a:ext cx="1511015" cy="192647"/>
+          </a:xfrm>
+          <a:prstGeom prst="rect">
+            <a:avLst/>
+          </a:prstGeom>
+          <a:solidFill>
+            <a:schemeClr val="bg1">
+              <a:lumMod val="95000"/>
+            </a:schemeClr>
+          </a:solidFill>
+          <a:ln>
+            <a:noFill/>
+          </a:ln>
+        </p:spPr>
+        <p:style>
+          <a:lnRef idx="2">
+            <a:schemeClr val="accent1">
+              <a:shade val="15000"/>
+            </a:schemeClr>
+          </a:lnRef>
+          <a:fillRef idx="1">
+            <a:schemeClr val="accent1"/>
+          </a:fillRef>
+          <a:effectRef idx="0">
+            <a:schemeClr val="accent1"/>
+          </a:effectRef>
+          <a:fontRef idx="minor">
+            <a:schemeClr val="lt1"/>
+          </a:fontRef>
+        </p:style>
+        <p:txBody>
+          <a:bodyPr rtlCol="0" anchor="ctr"/>
+          <a:lstStyle/>
+          <a:p>
+            <a:pPr algn="ctr"/>
+            <a:r>
+              <a:rPr lang="en-US" altLang="ko-KR" sz="800" dirty="0">
+                <a:solidFill>
+                  <a:schemeClr val="tx1"/>
+                </a:solidFill>
+              </a:rPr>
+              <a:t>Input</a:t>
+            </a:r>
+            <a:r>
+              <a:rPr lang="ko-KR" altLang="en-US" sz="800" dirty="0">
+                <a:solidFill>
+                  <a:schemeClr val="tx1"/>
+                </a:solidFill>
+              </a:rPr>
+              <a:t> </a:t>
+            </a:r>
+            <a:r>
+              <a:rPr lang="en-US" altLang="ko-KR" sz="800" dirty="0">
+                <a:solidFill>
+                  <a:schemeClr val="tx1"/>
+                </a:solidFill>
+              </a:rPr>
+              <a:t>Revit</a:t>
+            </a:r>
+            <a:r>
+              <a:rPr lang="ko-KR" altLang="en-US" sz="800" dirty="0">
+                <a:solidFill>
+                  <a:schemeClr val="tx1"/>
+                </a:solidFill>
+              </a:rPr>
+              <a:t> </a:t>
+            </a:r>
+            <a:r>
+              <a:rPr lang="en-US" altLang="ko-KR" sz="800" dirty="0">
+                <a:solidFill>
+                  <a:schemeClr val="tx1"/>
+                </a:solidFill>
+              </a:rPr>
+              <a:t>Family Types</a:t>
+            </a:r>
+            <a:endParaRPr lang="ko-KR" altLang="en-US" sz="800" dirty="0">
+              <a:solidFill>
+                <a:schemeClr val="tx1"/>
+              </a:solidFill>
+            </a:endParaRPr>
+          </a:p>
+        </p:txBody>
+      </p:sp>
     </p:spTree>
     <p:extLst>
       <p:ext uri="{BB962C8B-B14F-4D97-AF65-F5344CB8AC3E}">

--- a/H_FamilyList_FP/화면정의서.pptx
+++ b/H_FamilyList_FP/화면정의서.pptx
@@ -32795,7 +32795,7 @@
           <a:noFill/>
           <a:ln>
             <a:solidFill>
-              <a:srgbClr val="FF00FF"/>
+              <a:srgbClr val="00B050"/>
             </a:solidFill>
             <a:prstDash val="dash"/>
           </a:ln>
@@ -32821,7 +32821,11 @@
           <a:lstStyle/>
           <a:p>
             <a:pPr algn="ctr"/>
-            <a:endParaRPr lang="ko-KR" altLang="en-US"/>
+            <a:endParaRPr lang="ko-KR" altLang="en-US">
+              <a:solidFill>
+                <a:srgbClr val="00B050"/>
+              </a:solidFill>
+            </a:endParaRPr>
           </a:p>
         </p:txBody>
       </p:sp>
@@ -32840,7 +32844,7 @@
         <p:spPr>
           <a:xfrm>
             <a:off x="9010014" y="835325"/>
-            <a:ext cx="1425390" cy="184666"/>
+            <a:ext cx="1475084" cy="184666"/>
           </a:xfrm>
           <a:prstGeom prst="rect">
             <a:avLst/>
@@ -32856,22 +32860,46 @@
             <a:r>
               <a:rPr lang="ko-KR" altLang="en-US" sz="600" dirty="0">
                 <a:solidFill>
-                  <a:srgbClr val="FF00FF"/>
+                  <a:srgbClr val="00B050"/>
                 </a:solidFill>
               </a:rPr>
-              <a:t>레이블 더블 클릭 시 수식 예시 </a:t>
+              <a:t>레이블 더블 클릭 </a:t>
+            </a:r>
+            <a:r>
+              <a:rPr lang="ko-KR" altLang="en-US" sz="600">
+                <a:solidFill>
+                  <a:srgbClr val="00B050"/>
+                </a:solidFill>
+              </a:rPr>
+              <a:t>시 </a:t>
             </a:r>
             <a:r>
               <a:rPr lang="ko-KR" altLang="en-US" sz="600" dirty="0" err="1">
                 <a:solidFill>
-                  <a:srgbClr val="FF00FF"/>
+                  <a:srgbClr val="00B050"/>
+                </a:solidFill>
+              </a:rPr>
+              <a:t>산출수식탭</a:t>
+            </a:r>
+            <a:r>
+              <a:rPr lang="ko-KR" altLang="en-US" sz="600" dirty="0">
+                <a:solidFill>
+                  <a:srgbClr val="00B050"/>
+                </a:solidFill>
+              </a:rPr>
+              <a:t> </a:t>
+            </a:r>
+            <a:r>
+              <a:rPr lang="ko-KR" altLang="en-US" sz="600" dirty="0" err="1">
+                <a:solidFill>
+                  <a:srgbClr val="00B050"/>
                 </a:solidFill>
               </a:rPr>
               <a:t>새창</a:t>
             </a:r>
             <a:endParaRPr lang="ko-KR" altLang="en-US" sz="600" dirty="0">
               <a:solidFill>
-                <a:srgbClr val="FF00FF"/>
+                <a:srgbClr val="00B050"/>
               </a:solidFill>
             </a:endParaRPr>
           </a:p>
@@ -32942,7 +32970,7 @@
           <a:noFill/>
           <a:ln>
             <a:solidFill>
-              <a:srgbClr val="FF00FF"/>
+              <a:srgbClr val="00B050"/>
             </a:solidFill>
             <a:prstDash val="dash"/>
           </a:ln>
@@ -32968,7 +32996,11 @@
           <a:lstStyle/>
           <a:p>
             <a:pPr algn="ctr"/>
-            <a:endParaRPr lang="ko-KR" altLang="en-US"/>
+            <a:endParaRPr lang="ko-KR" altLang="en-US">
+              <a:solidFill>
+                <a:srgbClr val="00B050"/>
+              </a:solidFill>
+            </a:endParaRPr>
           </a:p>
         </p:txBody>
       </p:sp>
@@ -33242,7 +33274,7 @@
         <p:spPr>
           <a:xfrm>
             <a:off x="7480314" y="4162183"/>
-            <a:ext cx="3196709" cy="369332"/>
+            <a:ext cx="3196709" cy="276999"/>
           </a:xfrm>
           <a:prstGeom prst="rect">
             <a:avLst/>
@@ -33258,216 +33290,303 @@
             <a:r>
               <a:rPr lang="en-US" altLang="ko-KR" sz="600" dirty="0">
                 <a:solidFill>
-                  <a:srgbClr val="FF00FF"/>
+                  <a:srgbClr val="00B050"/>
                 </a:solidFill>
               </a:rPr>
               <a:t>JSON</a:t>
             </a:r>
             <a:r>
               <a:rPr lang="ko-KR" altLang="en-US" sz="600" dirty="0">
+                <a:solidFill>
+                  <a:srgbClr val="00B050"/>
+                </a:solidFill>
+              </a:rPr>
+              <a:t> 상에서는 </a:t>
+            </a:r>
+            <a:r>
+              <a:rPr lang="en-US" altLang="ko-KR" sz="600" dirty="0" err="1">
+                <a:solidFill>
+                  <a:srgbClr val="00B050"/>
+                </a:solidFill>
+              </a:rPr>
+              <a:t>stdType</a:t>
+            </a:r>
+            <a:r>
+              <a:rPr lang="en-US" altLang="ko-KR" sz="600" dirty="0">
+                <a:solidFill>
+                  <a:srgbClr val="00B050"/>
+                </a:solidFill>
+              </a:rPr>
+              <a:t> </a:t>
+            </a:r>
+            <a:r>
+              <a:rPr lang="ko-KR" altLang="en-US" sz="600" dirty="0">
+                <a:solidFill>
+                  <a:srgbClr val="00B050"/>
+                </a:solidFill>
+              </a:rPr>
+              <a:t>키의 값만 교체하고</a:t>
+            </a:r>
+            <a:r>
+              <a:rPr lang="en-US" altLang="ko-KR" sz="600" dirty="0">
+                <a:solidFill>
+                  <a:srgbClr val="00B050"/>
+                </a:solidFill>
+              </a:rPr>
+              <a:t>, </a:t>
+            </a:r>
+            <a:r>
+              <a:rPr lang="ko-KR" altLang="en-US" sz="600" dirty="0">
+                <a:solidFill>
+                  <a:srgbClr val="00B050"/>
+                </a:solidFill>
+              </a:rPr>
+              <a:t>뷰에서 </a:t>
+            </a:r>
+            <a:r>
+              <a:rPr lang="ko-KR" altLang="en-US" sz="600" dirty="0" err="1">
+                <a:solidFill>
+                  <a:srgbClr val="00B050"/>
+                </a:solidFill>
+              </a:rPr>
+              <a:t>키값</a:t>
+            </a:r>
+            <a:r>
+              <a:rPr lang="ko-KR" altLang="en-US" sz="600" dirty="0">
+                <a:solidFill>
+                  <a:srgbClr val="00B050"/>
+                </a:solidFill>
+              </a:rPr>
+              <a:t> 여부로 </a:t>
+            </a:r>
+            <a:r>
+              <a:rPr lang="ko-KR" altLang="en-US" sz="600" dirty="0" err="1">
+                <a:solidFill>
+                  <a:srgbClr val="00B050"/>
+                </a:solidFill>
+              </a:rPr>
+              <a:t>소팅해서</a:t>
+            </a:r>
+            <a:r>
+              <a:rPr lang="ko-KR" altLang="en-US" sz="600" dirty="0">
+                <a:solidFill>
+                  <a:srgbClr val="00B050"/>
+                </a:solidFill>
+              </a:rPr>
+              <a:t> 화면 뿌리기</a:t>
+            </a:r>
+            <a:endParaRPr lang="en-US" altLang="ko-KR" sz="600" dirty="0">
+              <a:solidFill>
+                <a:srgbClr val="00B050"/>
+              </a:solidFill>
+            </a:endParaRPr>
+          </a:p>
+          <a:p>
+            <a:r>
+              <a:rPr lang="ko-KR" altLang="en-US" sz="600" dirty="0" err="1">
+                <a:solidFill>
+                  <a:srgbClr val="00B050"/>
+                </a:solidFill>
+              </a:rPr>
+              <a:t>화살표누르면</a:t>
+            </a:r>
+            <a:r>
+              <a:rPr lang="ko-KR" altLang="en-US" sz="600" dirty="0">
+                <a:solidFill>
+                  <a:srgbClr val="00B050"/>
+                </a:solidFill>
+              </a:rPr>
+              <a:t> </a:t>
+            </a:r>
+            <a:r>
+              <a:rPr lang="en-US" altLang="ko-KR" sz="600" dirty="0" err="1">
+                <a:solidFill>
+                  <a:srgbClr val="00B050"/>
+                </a:solidFill>
+              </a:rPr>
+              <a:t>bd_tag</a:t>
+            </a:r>
+            <a:r>
+              <a:rPr lang="en-US" altLang="ko-KR" sz="600" dirty="0">
+                <a:solidFill>
+                  <a:srgbClr val="00B050"/>
+                </a:solidFill>
+              </a:rPr>
+              <a:t>, </a:t>
+            </a:r>
+            <a:r>
+              <a:rPr lang="en-US" altLang="ko-KR" sz="600" dirty="0" err="1">
+                <a:solidFill>
+                  <a:srgbClr val="00B050"/>
+                </a:solidFill>
+              </a:rPr>
+              <a:t>calc_tag</a:t>
+            </a:r>
+            <a:r>
+              <a:rPr lang="en-US" altLang="ko-KR" sz="600" dirty="0">
+                <a:solidFill>
+                  <a:srgbClr val="00B050"/>
+                </a:solidFill>
+              </a:rPr>
+              <a:t>, </a:t>
+            </a:r>
+            <a:r>
+              <a:rPr lang="en-US" altLang="ko-KR" sz="600" dirty="0" err="1">
+                <a:solidFill>
+                  <a:srgbClr val="00B050"/>
+                </a:solidFill>
+              </a:rPr>
+              <a:t>stdType_tag</a:t>
+            </a:r>
+            <a:r>
+              <a:rPr lang="ko-KR" altLang="en-US" sz="600" dirty="0">
+                <a:solidFill>
+                  <a:srgbClr val="00B050"/>
+                </a:solidFill>
+              </a:rPr>
+              <a:t>의 </a:t>
+            </a:r>
+            <a:r>
+              <a:rPr lang="ko-KR" altLang="en-US" sz="600" dirty="0" err="1">
+                <a:solidFill>
+                  <a:srgbClr val="00B050"/>
+                </a:solidFill>
+              </a:rPr>
+              <a:t>키값을</a:t>
+            </a:r>
+            <a:r>
+              <a:rPr lang="ko-KR" altLang="en-US" sz="600" dirty="0">
+                <a:solidFill>
+                  <a:srgbClr val="00B050"/>
+                </a:solidFill>
+              </a:rPr>
+              <a:t> 변경</a:t>
+            </a:r>
+          </a:p>
+        </p:txBody>
+      </p:sp>
+      <p:sp>
+        <p:nvSpPr>
+          <p:cNvPr id="2" name="TextBox 1">
+            <a:extLst>
+              <a:ext uri="{FF2B5EF4-FFF2-40B4-BE49-F238E27FC236}">
+                <a16:creationId xmlns:a16="http://schemas.microsoft.com/office/drawing/2014/main" id="{9C3FC06B-1F67-59B5-A67D-896D8F9F1DCD}"/>
+              </a:ext>
+            </a:extLst>
+          </p:cNvPr>
+          <p:cNvSpPr txBox="1"/>
+          <p:nvPr/>
+        </p:nvSpPr>
+        <p:spPr>
+          <a:xfrm>
+            <a:off x="597811" y="5383014"/>
+            <a:ext cx="3554178" cy="184666"/>
+          </a:xfrm>
+          <a:prstGeom prst="rect">
+            <a:avLst/>
+          </a:prstGeom>
+          <a:noFill/>
+        </p:spPr>
+        <p:txBody>
+          <a:bodyPr wrap="none" rtlCol="0">
+            <a:spAutoFit/>
+          </a:bodyPr>
+          <a:lstStyle/>
+          <a:p>
+            <a:r>
+              <a:rPr lang="ko-KR" altLang="en-US" sz="600" dirty="0">
+                <a:solidFill>
+                  <a:srgbClr val="00B050"/>
+                </a:solidFill>
+              </a:rPr>
+              <a:t>항목 삭제 시 </a:t>
+            </a:r>
+            <a:r>
+              <a:rPr lang="en-US" altLang="ko-KR" sz="600" dirty="0">
+                <a:solidFill>
+                  <a:srgbClr val="00B050"/>
+                </a:solidFill>
+              </a:rPr>
+              <a:t>applied </a:t>
+            </a:r>
+            <a:r>
+              <a:rPr lang="en-US" altLang="ko-KR" sz="600" dirty="0" err="1">
+                <a:solidFill>
+                  <a:srgbClr val="00B050"/>
+                </a:solidFill>
+              </a:rPr>
+              <a:t>revit</a:t>
+            </a:r>
+            <a:r>
+              <a:rPr lang="en-US" altLang="ko-KR" sz="600" dirty="0">
+                <a:solidFill>
+                  <a:srgbClr val="00B050"/>
+                </a:solidFill>
+              </a:rPr>
+              <a:t> type </a:t>
+            </a:r>
+            <a:r>
+              <a:rPr lang="ko-KR" altLang="en-US" sz="600" dirty="0">
+                <a:solidFill>
+                  <a:srgbClr val="00B050"/>
+                </a:solidFill>
+              </a:rPr>
+              <a:t>들 중 해당 </a:t>
+            </a:r>
+            <a:r>
+              <a:rPr lang="en-US" altLang="ko-KR" sz="600" dirty="0" err="1">
+                <a:solidFill>
+                  <a:srgbClr val="00B050"/>
+                </a:solidFill>
+              </a:rPr>
+              <a:t>stdType_tag</a:t>
+            </a:r>
+            <a:r>
+              <a:rPr lang="ko-KR" altLang="en-US" sz="600" dirty="0">
+                <a:solidFill>
+                  <a:srgbClr val="00B050"/>
+                </a:solidFill>
+              </a:rPr>
+              <a:t>를 가진 항목들을 공란으로 바꿔줘야 한다</a:t>
+            </a:r>
+          </a:p>
+        </p:txBody>
+      </p:sp>
+      <p:sp>
+        <p:nvSpPr>
+          <p:cNvPr id="3" name="TextBox 2">
+            <a:extLst>
+              <a:ext uri="{FF2B5EF4-FFF2-40B4-BE49-F238E27FC236}">
+                <a16:creationId xmlns:a16="http://schemas.microsoft.com/office/drawing/2014/main" id="{4BFEDC5F-9838-31A0-13F6-9774D608FB3C}"/>
+              </a:ext>
+            </a:extLst>
+          </p:cNvPr>
+          <p:cNvSpPr txBox="1"/>
+          <p:nvPr/>
+        </p:nvSpPr>
+        <p:spPr>
+          <a:xfrm>
+            <a:off x="660256" y="4346849"/>
+            <a:ext cx="854721" cy="184666"/>
+          </a:xfrm>
+          <a:prstGeom prst="rect">
+            <a:avLst/>
+          </a:prstGeom>
+          <a:noFill/>
+        </p:spPr>
+        <p:txBody>
+          <a:bodyPr wrap="none" rtlCol="0">
+            <a:spAutoFit/>
+          </a:bodyPr>
+          <a:lstStyle/>
+          <a:p>
+            <a:r>
+              <a:rPr lang="ko-KR" altLang="en-US" sz="600">
                 <a:solidFill>
                   <a:srgbClr val="FF00FF"/>
                 </a:solidFill>
               </a:rPr>
-              <a:t> 상에서는 </a:t>
-            </a:r>
-            <a:r>
-              <a:rPr lang="en-US" altLang="ko-KR" sz="600" dirty="0" err="1">
-                <a:solidFill>
-                  <a:srgbClr val="FF00FF"/>
-                </a:solidFill>
-              </a:rPr>
-              <a:t>stdType</a:t>
-            </a:r>
-            <a:r>
-              <a:rPr lang="en-US" altLang="ko-KR" sz="600" dirty="0">
-                <a:solidFill>
-                  <a:srgbClr val="FF00FF"/>
-                </a:solidFill>
-              </a:rPr>
-              <a:t> </a:t>
-            </a:r>
-            <a:r>
-              <a:rPr lang="ko-KR" altLang="en-US" sz="600" dirty="0">
-                <a:solidFill>
-                  <a:srgbClr val="FF00FF"/>
-                </a:solidFill>
-              </a:rPr>
-              <a:t>키의 값만 교체하고</a:t>
-            </a:r>
-            <a:r>
-              <a:rPr lang="en-US" altLang="ko-KR" sz="600" dirty="0">
-                <a:solidFill>
-                  <a:srgbClr val="FF00FF"/>
-                </a:solidFill>
-              </a:rPr>
-              <a:t>, </a:t>
-            </a:r>
-            <a:r>
-              <a:rPr lang="ko-KR" altLang="en-US" sz="600" dirty="0">
-                <a:solidFill>
-                  <a:srgbClr val="FF00FF"/>
-                </a:solidFill>
-              </a:rPr>
-              <a:t>뷰에서 </a:t>
-            </a:r>
-            <a:r>
-              <a:rPr lang="ko-KR" altLang="en-US" sz="600" dirty="0" err="1">
-                <a:solidFill>
-                  <a:srgbClr val="FF00FF"/>
-                </a:solidFill>
-              </a:rPr>
-              <a:t>키값</a:t>
-            </a:r>
-            <a:r>
-              <a:rPr lang="ko-KR" altLang="en-US" sz="600" dirty="0">
-                <a:solidFill>
-                  <a:srgbClr val="FF00FF"/>
-                </a:solidFill>
-              </a:rPr>
-              <a:t> 여부로 </a:t>
-            </a:r>
-            <a:r>
-              <a:rPr lang="ko-KR" altLang="en-US" sz="600" dirty="0" err="1">
-                <a:solidFill>
-                  <a:srgbClr val="FF00FF"/>
-                </a:solidFill>
-              </a:rPr>
-              <a:t>소팅해서</a:t>
-            </a:r>
-            <a:r>
-              <a:rPr lang="ko-KR" altLang="en-US" sz="600" dirty="0">
-                <a:solidFill>
-                  <a:srgbClr val="FF00FF"/>
-                </a:solidFill>
-              </a:rPr>
-              <a:t> 화면 뿌리기</a:t>
-            </a:r>
-            <a:endParaRPr lang="en-US" altLang="ko-KR" sz="600" dirty="0">
-              <a:solidFill>
-                <a:srgbClr val="FF00FF"/>
-              </a:solidFill>
-            </a:endParaRPr>
-          </a:p>
-          <a:p>
-            <a:r>
-              <a:rPr lang="ko-KR" altLang="en-US" sz="600" dirty="0" err="1">
-                <a:solidFill>
-                  <a:srgbClr val="FF00FF"/>
-                </a:solidFill>
-              </a:rPr>
-              <a:t>화살표누르면</a:t>
-            </a:r>
-            <a:r>
-              <a:rPr lang="ko-KR" altLang="en-US" sz="600" dirty="0">
-                <a:solidFill>
-                  <a:srgbClr val="FF00FF"/>
-                </a:solidFill>
-              </a:rPr>
-              <a:t> </a:t>
-            </a:r>
-            <a:r>
-              <a:rPr lang="en-US" altLang="ko-KR" sz="600" dirty="0" err="1">
-                <a:solidFill>
-                  <a:srgbClr val="FF00FF"/>
-                </a:solidFill>
-              </a:rPr>
-              <a:t>bd_tag</a:t>
-            </a:r>
-            <a:r>
-              <a:rPr lang="en-US" altLang="ko-KR" sz="600" dirty="0">
-                <a:solidFill>
-                  <a:srgbClr val="FF00FF"/>
-                </a:solidFill>
-              </a:rPr>
-              <a:t>, </a:t>
-            </a:r>
-            <a:r>
-              <a:rPr lang="en-US" altLang="ko-KR" sz="600" dirty="0" err="1">
-                <a:solidFill>
-                  <a:srgbClr val="FF00FF"/>
-                </a:solidFill>
-              </a:rPr>
-              <a:t>calc_tag</a:t>
-            </a:r>
-            <a:r>
-              <a:rPr lang="en-US" altLang="ko-KR" sz="600" dirty="0">
-                <a:solidFill>
-                  <a:srgbClr val="FF00FF"/>
-                </a:solidFill>
-              </a:rPr>
-              <a:t>, </a:t>
-            </a:r>
-            <a:r>
-              <a:rPr lang="en-US" altLang="ko-KR" sz="600" dirty="0" err="1">
-                <a:solidFill>
-                  <a:srgbClr val="FF00FF"/>
-                </a:solidFill>
-              </a:rPr>
-              <a:t>stdType_tag</a:t>
-            </a:r>
-            <a:r>
-              <a:rPr lang="ko-KR" altLang="en-US" sz="600" dirty="0">
-                <a:solidFill>
-                  <a:srgbClr val="FF00FF"/>
-                </a:solidFill>
-              </a:rPr>
-              <a:t>의 </a:t>
-            </a:r>
-            <a:r>
-              <a:rPr lang="ko-KR" altLang="en-US" sz="600" dirty="0" err="1">
-                <a:solidFill>
-                  <a:srgbClr val="FF00FF"/>
-                </a:solidFill>
-              </a:rPr>
-              <a:t>키값을</a:t>
-            </a:r>
-            <a:r>
-              <a:rPr lang="ko-KR" altLang="en-US" sz="600" dirty="0">
-                <a:solidFill>
-                  <a:srgbClr val="FF00FF"/>
-                </a:solidFill>
-              </a:rPr>
-              <a:t> 변경하고 </a:t>
-            </a:r>
-            <a:endParaRPr lang="en-US" altLang="ko-KR" sz="600" dirty="0">
-              <a:solidFill>
-                <a:srgbClr val="FF00FF"/>
-              </a:solidFill>
-            </a:endParaRPr>
-          </a:p>
-          <a:p>
-            <a:r>
-              <a:rPr lang="ko-KR" altLang="en-US" sz="600" dirty="0">
-                <a:solidFill>
-                  <a:srgbClr val="FF00FF"/>
-                </a:solidFill>
-              </a:rPr>
-              <a:t>필요시 </a:t>
-            </a:r>
-            <a:r>
-              <a:rPr lang="ko-KR" altLang="en-US" sz="600" dirty="0" err="1">
-                <a:solidFill>
-                  <a:srgbClr val="FF00FF"/>
-                </a:solidFill>
-              </a:rPr>
-              <a:t>새로고침</a:t>
-            </a:r>
-            <a:r>
-              <a:rPr lang="ko-KR" altLang="en-US" sz="600" dirty="0">
-                <a:solidFill>
-                  <a:srgbClr val="FF00FF"/>
-                </a:solidFill>
-              </a:rPr>
-              <a:t> 함수 </a:t>
-            </a:r>
-            <a:r>
-              <a:rPr lang="ko-KR" altLang="en-US" sz="600" dirty="0" err="1">
-                <a:solidFill>
-                  <a:srgbClr val="FF00FF"/>
-                </a:solidFill>
-              </a:rPr>
-              <a:t>바인드</a:t>
+              <a:t>이름수정 기능 추가</a:t>
             </a:r>
             <a:endParaRPr lang="ko-KR" altLang="en-US" sz="600" dirty="0">
               <a:solidFill>

--- a/H_FamilyList_FP/화면정의서.pptx
+++ b/H_FamilyList_FP/화면정의서.pptx
@@ -10,14 +10,15 @@
     <p:sldId id="261" r:id="rId4"/>
     <p:sldId id="257" r:id="rId5"/>
     <p:sldId id="258" r:id="rId6"/>
-    <p:sldId id="263" r:id="rId7"/>
-    <p:sldId id="262" r:id="rId8"/>
-    <p:sldId id="267" r:id="rId9"/>
-    <p:sldId id="268" r:id="rId10"/>
-    <p:sldId id="264" r:id="rId11"/>
-    <p:sldId id="265" r:id="rId12"/>
-    <p:sldId id="266" r:id="rId13"/>
-    <p:sldId id="259" r:id="rId14"/>
+    <p:sldId id="269" r:id="rId7"/>
+    <p:sldId id="263" r:id="rId8"/>
+    <p:sldId id="262" r:id="rId9"/>
+    <p:sldId id="267" r:id="rId10"/>
+    <p:sldId id="268" r:id="rId11"/>
+    <p:sldId id="264" r:id="rId12"/>
+    <p:sldId id="265" r:id="rId13"/>
+    <p:sldId id="266" r:id="rId14"/>
+    <p:sldId id="259" r:id="rId15"/>
   </p:sldIdLst>
   <p:sldSz cx="12192000" cy="6858000"/>
   <p:notesSz cx="6858000" cy="9144000"/>
@@ -271,7 +272,7 @@
           <a:p>
             <a:fld id="{9DC0FBBE-1B54-474B-A1EF-57FEDE0B6A08}" type="datetimeFigureOut">
               <a:rPr lang="ko-KR" altLang="en-US" smtClean="0"/>
-              <a:t>2024-10-11</a:t>
+              <a:t>2024-10-14</a:t>
             </a:fld>
             <a:endParaRPr lang="ko-KR" altLang="en-US"/>
           </a:p>
@@ -469,7 +470,7 @@
           <a:p>
             <a:fld id="{9DC0FBBE-1B54-474B-A1EF-57FEDE0B6A08}" type="datetimeFigureOut">
               <a:rPr lang="ko-KR" altLang="en-US" smtClean="0"/>
-              <a:t>2024-10-11</a:t>
+              <a:t>2024-10-14</a:t>
             </a:fld>
             <a:endParaRPr lang="ko-KR" altLang="en-US"/>
           </a:p>
@@ -677,7 +678,7 @@
           <a:p>
             <a:fld id="{9DC0FBBE-1B54-474B-A1EF-57FEDE0B6A08}" type="datetimeFigureOut">
               <a:rPr lang="ko-KR" altLang="en-US" smtClean="0"/>
-              <a:t>2024-10-11</a:t>
+              <a:t>2024-10-14</a:t>
             </a:fld>
             <a:endParaRPr lang="ko-KR" altLang="en-US"/>
           </a:p>
@@ -875,7 +876,7 @@
           <a:p>
             <a:fld id="{9DC0FBBE-1B54-474B-A1EF-57FEDE0B6A08}" type="datetimeFigureOut">
               <a:rPr lang="ko-KR" altLang="en-US" smtClean="0"/>
-              <a:t>2024-10-11</a:t>
+              <a:t>2024-10-14</a:t>
             </a:fld>
             <a:endParaRPr lang="ko-KR" altLang="en-US"/>
           </a:p>
@@ -1150,7 +1151,7 @@
           <a:p>
             <a:fld id="{9DC0FBBE-1B54-474B-A1EF-57FEDE0B6A08}" type="datetimeFigureOut">
               <a:rPr lang="ko-KR" altLang="en-US" smtClean="0"/>
-              <a:t>2024-10-11</a:t>
+              <a:t>2024-10-14</a:t>
             </a:fld>
             <a:endParaRPr lang="ko-KR" altLang="en-US"/>
           </a:p>
@@ -1415,7 +1416,7 @@
           <a:p>
             <a:fld id="{9DC0FBBE-1B54-474B-A1EF-57FEDE0B6A08}" type="datetimeFigureOut">
               <a:rPr lang="ko-KR" altLang="en-US" smtClean="0"/>
-              <a:t>2024-10-11</a:t>
+              <a:t>2024-10-14</a:t>
             </a:fld>
             <a:endParaRPr lang="ko-KR" altLang="en-US"/>
           </a:p>
@@ -1827,7 +1828,7 @@
           <a:p>
             <a:fld id="{9DC0FBBE-1B54-474B-A1EF-57FEDE0B6A08}" type="datetimeFigureOut">
               <a:rPr lang="ko-KR" altLang="en-US" smtClean="0"/>
-              <a:t>2024-10-11</a:t>
+              <a:t>2024-10-14</a:t>
             </a:fld>
             <a:endParaRPr lang="ko-KR" altLang="en-US"/>
           </a:p>
@@ -1968,7 +1969,7 @@
           <a:p>
             <a:fld id="{9DC0FBBE-1B54-474B-A1EF-57FEDE0B6A08}" type="datetimeFigureOut">
               <a:rPr lang="ko-KR" altLang="en-US" smtClean="0"/>
-              <a:t>2024-10-11</a:t>
+              <a:t>2024-10-14</a:t>
             </a:fld>
             <a:endParaRPr lang="ko-KR" altLang="en-US"/>
           </a:p>
@@ -2081,7 +2082,7 @@
           <a:p>
             <a:fld id="{9DC0FBBE-1B54-474B-A1EF-57FEDE0B6A08}" type="datetimeFigureOut">
               <a:rPr lang="ko-KR" altLang="en-US" smtClean="0"/>
-              <a:t>2024-10-11</a:t>
+              <a:t>2024-10-14</a:t>
             </a:fld>
             <a:endParaRPr lang="ko-KR" altLang="en-US"/>
           </a:p>
@@ -2392,7 +2393,7 @@
           <a:p>
             <a:fld id="{9DC0FBBE-1B54-474B-A1EF-57FEDE0B6A08}" type="datetimeFigureOut">
               <a:rPr lang="ko-KR" altLang="en-US" smtClean="0"/>
-              <a:t>2024-10-11</a:t>
+              <a:t>2024-10-14</a:t>
             </a:fld>
             <a:endParaRPr lang="ko-KR" altLang="en-US"/>
           </a:p>
@@ -2680,7 +2681,7 @@
           <a:p>
             <a:fld id="{9DC0FBBE-1B54-474B-A1EF-57FEDE0B6A08}" type="datetimeFigureOut">
               <a:rPr lang="ko-KR" altLang="en-US" smtClean="0"/>
-              <a:t>2024-10-11</a:t>
+              <a:t>2024-10-14</a:t>
             </a:fld>
             <a:endParaRPr lang="ko-KR" altLang="en-US"/>
           </a:p>
@@ -2921,7 +2922,7 @@
           <a:p>
             <a:fld id="{9DC0FBBE-1B54-474B-A1EF-57FEDE0B6A08}" type="datetimeFigureOut">
               <a:rPr lang="ko-KR" altLang="en-US" smtClean="0"/>
-              <a:t>2024-10-11</a:t>
+              <a:t>2024-10-14</a:t>
             </a:fld>
             <a:endParaRPr lang="ko-KR" altLang="en-US"/>
           </a:p>
@@ -4387,6 +4388,1056 @@
 </file>
 
 <file path=ppt/slides/slide10.xml><?xml version="1.0" encoding="utf-8"?>
+<p:sld xmlns:a="http://schemas.openxmlformats.org/drawingml/2006/main" xmlns:r="http://schemas.openxmlformats.org/officeDocument/2006/relationships" xmlns:p="http://schemas.openxmlformats.org/presentationml/2006/main">
+  <p:cSld>
+    <p:spTree>
+      <p:nvGrpSpPr>
+        <p:cNvPr id="1" name=""/>
+        <p:cNvGrpSpPr/>
+        <p:nvPr/>
+      </p:nvGrpSpPr>
+      <p:grpSpPr>
+        <a:xfrm>
+          <a:off x="0" y="0"/>
+          <a:ext cx="0" cy="0"/>
+          <a:chOff x="0" y="0"/>
+          <a:chExt cx="0" cy="0"/>
+        </a:xfrm>
+      </p:grpSpPr>
+      <p:pic>
+        <p:nvPicPr>
+          <p:cNvPr id="3" name="그림 2">
+            <a:extLst>
+              <a:ext uri="{FF2B5EF4-FFF2-40B4-BE49-F238E27FC236}">
+                <a16:creationId xmlns:a16="http://schemas.microsoft.com/office/drawing/2014/main" id="{E104DBD9-B730-EE42-1270-5CD4789A9C86}"/>
+              </a:ext>
+            </a:extLst>
+          </p:cNvPr>
+          <p:cNvPicPr>
+            <a:picLocks noChangeAspect="1"/>
+          </p:cNvPicPr>
+          <p:nvPr/>
+        </p:nvPicPr>
+        <p:blipFill>
+          <a:blip r:embed="rId2"/>
+          <a:stretch>
+            <a:fillRect/>
+          </a:stretch>
+        </p:blipFill>
+        <p:spPr>
+          <a:xfrm>
+            <a:off x="0" y="95250"/>
+            <a:ext cx="12192000" cy="6667500"/>
+          </a:xfrm>
+          <a:prstGeom prst="rect">
+            <a:avLst/>
+          </a:prstGeom>
+        </p:spPr>
+      </p:pic>
+      <p:sp>
+        <p:nvSpPr>
+          <p:cNvPr id="4" name="TextBox 3">
+            <a:extLst>
+              <a:ext uri="{FF2B5EF4-FFF2-40B4-BE49-F238E27FC236}">
+                <a16:creationId xmlns:a16="http://schemas.microsoft.com/office/drawing/2014/main" id="{ED0D42A5-DA8A-DA3E-2DA9-6D0A80B554A7}"/>
+              </a:ext>
+            </a:extLst>
+          </p:cNvPr>
+          <p:cNvSpPr txBox="1"/>
+          <p:nvPr/>
+        </p:nvSpPr>
+        <p:spPr>
+          <a:xfrm>
+            <a:off x="6858000" y="-80682"/>
+            <a:ext cx="3512500" cy="369332"/>
+          </a:xfrm>
+          <a:prstGeom prst="rect">
+            <a:avLst/>
+          </a:prstGeom>
+          <a:noFill/>
+        </p:spPr>
+        <p:txBody>
+          <a:bodyPr wrap="none" rtlCol="0">
+            <a:spAutoFit/>
+          </a:bodyPr>
+          <a:lstStyle/>
+          <a:p>
+            <a:r>
+              <a:rPr lang="ko-KR" altLang="en-US" dirty="0"/>
+              <a:t>다른 카테고리 </a:t>
+            </a:r>
+            <a:r>
+              <a:rPr lang="ko-KR" altLang="en-US" dirty="0" err="1"/>
+              <a:t>작업시</a:t>
+            </a:r>
+            <a:r>
+              <a:rPr lang="ko-KR" altLang="en-US" dirty="0"/>
+              <a:t> 수정 사항</a:t>
+            </a:r>
+          </a:p>
+        </p:txBody>
+      </p:sp>
+      <p:sp>
+        <p:nvSpPr>
+          <p:cNvPr id="6" name="직사각형 5">
+            <a:extLst>
+              <a:ext uri="{FF2B5EF4-FFF2-40B4-BE49-F238E27FC236}">
+                <a16:creationId xmlns:a16="http://schemas.microsoft.com/office/drawing/2014/main" id="{4D955AD8-5266-01D7-BDD0-6231491182BD}"/>
+              </a:ext>
+            </a:extLst>
+          </p:cNvPr>
+          <p:cNvSpPr/>
+          <p:nvPr/>
+        </p:nvSpPr>
+        <p:spPr>
+          <a:xfrm>
+            <a:off x="26896" y="1296146"/>
+            <a:ext cx="1721224" cy="4728135"/>
+          </a:xfrm>
+          <a:prstGeom prst="rect">
+            <a:avLst/>
+          </a:prstGeom>
+          <a:noFill/>
+          <a:ln>
+            <a:solidFill>
+              <a:srgbClr val="FF00FF"/>
+            </a:solidFill>
+            <a:prstDash val="dash"/>
+          </a:ln>
+        </p:spPr>
+        <p:style>
+          <a:lnRef idx="2">
+            <a:schemeClr val="accent1">
+              <a:shade val="15000"/>
+            </a:schemeClr>
+          </a:lnRef>
+          <a:fillRef idx="1">
+            <a:schemeClr val="accent1"/>
+          </a:fillRef>
+          <a:effectRef idx="0">
+            <a:schemeClr val="accent1"/>
+          </a:effectRef>
+          <a:fontRef idx="minor">
+            <a:schemeClr val="lt1"/>
+          </a:fontRef>
+        </p:style>
+        <p:txBody>
+          <a:bodyPr rtlCol="0" anchor="ctr"/>
+          <a:lstStyle/>
+          <a:p>
+            <a:endParaRPr lang="ko-KR" altLang="en-US" sz="800" dirty="0">
+              <a:solidFill>
+                <a:schemeClr val="tx1"/>
+              </a:solidFill>
+            </a:endParaRPr>
+          </a:p>
+        </p:txBody>
+      </p:sp>
+      <p:pic>
+        <p:nvPicPr>
+          <p:cNvPr id="11" name="그림 10">
+            <a:extLst>
+              <a:ext uri="{FF2B5EF4-FFF2-40B4-BE49-F238E27FC236}">
+                <a16:creationId xmlns:a16="http://schemas.microsoft.com/office/drawing/2014/main" id="{88566CF5-FD05-3F60-D8A7-7D04688F6ECD}"/>
+              </a:ext>
+            </a:extLst>
+          </p:cNvPr>
+          <p:cNvPicPr>
+            <a:picLocks noChangeAspect="1"/>
+          </p:cNvPicPr>
+          <p:nvPr/>
+        </p:nvPicPr>
+        <p:blipFill rotWithShape="1">
+          <a:blip r:embed="rId2"/>
+          <a:srcRect l="14559" t="29335" r="22353" b="64051"/>
+          <a:stretch/>
+        </p:blipFill>
+        <p:spPr>
+          <a:xfrm>
+            <a:off x="1775016" y="3126696"/>
+            <a:ext cx="7691713" cy="441028"/>
+          </a:xfrm>
+          <a:prstGeom prst="rect">
+            <a:avLst/>
+          </a:prstGeom>
+        </p:spPr>
+      </p:pic>
+      <p:pic>
+        <p:nvPicPr>
+          <p:cNvPr id="12" name="그림 11">
+            <a:extLst>
+              <a:ext uri="{FF2B5EF4-FFF2-40B4-BE49-F238E27FC236}">
+                <a16:creationId xmlns:a16="http://schemas.microsoft.com/office/drawing/2014/main" id="{A07E7C82-1D11-D309-0691-E8EB25D2B221}"/>
+              </a:ext>
+            </a:extLst>
+          </p:cNvPr>
+          <p:cNvPicPr>
+            <a:picLocks noChangeAspect="1"/>
+          </p:cNvPicPr>
+          <p:nvPr/>
+        </p:nvPicPr>
+        <p:blipFill rotWithShape="1">
+          <a:blip r:embed="rId2"/>
+          <a:srcRect l="14559" t="29335" r="24338" b="66633"/>
+          <a:stretch/>
+        </p:blipFill>
+        <p:spPr>
+          <a:xfrm>
+            <a:off x="1775016" y="2250141"/>
+            <a:ext cx="7691713" cy="1178859"/>
+          </a:xfrm>
+          <a:prstGeom prst="rect">
+            <a:avLst/>
+          </a:prstGeom>
+        </p:spPr>
+      </p:pic>
+      <p:sp>
+        <p:nvSpPr>
+          <p:cNvPr id="14" name="TextBox 13">
+            <a:extLst>
+              <a:ext uri="{FF2B5EF4-FFF2-40B4-BE49-F238E27FC236}">
+                <a16:creationId xmlns:a16="http://schemas.microsoft.com/office/drawing/2014/main" id="{7034DBB4-1792-576A-0A87-2EB6055820B4}"/>
+              </a:ext>
+            </a:extLst>
+          </p:cNvPr>
+          <p:cNvSpPr txBox="1"/>
+          <p:nvPr/>
+        </p:nvSpPr>
+        <p:spPr>
+          <a:xfrm>
+            <a:off x="7082602" y="3254877"/>
+            <a:ext cx="1103187" cy="184666"/>
+          </a:xfrm>
+          <a:prstGeom prst="rect">
+            <a:avLst/>
+          </a:prstGeom>
+          <a:noFill/>
+        </p:spPr>
+        <p:txBody>
+          <a:bodyPr wrap="none" rtlCol="0">
+            <a:spAutoFit/>
+          </a:bodyPr>
+          <a:lstStyle/>
+          <a:p>
+            <a:r>
+              <a:rPr lang="en-US" altLang="ko-KR" sz="600" dirty="0">
+                <a:solidFill>
+                  <a:srgbClr val="FF00FF"/>
+                </a:solidFill>
+              </a:rPr>
+              <a:t>WM</a:t>
+            </a:r>
+            <a:r>
+              <a:rPr lang="ko-KR" altLang="en-US" sz="600" dirty="0">
+                <a:solidFill>
+                  <a:srgbClr val="FF00FF"/>
+                </a:solidFill>
+              </a:rPr>
+              <a:t>시트 영역 하나만 두기</a:t>
+            </a:r>
+          </a:p>
+        </p:txBody>
+      </p:sp>
+      <p:pic>
+        <p:nvPicPr>
+          <p:cNvPr id="16" name="그림 15">
+            <a:extLst>
+              <a:ext uri="{FF2B5EF4-FFF2-40B4-BE49-F238E27FC236}">
+                <a16:creationId xmlns:a16="http://schemas.microsoft.com/office/drawing/2014/main" id="{E60BDCA6-DA91-00BE-719C-EAA0ED2F5200}"/>
+              </a:ext>
+            </a:extLst>
+          </p:cNvPr>
+          <p:cNvPicPr>
+            <a:picLocks noChangeAspect="1"/>
+          </p:cNvPicPr>
+          <p:nvPr/>
+        </p:nvPicPr>
+        <p:blipFill>
+          <a:blip r:embed="rId3"/>
+          <a:stretch>
+            <a:fillRect/>
+          </a:stretch>
+        </p:blipFill>
+        <p:spPr>
+          <a:xfrm>
+            <a:off x="1775014" y="3564839"/>
+            <a:ext cx="7691713" cy="1652384"/>
+          </a:xfrm>
+          <a:prstGeom prst="rect">
+            <a:avLst/>
+          </a:prstGeom>
+        </p:spPr>
+      </p:pic>
+      <p:sp>
+        <p:nvSpPr>
+          <p:cNvPr id="13" name="직사각형 12">
+            <a:extLst>
+              <a:ext uri="{FF2B5EF4-FFF2-40B4-BE49-F238E27FC236}">
+                <a16:creationId xmlns:a16="http://schemas.microsoft.com/office/drawing/2014/main" id="{A3D0265C-3279-BFE9-BCB1-7066DEAEEF04}"/>
+              </a:ext>
+            </a:extLst>
+          </p:cNvPr>
+          <p:cNvSpPr/>
+          <p:nvPr/>
+        </p:nvSpPr>
+        <p:spPr>
+          <a:xfrm>
+            <a:off x="1775015" y="1296146"/>
+            <a:ext cx="7718609" cy="2268693"/>
+          </a:xfrm>
+          <a:prstGeom prst="rect">
+            <a:avLst/>
+          </a:prstGeom>
+          <a:noFill/>
+          <a:ln>
+            <a:solidFill>
+              <a:srgbClr val="FF00FF"/>
+            </a:solidFill>
+            <a:prstDash val="dash"/>
+          </a:ln>
+        </p:spPr>
+        <p:style>
+          <a:lnRef idx="2">
+            <a:schemeClr val="accent1">
+              <a:shade val="15000"/>
+            </a:schemeClr>
+          </a:lnRef>
+          <a:fillRef idx="1">
+            <a:schemeClr val="accent1"/>
+          </a:fillRef>
+          <a:effectRef idx="0">
+            <a:schemeClr val="accent1"/>
+          </a:effectRef>
+          <a:fontRef idx="minor">
+            <a:schemeClr val="lt1"/>
+          </a:fontRef>
+        </p:style>
+        <p:txBody>
+          <a:bodyPr rtlCol="0" anchor="ctr"/>
+          <a:lstStyle/>
+          <a:p>
+            <a:endParaRPr lang="ko-KR" altLang="en-US" sz="800" dirty="0">
+              <a:solidFill>
+                <a:schemeClr val="tx1"/>
+              </a:solidFill>
+            </a:endParaRPr>
+          </a:p>
+        </p:txBody>
+      </p:sp>
+      <p:pic>
+        <p:nvPicPr>
+          <p:cNvPr id="20" name="그림 19">
+            <a:extLst>
+              <a:ext uri="{FF2B5EF4-FFF2-40B4-BE49-F238E27FC236}">
+                <a16:creationId xmlns:a16="http://schemas.microsoft.com/office/drawing/2014/main" id="{1334D3C1-9053-264E-8E4D-ABC423E065BD}"/>
+              </a:ext>
+            </a:extLst>
+          </p:cNvPr>
+          <p:cNvPicPr>
+            <a:picLocks noChangeAspect="1"/>
+          </p:cNvPicPr>
+          <p:nvPr/>
+        </p:nvPicPr>
+        <p:blipFill>
+          <a:blip r:embed="rId4"/>
+          <a:stretch>
+            <a:fillRect/>
+          </a:stretch>
+        </p:blipFill>
+        <p:spPr>
+          <a:xfrm>
+            <a:off x="1775012" y="4382995"/>
+            <a:ext cx="7691713" cy="935995"/>
+          </a:xfrm>
+          <a:prstGeom prst="rect">
+            <a:avLst/>
+          </a:prstGeom>
+        </p:spPr>
+      </p:pic>
+      <p:sp>
+        <p:nvSpPr>
+          <p:cNvPr id="21" name="TextBox 20">
+            <a:extLst>
+              <a:ext uri="{FF2B5EF4-FFF2-40B4-BE49-F238E27FC236}">
+                <a16:creationId xmlns:a16="http://schemas.microsoft.com/office/drawing/2014/main" id="{B20FA1B8-F7C2-1B15-3096-4047616B260C}"/>
+              </a:ext>
+            </a:extLst>
+          </p:cNvPr>
+          <p:cNvSpPr txBox="1"/>
+          <p:nvPr/>
+        </p:nvSpPr>
+        <p:spPr>
+          <a:xfrm>
+            <a:off x="1775012" y="4032180"/>
+            <a:ext cx="2263761" cy="246221"/>
+          </a:xfrm>
+          <a:prstGeom prst="rect">
+            <a:avLst/>
+          </a:prstGeom>
+          <a:noFill/>
+        </p:spPr>
+        <p:txBody>
+          <a:bodyPr wrap="none" rtlCol="0">
+            <a:spAutoFit/>
+          </a:bodyPr>
+          <a:lstStyle/>
+          <a:p>
+            <a:r>
+              <a:rPr lang="en-US" altLang="ko-KR" sz="1000" dirty="0"/>
+              <a:t>Only for Selected Revit Family Type</a:t>
+            </a:r>
+            <a:endParaRPr lang="ko-KR" altLang="en-US" sz="1000" dirty="0"/>
+          </a:p>
+        </p:txBody>
+      </p:sp>
+      <p:pic>
+        <p:nvPicPr>
+          <p:cNvPr id="23" name="그림 22">
+            <a:extLst>
+              <a:ext uri="{FF2B5EF4-FFF2-40B4-BE49-F238E27FC236}">
+                <a16:creationId xmlns:a16="http://schemas.microsoft.com/office/drawing/2014/main" id="{B81EEFC7-BDAB-A850-9C2D-9D9953C104DE}"/>
+              </a:ext>
+            </a:extLst>
+          </p:cNvPr>
+          <p:cNvPicPr>
+            <a:picLocks noChangeAspect="1"/>
+          </p:cNvPicPr>
+          <p:nvPr/>
+        </p:nvPicPr>
+        <p:blipFill>
+          <a:blip r:embed="rId5"/>
+          <a:stretch>
+            <a:fillRect/>
+          </a:stretch>
+        </p:blipFill>
+        <p:spPr>
+          <a:xfrm>
+            <a:off x="10062373" y="3369471"/>
+            <a:ext cx="1084767" cy="139561"/>
+          </a:xfrm>
+          <a:prstGeom prst="rect">
+            <a:avLst/>
+          </a:prstGeom>
+        </p:spPr>
+      </p:pic>
+      <p:sp>
+        <p:nvSpPr>
+          <p:cNvPr id="24" name="직사각형 23">
+            <a:extLst>
+              <a:ext uri="{FF2B5EF4-FFF2-40B4-BE49-F238E27FC236}">
+                <a16:creationId xmlns:a16="http://schemas.microsoft.com/office/drawing/2014/main" id="{4856409A-05CE-B9E5-0B5C-14FC2C47453F}"/>
+              </a:ext>
+            </a:extLst>
+          </p:cNvPr>
+          <p:cNvSpPr/>
+          <p:nvPr/>
+        </p:nvSpPr>
+        <p:spPr>
+          <a:xfrm>
+            <a:off x="1775015" y="3600965"/>
+            <a:ext cx="7718609" cy="2268693"/>
+          </a:xfrm>
+          <a:prstGeom prst="rect">
+            <a:avLst/>
+          </a:prstGeom>
+          <a:noFill/>
+          <a:ln>
+            <a:solidFill>
+              <a:srgbClr val="FF00FF"/>
+            </a:solidFill>
+            <a:prstDash val="dash"/>
+          </a:ln>
+        </p:spPr>
+        <p:style>
+          <a:lnRef idx="2">
+            <a:schemeClr val="accent1">
+              <a:shade val="15000"/>
+            </a:schemeClr>
+          </a:lnRef>
+          <a:fillRef idx="1">
+            <a:schemeClr val="accent1"/>
+          </a:fillRef>
+          <a:effectRef idx="0">
+            <a:schemeClr val="accent1"/>
+          </a:effectRef>
+          <a:fontRef idx="minor">
+            <a:schemeClr val="lt1"/>
+          </a:fontRef>
+        </p:style>
+        <p:txBody>
+          <a:bodyPr rtlCol="0" anchor="ctr"/>
+          <a:lstStyle/>
+          <a:p>
+            <a:endParaRPr lang="ko-KR" altLang="en-US" sz="800" dirty="0">
+              <a:solidFill>
+                <a:schemeClr val="tx1"/>
+              </a:solidFill>
+            </a:endParaRPr>
+          </a:p>
+        </p:txBody>
+      </p:sp>
+      <p:sp>
+        <p:nvSpPr>
+          <p:cNvPr id="25" name="TextBox 24">
+            <a:extLst>
+              <a:ext uri="{FF2B5EF4-FFF2-40B4-BE49-F238E27FC236}">
+                <a16:creationId xmlns:a16="http://schemas.microsoft.com/office/drawing/2014/main" id="{A1976C3B-A71E-3E90-7657-70696808CDB5}"/>
+              </a:ext>
+            </a:extLst>
+          </p:cNvPr>
+          <p:cNvSpPr txBox="1"/>
+          <p:nvPr/>
+        </p:nvSpPr>
+        <p:spPr>
+          <a:xfrm>
+            <a:off x="7082602" y="3970624"/>
+            <a:ext cx="1313180" cy="184666"/>
+          </a:xfrm>
+          <a:prstGeom prst="rect">
+            <a:avLst/>
+          </a:prstGeom>
+          <a:noFill/>
+        </p:spPr>
+        <p:txBody>
+          <a:bodyPr wrap="none" rtlCol="0">
+            <a:spAutoFit/>
+          </a:bodyPr>
+          <a:lstStyle/>
+          <a:p>
+            <a:r>
+              <a:rPr lang="en-US" altLang="ko-KR" sz="600" dirty="0">
+                <a:solidFill>
+                  <a:srgbClr val="FF00FF"/>
+                </a:solidFill>
+              </a:rPr>
+              <a:t>Only for WM</a:t>
+            </a:r>
+            <a:r>
+              <a:rPr lang="ko-KR" altLang="en-US" sz="600" dirty="0">
+                <a:solidFill>
+                  <a:srgbClr val="FF00FF"/>
+                </a:solidFill>
+              </a:rPr>
+              <a:t>시트 영역 추가하기</a:t>
+            </a:r>
+          </a:p>
+        </p:txBody>
+      </p:sp>
+      <p:pic>
+        <p:nvPicPr>
+          <p:cNvPr id="27" name="그림 26">
+            <a:extLst>
+              <a:ext uri="{FF2B5EF4-FFF2-40B4-BE49-F238E27FC236}">
+                <a16:creationId xmlns:a16="http://schemas.microsoft.com/office/drawing/2014/main" id="{BE88A932-1331-2D89-26A9-0BF594EE48F9}"/>
+              </a:ext>
+            </a:extLst>
+          </p:cNvPr>
+          <p:cNvPicPr>
+            <a:picLocks noChangeAspect="1"/>
+          </p:cNvPicPr>
+          <p:nvPr/>
+        </p:nvPicPr>
+        <p:blipFill>
+          <a:blip r:embed="rId6"/>
+          <a:stretch>
+            <a:fillRect/>
+          </a:stretch>
+        </p:blipFill>
+        <p:spPr>
+          <a:xfrm>
+            <a:off x="152401" y="1719262"/>
+            <a:ext cx="1395412" cy="3760787"/>
+          </a:xfrm>
+          <a:prstGeom prst="rect">
+            <a:avLst/>
+          </a:prstGeom>
+        </p:spPr>
+      </p:pic>
+      <p:sp>
+        <p:nvSpPr>
+          <p:cNvPr id="7" name="TextBox 6">
+            <a:extLst>
+              <a:ext uri="{FF2B5EF4-FFF2-40B4-BE49-F238E27FC236}">
+                <a16:creationId xmlns:a16="http://schemas.microsoft.com/office/drawing/2014/main" id="{487E4C76-B12E-35F3-6028-4BC9CEF9455E}"/>
+              </a:ext>
+            </a:extLst>
+          </p:cNvPr>
+          <p:cNvSpPr txBox="1"/>
+          <p:nvPr/>
+        </p:nvSpPr>
+        <p:spPr>
+          <a:xfrm>
+            <a:off x="581879" y="2214015"/>
+            <a:ext cx="2117887" cy="184666"/>
+          </a:xfrm>
+          <a:prstGeom prst="rect">
+            <a:avLst/>
+          </a:prstGeom>
+          <a:noFill/>
+        </p:spPr>
+        <p:txBody>
+          <a:bodyPr wrap="none" rtlCol="0">
+            <a:spAutoFit/>
+          </a:bodyPr>
+          <a:lstStyle/>
+          <a:p>
+            <a:r>
+              <a:rPr lang="ko-KR" altLang="en-US" sz="600" dirty="0" err="1">
+                <a:solidFill>
+                  <a:srgbClr val="FF00FF"/>
+                </a:solidFill>
+              </a:rPr>
+              <a:t>팀스탠다드</a:t>
+            </a:r>
+            <a:r>
+              <a:rPr lang="ko-KR" altLang="en-US" sz="600" dirty="0">
+                <a:solidFill>
+                  <a:srgbClr val="FF00FF"/>
+                </a:solidFill>
+              </a:rPr>
+              <a:t> </a:t>
+            </a:r>
+            <a:r>
+              <a:rPr lang="ko-KR" altLang="en-US" sz="600" dirty="0" err="1">
+                <a:solidFill>
+                  <a:srgbClr val="FF00FF"/>
+                </a:solidFill>
+              </a:rPr>
+              <a:t>트리뷰</a:t>
+            </a:r>
+            <a:r>
+              <a:rPr lang="ko-KR" altLang="en-US" sz="600" dirty="0">
+                <a:solidFill>
+                  <a:srgbClr val="FF00FF"/>
+                </a:solidFill>
+              </a:rPr>
+              <a:t> 로 </a:t>
+            </a:r>
+            <a:r>
+              <a:rPr lang="ko-KR" altLang="en-US" sz="600" dirty="0" err="1">
+                <a:solidFill>
+                  <a:srgbClr val="FF00FF"/>
+                </a:solidFill>
+              </a:rPr>
+              <a:t>해당카테고리만</a:t>
+            </a:r>
+            <a:r>
+              <a:rPr lang="ko-KR" altLang="en-US" sz="600" dirty="0">
+                <a:solidFill>
+                  <a:srgbClr val="FF00FF"/>
+                </a:solidFill>
+              </a:rPr>
+              <a:t> 보이도록 수정 요</a:t>
+            </a:r>
+          </a:p>
+        </p:txBody>
+      </p:sp>
+      <p:sp>
+        <p:nvSpPr>
+          <p:cNvPr id="28" name="직사각형 27">
+            <a:extLst>
+              <a:ext uri="{FF2B5EF4-FFF2-40B4-BE49-F238E27FC236}">
+                <a16:creationId xmlns:a16="http://schemas.microsoft.com/office/drawing/2014/main" id="{41AD91D5-B380-9921-049C-EE05983B37C2}"/>
+              </a:ext>
+            </a:extLst>
+          </p:cNvPr>
+          <p:cNvSpPr/>
+          <p:nvPr/>
+        </p:nvSpPr>
+        <p:spPr>
+          <a:xfrm>
+            <a:off x="233082" y="5710518"/>
+            <a:ext cx="1246094" cy="192647"/>
+          </a:xfrm>
+          <a:prstGeom prst="rect">
+            <a:avLst/>
+          </a:prstGeom>
+          <a:solidFill>
+            <a:schemeClr val="bg1"/>
+          </a:solidFill>
+        </p:spPr>
+        <p:style>
+          <a:lnRef idx="2">
+            <a:schemeClr val="accent1">
+              <a:shade val="15000"/>
+            </a:schemeClr>
+          </a:lnRef>
+          <a:fillRef idx="1">
+            <a:schemeClr val="accent1"/>
+          </a:fillRef>
+          <a:effectRef idx="0">
+            <a:schemeClr val="accent1"/>
+          </a:effectRef>
+          <a:fontRef idx="minor">
+            <a:schemeClr val="lt1"/>
+          </a:fontRef>
+        </p:style>
+        <p:txBody>
+          <a:bodyPr rtlCol="0" anchor="ctr"/>
+          <a:lstStyle/>
+          <a:p>
+            <a:pPr algn="ctr"/>
+            <a:r>
+              <a:rPr lang="en-US" altLang="ko-KR" sz="800" dirty="0">
+                <a:solidFill>
+                  <a:schemeClr val="tx1"/>
+                </a:solidFill>
+              </a:rPr>
+              <a:t>Edit Standard Type</a:t>
+            </a:r>
+            <a:endParaRPr lang="ko-KR" altLang="en-US" sz="800" dirty="0">
+              <a:solidFill>
+                <a:schemeClr val="tx1"/>
+              </a:solidFill>
+            </a:endParaRPr>
+          </a:p>
+        </p:txBody>
+      </p:sp>
+      <p:pic>
+        <p:nvPicPr>
+          <p:cNvPr id="30" name="그림 29">
+            <a:extLst>
+              <a:ext uri="{FF2B5EF4-FFF2-40B4-BE49-F238E27FC236}">
+                <a16:creationId xmlns:a16="http://schemas.microsoft.com/office/drawing/2014/main" id="{679513ED-D1C0-6C34-371F-FE6169520C8B}"/>
+              </a:ext>
+            </a:extLst>
+          </p:cNvPr>
+          <p:cNvPicPr>
+            <a:picLocks noChangeAspect="1"/>
+          </p:cNvPicPr>
+          <p:nvPr/>
+        </p:nvPicPr>
+        <p:blipFill>
+          <a:blip r:embed="rId7"/>
+          <a:stretch>
+            <a:fillRect/>
+          </a:stretch>
+        </p:blipFill>
+        <p:spPr>
+          <a:xfrm>
+            <a:off x="9690845" y="4975412"/>
+            <a:ext cx="2247531" cy="894246"/>
+          </a:xfrm>
+          <a:prstGeom prst="rect">
+            <a:avLst/>
+          </a:prstGeom>
+        </p:spPr>
+      </p:pic>
+      <p:sp>
+        <p:nvSpPr>
+          <p:cNvPr id="31" name="직사각형 30">
+            <a:extLst>
+              <a:ext uri="{FF2B5EF4-FFF2-40B4-BE49-F238E27FC236}">
+                <a16:creationId xmlns:a16="http://schemas.microsoft.com/office/drawing/2014/main" id="{8BB6B805-D5FC-A356-885F-BD5094BDA78F}"/>
+              </a:ext>
+            </a:extLst>
+          </p:cNvPr>
+          <p:cNvSpPr/>
+          <p:nvPr/>
+        </p:nvSpPr>
+        <p:spPr>
+          <a:xfrm>
+            <a:off x="9690845" y="4885765"/>
+            <a:ext cx="2247531" cy="1088329"/>
+          </a:xfrm>
+          <a:prstGeom prst="rect">
+            <a:avLst/>
+          </a:prstGeom>
+          <a:noFill/>
+          <a:ln>
+            <a:solidFill>
+              <a:srgbClr val="FF00FF"/>
+            </a:solidFill>
+            <a:prstDash val="dash"/>
+          </a:ln>
+        </p:spPr>
+        <p:style>
+          <a:lnRef idx="2">
+            <a:schemeClr val="accent1">
+              <a:shade val="15000"/>
+            </a:schemeClr>
+          </a:lnRef>
+          <a:fillRef idx="1">
+            <a:schemeClr val="accent1"/>
+          </a:fillRef>
+          <a:effectRef idx="0">
+            <a:schemeClr val="accent1"/>
+          </a:effectRef>
+          <a:fontRef idx="minor">
+            <a:schemeClr val="lt1"/>
+          </a:fontRef>
+        </p:style>
+        <p:txBody>
+          <a:bodyPr rtlCol="0" anchor="ctr"/>
+          <a:lstStyle/>
+          <a:p>
+            <a:endParaRPr lang="ko-KR" altLang="en-US" sz="800" dirty="0">
+              <a:solidFill>
+                <a:schemeClr val="tx1"/>
+              </a:solidFill>
+            </a:endParaRPr>
+          </a:p>
+        </p:txBody>
+      </p:sp>
+      <p:sp>
+        <p:nvSpPr>
+          <p:cNvPr id="32" name="TextBox 31">
+            <a:extLst>
+              <a:ext uri="{FF2B5EF4-FFF2-40B4-BE49-F238E27FC236}">
+                <a16:creationId xmlns:a16="http://schemas.microsoft.com/office/drawing/2014/main" id="{69ED0609-6FDF-9CF0-6E4F-BA48CCD77AE9}"/>
+              </a:ext>
+            </a:extLst>
+          </p:cNvPr>
+          <p:cNvSpPr txBox="1"/>
+          <p:nvPr/>
+        </p:nvSpPr>
+        <p:spPr>
+          <a:xfrm>
+            <a:off x="9814097" y="5604557"/>
+            <a:ext cx="1112805" cy="184666"/>
+          </a:xfrm>
+          <a:prstGeom prst="rect">
+            <a:avLst/>
+          </a:prstGeom>
+          <a:noFill/>
+        </p:spPr>
+        <p:txBody>
+          <a:bodyPr wrap="none" rtlCol="0">
+            <a:spAutoFit/>
+          </a:bodyPr>
+          <a:lstStyle/>
+          <a:p>
+            <a:r>
+              <a:rPr lang="ko-KR" altLang="en-US" sz="600">
+                <a:solidFill>
+                  <a:srgbClr val="FF00FF"/>
+                </a:solidFill>
+              </a:rPr>
+              <a:t>텍스트 인풋 위젯으로 교체</a:t>
+            </a:r>
+            <a:endParaRPr lang="ko-KR" altLang="en-US" sz="600" dirty="0">
+              <a:solidFill>
+                <a:srgbClr val="FF00FF"/>
+              </a:solidFill>
+            </a:endParaRPr>
+          </a:p>
+        </p:txBody>
+      </p:sp>
+      <p:sp>
+        <p:nvSpPr>
+          <p:cNvPr id="33" name="직사각형 32">
+            <a:extLst>
+              <a:ext uri="{FF2B5EF4-FFF2-40B4-BE49-F238E27FC236}">
+                <a16:creationId xmlns:a16="http://schemas.microsoft.com/office/drawing/2014/main" id="{DC8E3226-D0E5-0650-D597-55DF3CB05238}"/>
+              </a:ext>
+            </a:extLst>
+          </p:cNvPr>
+          <p:cNvSpPr/>
+          <p:nvPr/>
+        </p:nvSpPr>
+        <p:spPr>
+          <a:xfrm>
+            <a:off x="9879105" y="3220181"/>
+            <a:ext cx="183267" cy="518102"/>
+          </a:xfrm>
+          <a:prstGeom prst="rect">
+            <a:avLst/>
+          </a:prstGeom>
+          <a:noFill/>
+          <a:ln>
+            <a:solidFill>
+              <a:srgbClr val="FF00FF"/>
+            </a:solidFill>
+            <a:prstDash val="dash"/>
+          </a:ln>
+        </p:spPr>
+        <p:style>
+          <a:lnRef idx="2">
+            <a:schemeClr val="accent1">
+              <a:shade val="15000"/>
+            </a:schemeClr>
+          </a:lnRef>
+          <a:fillRef idx="1">
+            <a:schemeClr val="accent1"/>
+          </a:fillRef>
+          <a:effectRef idx="0">
+            <a:schemeClr val="accent1"/>
+          </a:effectRef>
+          <a:fontRef idx="minor">
+            <a:schemeClr val="lt1"/>
+          </a:fontRef>
+        </p:style>
+        <p:txBody>
+          <a:bodyPr rtlCol="0" anchor="ctr"/>
+          <a:lstStyle/>
+          <a:p>
+            <a:endParaRPr lang="ko-KR" altLang="en-US" sz="800" dirty="0">
+              <a:solidFill>
+                <a:schemeClr val="tx1"/>
+              </a:solidFill>
+            </a:endParaRPr>
+          </a:p>
+        </p:txBody>
+      </p:sp>
+      <p:sp>
+        <p:nvSpPr>
+          <p:cNvPr id="34" name="TextBox 33">
+            <a:extLst>
+              <a:ext uri="{FF2B5EF4-FFF2-40B4-BE49-F238E27FC236}">
+                <a16:creationId xmlns:a16="http://schemas.microsoft.com/office/drawing/2014/main" id="{FA43777A-052F-7C61-D689-07B0D2A7F5E7}"/>
+              </a:ext>
+            </a:extLst>
+          </p:cNvPr>
+          <p:cNvSpPr txBox="1"/>
+          <p:nvPr/>
+        </p:nvSpPr>
+        <p:spPr>
+          <a:xfrm>
+            <a:off x="10014380" y="3096839"/>
+            <a:ext cx="652743" cy="184666"/>
+          </a:xfrm>
+          <a:prstGeom prst="rect">
+            <a:avLst/>
+          </a:prstGeom>
+          <a:noFill/>
+        </p:spPr>
+        <p:txBody>
+          <a:bodyPr wrap="none" rtlCol="0">
+            <a:spAutoFit/>
+          </a:bodyPr>
+          <a:lstStyle/>
+          <a:p>
+            <a:r>
+              <a:rPr lang="en-US" altLang="ko-KR" sz="600" dirty="0">
+                <a:solidFill>
+                  <a:srgbClr val="FF00FF"/>
+                </a:solidFill>
+              </a:rPr>
+              <a:t>No</a:t>
+            </a:r>
+            <a:r>
+              <a:rPr lang="ko-KR" altLang="en-US" sz="600" dirty="0">
+                <a:solidFill>
+                  <a:srgbClr val="FF00FF"/>
+                </a:solidFill>
+              </a:rPr>
+              <a:t> 칼럼 삭제</a:t>
+            </a:r>
+          </a:p>
+        </p:txBody>
+      </p:sp>
+      <p:sp>
+        <p:nvSpPr>
+          <p:cNvPr id="35" name="직사각형 34">
+            <a:extLst>
+              <a:ext uri="{FF2B5EF4-FFF2-40B4-BE49-F238E27FC236}">
+                <a16:creationId xmlns:a16="http://schemas.microsoft.com/office/drawing/2014/main" id="{35496D1E-2265-97A9-E7A1-720A400E2F68}"/>
+              </a:ext>
+            </a:extLst>
+          </p:cNvPr>
+          <p:cNvSpPr/>
+          <p:nvPr/>
+        </p:nvSpPr>
+        <p:spPr>
+          <a:xfrm>
+            <a:off x="9504644" y="4676260"/>
+            <a:ext cx="1511015" cy="192647"/>
+          </a:xfrm>
+          <a:prstGeom prst="rect">
+            <a:avLst/>
+          </a:prstGeom>
+          <a:solidFill>
+            <a:schemeClr val="bg1">
+              <a:lumMod val="95000"/>
+            </a:schemeClr>
+          </a:solidFill>
+          <a:ln>
+            <a:noFill/>
+          </a:ln>
+        </p:spPr>
+        <p:style>
+          <a:lnRef idx="2">
+            <a:schemeClr val="accent1">
+              <a:shade val="15000"/>
+            </a:schemeClr>
+          </a:lnRef>
+          <a:fillRef idx="1">
+            <a:schemeClr val="accent1"/>
+          </a:fillRef>
+          <a:effectRef idx="0">
+            <a:schemeClr val="accent1"/>
+          </a:effectRef>
+          <a:fontRef idx="minor">
+            <a:schemeClr val="lt1"/>
+          </a:fontRef>
+        </p:style>
+        <p:txBody>
+          <a:bodyPr rtlCol="0" anchor="ctr"/>
+          <a:lstStyle/>
+          <a:p>
+            <a:pPr algn="ctr"/>
+            <a:r>
+              <a:rPr lang="en-US" altLang="ko-KR" sz="800" dirty="0">
+                <a:solidFill>
+                  <a:schemeClr val="tx1"/>
+                </a:solidFill>
+              </a:rPr>
+              <a:t>Input</a:t>
+            </a:r>
+            <a:r>
+              <a:rPr lang="ko-KR" altLang="en-US" sz="800" dirty="0">
+                <a:solidFill>
+                  <a:schemeClr val="tx1"/>
+                </a:solidFill>
+              </a:rPr>
+              <a:t> </a:t>
+            </a:r>
+            <a:r>
+              <a:rPr lang="en-US" altLang="ko-KR" sz="800" dirty="0">
+                <a:solidFill>
+                  <a:schemeClr val="tx1"/>
+                </a:solidFill>
+              </a:rPr>
+              <a:t>Revit</a:t>
+            </a:r>
+            <a:r>
+              <a:rPr lang="ko-KR" altLang="en-US" sz="800" dirty="0">
+                <a:solidFill>
+                  <a:schemeClr val="tx1"/>
+                </a:solidFill>
+              </a:rPr>
+              <a:t> </a:t>
+            </a:r>
+            <a:r>
+              <a:rPr lang="en-US" altLang="ko-KR" sz="800" dirty="0">
+                <a:solidFill>
+                  <a:schemeClr val="tx1"/>
+                </a:solidFill>
+              </a:rPr>
+              <a:t>Family Types</a:t>
+            </a:r>
+            <a:endParaRPr lang="ko-KR" altLang="en-US" sz="800" dirty="0">
+              <a:solidFill>
+                <a:schemeClr val="tx1"/>
+              </a:solidFill>
+            </a:endParaRPr>
+          </a:p>
+        </p:txBody>
+      </p:sp>
+    </p:spTree>
+    <p:extLst>
+      <p:ext uri="{BB962C8B-B14F-4D97-AF65-F5344CB8AC3E}">
+        <p14:creationId xmlns:p14="http://schemas.microsoft.com/office/powerpoint/2010/main" val="2481857273"/>
+      </p:ext>
+    </p:extLst>
+  </p:cSld>
+  <p:clrMapOvr>
+    <a:masterClrMapping/>
+  </p:clrMapOvr>
+</p:sld>
+</file>
+
+<file path=ppt/slides/slide11.xml><?xml version="1.0" encoding="utf-8"?>
 <p:sld xmlns:a="http://schemas.openxmlformats.org/drawingml/2006/main" xmlns:r="http://schemas.openxmlformats.org/officeDocument/2006/relationships" xmlns:p="http://schemas.openxmlformats.org/presentationml/2006/main">
   <p:cSld>
     <p:spTree>
@@ -10657,7 +11708,7 @@
 </p:sld>
 </file>
 
-<file path=ppt/slides/slide11.xml><?xml version="1.0" encoding="utf-8"?>
+<file path=ppt/slides/slide12.xml><?xml version="1.0" encoding="utf-8"?>
 <p:sld xmlns:a="http://schemas.openxmlformats.org/drawingml/2006/main" xmlns:r="http://schemas.openxmlformats.org/officeDocument/2006/relationships" xmlns:p="http://schemas.openxmlformats.org/presentationml/2006/main">
   <p:cSld>
     <p:spTree>
@@ -11016,7 +12067,7 @@
 </p:sld>
 </file>
 
-<file path=ppt/slides/slide12.xml><?xml version="1.0" encoding="utf-8"?>
+<file path=ppt/slides/slide13.xml><?xml version="1.0" encoding="utf-8"?>
 <p:sld xmlns:a="http://schemas.openxmlformats.org/drawingml/2006/main" xmlns:r="http://schemas.openxmlformats.org/officeDocument/2006/relationships" xmlns:p="http://schemas.openxmlformats.org/presentationml/2006/main">
   <p:cSld>
     <p:spTree>
@@ -11293,7 +12344,7 @@
 </p:sld>
 </file>
 
-<file path=ppt/slides/slide13.xml><?xml version="1.0" encoding="utf-8"?>
+<file path=ppt/slides/slide14.xml><?xml version="1.0" encoding="utf-8"?>
 <p:sld xmlns:a="http://schemas.openxmlformats.org/drawingml/2006/main" xmlns:r="http://schemas.openxmlformats.org/officeDocument/2006/relationships" xmlns:p="http://schemas.openxmlformats.org/presentationml/2006/main">
   <p:cSld>
     <p:spTree>
@@ -19033,6 +20084,105 @@
 </file>
 
 <file path=ppt/slides/slide6.xml><?xml version="1.0" encoding="utf-8"?>
+<p:sld xmlns:a="http://schemas.openxmlformats.org/drawingml/2006/main" xmlns:r="http://schemas.openxmlformats.org/officeDocument/2006/relationships" xmlns:p="http://schemas.openxmlformats.org/presentationml/2006/main">
+  <p:cSld>
+    <p:spTree>
+      <p:nvGrpSpPr>
+        <p:cNvPr id="1" name=""/>
+        <p:cNvGrpSpPr/>
+        <p:nvPr/>
+      </p:nvGrpSpPr>
+      <p:grpSpPr>
+        <a:xfrm>
+          <a:off x="0" y="0"/>
+          <a:ext cx="0" cy="0"/>
+          <a:chOff x="0" y="0"/>
+          <a:chExt cx="0" cy="0"/>
+        </a:xfrm>
+      </p:grpSpPr>
+      <p:pic>
+        <p:nvPicPr>
+          <p:cNvPr id="7" name="그림 6">
+            <a:extLst>
+              <a:ext uri="{FF2B5EF4-FFF2-40B4-BE49-F238E27FC236}">
+                <a16:creationId xmlns:a16="http://schemas.microsoft.com/office/drawing/2014/main" id="{B733E507-D5A5-3EE3-CF81-EDE2899FA02F}"/>
+              </a:ext>
+            </a:extLst>
+          </p:cNvPr>
+          <p:cNvPicPr>
+            <a:picLocks noChangeAspect="1"/>
+          </p:cNvPicPr>
+          <p:nvPr/>
+        </p:nvPicPr>
+        <p:blipFill>
+          <a:blip r:embed="rId2"/>
+          <a:stretch>
+            <a:fillRect/>
+          </a:stretch>
+        </p:blipFill>
+        <p:spPr>
+          <a:xfrm>
+            <a:off x="0" y="95250"/>
+            <a:ext cx="12192000" cy="6667500"/>
+          </a:xfrm>
+          <a:prstGeom prst="rect">
+            <a:avLst/>
+          </a:prstGeom>
+        </p:spPr>
+      </p:pic>
+      <p:sp>
+        <p:nvSpPr>
+          <p:cNvPr id="8" name="TextBox 7">
+            <a:extLst>
+              <a:ext uri="{FF2B5EF4-FFF2-40B4-BE49-F238E27FC236}">
+                <a16:creationId xmlns:a16="http://schemas.microsoft.com/office/drawing/2014/main" id="{08A22A0A-92F6-3ED9-7AF0-46F8F2069067}"/>
+              </a:ext>
+            </a:extLst>
+          </p:cNvPr>
+          <p:cNvSpPr txBox="1"/>
+          <p:nvPr/>
+        </p:nvSpPr>
+        <p:spPr>
+          <a:xfrm>
+            <a:off x="2067493" y="4427467"/>
+            <a:ext cx="1035861" cy="184666"/>
+          </a:xfrm>
+          <a:prstGeom prst="rect">
+            <a:avLst/>
+          </a:prstGeom>
+          <a:noFill/>
+        </p:spPr>
+        <p:txBody>
+          <a:bodyPr wrap="none" rtlCol="0">
+            <a:spAutoFit/>
+          </a:bodyPr>
+          <a:lstStyle/>
+          <a:p>
+            <a:r>
+              <a:rPr lang="ko-KR" altLang="en-US" sz="600" dirty="0">
+                <a:solidFill>
+                  <a:srgbClr val="FF00FF"/>
+                </a:solidFill>
+              </a:rPr>
+              <a:t>산출타입 복제 기능 추가</a:t>
+            </a:r>
+          </a:p>
+        </p:txBody>
+      </p:sp>
+    </p:spTree>
+    <p:extLst>
+      <p:ext uri="{BB962C8B-B14F-4D97-AF65-F5344CB8AC3E}">
+        <p14:creationId xmlns:p14="http://schemas.microsoft.com/office/powerpoint/2010/main" val="3688174415"/>
+      </p:ext>
+    </p:extLst>
+  </p:cSld>
+  <p:clrMapOvr>
+    <a:masterClrMapping/>
+  </p:clrMapOvr>
+</p:sld>
+</file>
+
+<file path=ppt/slides/slide7.xml><?xml version="1.0" encoding="utf-8"?>
 <p:sld xmlns:a="http://schemas.openxmlformats.org/drawingml/2006/main" xmlns:r="http://schemas.openxmlformats.org/officeDocument/2006/relationships" xmlns:p="http://schemas.openxmlformats.org/presentationml/2006/main">
   <p:cSld>
     <p:spTree>
@@ -25022,7 +26172,7 @@
 </p:sld>
 </file>
 
-<file path=ppt/slides/slide7.xml><?xml version="1.0" encoding="utf-8"?>
+<file path=ppt/slides/slide8.xml><?xml version="1.0" encoding="utf-8"?>
 <p:sld xmlns:a="http://schemas.openxmlformats.org/drawingml/2006/main" xmlns:r="http://schemas.openxmlformats.org/officeDocument/2006/relationships" xmlns:p="http://schemas.openxmlformats.org/presentationml/2006/main">
   <p:cSld>
     <p:spTree>
@@ -32430,7 +33580,7 @@
 </p:sld>
 </file>
 
-<file path=ppt/slides/slide8.xml><?xml version="1.0" encoding="utf-8"?>
+<file path=ppt/slides/slide9.xml><?xml version="1.0" encoding="utf-8"?>
 <p:sld xmlns:a="http://schemas.openxmlformats.org/drawingml/2006/main" xmlns:r="http://schemas.openxmlformats.org/officeDocument/2006/relationships" xmlns:p="http://schemas.openxmlformats.org/presentationml/2006/main">
   <p:cSld>
     <p:spTree>
@@ -32748,7 +33898,7 @@
         <p:spPr>
           <a:xfrm>
             <a:off x="2517789" y="2159000"/>
-            <a:ext cx="1321196" cy="184666"/>
+            <a:ext cx="1484702" cy="184666"/>
           </a:xfrm>
           <a:prstGeom prst="rect">
             <a:avLst/>
@@ -32767,7 +33917,23 @@
                   <a:srgbClr val="00B050"/>
                 </a:solidFill>
               </a:rPr>
-              <a:t>드롭다운 항목 선택 시 자동 채움</a:t>
+              <a:t>드롭다운 항목 선택 시 </a:t>
+            </a:r>
+            <a:r>
+              <a:rPr lang="en-US" altLang="ko-KR" sz="600" dirty="0">
+                <a:solidFill>
+                  <a:srgbClr val="00B050"/>
+                </a:solidFill>
+              </a:rPr>
+              <a:t>unit </a:t>
+            </a:r>
+            <a:r>
+              <a:rPr lang="ko-KR" altLang="en-US" sz="600" dirty="0">
+                <a:solidFill>
+                  <a:srgbClr val="00B050"/>
+                </a:solidFill>
+              </a:rPr>
+              <a:t>자동 채움</a:t>
             </a:r>
           </a:p>
         </p:txBody>
@@ -32863,15 +34029,7 @@
                   <a:srgbClr val="00B050"/>
                 </a:solidFill>
               </a:rPr>
-              <a:t>레이블 더블 클릭 </a:t>
-            </a:r>
-            <a:r>
-              <a:rPr lang="ko-KR" altLang="en-US" sz="600">
-                <a:solidFill>
-                  <a:srgbClr val="00B050"/>
-                </a:solidFill>
-              </a:rPr>
-              <a:t>시 </a:t>
+              <a:t>레이블 더블 클릭 시 </a:t>
             </a:r>
             <a:r>
               <a:rPr lang="ko-KR" altLang="en-US" sz="600" dirty="0" err="1">
@@ -33019,15 +34177,20 @@
           <p:nvPr/>
         </p:nvPicPr>
         <p:blipFill>
-          <a:blip r:embed="rId3"/>
-          <a:stretch>
-            <a:fillRect/>
-          </a:stretch>
+          <a:blip r:embed="rId3">
+            <a:extLst>
+              <a:ext uri="{28A0092B-C50C-407E-A947-70E740481C1C}">
+                <a14:useLocalDpi xmlns:a14="http://schemas.microsoft.com/office/drawing/2010/main" val="0"/>
+              </a:ext>
+            </a:extLst>
+          </a:blip>
+          <a:srcRect/>
+          <a:stretch/>
         </p:blipFill>
         <p:spPr>
           <a:xfrm>
-            <a:off x="8763258" y="-1742314"/>
-            <a:ext cx="1803142" cy="2517014"/>
+            <a:off x="7368540" y="-1632838"/>
+            <a:ext cx="3637598" cy="2360747"/>
           </a:xfrm>
           <a:prstGeom prst="rect">
             <a:avLst/>
@@ -33581,87 +34744,22 @@
           <a:lstStyle/>
           <a:p>
             <a:r>
-              <a:rPr lang="ko-KR" altLang="en-US" sz="600">
+              <a:rPr lang="ko-KR" altLang="en-US" sz="600" dirty="0">
                 <a:solidFill>
-                  <a:srgbClr val="FF00FF"/>
+                  <a:srgbClr val="00B050"/>
                 </a:solidFill>
               </a:rPr>
               <a:t>이름수정 기능 추가</a:t>
             </a:r>
-            <a:endParaRPr lang="ko-KR" altLang="en-US" sz="600" dirty="0">
-              <a:solidFill>
-                <a:srgbClr val="FF00FF"/>
-              </a:solidFill>
-            </a:endParaRPr>
           </a:p>
         </p:txBody>
       </p:sp>
-    </p:spTree>
-    <p:extLst>
-      <p:ext uri="{BB962C8B-B14F-4D97-AF65-F5344CB8AC3E}">
-        <p14:creationId xmlns:p14="http://schemas.microsoft.com/office/powerpoint/2010/main" val="1933626405"/>
-      </p:ext>
-    </p:extLst>
-  </p:cSld>
-  <p:clrMapOvr>
-    <a:masterClrMapping/>
-  </p:clrMapOvr>
-</p:sld>
-</file>
-
-<file path=ppt/slides/slide9.xml><?xml version="1.0" encoding="utf-8"?>
-<p:sld xmlns:a="http://schemas.openxmlformats.org/drawingml/2006/main" xmlns:r="http://schemas.openxmlformats.org/officeDocument/2006/relationships" xmlns:p="http://schemas.openxmlformats.org/presentationml/2006/main">
-  <p:cSld>
-    <p:spTree>
-      <p:nvGrpSpPr>
-        <p:cNvPr id="1" name=""/>
-        <p:cNvGrpSpPr/>
-        <p:nvPr/>
-      </p:nvGrpSpPr>
-      <p:grpSpPr>
-        <a:xfrm>
-          <a:off x="0" y="0"/>
-          <a:ext cx="0" cy="0"/>
-          <a:chOff x="0" y="0"/>
-          <a:chExt cx="0" cy="0"/>
-        </a:xfrm>
-      </p:grpSpPr>
-      <p:pic>
-        <p:nvPicPr>
-          <p:cNvPr id="3" name="그림 2">
-            <a:extLst>
-              <a:ext uri="{FF2B5EF4-FFF2-40B4-BE49-F238E27FC236}">
-                <a16:creationId xmlns:a16="http://schemas.microsoft.com/office/drawing/2014/main" id="{E104DBD9-B730-EE42-1270-5CD4789A9C86}"/>
-              </a:ext>
-            </a:extLst>
-          </p:cNvPr>
-          <p:cNvPicPr>
-            <a:picLocks noChangeAspect="1"/>
-          </p:cNvPicPr>
-          <p:nvPr/>
-        </p:nvPicPr>
-        <p:blipFill>
-          <a:blip r:embed="rId2"/>
-          <a:stretch>
-            <a:fillRect/>
-          </a:stretch>
-        </p:blipFill>
-        <p:spPr>
-          <a:xfrm>
-            <a:off x="0" y="95250"/>
-            <a:ext cx="12192000" cy="6667500"/>
-          </a:xfrm>
-          <a:prstGeom prst="rect">
-            <a:avLst/>
-          </a:prstGeom>
-        </p:spPr>
-      </p:pic>
       <p:sp>
         <p:nvSpPr>
           <p:cNvPr id="4" name="TextBox 3">
             <a:extLst>
               <a:ext uri="{FF2B5EF4-FFF2-40B4-BE49-F238E27FC236}">
-                <a16:creationId xmlns:a16="http://schemas.microsoft.com/office/drawing/2014/main" id="{ED0D42A5-DA8A-DA3E-2DA9-6D0A80B554A7}"/>
+                <a16:creationId xmlns:a16="http://schemas.microsoft.com/office/drawing/2014/main" id="{15D03436-9A83-F42A-F5E0-680D83F1761B}"/>
               </a:ext>
             </a:extLst>
           </p:cNvPr>
@@ -33670,8 +34768,8 @@
         </p:nvSpPr>
         <p:spPr>
           <a:xfrm>
-            <a:off x="6858000" y="-80682"/>
-            <a:ext cx="3512500" cy="369332"/>
+            <a:off x="6235291" y="-953460"/>
+            <a:ext cx="881973" cy="184666"/>
           </a:xfrm>
           <a:prstGeom prst="rect">
             <a:avLst/>
@@ -33685,26 +34783,22 @@
           <a:lstStyle/>
           <a:p>
             <a:r>
-              <a:rPr lang="ko-KR" altLang="en-US" dirty="0"/>
-              <a:t>다른 카테고리 </a:t>
-            </a:r>
-            <a:r>
-              <a:rPr lang="ko-KR" altLang="en-US" dirty="0" err="1"/>
-              <a:t>작업시</a:t>
-            </a:r>
-            <a:r>
-              <a:rPr lang="ko-KR" altLang="en-US" dirty="0"/>
-              <a:t> 수정 사항</a:t>
+              <a:rPr lang="ko-KR" altLang="en-US" sz="600" dirty="0">
+                <a:solidFill>
+                  <a:srgbClr val="FF00FF"/>
+                </a:solidFill>
+              </a:rPr>
+              <a:t>타입 복사 기능 추가</a:t>
             </a:r>
           </a:p>
         </p:txBody>
       </p:sp>
       <p:sp>
         <p:nvSpPr>
-          <p:cNvPr id="6" name="직사각형 5">
+          <p:cNvPr id="15" name="자유형: 도형 14">
             <a:extLst>
               <a:ext uri="{FF2B5EF4-FFF2-40B4-BE49-F238E27FC236}">
-                <a16:creationId xmlns:a16="http://schemas.microsoft.com/office/drawing/2014/main" id="{4D955AD8-5266-01D7-BDD0-6231491182BD}"/>
+                <a16:creationId xmlns:a16="http://schemas.microsoft.com/office/drawing/2014/main" id="{15BA713D-BC67-2C4C-9CC5-ADAB21C5DD48}"/>
               </a:ext>
             </a:extLst>
           </p:cNvPr>
@@ -33713,18 +34807,53 @@
         </p:nvSpPr>
         <p:spPr>
           <a:xfrm>
-            <a:off x="26896" y="1296146"/>
-            <a:ext cx="1721224" cy="4728135"/>
+            <a:off x="6802120" y="-768794"/>
+            <a:ext cx="1466850" cy="177800"/>
           </a:xfrm>
-          <a:prstGeom prst="rect">
+          <a:custGeom>
             <a:avLst/>
-          </a:prstGeom>
+            <a:gdLst>
+              <a:gd name="connsiteX0" fmla="*/ 0 w 1466850"/>
+              <a:gd name="connsiteY0" fmla="*/ 0 h 177800"/>
+              <a:gd name="connsiteX1" fmla="*/ 0 w 1466850"/>
+              <a:gd name="connsiteY1" fmla="*/ 177800 h 177800"/>
+              <a:gd name="connsiteX2" fmla="*/ 1466850 w 1466850"/>
+              <a:gd name="connsiteY2" fmla="*/ 177800 h 177800"/>
+            </a:gdLst>
+            <a:ahLst/>
+            <a:cxnLst>
+              <a:cxn ang="0">
+                <a:pos x="connsiteX0" y="connsiteY0"/>
+              </a:cxn>
+              <a:cxn ang="0">
+                <a:pos x="connsiteX1" y="connsiteY1"/>
+              </a:cxn>
+              <a:cxn ang="0">
+                <a:pos x="connsiteX2" y="connsiteY2"/>
+              </a:cxn>
+            </a:cxnLst>
+            <a:rect l="l" t="t" r="r" b="b"/>
+            <a:pathLst>
+              <a:path w="1466850" h="177800">
+                <a:moveTo>
+                  <a:pt x="0" y="0"/>
+                </a:moveTo>
+                <a:lnTo>
+                  <a:pt x="0" y="177800"/>
+                </a:lnTo>
+                <a:lnTo>
+                  <a:pt x="1466850" y="177800"/>
+                </a:lnTo>
+              </a:path>
+            </a:pathLst>
+          </a:custGeom>
           <a:noFill/>
           <a:ln>
             <a:solidFill>
               <a:srgbClr val="FF00FF"/>
             </a:solidFill>
             <a:prstDash val="dash"/>
+            <a:headEnd type="oval"/>
           </a:ln>
         </p:spPr>
         <p:style>
@@ -33747,78 +34876,21 @@
           <a:bodyPr rtlCol="0" anchor="ctr"/>
           <a:lstStyle/>
           <a:p>
-            <a:endParaRPr lang="ko-KR" altLang="en-US" sz="800" dirty="0">
+            <a:pPr algn="ctr"/>
+            <a:endParaRPr lang="ko-KR" altLang="en-US">
               <a:solidFill>
-                <a:schemeClr val="tx1"/>
+                <a:srgbClr val="00B050"/>
               </a:solidFill>
             </a:endParaRPr>
           </a:p>
         </p:txBody>
       </p:sp>
-      <p:pic>
-        <p:nvPicPr>
-          <p:cNvPr id="11" name="그림 10">
+      <p:sp>
+        <p:nvSpPr>
+          <p:cNvPr id="21" name="TextBox 20">
             <a:extLst>
               <a:ext uri="{FF2B5EF4-FFF2-40B4-BE49-F238E27FC236}">
-                <a16:creationId xmlns:a16="http://schemas.microsoft.com/office/drawing/2014/main" id="{88566CF5-FD05-3F60-D8A7-7D04688F6ECD}"/>
-              </a:ext>
-            </a:extLst>
-          </p:cNvPr>
-          <p:cNvPicPr>
-            <a:picLocks noChangeAspect="1"/>
-          </p:cNvPicPr>
-          <p:nvPr/>
-        </p:nvPicPr>
-        <p:blipFill rotWithShape="1">
-          <a:blip r:embed="rId2"/>
-          <a:srcRect l="14559" t="29335" r="22353" b="64051"/>
-          <a:stretch/>
-        </p:blipFill>
-        <p:spPr>
-          <a:xfrm>
-            <a:off x="1775016" y="3126696"/>
-            <a:ext cx="7691713" cy="441028"/>
-          </a:xfrm>
-          <a:prstGeom prst="rect">
-            <a:avLst/>
-          </a:prstGeom>
-        </p:spPr>
-      </p:pic>
-      <p:pic>
-        <p:nvPicPr>
-          <p:cNvPr id="12" name="그림 11">
-            <a:extLst>
-              <a:ext uri="{FF2B5EF4-FFF2-40B4-BE49-F238E27FC236}">
-                <a16:creationId xmlns:a16="http://schemas.microsoft.com/office/drawing/2014/main" id="{A07E7C82-1D11-D309-0691-E8EB25D2B221}"/>
-              </a:ext>
-            </a:extLst>
-          </p:cNvPr>
-          <p:cNvPicPr>
-            <a:picLocks noChangeAspect="1"/>
-          </p:cNvPicPr>
-          <p:nvPr/>
-        </p:nvPicPr>
-        <p:blipFill rotWithShape="1">
-          <a:blip r:embed="rId2"/>
-          <a:srcRect l="14559" t="29335" r="24338" b="66633"/>
-          <a:stretch/>
-        </p:blipFill>
-        <p:spPr>
-          <a:xfrm>
-            <a:off x="1775016" y="2250141"/>
-            <a:ext cx="7691713" cy="1178859"/>
-          </a:xfrm>
-          <a:prstGeom prst="rect">
-            <a:avLst/>
-          </a:prstGeom>
-        </p:spPr>
-      </p:pic>
-      <p:sp>
-        <p:nvSpPr>
-          <p:cNvPr id="14" name="TextBox 13">
-            <a:extLst>
-              <a:ext uri="{FF2B5EF4-FFF2-40B4-BE49-F238E27FC236}">
-                <a16:creationId xmlns:a16="http://schemas.microsoft.com/office/drawing/2014/main" id="{7034DBB4-1792-576A-0A87-2EB6055820B4}"/>
+                <a16:creationId xmlns:a16="http://schemas.microsoft.com/office/drawing/2014/main" id="{B2CCB332-9C5B-5B43-B897-317238B84285}"/>
               </a:ext>
             </a:extLst>
           </p:cNvPr>
@@ -33827,8 +34899,8 @@
         </p:nvSpPr>
         <p:spPr>
           <a:xfrm>
-            <a:off x="7082602" y="3254877"/>
-            <a:ext cx="1103187" cy="184666"/>
+            <a:off x="1379337" y="1043244"/>
+            <a:ext cx="1090363" cy="276999"/>
           </a:xfrm>
           <a:prstGeom prst="rect">
             <a:avLst/>
@@ -33842,60 +34914,45 @@
           <a:lstStyle/>
           <a:p>
             <a:r>
-              <a:rPr lang="en-US" altLang="ko-KR" sz="600" dirty="0">
-                <a:solidFill>
-                  <a:srgbClr val="FF00FF"/>
-                </a:solidFill>
-              </a:rPr>
-              <a:t>WM</a:t>
-            </a:r>
-            <a:r>
               <a:rPr lang="ko-KR" altLang="en-US" sz="600" dirty="0">
                 <a:solidFill>
                   <a:srgbClr val="FF00FF"/>
                 </a:solidFill>
               </a:rPr>
-              <a:t>시트 영역 하나만 두기</a:t>
+              <a:t>빌딩 선택 </a:t>
+            </a:r>
+            <a:r>
+              <a:rPr lang="ko-KR" altLang="en-US" sz="600" dirty="0" err="1">
+                <a:solidFill>
+                  <a:srgbClr val="FF00FF"/>
+                </a:solidFill>
+              </a:rPr>
+              <a:t>전환시</a:t>
+            </a:r>
+            <a:endParaRPr lang="en-US" altLang="ko-KR" sz="600" dirty="0">
+              <a:solidFill>
+                <a:srgbClr val="FF00FF"/>
+              </a:solidFill>
+            </a:endParaRPr>
+          </a:p>
+          <a:p>
+            <a:r>
+              <a:rPr lang="ko-KR" altLang="en-US" sz="600" dirty="0">
+                <a:solidFill>
+                  <a:srgbClr val="FF00FF"/>
+                </a:solidFill>
+              </a:rPr>
+              <a:t>스탠다드 타입 선택 유지  </a:t>
             </a:r>
           </a:p>
         </p:txBody>
       </p:sp>
-      <p:pic>
-        <p:nvPicPr>
-          <p:cNvPr id="16" name="그림 15">
+      <p:sp>
+        <p:nvSpPr>
+          <p:cNvPr id="22" name="자유형: 도형 21">
             <a:extLst>
               <a:ext uri="{FF2B5EF4-FFF2-40B4-BE49-F238E27FC236}">
-                <a16:creationId xmlns:a16="http://schemas.microsoft.com/office/drawing/2014/main" id="{E60BDCA6-DA91-00BE-719C-EAA0ED2F5200}"/>
-              </a:ext>
-            </a:extLst>
-          </p:cNvPr>
-          <p:cNvPicPr>
-            <a:picLocks noChangeAspect="1"/>
-          </p:cNvPicPr>
-          <p:nvPr/>
-        </p:nvPicPr>
-        <p:blipFill>
-          <a:blip r:embed="rId3"/>
-          <a:stretch>
-            <a:fillRect/>
-          </a:stretch>
-        </p:blipFill>
-        <p:spPr>
-          <a:xfrm>
-            <a:off x="1775014" y="3564839"/>
-            <a:ext cx="7691713" cy="1652384"/>
-          </a:xfrm>
-          <a:prstGeom prst="rect">
-            <a:avLst/>
-          </a:prstGeom>
-        </p:spPr>
-      </p:pic>
-      <p:sp>
-        <p:nvSpPr>
-          <p:cNvPr id="13" name="직사각형 12">
-            <a:extLst>
-              <a:ext uri="{FF2B5EF4-FFF2-40B4-BE49-F238E27FC236}">
-                <a16:creationId xmlns:a16="http://schemas.microsoft.com/office/drawing/2014/main" id="{A3D0265C-3279-BFE9-BCB1-7066DEAEEF04}"/>
+                <a16:creationId xmlns:a16="http://schemas.microsoft.com/office/drawing/2014/main" id="{78252BF8-E1E5-236B-F2DD-B15D47F561D8}"/>
               </a:ext>
             </a:extLst>
           </p:cNvPr>
@@ -33904,18 +34961,54 @@
         </p:nvSpPr>
         <p:spPr>
           <a:xfrm>
-            <a:off x="1775015" y="1296146"/>
-            <a:ext cx="7718609" cy="2268693"/>
+            <a:off x="2337847" y="973484"/>
+            <a:ext cx="716438" cy="254524"/>
           </a:xfrm>
-          <a:prstGeom prst="rect">
+          <a:custGeom>
             <a:avLst/>
-          </a:prstGeom>
+            <a:gdLst>
+              <a:gd name="connsiteX0" fmla="*/ 0 w 716438"/>
+              <a:gd name="connsiteY0" fmla="*/ 254524 h 254524"/>
+              <a:gd name="connsiteX1" fmla="*/ 716438 w 716438"/>
+              <a:gd name="connsiteY1" fmla="*/ 254524 h 254524"/>
+              <a:gd name="connsiteX2" fmla="*/ 716438 w 716438"/>
+              <a:gd name="connsiteY2" fmla="*/ 0 h 254524"/>
+            </a:gdLst>
+            <a:ahLst/>
+            <a:cxnLst>
+              <a:cxn ang="0">
+                <a:pos x="connsiteX0" y="connsiteY0"/>
+              </a:cxn>
+              <a:cxn ang="0">
+                <a:pos x="connsiteX1" y="connsiteY1"/>
+              </a:cxn>
+              <a:cxn ang="0">
+                <a:pos x="connsiteX2" y="connsiteY2"/>
+              </a:cxn>
+            </a:cxnLst>
+            <a:rect l="l" t="t" r="r" b="b"/>
+            <a:pathLst>
+              <a:path w="716438" h="254524">
+                <a:moveTo>
+                  <a:pt x="0" y="254524"/>
+                </a:moveTo>
+                <a:lnTo>
+                  <a:pt x="716438" y="254524"/>
+                </a:lnTo>
+                <a:lnTo>
+                  <a:pt x="716438" y="0"/>
+                </a:lnTo>
+              </a:path>
+            </a:pathLst>
+          </a:custGeom>
           <a:noFill/>
           <a:ln>
             <a:solidFill>
               <a:srgbClr val="FF00FF"/>
             </a:solidFill>
             <a:prstDash val="dash"/>
+            <a:headEnd type="none"/>
+            <a:tailEnd type="oval"/>
           </a:ln>
         </p:spPr>
         <p:style>
@@ -33938,116 +35031,21 @@
           <a:bodyPr rtlCol="0" anchor="ctr"/>
           <a:lstStyle/>
           <a:p>
-            <a:endParaRPr lang="ko-KR" altLang="en-US" sz="800" dirty="0">
+            <a:pPr algn="ctr"/>
+            <a:endParaRPr lang="ko-KR" altLang="en-US">
               <a:solidFill>
-                <a:schemeClr val="tx1"/>
+                <a:srgbClr val="00B050"/>
               </a:solidFill>
             </a:endParaRPr>
           </a:p>
         </p:txBody>
       </p:sp>
-      <p:pic>
-        <p:nvPicPr>
-          <p:cNvPr id="20" name="그림 19">
+      <p:sp>
+        <p:nvSpPr>
+          <p:cNvPr id="24" name="자유형: 도형 23">
             <a:extLst>
               <a:ext uri="{FF2B5EF4-FFF2-40B4-BE49-F238E27FC236}">
-                <a16:creationId xmlns:a16="http://schemas.microsoft.com/office/drawing/2014/main" id="{1334D3C1-9053-264E-8E4D-ABC423E065BD}"/>
-              </a:ext>
-            </a:extLst>
-          </p:cNvPr>
-          <p:cNvPicPr>
-            <a:picLocks noChangeAspect="1"/>
-          </p:cNvPicPr>
-          <p:nvPr/>
-        </p:nvPicPr>
-        <p:blipFill>
-          <a:blip r:embed="rId4"/>
-          <a:stretch>
-            <a:fillRect/>
-          </a:stretch>
-        </p:blipFill>
-        <p:spPr>
-          <a:xfrm>
-            <a:off x="1775012" y="4382995"/>
-            <a:ext cx="7691713" cy="935995"/>
-          </a:xfrm>
-          <a:prstGeom prst="rect">
-            <a:avLst/>
-          </a:prstGeom>
-        </p:spPr>
-      </p:pic>
-      <p:sp>
-        <p:nvSpPr>
-          <p:cNvPr id="21" name="TextBox 20">
-            <a:extLst>
-              <a:ext uri="{FF2B5EF4-FFF2-40B4-BE49-F238E27FC236}">
-                <a16:creationId xmlns:a16="http://schemas.microsoft.com/office/drawing/2014/main" id="{B20FA1B8-F7C2-1B15-3096-4047616B260C}"/>
-              </a:ext>
-            </a:extLst>
-          </p:cNvPr>
-          <p:cNvSpPr txBox="1"/>
-          <p:nvPr/>
-        </p:nvSpPr>
-        <p:spPr>
-          <a:xfrm>
-            <a:off x="1775012" y="4032180"/>
-            <a:ext cx="2263761" cy="246221"/>
-          </a:xfrm>
-          <a:prstGeom prst="rect">
-            <a:avLst/>
-          </a:prstGeom>
-          <a:noFill/>
-        </p:spPr>
-        <p:txBody>
-          <a:bodyPr wrap="none" rtlCol="0">
-            <a:spAutoFit/>
-          </a:bodyPr>
-          <a:lstStyle/>
-          <a:p>
-            <a:r>
-              <a:rPr lang="en-US" altLang="ko-KR" sz="1000" dirty="0"/>
-              <a:t>Only for Selected Revit Family Type</a:t>
-            </a:r>
-            <a:endParaRPr lang="ko-KR" altLang="en-US" sz="1000" dirty="0"/>
-          </a:p>
-        </p:txBody>
-      </p:sp>
-      <p:pic>
-        <p:nvPicPr>
-          <p:cNvPr id="23" name="그림 22">
-            <a:extLst>
-              <a:ext uri="{FF2B5EF4-FFF2-40B4-BE49-F238E27FC236}">
-                <a16:creationId xmlns:a16="http://schemas.microsoft.com/office/drawing/2014/main" id="{B81EEFC7-BDAB-A850-9C2D-9D9953C104DE}"/>
-              </a:ext>
-            </a:extLst>
-          </p:cNvPr>
-          <p:cNvPicPr>
-            <a:picLocks noChangeAspect="1"/>
-          </p:cNvPicPr>
-          <p:nvPr/>
-        </p:nvPicPr>
-        <p:blipFill>
-          <a:blip r:embed="rId5"/>
-          <a:stretch>
-            <a:fillRect/>
-          </a:stretch>
-        </p:blipFill>
-        <p:spPr>
-          <a:xfrm>
-            <a:off x="10062373" y="3369471"/>
-            <a:ext cx="1084767" cy="139561"/>
-          </a:xfrm>
-          <a:prstGeom prst="rect">
-            <a:avLst/>
-          </a:prstGeom>
-        </p:spPr>
-      </p:pic>
-      <p:sp>
-        <p:nvSpPr>
-          <p:cNvPr id="24" name="직사각형 23">
-            <a:extLst>
-              <a:ext uri="{FF2B5EF4-FFF2-40B4-BE49-F238E27FC236}">
-                <a16:creationId xmlns:a16="http://schemas.microsoft.com/office/drawing/2014/main" id="{4856409A-05CE-B9E5-0B5C-14FC2C47453F}"/>
+                <a16:creationId xmlns:a16="http://schemas.microsoft.com/office/drawing/2014/main" id="{F3AFDA85-BD86-5E67-06E0-FC8DE72AA64E}"/>
               </a:ext>
             </a:extLst>
           </p:cNvPr>
@@ -34056,18 +35054,62 @@
         </p:nvSpPr>
         <p:spPr>
           <a:xfrm>
-            <a:off x="1775015" y="3600965"/>
-            <a:ext cx="7718609" cy="2268693"/>
+            <a:off x="1470660" y="1226820"/>
+            <a:ext cx="1127760" cy="3543300"/>
           </a:xfrm>
-          <a:prstGeom prst="rect">
+          <a:custGeom>
             <a:avLst/>
-          </a:prstGeom>
+            <a:gdLst>
+              <a:gd name="connsiteX0" fmla="*/ 861060 w 1127760"/>
+              <a:gd name="connsiteY0" fmla="*/ 0 h 3543300"/>
+              <a:gd name="connsiteX1" fmla="*/ 1127760 w 1127760"/>
+              <a:gd name="connsiteY1" fmla="*/ 0 h 3543300"/>
+              <a:gd name="connsiteX2" fmla="*/ 1127760 w 1127760"/>
+              <a:gd name="connsiteY2" fmla="*/ 3543300 h 3543300"/>
+              <a:gd name="connsiteX3" fmla="*/ 0 w 1127760"/>
+              <a:gd name="connsiteY3" fmla="*/ 3543300 h 3543300"/>
+            </a:gdLst>
+            <a:ahLst/>
+            <a:cxnLst>
+              <a:cxn ang="0">
+                <a:pos x="connsiteX0" y="connsiteY0"/>
+              </a:cxn>
+              <a:cxn ang="0">
+                <a:pos x="connsiteX1" y="connsiteY1"/>
+              </a:cxn>
+              <a:cxn ang="0">
+                <a:pos x="connsiteX2" y="connsiteY2"/>
+              </a:cxn>
+              <a:cxn ang="0">
+                <a:pos x="connsiteX3" y="connsiteY3"/>
+              </a:cxn>
+            </a:cxnLst>
+            <a:rect l="l" t="t" r="r" b="b"/>
+            <a:pathLst>
+              <a:path w="1127760" h="3543300">
+                <a:moveTo>
+                  <a:pt x="861060" y="0"/>
+                </a:moveTo>
+                <a:lnTo>
+                  <a:pt x="1127760" y="0"/>
+                </a:lnTo>
+                <a:lnTo>
+                  <a:pt x="1127760" y="3543300"/>
+                </a:lnTo>
+                <a:lnTo>
+                  <a:pt x="0" y="3543300"/>
+                </a:lnTo>
+              </a:path>
+            </a:pathLst>
+          </a:custGeom>
           <a:noFill/>
           <a:ln>
             <a:solidFill>
               <a:srgbClr val="FF00FF"/>
             </a:solidFill>
             <a:prstDash val="dash"/>
+            <a:headEnd type="none"/>
+            <a:tailEnd type="oval"/>
           </a:ln>
         </p:spPr>
         <p:style>
@@ -34090,557 +35132,10 @@
           <a:bodyPr rtlCol="0" anchor="ctr"/>
           <a:lstStyle/>
           <a:p>
-            <a:endParaRPr lang="ko-KR" altLang="en-US" sz="800" dirty="0">
+            <a:pPr algn="ctr"/>
+            <a:endParaRPr lang="ko-KR" altLang="en-US">
               <a:solidFill>
-                <a:schemeClr val="tx1"/>
-              </a:solidFill>
-            </a:endParaRPr>
-          </a:p>
-        </p:txBody>
-      </p:sp>
-      <p:sp>
-        <p:nvSpPr>
-          <p:cNvPr id="25" name="TextBox 24">
-            <a:extLst>
-              <a:ext uri="{FF2B5EF4-FFF2-40B4-BE49-F238E27FC236}">
-                <a16:creationId xmlns:a16="http://schemas.microsoft.com/office/drawing/2014/main" id="{A1976C3B-A71E-3E90-7657-70696808CDB5}"/>
-              </a:ext>
-            </a:extLst>
-          </p:cNvPr>
-          <p:cNvSpPr txBox="1"/>
-          <p:nvPr/>
-        </p:nvSpPr>
-        <p:spPr>
-          <a:xfrm>
-            <a:off x="7082602" y="3970624"/>
-            <a:ext cx="1313180" cy="184666"/>
-          </a:xfrm>
-          <a:prstGeom prst="rect">
-            <a:avLst/>
-          </a:prstGeom>
-          <a:noFill/>
-        </p:spPr>
-        <p:txBody>
-          <a:bodyPr wrap="none" rtlCol="0">
-            <a:spAutoFit/>
-          </a:bodyPr>
-          <a:lstStyle/>
-          <a:p>
-            <a:r>
-              <a:rPr lang="en-US" altLang="ko-KR" sz="600" dirty="0">
-                <a:solidFill>
-                  <a:srgbClr val="FF00FF"/>
-                </a:solidFill>
-              </a:rPr>
-              <a:t>Only for WM</a:t>
-            </a:r>
-            <a:r>
-              <a:rPr lang="ko-KR" altLang="en-US" sz="600" dirty="0">
-                <a:solidFill>
-                  <a:srgbClr val="FF00FF"/>
-                </a:solidFill>
-              </a:rPr>
-              <a:t>시트 영역 추가하기</a:t>
-            </a:r>
-          </a:p>
-        </p:txBody>
-      </p:sp>
-      <p:pic>
-        <p:nvPicPr>
-          <p:cNvPr id="27" name="그림 26">
-            <a:extLst>
-              <a:ext uri="{FF2B5EF4-FFF2-40B4-BE49-F238E27FC236}">
-                <a16:creationId xmlns:a16="http://schemas.microsoft.com/office/drawing/2014/main" id="{BE88A932-1331-2D89-26A9-0BF594EE48F9}"/>
-              </a:ext>
-            </a:extLst>
-          </p:cNvPr>
-          <p:cNvPicPr>
-            <a:picLocks noChangeAspect="1"/>
-          </p:cNvPicPr>
-          <p:nvPr/>
-        </p:nvPicPr>
-        <p:blipFill>
-          <a:blip r:embed="rId6"/>
-          <a:stretch>
-            <a:fillRect/>
-          </a:stretch>
-        </p:blipFill>
-        <p:spPr>
-          <a:xfrm>
-            <a:off x="152401" y="1719262"/>
-            <a:ext cx="1395412" cy="3760787"/>
-          </a:xfrm>
-          <a:prstGeom prst="rect">
-            <a:avLst/>
-          </a:prstGeom>
-        </p:spPr>
-      </p:pic>
-      <p:sp>
-        <p:nvSpPr>
-          <p:cNvPr id="7" name="TextBox 6">
-            <a:extLst>
-              <a:ext uri="{FF2B5EF4-FFF2-40B4-BE49-F238E27FC236}">
-                <a16:creationId xmlns:a16="http://schemas.microsoft.com/office/drawing/2014/main" id="{487E4C76-B12E-35F3-6028-4BC9CEF9455E}"/>
-              </a:ext>
-            </a:extLst>
-          </p:cNvPr>
-          <p:cNvSpPr txBox="1"/>
-          <p:nvPr/>
-        </p:nvSpPr>
-        <p:spPr>
-          <a:xfrm>
-            <a:off x="581879" y="2214015"/>
-            <a:ext cx="2117887" cy="184666"/>
-          </a:xfrm>
-          <a:prstGeom prst="rect">
-            <a:avLst/>
-          </a:prstGeom>
-          <a:noFill/>
-        </p:spPr>
-        <p:txBody>
-          <a:bodyPr wrap="none" rtlCol="0">
-            <a:spAutoFit/>
-          </a:bodyPr>
-          <a:lstStyle/>
-          <a:p>
-            <a:r>
-              <a:rPr lang="ko-KR" altLang="en-US" sz="600" dirty="0" err="1">
-                <a:solidFill>
-                  <a:srgbClr val="FF00FF"/>
-                </a:solidFill>
-              </a:rPr>
-              <a:t>팀스탠다드</a:t>
-            </a:r>
-            <a:r>
-              <a:rPr lang="ko-KR" altLang="en-US" sz="600" dirty="0">
-                <a:solidFill>
-                  <a:srgbClr val="FF00FF"/>
-                </a:solidFill>
-              </a:rPr>
-              <a:t> </a:t>
-            </a:r>
-            <a:r>
-              <a:rPr lang="ko-KR" altLang="en-US" sz="600" dirty="0" err="1">
-                <a:solidFill>
-                  <a:srgbClr val="FF00FF"/>
-                </a:solidFill>
-              </a:rPr>
-              <a:t>트리뷰</a:t>
-            </a:r>
-            <a:r>
-              <a:rPr lang="ko-KR" altLang="en-US" sz="600" dirty="0">
-                <a:solidFill>
-                  <a:srgbClr val="FF00FF"/>
-                </a:solidFill>
-              </a:rPr>
-              <a:t> 로 </a:t>
-            </a:r>
-            <a:r>
-              <a:rPr lang="ko-KR" altLang="en-US" sz="600" dirty="0" err="1">
-                <a:solidFill>
-                  <a:srgbClr val="FF00FF"/>
-                </a:solidFill>
-              </a:rPr>
-              <a:t>해당카테고리만</a:t>
-            </a:r>
-            <a:r>
-              <a:rPr lang="ko-KR" altLang="en-US" sz="600" dirty="0">
-                <a:solidFill>
-                  <a:srgbClr val="FF00FF"/>
-                </a:solidFill>
-              </a:rPr>
-              <a:t> 보이도록 수정 요</a:t>
-            </a:r>
-          </a:p>
-        </p:txBody>
-      </p:sp>
-      <p:sp>
-        <p:nvSpPr>
-          <p:cNvPr id="28" name="직사각형 27">
-            <a:extLst>
-              <a:ext uri="{FF2B5EF4-FFF2-40B4-BE49-F238E27FC236}">
-                <a16:creationId xmlns:a16="http://schemas.microsoft.com/office/drawing/2014/main" id="{41AD91D5-B380-9921-049C-EE05983B37C2}"/>
-              </a:ext>
-            </a:extLst>
-          </p:cNvPr>
-          <p:cNvSpPr/>
-          <p:nvPr/>
-        </p:nvSpPr>
-        <p:spPr>
-          <a:xfrm>
-            <a:off x="233082" y="5710518"/>
-            <a:ext cx="1246094" cy="192647"/>
-          </a:xfrm>
-          <a:prstGeom prst="rect">
-            <a:avLst/>
-          </a:prstGeom>
-          <a:solidFill>
-            <a:schemeClr val="bg1"/>
-          </a:solidFill>
-        </p:spPr>
-        <p:style>
-          <a:lnRef idx="2">
-            <a:schemeClr val="accent1">
-              <a:shade val="15000"/>
-            </a:schemeClr>
-          </a:lnRef>
-          <a:fillRef idx="1">
-            <a:schemeClr val="accent1"/>
-          </a:fillRef>
-          <a:effectRef idx="0">
-            <a:schemeClr val="accent1"/>
-          </a:effectRef>
-          <a:fontRef idx="minor">
-            <a:schemeClr val="lt1"/>
-          </a:fontRef>
-        </p:style>
-        <p:txBody>
-          <a:bodyPr rtlCol="0" anchor="ctr"/>
-          <a:lstStyle/>
-          <a:p>
-            <a:pPr algn="ctr"/>
-            <a:r>
-              <a:rPr lang="en-US" altLang="ko-KR" sz="800" dirty="0">
-                <a:solidFill>
-                  <a:schemeClr val="tx1"/>
-                </a:solidFill>
-              </a:rPr>
-              <a:t>Edit Standard Type</a:t>
-            </a:r>
-            <a:endParaRPr lang="ko-KR" altLang="en-US" sz="800" dirty="0">
-              <a:solidFill>
-                <a:schemeClr val="tx1"/>
-              </a:solidFill>
-            </a:endParaRPr>
-          </a:p>
-        </p:txBody>
-      </p:sp>
-      <p:pic>
-        <p:nvPicPr>
-          <p:cNvPr id="30" name="그림 29">
-            <a:extLst>
-              <a:ext uri="{FF2B5EF4-FFF2-40B4-BE49-F238E27FC236}">
-                <a16:creationId xmlns:a16="http://schemas.microsoft.com/office/drawing/2014/main" id="{679513ED-D1C0-6C34-371F-FE6169520C8B}"/>
-              </a:ext>
-            </a:extLst>
-          </p:cNvPr>
-          <p:cNvPicPr>
-            <a:picLocks noChangeAspect="1"/>
-          </p:cNvPicPr>
-          <p:nvPr/>
-        </p:nvPicPr>
-        <p:blipFill>
-          <a:blip r:embed="rId7"/>
-          <a:stretch>
-            <a:fillRect/>
-          </a:stretch>
-        </p:blipFill>
-        <p:spPr>
-          <a:xfrm>
-            <a:off x="9690845" y="4975412"/>
-            <a:ext cx="2247531" cy="894246"/>
-          </a:xfrm>
-          <a:prstGeom prst="rect">
-            <a:avLst/>
-          </a:prstGeom>
-        </p:spPr>
-      </p:pic>
-      <p:sp>
-        <p:nvSpPr>
-          <p:cNvPr id="31" name="직사각형 30">
-            <a:extLst>
-              <a:ext uri="{FF2B5EF4-FFF2-40B4-BE49-F238E27FC236}">
-                <a16:creationId xmlns:a16="http://schemas.microsoft.com/office/drawing/2014/main" id="{8BB6B805-D5FC-A356-885F-BD5094BDA78F}"/>
-              </a:ext>
-            </a:extLst>
-          </p:cNvPr>
-          <p:cNvSpPr/>
-          <p:nvPr/>
-        </p:nvSpPr>
-        <p:spPr>
-          <a:xfrm>
-            <a:off x="9690845" y="4885765"/>
-            <a:ext cx="2247531" cy="1088329"/>
-          </a:xfrm>
-          <a:prstGeom prst="rect">
-            <a:avLst/>
-          </a:prstGeom>
-          <a:noFill/>
-          <a:ln>
-            <a:solidFill>
-              <a:srgbClr val="FF00FF"/>
-            </a:solidFill>
-            <a:prstDash val="dash"/>
-          </a:ln>
-        </p:spPr>
-        <p:style>
-          <a:lnRef idx="2">
-            <a:schemeClr val="accent1">
-              <a:shade val="15000"/>
-            </a:schemeClr>
-          </a:lnRef>
-          <a:fillRef idx="1">
-            <a:schemeClr val="accent1"/>
-          </a:fillRef>
-          <a:effectRef idx="0">
-            <a:schemeClr val="accent1"/>
-          </a:effectRef>
-          <a:fontRef idx="minor">
-            <a:schemeClr val="lt1"/>
-          </a:fontRef>
-        </p:style>
-        <p:txBody>
-          <a:bodyPr rtlCol="0" anchor="ctr"/>
-          <a:lstStyle/>
-          <a:p>
-            <a:endParaRPr lang="ko-KR" altLang="en-US" sz="800" dirty="0">
-              <a:solidFill>
-                <a:schemeClr val="tx1"/>
-              </a:solidFill>
-            </a:endParaRPr>
-          </a:p>
-        </p:txBody>
-      </p:sp>
-      <p:sp>
-        <p:nvSpPr>
-          <p:cNvPr id="32" name="TextBox 31">
-            <a:extLst>
-              <a:ext uri="{FF2B5EF4-FFF2-40B4-BE49-F238E27FC236}">
-                <a16:creationId xmlns:a16="http://schemas.microsoft.com/office/drawing/2014/main" id="{69ED0609-6FDF-9CF0-6E4F-BA48CCD77AE9}"/>
-              </a:ext>
-            </a:extLst>
-          </p:cNvPr>
-          <p:cNvSpPr txBox="1"/>
-          <p:nvPr/>
-        </p:nvSpPr>
-        <p:spPr>
-          <a:xfrm>
-            <a:off x="9814097" y="5604557"/>
-            <a:ext cx="1112805" cy="184666"/>
-          </a:xfrm>
-          <a:prstGeom prst="rect">
-            <a:avLst/>
-          </a:prstGeom>
-          <a:noFill/>
-        </p:spPr>
-        <p:txBody>
-          <a:bodyPr wrap="none" rtlCol="0">
-            <a:spAutoFit/>
-          </a:bodyPr>
-          <a:lstStyle/>
-          <a:p>
-            <a:r>
-              <a:rPr lang="ko-KR" altLang="en-US" sz="600">
-                <a:solidFill>
-                  <a:srgbClr val="FF00FF"/>
-                </a:solidFill>
-              </a:rPr>
-              <a:t>텍스트 인풋 위젯으로 교체</a:t>
-            </a:r>
-            <a:endParaRPr lang="ko-KR" altLang="en-US" sz="600" dirty="0">
-              <a:solidFill>
-                <a:srgbClr val="FF00FF"/>
-              </a:solidFill>
-            </a:endParaRPr>
-          </a:p>
-        </p:txBody>
-      </p:sp>
-      <p:sp>
-        <p:nvSpPr>
-          <p:cNvPr id="33" name="직사각형 32">
-            <a:extLst>
-              <a:ext uri="{FF2B5EF4-FFF2-40B4-BE49-F238E27FC236}">
-                <a16:creationId xmlns:a16="http://schemas.microsoft.com/office/drawing/2014/main" id="{DC8E3226-D0E5-0650-D597-55DF3CB05238}"/>
-              </a:ext>
-            </a:extLst>
-          </p:cNvPr>
-          <p:cNvSpPr/>
-          <p:nvPr/>
-        </p:nvSpPr>
-        <p:spPr>
-          <a:xfrm>
-            <a:off x="9879105" y="3220181"/>
-            <a:ext cx="183267" cy="518102"/>
-          </a:xfrm>
-          <a:prstGeom prst="rect">
-            <a:avLst/>
-          </a:prstGeom>
-          <a:noFill/>
-          <a:ln>
-            <a:solidFill>
-              <a:srgbClr val="FF00FF"/>
-            </a:solidFill>
-            <a:prstDash val="dash"/>
-          </a:ln>
-        </p:spPr>
-        <p:style>
-          <a:lnRef idx="2">
-            <a:schemeClr val="accent1">
-              <a:shade val="15000"/>
-            </a:schemeClr>
-          </a:lnRef>
-          <a:fillRef idx="1">
-            <a:schemeClr val="accent1"/>
-          </a:fillRef>
-          <a:effectRef idx="0">
-            <a:schemeClr val="accent1"/>
-          </a:effectRef>
-          <a:fontRef idx="minor">
-            <a:schemeClr val="lt1"/>
-          </a:fontRef>
-        </p:style>
-        <p:txBody>
-          <a:bodyPr rtlCol="0" anchor="ctr"/>
-          <a:lstStyle/>
-          <a:p>
-            <a:endParaRPr lang="ko-KR" altLang="en-US" sz="800" dirty="0">
-              <a:solidFill>
-                <a:schemeClr val="tx1"/>
-              </a:solidFill>
-            </a:endParaRPr>
-          </a:p>
-        </p:txBody>
-      </p:sp>
-      <p:sp>
-        <p:nvSpPr>
-          <p:cNvPr id="34" name="TextBox 33">
-            <a:extLst>
-              <a:ext uri="{FF2B5EF4-FFF2-40B4-BE49-F238E27FC236}">
-                <a16:creationId xmlns:a16="http://schemas.microsoft.com/office/drawing/2014/main" id="{FA43777A-052F-7C61-D689-07B0D2A7F5E7}"/>
-              </a:ext>
-            </a:extLst>
-          </p:cNvPr>
-          <p:cNvSpPr txBox="1"/>
-          <p:nvPr/>
-        </p:nvSpPr>
-        <p:spPr>
-          <a:xfrm>
-            <a:off x="10014380" y="3096839"/>
-            <a:ext cx="652743" cy="184666"/>
-          </a:xfrm>
-          <a:prstGeom prst="rect">
-            <a:avLst/>
-          </a:prstGeom>
-          <a:noFill/>
-        </p:spPr>
-        <p:txBody>
-          <a:bodyPr wrap="none" rtlCol="0">
-            <a:spAutoFit/>
-          </a:bodyPr>
-          <a:lstStyle/>
-          <a:p>
-            <a:r>
-              <a:rPr lang="en-US" altLang="ko-KR" sz="600" dirty="0">
-                <a:solidFill>
-                  <a:srgbClr val="FF00FF"/>
-                </a:solidFill>
-              </a:rPr>
-              <a:t>No</a:t>
-            </a:r>
-            <a:r>
-              <a:rPr lang="ko-KR" altLang="en-US" sz="600" dirty="0">
-                <a:solidFill>
-                  <a:srgbClr val="FF00FF"/>
-                </a:solidFill>
-              </a:rPr>
-              <a:t> 칼럼 삭제</a:t>
-            </a:r>
-          </a:p>
-        </p:txBody>
-      </p:sp>
-      <p:sp>
-        <p:nvSpPr>
-          <p:cNvPr id="35" name="직사각형 34">
-            <a:extLst>
-              <a:ext uri="{FF2B5EF4-FFF2-40B4-BE49-F238E27FC236}">
-                <a16:creationId xmlns:a16="http://schemas.microsoft.com/office/drawing/2014/main" id="{35496D1E-2265-97A9-E7A1-720A400E2F68}"/>
-              </a:ext>
-            </a:extLst>
-          </p:cNvPr>
-          <p:cNvSpPr/>
-          <p:nvPr/>
-        </p:nvSpPr>
-        <p:spPr>
-          <a:xfrm>
-            <a:off x="9504644" y="4676260"/>
-            <a:ext cx="1511015" cy="192647"/>
-          </a:xfrm>
-          <a:prstGeom prst="rect">
-            <a:avLst/>
-          </a:prstGeom>
-          <a:solidFill>
-            <a:schemeClr val="bg1">
-              <a:lumMod val="95000"/>
-            </a:schemeClr>
-          </a:solidFill>
-          <a:ln>
-            <a:noFill/>
-          </a:ln>
-        </p:spPr>
-        <p:style>
-          <a:lnRef idx="2">
-            <a:schemeClr val="accent1">
-              <a:shade val="15000"/>
-            </a:schemeClr>
-          </a:lnRef>
-          <a:fillRef idx="1">
-            <a:schemeClr val="accent1"/>
-          </a:fillRef>
-          <a:effectRef idx="0">
-            <a:schemeClr val="accent1"/>
-          </a:effectRef>
-          <a:fontRef idx="minor">
-            <a:schemeClr val="lt1"/>
-          </a:fontRef>
-        </p:style>
-        <p:txBody>
-          <a:bodyPr rtlCol="0" anchor="ctr"/>
-          <a:lstStyle/>
-          <a:p>
-            <a:pPr algn="ctr"/>
-            <a:r>
-              <a:rPr lang="en-US" altLang="ko-KR" sz="800" dirty="0">
-                <a:solidFill>
-                  <a:schemeClr val="tx1"/>
-                </a:solidFill>
-              </a:rPr>
-              <a:t>Input</a:t>
-            </a:r>
-            <a:r>
-              <a:rPr lang="ko-KR" altLang="en-US" sz="800" dirty="0">
-                <a:solidFill>
-                  <a:schemeClr val="tx1"/>
-                </a:solidFill>
-              </a:rPr>
-              <a:t> </a:t>
-            </a:r>
-            <a:r>
-              <a:rPr lang="en-US" altLang="ko-KR" sz="800" dirty="0">
-                <a:solidFill>
-                  <a:schemeClr val="tx1"/>
-                </a:solidFill>
-              </a:rPr>
-              <a:t>Revit</a:t>
-            </a:r>
-            <a:r>
-              <a:rPr lang="ko-KR" altLang="en-US" sz="800" dirty="0">
-                <a:solidFill>
-                  <a:schemeClr val="tx1"/>
-                </a:solidFill>
-              </a:rPr>
-              <a:t> </a:t>
-            </a:r>
-            <a:r>
-              <a:rPr lang="en-US" altLang="ko-KR" sz="800" dirty="0">
-                <a:solidFill>
-                  <a:schemeClr val="tx1"/>
-                </a:solidFill>
-              </a:rPr>
-              <a:t>Family Types</a:t>
-            </a:r>
-            <a:endParaRPr lang="ko-KR" altLang="en-US" sz="800" dirty="0">
-              <a:solidFill>
-                <a:schemeClr val="tx1"/>
+                <a:srgbClr val="00B050"/>
               </a:solidFill>
             </a:endParaRPr>
           </a:p>
@@ -34649,7 +35144,7 @@
     </p:spTree>
     <p:extLst>
       <p:ext uri="{BB962C8B-B14F-4D97-AF65-F5344CB8AC3E}">
-        <p14:creationId xmlns:p14="http://schemas.microsoft.com/office/powerpoint/2010/main" val="2481857273"/>
+        <p14:creationId xmlns:p14="http://schemas.microsoft.com/office/powerpoint/2010/main" val="1933626405"/>
       </p:ext>
     </p:extLst>
   </p:cSld>

--- a/H_FamilyList_FP/화면정의서.pptx
+++ b/H_FamilyList_FP/화면정의서.pptx
@@ -15,10 +15,10 @@
     <p:sldId id="262" r:id="rId9"/>
     <p:sldId id="267" r:id="rId10"/>
     <p:sldId id="268" r:id="rId11"/>
-    <p:sldId id="264" r:id="rId12"/>
-    <p:sldId id="265" r:id="rId13"/>
-    <p:sldId id="266" r:id="rId14"/>
-    <p:sldId id="259" r:id="rId15"/>
+    <p:sldId id="259" r:id="rId12"/>
+    <p:sldId id="264" r:id="rId13"/>
+    <p:sldId id="265" r:id="rId14"/>
+    <p:sldId id="266" r:id="rId15"/>
   </p:sldIdLst>
   <p:sldSz cx="12192000" cy="6858000"/>
   <p:notesSz cx="6858000" cy="9144000"/>
@@ -272,7 +272,7 @@
           <a:p>
             <a:fld id="{9DC0FBBE-1B54-474B-A1EF-57FEDE0B6A08}" type="datetimeFigureOut">
               <a:rPr lang="ko-KR" altLang="en-US" smtClean="0"/>
-              <a:t>2024-10-14</a:t>
+              <a:t>2024-10-18</a:t>
             </a:fld>
             <a:endParaRPr lang="ko-KR" altLang="en-US"/>
           </a:p>
@@ -470,7 +470,7 @@
           <a:p>
             <a:fld id="{9DC0FBBE-1B54-474B-A1EF-57FEDE0B6A08}" type="datetimeFigureOut">
               <a:rPr lang="ko-KR" altLang="en-US" smtClean="0"/>
-              <a:t>2024-10-14</a:t>
+              <a:t>2024-10-18</a:t>
             </a:fld>
             <a:endParaRPr lang="ko-KR" altLang="en-US"/>
           </a:p>
@@ -678,7 +678,7 @@
           <a:p>
             <a:fld id="{9DC0FBBE-1B54-474B-A1EF-57FEDE0B6A08}" type="datetimeFigureOut">
               <a:rPr lang="ko-KR" altLang="en-US" smtClean="0"/>
-              <a:t>2024-10-14</a:t>
+              <a:t>2024-10-18</a:t>
             </a:fld>
             <a:endParaRPr lang="ko-KR" altLang="en-US"/>
           </a:p>
@@ -876,7 +876,7 @@
           <a:p>
             <a:fld id="{9DC0FBBE-1B54-474B-A1EF-57FEDE0B6A08}" type="datetimeFigureOut">
               <a:rPr lang="ko-KR" altLang="en-US" smtClean="0"/>
-              <a:t>2024-10-14</a:t>
+              <a:t>2024-10-18</a:t>
             </a:fld>
             <a:endParaRPr lang="ko-KR" altLang="en-US"/>
           </a:p>
@@ -1151,7 +1151,7 @@
           <a:p>
             <a:fld id="{9DC0FBBE-1B54-474B-A1EF-57FEDE0B6A08}" type="datetimeFigureOut">
               <a:rPr lang="ko-KR" altLang="en-US" smtClean="0"/>
-              <a:t>2024-10-14</a:t>
+              <a:t>2024-10-18</a:t>
             </a:fld>
             <a:endParaRPr lang="ko-KR" altLang="en-US"/>
           </a:p>
@@ -1416,7 +1416,7 @@
           <a:p>
             <a:fld id="{9DC0FBBE-1B54-474B-A1EF-57FEDE0B6A08}" type="datetimeFigureOut">
               <a:rPr lang="ko-KR" altLang="en-US" smtClean="0"/>
-              <a:t>2024-10-14</a:t>
+              <a:t>2024-10-18</a:t>
             </a:fld>
             <a:endParaRPr lang="ko-KR" altLang="en-US"/>
           </a:p>
@@ -1828,7 +1828,7 @@
           <a:p>
             <a:fld id="{9DC0FBBE-1B54-474B-A1EF-57FEDE0B6A08}" type="datetimeFigureOut">
               <a:rPr lang="ko-KR" altLang="en-US" smtClean="0"/>
-              <a:t>2024-10-14</a:t>
+              <a:t>2024-10-18</a:t>
             </a:fld>
             <a:endParaRPr lang="ko-KR" altLang="en-US"/>
           </a:p>
@@ -1969,7 +1969,7 @@
           <a:p>
             <a:fld id="{9DC0FBBE-1B54-474B-A1EF-57FEDE0B6A08}" type="datetimeFigureOut">
               <a:rPr lang="ko-KR" altLang="en-US" smtClean="0"/>
-              <a:t>2024-10-14</a:t>
+              <a:t>2024-10-18</a:t>
             </a:fld>
             <a:endParaRPr lang="ko-KR" altLang="en-US"/>
           </a:p>
@@ -2082,7 +2082,7 @@
           <a:p>
             <a:fld id="{9DC0FBBE-1B54-474B-A1EF-57FEDE0B6A08}" type="datetimeFigureOut">
               <a:rPr lang="ko-KR" altLang="en-US" smtClean="0"/>
-              <a:t>2024-10-14</a:t>
+              <a:t>2024-10-18</a:t>
             </a:fld>
             <a:endParaRPr lang="ko-KR" altLang="en-US"/>
           </a:p>
@@ -2393,7 +2393,7 @@
           <a:p>
             <a:fld id="{9DC0FBBE-1B54-474B-A1EF-57FEDE0B6A08}" type="datetimeFigureOut">
               <a:rPr lang="ko-KR" altLang="en-US" smtClean="0"/>
-              <a:t>2024-10-14</a:t>
+              <a:t>2024-10-18</a:t>
             </a:fld>
             <a:endParaRPr lang="ko-KR" altLang="en-US"/>
           </a:p>
@@ -2681,7 +2681,7 @@
           <a:p>
             <a:fld id="{9DC0FBBE-1B54-474B-A1EF-57FEDE0B6A08}" type="datetimeFigureOut">
               <a:rPr lang="ko-KR" altLang="en-US" smtClean="0"/>
-              <a:t>2024-10-14</a:t>
+              <a:t>2024-10-18</a:t>
             </a:fld>
             <a:endParaRPr lang="ko-KR" altLang="en-US"/>
           </a:p>
@@ -2922,7 +2922,7 @@
           <a:p>
             <a:fld id="{9DC0FBBE-1B54-474B-A1EF-57FEDE0B6A08}" type="datetimeFigureOut">
               <a:rPr lang="ko-KR" altLang="en-US" smtClean="0"/>
-              <a:t>2024-10-14</a:t>
+              <a:t>2024-10-18</a:t>
             </a:fld>
             <a:endParaRPr lang="ko-KR" altLang="en-US"/>
           </a:p>
@@ -5438,6 +5438,473 @@
 </file>
 
 <file path=ppt/slides/slide11.xml><?xml version="1.0" encoding="utf-8"?>
+<p:sld xmlns:a="http://schemas.openxmlformats.org/drawingml/2006/main" xmlns:r="http://schemas.openxmlformats.org/officeDocument/2006/relationships" xmlns:p="http://schemas.openxmlformats.org/presentationml/2006/main">
+  <p:cSld>
+    <p:spTree>
+      <p:nvGrpSpPr>
+        <p:cNvPr id="1" name=""/>
+        <p:cNvGrpSpPr/>
+        <p:nvPr/>
+      </p:nvGrpSpPr>
+      <p:grpSpPr>
+        <a:xfrm>
+          <a:off x="0" y="0"/>
+          <a:ext cx="0" cy="0"/>
+          <a:chOff x="0" y="0"/>
+          <a:chExt cx="0" cy="0"/>
+        </a:xfrm>
+      </p:grpSpPr>
+      <p:pic>
+        <p:nvPicPr>
+          <p:cNvPr id="3" name="그림 2">
+            <a:extLst>
+              <a:ext uri="{FF2B5EF4-FFF2-40B4-BE49-F238E27FC236}">
+                <a16:creationId xmlns:a16="http://schemas.microsoft.com/office/drawing/2014/main" id="{52650822-CBB3-2940-589A-6B8A6E5351FF}"/>
+              </a:ext>
+            </a:extLst>
+          </p:cNvPr>
+          <p:cNvPicPr>
+            <a:picLocks noChangeAspect="1"/>
+          </p:cNvPicPr>
+          <p:nvPr/>
+        </p:nvPicPr>
+        <p:blipFill>
+          <a:blip r:embed="rId2">
+            <a:extLst>
+              <a:ext uri="{28A0092B-C50C-407E-A947-70E740481C1C}">
+                <a14:useLocalDpi xmlns:a14="http://schemas.microsoft.com/office/drawing/2010/main" val="0"/>
+              </a:ext>
+            </a:extLst>
+          </a:blip>
+          <a:srcRect/>
+          <a:stretch/>
+        </p:blipFill>
+        <p:spPr>
+          <a:xfrm>
+            <a:off x="0" y="95250"/>
+            <a:ext cx="12191999" cy="6667500"/>
+          </a:xfrm>
+          <a:prstGeom prst="rect">
+            <a:avLst/>
+          </a:prstGeom>
+        </p:spPr>
+      </p:pic>
+      <p:sp>
+        <p:nvSpPr>
+          <p:cNvPr id="9" name="TextBox 8">
+            <a:extLst>
+              <a:ext uri="{FF2B5EF4-FFF2-40B4-BE49-F238E27FC236}">
+                <a16:creationId xmlns:a16="http://schemas.microsoft.com/office/drawing/2014/main" id="{A54E998A-4BB2-065E-0754-BF4FBDD91B02}"/>
+              </a:ext>
+            </a:extLst>
+          </p:cNvPr>
+          <p:cNvSpPr txBox="1"/>
+          <p:nvPr/>
+        </p:nvSpPr>
+        <p:spPr>
+          <a:xfrm>
+            <a:off x="121380" y="1056456"/>
+            <a:ext cx="1343638" cy="184666"/>
+          </a:xfrm>
+          <a:prstGeom prst="rect">
+            <a:avLst/>
+          </a:prstGeom>
+          <a:noFill/>
+        </p:spPr>
+        <p:txBody>
+          <a:bodyPr wrap="none" rtlCol="0">
+            <a:spAutoFit/>
+          </a:bodyPr>
+          <a:lstStyle/>
+          <a:p>
+            <a:r>
+              <a:rPr lang="ko-KR" altLang="en-US" sz="600" dirty="0">
+                <a:solidFill>
+                  <a:srgbClr val="FF00FF"/>
+                </a:solidFill>
+              </a:rPr>
+              <a:t>라벨 </a:t>
+            </a:r>
+            <a:r>
+              <a:rPr lang="ko-KR" altLang="en-US" sz="600" dirty="0" err="1">
+                <a:solidFill>
+                  <a:srgbClr val="FF00FF"/>
+                </a:solidFill>
+              </a:rPr>
+              <a:t>더블클릭시</a:t>
+            </a:r>
+            <a:r>
+              <a:rPr lang="ko-KR" altLang="en-US" sz="600" dirty="0">
+                <a:solidFill>
+                  <a:srgbClr val="FF00FF"/>
+                </a:solidFill>
+              </a:rPr>
+              <a:t> 표준구성도 </a:t>
+            </a:r>
+            <a:r>
+              <a:rPr lang="ko-KR" altLang="en-US" sz="600" dirty="0" err="1">
+                <a:solidFill>
+                  <a:srgbClr val="FF00FF"/>
+                </a:solidFill>
+              </a:rPr>
+              <a:t>새창</a:t>
+            </a:r>
+            <a:endParaRPr lang="ko-KR" altLang="en-US" sz="600" dirty="0">
+              <a:solidFill>
+                <a:srgbClr val="FF00FF"/>
+              </a:solidFill>
+            </a:endParaRPr>
+          </a:p>
+        </p:txBody>
+      </p:sp>
+      <p:sp>
+        <p:nvSpPr>
+          <p:cNvPr id="11" name="직사각형 10">
+            <a:extLst>
+              <a:ext uri="{FF2B5EF4-FFF2-40B4-BE49-F238E27FC236}">
+                <a16:creationId xmlns:a16="http://schemas.microsoft.com/office/drawing/2014/main" id="{CA15E6C1-1C62-7E9D-7617-D83CB5CFC083}"/>
+              </a:ext>
+            </a:extLst>
+          </p:cNvPr>
+          <p:cNvSpPr/>
+          <p:nvPr/>
+        </p:nvSpPr>
+        <p:spPr>
+          <a:xfrm>
+            <a:off x="9206751" y="4509248"/>
+            <a:ext cx="2770096" cy="1088329"/>
+          </a:xfrm>
+          <a:prstGeom prst="rect">
+            <a:avLst/>
+          </a:prstGeom>
+          <a:noFill/>
+          <a:ln>
+            <a:solidFill>
+              <a:srgbClr val="FF00FF"/>
+            </a:solidFill>
+            <a:prstDash val="dash"/>
+          </a:ln>
+        </p:spPr>
+        <p:style>
+          <a:lnRef idx="2">
+            <a:schemeClr val="accent1">
+              <a:shade val="15000"/>
+            </a:schemeClr>
+          </a:lnRef>
+          <a:fillRef idx="1">
+            <a:schemeClr val="accent1"/>
+          </a:fillRef>
+          <a:effectRef idx="0">
+            <a:schemeClr val="accent1"/>
+          </a:effectRef>
+          <a:fontRef idx="minor">
+            <a:schemeClr val="lt1"/>
+          </a:fontRef>
+        </p:style>
+        <p:txBody>
+          <a:bodyPr rtlCol="0" anchor="ctr"/>
+          <a:lstStyle/>
+          <a:p>
+            <a:endParaRPr lang="ko-KR" altLang="en-US" sz="800" dirty="0">
+              <a:solidFill>
+                <a:schemeClr val="tx1"/>
+              </a:solidFill>
+            </a:endParaRPr>
+          </a:p>
+        </p:txBody>
+      </p:sp>
+      <p:sp>
+        <p:nvSpPr>
+          <p:cNvPr id="12" name="TextBox 11">
+            <a:extLst>
+              <a:ext uri="{FF2B5EF4-FFF2-40B4-BE49-F238E27FC236}">
+                <a16:creationId xmlns:a16="http://schemas.microsoft.com/office/drawing/2014/main" id="{8A244539-BFD8-DA8E-67F2-369AF449B915}"/>
+              </a:ext>
+            </a:extLst>
+          </p:cNvPr>
+          <p:cNvSpPr txBox="1"/>
+          <p:nvPr/>
+        </p:nvSpPr>
+        <p:spPr>
+          <a:xfrm>
+            <a:off x="9330003" y="5228040"/>
+            <a:ext cx="1371539" cy="184666"/>
+          </a:xfrm>
+          <a:prstGeom prst="rect">
+            <a:avLst/>
+          </a:prstGeom>
+          <a:noFill/>
+        </p:spPr>
+        <p:txBody>
+          <a:bodyPr wrap="square" rtlCol="0">
+            <a:spAutoFit/>
+          </a:bodyPr>
+          <a:lstStyle/>
+          <a:p>
+            <a:r>
+              <a:rPr lang="ko-KR" altLang="en-US" sz="600">
+                <a:solidFill>
+                  <a:srgbClr val="FF00FF"/>
+                </a:solidFill>
+              </a:rPr>
+              <a:t>텍스트 인풋 위젯으로 교체</a:t>
+            </a:r>
+            <a:endParaRPr lang="ko-KR" altLang="en-US" sz="600" dirty="0">
+              <a:solidFill>
+                <a:srgbClr val="FF00FF"/>
+              </a:solidFill>
+            </a:endParaRPr>
+          </a:p>
+        </p:txBody>
+      </p:sp>
+      <p:sp>
+        <p:nvSpPr>
+          <p:cNvPr id="13" name="직사각형 12">
+            <a:extLst>
+              <a:ext uri="{FF2B5EF4-FFF2-40B4-BE49-F238E27FC236}">
+                <a16:creationId xmlns:a16="http://schemas.microsoft.com/office/drawing/2014/main" id="{CAAE8F5A-973F-1D29-49E7-1EF74CC1078F}"/>
+              </a:ext>
+            </a:extLst>
+          </p:cNvPr>
+          <p:cNvSpPr/>
+          <p:nvPr/>
+        </p:nvSpPr>
+        <p:spPr>
+          <a:xfrm>
+            <a:off x="9309848" y="4139710"/>
+            <a:ext cx="2093257" cy="184666"/>
+          </a:xfrm>
+          <a:prstGeom prst="rect">
+            <a:avLst/>
+          </a:prstGeom>
+          <a:noFill/>
+        </p:spPr>
+        <p:txBody>
+          <a:bodyPr wrap="square" rtlCol="0">
+            <a:spAutoFit/>
+          </a:bodyPr>
+          <a:lstStyle/>
+          <a:p>
+            <a:r>
+              <a:rPr lang="en-US" altLang="ko-KR" sz="600" dirty="0">
+                <a:solidFill>
+                  <a:srgbClr val="FF00FF"/>
+                </a:solidFill>
+              </a:rPr>
+              <a:t>Input</a:t>
+            </a:r>
+            <a:r>
+              <a:rPr lang="ko-KR" altLang="en-US" sz="600" dirty="0">
+                <a:solidFill>
+                  <a:srgbClr val="FF00FF"/>
+                </a:solidFill>
+              </a:rPr>
+              <a:t> </a:t>
+            </a:r>
+            <a:r>
+              <a:rPr lang="en-US" altLang="ko-KR" sz="600" dirty="0">
+                <a:solidFill>
+                  <a:srgbClr val="FF00FF"/>
+                </a:solidFill>
+              </a:rPr>
+              <a:t>Revit</a:t>
+            </a:r>
+            <a:r>
+              <a:rPr lang="ko-KR" altLang="en-US" sz="600" dirty="0">
+                <a:solidFill>
+                  <a:srgbClr val="FF00FF"/>
+                </a:solidFill>
+              </a:rPr>
+              <a:t> </a:t>
+            </a:r>
+            <a:r>
+              <a:rPr lang="en-US" altLang="ko-KR" sz="600" dirty="0">
+                <a:solidFill>
+                  <a:srgbClr val="FF00FF"/>
+                </a:solidFill>
+              </a:rPr>
+              <a:t>Family Types </a:t>
+            </a:r>
+            <a:r>
+              <a:rPr lang="ko-KR" altLang="en-US" sz="600" dirty="0">
+                <a:solidFill>
+                  <a:srgbClr val="FF00FF"/>
+                </a:solidFill>
+              </a:rPr>
+              <a:t>로 라벨 교체</a:t>
+            </a:r>
+          </a:p>
+        </p:txBody>
+      </p:sp>
+      <p:sp>
+        <p:nvSpPr>
+          <p:cNvPr id="15" name="TextBox 14">
+            <a:extLst>
+              <a:ext uri="{FF2B5EF4-FFF2-40B4-BE49-F238E27FC236}">
+                <a16:creationId xmlns:a16="http://schemas.microsoft.com/office/drawing/2014/main" id="{AFADE4C5-84C5-A432-D611-8F9684575681}"/>
+              </a:ext>
+            </a:extLst>
+          </p:cNvPr>
+          <p:cNvSpPr txBox="1"/>
+          <p:nvPr/>
+        </p:nvSpPr>
+        <p:spPr>
+          <a:xfrm>
+            <a:off x="9999850" y="2625957"/>
+            <a:ext cx="652743" cy="184666"/>
+          </a:xfrm>
+          <a:prstGeom prst="rect">
+            <a:avLst/>
+          </a:prstGeom>
+          <a:noFill/>
+        </p:spPr>
+        <p:txBody>
+          <a:bodyPr wrap="none" rtlCol="0">
+            <a:spAutoFit/>
+          </a:bodyPr>
+          <a:lstStyle/>
+          <a:p>
+            <a:r>
+              <a:rPr lang="en-US" altLang="ko-KR" sz="600" dirty="0">
+                <a:solidFill>
+                  <a:srgbClr val="FF00FF"/>
+                </a:solidFill>
+              </a:rPr>
+              <a:t>No</a:t>
+            </a:r>
+            <a:r>
+              <a:rPr lang="ko-KR" altLang="en-US" sz="600" dirty="0">
+                <a:solidFill>
+                  <a:srgbClr val="FF00FF"/>
+                </a:solidFill>
+              </a:rPr>
+              <a:t> 칼럼 삭제</a:t>
+            </a:r>
+          </a:p>
+        </p:txBody>
+      </p:sp>
+      <p:sp>
+        <p:nvSpPr>
+          <p:cNvPr id="16" name="TextBox 15">
+            <a:extLst>
+              <a:ext uri="{FF2B5EF4-FFF2-40B4-BE49-F238E27FC236}">
+                <a16:creationId xmlns:a16="http://schemas.microsoft.com/office/drawing/2014/main" id="{D2BFF101-5247-FED1-69A1-606423C8BEA8}"/>
+              </a:ext>
+            </a:extLst>
+          </p:cNvPr>
+          <p:cNvSpPr txBox="1"/>
+          <p:nvPr/>
+        </p:nvSpPr>
+        <p:spPr>
+          <a:xfrm>
+            <a:off x="2774934" y="1166719"/>
+            <a:ext cx="2395207" cy="184666"/>
+          </a:xfrm>
+          <a:prstGeom prst="rect">
+            <a:avLst/>
+          </a:prstGeom>
+          <a:noFill/>
+        </p:spPr>
+        <p:txBody>
+          <a:bodyPr wrap="none" rtlCol="0">
+            <a:spAutoFit/>
+          </a:bodyPr>
+          <a:lstStyle/>
+          <a:p>
+            <a:r>
+              <a:rPr lang="en-US" altLang="ko-KR" sz="600" dirty="0" err="1">
+                <a:solidFill>
+                  <a:srgbClr val="FF00FF"/>
+                </a:solidFill>
+              </a:rPr>
+              <a:t>stdType</a:t>
+            </a:r>
+            <a:r>
+              <a:rPr lang="ko-KR" altLang="en-US" sz="600" dirty="0">
+                <a:solidFill>
+                  <a:srgbClr val="FF00FF"/>
+                </a:solidFill>
+              </a:rPr>
+              <a:t> 항목 </a:t>
+            </a:r>
+            <a:r>
+              <a:rPr lang="ko-KR" altLang="en-US" sz="600" dirty="0" err="1">
+                <a:solidFill>
+                  <a:srgbClr val="FF00FF"/>
+                </a:solidFill>
+              </a:rPr>
+              <a:t>클릭시</a:t>
+            </a:r>
+            <a:r>
+              <a:rPr lang="ko-KR" altLang="en-US" sz="600" dirty="0">
+                <a:solidFill>
+                  <a:srgbClr val="FF00FF"/>
+                </a:solidFill>
+              </a:rPr>
+              <a:t> 업데이트 연동</a:t>
+            </a:r>
+            <a:r>
+              <a:rPr lang="en-US" altLang="ko-KR" sz="600" dirty="0">
+                <a:solidFill>
+                  <a:srgbClr val="FF00FF"/>
+                </a:solidFill>
+              </a:rPr>
+              <a:t>(</a:t>
+            </a:r>
+            <a:r>
+              <a:rPr lang="ko-KR" altLang="en-US" sz="600" dirty="0">
+                <a:solidFill>
+                  <a:srgbClr val="FF00FF"/>
+                </a:solidFill>
+              </a:rPr>
+              <a:t>현재 </a:t>
+            </a:r>
+            <a:r>
+              <a:rPr lang="en-US" altLang="ko-KR" sz="600" dirty="0">
+                <a:solidFill>
+                  <a:srgbClr val="FF00FF"/>
+                </a:solidFill>
+              </a:rPr>
+              <a:t>Room </a:t>
+            </a:r>
+            <a:r>
+              <a:rPr lang="ko-KR" altLang="en-US" sz="600" dirty="0">
+                <a:solidFill>
+                  <a:srgbClr val="FF00FF"/>
+                </a:solidFill>
+              </a:rPr>
+              <a:t>쪽 함수와 연결</a:t>
+            </a:r>
+            <a:r>
+              <a:rPr lang="en-US" altLang="ko-KR" sz="600" dirty="0">
+                <a:solidFill>
+                  <a:srgbClr val="FF00FF"/>
+                </a:solidFill>
+              </a:rPr>
+              <a:t>)</a:t>
+            </a:r>
+            <a:endParaRPr lang="ko-KR" altLang="en-US" sz="600" dirty="0">
+              <a:solidFill>
+                <a:srgbClr val="FF00FF"/>
+              </a:solidFill>
+            </a:endParaRPr>
+          </a:p>
+        </p:txBody>
+      </p:sp>
+    </p:spTree>
+    <p:extLst>
+      <p:ext uri="{BB962C8B-B14F-4D97-AF65-F5344CB8AC3E}">
+        <p14:creationId xmlns:p14="http://schemas.microsoft.com/office/powerpoint/2010/main" val="3343778474"/>
+      </p:ext>
+    </p:extLst>
+  </p:cSld>
+  <p:clrMapOvr>
+    <a:masterClrMapping/>
+  </p:clrMapOvr>
+</p:sld>
+</file>
+
+<file path=ppt/slides/slide12.xml><?xml version="1.0" encoding="utf-8"?>
 <p:sld xmlns:a="http://schemas.openxmlformats.org/drawingml/2006/main" xmlns:r="http://schemas.openxmlformats.org/officeDocument/2006/relationships" xmlns:p="http://schemas.openxmlformats.org/presentationml/2006/main">
   <p:cSld>
     <p:spTree>
@@ -11708,7 +12175,7 @@
 </p:sld>
 </file>
 
-<file path=ppt/slides/slide12.xml><?xml version="1.0" encoding="utf-8"?>
+<file path=ppt/slides/slide13.xml><?xml version="1.0" encoding="utf-8"?>
 <p:sld xmlns:a="http://schemas.openxmlformats.org/drawingml/2006/main" xmlns:r="http://schemas.openxmlformats.org/officeDocument/2006/relationships" xmlns:p="http://schemas.openxmlformats.org/presentationml/2006/main">
   <p:cSld>
     <p:spTree>
@@ -12067,7 +12534,7 @@
 </p:sld>
 </file>
 
-<file path=ppt/slides/slide13.xml><?xml version="1.0" encoding="utf-8"?>
+<file path=ppt/slides/slide14.xml><?xml version="1.0" encoding="utf-8"?>
 <p:sld xmlns:a="http://schemas.openxmlformats.org/drawingml/2006/main" xmlns:r="http://schemas.openxmlformats.org/officeDocument/2006/relationships" xmlns:p="http://schemas.openxmlformats.org/presentationml/2006/main">
   <p:cSld>
     <p:spTree>
@@ -12335,66 +12802,6 @@
     <p:extLst>
       <p:ext uri="{BB962C8B-B14F-4D97-AF65-F5344CB8AC3E}">
         <p14:creationId xmlns:p14="http://schemas.microsoft.com/office/powerpoint/2010/main" val="437664509"/>
-      </p:ext>
-    </p:extLst>
-  </p:cSld>
-  <p:clrMapOvr>
-    <a:masterClrMapping/>
-  </p:clrMapOvr>
-</p:sld>
-</file>
-
-<file path=ppt/slides/slide14.xml><?xml version="1.0" encoding="utf-8"?>
-<p:sld xmlns:a="http://schemas.openxmlformats.org/drawingml/2006/main" xmlns:r="http://schemas.openxmlformats.org/officeDocument/2006/relationships" xmlns:p="http://schemas.openxmlformats.org/presentationml/2006/main">
-  <p:cSld>
-    <p:spTree>
-      <p:nvGrpSpPr>
-        <p:cNvPr id="1" name=""/>
-        <p:cNvGrpSpPr/>
-        <p:nvPr/>
-      </p:nvGrpSpPr>
-      <p:grpSpPr>
-        <a:xfrm>
-          <a:off x="0" y="0"/>
-          <a:ext cx="0" cy="0"/>
-          <a:chOff x="0" y="0"/>
-          <a:chExt cx="0" cy="0"/>
-        </a:xfrm>
-      </p:grpSpPr>
-      <p:pic>
-        <p:nvPicPr>
-          <p:cNvPr id="5" name="그림 4">
-            <a:extLst>
-              <a:ext uri="{FF2B5EF4-FFF2-40B4-BE49-F238E27FC236}">
-                <a16:creationId xmlns:a16="http://schemas.microsoft.com/office/drawing/2014/main" id="{95D9C468-D5EC-3ABC-A07B-9850F8ED4B30}"/>
-              </a:ext>
-            </a:extLst>
-          </p:cNvPr>
-          <p:cNvPicPr>
-            <a:picLocks noChangeAspect="1"/>
-          </p:cNvPicPr>
-          <p:nvPr/>
-        </p:nvPicPr>
-        <p:blipFill>
-          <a:blip r:embed="rId2"/>
-          <a:stretch>
-            <a:fillRect/>
-          </a:stretch>
-        </p:blipFill>
-        <p:spPr>
-          <a:xfrm>
-            <a:off x="0" y="95250"/>
-            <a:ext cx="12192000" cy="6667500"/>
-          </a:xfrm>
-          <a:prstGeom prst="rect">
-            <a:avLst/>
-          </a:prstGeom>
-        </p:spPr>
-      </p:pic>
-    </p:spTree>
-    <p:extLst>
-      <p:ext uri="{BB962C8B-B14F-4D97-AF65-F5344CB8AC3E}">
-        <p14:creationId xmlns:p14="http://schemas.microsoft.com/office/powerpoint/2010/main" val="3343778474"/>
       </p:ext>
     </p:extLst>
   </p:cSld>

--- a/H_FamilyList_FP/화면정의서.pptx
+++ b/H_FamilyList_FP/화면정의서.pptx
@@ -16,9 +16,10 @@
     <p:sldId id="267" r:id="rId10"/>
     <p:sldId id="268" r:id="rId11"/>
     <p:sldId id="259" r:id="rId12"/>
-    <p:sldId id="264" r:id="rId13"/>
-    <p:sldId id="265" r:id="rId14"/>
-    <p:sldId id="266" r:id="rId15"/>
+    <p:sldId id="270" r:id="rId13"/>
+    <p:sldId id="264" r:id="rId14"/>
+    <p:sldId id="265" r:id="rId15"/>
+    <p:sldId id="266" r:id="rId16"/>
   </p:sldIdLst>
   <p:sldSz cx="12192000" cy="6858000"/>
   <p:notesSz cx="6858000" cy="9144000"/>
@@ -272,7 +273,7 @@
           <a:p>
             <a:fld id="{9DC0FBBE-1B54-474B-A1EF-57FEDE0B6A08}" type="datetimeFigureOut">
               <a:rPr lang="ko-KR" altLang="en-US" smtClean="0"/>
-              <a:t>2024-10-18</a:t>
+              <a:t>2024-10-21</a:t>
             </a:fld>
             <a:endParaRPr lang="ko-KR" altLang="en-US"/>
           </a:p>
@@ -470,7 +471,7 @@
           <a:p>
             <a:fld id="{9DC0FBBE-1B54-474B-A1EF-57FEDE0B6A08}" type="datetimeFigureOut">
               <a:rPr lang="ko-KR" altLang="en-US" smtClean="0"/>
-              <a:t>2024-10-18</a:t>
+              <a:t>2024-10-21</a:t>
             </a:fld>
             <a:endParaRPr lang="ko-KR" altLang="en-US"/>
           </a:p>
@@ -678,7 +679,7 @@
           <a:p>
             <a:fld id="{9DC0FBBE-1B54-474B-A1EF-57FEDE0B6A08}" type="datetimeFigureOut">
               <a:rPr lang="ko-KR" altLang="en-US" smtClean="0"/>
-              <a:t>2024-10-18</a:t>
+              <a:t>2024-10-21</a:t>
             </a:fld>
             <a:endParaRPr lang="ko-KR" altLang="en-US"/>
           </a:p>
@@ -876,7 +877,7 @@
           <a:p>
             <a:fld id="{9DC0FBBE-1B54-474B-A1EF-57FEDE0B6A08}" type="datetimeFigureOut">
               <a:rPr lang="ko-KR" altLang="en-US" smtClean="0"/>
-              <a:t>2024-10-18</a:t>
+              <a:t>2024-10-21</a:t>
             </a:fld>
             <a:endParaRPr lang="ko-KR" altLang="en-US"/>
           </a:p>
@@ -1151,7 +1152,7 @@
           <a:p>
             <a:fld id="{9DC0FBBE-1B54-474B-A1EF-57FEDE0B6A08}" type="datetimeFigureOut">
               <a:rPr lang="ko-KR" altLang="en-US" smtClean="0"/>
-              <a:t>2024-10-18</a:t>
+              <a:t>2024-10-21</a:t>
             </a:fld>
             <a:endParaRPr lang="ko-KR" altLang="en-US"/>
           </a:p>
@@ -1416,7 +1417,7 @@
           <a:p>
             <a:fld id="{9DC0FBBE-1B54-474B-A1EF-57FEDE0B6A08}" type="datetimeFigureOut">
               <a:rPr lang="ko-KR" altLang="en-US" smtClean="0"/>
-              <a:t>2024-10-18</a:t>
+              <a:t>2024-10-21</a:t>
             </a:fld>
             <a:endParaRPr lang="ko-KR" altLang="en-US"/>
           </a:p>
@@ -1828,7 +1829,7 @@
           <a:p>
             <a:fld id="{9DC0FBBE-1B54-474B-A1EF-57FEDE0B6A08}" type="datetimeFigureOut">
               <a:rPr lang="ko-KR" altLang="en-US" smtClean="0"/>
-              <a:t>2024-10-18</a:t>
+              <a:t>2024-10-21</a:t>
             </a:fld>
             <a:endParaRPr lang="ko-KR" altLang="en-US"/>
           </a:p>
@@ -1969,7 +1970,7 @@
           <a:p>
             <a:fld id="{9DC0FBBE-1B54-474B-A1EF-57FEDE0B6A08}" type="datetimeFigureOut">
               <a:rPr lang="ko-KR" altLang="en-US" smtClean="0"/>
-              <a:t>2024-10-18</a:t>
+              <a:t>2024-10-21</a:t>
             </a:fld>
             <a:endParaRPr lang="ko-KR" altLang="en-US"/>
           </a:p>
@@ -2082,7 +2083,7 @@
           <a:p>
             <a:fld id="{9DC0FBBE-1B54-474B-A1EF-57FEDE0B6A08}" type="datetimeFigureOut">
               <a:rPr lang="ko-KR" altLang="en-US" smtClean="0"/>
-              <a:t>2024-10-18</a:t>
+              <a:t>2024-10-21</a:t>
             </a:fld>
             <a:endParaRPr lang="ko-KR" altLang="en-US"/>
           </a:p>
@@ -2393,7 +2394,7 @@
           <a:p>
             <a:fld id="{9DC0FBBE-1B54-474B-A1EF-57FEDE0B6A08}" type="datetimeFigureOut">
               <a:rPr lang="ko-KR" altLang="en-US" smtClean="0"/>
-              <a:t>2024-10-18</a:t>
+              <a:t>2024-10-21</a:t>
             </a:fld>
             <a:endParaRPr lang="ko-KR" altLang="en-US"/>
           </a:p>
@@ -2681,7 +2682,7 @@
           <a:p>
             <a:fld id="{9DC0FBBE-1B54-474B-A1EF-57FEDE0B6A08}" type="datetimeFigureOut">
               <a:rPr lang="ko-KR" altLang="en-US" smtClean="0"/>
-              <a:t>2024-10-18</a:t>
+              <a:t>2024-10-21</a:t>
             </a:fld>
             <a:endParaRPr lang="ko-KR" altLang="en-US"/>
           </a:p>
@@ -2922,7 +2923,7 @@
           <a:p>
             <a:fld id="{9DC0FBBE-1B54-474B-A1EF-57FEDE0B6A08}" type="datetimeFigureOut">
               <a:rPr lang="ko-KR" altLang="en-US" smtClean="0"/>
-              <a:t>2024-10-18</a:t>
+              <a:t>2024-10-21</a:t>
             </a:fld>
             <a:endParaRPr lang="ko-KR" altLang="en-US"/>
           </a:p>
@@ -5905,6 +5906,844 @@
 </file>
 
 <file path=ppt/slides/slide12.xml><?xml version="1.0" encoding="utf-8"?>
+<p:sld xmlns:a="http://schemas.openxmlformats.org/drawingml/2006/main" xmlns:r="http://schemas.openxmlformats.org/officeDocument/2006/relationships" xmlns:p="http://schemas.openxmlformats.org/presentationml/2006/main">
+  <p:cSld>
+    <p:spTree>
+      <p:nvGrpSpPr>
+        <p:cNvPr id="1" name=""/>
+        <p:cNvGrpSpPr/>
+        <p:nvPr/>
+      </p:nvGrpSpPr>
+      <p:grpSpPr>
+        <a:xfrm>
+          <a:off x="0" y="0"/>
+          <a:ext cx="0" cy="0"/>
+          <a:chOff x="0" y="0"/>
+          <a:chExt cx="0" cy="0"/>
+        </a:xfrm>
+      </p:grpSpPr>
+      <p:pic>
+        <p:nvPicPr>
+          <p:cNvPr id="5" name="그림 4">
+            <a:extLst>
+              <a:ext uri="{FF2B5EF4-FFF2-40B4-BE49-F238E27FC236}">
+                <a16:creationId xmlns:a16="http://schemas.microsoft.com/office/drawing/2014/main" id="{3B02F0E6-B161-461F-2D20-B22240FF5FA9}"/>
+              </a:ext>
+            </a:extLst>
+          </p:cNvPr>
+          <p:cNvPicPr>
+            <a:picLocks noChangeAspect="1"/>
+          </p:cNvPicPr>
+          <p:nvPr/>
+        </p:nvPicPr>
+        <p:blipFill>
+          <a:blip r:embed="rId2">
+            <a:extLst>
+              <a:ext uri="{28A0092B-C50C-407E-A947-70E740481C1C}">
+                <a14:useLocalDpi xmlns:a14="http://schemas.microsoft.com/office/drawing/2010/main" val="0"/>
+              </a:ext>
+            </a:extLst>
+          </a:blip>
+          <a:srcRect/>
+          <a:stretch/>
+        </p:blipFill>
+        <p:spPr>
+          <a:xfrm>
+            <a:off x="-12569" y="115533"/>
+            <a:ext cx="12191999" cy="6667500"/>
+          </a:xfrm>
+          <a:prstGeom prst="rect">
+            <a:avLst/>
+          </a:prstGeom>
+        </p:spPr>
+      </p:pic>
+      <p:sp>
+        <p:nvSpPr>
+          <p:cNvPr id="6" name="TextBox 5">
+            <a:extLst>
+              <a:ext uri="{FF2B5EF4-FFF2-40B4-BE49-F238E27FC236}">
+                <a16:creationId xmlns:a16="http://schemas.microsoft.com/office/drawing/2014/main" id="{5D8C1D6F-8842-AF61-A0C7-197CF47112DF}"/>
+              </a:ext>
+            </a:extLst>
+          </p:cNvPr>
+          <p:cNvSpPr txBox="1"/>
+          <p:nvPr/>
+        </p:nvSpPr>
+        <p:spPr>
+          <a:xfrm>
+            <a:off x="4205289" y="4356378"/>
+            <a:ext cx="1371539" cy="184666"/>
+          </a:xfrm>
+          <a:prstGeom prst="rect">
+            <a:avLst/>
+          </a:prstGeom>
+          <a:noFill/>
+        </p:spPr>
+        <p:txBody>
+          <a:bodyPr wrap="square" rtlCol="0">
+            <a:spAutoFit/>
+          </a:bodyPr>
+          <a:lstStyle/>
+          <a:p>
+            <a:r>
+              <a:rPr lang="ko-KR" altLang="en-US" sz="600" dirty="0" err="1">
+                <a:solidFill>
+                  <a:srgbClr val="FF00FF"/>
+                </a:solidFill>
+              </a:rPr>
+              <a:t>레빗</a:t>
+            </a:r>
+            <a:r>
+              <a:rPr lang="ko-KR" altLang="en-US" sz="600" dirty="0">
+                <a:solidFill>
+                  <a:srgbClr val="FF00FF"/>
+                </a:solidFill>
+              </a:rPr>
+              <a:t> 패밀리 선택 시 연동</a:t>
+            </a:r>
+          </a:p>
+        </p:txBody>
+      </p:sp>
+      <p:sp>
+        <p:nvSpPr>
+          <p:cNvPr id="8" name="사각형: 둥근 모서리 7">
+            <a:extLst>
+              <a:ext uri="{FF2B5EF4-FFF2-40B4-BE49-F238E27FC236}">
+                <a16:creationId xmlns:a16="http://schemas.microsoft.com/office/drawing/2014/main" id="{5B37909F-50C3-D2F8-778E-4DDB23A41113}"/>
+              </a:ext>
+            </a:extLst>
+          </p:cNvPr>
+          <p:cNvSpPr/>
+          <p:nvPr/>
+        </p:nvSpPr>
+        <p:spPr>
+          <a:xfrm>
+            <a:off x="3762377" y="4414838"/>
+            <a:ext cx="442912" cy="252412"/>
+          </a:xfrm>
+          <a:prstGeom prst="roundRect">
+            <a:avLst/>
+          </a:prstGeom>
+          <a:noFill/>
+          <a:ln w="12700">
+            <a:solidFill>
+              <a:srgbClr val="FF00FF"/>
+            </a:solidFill>
+            <a:prstDash val="dash"/>
+            <a:headEnd type="oval"/>
+            <a:tailEnd type="oval"/>
+          </a:ln>
+        </p:spPr>
+        <p:style>
+          <a:lnRef idx="2">
+            <a:schemeClr val="accent1">
+              <a:shade val="15000"/>
+            </a:schemeClr>
+          </a:lnRef>
+          <a:fillRef idx="1">
+            <a:schemeClr val="accent1"/>
+          </a:fillRef>
+          <a:effectRef idx="0">
+            <a:schemeClr val="accent1"/>
+          </a:effectRef>
+          <a:fontRef idx="minor">
+            <a:schemeClr val="lt1"/>
+          </a:fontRef>
+        </p:style>
+        <p:txBody>
+          <a:bodyPr rtlCol="0" anchor="ctr"/>
+          <a:lstStyle/>
+          <a:p>
+            <a:pPr algn="ctr"/>
+            <a:endParaRPr lang="ko-KR" altLang="en-US"/>
+          </a:p>
+        </p:txBody>
+      </p:sp>
+      <p:sp>
+        <p:nvSpPr>
+          <p:cNvPr id="7" name="자유형: 도형 6">
+            <a:extLst>
+              <a:ext uri="{FF2B5EF4-FFF2-40B4-BE49-F238E27FC236}">
+                <a16:creationId xmlns:a16="http://schemas.microsoft.com/office/drawing/2014/main" id="{358C6393-9220-749F-8665-AC5274416026}"/>
+              </a:ext>
+            </a:extLst>
+          </p:cNvPr>
+          <p:cNvSpPr/>
+          <p:nvPr/>
+        </p:nvSpPr>
+        <p:spPr>
+          <a:xfrm>
+            <a:off x="4205289" y="3361765"/>
+            <a:ext cx="5395911" cy="1183341"/>
+          </a:xfrm>
+          <a:custGeom>
+            <a:avLst/>
+            <a:gdLst>
+              <a:gd name="connsiteX0" fmla="*/ 0 w 4096871"/>
+              <a:gd name="connsiteY0" fmla="*/ 1183341 h 1183341"/>
+              <a:gd name="connsiteX1" fmla="*/ 2268071 w 4096871"/>
+              <a:gd name="connsiteY1" fmla="*/ 1183341 h 1183341"/>
+              <a:gd name="connsiteX2" fmla="*/ 2268071 w 4096871"/>
+              <a:gd name="connsiteY2" fmla="*/ 0 h 1183341"/>
+              <a:gd name="connsiteX3" fmla="*/ 4096871 w 4096871"/>
+              <a:gd name="connsiteY3" fmla="*/ 0 h 1183341"/>
+            </a:gdLst>
+            <a:ahLst/>
+            <a:cxnLst>
+              <a:cxn ang="0">
+                <a:pos x="connsiteX0" y="connsiteY0"/>
+              </a:cxn>
+              <a:cxn ang="0">
+                <a:pos x="connsiteX1" y="connsiteY1"/>
+              </a:cxn>
+              <a:cxn ang="0">
+                <a:pos x="connsiteX2" y="connsiteY2"/>
+              </a:cxn>
+              <a:cxn ang="0">
+                <a:pos x="connsiteX3" y="connsiteY3"/>
+              </a:cxn>
+            </a:cxnLst>
+            <a:rect l="l" t="t" r="r" b="b"/>
+            <a:pathLst>
+              <a:path w="4096871" h="1183341">
+                <a:moveTo>
+                  <a:pt x="0" y="1183341"/>
+                </a:moveTo>
+                <a:lnTo>
+                  <a:pt x="2268071" y="1183341"/>
+                </a:lnTo>
+                <a:lnTo>
+                  <a:pt x="2268071" y="0"/>
+                </a:lnTo>
+                <a:lnTo>
+                  <a:pt x="4096871" y="0"/>
+                </a:lnTo>
+              </a:path>
+            </a:pathLst>
+          </a:custGeom>
+          <a:noFill/>
+          <a:ln w="12700">
+            <a:solidFill>
+              <a:srgbClr val="FF00FF"/>
+            </a:solidFill>
+            <a:prstDash val="dash"/>
+            <a:headEnd type="oval"/>
+            <a:tailEnd type="oval"/>
+          </a:ln>
+        </p:spPr>
+        <p:style>
+          <a:lnRef idx="2">
+            <a:schemeClr val="accent1">
+              <a:shade val="15000"/>
+            </a:schemeClr>
+          </a:lnRef>
+          <a:fillRef idx="1">
+            <a:schemeClr val="accent1"/>
+          </a:fillRef>
+          <a:effectRef idx="0">
+            <a:schemeClr val="accent1"/>
+          </a:effectRef>
+          <a:fontRef idx="minor">
+            <a:schemeClr val="lt1"/>
+          </a:fontRef>
+        </p:style>
+        <p:txBody>
+          <a:bodyPr rtlCol="0" anchor="ctr"/>
+          <a:lstStyle/>
+          <a:p>
+            <a:pPr algn="ctr"/>
+            <a:endParaRPr lang="ko-KR" altLang="en-US"/>
+          </a:p>
+        </p:txBody>
+      </p:sp>
+      <p:pic>
+        <p:nvPicPr>
+          <p:cNvPr id="14" name="그림 13">
+            <a:extLst>
+              <a:ext uri="{FF2B5EF4-FFF2-40B4-BE49-F238E27FC236}">
+                <a16:creationId xmlns:a16="http://schemas.microsoft.com/office/drawing/2014/main" id="{A06E0CD7-D26D-9E91-B7F6-7AD70591E2CD}"/>
+              </a:ext>
+            </a:extLst>
+          </p:cNvPr>
+          <p:cNvPicPr>
+            <a:picLocks noChangeAspect="1"/>
+          </p:cNvPicPr>
+          <p:nvPr/>
+        </p:nvPicPr>
+        <p:blipFill>
+          <a:blip r:embed="rId3"/>
+          <a:stretch>
+            <a:fillRect/>
+          </a:stretch>
+        </p:blipFill>
+        <p:spPr>
+          <a:xfrm>
+            <a:off x="4657607" y="91188"/>
+            <a:ext cx="7535327" cy="1762371"/>
+          </a:xfrm>
+          <a:prstGeom prst="rect">
+            <a:avLst/>
+          </a:prstGeom>
+        </p:spPr>
+      </p:pic>
+      <p:cxnSp>
+        <p:nvCxnSpPr>
+          <p:cNvPr id="16" name="직선 연결선 15">
+            <a:extLst>
+              <a:ext uri="{FF2B5EF4-FFF2-40B4-BE49-F238E27FC236}">
+                <a16:creationId xmlns:a16="http://schemas.microsoft.com/office/drawing/2014/main" id="{A244DFA3-23D4-2054-2B96-D97C9051B983}"/>
+              </a:ext>
+            </a:extLst>
+          </p:cNvPr>
+          <p:cNvCxnSpPr>
+            <a:cxnSpLocks/>
+          </p:cNvCxnSpPr>
+          <p:nvPr/>
+        </p:nvCxnSpPr>
+        <p:spPr>
+          <a:xfrm flipV="1">
+            <a:off x="4110087" y="156322"/>
+            <a:ext cx="546585" cy="987799"/>
+          </a:xfrm>
+          <a:prstGeom prst="line">
+            <a:avLst/>
+          </a:prstGeom>
+          <a:noFill/>
+          <a:ln>
+            <a:solidFill>
+              <a:srgbClr val="FF00FF"/>
+            </a:solidFill>
+            <a:prstDash val="dash"/>
+          </a:ln>
+        </p:spPr>
+        <p:style>
+          <a:lnRef idx="2">
+            <a:schemeClr val="accent1">
+              <a:shade val="15000"/>
+            </a:schemeClr>
+          </a:lnRef>
+          <a:fillRef idx="1">
+            <a:schemeClr val="accent1"/>
+          </a:fillRef>
+          <a:effectRef idx="0">
+            <a:schemeClr val="accent1"/>
+          </a:effectRef>
+          <a:fontRef idx="minor">
+            <a:schemeClr val="lt1"/>
+          </a:fontRef>
+        </p:style>
+      </p:cxnSp>
+      <p:cxnSp>
+        <p:nvCxnSpPr>
+          <p:cNvPr id="17" name="직선 연결선 16">
+            <a:extLst>
+              <a:ext uri="{FF2B5EF4-FFF2-40B4-BE49-F238E27FC236}">
+                <a16:creationId xmlns:a16="http://schemas.microsoft.com/office/drawing/2014/main" id="{FE056547-54B4-4A60-A9F1-364006AAEFC7}"/>
+              </a:ext>
+            </a:extLst>
+          </p:cNvPr>
+          <p:cNvCxnSpPr>
+            <a:cxnSpLocks/>
+          </p:cNvCxnSpPr>
+          <p:nvPr/>
+        </p:nvCxnSpPr>
+        <p:spPr>
+          <a:xfrm>
+            <a:off x="4110087" y="1266265"/>
+            <a:ext cx="546585" cy="584386"/>
+          </a:xfrm>
+          <a:prstGeom prst="line">
+            <a:avLst/>
+          </a:prstGeom>
+          <a:noFill/>
+          <a:ln>
+            <a:solidFill>
+              <a:srgbClr val="FF00FF"/>
+            </a:solidFill>
+            <a:prstDash val="dash"/>
+          </a:ln>
+        </p:spPr>
+        <p:style>
+          <a:lnRef idx="2">
+            <a:schemeClr val="accent1">
+              <a:shade val="15000"/>
+            </a:schemeClr>
+          </a:lnRef>
+          <a:fillRef idx="1">
+            <a:schemeClr val="accent1"/>
+          </a:fillRef>
+          <a:effectRef idx="0">
+            <a:schemeClr val="accent1"/>
+          </a:effectRef>
+          <a:fontRef idx="minor">
+            <a:schemeClr val="lt1"/>
+          </a:fontRef>
+        </p:style>
+      </p:cxnSp>
+      <p:sp>
+        <p:nvSpPr>
+          <p:cNvPr id="20" name="TextBox 19">
+            <a:extLst>
+              <a:ext uri="{FF2B5EF4-FFF2-40B4-BE49-F238E27FC236}">
+                <a16:creationId xmlns:a16="http://schemas.microsoft.com/office/drawing/2014/main" id="{A37DDABF-A409-F6EE-8486-9E8F6BF324BD}"/>
+              </a:ext>
+            </a:extLst>
+          </p:cNvPr>
+          <p:cNvSpPr txBox="1"/>
+          <p:nvPr/>
+        </p:nvSpPr>
+        <p:spPr>
+          <a:xfrm>
+            <a:off x="8487106" y="207967"/>
+            <a:ext cx="1371539" cy="184666"/>
+          </a:xfrm>
+          <a:prstGeom prst="rect">
+            <a:avLst/>
+          </a:prstGeom>
+          <a:noFill/>
+        </p:spPr>
+        <p:txBody>
+          <a:bodyPr wrap="square" rtlCol="0">
+            <a:spAutoFit/>
+          </a:bodyPr>
+          <a:lstStyle/>
+          <a:p>
+            <a:r>
+              <a:rPr lang="en-US" altLang="ko-KR" sz="600" dirty="0">
+                <a:solidFill>
+                  <a:srgbClr val="FF00FF"/>
+                </a:solidFill>
+              </a:rPr>
+              <a:t>(</a:t>
+            </a:r>
+            <a:r>
+              <a:rPr lang="ko-KR" altLang="en-US" sz="600" dirty="0">
+                <a:solidFill>
+                  <a:srgbClr val="FF00FF"/>
+                </a:solidFill>
+              </a:rPr>
+              <a:t>더블클릭 새 창</a:t>
+            </a:r>
+            <a:r>
+              <a:rPr lang="en-US" altLang="ko-KR" sz="600" dirty="0">
+                <a:solidFill>
+                  <a:srgbClr val="FF00FF"/>
+                </a:solidFill>
+              </a:rPr>
+              <a:t>)</a:t>
+            </a:r>
+            <a:endParaRPr lang="ko-KR" altLang="en-US" sz="600" dirty="0">
+              <a:solidFill>
+                <a:srgbClr val="FF00FF"/>
+              </a:solidFill>
+            </a:endParaRPr>
+          </a:p>
+        </p:txBody>
+      </p:sp>
+      <p:sp>
+        <p:nvSpPr>
+          <p:cNvPr id="21" name="직사각형 20">
+            <a:extLst>
+              <a:ext uri="{FF2B5EF4-FFF2-40B4-BE49-F238E27FC236}">
+                <a16:creationId xmlns:a16="http://schemas.microsoft.com/office/drawing/2014/main" id="{8DE5E0EF-C3B3-9B8C-2F1B-2A5DBE7CEC5C}"/>
+              </a:ext>
+            </a:extLst>
+          </p:cNvPr>
+          <p:cNvSpPr/>
+          <p:nvPr/>
+        </p:nvSpPr>
+        <p:spPr>
+          <a:xfrm>
+            <a:off x="4919662" y="704850"/>
+            <a:ext cx="785813" cy="114300"/>
+          </a:xfrm>
+          <a:prstGeom prst="rect">
+            <a:avLst/>
+          </a:prstGeom>
+          <a:solidFill>
+            <a:schemeClr val="bg1"/>
+          </a:solidFill>
+          <a:ln>
+            <a:noFill/>
+          </a:ln>
+        </p:spPr>
+        <p:style>
+          <a:lnRef idx="2">
+            <a:schemeClr val="accent1">
+              <a:shade val="15000"/>
+            </a:schemeClr>
+          </a:lnRef>
+          <a:fillRef idx="1">
+            <a:schemeClr val="accent1"/>
+          </a:fillRef>
+          <a:effectRef idx="0">
+            <a:schemeClr val="accent1"/>
+          </a:effectRef>
+          <a:fontRef idx="minor">
+            <a:schemeClr val="lt1"/>
+          </a:fontRef>
+        </p:style>
+        <p:txBody>
+          <a:bodyPr rtlCol="0" anchor="ctr"/>
+          <a:lstStyle/>
+          <a:p>
+            <a:r>
+              <a:rPr lang="ko-KR" altLang="en-US" sz="500" dirty="0">
+                <a:solidFill>
+                  <a:schemeClr val="tx1"/>
+                </a:solidFill>
+              </a:rPr>
+              <a:t>공통</a:t>
+            </a:r>
+            <a:r>
+              <a:rPr lang="en-US" altLang="ko-KR" sz="500" dirty="0">
+                <a:solidFill>
+                  <a:schemeClr val="tx1"/>
+                </a:solidFill>
+              </a:rPr>
+              <a:t>_</a:t>
+            </a:r>
+            <a:r>
+              <a:rPr lang="ko-KR" altLang="en-US" sz="500" dirty="0">
+                <a:solidFill>
+                  <a:schemeClr val="tx1"/>
+                </a:solidFill>
+              </a:rPr>
+              <a:t>콘크리트</a:t>
+            </a:r>
+            <a:r>
+              <a:rPr lang="en-US" altLang="ko-KR" sz="500" dirty="0">
+                <a:solidFill>
+                  <a:schemeClr val="tx1"/>
+                </a:solidFill>
+              </a:rPr>
+              <a:t>-</a:t>
+            </a:r>
+            <a:r>
+              <a:rPr lang="ko-KR" altLang="en-US" sz="500" dirty="0">
+                <a:solidFill>
+                  <a:schemeClr val="tx1"/>
+                </a:solidFill>
+              </a:rPr>
+              <a:t>지상</a:t>
+            </a:r>
+          </a:p>
+        </p:txBody>
+      </p:sp>
+      <p:sp>
+        <p:nvSpPr>
+          <p:cNvPr id="22" name="직사각형 21">
+            <a:extLst>
+              <a:ext uri="{FF2B5EF4-FFF2-40B4-BE49-F238E27FC236}">
+                <a16:creationId xmlns:a16="http://schemas.microsoft.com/office/drawing/2014/main" id="{D9DF2783-4985-C870-7614-E2806695D4DE}"/>
+              </a:ext>
+            </a:extLst>
+          </p:cNvPr>
+          <p:cNvSpPr/>
+          <p:nvPr/>
+        </p:nvSpPr>
+        <p:spPr>
+          <a:xfrm>
+            <a:off x="2001052" y="1736351"/>
+            <a:ext cx="751674" cy="114300"/>
+          </a:xfrm>
+          <a:prstGeom prst="rect">
+            <a:avLst/>
+          </a:prstGeom>
+          <a:solidFill>
+            <a:schemeClr val="bg1"/>
+          </a:solidFill>
+          <a:ln>
+            <a:noFill/>
+          </a:ln>
+        </p:spPr>
+        <p:style>
+          <a:lnRef idx="2">
+            <a:schemeClr val="accent1">
+              <a:shade val="15000"/>
+            </a:schemeClr>
+          </a:lnRef>
+          <a:fillRef idx="1">
+            <a:schemeClr val="accent1"/>
+          </a:fillRef>
+          <a:effectRef idx="0">
+            <a:schemeClr val="accent1"/>
+          </a:effectRef>
+          <a:fontRef idx="minor">
+            <a:schemeClr val="lt1"/>
+          </a:fontRef>
+        </p:style>
+        <p:txBody>
+          <a:bodyPr rtlCol="0" anchor="ctr"/>
+          <a:lstStyle/>
+          <a:p>
+            <a:r>
+              <a:rPr lang="ko-KR" altLang="en-US" sz="500" dirty="0">
+                <a:solidFill>
+                  <a:schemeClr val="tx1"/>
+                </a:solidFill>
+              </a:rPr>
+              <a:t>공통</a:t>
+            </a:r>
+            <a:r>
+              <a:rPr lang="en-US" altLang="ko-KR" sz="500" dirty="0">
+                <a:solidFill>
+                  <a:schemeClr val="tx1"/>
+                </a:solidFill>
+              </a:rPr>
+              <a:t>_</a:t>
+            </a:r>
+            <a:r>
+              <a:rPr lang="ko-KR" altLang="en-US" sz="500" dirty="0">
+                <a:solidFill>
+                  <a:schemeClr val="tx1"/>
+                </a:solidFill>
+              </a:rPr>
+              <a:t>콘크리트</a:t>
+            </a:r>
+            <a:r>
+              <a:rPr lang="en-US" altLang="ko-KR" sz="500" dirty="0">
+                <a:solidFill>
+                  <a:schemeClr val="tx1"/>
+                </a:solidFill>
+              </a:rPr>
+              <a:t>-</a:t>
+            </a:r>
+            <a:r>
+              <a:rPr lang="ko-KR" altLang="en-US" sz="500" dirty="0">
+                <a:solidFill>
+                  <a:schemeClr val="tx1"/>
+                </a:solidFill>
+              </a:rPr>
+              <a:t>지상</a:t>
+            </a:r>
+          </a:p>
+        </p:txBody>
+      </p:sp>
+      <p:sp>
+        <p:nvSpPr>
+          <p:cNvPr id="23" name="자유형: 도형 22">
+            <a:extLst>
+              <a:ext uri="{FF2B5EF4-FFF2-40B4-BE49-F238E27FC236}">
+                <a16:creationId xmlns:a16="http://schemas.microsoft.com/office/drawing/2014/main" id="{C10381FB-D601-42E2-7F97-E686E6B9A469}"/>
+              </a:ext>
+            </a:extLst>
+          </p:cNvPr>
+          <p:cNvSpPr/>
+          <p:nvPr/>
+        </p:nvSpPr>
+        <p:spPr>
+          <a:xfrm>
+            <a:off x="2688910" y="788781"/>
+            <a:ext cx="2217248" cy="987799"/>
+          </a:xfrm>
+          <a:custGeom>
+            <a:avLst/>
+            <a:gdLst>
+              <a:gd name="connsiteX0" fmla="*/ 0 w 4096871"/>
+              <a:gd name="connsiteY0" fmla="*/ 1183341 h 1183341"/>
+              <a:gd name="connsiteX1" fmla="*/ 2268071 w 4096871"/>
+              <a:gd name="connsiteY1" fmla="*/ 1183341 h 1183341"/>
+              <a:gd name="connsiteX2" fmla="*/ 2268071 w 4096871"/>
+              <a:gd name="connsiteY2" fmla="*/ 0 h 1183341"/>
+              <a:gd name="connsiteX3" fmla="*/ 4096871 w 4096871"/>
+              <a:gd name="connsiteY3" fmla="*/ 0 h 1183341"/>
+            </a:gdLst>
+            <a:ahLst/>
+            <a:cxnLst>
+              <a:cxn ang="0">
+                <a:pos x="connsiteX0" y="connsiteY0"/>
+              </a:cxn>
+              <a:cxn ang="0">
+                <a:pos x="connsiteX1" y="connsiteY1"/>
+              </a:cxn>
+              <a:cxn ang="0">
+                <a:pos x="connsiteX2" y="connsiteY2"/>
+              </a:cxn>
+              <a:cxn ang="0">
+                <a:pos x="connsiteX3" y="connsiteY3"/>
+              </a:cxn>
+            </a:cxnLst>
+            <a:rect l="l" t="t" r="r" b="b"/>
+            <a:pathLst>
+              <a:path w="4096871" h="1183341">
+                <a:moveTo>
+                  <a:pt x="0" y="1183341"/>
+                </a:moveTo>
+                <a:lnTo>
+                  <a:pt x="2268071" y="1183341"/>
+                </a:lnTo>
+                <a:lnTo>
+                  <a:pt x="2268071" y="0"/>
+                </a:lnTo>
+                <a:lnTo>
+                  <a:pt x="4096871" y="0"/>
+                </a:lnTo>
+              </a:path>
+            </a:pathLst>
+          </a:custGeom>
+          <a:noFill/>
+          <a:ln w="12700">
+            <a:solidFill>
+              <a:srgbClr val="FF00FF"/>
+            </a:solidFill>
+            <a:prstDash val="dash"/>
+            <a:headEnd type="oval"/>
+            <a:tailEnd type="oval"/>
+          </a:ln>
+        </p:spPr>
+        <p:style>
+          <a:lnRef idx="2">
+            <a:schemeClr val="accent1">
+              <a:shade val="15000"/>
+            </a:schemeClr>
+          </a:lnRef>
+          <a:fillRef idx="1">
+            <a:schemeClr val="accent1"/>
+          </a:fillRef>
+          <a:effectRef idx="0">
+            <a:schemeClr val="accent1"/>
+          </a:effectRef>
+          <a:fontRef idx="minor">
+            <a:schemeClr val="lt1"/>
+          </a:fontRef>
+        </p:style>
+        <p:txBody>
+          <a:bodyPr rtlCol="0" anchor="ctr"/>
+          <a:lstStyle/>
+          <a:p>
+            <a:pPr algn="ctr"/>
+            <a:endParaRPr lang="ko-KR" altLang="en-US"/>
+          </a:p>
+        </p:txBody>
+      </p:sp>
+      <p:sp>
+        <p:nvSpPr>
+          <p:cNvPr id="24" name="TextBox 23">
+            <a:extLst>
+              <a:ext uri="{FF2B5EF4-FFF2-40B4-BE49-F238E27FC236}">
+                <a16:creationId xmlns:a16="http://schemas.microsoft.com/office/drawing/2014/main" id="{41A7C47E-402D-668E-E518-B494AC6D6F84}"/>
+              </a:ext>
+            </a:extLst>
+          </p:cNvPr>
+          <p:cNvSpPr txBox="1"/>
+          <p:nvPr/>
+        </p:nvSpPr>
+        <p:spPr>
+          <a:xfrm>
+            <a:off x="3111764" y="600053"/>
+            <a:ext cx="1371539" cy="184666"/>
+          </a:xfrm>
+          <a:prstGeom prst="rect">
+            <a:avLst/>
+          </a:prstGeom>
+          <a:noFill/>
+        </p:spPr>
+        <p:txBody>
+          <a:bodyPr wrap="square" rtlCol="0">
+            <a:spAutoFit/>
+          </a:bodyPr>
+          <a:lstStyle/>
+          <a:p>
+            <a:r>
+              <a:rPr lang="ko-KR" altLang="en-US" sz="600" dirty="0">
+                <a:solidFill>
+                  <a:srgbClr val="FF00FF"/>
+                </a:solidFill>
+              </a:rPr>
+              <a:t>자동 </a:t>
+            </a:r>
+            <a:r>
+              <a:rPr lang="ko-KR" altLang="en-US" sz="600" dirty="0" err="1">
+                <a:solidFill>
+                  <a:srgbClr val="FF00FF"/>
+                </a:solidFill>
+              </a:rPr>
+              <a:t>값변경</a:t>
+            </a:r>
+            <a:r>
+              <a:rPr lang="ko-KR" altLang="en-US" sz="600" dirty="0">
+                <a:solidFill>
+                  <a:srgbClr val="FF00FF"/>
+                </a:solidFill>
+              </a:rPr>
+              <a:t> 업데이트</a:t>
+            </a:r>
+          </a:p>
+        </p:txBody>
+      </p:sp>
+      <p:sp>
+        <p:nvSpPr>
+          <p:cNvPr id="25" name="사각형: 둥근 모서리 24">
+            <a:extLst>
+              <a:ext uri="{FF2B5EF4-FFF2-40B4-BE49-F238E27FC236}">
+                <a16:creationId xmlns:a16="http://schemas.microsoft.com/office/drawing/2014/main" id="{6B833975-159D-9D11-D35B-020CD92F3E4B}"/>
+              </a:ext>
+            </a:extLst>
+          </p:cNvPr>
+          <p:cNvSpPr/>
+          <p:nvPr/>
+        </p:nvSpPr>
+        <p:spPr>
+          <a:xfrm>
+            <a:off x="9465076" y="300401"/>
+            <a:ext cx="1300334" cy="184666"/>
+          </a:xfrm>
+          <a:prstGeom prst="roundRect">
+            <a:avLst/>
+          </a:prstGeom>
+          <a:solidFill>
+            <a:schemeClr val="bg2">
+              <a:lumMod val="90000"/>
+            </a:schemeClr>
+          </a:solidFill>
+        </p:spPr>
+        <p:style>
+          <a:lnRef idx="2">
+            <a:schemeClr val="accent1">
+              <a:shade val="15000"/>
+            </a:schemeClr>
+          </a:lnRef>
+          <a:fillRef idx="1">
+            <a:schemeClr val="accent1"/>
+          </a:fillRef>
+          <a:effectRef idx="0">
+            <a:schemeClr val="accent1"/>
+          </a:effectRef>
+          <a:fontRef idx="minor">
+            <a:schemeClr val="lt1"/>
+          </a:fontRef>
+        </p:style>
+        <p:txBody>
+          <a:bodyPr rtlCol="0" anchor="ctr"/>
+          <a:lstStyle/>
+          <a:p>
+            <a:pPr algn="ctr"/>
+            <a:r>
+              <a:rPr lang="ko-KR" altLang="en-US" sz="900" dirty="0">
+                <a:solidFill>
+                  <a:schemeClr val="tx1"/>
+                </a:solidFill>
+              </a:rPr>
+              <a:t>전역 업데이트</a:t>
+            </a:r>
+          </a:p>
+        </p:txBody>
+      </p:sp>
+    </p:spTree>
+    <p:extLst>
+      <p:ext uri="{BB962C8B-B14F-4D97-AF65-F5344CB8AC3E}">
+        <p14:creationId xmlns:p14="http://schemas.microsoft.com/office/powerpoint/2010/main" val="3688447672"/>
+      </p:ext>
+    </p:extLst>
+  </p:cSld>
+  <p:clrMapOvr>
+    <a:masterClrMapping/>
+  </p:clrMapOvr>
+</p:sld>
+</file>
+
+<file path=ppt/slides/slide13.xml><?xml version="1.0" encoding="utf-8"?>
 <p:sld xmlns:a="http://schemas.openxmlformats.org/drawingml/2006/main" xmlns:r="http://schemas.openxmlformats.org/officeDocument/2006/relationships" xmlns:p="http://schemas.openxmlformats.org/presentationml/2006/main">
   <p:cSld>
     <p:spTree>
@@ -12175,7 +13014,7 @@
 </p:sld>
 </file>
 
-<file path=ppt/slides/slide13.xml><?xml version="1.0" encoding="utf-8"?>
+<file path=ppt/slides/slide14.xml><?xml version="1.0" encoding="utf-8"?>
 <p:sld xmlns:a="http://schemas.openxmlformats.org/drawingml/2006/main" xmlns:r="http://schemas.openxmlformats.org/officeDocument/2006/relationships" xmlns:p="http://schemas.openxmlformats.org/presentationml/2006/main">
   <p:cSld>
     <p:spTree>
@@ -12534,7 +13373,7 @@
 </p:sld>
 </file>
 
-<file path=ppt/slides/slide14.xml><?xml version="1.0" encoding="utf-8"?>
+<file path=ppt/slides/slide15.xml><?xml version="1.0" encoding="utf-8"?>
 <p:sld xmlns:a="http://schemas.openxmlformats.org/drawingml/2006/main" xmlns:r="http://schemas.openxmlformats.org/officeDocument/2006/relationships" xmlns:p="http://schemas.openxmlformats.org/presentationml/2006/main">
   <p:cSld>
     <p:spTree>

--- a/H_FamilyList_FP/화면정의서.pptx
+++ b/H_FamilyList_FP/화면정의서.pptx
@@ -15,7 +15,7 @@
     <p:sldId id="262" r:id="rId9"/>
     <p:sldId id="267" r:id="rId10"/>
     <p:sldId id="268" r:id="rId11"/>
-    <p:sldId id="259" r:id="rId12"/>
+    <p:sldId id="271" r:id="rId12"/>
     <p:sldId id="270" r:id="rId13"/>
     <p:sldId id="264" r:id="rId14"/>
     <p:sldId id="265" r:id="rId15"/>
@@ -5457,10 +5457,10 @@
       </p:grpSpPr>
       <p:pic>
         <p:nvPicPr>
-          <p:cNvPr id="3" name="그림 2">
+          <p:cNvPr id="5" name="그림 4">
             <a:extLst>
               <a:ext uri="{FF2B5EF4-FFF2-40B4-BE49-F238E27FC236}">
-                <a16:creationId xmlns:a16="http://schemas.microsoft.com/office/drawing/2014/main" id="{52650822-CBB3-2940-589A-6B8A6E5351FF}"/>
+                <a16:creationId xmlns:a16="http://schemas.microsoft.com/office/drawing/2014/main" id="{F8981BA2-8386-D187-AB99-185EBFF63088}"/>
               </a:ext>
             </a:extLst>
           </p:cNvPr>
@@ -5470,20 +5470,15 @@
           <p:nvPr/>
         </p:nvPicPr>
         <p:blipFill>
-          <a:blip r:embed="rId2">
-            <a:extLst>
-              <a:ext uri="{28A0092B-C50C-407E-A947-70E740481C1C}">
-                <a14:useLocalDpi xmlns:a14="http://schemas.microsoft.com/office/drawing/2010/main" val="0"/>
-              </a:ext>
-            </a:extLst>
-          </a:blip>
-          <a:srcRect/>
-          <a:stretch/>
+          <a:blip r:embed="rId2"/>
+          <a:stretch>
+            <a:fillRect/>
+          </a:stretch>
         </p:blipFill>
         <p:spPr>
           <a:xfrm>
-            <a:off x="0" y="95250"/>
-            <a:ext cx="12191999" cy="6667500"/>
+            <a:off x="0" y="152400"/>
+            <a:ext cx="12192000" cy="6553200"/>
           </a:xfrm>
           <a:prstGeom prst="rect">
             <a:avLst/>
@@ -5492,10 +5487,10 @@
       </p:pic>
       <p:sp>
         <p:nvSpPr>
-          <p:cNvPr id="9" name="TextBox 8">
+          <p:cNvPr id="6" name="TextBox 5">
             <a:extLst>
               <a:ext uri="{FF2B5EF4-FFF2-40B4-BE49-F238E27FC236}">
-                <a16:creationId xmlns:a16="http://schemas.microsoft.com/office/drawing/2014/main" id="{A54E998A-4BB2-065E-0754-BF4FBDD91B02}"/>
+                <a16:creationId xmlns:a16="http://schemas.microsoft.com/office/drawing/2014/main" id="{4250C27B-CEED-31E9-9FF9-97E120D6B4E7}"/>
               </a:ext>
             </a:extLst>
           </p:cNvPr>
@@ -5504,131 +5499,7 @@
         </p:nvSpPr>
         <p:spPr>
           <a:xfrm>
-            <a:off x="121380" y="1056456"/>
-            <a:ext cx="1343638" cy="184666"/>
-          </a:xfrm>
-          <a:prstGeom prst="rect">
-            <a:avLst/>
-          </a:prstGeom>
-          <a:noFill/>
-        </p:spPr>
-        <p:txBody>
-          <a:bodyPr wrap="none" rtlCol="0">
-            <a:spAutoFit/>
-          </a:bodyPr>
-          <a:lstStyle/>
-          <a:p>
-            <a:r>
-              <a:rPr lang="ko-KR" altLang="en-US" sz="600" dirty="0">
-                <a:solidFill>
-                  <a:srgbClr val="FF00FF"/>
-                </a:solidFill>
-              </a:rPr>
-              <a:t>라벨 </a:t>
-            </a:r>
-            <a:r>
-              <a:rPr lang="ko-KR" altLang="en-US" sz="600" dirty="0" err="1">
-                <a:solidFill>
-                  <a:srgbClr val="FF00FF"/>
-                </a:solidFill>
-              </a:rPr>
-              <a:t>더블클릭시</a:t>
-            </a:r>
-            <a:r>
-              <a:rPr lang="ko-KR" altLang="en-US" sz="600" dirty="0">
-                <a:solidFill>
-                  <a:srgbClr val="FF00FF"/>
-                </a:solidFill>
-              </a:rPr>
-              <a:t> 표준구성도 </a:t>
-            </a:r>
-            <a:r>
-              <a:rPr lang="ko-KR" altLang="en-US" sz="600" dirty="0" err="1">
-                <a:solidFill>
-                  <a:srgbClr val="FF00FF"/>
-                </a:solidFill>
-              </a:rPr>
-              <a:t>새창</a:t>
-            </a:r>
-            <a:endParaRPr lang="ko-KR" altLang="en-US" sz="600" dirty="0">
-              <a:solidFill>
-                <a:srgbClr val="FF00FF"/>
-              </a:solidFill>
-            </a:endParaRPr>
-          </a:p>
-        </p:txBody>
-      </p:sp>
-      <p:sp>
-        <p:nvSpPr>
-          <p:cNvPr id="11" name="직사각형 10">
-            <a:extLst>
-              <a:ext uri="{FF2B5EF4-FFF2-40B4-BE49-F238E27FC236}">
-                <a16:creationId xmlns:a16="http://schemas.microsoft.com/office/drawing/2014/main" id="{CA15E6C1-1C62-7E9D-7617-D83CB5CFC083}"/>
-              </a:ext>
-            </a:extLst>
-          </p:cNvPr>
-          <p:cNvSpPr/>
-          <p:nvPr/>
-        </p:nvSpPr>
-        <p:spPr>
-          <a:xfrm>
-            <a:off x="9206751" y="4509248"/>
-            <a:ext cx="2770096" cy="1088329"/>
-          </a:xfrm>
-          <a:prstGeom prst="rect">
-            <a:avLst/>
-          </a:prstGeom>
-          <a:noFill/>
-          <a:ln>
-            <a:solidFill>
-              <a:srgbClr val="FF00FF"/>
-            </a:solidFill>
-            <a:prstDash val="dash"/>
-          </a:ln>
-        </p:spPr>
-        <p:style>
-          <a:lnRef idx="2">
-            <a:schemeClr val="accent1">
-              <a:shade val="15000"/>
-            </a:schemeClr>
-          </a:lnRef>
-          <a:fillRef idx="1">
-            <a:schemeClr val="accent1"/>
-          </a:fillRef>
-          <a:effectRef idx="0">
-            <a:schemeClr val="accent1"/>
-          </a:effectRef>
-          <a:fontRef idx="minor">
-            <a:schemeClr val="lt1"/>
-          </a:fontRef>
-        </p:style>
-        <p:txBody>
-          <a:bodyPr rtlCol="0" anchor="ctr"/>
-          <a:lstStyle/>
-          <a:p>
-            <a:endParaRPr lang="ko-KR" altLang="en-US" sz="800" dirty="0">
-              <a:solidFill>
-                <a:schemeClr val="tx1"/>
-              </a:solidFill>
-            </a:endParaRPr>
-          </a:p>
-        </p:txBody>
-      </p:sp>
-      <p:sp>
-        <p:nvSpPr>
-          <p:cNvPr id="12" name="TextBox 11">
-            <a:extLst>
-              <a:ext uri="{FF2B5EF4-FFF2-40B4-BE49-F238E27FC236}">
-                <a16:creationId xmlns:a16="http://schemas.microsoft.com/office/drawing/2014/main" id="{8A244539-BFD8-DA8E-67F2-369AF449B915}"/>
-              </a:ext>
-            </a:extLst>
-          </p:cNvPr>
-          <p:cNvSpPr txBox="1"/>
-          <p:nvPr/>
-        </p:nvSpPr>
-        <p:spPr>
-          <a:xfrm>
-            <a:off x="9330003" y="5228040"/>
+            <a:off x="1742016" y="688536"/>
             <a:ext cx="1371539" cy="184666"/>
           </a:xfrm>
           <a:prstGeom prst="rect">
@@ -5643,56 +5514,12 @@
           <a:lstStyle/>
           <a:p>
             <a:r>
-              <a:rPr lang="ko-KR" altLang="en-US" sz="600">
-                <a:solidFill>
-                  <a:srgbClr val="FF00FF"/>
-                </a:solidFill>
-              </a:rPr>
-              <a:t>텍스트 인풋 위젯으로 교체</a:t>
-            </a:r>
-            <a:endParaRPr lang="ko-KR" altLang="en-US" sz="600" dirty="0">
-              <a:solidFill>
-                <a:srgbClr val="FF00FF"/>
-              </a:solidFill>
-            </a:endParaRPr>
-          </a:p>
-        </p:txBody>
-      </p:sp>
-      <p:sp>
-        <p:nvSpPr>
-          <p:cNvPr id="13" name="직사각형 12">
-            <a:extLst>
-              <a:ext uri="{FF2B5EF4-FFF2-40B4-BE49-F238E27FC236}">
-                <a16:creationId xmlns:a16="http://schemas.microsoft.com/office/drawing/2014/main" id="{CAAE8F5A-973F-1D29-49E7-1EF74CC1078F}"/>
-              </a:ext>
-            </a:extLst>
-          </p:cNvPr>
-          <p:cNvSpPr/>
-          <p:nvPr/>
-        </p:nvSpPr>
-        <p:spPr>
-          <a:xfrm>
-            <a:off x="9309848" y="4139710"/>
-            <a:ext cx="2093257" cy="184666"/>
-          </a:xfrm>
-          <a:prstGeom prst="rect">
-            <a:avLst/>
-          </a:prstGeom>
-          <a:noFill/>
-        </p:spPr>
-        <p:txBody>
-          <a:bodyPr wrap="square" rtlCol="0">
-            <a:spAutoFit/>
-          </a:bodyPr>
-          <a:lstStyle/>
-          <a:p>
-            <a:r>
               <a:rPr lang="en-US" altLang="ko-KR" sz="600" dirty="0">
                 <a:solidFill>
                   <a:srgbClr val="FF00FF"/>
                 </a:solidFill>
               </a:rPr>
-              <a:t>Input</a:t>
+              <a:t>“</a:t>
             </a:r>
             <a:r>
               <a:rPr lang="ko-KR" altLang="en-US" sz="600" dirty="0">
@@ -5700,7 +5527,7 @@
                   <a:srgbClr val="FF00FF"/>
                 </a:solidFill>
               </a:rPr>
-              <a:t> </a:t>
+              <a:t>공통 </a:t>
             </a:r>
             <a:r>
               <a:rPr lang="en-US" altLang="ko-KR" sz="600" dirty="0">
@@ -5708,7 +5535,7 @@
                   <a:srgbClr val="FF00FF"/>
                 </a:solidFill>
               </a:rPr>
-              <a:t>Revit</a:t>
+              <a:t>WM </a:t>
             </a:r>
             <a:r>
               <a:rPr lang="ko-KR" altLang="en-US" sz="600" dirty="0">
@@ -5716,7 +5543,7 @@
                   <a:srgbClr val="FF00FF"/>
                 </a:solidFill>
               </a:rPr>
-              <a:t> </a:t>
+              <a:t>입력</a:t>
             </a:r>
             <a:r>
               <a:rPr lang="en-US" altLang="ko-KR" sz="600" dirty="0">
@@ -5724,7 +5551,7 @@
                   <a:srgbClr val="FF00FF"/>
                 </a:solidFill>
               </a:rPr>
-              <a:t>Family Types </a:t>
+              <a:t>“ </a:t>
             </a:r>
             <a:r>
               <a:rPr lang="ko-KR" altLang="en-US" sz="600" dirty="0">
@@ -5732,170 +5559,15 @@
                   <a:srgbClr val="FF00FF"/>
                 </a:solidFill>
               </a:rPr>
-              <a:t>로 라벨 교체</a:t>
-            </a:r>
-          </a:p>
-        </p:txBody>
-      </p:sp>
-      <p:sp>
-        <p:nvSpPr>
-          <p:cNvPr id="15" name="TextBox 14">
-            <a:extLst>
-              <a:ext uri="{FF2B5EF4-FFF2-40B4-BE49-F238E27FC236}">
-                <a16:creationId xmlns:a16="http://schemas.microsoft.com/office/drawing/2014/main" id="{AFADE4C5-84C5-A432-D611-8F9684575681}"/>
-              </a:ext>
-            </a:extLst>
-          </p:cNvPr>
-          <p:cNvSpPr txBox="1"/>
-          <p:nvPr/>
-        </p:nvSpPr>
-        <p:spPr>
-          <a:xfrm>
-            <a:off x="9999850" y="2625957"/>
-            <a:ext cx="652743" cy="184666"/>
-          </a:xfrm>
-          <a:prstGeom prst="rect">
-            <a:avLst/>
-          </a:prstGeom>
-          <a:noFill/>
-        </p:spPr>
-        <p:txBody>
-          <a:bodyPr wrap="none" rtlCol="0">
-            <a:spAutoFit/>
-          </a:bodyPr>
-          <a:lstStyle/>
-          <a:p>
-            <a:r>
-              <a:rPr lang="en-US" altLang="ko-KR" sz="600" dirty="0">
-                <a:solidFill>
-                  <a:srgbClr val="FF00FF"/>
-                </a:solidFill>
-              </a:rPr>
-              <a:t>No</a:t>
-            </a:r>
-            <a:r>
-              <a:rPr lang="ko-KR" altLang="en-US" sz="600" dirty="0">
-                <a:solidFill>
-                  <a:srgbClr val="FF00FF"/>
-                </a:solidFill>
-              </a:rPr>
-              <a:t> 칼럼 삭제</a:t>
-            </a:r>
-          </a:p>
-        </p:txBody>
-      </p:sp>
-      <p:sp>
-        <p:nvSpPr>
-          <p:cNvPr id="16" name="TextBox 15">
-            <a:extLst>
-              <a:ext uri="{FF2B5EF4-FFF2-40B4-BE49-F238E27FC236}">
-                <a16:creationId xmlns:a16="http://schemas.microsoft.com/office/drawing/2014/main" id="{D2BFF101-5247-FED1-69A1-606423C8BEA8}"/>
-              </a:ext>
-            </a:extLst>
-          </p:cNvPr>
-          <p:cNvSpPr txBox="1"/>
-          <p:nvPr/>
-        </p:nvSpPr>
-        <p:spPr>
-          <a:xfrm>
-            <a:off x="2774934" y="1166719"/>
-            <a:ext cx="2395207" cy="184666"/>
-          </a:xfrm>
-          <a:prstGeom prst="rect">
-            <a:avLst/>
-          </a:prstGeom>
-          <a:noFill/>
-        </p:spPr>
-        <p:txBody>
-          <a:bodyPr wrap="none" rtlCol="0">
-            <a:spAutoFit/>
-          </a:bodyPr>
-          <a:lstStyle/>
-          <a:p>
-            <a:r>
-              <a:rPr lang="en-US" altLang="ko-KR" sz="600" dirty="0" err="1">
-                <a:solidFill>
-                  <a:srgbClr val="FF00FF"/>
-                </a:solidFill>
-              </a:rPr>
-              <a:t>stdType</a:t>
-            </a:r>
-            <a:r>
-              <a:rPr lang="ko-KR" altLang="en-US" sz="600" dirty="0">
-                <a:solidFill>
-                  <a:srgbClr val="FF00FF"/>
-                </a:solidFill>
-              </a:rPr>
-              <a:t> 항목 </a:t>
-            </a:r>
-            <a:r>
-              <a:rPr lang="ko-KR" altLang="en-US" sz="600" dirty="0" err="1">
-                <a:solidFill>
-                  <a:srgbClr val="FF00FF"/>
-                </a:solidFill>
-              </a:rPr>
-              <a:t>클릭시</a:t>
-            </a:r>
-            <a:r>
-              <a:rPr lang="ko-KR" altLang="en-US" sz="600" dirty="0">
-                <a:solidFill>
-                  <a:srgbClr val="FF00FF"/>
-                </a:solidFill>
-              </a:rPr>
-              <a:t> 업데이트 연동</a:t>
-            </a:r>
-            <a:r>
-              <a:rPr lang="en-US" altLang="ko-KR" sz="600" dirty="0">
-                <a:solidFill>
-                  <a:srgbClr val="FF00FF"/>
-                </a:solidFill>
-              </a:rPr>
-              <a:t>(</a:t>
-            </a:r>
-            <a:r>
-              <a:rPr lang="ko-KR" altLang="en-US" sz="600" dirty="0">
-                <a:solidFill>
-                  <a:srgbClr val="FF00FF"/>
-                </a:solidFill>
-              </a:rPr>
-              <a:t>현재 </a:t>
-            </a:r>
-            <a:r>
-              <a:rPr lang="en-US" altLang="ko-KR" sz="600" dirty="0">
-                <a:solidFill>
-                  <a:srgbClr val="FF00FF"/>
-                </a:solidFill>
-              </a:rPr>
-              <a:t>Room </a:t>
-            </a:r>
-            <a:r>
-              <a:rPr lang="ko-KR" altLang="en-US" sz="600" dirty="0">
-                <a:solidFill>
-                  <a:srgbClr val="FF00FF"/>
-                </a:solidFill>
-              </a:rPr>
-              <a:t>쪽 함수와 연결</a:t>
-            </a:r>
-            <a:r>
-              <a:rPr lang="en-US" altLang="ko-KR" sz="600" dirty="0">
-                <a:solidFill>
-                  <a:srgbClr val="FF00FF"/>
-                </a:solidFill>
-              </a:rPr>
-              <a:t>)</a:t>
-            </a:r>
-            <a:endParaRPr lang="ko-KR" altLang="en-US" sz="600" dirty="0">
-              <a:solidFill>
-                <a:srgbClr val="FF00FF"/>
-              </a:solidFill>
-            </a:endParaRPr>
+              <a:t>탭 추가</a:t>
+            </a:r>
           </a:p>
         </p:txBody>
       </p:sp>
     </p:spTree>
     <p:extLst>
       <p:ext uri="{BB962C8B-B14F-4D97-AF65-F5344CB8AC3E}">
-        <p14:creationId xmlns:p14="http://schemas.microsoft.com/office/powerpoint/2010/main" val="3343778474"/>
+        <p14:creationId xmlns:p14="http://schemas.microsoft.com/office/powerpoint/2010/main" val="3041141871"/>
       </p:ext>
     </p:extLst>
   </p:cSld>

--- a/H_FamilyList_FP/화면정의서.pptx
+++ b/H_FamilyList_FP/화면정의서.pptx
@@ -16,10 +16,12 @@
     <p:sldId id="267" r:id="rId10"/>
     <p:sldId id="268" r:id="rId11"/>
     <p:sldId id="271" r:id="rId12"/>
-    <p:sldId id="270" r:id="rId13"/>
-    <p:sldId id="264" r:id="rId14"/>
-    <p:sldId id="265" r:id="rId15"/>
-    <p:sldId id="266" r:id="rId16"/>
+    <p:sldId id="272" r:id="rId13"/>
+    <p:sldId id="273" r:id="rId14"/>
+    <p:sldId id="270" r:id="rId15"/>
+    <p:sldId id="264" r:id="rId16"/>
+    <p:sldId id="265" r:id="rId17"/>
+    <p:sldId id="266" r:id="rId18"/>
   </p:sldIdLst>
   <p:sldSz cx="12192000" cy="6858000"/>
   <p:notesSz cx="6858000" cy="9144000"/>
@@ -273,7 +275,7 @@
           <a:p>
             <a:fld id="{9DC0FBBE-1B54-474B-A1EF-57FEDE0B6A08}" type="datetimeFigureOut">
               <a:rPr lang="ko-KR" altLang="en-US" smtClean="0"/>
-              <a:t>2024-10-21</a:t>
+              <a:t>2024-10-24</a:t>
             </a:fld>
             <a:endParaRPr lang="ko-KR" altLang="en-US"/>
           </a:p>
@@ -471,7 +473,7 @@
           <a:p>
             <a:fld id="{9DC0FBBE-1B54-474B-A1EF-57FEDE0B6A08}" type="datetimeFigureOut">
               <a:rPr lang="ko-KR" altLang="en-US" smtClean="0"/>
-              <a:t>2024-10-21</a:t>
+              <a:t>2024-10-24</a:t>
             </a:fld>
             <a:endParaRPr lang="ko-KR" altLang="en-US"/>
           </a:p>
@@ -679,7 +681,7 @@
           <a:p>
             <a:fld id="{9DC0FBBE-1B54-474B-A1EF-57FEDE0B6A08}" type="datetimeFigureOut">
               <a:rPr lang="ko-KR" altLang="en-US" smtClean="0"/>
-              <a:t>2024-10-21</a:t>
+              <a:t>2024-10-24</a:t>
             </a:fld>
             <a:endParaRPr lang="ko-KR" altLang="en-US"/>
           </a:p>
@@ -877,7 +879,7 @@
           <a:p>
             <a:fld id="{9DC0FBBE-1B54-474B-A1EF-57FEDE0B6A08}" type="datetimeFigureOut">
               <a:rPr lang="ko-KR" altLang="en-US" smtClean="0"/>
-              <a:t>2024-10-21</a:t>
+              <a:t>2024-10-24</a:t>
             </a:fld>
             <a:endParaRPr lang="ko-KR" altLang="en-US"/>
           </a:p>
@@ -1152,7 +1154,7 @@
           <a:p>
             <a:fld id="{9DC0FBBE-1B54-474B-A1EF-57FEDE0B6A08}" type="datetimeFigureOut">
               <a:rPr lang="ko-KR" altLang="en-US" smtClean="0"/>
-              <a:t>2024-10-21</a:t>
+              <a:t>2024-10-24</a:t>
             </a:fld>
             <a:endParaRPr lang="ko-KR" altLang="en-US"/>
           </a:p>
@@ -1417,7 +1419,7 @@
           <a:p>
             <a:fld id="{9DC0FBBE-1B54-474B-A1EF-57FEDE0B6A08}" type="datetimeFigureOut">
               <a:rPr lang="ko-KR" altLang="en-US" smtClean="0"/>
-              <a:t>2024-10-21</a:t>
+              <a:t>2024-10-24</a:t>
             </a:fld>
             <a:endParaRPr lang="ko-KR" altLang="en-US"/>
           </a:p>
@@ -1829,7 +1831,7 @@
           <a:p>
             <a:fld id="{9DC0FBBE-1B54-474B-A1EF-57FEDE0B6A08}" type="datetimeFigureOut">
               <a:rPr lang="ko-KR" altLang="en-US" smtClean="0"/>
-              <a:t>2024-10-21</a:t>
+              <a:t>2024-10-24</a:t>
             </a:fld>
             <a:endParaRPr lang="ko-KR" altLang="en-US"/>
           </a:p>
@@ -1970,7 +1972,7 @@
           <a:p>
             <a:fld id="{9DC0FBBE-1B54-474B-A1EF-57FEDE0B6A08}" type="datetimeFigureOut">
               <a:rPr lang="ko-KR" altLang="en-US" smtClean="0"/>
-              <a:t>2024-10-21</a:t>
+              <a:t>2024-10-24</a:t>
             </a:fld>
             <a:endParaRPr lang="ko-KR" altLang="en-US"/>
           </a:p>
@@ -2083,7 +2085,7 @@
           <a:p>
             <a:fld id="{9DC0FBBE-1B54-474B-A1EF-57FEDE0B6A08}" type="datetimeFigureOut">
               <a:rPr lang="ko-KR" altLang="en-US" smtClean="0"/>
-              <a:t>2024-10-21</a:t>
+              <a:t>2024-10-24</a:t>
             </a:fld>
             <a:endParaRPr lang="ko-KR" altLang="en-US"/>
           </a:p>
@@ -2394,7 +2396,7 @@
           <a:p>
             <a:fld id="{9DC0FBBE-1B54-474B-A1EF-57FEDE0B6A08}" type="datetimeFigureOut">
               <a:rPr lang="ko-KR" altLang="en-US" smtClean="0"/>
-              <a:t>2024-10-21</a:t>
+              <a:t>2024-10-24</a:t>
             </a:fld>
             <a:endParaRPr lang="ko-KR" altLang="en-US"/>
           </a:p>
@@ -2682,7 +2684,7 @@
           <a:p>
             <a:fld id="{9DC0FBBE-1B54-474B-A1EF-57FEDE0B6A08}" type="datetimeFigureOut">
               <a:rPr lang="ko-KR" altLang="en-US" smtClean="0"/>
-              <a:t>2024-10-21</a:t>
+              <a:t>2024-10-24</a:t>
             </a:fld>
             <a:endParaRPr lang="ko-KR" altLang="en-US"/>
           </a:p>
@@ -2923,7 +2925,7 @@
           <a:p>
             <a:fld id="{9DC0FBBE-1B54-474B-A1EF-57FEDE0B6A08}" type="datetimeFigureOut">
               <a:rPr lang="ko-KR" altLang="en-US" smtClean="0"/>
-              <a:t>2024-10-21</a:t>
+              <a:t>2024-10-24</a:t>
             </a:fld>
             <a:endParaRPr lang="ko-KR" altLang="en-US"/>
           </a:p>
@@ -5599,6 +5601,414 @@
           <p:cNvPr id="5" name="그림 4">
             <a:extLst>
               <a:ext uri="{FF2B5EF4-FFF2-40B4-BE49-F238E27FC236}">
+                <a16:creationId xmlns:a16="http://schemas.microsoft.com/office/drawing/2014/main" id="{92E5A7D0-648C-C212-1706-C7297143AAE6}"/>
+              </a:ext>
+            </a:extLst>
+          </p:cNvPr>
+          <p:cNvPicPr>
+            <a:picLocks noChangeAspect="1"/>
+          </p:cNvPicPr>
+          <p:nvPr/>
+        </p:nvPicPr>
+        <p:blipFill>
+          <a:blip r:embed="rId2"/>
+          <a:stretch>
+            <a:fillRect/>
+          </a:stretch>
+        </p:blipFill>
+        <p:spPr>
+          <a:xfrm>
+            <a:off x="0" y="95250"/>
+            <a:ext cx="12192000" cy="6667500"/>
+          </a:xfrm>
+          <a:prstGeom prst="rect">
+            <a:avLst/>
+          </a:prstGeom>
+        </p:spPr>
+      </p:pic>
+      <p:sp>
+        <p:nvSpPr>
+          <p:cNvPr id="6" name="TextBox 5">
+            <a:extLst>
+              <a:ext uri="{FF2B5EF4-FFF2-40B4-BE49-F238E27FC236}">
+                <a16:creationId xmlns:a16="http://schemas.microsoft.com/office/drawing/2014/main" id="{B5A3E96A-7103-FE42-F8C7-704D8C0ADD4A}"/>
+              </a:ext>
+            </a:extLst>
+          </p:cNvPr>
+          <p:cNvSpPr txBox="1"/>
+          <p:nvPr/>
+        </p:nvSpPr>
+        <p:spPr>
+          <a:xfrm>
+            <a:off x="2210064" y="1165203"/>
+            <a:ext cx="1796786" cy="184666"/>
+          </a:xfrm>
+          <a:prstGeom prst="rect">
+            <a:avLst/>
+          </a:prstGeom>
+          <a:noFill/>
+        </p:spPr>
+        <p:txBody>
+          <a:bodyPr wrap="square" rtlCol="0">
+            <a:spAutoFit/>
+          </a:bodyPr>
+          <a:lstStyle/>
+          <a:p>
+            <a:r>
+              <a:rPr lang="en-US" altLang="ko-KR" sz="600" dirty="0">
+                <a:solidFill>
+                  <a:srgbClr val="FF00FF"/>
+                </a:solidFill>
+              </a:rPr>
+              <a:t>“[</a:t>
+            </a:r>
+            <a:r>
+              <a:rPr lang="ko-KR" altLang="en-US" sz="600" dirty="0" err="1">
+                <a:solidFill>
+                  <a:srgbClr val="FF00FF"/>
+                </a:solidFill>
+              </a:rPr>
+              <a:t>팀스탠다드</a:t>
+            </a:r>
+            <a:r>
+              <a:rPr lang="en-US" altLang="ko-KR" sz="600" dirty="0">
+                <a:solidFill>
+                  <a:srgbClr val="FF00FF"/>
+                </a:solidFill>
+              </a:rPr>
+              <a:t>]</a:t>
+            </a:r>
+            <a:r>
+              <a:rPr lang="ko-KR" altLang="en-US" sz="600" dirty="0">
+                <a:solidFill>
+                  <a:srgbClr val="FF00FF"/>
+                </a:solidFill>
+              </a:rPr>
+              <a:t>탭 업데이트 반영</a:t>
+            </a:r>
+            <a:r>
+              <a:rPr lang="en-US" altLang="ko-KR" sz="600" dirty="0">
+                <a:solidFill>
+                  <a:srgbClr val="FF00FF"/>
+                </a:solidFill>
+              </a:rPr>
+              <a:t>” </a:t>
+            </a:r>
+            <a:r>
+              <a:rPr lang="ko-KR" altLang="en-US" sz="600" dirty="0">
+                <a:solidFill>
+                  <a:srgbClr val="FF00FF"/>
+                </a:solidFill>
+              </a:rPr>
+              <a:t>버튼 추가</a:t>
+            </a:r>
+          </a:p>
+        </p:txBody>
+      </p:sp>
+      <p:sp>
+        <p:nvSpPr>
+          <p:cNvPr id="8" name="TextBox 7">
+            <a:extLst>
+              <a:ext uri="{FF2B5EF4-FFF2-40B4-BE49-F238E27FC236}">
+                <a16:creationId xmlns:a16="http://schemas.microsoft.com/office/drawing/2014/main" id="{3BE237FE-E3F5-15D1-DC90-F3CF8517CAD9}"/>
+              </a:ext>
+            </a:extLst>
+          </p:cNvPr>
+          <p:cNvSpPr txBox="1"/>
+          <p:nvPr/>
+        </p:nvSpPr>
+        <p:spPr>
+          <a:xfrm>
+            <a:off x="4006850" y="1165203"/>
+            <a:ext cx="1796786" cy="184666"/>
+          </a:xfrm>
+          <a:prstGeom prst="rect">
+            <a:avLst/>
+          </a:prstGeom>
+          <a:noFill/>
+        </p:spPr>
+        <p:txBody>
+          <a:bodyPr wrap="square" rtlCol="0">
+            <a:spAutoFit/>
+          </a:bodyPr>
+          <a:lstStyle/>
+          <a:p>
+            <a:r>
+              <a:rPr lang="en-US" altLang="ko-KR" sz="600" dirty="0">
+                <a:solidFill>
+                  <a:srgbClr val="FF00FF"/>
+                </a:solidFill>
+              </a:rPr>
+              <a:t>“[</a:t>
+            </a:r>
+            <a:r>
+              <a:rPr lang="ko-KR" altLang="en-US" sz="600" dirty="0">
+                <a:solidFill>
+                  <a:srgbClr val="FF00FF"/>
+                </a:solidFill>
+              </a:rPr>
+              <a:t>공통 정보 입력</a:t>
+            </a:r>
+            <a:r>
+              <a:rPr lang="en-US" altLang="ko-KR" sz="600" dirty="0">
+                <a:solidFill>
+                  <a:srgbClr val="FF00FF"/>
+                </a:solidFill>
+              </a:rPr>
+              <a:t>]</a:t>
+            </a:r>
+            <a:r>
+              <a:rPr lang="ko-KR" altLang="en-US" sz="600" dirty="0">
+                <a:solidFill>
+                  <a:srgbClr val="FF00FF"/>
+                </a:solidFill>
+              </a:rPr>
+              <a:t>탭 업데이트 반영</a:t>
+            </a:r>
+            <a:r>
+              <a:rPr lang="en-US" altLang="ko-KR" sz="600" dirty="0">
+                <a:solidFill>
+                  <a:srgbClr val="FF00FF"/>
+                </a:solidFill>
+              </a:rPr>
+              <a:t>” </a:t>
+            </a:r>
+            <a:r>
+              <a:rPr lang="ko-KR" altLang="en-US" sz="600" dirty="0">
+                <a:solidFill>
+                  <a:srgbClr val="FF00FF"/>
+                </a:solidFill>
+              </a:rPr>
+              <a:t>버튼 추가</a:t>
+            </a:r>
+          </a:p>
+        </p:txBody>
+      </p:sp>
+    </p:spTree>
+    <p:extLst>
+      <p:ext uri="{BB962C8B-B14F-4D97-AF65-F5344CB8AC3E}">
+        <p14:creationId xmlns:p14="http://schemas.microsoft.com/office/powerpoint/2010/main" val="2955652306"/>
+      </p:ext>
+    </p:extLst>
+  </p:cSld>
+  <p:clrMapOvr>
+    <a:masterClrMapping/>
+  </p:clrMapOvr>
+</p:sld>
+</file>
+
+<file path=ppt/slides/slide13.xml><?xml version="1.0" encoding="utf-8"?>
+<p:sld xmlns:a="http://schemas.openxmlformats.org/drawingml/2006/main" xmlns:r="http://schemas.openxmlformats.org/officeDocument/2006/relationships" xmlns:p="http://schemas.openxmlformats.org/presentationml/2006/main">
+  <p:cSld>
+    <p:spTree>
+      <p:nvGrpSpPr>
+        <p:cNvPr id="1" name=""/>
+        <p:cNvGrpSpPr/>
+        <p:nvPr/>
+      </p:nvGrpSpPr>
+      <p:grpSpPr>
+        <a:xfrm>
+          <a:off x="0" y="0"/>
+          <a:ext cx="0" cy="0"/>
+          <a:chOff x="0" y="0"/>
+          <a:chExt cx="0" cy="0"/>
+        </a:xfrm>
+      </p:grpSpPr>
+      <p:pic>
+        <p:nvPicPr>
+          <p:cNvPr id="5" name="그림 4">
+            <a:extLst>
+              <a:ext uri="{FF2B5EF4-FFF2-40B4-BE49-F238E27FC236}">
+                <a16:creationId xmlns:a16="http://schemas.microsoft.com/office/drawing/2014/main" id="{2A5BD465-01B0-72BE-B80D-C0411EC877C7}"/>
+              </a:ext>
+            </a:extLst>
+          </p:cNvPr>
+          <p:cNvPicPr>
+            <a:picLocks noChangeAspect="1"/>
+          </p:cNvPicPr>
+          <p:nvPr/>
+        </p:nvPicPr>
+        <p:blipFill>
+          <a:blip r:embed="rId2"/>
+          <a:stretch>
+            <a:fillRect/>
+          </a:stretch>
+        </p:blipFill>
+        <p:spPr>
+          <a:xfrm>
+            <a:off x="726408" y="878541"/>
+            <a:ext cx="4876266" cy="5100918"/>
+          </a:xfrm>
+          <a:prstGeom prst="rect">
+            <a:avLst/>
+          </a:prstGeom>
+        </p:spPr>
+      </p:pic>
+      <p:sp>
+        <p:nvSpPr>
+          <p:cNvPr id="6" name="직사각형 5">
+            <a:extLst>
+              <a:ext uri="{FF2B5EF4-FFF2-40B4-BE49-F238E27FC236}">
+                <a16:creationId xmlns:a16="http://schemas.microsoft.com/office/drawing/2014/main" id="{56DD89C7-675D-2208-646D-46ADC6D82618}"/>
+              </a:ext>
+            </a:extLst>
+          </p:cNvPr>
+          <p:cNvSpPr/>
+          <p:nvPr/>
+        </p:nvSpPr>
+        <p:spPr>
+          <a:xfrm>
+            <a:off x="304805" y="5199529"/>
+            <a:ext cx="3612772" cy="965965"/>
+          </a:xfrm>
+          <a:prstGeom prst="rect">
+            <a:avLst/>
+          </a:prstGeom>
+          <a:noFill/>
+          <a:ln>
+            <a:solidFill>
+              <a:srgbClr val="FF00FF"/>
+            </a:solidFill>
+            <a:prstDash val="dash"/>
+          </a:ln>
+        </p:spPr>
+        <p:style>
+          <a:lnRef idx="2">
+            <a:schemeClr val="accent1">
+              <a:shade val="15000"/>
+            </a:schemeClr>
+          </a:lnRef>
+          <a:fillRef idx="1">
+            <a:schemeClr val="accent1"/>
+          </a:fillRef>
+          <a:effectRef idx="0">
+            <a:schemeClr val="accent1"/>
+          </a:effectRef>
+          <a:fontRef idx="minor">
+            <a:schemeClr val="lt1"/>
+          </a:fontRef>
+        </p:style>
+        <p:txBody>
+          <a:bodyPr rtlCol="0" anchor="ctr"/>
+          <a:lstStyle/>
+          <a:p>
+            <a:endParaRPr lang="ko-KR" altLang="en-US" sz="800" dirty="0">
+              <a:solidFill>
+                <a:schemeClr val="tx1"/>
+              </a:solidFill>
+            </a:endParaRPr>
+          </a:p>
+        </p:txBody>
+      </p:sp>
+      <p:sp>
+        <p:nvSpPr>
+          <p:cNvPr id="7" name="TextBox 6">
+            <a:extLst>
+              <a:ext uri="{FF2B5EF4-FFF2-40B4-BE49-F238E27FC236}">
+                <a16:creationId xmlns:a16="http://schemas.microsoft.com/office/drawing/2014/main" id="{46BA7C3B-0F3E-1DB1-452C-072BE59A283C}"/>
+              </a:ext>
+            </a:extLst>
+          </p:cNvPr>
+          <p:cNvSpPr txBox="1"/>
+          <p:nvPr/>
+        </p:nvSpPr>
+        <p:spPr>
+          <a:xfrm>
+            <a:off x="4948518" y="5029200"/>
+            <a:ext cx="2045753" cy="369332"/>
+          </a:xfrm>
+          <a:prstGeom prst="rect">
+            <a:avLst/>
+          </a:prstGeom>
+          <a:noFill/>
+        </p:spPr>
+        <p:txBody>
+          <a:bodyPr wrap="none" rtlCol="0">
+            <a:spAutoFit/>
+          </a:bodyPr>
+          <a:lstStyle/>
+          <a:p>
+            <a:r>
+              <a:rPr lang="ko-KR" altLang="en-US" dirty="0"/>
+              <a:t>이게 맞는 듯 하다</a:t>
+            </a:r>
+          </a:p>
+        </p:txBody>
+      </p:sp>
+      <p:cxnSp>
+        <p:nvCxnSpPr>
+          <p:cNvPr id="9" name="직선 화살표 연결선 8">
+            <a:extLst>
+              <a:ext uri="{FF2B5EF4-FFF2-40B4-BE49-F238E27FC236}">
+                <a16:creationId xmlns:a16="http://schemas.microsoft.com/office/drawing/2014/main" id="{2802DAA7-4897-B379-9A86-3018D6C2355C}"/>
+              </a:ext>
+            </a:extLst>
+          </p:cNvPr>
+          <p:cNvCxnSpPr/>
+          <p:nvPr/>
+        </p:nvCxnSpPr>
+        <p:spPr>
+          <a:xfrm flipH="1">
+            <a:off x="3917577" y="5199529"/>
+            <a:ext cx="959223" cy="537883"/>
+          </a:xfrm>
+          <a:prstGeom prst="straightConnector1">
+            <a:avLst/>
+          </a:prstGeom>
+          <a:ln>
+            <a:tailEnd type="triangle"/>
+          </a:ln>
+        </p:spPr>
+        <p:style>
+          <a:lnRef idx="1">
+            <a:schemeClr val="accent1"/>
+          </a:lnRef>
+          <a:fillRef idx="0">
+            <a:schemeClr val="accent1"/>
+          </a:fillRef>
+          <a:effectRef idx="0">
+            <a:schemeClr val="accent1"/>
+          </a:effectRef>
+          <a:fontRef idx="minor">
+            <a:schemeClr val="tx1"/>
+          </a:fontRef>
+        </p:style>
+      </p:cxnSp>
+    </p:spTree>
+    <p:extLst>
+      <p:ext uri="{BB962C8B-B14F-4D97-AF65-F5344CB8AC3E}">
+        <p14:creationId xmlns:p14="http://schemas.microsoft.com/office/powerpoint/2010/main" val="318347935"/>
+      </p:ext>
+    </p:extLst>
+  </p:cSld>
+  <p:clrMapOvr>
+    <a:masterClrMapping/>
+  </p:clrMapOvr>
+</p:sld>
+</file>
+
+<file path=ppt/slides/slide14.xml><?xml version="1.0" encoding="utf-8"?>
+<p:sld xmlns:a="http://schemas.openxmlformats.org/drawingml/2006/main" xmlns:r="http://schemas.openxmlformats.org/officeDocument/2006/relationships" xmlns:p="http://schemas.openxmlformats.org/presentationml/2006/main">
+  <p:cSld>
+    <p:spTree>
+      <p:nvGrpSpPr>
+        <p:cNvPr id="1" name=""/>
+        <p:cNvGrpSpPr/>
+        <p:nvPr/>
+      </p:nvGrpSpPr>
+      <p:grpSpPr>
+        <a:xfrm>
+          <a:off x="0" y="0"/>
+          <a:ext cx="0" cy="0"/>
+          <a:chOff x="0" y="0"/>
+          <a:chExt cx="0" cy="0"/>
+        </a:xfrm>
+      </p:grpSpPr>
+      <p:pic>
+        <p:nvPicPr>
+          <p:cNvPr id="5" name="그림 4">
+            <a:extLst>
+              <a:ext uri="{FF2B5EF4-FFF2-40B4-BE49-F238E27FC236}">
                 <a16:creationId xmlns:a16="http://schemas.microsoft.com/office/drawing/2014/main" id="{3B02F0E6-B161-461F-2D20-B22240FF5FA9}"/>
               </a:ext>
             </a:extLst>
@@ -6402,6 +6812,61 @@
           </a:p>
         </p:txBody>
       </p:sp>
+      <p:sp>
+        <p:nvSpPr>
+          <p:cNvPr id="2" name="TextBox 1">
+            <a:extLst>
+              <a:ext uri="{FF2B5EF4-FFF2-40B4-BE49-F238E27FC236}">
+                <a16:creationId xmlns:a16="http://schemas.microsoft.com/office/drawing/2014/main" id="{89BD5641-F498-0E6F-0D53-32537B3AC3A3}"/>
+              </a:ext>
+            </a:extLst>
+          </p:cNvPr>
+          <p:cNvSpPr txBox="1"/>
+          <p:nvPr/>
+        </p:nvSpPr>
+        <p:spPr>
+          <a:xfrm>
+            <a:off x="3264164" y="752453"/>
+            <a:ext cx="1371539" cy="184666"/>
+          </a:xfrm>
+          <a:prstGeom prst="rect">
+            <a:avLst/>
+          </a:prstGeom>
+          <a:noFill/>
+        </p:spPr>
+        <p:txBody>
+          <a:bodyPr wrap="square" rtlCol="0">
+            <a:spAutoFit/>
+          </a:bodyPr>
+          <a:lstStyle/>
+          <a:p>
+            <a:r>
+              <a:rPr lang="ko-KR" altLang="en-US" sz="600" dirty="0">
+                <a:solidFill>
+                  <a:srgbClr val="FF00FF"/>
+                </a:solidFill>
+              </a:rPr>
+              <a:t>자동 </a:t>
+            </a:r>
+            <a:r>
+              <a:rPr lang="ko-KR" altLang="en-US" sz="600" dirty="0" err="1">
+                <a:solidFill>
+                  <a:srgbClr val="FF00FF"/>
+                </a:solidFill>
+              </a:rPr>
+              <a:t>값변경</a:t>
+            </a:r>
+            <a:r>
+              <a:rPr lang="ko-KR" altLang="en-US" sz="600" dirty="0">
+                <a:solidFill>
+                  <a:srgbClr val="FF00FF"/>
+                </a:solidFill>
+              </a:rPr>
+              <a:t> 업데이트</a:t>
+            </a:r>
+          </a:p>
+        </p:txBody>
+      </p:sp>
     </p:spTree>
     <p:extLst>
       <p:ext uri="{BB962C8B-B14F-4D97-AF65-F5344CB8AC3E}">
@@ -6415,7 +6880,7 @@
 </p:sld>
 </file>
 
-<file path=ppt/slides/slide13.xml><?xml version="1.0" encoding="utf-8"?>
+<file path=ppt/slides/slide15.xml><?xml version="1.0" encoding="utf-8"?>
 <p:sld xmlns:a="http://schemas.openxmlformats.org/drawingml/2006/main" xmlns:r="http://schemas.openxmlformats.org/officeDocument/2006/relationships" xmlns:p="http://schemas.openxmlformats.org/presentationml/2006/main">
   <p:cSld>
     <p:spTree>
@@ -12686,7 +13151,7 @@
 </p:sld>
 </file>
 
-<file path=ppt/slides/slide14.xml><?xml version="1.0" encoding="utf-8"?>
+<file path=ppt/slides/slide16.xml><?xml version="1.0" encoding="utf-8"?>
 <p:sld xmlns:a="http://schemas.openxmlformats.org/drawingml/2006/main" xmlns:r="http://schemas.openxmlformats.org/officeDocument/2006/relationships" xmlns:p="http://schemas.openxmlformats.org/presentationml/2006/main">
   <p:cSld>
     <p:spTree>
@@ -13045,7 +13510,7 @@
 </p:sld>
 </file>
 
-<file path=ppt/slides/slide15.xml><?xml version="1.0" encoding="utf-8"?>
+<file path=ppt/slides/slide17.xml><?xml version="1.0" encoding="utf-8"?>
 <p:sld xmlns:a="http://schemas.openxmlformats.org/drawingml/2006/main" xmlns:r="http://schemas.openxmlformats.org/officeDocument/2006/relationships" xmlns:p="http://schemas.openxmlformats.org/presentationml/2006/main">
   <p:cSld>
     <p:spTree>

--- a/H_FamilyList_FP/화면정의서.pptx
+++ b/H_FamilyList_FP/화면정의서.pptx
@@ -20,10 +20,11 @@
     <p:sldId id="268" r:id="rId14"/>
     <p:sldId id="271" r:id="rId15"/>
     <p:sldId id="272" r:id="rId16"/>
-    <p:sldId id="273" r:id="rId17"/>
-    <p:sldId id="270" r:id="rId18"/>
-    <p:sldId id="274" r:id="rId19"/>
-    <p:sldId id="275" r:id="rId20"/>
+    <p:sldId id="276" r:id="rId17"/>
+    <p:sldId id="273" r:id="rId18"/>
+    <p:sldId id="270" r:id="rId19"/>
+    <p:sldId id="274" r:id="rId20"/>
+    <p:sldId id="275" r:id="rId21"/>
   </p:sldIdLst>
   <p:sldSz cx="12192000" cy="6858000"/>
   <p:notesSz cx="6858000" cy="9144000"/>
@@ -277,7 +278,7 @@
           <a:p>
             <a:fld id="{9DC0FBBE-1B54-474B-A1EF-57FEDE0B6A08}" type="datetimeFigureOut">
               <a:rPr lang="ko-KR" altLang="en-US" smtClean="0"/>
-              <a:t>2024-12-02</a:t>
+              <a:t>2024-12-04</a:t>
             </a:fld>
             <a:endParaRPr lang="ko-KR" altLang="en-US"/>
           </a:p>
@@ -475,7 +476,7 @@
           <a:p>
             <a:fld id="{9DC0FBBE-1B54-474B-A1EF-57FEDE0B6A08}" type="datetimeFigureOut">
               <a:rPr lang="ko-KR" altLang="en-US" smtClean="0"/>
-              <a:t>2024-12-02</a:t>
+              <a:t>2024-12-04</a:t>
             </a:fld>
             <a:endParaRPr lang="ko-KR" altLang="en-US"/>
           </a:p>
@@ -683,7 +684,7 @@
           <a:p>
             <a:fld id="{9DC0FBBE-1B54-474B-A1EF-57FEDE0B6A08}" type="datetimeFigureOut">
               <a:rPr lang="ko-KR" altLang="en-US" smtClean="0"/>
-              <a:t>2024-12-02</a:t>
+              <a:t>2024-12-04</a:t>
             </a:fld>
             <a:endParaRPr lang="ko-KR" altLang="en-US"/>
           </a:p>
@@ -881,7 +882,7 @@
           <a:p>
             <a:fld id="{9DC0FBBE-1B54-474B-A1EF-57FEDE0B6A08}" type="datetimeFigureOut">
               <a:rPr lang="ko-KR" altLang="en-US" smtClean="0"/>
-              <a:t>2024-12-02</a:t>
+              <a:t>2024-12-04</a:t>
             </a:fld>
             <a:endParaRPr lang="ko-KR" altLang="en-US"/>
           </a:p>
@@ -1156,7 +1157,7 @@
           <a:p>
             <a:fld id="{9DC0FBBE-1B54-474B-A1EF-57FEDE0B6A08}" type="datetimeFigureOut">
               <a:rPr lang="ko-KR" altLang="en-US" smtClean="0"/>
-              <a:t>2024-12-02</a:t>
+              <a:t>2024-12-04</a:t>
             </a:fld>
             <a:endParaRPr lang="ko-KR" altLang="en-US"/>
           </a:p>
@@ -1421,7 +1422,7 @@
           <a:p>
             <a:fld id="{9DC0FBBE-1B54-474B-A1EF-57FEDE0B6A08}" type="datetimeFigureOut">
               <a:rPr lang="ko-KR" altLang="en-US" smtClean="0"/>
-              <a:t>2024-12-02</a:t>
+              <a:t>2024-12-04</a:t>
             </a:fld>
             <a:endParaRPr lang="ko-KR" altLang="en-US"/>
           </a:p>
@@ -1833,7 +1834,7 @@
           <a:p>
             <a:fld id="{9DC0FBBE-1B54-474B-A1EF-57FEDE0B6A08}" type="datetimeFigureOut">
               <a:rPr lang="ko-KR" altLang="en-US" smtClean="0"/>
-              <a:t>2024-12-02</a:t>
+              <a:t>2024-12-04</a:t>
             </a:fld>
             <a:endParaRPr lang="ko-KR" altLang="en-US"/>
           </a:p>
@@ -1974,7 +1975,7 @@
           <a:p>
             <a:fld id="{9DC0FBBE-1B54-474B-A1EF-57FEDE0B6A08}" type="datetimeFigureOut">
               <a:rPr lang="ko-KR" altLang="en-US" smtClean="0"/>
-              <a:t>2024-12-02</a:t>
+              <a:t>2024-12-04</a:t>
             </a:fld>
             <a:endParaRPr lang="ko-KR" altLang="en-US"/>
           </a:p>
@@ -2087,7 +2088,7 @@
           <a:p>
             <a:fld id="{9DC0FBBE-1B54-474B-A1EF-57FEDE0B6A08}" type="datetimeFigureOut">
               <a:rPr lang="ko-KR" altLang="en-US" smtClean="0"/>
-              <a:t>2024-12-02</a:t>
+              <a:t>2024-12-04</a:t>
             </a:fld>
             <a:endParaRPr lang="ko-KR" altLang="en-US"/>
           </a:p>
@@ -2398,7 +2399,7 @@
           <a:p>
             <a:fld id="{9DC0FBBE-1B54-474B-A1EF-57FEDE0B6A08}" type="datetimeFigureOut">
               <a:rPr lang="ko-KR" altLang="en-US" smtClean="0"/>
-              <a:t>2024-12-02</a:t>
+              <a:t>2024-12-04</a:t>
             </a:fld>
             <a:endParaRPr lang="ko-KR" altLang="en-US"/>
           </a:p>
@@ -2686,7 +2687,7 @@
           <a:p>
             <a:fld id="{9DC0FBBE-1B54-474B-A1EF-57FEDE0B6A08}" type="datetimeFigureOut">
               <a:rPr lang="ko-KR" altLang="en-US" smtClean="0"/>
-              <a:t>2024-12-02</a:t>
+              <a:t>2024-12-04</a:t>
             </a:fld>
             <a:endParaRPr lang="ko-KR" altLang="en-US"/>
           </a:p>
@@ -2927,7 +2928,7 @@
           <a:p>
             <a:fld id="{9DC0FBBE-1B54-474B-A1EF-57FEDE0B6A08}" type="datetimeFigureOut">
               <a:rPr lang="ko-KR" altLang="en-US" smtClean="0"/>
-              <a:t>2024-12-02</a:t>
+              <a:t>2024-12-04</a:t>
             </a:fld>
             <a:endParaRPr lang="ko-KR" altLang="en-US"/>
           </a:p>
@@ -15080,6 +15081,569 @@
           <p:cNvPr id="5" name="그림 4">
             <a:extLst>
               <a:ext uri="{FF2B5EF4-FFF2-40B4-BE49-F238E27FC236}">
+                <a16:creationId xmlns:a16="http://schemas.microsoft.com/office/drawing/2014/main" id="{993B8575-938C-F093-2BF8-217A26A9E5B3}"/>
+              </a:ext>
+            </a:extLst>
+          </p:cNvPr>
+          <p:cNvPicPr>
+            <a:picLocks noChangeAspect="1"/>
+          </p:cNvPicPr>
+          <p:nvPr/>
+        </p:nvPicPr>
+        <p:blipFill>
+          <a:blip r:embed="rId2"/>
+          <a:stretch>
+            <a:fillRect/>
+          </a:stretch>
+        </p:blipFill>
+        <p:spPr>
+          <a:xfrm>
+            <a:off x="0" y="95250"/>
+            <a:ext cx="12192000" cy="6667500"/>
+          </a:xfrm>
+          <a:prstGeom prst="rect">
+            <a:avLst/>
+          </a:prstGeom>
+        </p:spPr>
+      </p:pic>
+      <p:sp>
+        <p:nvSpPr>
+          <p:cNvPr id="6" name="TextBox 5">
+            <a:extLst>
+              <a:ext uri="{FF2B5EF4-FFF2-40B4-BE49-F238E27FC236}">
+                <a16:creationId xmlns:a16="http://schemas.microsoft.com/office/drawing/2014/main" id="{0C6C0706-7CD9-E673-AAEE-E853A206EF48}"/>
+              </a:ext>
+            </a:extLst>
+          </p:cNvPr>
+          <p:cNvSpPr txBox="1"/>
+          <p:nvPr/>
+        </p:nvSpPr>
+        <p:spPr>
+          <a:xfrm>
+            <a:off x="7225554" y="1506071"/>
+            <a:ext cx="430306" cy="215444"/>
+          </a:xfrm>
+          <a:prstGeom prst="rect">
+            <a:avLst/>
+          </a:prstGeom>
+          <a:noFill/>
+        </p:spPr>
+        <p:txBody>
+          <a:bodyPr wrap="square" rtlCol="0">
+            <a:spAutoFit/>
+          </a:bodyPr>
+          <a:lstStyle/>
+          <a:p>
+            <a:r>
+              <a:rPr lang="en-US" altLang="ko-KR" sz="800" dirty="0"/>
+              <a:t>Floor</a:t>
+            </a:r>
+            <a:endParaRPr lang="ko-KR" altLang="en-US" sz="800" dirty="0"/>
+          </a:p>
+        </p:txBody>
+      </p:sp>
+      <p:sp>
+        <p:nvSpPr>
+          <p:cNvPr id="7" name="TextBox 6">
+            <a:extLst>
+              <a:ext uri="{FF2B5EF4-FFF2-40B4-BE49-F238E27FC236}">
+                <a16:creationId xmlns:a16="http://schemas.microsoft.com/office/drawing/2014/main" id="{32486269-44DC-FB0E-4A7D-3C626C6D90C6}"/>
+              </a:ext>
+            </a:extLst>
+          </p:cNvPr>
+          <p:cNvSpPr txBox="1"/>
+          <p:nvPr/>
+        </p:nvSpPr>
+        <p:spPr>
+          <a:xfrm>
+            <a:off x="7906871" y="1506071"/>
+            <a:ext cx="430306" cy="215444"/>
+          </a:xfrm>
+          <a:prstGeom prst="rect">
+            <a:avLst/>
+          </a:prstGeom>
+          <a:noFill/>
+        </p:spPr>
+        <p:txBody>
+          <a:bodyPr wrap="square" rtlCol="0">
+            <a:spAutoFit/>
+          </a:bodyPr>
+          <a:lstStyle/>
+          <a:p>
+            <a:r>
+              <a:rPr lang="en-US" altLang="ko-KR" sz="800" dirty="0"/>
+              <a:t>Q0.1</a:t>
+            </a:r>
+            <a:endParaRPr lang="ko-KR" altLang="en-US" sz="800" dirty="0"/>
+          </a:p>
+        </p:txBody>
+      </p:sp>
+      <p:sp>
+        <p:nvSpPr>
+          <p:cNvPr id="8" name="TextBox 7">
+            <a:extLst>
+              <a:ext uri="{FF2B5EF4-FFF2-40B4-BE49-F238E27FC236}">
+                <a16:creationId xmlns:a16="http://schemas.microsoft.com/office/drawing/2014/main" id="{90F34E19-0086-E228-D265-D5FBDCA76711}"/>
+              </a:ext>
+            </a:extLst>
+          </p:cNvPr>
+          <p:cNvSpPr txBox="1"/>
+          <p:nvPr/>
+        </p:nvSpPr>
+        <p:spPr>
+          <a:xfrm>
+            <a:off x="9000565" y="1506071"/>
+            <a:ext cx="430306" cy="215444"/>
+          </a:xfrm>
+          <a:prstGeom prst="rect">
+            <a:avLst/>
+          </a:prstGeom>
+          <a:noFill/>
+        </p:spPr>
+        <p:txBody>
+          <a:bodyPr wrap="square" rtlCol="0">
+            <a:spAutoFit/>
+          </a:bodyPr>
+          <a:lstStyle/>
+          <a:p>
+            <a:r>
+              <a:rPr lang="en-US" altLang="ko-KR" sz="800" dirty="0"/>
+              <a:t>= A</a:t>
+            </a:r>
+            <a:endParaRPr lang="ko-KR" altLang="en-US" sz="800" dirty="0"/>
+          </a:p>
+        </p:txBody>
+      </p:sp>
+      <p:pic>
+        <p:nvPicPr>
+          <p:cNvPr id="11" name="그림 10">
+            <a:extLst>
+              <a:ext uri="{FF2B5EF4-FFF2-40B4-BE49-F238E27FC236}">
+                <a16:creationId xmlns:a16="http://schemas.microsoft.com/office/drawing/2014/main" id="{AC18583E-953D-6A8E-3948-58CBD1D0C7D0}"/>
+              </a:ext>
+            </a:extLst>
+          </p:cNvPr>
+          <p:cNvPicPr>
+            <a:picLocks noChangeAspect="1"/>
+          </p:cNvPicPr>
+          <p:nvPr/>
+        </p:nvPicPr>
+        <p:blipFill>
+          <a:blip r:embed="rId3"/>
+          <a:stretch>
+            <a:fillRect/>
+          </a:stretch>
+        </p:blipFill>
+        <p:spPr>
+          <a:xfrm>
+            <a:off x="10394157" y="3650346"/>
+            <a:ext cx="1459706" cy="209893"/>
+          </a:xfrm>
+          <a:prstGeom prst="rect">
+            <a:avLst/>
+          </a:prstGeom>
+        </p:spPr>
+      </p:pic>
+      <p:cxnSp>
+        <p:nvCxnSpPr>
+          <p:cNvPr id="13" name="직선 연결선 12">
+            <a:extLst>
+              <a:ext uri="{FF2B5EF4-FFF2-40B4-BE49-F238E27FC236}">
+                <a16:creationId xmlns:a16="http://schemas.microsoft.com/office/drawing/2014/main" id="{B386A4E1-1205-29F0-0067-DCEBB433ADA2}"/>
+              </a:ext>
+            </a:extLst>
+          </p:cNvPr>
+          <p:cNvCxnSpPr/>
+          <p:nvPr/>
+        </p:nvCxnSpPr>
+        <p:spPr>
+          <a:xfrm>
+            <a:off x="7082118" y="3612776"/>
+            <a:ext cx="4984376" cy="0"/>
+          </a:xfrm>
+          <a:prstGeom prst="line">
+            <a:avLst/>
+          </a:prstGeom>
+          <a:ln>
+            <a:solidFill>
+              <a:srgbClr val="EB9592"/>
+            </a:solidFill>
+          </a:ln>
+        </p:spPr>
+        <p:style>
+          <a:lnRef idx="1">
+            <a:schemeClr val="accent1"/>
+          </a:lnRef>
+          <a:fillRef idx="0">
+            <a:schemeClr val="accent1"/>
+          </a:fillRef>
+          <a:effectRef idx="0">
+            <a:schemeClr val="accent1"/>
+          </a:effectRef>
+          <a:fontRef idx="minor">
+            <a:schemeClr val="tx1"/>
+          </a:fontRef>
+        </p:style>
+      </p:cxnSp>
+      <p:sp>
+        <p:nvSpPr>
+          <p:cNvPr id="14" name="TextBox 13">
+            <a:extLst>
+              <a:ext uri="{FF2B5EF4-FFF2-40B4-BE49-F238E27FC236}">
+                <a16:creationId xmlns:a16="http://schemas.microsoft.com/office/drawing/2014/main" id="{303F7B69-D5CC-B4F6-B781-2F0D3A3D299A}"/>
+              </a:ext>
+            </a:extLst>
+          </p:cNvPr>
+          <p:cNvSpPr txBox="1"/>
+          <p:nvPr/>
+        </p:nvSpPr>
+        <p:spPr>
+          <a:xfrm>
+            <a:off x="7225554" y="1746291"/>
+            <a:ext cx="430306" cy="215444"/>
+          </a:xfrm>
+          <a:prstGeom prst="rect">
+            <a:avLst/>
+          </a:prstGeom>
+          <a:noFill/>
+        </p:spPr>
+        <p:txBody>
+          <a:bodyPr wrap="square" rtlCol="0">
+            <a:spAutoFit/>
+          </a:bodyPr>
+          <a:lstStyle/>
+          <a:p>
+            <a:r>
+              <a:rPr lang="en-US" altLang="ko-KR" sz="800" dirty="0"/>
+              <a:t>Skirt</a:t>
+            </a:r>
+            <a:endParaRPr lang="ko-KR" altLang="en-US" sz="800" dirty="0"/>
+          </a:p>
+        </p:txBody>
+      </p:sp>
+      <p:sp>
+        <p:nvSpPr>
+          <p:cNvPr id="15" name="TextBox 14">
+            <a:extLst>
+              <a:ext uri="{FF2B5EF4-FFF2-40B4-BE49-F238E27FC236}">
+                <a16:creationId xmlns:a16="http://schemas.microsoft.com/office/drawing/2014/main" id="{9FE79A9F-BB93-0A56-C2C8-A4BEB9A17359}"/>
+              </a:ext>
+            </a:extLst>
+          </p:cNvPr>
+          <p:cNvSpPr txBox="1"/>
+          <p:nvPr/>
+        </p:nvSpPr>
+        <p:spPr>
+          <a:xfrm>
+            <a:off x="7906871" y="1746291"/>
+            <a:ext cx="430306" cy="215444"/>
+          </a:xfrm>
+          <a:prstGeom prst="rect">
+            <a:avLst/>
+          </a:prstGeom>
+          <a:noFill/>
+        </p:spPr>
+        <p:txBody>
+          <a:bodyPr wrap="square" rtlCol="0">
+            <a:spAutoFit/>
+          </a:bodyPr>
+          <a:lstStyle/>
+          <a:p>
+            <a:r>
+              <a:rPr lang="en-US" altLang="ko-KR" sz="800" dirty="0"/>
+              <a:t>Q0.1</a:t>
+            </a:r>
+            <a:endParaRPr lang="ko-KR" altLang="en-US" sz="800" dirty="0"/>
+          </a:p>
+        </p:txBody>
+      </p:sp>
+      <p:sp>
+        <p:nvSpPr>
+          <p:cNvPr id="16" name="TextBox 15">
+            <a:extLst>
+              <a:ext uri="{FF2B5EF4-FFF2-40B4-BE49-F238E27FC236}">
+                <a16:creationId xmlns:a16="http://schemas.microsoft.com/office/drawing/2014/main" id="{9126A400-B7BA-CAA2-2041-57E3D312BB5B}"/>
+              </a:ext>
+            </a:extLst>
+          </p:cNvPr>
+          <p:cNvSpPr txBox="1"/>
+          <p:nvPr/>
+        </p:nvSpPr>
+        <p:spPr>
+          <a:xfrm>
+            <a:off x="9000565" y="1746291"/>
+            <a:ext cx="430306" cy="215444"/>
+          </a:xfrm>
+          <a:prstGeom prst="rect">
+            <a:avLst/>
+          </a:prstGeom>
+          <a:noFill/>
+        </p:spPr>
+        <p:txBody>
+          <a:bodyPr wrap="square" rtlCol="0">
+            <a:spAutoFit/>
+          </a:bodyPr>
+          <a:lstStyle/>
+          <a:p>
+            <a:r>
+              <a:rPr lang="en-US" altLang="ko-KR" sz="800" dirty="0"/>
+              <a:t>= P</a:t>
+            </a:r>
+            <a:endParaRPr lang="ko-KR" altLang="en-US" sz="800" dirty="0"/>
+          </a:p>
+        </p:txBody>
+      </p:sp>
+      <p:sp>
+        <p:nvSpPr>
+          <p:cNvPr id="17" name="TextBox 16">
+            <a:extLst>
+              <a:ext uri="{FF2B5EF4-FFF2-40B4-BE49-F238E27FC236}">
+                <a16:creationId xmlns:a16="http://schemas.microsoft.com/office/drawing/2014/main" id="{5A1B2E23-7218-4D2A-224A-8316419B6BB0}"/>
+              </a:ext>
+            </a:extLst>
+          </p:cNvPr>
+          <p:cNvSpPr txBox="1"/>
+          <p:nvPr/>
+        </p:nvSpPr>
+        <p:spPr>
+          <a:xfrm>
+            <a:off x="7225554" y="1961735"/>
+            <a:ext cx="430306" cy="215444"/>
+          </a:xfrm>
+          <a:prstGeom prst="rect">
+            <a:avLst/>
+          </a:prstGeom>
+          <a:noFill/>
+        </p:spPr>
+        <p:txBody>
+          <a:bodyPr wrap="square" rtlCol="0">
+            <a:spAutoFit/>
+          </a:bodyPr>
+          <a:lstStyle/>
+          <a:p>
+            <a:r>
+              <a:rPr lang="en-US" altLang="ko-KR" sz="800" dirty="0"/>
+              <a:t>Wall</a:t>
+            </a:r>
+            <a:endParaRPr lang="ko-KR" altLang="en-US" sz="800" dirty="0"/>
+          </a:p>
+        </p:txBody>
+      </p:sp>
+      <p:sp>
+        <p:nvSpPr>
+          <p:cNvPr id="18" name="TextBox 17">
+            <a:extLst>
+              <a:ext uri="{FF2B5EF4-FFF2-40B4-BE49-F238E27FC236}">
+                <a16:creationId xmlns:a16="http://schemas.microsoft.com/office/drawing/2014/main" id="{B147C8D6-54D9-B05B-0D99-AE70FC602B48}"/>
+              </a:ext>
+            </a:extLst>
+          </p:cNvPr>
+          <p:cNvSpPr txBox="1"/>
+          <p:nvPr/>
+        </p:nvSpPr>
+        <p:spPr>
+          <a:xfrm>
+            <a:off x="7906871" y="1961735"/>
+            <a:ext cx="430306" cy="215444"/>
+          </a:xfrm>
+          <a:prstGeom prst="rect">
+            <a:avLst/>
+          </a:prstGeom>
+          <a:noFill/>
+        </p:spPr>
+        <p:txBody>
+          <a:bodyPr wrap="square" rtlCol="0">
+            <a:spAutoFit/>
+          </a:bodyPr>
+          <a:lstStyle/>
+          <a:p>
+            <a:r>
+              <a:rPr lang="en-US" altLang="ko-KR" sz="800" dirty="0"/>
+              <a:t>Q0.1</a:t>
+            </a:r>
+            <a:endParaRPr lang="ko-KR" altLang="en-US" sz="800" dirty="0"/>
+          </a:p>
+        </p:txBody>
+      </p:sp>
+      <p:sp>
+        <p:nvSpPr>
+          <p:cNvPr id="19" name="TextBox 18">
+            <a:extLst>
+              <a:ext uri="{FF2B5EF4-FFF2-40B4-BE49-F238E27FC236}">
+                <a16:creationId xmlns:a16="http://schemas.microsoft.com/office/drawing/2014/main" id="{33A72AB2-B693-E88F-ADE9-0056005B7D8E}"/>
+              </a:ext>
+            </a:extLst>
+          </p:cNvPr>
+          <p:cNvSpPr txBox="1"/>
+          <p:nvPr/>
+        </p:nvSpPr>
+        <p:spPr>
+          <a:xfrm>
+            <a:off x="9000565" y="1961735"/>
+            <a:ext cx="558214" cy="215444"/>
+          </a:xfrm>
+          <a:prstGeom prst="rect">
+            <a:avLst/>
+          </a:prstGeom>
+          <a:noFill/>
+        </p:spPr>
+        <p:txBody>
+          <a:bodyPr wrap="square" rtlCol="0">
+            <a:spAutoFit/>
+          </a:bodyPr>
+          <a:lstStyle/>
+          <a:p>
+            <a:r>
+              <a:rPr lang="en-US" altLang="ko-KR" sz="800" dirty="0"/>
+              <a:t>= P*H</a:t>
+            </a:r>
+            <a:endParaRPr lang="ko-KR" altLang="en-US" sz="800" dirty="0"/>
+          </a:p>
+        </p:txBody>
+      </p:sp>
+      <p:sp>
+        <p:nvSpPr>
+          <p:cNvPr id="20" name="TextBox 19">
+            <a:extLst>
+              <a:ext uri="{FF2B5EF4-FFF2-40B4-BE49-F238E27FC236}">
+                <a16:creationId xmlns:a16="http://schemas.microsoft.com/office/drawing/2014/main" id="{6B1E0A00-B58A-D0EE-0166-107F42F4127D}"/>
+              </a:ext>
+            </a:extLst>
+          </p:cNvPr>
+          <p:cNvSpPr txBox="1"/>
+          <p:nvPr/>
+        </p:nvSpPr>
+        <p:spPr>
+          <a:xfrm>
+            <a:off x="7225553" y="2177179"/>
+            <a:ext cx="504425" cy="215444"/>
+          </a:xfrm>
+          <a:prstGeom prst="rect">
+            <a:avLst/>
+          </a:prstGeom>
+          <a:noFill/>
+        </p:spPr>
+        <p:txBody>
+          <a:bodyPr wrap="square" rtlCol="0">
+            <a:spAutoFit/>
+          </a:bodyPr>
+          <a:lstStyle/>
+          <a:p>
+            <a:r>
+              <a:rPr lang="en-US" altLang="ko-KR" sz="800" dirty="0"/>
+              <a:t>Ceiling</a:t>
+            </a:r>
+            <a:endParaRPr lang="ko-KR" altLang="en-US" sz="800" dirty="0"/>
+          </a:p>
+        </p:txBody>
+      </p:sp>
+      <p:sp>
+        <p:nvSpPr>
+          <p:cNvPr id="21" name="TextBox 20">
+            <a:extLst>
+              <a:ext uri="{FF2B5EF4-FFF2-40B4-BE49-F238E27FC236}">
+                <a16:creationId xmlns:a16="http://schemas.microsoft.com/office/drawing/2014/main" id="{F79B0D9D-95C8-100F-A810-3ACAB34661B8}"/>
+              </a:ext>
+            </a:extLst>
+          </p:cNvPr>
+          <p:cNvSpPr txBox="1"/>
+          <p:nvPr/>
+        </p:nvSpPr>
+        <p:spPr>
+          <a:xfrm>
+            <a:off x="7906871" y="2177179"/>
+            <a:ext cx="430306" cy="215444"/>
+          </a:xfrm>
+          <a:prstGeom prst="rect">
+            <a:avLst/>
+          </a:prstGeom>
+          <a:noFill/>
+        </p:spPr>
+        <p:txBody>
+          <a:bodyPr wrap="square" rtlCol="0">
+            <a:spAutoFit/>
+          </a:bodyPr>
+          <a:lstStyle/>
+          <a:p>
+            <a:r>
+              <a:rPr lang="en-US" altLang="ko-KR" sz="800" dirty="0"/>
+              <a:t>Q0.1</a:t>
+            </a:r>
+            <a:endParaRPr lang="ko-KR" altLang="en-US" sz="800" dirty="0"/>
+          </a:p>
+        </p:txBody>
+      </p:sp>
+      <p:sp>
+        <p:nvSpPr>
+          <p:cNvPr id="22" name="TextBox 21">
+            <a:extLst>
+              <a:ext uri="{FF2B5EF4-FFF2-40B4-BE49-F238E27FC236}">
+                <a16:creationId xmlns:a16="http://schemas.microsoft.com/office/drawing/2014/main" id="{71996836-91F8-DFFB-703B-08AA81F4C06B}"/>
+              </a:ext>
+            </a:extLst>
+          </p:cNvPr>
+          <p:cNvSpPr txBox="1"/>
+          <p:nvPr/>
+        </p:nvSpPr>
+        <p:spPr>
+          <a:xfrm>
+            <a:off x="9000565" y="2177179"/>
+            <a:ext cx="430306" cy="215444"/>
+          </a:xfrm>
+          <a:prstGeom prst="rect">
+            <a:avLst/>
+          </a:prstGeom>
+          <a:noFill/>
+        </p:spPr>
+        <p:txBody>
+          <a:bodyPr wrap="square" rtlCol="0">
+            <a:spAutoFit/>
+          </a:bodyPr>
+          <a:lstStyle/>
+          <a:p>
+            <a:r>
+              <a:rPr lang="en-US" altLang="ko-KR" sz="800" dirty="0"/>
+              <a:t>= A</a:t>
+            </a:r>
+            <a:endParaRPr lang="ko-KR" altLang="en-US" sz="800" dirty="0"/>
+          </a:p>
+        </p:txBody>
+      </p:sp>
+    </p:spTree>
+    <p:extLst>
+      <p:ext uri="{BB962C8B-B14F-4D97-AF65-F5344CB8AC3E}">
+        <p14:creationId xmlns:p14="http://schemas.microsoft.com/office/powerpoint/2010/main" val="2940528974"/>
+      </p:ext>
+    </p:extLst>
+  </p:cSld>
+  <p:clrMapOvr>
+    <a:masterClrMapping/>
+  </p:clrMapOvr>
+</p:sld>
+</file>
+
+<file path=ppt/slides/slide17.xml><?xml version="1.0" encoding="utf-8"?>
+<p:sld xmlns:a="http://schemas.openxmlformats.org/drawingml/2006/main" xmlns:r="http://schemas.openxmlformats.org/officeDocument/2006/relationships" xmlns:p="http://schemas.openxmlformats.org/presentationml/2006/main">
+  <p:cSld>
+    <p:spTree>
+      <p:nvGrpSpPr>
+        <p:cNvPr id="1" name=""/>
+        <p:cNvGrpSpPr/>
+        <p:nvPr/>
+      </p:nvGrpSpPr>
+      <p:grpSpPr>
+        <a:xfrm>
+          <a:off x="0" y="0"/>
+          <a:ext cx="0" cy="0"/>
+          <a:chOff x="0" y="0"/>
+          <a:chExt cx="0" cy="0"/>
+        </a:xfrm>
+      </p:grpSpPr>
+      <p:pic>
+        <p:nvPicPr>
+          <p:cNvPr id="5" name="그림 4">
+            <a:extLst>
+              <a:ext uri="{FF2B5EF4-FFF2-40B4-BE49-F238E27FC236}">
                 <a16:creationId xmlns:a16="http://schemas.microsoft.com/office/drawing/2014/main" id="{2A5BD465-01B0-72BE-B80D-C0411EC877C7}"/>
               </a:ext>
             </a:extLst>
@@ -15251,7 +15815,7 @@
 </p:sld>
 </file>
 
-<file path=ppt/slides/slide17.xml><?xml version="1.0" encoding="utf-8"?>
+<file path=ppt/slides/slide18.xml><?xml version="1.0" encoding="utf-8"?>
 <p:sld xmlns:a="http://schemas.openxmlformats.org/drawingml/2006/main" xmlns:r="http://schemas.openxmlformats.org/officeDocument/2006/relationships" xmlns:p="http://schemas.openxmlformats.org/presentationml/2006/main">
   <p:cSld>
     <p:spTree>
@@ -16144,7 +16708,7 @@
 </p:sld>
 </file>
 
-<file path=ppt/slides/slide18.xml><?xml version="1.0" encoding="utf-8"?>
+<file path=ppt/slides/slide19.xml><?xml version="1.0" encoding="utf-8"?>
 <p:sld xmlns:a="http://schemas.openxmlformats.org/drawingml/2006/main" xmlns:r="http://schemas.openxmlformats.org/officeDocument/2006/relationships" xmlns:p="http://schemas.openxmlformats.org/presentationml/2006/main">
   <p:cSld>
     <p:spTree>
@@ -16541,1873 +17105,6 @@
     <p:extLst>
       <p:ext uri="{BB962C8B-B14F-4D97-AF65-F5344CB8AC3E}">
         <p14:creationId xmlns:p14="http://schemas.microsoft.com/office/powerpoint/2010/main" val="2087789871"/>
-      </p:ext>
-    </p:extLst>
-  </p:cSld>
-  <p:clrMapOvr>
-    <a:masterClrMapping/>
-  </p:clrMapOvr>
-</p:sld>
-</file>
-
-<file path=ppt/slides/slide19.xml><?xml version="1.0" encoding="utf-8"?>
-<p:sld xmlns:a="http://schemas.openxmlformats.org/drawingml/2006/main" xmlns:r="http://schemas.openxmlformats.org/officeDocument/2006/relationships" xmlns:p="http://schemas.openxmlformats.org/presentationml/2006/main">
-  <p:cSld>
-    <p:spTree>
-      <p:nvGrpSpPr>
-        <p:cNvPr id="1" name=""/>
-        <p:cNvGrpSpPr/>
-        <p:nvPr/>
-      </p:nvGrpSpPr>
-      <p:grpSpPr>
-        <a:xfrm>
-          <a:off x="0" y="0"/>
-          <a:ext cx="0" cy="0"/>
-          <a:chOff x="0" y="0"/>
-          <a:chExt cx="0" cy="0"/>
-        </a:xfrm>
-      </p:grpSpPr>
-      <p:pic>
-        <p:nvPicPr>
-          <p:cNvPr id="5" name="그림 4">
-            <a:extLst>
-              <a:ext uri="{FF2B5EF4-FFF2-40B4-BE49-F238E27FC236}">
-                <a16:creationId xmlns:a16="http://schemas.microsoft.com/office/drawing/2014/main" id="{51A74512-1962-1626-6CE7-294FC3F31B89}"/>
-              </a:ext>
-            </a:extLst>
-          </p:cNvPr>
-          <p:cNvPicPr>
-            <a:picLocks noChangeAspect="1"/>
-          </p:cNvPicPr>
-          <p:nvPr/>
-        </p:nvPicPr>
-        <p:blipFill>
-          <a:blip r:embed="rId2"/>
-          <a:stretch>
-            <a:fillRect/>
-          </a:stretch>
-        </p:blipFill>
-        <p:spPr>
-          <a:xfrm>
-            <a:off x="0" y="95250"/>
-            <a:ext cx="12192000" cy="6667500"/>
-          </a:xfrm>
-          <a:prstGeom prst="rect">
-            <a:avLst/>
-          </a:prstGeom>
-        </p:spPr>
-      </p:pic>
-      <p:sp>
-        <p:nvSpPr>
-          <p:cNvPr id="2" name="TextBox 1">
-            <a:extLst>
-              <a:ext uri="{FF2B5EF4-FFF2-40B4-BE49-F238E27FC236}">
-                <a16:creationId xmlns:a16="http://schemas.microsoft.com/office/drawing/2014/main" id="{4E8A37D4-DCF8-E641-6177-D0706E6A2CD9}"/>
-              </a:ext>
-            </a:extLst>
-          </p:cNvPr>
-          <p:cNvSpPr txBox="1"/>
-          <p:nvPr/>
-        </p:nvSpPr>
-        <p:spPr>
-          <a:xfrm>
-            <a:off x="1806804" y="1318089"/>
-            <a:ext cx="1471878" cy="230832"/>
-          </a:xfrm>
-          <a:prstGeom prst="rect">
-            <a:avLst/>
-          </a:prstGeom>
-          <a:solidFill>
-            <a:srgbClr val="F0F0F0"/>
-          </a:solidFill>
-        </p:spPr>
-        <p:txBody>
-          <a:bodyPr wrap="none" rtlCol="0">
-            <a:spAutoFit/>
-          </a:bodyPr>
-          <a:lstStyle/>
-          <a:p>
-            <a:r>
-              <a:rPr lang="en-US" altLang="ko-KR" sz="900" b="1" dirty="0"/>
-              <a:t>Group</a:t>
-            </a:r>
-            <a:r>
-              <a:rPr lang="ko-KR" altLang="en-US" sz="900" b="1" dirty="0"/>
-              <a:t> </a:t>
-            </a:r>
-            <a:r>
-              <a:rPr lang="en-US" altLang="ko-KR" sz="900" b="1" dirty="0"/>
-              <a:t>Work Master-1:</a:t>
-            </a:r>
-            <a:endParaRPr lang="ko-KR" altLang="en-US" sz="900" b="1" dirty="0"/>
-          </a:p>
-        </p:txBody>
-      </p:sp>
-      <p:pic>
-        <p:nvPicPr>
-          <p:cNvPr id="3" name="그림 2">
-            <a:extLst>
-              <a:ext uri="{FF2B5EF4-FFF2-40B4-BE49-F238E27FC236}">
-                <a16:creationId xmlns:a16="http://schemas.microsoft.com/office/drawing/2014/main" id="{9F0527A2-1E1F-6F2F-981A-8347109CCD45}"/>
-              </a:ext>
-            </a:extLst>
-          </p:cNvPr>
-          <p:cNvPicPr>
-            <a:picLocks noChangeAspect="1"/>
-          </p:cNvPicPr>
-          <p:nvPr/>
-        </p:nvPicPr>
-        <p:blipFill rotWithShape="1">
-          <a:blip r:embed="rId2"/>
-          <a:srcRect l="14524" t="21593" r="24317" b="69815"/>
-          <a:stretch/>
-        </p:blipFill>
-        <p:spPr>
-          <a:xfrm>
-            <a:off x="1769096" y="4488507"/>
-            <a:ext cx="7456602" cy="572834"/>
-          </a:xfrm>
-          <a:prstGeom prst="rect">
-            <a:avLst/>
-          </a:prstGeom>
-        </p:spPr>
-      </p:pic>
-      <p:sp>
-        <p:nvSpPr>
-          <p:cNvPr id="4" name="TextBox 3">
-            <a:extLst>
-              <a:ext uri="{FF2B5EF4-FFF2-40B4-BE49-F238E27FC236}">
-                <a16:creationId xmlns:a16="http://schemas.microsoft.com/office/drawing/2014/main" id="{206844BF-A3D5-9E24-4C9C-274128370641}"/>
-              </a:ext>
-            </a:extLst>
-          </p:cNvPr>
-          <p:cNvSpPr txBox="1"/>
-          <p:nvPr/>
-        </p:nvSpPr>
-        <p:spPr>
-          <a:xfrm>
-            <a:off x="1806804" y="4257675"/>
-            <a:ext cx="1309974" cy="230832"/>
-          </a:xfrm>
-          <a:prstGeom prst="rect">
-            <a:avLst/>
-          </a:prstGeom>
-          <a:solidFill>
-            <a:srgbClr val="F0F0F0"/>
-          </a:solidFill>
-        </p:spPr>
-        <p:txBody>
-          <a:bodyPr wrap="none" rtlCol="0">
-            <a:spAutoFit/>
-          </a:bodyPr>
-          <a:lstStyle/>
-          <a:p>
-            <a:r>
-              <a:rPr lang="en-US" altLang="ko-KR" sz="900" b="1" dirty="0"/>
-              <a:t>Single</a:t>
-            </a:r>
-            <a:r>
-              <a:rPr lang="ko-KR" altLang="en-US" sz="900" b="1" dirty="0"/>
-              <a:t> </a:t>
-            </a:r>
-            <a:r>
-              <a:rPr lang="en-US" altLang="ko-KR" sz="900" b="1" dirty="0"/>
-              <a:t>Work Master:</a:t>
-            </a:r>
-            <a:endParaRPr lang="ko-KR" altLang="en-US" sz="900" b="1" dirty="0"/>
-          </a:p>
-        </p:txBody>
-      </p:sp>
-      <p:pic>
-        <p:nvPicPr>
-          <p:cNvPr id="11" name="그림 10">
-            <a:extLst>
-              <a:ext uri="{FF2B5EF4-FFF2-40B4-BE49-F238E27FC236}">
-                <a16:creationId xmlns:a16="http://schemas.microsoft.com/office/drawing/2014/main" id="{C4BBB444-2637-FDB0-CAAE-3C283DF9A357}"/>
-              </a:ext>
-            </a:extLst>
-          </p:cNvPr>
-          <p:cNvPicPr>
-            <a:picLocks noChangeAspect="1"/>
-          </p:cNvPicPr>
-          <p:nvPr/>
-        </p:nvPicPr>
-        <p:blipFill rotWithShape="1">
-          <a:blip r:embed="rId2"/>
-          <a:srcRect l="14820" t="65000" r="24922" b="23341"/>
-          <a:stretch/>
-        </p:blipFill>
-        <p:spPr>
-          <a:xfrm>
-            <a:off x="1806804" y="5170255"/>
-            <a:ext cx="7346721" cy="777411"/>
-          </a:xfrm>
-          <a:prstGeom prst="rect">
-            <a:avLst/>
-          </a:prstGeom>
-        </p:spPr>
-      </p:pic>
-      <p:pic>
-        <p:nvPicPr>
-          <p:cNvPr id="12" name="그림 11">
-            <a:extLst>
-              <a:ext uri="{FF2B5EF4-FFF2-40B4-BE49-F238E27FC236}">
-                <a16:creationId xmlns:a16="http://schemas.microsoft.com/office/drawing/2014/main" id="{48DCB3E7-7BB6-3D35-D037-6AC6463A0BCA}"/>
-              </a:ext>
-            </a:extLst>
-          </p:cNvPr>
-          <p:cNvPicPr>
-            <a:picLocks noChangeAspect="1"/>
-          </p:cNvPicPr>
-          <p:nvPr/>
-        </p:nvPicPr>
-        <p:blipFill rotWithShape="1">
-          <a:blip r:embed="rId2"/>
-          <a:srcRect l="14524" t="21593" r="24317" b="69815"/>
-          <a:stretch/>
-        </p:blipFill>
-        <p:spPr>
-          <a:xfrm>
-            <a:off x="1769096" y="2369493"/>
-            <a:ext cx="7456602" cy="572834"/>
-          </a:xfrm>
-          <a:prstGeom prst="rect">
-            <a:avLst/>
-          </a:prstGeom>
-        </p:spPr>
-      </p:pic>
-      <p:sp>
-        <p:nvSpPr>
-          <p:cNvPr id="13" name="TextBox 12">
-            <a:extLst>
-              <a:ext uri="{FF2B5EF4-FFF2-40B4-BE49-F238E27FC236}">
-                <a16:creationId xmlns:a16="http://schemas.microsoft.com/office/drawing/2014/main" id="{065454EA-5C70-B20E-54E5-A4EC7AB5FC8B}"/>
-              </a:ext>
-            </a:extLst>
-          </p:cNvPr>
-          <p:cNvSpPr txBox="1"/>
-          <p:nvPr/>
-        </p:nvSpPr>
-        <p:spPr>
-          <a:xfrm>
-            <a:off x="1806804" y="2145163"/>
-            <a:ext cx="1431802" cy="230832"/>
-          </a:xfrm>
-          <a:prstGeom prst="rect">
-            <a:avLst/>
-          </a:prstGeom>
-          <a:solidFill>
-            <a:srgbClr val="F0F0F0"/>
-          </a:solidFill>
-        </p:spPr>
-        <p:txBody>
-          <a:bodyPr wrap="none" rtlCol="0">
-            <a:spAutoFit/>
-          </a:bodyPr>
-          <a:lstStyle/>
-          <a:p>
-            <a:r>
-              <a:rPr lang="en-US" altLang="ko-KR" sz="900" b="1" dirty="0"/>
-              <a:t>Group</a:t>
-            </a:r>
-            <a:r>
-              <a:rPr lang="ko-KR" altLang="en-US" sz="900" b="1" dirty="0"/>
-              <a:t> </a:t>
-            </a:r>
-            <a:r>
-              <a:rPr lang="en-US" altLang="ko-KR" sz="900" b="1" dirty="0"/>
-              <a:t>Work Master-2:</a:t>
-            </a:r>
-            <a:endParaRPr lang="ko-KR" altLang="en-US" sz="900" b="1" dirty="0"/>
-          </a:p>
-        </p:txBody>
-      </p:sp>
-      <p:pic>
-        <p:nvPicPr>
-          <p:cNvPr id="14" name="그림 13">
-            <a:extLst>
-              <a:ext uri="{FF2B5EF4-FFF2-40B4-BE49-F238E27FC236}">
-                <a16:creationId xmlns:a16="http://schemas.microsoft.com/office/drawing/2014/main" id="{3999388C-2996-709C-84D3-3D8DA416B496}"/>
-              </a:ext>
-            </a:extLst>
-          </p:cNvPr>
-          <p:cNvPicPr>
-            <a:picLocks noChangeAspect="1"/>
-          </p:cNvPicPr>
-          <p:nvPr/>
-        </p:nvPicPr>
-        <p:blipFill rotWithShape="1">
-          <a:blip r:embed="rId2"/>
-          <a:srcRect l="14524" t="21593" r="24317" b="69815"/>
-          <a:stretch/>
-        </p:blipFill>
-        <p:spPr>
-          <a:xfrm>
-            <a:off x="1769096" y="3245431"/>
-            <a:ext cx="7456602" cy="572834"/>
-          </a:xfrm>
-          <a:prstGeom prst="rect">
-            <a:avLst/>
-          </a:prstGeom>
-        </p:spPr>
-      </p:pic>
-      <p:sp>
-        <p:nvSpPr>
-          <p:cNvPr id="15" name="TextBox 14">
-            <a:extLst>
-              <a:ext uri="{FF2B5EF4-FFF2-40B4-BE49-F238E27FC236}">
-                <a16:creationId xmlns:a16="http://schemas.microsoft.com/office/drawing/2014/main" id="{5A9A48E9-F6D6-8DA4-D210-B2784D896B97}"/>
-              </a:ext>
-            </a:extLst>
-          </p:cNvPr>
-          <p:cNvSpPr txBox="1"/>
-          <p:nvPr/>
-        </p:nvSpPr>
-        <p:spPr>
-          <a:xfrm>
-            <a:off x="1806804" y="3021101"/>
-            <a:ext cx="1431802" cy="230832"/>
-          </a:xfrm>
-          <a:prstGeom prst="rect">
-            <a:avLst/>
-          </a:prstGeom>
-          <a:solidFill>
-            <a:srgbClr val="F0F0F0"/>
-          </a:solidFill>
-        </p:spPr>
-        <p:txBody>
-          <a:bodyPr wrap="none" rtlCol="0">
-            <a:spAutoFit/>
-          </a:bodyPr>
-          <a:lstStyle/>
-          <a:p>
-            <a:r>
-              <a:rPr lang="en-US" altLang="ko-KR" sz="900" b="1" dirty="0"/>
-              <a:t>Group</a:t>
-            </a:r>
-            <a:r>
-              <a:rPr lang="ko-KR" altLang="en-US" sz="900" b="1" dirty="0"/>
-              <a:t> </a:t>
-            </a:r>
-            <a:r>
-              <a:rPr lang="en-US" altLang="ko-KR" sz="900" b="1" dirty="0"/>
-              <a:t>Work Master-3:</a:t>
-            </a:r>
-            <a:endParaRPr lang="ko-KR" altLang="en-US" sz="900" b="1" dirty="0"/>
-          </a:p>
-        </p:txBody>
-      </p:sp>
-      <p:sp>
-        <p:nvSpPr>
-          <p:cNvPr id="16" name="TextBox 15">
-            <a:extLst>
-              <a:ext uri="{FF2B5EF4-FFF2-40B4-BE49-F238E27FC236}">
-                <a16:creationId xmlns:a16="http://schemas.microsoft.com/office/drawing/2014/main" id="{CC935820-4F63-CE6F-2B4F-6FFC36D54051}"/>
-              </a:ext>
-            </a:extLst>
-          </p:cNvPr>
-          <p:cNvSpPr txBox="1"/>
-          <p:nvPr/>
-        </p:nvSpPr>
-        <p:spPr>
-          <a:xfrm>
-            <a:off x="1806804" y="3871586"/>
-            <a:ext cx="1431802" cy="230832"/>
-          </a:xfrm>
-          <a:prstGeom prst="rect">
-            <a:avLst/>
-          </a:prstGeom>
-          <a:solidFill>
-            <a:srgbClr val="F0F0F0"/>
-          </a:solidFill>
-        </p:spPr>
-        <p:txBody>
-          <a:bodyPr wrap="none" rtlCol="0">
-            <a:spAutoFit/>
-          </a:bodyPr>
-          <a:lstStyle/>
-          <a:p>
-            <a:r>
-              <a:rPr lang="en-US" altLang="ko-KR" sz="900" b="1" dirty="0"/>
-              <a:t>Group</a:t>
-            </a:r>
-            <a:r>
-              <a:rPr lang="ko-KR" altLang="en-US" sz="900" b="1" dirty="0"/>
-              <a:t> </a:t>
-            </a:r>
-            <a:r>
-              <a:rPr lang="en-US" altLang="ko-KR" sz="900" b="1" dirty="0"/>
-              <a:t>Work Master-4:</a:t>
-            </a:r>
-            <a:endParaRPr lang="ko-KR" altLang="en-US" sz="900" b="1" dirty="0"/>
-          </a:p>
-        </p:txBody>
-      </p:sp>
-      <p:sp>
-        <p:nvSpPr>
-          <p:cNvPr id="17" name="직사각형 16">
-            <a:extLst>
-              <a:ext uri="{FF2B5EF4-FFF2-40B4-BE49-F238E27FC236}">
-                <a16:creationId xmlns:a16="http://schemas.microsoft.com/office/drawing/2014/main" id="{008038DE-F5D1-4638-24E2-BA5BA2506751}"/>
-              </a:ext>
-            </a:extLst>
-          </p:cNvPr>
-          <p:cNvSpPr/>
-          <p:nvPr/>
-        </p:nvSpPr>
-        <p:spPr>
-          <a:xfrm>
-            <a:off x="1806804" y="1296976"/>
-            <a:ext cx="7418893" cy="890413"/>
-          </a:xfrm>
-          <a:prstGeom prst="rect">
-            <a:avLst/>
-          </a:prstGeom>
-          <a:noFill/>
-          <a:ln>
-            <a:solidFill>
-              <a:srgbClr val="FF00FF"/>
-            </a:solidFill>
-            <a:prstDash val="dash"/>
-          </a:ln>
-        </p:spPr>
-        <p:style>
-          <a:lnRef idx="2">
-            <a:schemeClr val="accent1">
-              <a:shade val="15000"/>
-            </a:schemeClr>
-          </a:lnRef>
-          <a:fillRef idx="1">
-            <a:schemeClr val="accent1"/>
-          </a:fillRef>
-          <a:effectRef idx="0">
-            <a:schemeClr val="accent1"/>
-          </a:effectRef>
-          <a:fontRef idx="minor">
-            <a:schemeClr val="lt1"/>
-          </a:fontRef>
-        </p:style>
-        <p:txBody>
-          <a:bodyPr rtlCol="0" anchor="ctr"/>
-          <a:lstStyle/>
-          <a:p>
-            <a:endParaRPr lang="ko-KR" altLang="en-US" sz="800" dirty="0">
-              <a:solidFill>
-                <a:schemeClr val="tx1"/>
-              </a:solidFill>
-            </a:endParaRPr>
-          </a:p>
-        </p:txBody>
-      </p:sp>
-      <p:sp>
-        <p:nvSpPr>
-          <p:cNvPr id="18" name="TextBox 17">
-            <a:extLst>
-              <a:ext uri="{FF2B5EF4-FFF2-40B4-BE49-F238E27FC236}">
-                <a16:creationId xmlns:a16="http://schemas.microsoft.com/office/drawing/2014/main" id="{A7FF0DB6-B35E-A27C-E09E-ABA4AED8C834}"/>
-              </a:ext>
-            </a:extLst>
-          </p:cNvPr>
-          <p:cNvSpPr txBox="1"/>
-          <p:nvPr/>
-        </p:nvSpPr>
-        <p:spPr>
-          <a:xfrm>
-            <a:off x="5206825" y="979535"/>
-            <a:ext cx="2613199" cy="338554"/>
-          </a:xfrm>
-          <a:prstGeom prst="rect">
-            <a:avLst/>
-          </a:prstGeom>
-          <a:noFill/>
-        </p:spPr>
-        <p:txBody>
-          <a:bodyPr wrap="square" rtlCol="0">
-            <a:spAutoFit/>
-          </a:bodyPr>
-          <a:lstStyle/>
-          <a:p>
-            <a:r>
-              <a:rPr lang="en-US" altLang="ko-KR" sz="800" dirty="0">
-                <a:solidFill>
-                  <a:srgbClr val="FF00FF"/>
-                </a:solidFill>
-              </a:rPr>
-              <a:t>Collapsing Frame</a:t>
-            </a:r>
-            <a:r>
-              <a:rPr lang="ko-KR" altLang="en-US" sz="800" dirty="0">
-                <a:solidFill>
-                  <a:srgbClr val="FF00FF"/>
-                </a:solidFill>
-              </a:rPr>
-              <a:t>으로 구현</a:t>
-            </a:r>
-            <a:endParaRPr lang="en-US" altLang="ko-KR" sz="800" dirty="0">
-              <a:solidFill>
-                <a:srgbClr val="FF00FF"/>
-              </a:solidFill>
-            </a:endParaRPr>
-          </a:p>
-          <a:p>
-            <a:r>
-              <a:rPr lang="en-US" altLang="ko-KR" sz="800" dirty="0">
-                <a:solidFill>
-                  <a:srgbClr val="FF00FF"/>
-                </a:solidFill>
-              </a:rPr>
-              <a:t>(</a:t>
-            </a:r>
-            <a:r>
-              <a:rPr lang="ko-KR" altLang="en-US" sz="800" dirty="0">
-                <a:solidFill>
-                  <a:srgbClr val="FF00FF"/>
-                </a:solidFill>
-              </a:rPr>
-              <a:t>접었다 펴지도록</a:t>
-            </a:r>
-            <a:r>
-              <a:rPr lang="en-US" altLang="ko-KR" sz="800" dirty="0">
-                <a:solidFill>
-                  <a:srgbClr val="FF00FF"/>
-                </a:solidFill>
-              </a:rPr>
-              <a:t>- </a:t>
-            </a:r>
-            <a:r>
-              <a:rPr lang="ko-KR" altLang="en-US" sz="800" dirty="0">
-                <a:solidFill>
-                  <a:srgbClr val="FF00FF"/>
-                </a:solidFill>
-              </a:rPr>
-              <a:t>없는 항목 자동 접힘</a:t>
-            </a:r>
-            <a:r>
-              <a:rPr lang="en-US" altLang="ko-KR" sz="800" dirty="0">
-                <a:solidFill>
-                  <a:srgbClr val="FF00FF"/>
-                </a:solidFill>
-              </a:rPr>
-              <a:t>)</a:t>
-            </a:r>
-            <a:endParaRPr lang="ko-KR" altLang="en-US" sz="800" dirty="0">
-              <a:solidFill>
-                <a:srgbClr val="FF00FF"/>
-              </a:solidFill>
-            </a:endParaRPr>
-          </a:p>
-        </p:txBody>
-      </p:sp>
-      <p:sp>
-        <p:nvSpPr>
-          <p:cNvPr id="19" name="자유형: 도형 18">
-            <a:extLst>
-              <a:ext uri="{FF2B5EF4-FFF2-40B4-BE49-F238E27FC236}">
-                <a16:creationId xmlns:a16="http://schemas.microsoft.com/office/drawing/2014/main" id="{BE1FD083-9CD0-71F7-230A-7A23B9795397}"/>
-              </a:ext>
-            </a:extLst>
-          </p:cNvPr>
-          <p:cNvSpPr/>
-          <p:nvPr/>
-        </p:nvSpPr>
-        <p:spPr>
-          <a:xfrm rot="19392881">
-            <a:off x="8699499" y="1356203"/>
-            <a:ext cx="247650" cy="361950"/>
-          </a:xfrm>
-          <a:custGeom>
-            <a:avLst/>
-            <a:gdLst>
-              <a:gd name="connsiteX0" fmla="*/ 0 w 247650"/>
-              <a:gd name="connsiteY0" fmla="*/ 114300 h 361950"/>
-              <a:gd name="connsiteX1" fmla="*/ 247650 w 247650"/>
-              <a:gd name="connsiteY1" fmla="*/ 361950 h 361950"/>
-              <a:gd name="connsiteX2" fmla="*/ 247650 w 247650"/>
-              <a:gd name="connsiteY2" fmla="*/ 0 h 361950"/>
-            </a:gdLst>
-            <a:ahLst/>
-            <a:cxnLst>
-              <a:cxn ang="0">
-                <a:pos x="connsiteX0" y="connsiteY0"/>
-              </a:cxn>
-              <a:cxn ang="0">
-                <a:pos x="connsiteX1" y="connsiteY1"/>
-              </a:cxn>
-              <a:cxn ang="0">
-                <a:pos x="connsiteX2" y="connsiteY2"/>
-              </a:cxn>
-            </a:cxnLst>
-            <a:rect l="l" t="t" r="r" b="b"/>
-            <a:pathLst>
-              <a:path w="247650" h="361950">
-                <a:moveTo>
-                  <a:pt x="0" y="114300"/>
-                </a:moveTo>
-                <a:lnTo>
-                  <a:pt x="247650" y="361950"/>
-                </a:lnTo>
-                <a:lnTo>
-                  <a:pt x="247650" y="0"/>
-                </a:lnTo>
-              </a:path>
-            </a:pathLst>
-          </a:custGeom>
-          <a:noFill/>
-          <a:ln>
-            <a:solidFill>
-              <a:srgbClr val="FF00FF"/>
-            </a:solidFill>
-          </a:ln>
-        </p:spPr>
-        <p:style>
-          <a:lnRef idx="2">
-            <a:schemeClr val="accent1">
-              <a:shade val="15000"/>
-            </a:schemeClr>
-          </a:lnRef>
-          <a:fillRef idx="1">
-            <a:schemeClr val="accent1"/>
-          </a:fillRef>
-          <a:effectRef idx="0">
-            <a:schemeClr val="accent1"/>
-          </a:effectRef>
-          <a:fontRef idx="minor">
-            <a:schemeClr val="lt1"/>
-          </a:fontRef>
-        </p:style>
-        <p:txBody>
-          <a:bodyPr rtlCol="0" anchor="ctr"/>
-          <a:lstStyle/>
-          <a:p>
-            <a:pPr algn="ctr"/>
-            <a:endParaRPr lang="ko-KR" altLang="en-US"/>
-          </a:p>
-        </p:txBody>
-      </p:sp>
-      <p:sp>
-        <p:nvSpPr>
-          <p:cNvPr id="20" name="TextBox 19">
-            <a:extLst>
-              <a:ext uri="{FF2B5EF4-FFF2-40B4-BE49-F238E27FC236}">
-                <a16:creationId xmlns:a16="http://schemas.microsoft.com/office/drawing/2014/main" id="{5D17D730-0030-DE1F-3F94-DCBB76263796}"/>
-              </a:ext>
-            </a:extLst>
-          </p:cNvPr>
-          <p:cNvSpPr txBox="1"/>
-          <p:nvPr/>
-        </p:nvSpPr>
-        <p:spPr>
-          <a:xfrm>
-            <a:off x="7256478" y="1341172"/>
-            <a:ext cx="1566846" cy="184666"/>
-          </a:xfrm>
-          <a:prstGeom prst="rect">
-            <a:avLst/>
-          </a:prstGeom>
-          <a:noFill/>
-        </p:spPr>
-        <p:txBody>
-          <a:bodyPr wrap="square" rtlCol="0">
-            <a:spAutoFit/>
-          </a:bodyPr>
-          <a:lstStyle/>
-          <a:p>
-            <a:r>
-              <a:rPr lang="ko-KR" altLang="en-US" sz="600" dirty="0">
-                <a:solidFill>
-                  <a:srgbClr val="FF00FF"/>
-                </a:solidFill>
-              </a:rPr>
-              <a:t>헤더에 표준 </a:t>
-            </a:r>
-            <a:r>
-              <a:rPr lang="ko-KR" altLang="en-US" sz="600" dirty="0" err="1">
-                <a:solidFill>
-                  <a:srgbClr val="FF00FF"/>
-                </a:solidFill>
-              </a:rPr>
-              <a:t>산출식</a:t>
-            </a:r>
-            <a:r>
-              <a:rPr lang="en-US" altLang="ko-KR" sz="600" dirty="0">
-                <a:solidFill>
-                  <a:srgbClr val="FF00FF"/>
-                </a:solidFill>
-              </a:rPr>
-              <a:t>, </a:t>
-            </a:r>
-            <a:r>
-              <a:rPr lang="ko-KR" altLang="en-US" sz="600" dirty="0">
-                <a:solidFill>
-                  <a:srgbClr val="FF00FF"/>
-                </a:solidFill>
-              </a:rPr>
-              <a:t>변경 </a:t>
-            </a:r>
-            <a:r>
-              <a:rPr lang="ko-KR" altLang="en-US" sz="600" dirty="0" err="1">
-                <a:solidFill>
-                  <a:srgbClr val="FF00FF"/>
-                </a:solidFill>
-              </a:rPr>
-              <a:t>산출식</a:t>
-            </a:r>
-            <a:r>
-              <a:rPr lang="ko-KR" altLang="en-US" sz="600" dirty="0">
-                <a:solidFill>
-                  <a:srgbClr val="FF00FF"/>
-                </a:solidFill>
-              </a:rPr>
-              <a:t> 추가</a:t>
-            </a:r>
-          </a:p>
-        </p:txBody>
-      </p:sp>
-      <p:cxnSp>
-        <p:nvCxnSpPr>
-          <p:cNvPr id="22" name="직선 연결선 21">
-            <a:extLst>
-              <a:ext uri="{FF2B5EF4-FFF2-40B4-BE49-F238E27FC236}">
-                <a16:creationId xmlns:a16="http://schemas.microsoft.com/office/drawing/2014/main" id="{41D98727-0A03-0EDE-8B34-65E7F497B286}"/>
-              </a:ext>
-            </a:extLst>
-          </p:cNvPr>
-          <p:cNvCxnSpPr/>
-          <p:nvPr/>
-        </p:nvCxnSpPr>
-        <p:spPr>
-          <a:xfrm>
-            <a:off x="9525000" y="807720"/>
-            <a:ext cx="2369820" cy="1337443"/>
-          </a:xfrm>
-          <a:prstGeom prst="line">
-            <a:avLst/>
-          </a:prstGeom>
-          <a:noFill/>
-          <a:ln>
-            <a:solidFill>
-              <a:srgbClr val="FF00FF"/>
-            </a:solidFill>
-          </a:ln>
-        </p:spPr>
-        <p:style>
-          <a:lnRef idx="2">
-            <a:schemeClr val="accent1">
-              <a:shade val="15000"/>
-            </a:schemeClr>
-          </a:lnRef>
-          <a:fillRef idx="1">
-            <a:schemeClr val="accent1"/>
-          </a:fillRef>
-          <a:effectRef idx="0">
-            <a:schemeClr val="accent1"/>
-          </a:effectRef>
-          <a:fontRef idx="minor">
-            <a:schemeClr val="lt1"/>
-          </a:fontRef>
-        </p:style>
-      </p:cxnSp>
-      <p:cxnSp>
-        <p:nvCxnSpPr>
-          <p:cNvPr id="24" name="직선 연결선 23">
-            <a:extLst>
-              <a:ext uri="{FF2B5EF4-FFF2-40B4-BE49-F238E27FC236}">
-                <a16:creationId xmlns:a16="http://schemas.microsoft.com/office/drawing/2014/main" id="{4C6356F6-78AE-8849-B2E1-4FC5EEF67D28}"/>
-              </a:ext>
-            </a:extLst>
-          </p:cNvPr>
-          <p:cNvCxnSpPr/>
-          <p:nvPr/>
-        </p:nvCxnSpPr>
-        <p:spPr>
-          <a:xfrm flipV="1">
-            <a:off x="9426522" y="754380"/>
-            <a:ext cx="2441830" cy="1390783"/>
-          </a:xfrm>
-          <a:prstGeom prst="line">
-            <a:avLst/>
-          </a:prstGeom>
-          <a:noFill/>
-          <a:ln>
-            <a:solidFill>
-              <a:srgbClr val="FF00FF"/>
-            </a:solidFill>
-          </a:ln>
-        </p:spPr>
-        <p:style>
-          <a:lnRef idx="2">
-            <a:schemeClr val="accent1">
-              <a:shade val="15000"/>
-            </a:schemeClr>
-          </a:lnRef>
-          <a:fillRef idx="1">
-            <a:schemeClr val="accent1"/>
-          </a:fillRef>
-          <a:effectRef idx="0">
-            <a:schemeClr val="accent1"/>
-          </a:effectRef>
-          <a:fontRef idx="minor">
-            <a:schemeClr val="lt1"/>
-          </a:fontRef>
-        </p:style>
-      </p:cxnSp>
-      <p:sp>
-        <p:nvSpPr>
-          <p:cNvPr id="25" name="TextBox 24">
-            <a:extLst>
-              <a:ext uri="{FF2B5EF4-FFF2-40B4-BE49-F238E27FC236}">
-                <a16:creationId xmlns:a16="http://schemas.microsoft.com/office/drawing/2014/main" id="{2C27E638-244A-7F26-0269-DFACE33FD8B1}"/>
-              </a:ext>
-            </a:extLst>
-          </p:cNvPr>
-          <p:cNvSpPr txBox="1"/>
-          <p:nvPr/>
-        </p:nvSpPr>
-        <p:spPr>
-          <a:xfrm>
-            <a:off x="3238606" y="1318089"/>
-            <a:ext cx="899605" cy="230832"/>
-          </a:xfrm>
-          <a:prstGeom prst="rect">
-            <a:avLst/>
-          </a:prstGeom>
-          <a:solidFill>
-            <a:srgbClr val="F0F0F0"/>
-          </a:solidFill>
-        </p:spPr>
-        <p:txBody>
-          <a:bodyPr wrap="none" rtlCol="0">
-            <a:spAutoFit/>
-          </a:bodyPr>
-          <a:lstStyle/>
-          <a:p>
-            <a:r>
-              <a:rPr lang="en-US" altLang="ko-KR" sz="900" b="1" dirty="0">
-                <a:solidFill>
-                  <a:srgbClr val="0000FF"/>
-                </a:solidFill>
-              </a:rPr>
-              <a:t>RC-UG_user1</a:t>
-            </a:r>
-            <a:endParaRPr lang="ko-KR" altLang="en-US" sz="900" b="1" dirty="0">
-              <a:solidFill>
-                <a:srgbClr val="0000FF"/>
-              </a:solidFill>
-            </a:endParaRPr>
-          </a:p>
-        </p:txBody>
-      </p:sp>
-      <p:sp>
-        <p:nvSpPr>
-          <p:cNvPr id="26" name="TextBox 25">
-            <a:extLst>
-              <a:ext uri="{FF2B5EF4-FFF2-40B4-BE49-F238E27FC236}">
-                <a16:creationId xmlns:a16="http://schemas.microsoft.com/office/drawing/2014/main" id="{DDB1DA4D-AEC0-31D4-8706-3E5499A6D6F8}"/>
-              </a:ext>
-            </a:extLst>
-          </p:cNvPr>
-          <p:cNvSpPr txBox="1"/>
-          <p:nvPr/>
-        </p:nvSpPr>
-        <p:spPr>
-          <a:xfrm>
-            <a:off x="3238606" y="2145163"/>
-            <a:ext cx="538930" cy="230832"/>
-          </a:xfrm>
-          <a:prstGeom prst="rect">
-            <a:avLst/>
-          </a:prstGeom>
-          <a:solidFill>
-            <a:srgbClr val="F0F0F0"/>
-          </a:solidFill>
-        </p:spPr>
-        <p:txBody>
-          <a:bodyPr wrap="none" rtlCol="0">
-            <a:spAutoFit/>
-          </a:bodyPr>
-          <a:lstStyle/>
-          <a:p>
-            <a:r>
-              <a:rPr lang="en-US" altLang="ko-KR" sz="900" b="1" dirty="0">
-                <a:solidFill>
-                  <a:srgbClr val="0000FF"/>
-                </a:solidFill>
-              </a:rPr>
-              <a:t>UG-PT</a:t>
-            </a:r>
-            <a:endParaRPr lang="ko-KR" altLang="en-US" sz="900" b="1" dirty="0">
-              <a:solidFill>
-                <a:srgbClr val="0000FF"/>
-              </a:solidFill>
-            </a:endParaRPr>
-          </a:p>
-        </p:txBody>
-      </p:sp>
-      <p:sp>
-        <p:nvSpPr>
-          <p:cNvPr id="27" name="TextBox 26">
-            <a:extLst>
-              <a:ext uri="{FF2B5EF4-FFF2-40B4-BE49-F238E27FC236}">
-                <a16:creationId xmlns:a16="http://schemas.microsoft.com/office/drawing/2014/main" id="{D0571E60-D167-7AA5-DF14-3B8233122662}"/>
-              </a:ext>
-            </a:extLst>
-          </p:cNvPr>
-          <p:cNvSpPr txBox="1"/>
-          <p:nvPr/>
-        </p:nvSpPr>
-        <p:spPr>
-          <a:xfrm>
-            <a:off x="3238606" y="3014599"/>
-            <a:ext cx="559769" cy="230832"/>
-          </a:xfrm>
-          <a:prstGeom prst="rect">
-            <a:avLst/>
-          </a:prstGeom>
-          <a:solidFill>
-            <a:srgbClr val="F0F0F0"/>
-          </a:solidFill>
-        </p:spPr>
-        <p:txBody>
-          <a:bodyPr wrap="none" rtlCol="0">
-            <a:spAutoFit/>
-          </a:bodyPr>
-          <a:lstStyle/>
-          <a:p>
-            <a:r>
-              <a:rPr lang="en-US" altLang="ko-KR" sz="900" b="1" dirty="0">
-                <a:solidFill>
-                  <a:srgbClr val="0000FF"/>
-                </a:solidFill>
-              </a:rPr>
-              <a:t>EARTH</a:t>
-            </a:r>
-            <a:endParaRPr lang="ko-KR" altLang="en-US" sz="900" b="1" dirty="0">
-              <a:solidFill>
-                <a:srgbClr val="0000FF"/>
-              </a:solidFill>
-            </a:endParaRPr>
-          </a:p>
-        </p:txBody>
-      </p:sp>
-      <p:sp>
-        <p:nvSpPr>
-          <p:cNvPr id="28" name="TextBox 27">
-            <a:extLst>
-              <a:ext uri="{FF2B5EF4-FFF2-40B4-BE49-F238E27FC236}">
-                <a16:creationId xmlns:a16="http://schemas.microsoft.com/office/drawing/2014/main" id="{27D6C3DE-41D9-B7C8-7ABF-453D79111093}"/>
-              </a:ext>
-            </a:extLst>
-          </p:cNvPr>
-          <p:cNvSpPr txBox="1"/>
-          <p:nvPr/>
-        </p:nvSpPr>
-        <p:spPr>
-          <a:xfrm>
-            <a:off x="3238606" y="3871805"/>
-            <a:ext cx="468398" cy="230832"/>
-          </a:xfrm>
-          <a:prstGeom prst="rect">
-            <a:avLst/>
-          </a:prstGeom>
-          <a:solidFill>
-            <a:srgbClr val="F0F0F0"/>
-          </a:solidFill>
-        </p:spPr>
-        <p:txBody>
-          <a:bodyPr wrap="none" rtlCol="0">
-            <a:spAutoFit/>
-          </a:bodyPr>
-          <a:lstStyle/>
-          <a:p>
-            <a:r>
-              <a:rPr lang="en-US" altLang="ko-KR" sz="900" b="1" dirty="0">
-                <a:solidFill>
-                  <a:srgbClr val="0000FF"/>
-                </a:solidFill>
-              </a:rPr>
-              <a:t>BASE</a:t>
-            </a:r>
-            <a:endParaRPr lang="ko-KR" altLang="en-US" sz="900" b="1" dirty="0">
-              <a:solidFill>
-                <a:srgbClr val="0000FF"/>
-              </a:solidFill>
-            </a:endParaRPr>
-          </a:p>
-        </p:txBody>
-      </p:sp>
-      <p:sp>
-        <p:nvSpPr>
-          <p:cNvPr id="29" name="TextBox 28">
-            <a:extLst>
-              <a:ext uri="{FF2B5EF4-FFF2-40B4-BE49-F238E27FC236}">
-                <a16:creationId xmlns:a16="http://schemas.microsoft.com/office/drawing/2014/main" id="{40ED28A2-0E9C-B404-BAB1-6D389B654F8B}"/>
-              </a:ext>
-            </a:extLst>
-          </p:cNvPr>
-          <p:cNvSpPr txBox="1"/>
-          <p:nvPr/>
-        </p:nvSpPr>
-        <p:spPr>
-          <a:xfrm>
-            <a:off x="3238606" y="4242366"/>
-            <a:ext cx="667170" cy="230832"/>
-          </a:xfrm>
-          <a:prstGeom prst="rect">
-            <a:avLst/>
-          </a:prstGeom>
-          <a:solidFill>
-            <a:srgbClr val="F0F0F0"/>
-          </a:solidFill>
-        </p:spPr>
-        <p:txBody>
-          <a:bodyPr wrap="none" rtlCol="0">
-            <a:spAutoFit/>
-          </a:bodyPr>
-          <a:lstStyle/>
-          <a:p>
-            <a:r>
-              <a:rPr lang="en-US" altLang="ko-KR" sz="900" b="1" dirty="0">
-                <a:solidFill>
-                  <a:srgbClr val="0000FF"/>
-                </a:solidFill>
-              </a:rPr>
-              <a:t>PE</a:t>
-            </a:r>
-            <a:r>
-              <a:rPr lang="ko-KR" altLang="en-US" sz="900" b="1" dirty="0">
-                <a:solidFill>
-                  <a:srgbClr val="0000FF"/>
-                </a:solidFill>
-              </a:rPr>
-              <a:t> </a:t>
-            </a:r>
-            <a:r>
-              <a:rPr lang="en-US" altLang="ko-KR" sz="900" b="1" dirty="0">
-                <a:solidFill>
-                  <a:srgbClr val="0000FF"/>
-                </a:solidFill>
-              </a:rPr>
-              <a:t>Sheet</a:t>
-            </a:r>
-            <a:endParaRPr lang="ko-KR" altLang="en-US" sz="900" b="1" dirty="0">
-              <a:solidFill>
-                <a:srgbClr val="0000FF"/>
-              </a:solidFill>
-            </a:endParaRPr>
-          </a:p>
-        </p:txBody>
-      </p:sp>
-      <p:pic>
-        <p:nvPicPr>
-          <p:cNvPr id="1026" name="Picture 2" descr="체크 박스 디자인의 중요성과 설계 원칙">
-            <a:extLst>
-              <a:ext uri="{FF2B5EF4-FFF2-40B4-BE49-F238E27FC236}">
-                <a16:creationId xmlns:a16="http://schemas.microsoft.com/office/drawing/2014/main" id="{298670A5-217A-A321-9866-0C26ACFDCAB4}"/>
-              </a:ext>
-            </a:extLst>
-          </p:cNvPr>
-          <p:cNvPicPr>
-            <a:picLocks noChangeAspect="1" noChangeArrowheads="1"/>
-          </p:cNvPicPr>
-          <p:nvPr/>
-        </p:nvPicPr>
-        <p:blipFill rotWithShape="1">
-          <a:blip r:embed="rId3">
-            <a:extLst>
-              <a:ext uri="{28A0092B-C50C-407E-A947-70E740481C1C}">
-                <a14:useLocalDpi xmlns:a14="http://schemas.microsoft.com/office/drawing/2010/main" val="0"/>
-              </a:ext>
-            </a:extLst>
-          </a:blip>
-          <a:srcRect l="20937" t="37374" r="68548" b="41399"/>
-          <a:stretch/>
-        </p:blipFill>
-        <p:spPr bwMode="auto">
-          <a:xfrm>
-            <a:off x="4778076" y="1355535"/>
-            <a:ext cx="157447" cy="155939"/>
-          </a:xfrm>
-          <a:prstGeom prst="rect">
-            <a:avLst/>
-          </a:prstGeom>
-          <a:noFill/>
-          <a:extLst>
-            <a:ext uri="{909E8E84-426E-40DD-AFC4-6F175D3DCCD1}">
-              <a14:hiddenFill xmlns:a14="http://schemas.microsoft.com/office/drawing/2010/main">
-                <a:solidFill>
-                  <a:srgbClr val="FFFFFF"/>
-                </a:solidFill>
-              </a14:hiddenFill>
-            </a:ext>
-          </a:extLst>
-        </p:spPr>
-      </p:pic>
-      <p:sp>
-        <p:nvSpPr>
-          <p:cNvPr id="30" name="TextBox 29">
-            <a:extLst>
-              <a:ext uri="{FF2B5EF4-FFF2-40B4-BE49-F238E27FC236}">
-                <a16:creationId xmlns:a16="http://schemas.microsoft.com/office/drawing/2014/main" id="{4DE2FA2F-E2C0-9EF8-F320-55917029DDFC}"/>
-              </a:ext>
-            </a:extLst>
-          </p:cNvPr>
-          <p:cNvSpPr txBox="1"/>
-          <p:nvPr/>
-        </p:nvSpPr>
-        <p:spPr>
-          <a:xfrm>
-            <a:off x="4082388" y="1318089"/>
-            <a:ext cx="663964" cy="230832"/>
-          </a:xfrm>
-          <a:prstGeom prst="rect">
-            <a:avLst/>
-          </a:prstGeom>
-          <a:solidFill>
-            <a:srgbClr val="F0F0F0"/>
-          </a:solidFill>
-        </p:spPr>
-        <p:txBody>
-          <a:bodyPr wrap="none" rtlCol="0">
-            <a:spAutoFit/>
-          </a:bodyPr>
-          <a:lstStyle/>
-          <a:p>
-            <a:r>
-              <a:rPr lang="en-US" altLang="ko-KR" sz="900" b="1" dirty="0">
-                <a:solidFill>
-                  <a:srgbClr val="0000FF"/>
-                </a:solidFill>
-              </a:rPr>
-              <a:t>Derived?</a:t>
-            </a:r>
-            <a:endParaRPr lang="ko-KR" altLang="en-US" sz="900" b="1" dirty="0">
-              <a:solidFill>
-                <a:srgbClr val="0000FF"/>
-              </a:solidFill>
-            </a:endParaRPr>
-          </a:p>
-        </p:txBody>
-      </p:sp>
-      <p:pic>
-        <p:nvPicPr>
-          <p:cNvPr id="31" name="Picture 2" descr="체크 박스 디자인의 중요성과 설계 원칙">
-            <a:extLst>
-              <a:ext uri="{FF2B5EF4-FFF2-40B4-BE49-F238E27FC236}">
-                <a16:creationId xmlns:a16="http://schemas.microsoft.com/office/drawing/2014/main" id="{086283B5-7FF4-6CD3-D048-AC3E25FE094F}"/>
-              </a:ext>
-            </a:extLst>
-          </p:cNvPr>
-          <p:cNvPicPr>
-            <a:picLocks noChangeAspect="1" noChangeArrowheads="1"/>
-          </p:cNvPicPr>
-          <p:nvPr/>
-        </p:nvPicPr>
-        <p:blipFill rotWithShape="1">
-          <a:blip r:embed="rId3">
-            <a:extLst>
-              <a:ext uri="{28A0092B-C50C-407E-A947-70E740481C1C}">
-                <a14:useLocalDpi xmlns:a14="http://schemas.microsoft.com/office/drawing/2010/main" val="0"/>
-              </a:ext>
-            </a:extLst>
-          </a:blip>
-          <a:srcRect l="69041" t="37374" r="20444" b="41399"/>
-          <a:stretch/>
-        </p:blipFill>
-        <p:spPr bwMode="auto">
-          <a:xfrm>
-            <a:off x="4778076" y="2200471"/>
-            <a:ext cx="157447" cy="155939"/>
-          </a:xfrm>
-          <a:prstGeom prst="rect">
-            <a:avLst/>
-          </a:prstGeom>
-          <a:noFill/>
-          <a:extLst>
-            <a:ext uri="{909E8E84-426E-40DD-AFC4-6F175D3DCCD1}">
-              <a14:hiddenFill xmlns:a14="http://schemas.microsoft.com/office/drawing/2010/main">
-                <a:solidFill>
-                  <a:srgbClr val="FFFFFF"/>
-                </a:solidFill>
-              </a14:hiddenFill>
-            </a:ext>
-          </a:extLst>
-        </p:spPr>
-      </p:pic>
-      <p:sp>
-        <p:nvSpPr>
-          <p:cNvPr id="32" name="TextBox 31">
-            <a:extLst>
-              <a:ext uri="{FF2B5EF4-FFF2-40B4-BE49-F238E27FC236}">
-                <a16:creationId xmlns:a16="http://schemas.microsoft.com/office/drawing/2014/main" id="{617ADF83-563F-680A-F317-B6DB217CE0A6}"/>
-              </a:ext>
-            </a:extLst>
-          </p:cNvPr>
-          <p:cNvSpPr txBox="1"/>
-          <p:nvPr/>
-        </p:nvSpPr>
-        <p:spPr>
-          <a:xfrm>
-            <a:off x="4082388" y="2163025"/>
-            <a:ext cx="663964" cy="230832"/>
-          </a:xfrm>
-          <a:prstGeom prst="rect">
-            <a:avLst/>
-          </a:prstGeom>
-          <a:solidFill>
-            <a:srgbClr val="F0F0F0"/>
-          </a:solidFill>
-        </p:spPr>
-        <p:txBody>
-          <a:bodyPr wrap="none" rtlCol="0">
-            <a:spAutoFit/>
-          </a:bodyPr>
-          <a:lstStyle/>
-          <a:p>
-            <a:r>
-              <a:rPr lang="en-US" altLang="ko-KR" sz="900" b="1" dirty="0">
-                <a:solidFill>
-                  <a:srgbClr val="0000FF"/>
-                </a:solidFill>
-              </a:rPr>
-              <a:t>Derived?</a:t>
-            </a:r>
-            <a:endParaRPr lang="ko-KR" altLang="en-US" sz="900" b="1" dirty="0">
-              <a:solidFill>
-                <a:srgbClr val="0000FF"/>
-              </a:solidFill>
-            </a:endParaRPr>
-          </a:p>
-        </p:txBody>
-      </p:sp>
-      <p:pic>
-        <p:nvPicPr>
-          <p:cNvPr id="33" name="Picture 2" descr="체크 박스 디자인의 중요성과 설계 원칙">
-            <a:extLst>
-              <a:ext uri="{FF2B5EF4-FFF2-40B4-BE49-F238E27FC236}">
-                <a16:creationId xmlns:a16="http://schemas.microsoft.com/office/drawing/2014/main" id="{679F1659-A0DF-1B1B-ACF4-FC6026D7947B}"/>
-              </a:ext>
-            </a:extLst>
-          </p:cNvPr>
-          <p:cNvPicPr>
-            <a:picLocks noChangeAspect="1" noChangeArrowheads="1"/>
-          </p:cNvPicPr>
-          <p:nvPr/>
-        </p:nvPicPr>
-        <p:blipFill rotWithShape="1">
-          <a:blip r:embed="rId3">
-            <a:extLst>
-              <a:ext uri="{28A0092B-C50C-407E-A947-70E740481C1C}">
-                <a14:useLocalDpi xmlns:a14="http://schemas.microsoft.com/office/drawing/2010/main" val="0"/>
-              </a:ext>
-            </a:extLst>
-          </a:blip>
-          <a:srcRect l="69041" t="37374" r="20444" b="41399"/>
-          <a:stretch/>
-        </p:blipFill>
-        <p:spPr bwMode="auto">
-          <a:xfrm>
-            <a:off x="4778076" y="3064099"/>
-            <a:ext cx="157447" cy="155939"/>
-          </a:xfrm>
-          <a:prstGeom prst="rect">
-            <a:avLst/>
-          </a:prstGeom>
-          <a:noFill/>
-          <a:extLst>
-            <a:ext uri="{909E8E84-426E-40DD-AFC4-6F175D3DCCD1}">
-              <a14:hiddenFill xmlns:a14="http://schemas.microsoft.com/office/drawing/2010/main">
-                <a:solidFill>
-                  <a:srgbClr val="FFFFFF"/>
-                </a:solidFill>
-              </a14:hiddenFill>
-            </a:ext>
-          </a:extLst>
-        </p:spPr>
-      </p:pic>
-      <p:sp>
-        <p:nvSpPr>
-          <p:cNvPr id="34" name="TextBox 33">
-            <a:extLst>
-              <a:ext uri="{FF2B5EF4-FFF2-40B4-BE49-F238E27FC236}">
-                <a16:creationId xmlns:a16="http://schemas.microsoft.com/office/drawing/2014/main" id="{26251EAF-A5E3-CEB7-7EC2-38A62B5EDDD4}"/>
-              </a:ext>
-            </a:extLst>
-          </p:cNvPr>
-          <p:cNvSpPr txBox="1"/>
-          <p:nvPr/>
-        </p:nvSpPr>
-        <p:spPr>
-          <a:xfrm>
-            <a:off x="4082388" y="3026653"/>
-            <a:ext cx="663964" cy="230832"/>
-          </a:xfrm>
-          <a:prstGeom prst="rect">
-            <a:avLst/>
-          </a:prstGeom>
-          <a:solidFill>
-            <a:srgbClr val="F0F0F0"/>
-          </a:solidFill>
-        </p:spPr>
-        <p:txBody>
-          <a:bodyPr wrap="none" rtlCol="0">
-            <a:spAutoFit/>
-          </a:bodyPr>
-          <a:lstStyle/>
-          <a:p>
-            <a:r>
-              <a:rPr lang="en-US" altLang="ko-KR" sz="900" b="1" dirty="0">
-                <a:solidFill>
-                  <a:srgbClr val="0000FF"/>
-                </a:solidFill>
-              </a:rPr>
-              <a:t>Derived?</a:t>
-            </a:r>
-            <a:endParaRPr lang="ko-KR" altLang="en-US" sz="900" b="1" dirty="0">
-              <a:solidFill>
-                <a:srgbClr val="0000FF"/>
-              </a:solidFill>
-            </a:endParaRPr>
-          </a:p>
-        </p:txBody>
-      </p:sp>
-      <p:pic>
-        <p:nvPicPr>
-          <p:cNvPr id="35" name="Picture 2" descr="체크 박스 디자인의 중요성과 설계 원칙">
-            <a:extLst>
-              <a:ext uri="{FF2B5EF4-FFF2-40B4-BE49-F238E27FC236}">
-                <a16:creationId xmlns:a16="http://schemas.microsoft.com/office/drawing/2014/main" id="{8DCC496D-BE74-D6A3-E707-A18463F2B4D7}"/>
-              </a:ext>
-            </a:extLst>
-          </p:cNvPr>
-          <p:cNvPicPr>
-            <a:picLocks noChangeAspect="1" noChangeArrowheads="1"/>
-          </p:cNvPicPr>
-          <p:nvPr/>
-        </p:nvPicPr>
-        <p:blipFill rotWithShape="1">
-          <a:blip r:embed="rId3">
-            <a:extLst>
-              <a:ext uri="{28A0092B-C50C-407E-A947-70E740481C1C}">
-                <a14:useLocalDpi xmlns:a14="http://schemas.microsoft.com/office/drawing/2010/main" val="0"/>
-              </a:ext>
-            </a:extLst>
-          </a:blip>
-          <a:srcRect l="69041" t="37374" r="20444" b="41399"/>
-          <a:stretch/>
-        </p:blipFill>
-        <p:spPr bwMode="auto">
-          <a:xfrm>
-            <a:off x="4778076" y="3915457"/>
-            <a:ext cx="157447" cy="155939"/>
-          </a:xfrm>
-          <a:prstGeom prst="rect">
-            <a:avLst/>
-          </a:prstGeom>
-          <a:noFill/>
-          <a:extLst>
-            <a:ext uri="{909E8E84-426E-40DD-AFC4-6F175D3DCCD1}">
-              <a14:hiddenFill xmlns:a14="http://schemas.microsoft.com/office/drawing/2010/main">
-                <a:solidFill>
-                  <a:srgbClr val="FFFFFF"/>
-                </a:solidFill>
-              </a14:hiddenFill>
-            </a:ext>
-          </a:extLst>
-        </p:spPr>
-      </p:pic>
-      <p:sp>
-        <p:nvSpPr>
-          <p:cNvPr id="36" name="TextBox 35">
-            <a:extLst>
-              <a:ext uri="{FF2B5EF4-FFF2-40B4-BE49-F238E27FC236}">
-                <a16:creationId xmlns:a16="http://schemas.microsoft.com/office/drawing/2014/main" id="{5568DD36-D529-7753-6A2E-F6936F26CA11}"/>
-              </a:ext>
-            </a:extLst>
-          </p:cNvPr>
-          <p:cNvSpPr txBox="1"/>
-          <p:nvPr/>
-        </p:nvSpPr>
-        <p:spPr>
-          <a:xfrm>
-            <a:off x="4082388" y="3878011"/>
-            <a:ext cx="663964" cy="230832"/>
-          </a:xfrm>
-          <a:prstGeom prst="rect">
-            <a:avLst/>
-          </a:prstGeom>
-          <a:solidFill>
-            <a:srgbClr val="F0F0F0"/>
-          </a:solidFill>
-        </p:spPr>
-        <p:txBody>
-          <a:bodyPr wrap="none" rtlCol="0">
-            <a:spAutoFit/>
-          </a:bodyPr>
-          <a:lstStyle/>
-          <a:p>
-            <a:r>
-              <a:rPr lang="en-US" altLang="ko-KR" sz="900" b="1" dirty="0">
-                <a:solidFill>
-                  <a:srgbClr val="0000FF"/>
-                </a:solidFill>
-              </a:rPr>
-              <a:t>Derived?</a:t>
-            </a:r>
-            <a:endParaRPr lang="ko-KR" altLang="en-US" sz="900" b="1" dirty="0">
-              <a:solidFill>
-                <a:srgbClr val="0000FF"/>
-              </a:solidFill>
-            </a:endParaRPr>
-          </a:p>
-        </p:txBody>
-      </p:sp>
-      <p:pic>
-        <p:nvPicPr>
-          <p:cNvPr id="37" name="Picture 2" descr="체크 박스 디자인의 중요성과 설계 원칙">
-            <a:extLst>
-              <a:ext uri="{FF2B5EF4-FFF2-40B4-BE49-F238E27FC236}">
-                <a16:creationId xmlns:a16="http://schemas.microsoft.com/office/drawing/2014/main" id="{041DE14E-CCB0-C6FD-89A4-67D245194222}"/>
-              </a:ext>
-            </a:extLst>
-          </p:cNvPr>
-          <p:cNvPicPr>
-            <a:picLocks noChangeAspect="1" noChangeArrowheads="1"/>
-          </p:cNvPicPr>
-          <p:nvPr/>
-        </p:nvPicPr>
-        <p:blipFill rotWithShape="1">
-          <a:blip r:embed="rId3">
-            <a:extLst>
-              <a:ext uri="{28A0092B-C50C-407E-A947-70E740481C1C}">
-                <a14:useLocalDpi xmlns:a14="http://schemas.microsoft.com/office/drawing/2010/main" val="0"/>
-              </a:ext>
-            </a:extLst>
-          </a:blip>
-          <a:srcRect l="69041" t="37374" r="20444" b="41399"/>
-          <a:stretch/>
-        </p:blipFill>
-        <p:spPr bwMode="auto">
-          <a:xfrm>
-            <a:off x="4778076" y="4277201"/>
-            <a:ext cx="157447" cy="155939"/>
-          </a:xfrm>
-          <a:prstGeom prst="rect">
-            <a:avLst/>
-          </a:prstGeom>
-          <a:noFill/>
-          <a:extLst>
-            <a:ext uri="{909E8E84-426E-40DD-AFC4-6F175D3DCCD1}">
-              <a14:hiddenFill xmlns:a14="http://schemas.microsoft.com/office/drawing/2010/main">
-                <a:solidFill>
-                  <a:srgbClr val="FFFFFF"/>
-                </a:solidFill>
-              </a14:hiddenFill>
-            </a:ext>
-          </a:extLst>
-        </p:spPr>
-      </p:pic>
-      <p:sp>
-        <p:nvSpPr>
-          <p:cNvPr id="38" name="TextBox 37">
-            <a:extLst>
-              <a:ext uri="{FF2B5EF4-FFF2-40B4-BE49-F238E27FC236}">
-                <a16:creationId xmlns:a16="http://schemas.microsoft.com/office/drawing/2014/main" id="{FF3908B9-D71A-43B6-9C10-8797B3FF8C90}"/>
-              </a:ext>
-            </a:extLst>
-          </p:cNvPr>
-          <p:cNvSpPr txBox="1"/>
-          <p:nvPr/>
-        </p:nvSpPr>
-        <p:spPr>
-          <a:xfrm>
-            <a:off x="4082388" y="4239755"/>
-            <a:ext cx="663964" cy="230832"/>
-          </a:xfrm>
-          <a:prstGeom prst="rect">
-            <a:avLst/>
-          </a:prstGeom>
-          <a:solidFill>
-            <a:srgbClr val="F0F0F0"/>
-          </a:solidFill>
-        </p:spPr>
-        <p:txBody>
-          <a:bodyPr wrap="none" rtlCol="0">
-            <a:spAutoFit/>
-          </a:bodyPr>
-          <a:lstStyle/>
-          <a:p>
-            <a:r>
-              <a:rPr lang="en-US" altLang="ko-KR" sz="900" b="1" dirty="0">
-                <a:solidFill>
-                  <a:srgbClr val="0000FF"/>
-                </a:solidFill>
-              </a:rPr>
-              <a:t>Derived?</a:t>
-            </a:r>
-            <a:endParaRPr lang="ko-KR" altLang="en-US" sz="900" b="1" dirty="0">
-              <a:solidFill>
-                <a:srgbClr val="0000FF"/>
-              </a:solidFill>
-            </a:endParaRPr>
-          </a:p>
-        </p:txBody>
-      </p:sp>
-      <p:sp>
-        <p:nvSpPr>
-          <p:cNvPr id="40" name="TextBox 39">
-            <a:extLst>
-              <a:ext uri="{FF2B5EF4-FFF2-40B4-BE49-F238E27FC236}">
-                <a16:creationId xmlns:a16="http://schemas.microsoft.com/office/drawing/2014/main" id="{4BEDADCF-2AF0-187D-1C5D-BF4B5664B7F3}"/>
-              </a:ext>
-            </a:extLst>
-          </p:cNvPr>
-          <p:cNvSpPr txBox="1"/>
-          <p:nvPr/>
-        </p:nvSpPr>
-        <p:spPr>
-          <a:xfrm>
-            <a:off x="2966303" y="1086064"/>
-            <a:ext cx="1736220" cy="200055"/>
-          </a:xfrm>
-          <a:prstGeom prst="rect">
-            <a:avLst/>
-          </a:prstGeom>
-          <a:solidFill>
-            <a:schemeClr val="bg2"/>
-          </a:solidFill>
-        </p:spPr>
-        <p:txBody>
-          <a:bodyPr wrap="square">
-            <a:spAutoFit/>
-          </a:bodyPr>
-          <a:lstStyle/>
-          <a:p>
-            <a:r>
-              <a:rPr lang="ko-KR" altLang="en-US" sz="700" dirty="0"/>
-              <a:t>H_SF_AR S17_SOG</a:t>
-            </a:r>
-            <a:r>
-              <a:rPr lang="en-US" altLang="ko-KR" sz="700" dirty="0"/>
-              <a:t>_user1</a:t>
-            </a:r>
-            <a:endParaRPr lang="ko-KR" altLang="en-US" sz="700" dirty="0"/>
-          </a:p>
-        </p:txBody>
-      </p:sp>
-      <p:sp>
-        <p:nvSpPr>
-          <p:cNvPr id="41" name="TextBox 40">
-            <a:extLst>
-              <a:ext uri="{FF2B5EF4-FFF2-40B4-BE49-F238E27FC236}">
-                <a16:creationId xmlns:a16="http://schemas.microsoft.com/office/drawing/2014/main" id="{BBF9AE18-D86F-CAA5-DB18-E6270C4EA9EA}"/>
-              </a:ext>
-            </a:extLst>
-          </p:cNvPr>
-          <p:cNvSpPr txBox="1"/>
-          <p:nvPr/>
-        </p:nvSpPr>
-        <p:spPr>
-          <a:xfrm>
-            <a:off x="5710655" y="410552"/>
-            <a:ext cx="1909931" cy="338554"/>
-          </a:xfrm>
-          <a:prstGeom prst="rect">
-            <a:avLst/>
-          </a:prstGeom>
-          <a:noFill/>
-        </p:spPr>
-        <p:txBody>
-          <a:bodyPr wrap="square" rtlCol="0">
-            <a:spAutoFit/>
-          </a:bodyPr>
-          <a:lstStyle/>
-          <a:p>
-            <a:pPr algn="r"/>
-            <a:r>
-              <a:rPr lang="ko-KR" altLang="en-US" sz="800" dirty="0">
-                <a:solidFill>
-                  <a:srgbClr val="FF00FF"/>
-                </a:solidFill>
-              </a:rPr>
-              <a:t>프레임을 </a:t>
-            </a:r>
-            <a:r>
-              <a:rPr lang="en-US" altLang="ko-KR" sz="800" dirty="0">
-                <a:solidFill>
-                  <a:srgbClr val="FF00FF"/>
-                </a:solidFill>
-              </a:rPr>
-              <a:t>1,2,3,4 </a:t>
-            </a:r>
-            <a:r>
-              <a:rPr lang="ko-KR" altLang="en-US" sz="800" dirty="0">
-                <a:solidFill>
-                  <a:srgbClr val="FF00FF"/>
-                </a:solidFill>
-              </a:rPr>
-              <a:t>를</a:t>
-            </a:r>
-            <a:r>
-              <a:rPr lang="en-US" altLang="ko-KR" sz="800" dirty="0">
-                <a:solidFill>
-                  <a:srgbClr val="FF00FF"/>
-                </a:solidFill>
-              </a:rPr>
-              <a:t> </a:t>
-            </a:r>
-            <a:r>
-              <a:rPr lang="ko-KR" altLang="en-US" sz="800" dirty="0">
-                <a:solidFill>
-                  <a:srgbClr val="FF00FF"/>
-                </a:solidFill>
-              </a:rPr>
-              <a:t>꼭 나눠야 하는가</a:t>
-            </a:r>
-            <a:r>
-              <a:rPr lang="en-US" altLang="ko-KR" sz="800" dirty="0">
-                <a:solidFill>
-                  <a:srgbClr val="FF00FF"/>
-                </a:solidFill>
-              </a:rPr>
-              <a:t>?</a:t>
-            </a:r>
-          </a:p>
-          <a:p>
-            <a:pPr algn="r"/>
-            <a:r>
-              <a:rPr lang="ko-KR" altLang="en-US" sz="800" dirty="0">
-                <a:solidFill>
-                  <a:srgbClr val="FF00FF"/>
-                </a:solidFill>
-              </a:rPr>
-              <a:t>만약 아니라면</a:t>
-            </a:r>
-            <a:r>
-              <a:rPr lang="en-US" altLang="ko-KR" sz="800" dirty="0">
-                <a:solidFill>
-                  <a:srgbClr val="FF00FF"/>
-                </a:solidFill>
-              </a:rPr>
-              <a:t>,</a:t>
-            </a:r>
-            <a:endParaRPr lang="ko-KR" altLang="en-US" sz="800" dirty="0">
-              <a:solidFill>
-                <a:srgbClr val="FF00FF"/>
-              </a:solidFill>
-            </a:endParaRPr>
-          </a:p>
-        </p:txBody>
-      </p:sp>
-      <p:sp>
-        <p:nvSpPr>
-          <p:cNvPr id="42" name="자유형: 도형 41">
-            <a:extLst>
-              <a:ext uri="{FF2B5EF4-FFF2-40B4-BE49-F238E27FC236}">
-                <a16:creationId xmlns:a16="http://schemas.microsoft.com/office/drawing/2014/main" id="{25FC8804-3A32-85FA-815B-6842CA9A24BE}"/>
-              </a:ext>
-            </a:extLst>
-          </p:cNvPr>
-          <p:cNvSpPr/>
-          <p:nvPr/>
-        </p:nvSpPr>
-        <p:spPr>
-          <a:xfrm>
-            <a:off x="7598004" y="377072"/>
-            <a:ext cx="480767" cy="452487"/>
-          </a:xfrm>
-          <a:custGeom>
-            <a:avLst/>
-            <a:gdLst>
-              <a:gd name="connsiteX0" fmla="*/ 461914 w 480767"/>
-              <a:gd name="connsiteY0" fmla="*/ 0 h 452487"/>
-              <a:gd name="connsiteX1" fmla="*/ 0 w 480767"/>
-              <a:gd name="connsiteY1" fmla="*/ 245097 h 452487"/>
-              <a:gd name="connsiteX2" fmla="*/ 480767 w 480767"/>
-              <a:gd name="connsiteY2" fmla="*/ 452487 h 452487"/>
-            </a:gdLst>
-            <a:ahLst/>
-            <a:cxnLst>
-              <a:cxn ang="0">
-                <a:pos x="connsiteX0" y="connsiteY0"/>
-              </a:cxn>
-              <a:cxn ang="0">
-                <a:pos x="connsiteX1" y="connsiteY1"/>
-              </a:cxn>
-              <a:cxn ang="0">
-                <a:pos x="connsiteX2" y="connsiteY2"/>
-              </a:cxn>
-            </a:cxnLst>
-            <a:rect l="l" t="t" r="r" b="b"/>
-            <a:pathLst>
-              <a:path w="480767" h="452487">
-                <a:moveTo>
-                  <a:pt x="461914" y="0"/>
-                </a:moveTo>
-                <a:lnTo>
-                  <a:pt x="0" y="245097"/>
-                </a:lnTo>
-                <a:lnTo>
-                  <a:pt x="480767" y="452487"/>
-                </a:lnTo>
-              </a:path>
-            </a:pathLst>
-          </a:custGeom>
-          <a:noFill/>
-          <a:ln>
-            <a:solidFill>
-              <a:srgbClr val="FF00FF"/>
-            </a:solidFill>
-          </a:ln>
-        </p:spPr>
-        <p:style>
-          <a:lnRef idx="2">
-            <a:schemeClr val="accent1">
-              <a:shade val="15000"/>
-            </a:schemeClr>
-          </a:lnRef>
-          <a:fillRef idx="1">
-            <a:schemeClr val="accent1"/>
-          </a:fillRef>
-          <a:effectRef idx="0">
-            <a:schemeClr val="accent1"/>
-          </a:effectRef>
-          <a:fontRef idx="minor">
-            <a:schemeClr val="lt1"/>
-          </a:fontRef>
-        </p:style>
-        <p:txBody>
-          <a:bodyPr rtlCol="0" anchor="ctr"/>
-          <a:lstStyle/>
-          <a:p>
-            <a:pPr algn="ctr"/>
-            <a:endParaRPr lang="ko-KR" altLang="en-US"/>
-          </a:p>
-        </p:txBody>
-      </p:sp>
-      <p:sp>
-        <p:nvSpPr>
-          <p:cNvPr id="43" name="TextBox 42">
-            <a:extLst>
-              <a:ext uri="{FF2B5EF4-FFF2-40B4-BE49-F238E27FC236}">
-                <a16:creationId xmlns:a16="http://schemas.microsoft.com/office/drawing/2014/main" id="{BD6E5B7A-6957-F9A9-97A0-7CE42FE9769C}"/>
-              </a:ext>
-            </a:extLst>
-          </p:cNvPr>
-          <p:cNvSpPr txBox="1"/>
-          <p:nvPr/>
-        </p:nvSpPr>
-        <p:spPr>
-          <a:xfrm>
-            <a:off x="8119923" y="250846"/>
-            <a:ext cx="807262" cy="215444"/>
-          </a:xfrm>
-          <a:prstGeom prst="rect">
-            <a:avLst/>
-          </a:prstGeom>
-          <a:noFill/>
-        </p:spPr>
-        <p:txBody>
-          <a:bodyPr wrap="square" rtlCol="0">
-            <a:spAutoFit/>
-          </a:bodyPr>
-          <a:lstStyle/>
-          <a:p>
-            <a:r>
-              <a:rPr lang="ko-KR" altLang="en-US" sz="800" dirty="0">
-                <a:solidFill>
-                  <a:srgbClr val="FF00FF"/>
-                </a:solidFill>
-              </a:rPr>
-              <a:t>통짜 </a:t>
-            </a:r>
-            <a:r>
-              <a:rPr lang="ko-KR" altLang="en-US" sz="800" dirty="0" err="1">
-                <a:solidFill>
-                  <a:srgbClr val="FF00FF"/>
-                </a:solidFill>
-              </a:rPr>
-              <a:t>트리뷰</a:t>
-            </a:r>
-            <a:r>
-              <a:rPr lang="en-US" altLang="ko-KR" sz="800" dirty="0">
-                <a:solidFill>
-                  <a:srgbClr val="FF00FF"/>
-                </a:solidFill>
-              </a:rPr>
-              <a:t>?</a:t>
-            </a:r>
-            <a:endParaRPr lang="ko-KR" altLang="en-US" sz="800" dirty="0">
-              <a:solidFill>
-                <a:srgbClr val="FF00FF"/>
-              </a:solidFill>
-            </a:endParaRPr>
-          </a:p>
-        </p:txBody>
-      </p:sp>
-      <p:sp>
-        <p:nvSpPr>
-          <p:cNvPr id="44" name="TextBox 43">
-            <a:extLst>
-              <a:ext uri="{FF2B5EF4-FFF2-40B4-BE49-F238E27FC236}">
-                <a16:creationId xmlns:a16="http://schemas.microsoft.com/office/drawing/2014/main" id="{77FE6C9C-F370-6B2E-7380-3F548E7F119F}"/>
-              </a:ext>
-            </a:extLst>
-          </p:cNvPr>
-          <p:cNvSpPr txBox="1"/>
-          <p:nvPr/>
-        </p:nvSpPr>
-        <p:spPr>
-          <a:xfrm>
-            <a:off x="8119923" y="702270"/>
-            <a:ext cx="807262" cy="215444"/>
-          </a:xfrm>
-          <a:prstGeom prst="rect">
-            <a:avLst/>
-          </a:prstGeom>
-          <a:noFill/>
-        </p:spPr>
-        <p:txBody>
-          <a:bodyPr wrap="square" rtlCol="0">
-            <a:spAutoFit/>
-          </a:bodyPr>
-          <a:lstStyle/>
-          <a:p>
-            <a:r>
-              <a:rPr lang="ko-KR" altLang="en-US" sz="800" dirty="0">
-                <a:solidFill>
-                  <a:srgbClr val="FF00FF"/>
-                </a:solidFill>
-              </a:rPr>
-              <a:t>통짜 </a:t>
-            </a:r>
-            <a:r>
-              <a:rPr lang="en-US" altLang="ko-KR" sz="800" dirty="0" err="1">
-                <a:solidFill>
-                  <a:srgbClr val="FF00FF"/>
-                </a:solidFill>
-              </a:rPr>
-              <a:t>tksheet</a:t>
-            </a:r>
-            <a:r>
-              <a:rPr lang="en-US" altLang="ko-KR" sz="800" dirty="0">
-                <a:solidFill>
-                  <a:srgbClr val="FF00FF"/>
-                </a:solidFill>
-              </a:rPr>
-              <a:t>?</a:t>
-            </a:r>
-            <a:endParaRPr lang="ko-KR" altLang="en-US" sz="800" dirty="0">
-              <a:solidFill>
-                <a:srgbClr val="FF00FF"/>
-              </a:solidFill>
-            </a:endParaRPr>
-          </a:p>
-        </p:txBody>
-      </p:sp>
-    </p:spTree>
-    <p:extLst>
-      <p:ext uri="{BB962C8B-B14F-4D97-AF65-F5344CB8AC3E}">
-        <p14:creationId xmlns:p14="http://schemas.microsoft.com/office/powerpoint/2010/main" val="1437364568"/>
       </p:ext>
     </p:extLst>
   </p:cSld>
@@ -19566,6 +18263,1873 @@
     <p:extLst>
       <p:ext uri="{BB962C8B-B14F-4D97-AF65-F5344CB8AC3E}">
         <p14:creationId xmlns:p14="http://schemas.microsoft.com/office/powerpoint/2010/main" val="3068259119"/>
+      </p:ext>
+    </p:extLst>
+  </p:cSld>
+  <p:clrMapOvr>
+    <a:masterClrMapping/>
+  </p:clrMapOvr>
+</p:sld>
+</file>
+
+<file path=ppt/slides/slide20.xml><?xml version="1.0" encoding="utf-8"?>
+<p:sld xmlns:a="http://schemas.openxmlformats.org/drawingml/2006/main" xmlns:r="http://schemas.openxmlformats.org/officeDocument/2006/relationships" xmlns:p="http://schemas.openxmlformats.org/presentationml/2006/main">
+  <p:cSld>
+    <p:spTree>
+      <p:nvGrpSpPr>
+        <p:cNvPr id="1" name=""/>
+        <p:cNvGrpSpPr/>
+        <p:nvPr/>
+      </p:nvGrpSpPr>
+      <p:grpSpPr>
+        <a:xfrm>
+          <a:off x="0" y="0"/>
+          <a:ext cx="0" cy="0"/>
+          <a:chOff x="0" y="0"/>
+          <a:chExt cx="0" cy="0"/>
+        </a:xfrm>
+      </p:grpSpPr>
+      <p:pic>
+        <p:nvPicPr>
+          <p:cNvPr id="5" name="그림 4">
+            <a:extLst>
+              <a:ext uri="{FF2B5EF4-FFF2-40B4-BE49-F238E27FC236}">
+                <a16:creationId xmlns:a16="http://schemas.microsoft.com/office/drawing/2014/main" id="{51A74512-1962-1626-6CE7-294FC3F31B89}"/>
+              </a:ext>
+            </a:extLst>
+          </p:cNvPr>
+          <p:cNvPicPr>
+            <a:picLocks noChangeAspect="1"/>
+          </p:cNvPicPr>
+          <p:nvPr/>
+        </p:nvPicPr>
+        <p:blipFill>
+          <a:blip r:embed="rId2"/>
+          <a:stretch>
+            <a:fillRect/>
+          </a:stretch>
+        </p:blipFill>
+        <p:spPr>
+          <a:xfrm>
+            <a:off x="0" y="95250"/>
+            <a:ext cx="12192000" cy="6667500"/>
+          </a:xfrm>
+          <a:prstGeom prst="rect">
+            <a:avLst/>
+          </a:prstGeom>
+        </p:spPr>
+      </p:pic>
+      <p:sp>
+        <p:nvSpPr>
+          <p:cNvPr id="2" name="TextBox 1">
+            <a:extLst>
+              <a:ext uri="{FF2B5EF4-FFF2-40B4-BE49-F238E27FC236}">
+                <a16:creationId xmlns:a16="http://schemas.microsoft.com/office/drawing/2014/main" id="{4E8A37D4-DCF8-E641-6177-D0706E6A2CD9}"/>
+              </a:ext>
+            </a:extLst>
+          </p:cNvPr>
+          <p:cNvSpPr txBox="1"/>
+          <p:nvPr/>
+        </p:nvSpPr>
+        <p:spPr>
+          <a:xfrm>
+            <a:off x="1806804" y="1318089"/>
+            <a:ext cx="1471878" cy="230832"/>
+          </a:xfrm>
+          <a:prstGeom prst="rect">
+            <a:avLst/>
+          </a:prstGeom>
+          <a:solidFill>
+            <a:srgbClr val="F0F0F0"/>
+          </a:solidFill>
+        </p:spPr>
+        <p:txBody>
+          <a:bodyPr wrap="none" rtlCol="0">
+            <a:spAutoFit/>
+          </a:bodyPr>
+          <a:lstStyle/>
+          <a:p>
+            <a:r>
+              <a:rPr lang="en-US" altLang="ko-KR" sz="900" b="1" dirty="0"/>
+              <a:t>Group</a:t>
+            </a:r>
+            <a:r>
+              <a:rPr lang="ko-KR" altLang="en-US" sz="900" b="1" dirty="0"/>
+              <a:t> </a:t>
+            </a:r>
+            <a:r>
+              <a:rPr lang="en-US" altLang="ko-KR" sz="900" b="1" dirty="0"/>
+              <a:t>Work Master-1:</a:t>
+            </a:r>
+            <a:endParaRPr lang="ko-KR" altLang="en-US" sz="900" b="1" dirty="0"/>
+          </a:p>
+        </p:txBody>
+      </p:sp>
+      <p:pic>
+        <p:nvPicPr>
+          <p:cNvPr id="3" name="그림 2">
+            <a:extLst>
+              <a:ext uri="{FF2B5EF4-FFF2-40B4-BE49-F238E27FC236}">
+                <a16:creationId xmlns:a16="http://schemas.microsoft.com/office/drawing/2014/main" id="{9F0527A2-1E1F-6F2F-981A-8347109CCD45}"/>
+              </a:ext>
+            </a:extLst>
+          </p:cNvPr>
+          <p:cNvPicPr>
+            <a:picLocks noChangeAspect="1"/>
+          </p:cNvPicPr>
+          <p:nvPr/>
+        </p:nvPicPr>
+        <p:blipFill rotWithShape="1">
+          <a:blip r:embed="rId2"/>
+          <a:srcRect l="14524" t="21593" r="24317" b="69815"/>
+          <a:stretch/>
+        </p:blipFill>
+        <p:spPr>
+          <a:xfrm>
+            <a:off x="1769096" y="4488507"/>
+            <a:ext cx="7456602" cy="572834"/>
+          </a:xfrm>
+          <a:prstGeom prst="rect">
+            <a:avLst/>
+          </a:prstGeom>
+        </p:spPr>
+      </p:pic>
+      <p:sp>
+        <p:nvSpPr>
+          <p:cNvPr id="4" name="TextBox 3">
+            <a:extLst>
+              <a:ext uri="{FF2B5EF4-FFF2-40B4-BE49-F238E27FC236}">
+                <a16:creationId xmlns:a16="http://schemas.microsoft.com/office/drawing/2014/main" id="{206844BF-A3D5-9E24-4C9C-274128370641}"/>
+              </a:ext>
+            </a:extLst>
+          </p:cNvPr>
+          <p:cNvSpPr txBox="1"/>
+          <p:nvPr/>
+        </p:nvSpPr>
+        <p:spPr>
+          <a:xfrm>
+            <a:off x="1806804" y="4257675"/>
+            <a:ext cx="1309974" cy="230832"/>
+          </a:xfrm>
+          <a:prstGeom prst="rect">
+            <a:avLst/>
+          </a:prstGeom>
+          <a:solidFill>
+            <a:srgbClr val="F0F0F0"/>
+          </a:solidFill>
+        </p:spPr>
+        <p:txBody>
+          <a:bodyPr wrap="none" rtlCol="0">
+            <a:spAutoFit/>
+          </a:bodyPr>
+          <a:lstStyle/>
+          <a:p>
+            <a:r>
+              <a:rPr lang="en-US" altLang="ko-KR" sz="900" b="1" dirty="0"/>
+              <a:t>Single</a:t>
+            </a:r>
+            <a:r>
+              <a:rPr lang="ko-KR" altLang="en-US" sz="900" b="1" dirty="0"/>
+              <a:t> </a:t>
+            </a:r>
+            <a:r>
+              <a:rPr lang="en-US" altLang="ko-KR" sz="900" b="1" dirty="0"/>
+              <a:t>Work Master:</a:t>
+            </a:r>
+            <a:endParaRPr lang="ko-KR" altLang="en-US" sz="900" b="1" dirty="0"/>
+          </a:p>
+        </p:txBody>
+      </p:sp>
+      <p:pic>
+        <p:nvPicPr>
+          <p:cNvPr id="11" name="그림 10">
+            <a:extLst>
+              <a:ext uri="{FF2B5EF4-FFF2-40B4-BE49-F238E27FC236}">
+                <a16:creationId xmlns:a16="http://schemas.microsoft.com/office/drawing/2014/main" id="{C4BBB444-2637-FDB0-CAAE-3C283DF9A357}"/>
+              </a:ext>
+            </a:extLst>
+          </p:cNvPr>
+          <p:cNvPicPr>
+            <a:picLocks noChangeAspect="1"/>
+          </p:cNvPicPr>
+          <p:nvPr/>
+        </p:nvPicPr>
+        <p:blipFill rotWithShape="1">
+          <a:blip r:embed="rId2"/>
+          <a:srcRect l="14820" t="65000" r="24922" b="23341"/>
+          <a:stretch/>
+        </p:blipFill>
+        <p:spPr>
+          <a:xfrm>
+            <a:off x="1806804" y="5170255"/>
+            <a:ext cx="7346721" cy="777411"/>
+          </a:xfrm>
+          <a:prstGeom prst="rect">
+            <a:avLst/>
+          </a:prstGeom>
+        </p:spPr>
+      </p:pic>
+      <p:pic>
+        <p:nvPicPr>
+          <p:cNvPr id="12" name="그림 11">
+            <a:extLst>
+              <a:ext uri="{FF2B5EF4-FFF2-40B4-BE49-F238E27FC236}">
+                <a16:creationId xmlns:a16="http://schemas.microsoft.com/office/drawing/2014/main" id="{48DCB3E7-7BB6-3D35-D037-6AC6463A0BCA}"/>
+              </a:ext>
+            </a:extLst>
+          </p:cNvPr>
+          <p:cNvPicPr>
+            <a:picLocks noChangeAspect="1"/>
+          </p:cNvPicPr>
+          <p:nvPr/>
+        </p:nvPicPr>
+        <p:blipFill rotWithShape="1">
+          <a:blip r:embed="rId2"/>
+          <a:srcRect l="14524" t="21593" r="24317" b="69815"/>
+          <a:stretch/>
+        </p:blipFill>
+        <p:spPr>
+          <a:xfrm>
+            <a:off x="1769096" y="2369493"/>
+            <a:ext cx="7456602" cy="572834"/>
+          </a:xfrm>
+          <a:prstGeom prst="rect">
+            <a:avLst/>
+          </a:prstGeom>
+        </p:spPr>
+      </p:pic>
+      <p:sp>
+        <p:nvSpPr>
+          <p:cNvPr id="13" name="TextBox 12">
+            <a:extLst>
+              <a:ext uri="{FF2B5EF4-FFF2-40B4-BE49-F238E27FC236}">
+                <a16:creationId xmlns:a16="http://schemas.microsoft.com/office/drawing/2014/main" id="{065454EA-5C70-B20E-54E5-A4EC7AB5FC8B}"/>
+              </a:ext>
+            </a:extLst>
+          </p:cNvPr>
+          <p:cNvSpPr txBox="1"/>
+          <p:nvPr/>
+        </p:nvSpPr>
+        <p:spPr>
+          <a:xfrm>
+            <a:off x="1806804" y="2145163"/>
+            <a:ext cx="1431802" cy="230832"/>
+          </a:xfrm>
+          <a:prstGeom prst="rect">
+            <a:avLst/>
+          </a:prstGeom>
+          <a:solidFill>
+            <a:srgbClr val="F0F0F0"/>
+          </a:solidFill>
+        </p:spPr>
+        <p:txBody>
+          <a:bodyPr wrap="none" rtlCol="0">
+            <a:spAutoFit/>
+          </a:bodyPr>
+          <a:lstStyle/>
+          <a:p>
+            <a:r>
+              <a:rPr lang="en-US" altLang="ko-KR" sz="900" b="1" dirty="0"/>
+              <a:t>Group</a:t>
+            </a:r>
+            <a:r>
+              <a:rPr lang="ko-KR" altLang="en-US" sz="900" b="1" dirty="0"/>
+              <a:t> </a:t>
+            </a:r>
+            <a:r>
+              <a:rPr lang="en-US" altLang="ko-KR" sz="900" b="1" dirty="0"/>
+              <a:t>Work Master-2:</a:t>
+            </a:r>
+            <a:endParaRPr lang="ko-KR" altLang="en-US" sz="900" b="1" dirty="0"/>
+          </a:p>
+        </p:txBody>
+      </p:sp>
+      <p:pic>
+        <p:nvPicPr>
+          <p:cNvPr id="14" name="그림 13">
+            <a:extLst>
+              <a:ext uri="{FF2B5EF4-FFF2-40B4-BE49-F238E27FC236}">
+                <a16:creationId xmlns:a16="http://schemas.microsoft.com/office/drawing/2014/main" id="{3999388C-2996-709C-84D3-3D8DA416B496}"/>
+              </a:ext>
+            </a:extLst>
+          </p:cNvPr>
+          <p:cNvPicPr>
+            <a:picLocks noChangeAspect="1"/>
+          </p:cNvPicPr>
+          <p:nvPr/>
+        </p:nvPicPr>
+        <p:blipFill rotWithShape="1">
+          <a:blip r:embed="rId2"/>
+          <a:srcRect l="14524" t="21593" r="24317" b="69815"/>
+          <a:stretch/>
+        </p:blipFill>
+        <p:spPr>
+          <a:xfrm>
+            <a:off x="1769096" y="3245431"/>
+            <a:ext cx="7456602" cy="572834"/>
+          </a:xfrm>
+          <a:prstGeom prst="rect">
+            <a:avLst/>
+          </a:prstGeom>
+        </p:spPr>
+      </p:pic>
+      <p:sp>
+        <p:nvSpPr>
+          <p:cNvPr id="15" name="TextBox 14">
+            <a:extLst>
+              <a:ext uri="{FF2B5EF4-FFF2-40B4-BE49-F238E27FC236}">
+                <a16:creationId xmlns:a16="http://schemas.microsoft.com/office/drawing/2014/main" id="{5A9A48E9-F6D6-8DA4-D210-B2784D896B97}"/>
+              </a:ext>
+            </a:extLst>
+          </p:cNvPr>
+          <p:cNvSpPr txBox="1"/>
+          <p:nvPr/>
+        </p:nvSpPr>
+        <p:spPr>
+          <a:xfrm>
+            <a:off x="1806804" y="3021101"/>
+            <a:ext cx="1431802" cy="230832"/>
+          </a:xfrm>
+          <a:prstGeom prst="rect">
+            <a:avLst/>
+          </a:prstGeom>
+          <a:solidFill>
+            <a:srgbClr val="F0F0F0"/>
+          </a:solidFill>
+        </p:spPr>
+        <p:txBody>
+          <a:bodyPr wrap="none" rtlCol="0">
+            <a:spAutoFit/>
+          </a:bodyPr>
+          <a:lstStyle/>
+          <a:p>
+            <a:r>
+              <a:rPr lang="en-US" altLang="ko-KR" sz="900" b="1" dirty="0"/>
+              <a:t>Group</a:t>
+            </a:r>
+            <a:r>
+              <a:rPr lang="ko-KR" altLang="en-US" sz="900" b="1" dirty="0"/>
+              <a:t> </a:t>
+            </a:r>
+            <a:r>
+              <a:rPr lang="en-US" altLang="ko-KR" sz="900" b="1" dirty="0"/>
+              <a:t>Work Master-3:</a:t>
+            </a:r>
+            <a:endParaRPr lang="ko-KR" altLang="en-US" sz="900" b="1" dirty="0"/>
+          </a:p>
+        </p:txBody>
+      </p:sp>
+      <p:sp>
+        <p:nvSpPr>
+          <p:cNvPr id="16" name="TextBox 15">
+            <a:extLst>
+              <a:ext uri="{FF2B5EF4-FFF2-40B4-BE49-F238E27FC236}">
+                <a16:creationId xmlns:a16="http://schemas.microsoft.com/office/drawing/2014/main" id="{CC935820-4F63-CE6F-2B4F-6FFC36D54051}"/>
+              </a:ext>
+            </a:extLst>
+          </p:cNvPr>
+          <p:cNvSpPr txBox="1"/>
+          <p:nvPr/>
+        </p:nvSpPr>
+        <p:spPr>
+          <a:xfrm>
+            <a:off x="1806804" y="3871586"/>
+            <a:ext cx="1431802" cy="230832"/>
+          </a:xfrm>
+          <a:prstGeom prst="rect">
+            <a:avLst/>
+          </a:prstGeom>
+          <a:solidFill>
+            <a:srgbClr val="F0F0F0"/>
+          </a:solidFill>
+        </p:spPr>
+        <p:txBody>
+          <a:bodyPr wrap="none" rtlCol="0">
+            <a:spAutoFit/>
+          </a:bodyPr>
+          <a:lstStyle/>
+          <a:p>
+            <a:r>
+              <a:rPr lang="en-US" altLang="ko-KR" sz="900" b="1" dirty="0"/>
+              <a:t>Group</a:t>
+            </a:r>
+            <a:r>
+              <a:rPr lang="ko-KR" altLang="en-US" sz="900" b="1" dirty="0"/>
+              <a:t> </a:t>
+            </a:r>
+            <a:r>
+              <a:rPr lang="en-US" altLang="ko-KR" sz="900" b="1" dirty="0"/>
+              <a:t>Work Master-4:</a:t>
+            </a:r>
+            <a:endParaRPr lang="ko-KR" altLang="en-US" sz="900" b="1" dirty="0"/>
+          </a:p>
+        </p:txBody>
+      </p:sp>
+      <p:sp>
+        <p:nvSpPr>
+          <p:cNvPr id="17" name="직사각형 16">
+            <a:extLst>
+              <a:ext uri="{FF2B5EF4-FFF2-40B4-BE49-F238E27FC236}">
+                <a16:creationId xmlns:a16="http://schemas.microsoft.com/office/drawing/2014/main" id="{008038DE-F5D1-4638-24E2-BA5BA2506751}"/>
+              </a:ext>
+            </a:extLst>
+          </p:cNvPr>
+          <p:cNvSpPr/>
+          <p:nvPr/>
+        </p:nvSpPr>
+        <p:spPr>
+          <a:xfrm>
+            <a:off x="1806804" y="1296976"/>
+            <a:ext cx="7418893" cy="890413"/>
+          </a:xfrm>
+          <a:prstGeom prst="rect">
+            <a:avLst/>
+          </a:prstGeom>
+          <a:noFill/>
+          <a:ln>
+            <a:solidFill>
+              <a:srgbClr val="FF00FF"/>
+            </a:solidFill>
+            <a:prstDash val="dash"/>
+          </a:ln>
+        </p:spPr>
+        <p:style>
+          <a:lnRef idx="2">
+            <a:schemeClr val="accent1">
+              <a:shade val="15000"/>
+            </a:schemeClr>
+          </a:lnRef>
+          <a:fillRef idx="1">
+            <a:schemeClr val="accent1"/>
+          </a:fillRef>
+          <a:effectRef idx="0">
+            <a:schemeClr val="accent1"/>
+          </a:effectRef>
+          <a:fontRef idx="minor">
+            <a:schemeClr val="lt1"/>
+          </a:fontRef>
+        </p:style>
+        <p:txBody>
+          <a:bodyPr rtlCol="0" anchor="ctr"/>
+          <a:lstStyle/>
+          <a:p>
+            <a:endParaRPr lang="ko-KR" altLang="en-US" sz="800" dirty="0">
+              <a:solidFill>
+                <a:schemeClr val="tx1"/>
+              </a:solidFill>
+            </a:endParaRPr>
+          </a:p>
+        </p:txBody>
+      </p:sp>
+      <p:sp>
+        <p:nvSpPr>
+          <p:cNvPr id="18" name="TextBox 17">
+            <a:extLst>
+              <a:ext uri="{FF2B5EF4-FFF2-40B4-BE49-F238E27FC236}">
+                <a16:creationId xmlns:a16="http://schemas.microsoft.com/office/drawing/2014/main" id="{A7FF0DB6-B35E-A27C-E09E-ABA4AED8C834}"/>
+              </a:ext>
+            </a:extLst>
+          </p:cNvPr>
+          <p:cNvSpPr txBox="1"/>
+          <p:nvPr/>
+        </p:nvSpPr>
+        <p:spPr>
+          <a:xfrm>
+            <a:off x="5206825" y="979535"/>
+            <a:ext cx="2613199" cy="338554"/>
+          </a:xfrm>
+          <a:prstGeom prst="rect">
+            <a:avLst/>
+          </a:prstGeom>
+          <a:noFill/>
+        </p:spPr>
+        <p:txBody>
+          <a:bodyPr wrap="square" rtlCol="0">
+            <a:spAutoFit/>
+          </a:bodyPr>
+          <a:lstStyle/>
+          <a:p>
+            <a:r>
+              <a:rPr lang="en-US" altLang="ko-KR" sz="800" dirty="0">
+                <a:solidFill>
+                  <a:srgbClr val="FF00FF"/>
+                </a:solidFill>
+              </a:rPr>
+              <a:t>Collapsing Frame</a:t>
+            </a:r>
+            <a:r>
+              <a:rPr lang="ko-KR" altLang="en-US" sz="800" dirty="0">
+                <a:solidFill>
+                  <a:srgbClr val="FF00FF"/>
+                </a:solidFill>
+              </a:rPr>
+              <a:t>으로 구현</a:t>
+            </a:r>
+            <a:endParaRPr lang="en-US" altLang="ko-KR" sz="800" dirty="0">
+              <a:solidFill>
+                <a:srgbClr val="FF00FF"/>
+              </a:solidFill>
+            </a:endParaRPr>
+          </a:p>
+          <a:p>
+            <a:r>
+              <a:rPr lang="en-US" altLang="ko-KR" sz="800" dirty="0">
+                <a:solidFill>
+                  <a:srgbClr val="FF00FF"/>
+                </a:solidFill>
+              </a:rPr>
+              <a:t>(</a:t>
+            </a:r>
+            <a:r>
+              <a:rPr lang="ko-KR" altLang="en-US" sz="800" dirty="0">
+                <a:solidFill>
+                  <a:srgbClr val="FF00FF"/>
+                </a:solidFill>
+              </a:rPr>
+              <a:t>접었다 펴지도록</a:t>
+            </a:r>
+            <a:r>
+              <a:rPr lang="en-US" altLang="ko-KR" sz="800" dirty="0">
+                <a:solidFill>
+                  <a:srgbClr val="FF00FF"/>
+                </a:solidFill>
+              </a:rPr>
+              <a:t>- </a:t>
+            </a:r>
+            <a:r>
+              <a:rPr lang="ko-KR" altLang="en-US" sz="800" dirty="0">
+                <a:solidFill>
+                  <a:srgbClr val="FF00FF"/>
+                </a:solidFill>
+              </a:rPr>
+              <a:t>없는 항목 자동 접힘</a:t>
+            </a:r>
+            <a:r>
+              <a:rPr lang="en-US" altLang="ko-KR" sz="800" dirty="0">
+                <a:solidFill>
+                  <a:srgbClr val="FF00FF"/>
+                </a:solidFill>
+              </a:rPr>
+              <a:t>)</a:t>
+            </a:r>
+            <a:endParaRPr lang="ko-KR" altLang="en-US" sz="800" dirty="0">
+              <a:solidFill>
+                <a:srgbClr val="FF00FF"/>
+              </a:solidFill>
+            </a:endParaRPr>
+          </a:p>
+        </p:txBody>
+      </p:sp>
+      <p:sp>
+        <p:nvSpPr>
+          <p:cNvPr id="19" name="자유형: 도형 18">
+            <a:extLst>
+              <a:ext uri="{FF2B5EF4-FFF2-40B4-BE49-F238E27FC236}">
+                <a16:creationId xmlns:a16="http://schemas.microsoft.com/office/drawing/2014/main" id="{BE1FD083-9CD0-71F7-230A-7A23B9795397}"/>
+              </a:ext>
+            </a:extLst>
+          </p:cNvPr>
+          <p:cNvSpPr/>
+          <p:nvPr/>
+        </p:nvSpPr>
+        <p:spPr>
+          <a:xfrm rot="19392881">
+            <a:off x="8699499" y="1356203"/>
+            <a:ext cx="247650" cy="361950"/>
+          </a:xfrm>
+          <a:custGeom>
+            <a:avLst/>
+            <a:gdLst>
+              <a:gd name="connsiteX0" fmla="*/ 0 w 247650"/>
+              <a:gd name="connsiteY0" fmla="*/ 114300 h 361950"/>
+              <a:gd name="connsiteX1" fmla="*/ 247650 w 247650"/>
+              <a:gd name="connsiteY1" fmla="*/ 361950 h 361950"/>
+              <a:gd name="connsiteX2" fmla="*/ 247650 w 247650"/>
+              <a:gd name="connsiteY2" fmla="*/ 0 h 361950"/>
+            </a:gdLst>
+            <a:ahLst/>
+            <a:cxnLst>
+              <a:cxn ang="0">
+                <a:pos x="connsiteX0" y="connsiteY0"/>
+              </a:cxn>
+              <a:cxn ang="0">
+                <a:pos x="connsiteX1" y="connsiteY1"/>
+              </a:cxn>
+              <a:cxn ang="0">
+                <a:pos x="connsiteX2" y="connsiteY2"/>
+              </a:cxn>
+            </a:cxnLst>
+            <a:rect l="l" t="t" r="r" b="b"/>
+            <a:pathLst>
+              <a:path w="247650" h="361950">
+                <a:moveTo>
+                  <a:pt x="0" y="114300"/>
+                </a:moveTo>
+                <a:lnTo>
+                  <a:pt x="247650" y="361950"/>
+                </a:lnTo>
+                <a:lnTo>
+                  <a:pt x="247650" y="0"/>
+                </a:lnTo>
+              </a:path>
+            </a:pathLst>
+          </a:custGeom>
+          <a:noFill/>
+          <a:ln>
+            <a:solidFill>
+              <a:srgbClr val="FF00FF"/>
+            </a:solidFill>
+          </a:ln>
+        </p:spPr>
+        <p:style>
+          <a:lnRef idx="2">
+            <a:schemeClr val="accent1">
+              <a:shade val="15000"/>
+            </a:schemeClr>
+          </a:lnRef>
+          <a:fillRef idx="1">
+            <a:schemeClr val="accent1"/>
+          </a:fillRef>
+          <a:effectRef idx="0">
+            <a:schemeClr val="accent1"/>
+          </a:effectRef>
+          <a:fontRef idx="minor">
+            <a:schemeClr val="lt1"/>
+          </a:fontRef>
+        </p:style>
+        <p:txBody>
+          <a:bodyPr rtlCol="0" anchor="ctr"/>
+          <a:lstStyle/>
+          <a:p>
+            <a:pPr algn="ctr"/>
+            <a:endParaRPr lang="ko-KR" altLang="en-US"/>
+          </a:p>
+        </p:txBody>
+      </p:sp>
+      <p:sp>
+        <p:nvSpPr>
+          <p:cNvPr id="20" name="TextBox 19">
+            <a:extLst>
+              <a:ext uri="{FF2B5EF4-FFF2-40B4-BE49-F238E27FC236}">
+                <a16:creationId xmlns:a16="http://schemas.microsoft.com/office/drawing/2014/main" id="{5D17D730-0030-DE1F-3F94-DCBB76263796}"/>
+              </a:ext>
+            </a:extLst>
+          </p:cNvPr>
+          <p:cNvSpPr txBox="1"/>
+          <p:nvPr/>
+        </p:nvSpPr>
+        <p:spPr>
+          <a:xfrm>
+            <a:off x="7256478" y="1341172"/>
+            <a:ext cx="1566846" cy="184666"/>
+          </a:xfrm>
+          <a:prstGeom prst="rect">
+            <a:avLst/>
+          </a:prstGeom>
+          <a:noFill/>
+        </p:spPr>
+        <p:txBody>
+          <a:bodyPr wrap="square" rtlCol="0">
+            <a:spAutoFit/>
+          </a:bodyPr>
+          <a:lstStyle/>
+          <a:p>
+            <a:r>
+              <a:rPr lang="ko-KR" altLang="en-US" sz="600" dirty="0">
+                <a:solidFill>
+                  <a:srgbClr val="FF00FF"/>
+                </a:solidFill>
+              </a:rPr>
+              <a:t>헤더에 표준 </a:t>
+            </a:r>
+            <a:r>
+              <a:rPr lang="ko-KR" altLang="en-US" sz="600" dirty="0" err="1">
+                <a:solidFill>
+                  <a:srgbClr val="FF00FF"/>
+                </a:solidFill>
+              </a:rPr>
+              <a:t>산출식</a:t>
+            </a:r>
+            <a:r>
+              <a:rPr lang="en-US" altLang="ko-KR" sz="600" dirty="0">
+                <a:solidFill>
+                  <a:srgbClr val="FF00FF"/>
+                </a:solidFill>
+              </a:rPr>
+              <a:t>, </a:t>
+            </a:r>
+            <a:r>
+              <a:rPr lang="ko-KR" altLang="en-US" sz="600" dirty="0">
+                <a:solidFill>
+                  <a:srgbClr val="FF00FF"/>
+                </a:solidFill>
+              </a:rPr>
+              <a:t>변경 </a:t>
+            </a:r>
+            <a:r>
+              <a:rPr lang="ko-KR" altLang="en-US" sz="600" dirty="0" err="1">
+                <a:solidFill>
+                  <a:srgbClr val="FF00FF"/>
+                </a:solidFill>
+              </a:rPr>
+              <a:t>산출식</a:t>
+            </a:r>
+            <a:r>
+              <a:rPr lang="ko-KR" altLang="en-US" sz="600" dirty="0">
+                <a:solidFill>
+                  <a:srgbClr val="FF00FF"/>
+                </a:solidFill>
+              </a:rPr>
+              <a:t> 추가</a:t>
+            </a:r>
+          </a:p>
+        </p:txBody>
+      </p:sp>
+      <p:cxnSp>
+        <p:nvCxnSpPr>
+          <p:cNvPr id="22" name="직선 연결선 21">
+            <a:extLst>
+              <a:ext uri="{FF2B5EF4-FFF2-40B4-BE49-F238E27FC236}">
+                <a16:creationId xmlns:a16="http://schemas.microsoft.com/office/drawing/2014/main" id="{41D98727-0A03-0EDE-8B34-65E7F497B286}"/>
+              </a:ext>
+            </a:extLst>
+          </p:cNvPr>
+          <p:cNvCxnSpPr/>
+          <p:nvPr/>
+        </p:nvCxnSpPr>
+        <p:spPr>
+          <a:xfrm>
+            <a:off x="9525000" y="807720"/>
+            <a:ext cx="2369820" cy="1337443"/>
+          </a:xfrm>
+          <a:prstGeom prst="line">
+            <a:avLst/>
+          </a:prstGeom>
+          <a:noFill/>
+          <a:ln>
+            <a:solidFill>
+              <a:srgbClr val="FF00FF"/>
+            </a:solidFill>
+          </a:ln>
+        </p:spPr>
+        <p:style>
+          <a:lnRef idx="2">
+            <a:schemeClr val="accent1">
+              <a:shade val="15000"/>
+            </a:schemeClr>
+          </a:lnRef>
+          <a:fillRef idx="1">
+            <a:schemeClr val="accent1"/>
+          </a:fillRef>
+          <a:effectRef idx="0">
+            <a:schemeClr val="accent1"/>
+          </a:effectRef>
+          <a:fontRef idx="minor">
+            <a:schemeClr val="lt1"/>
+          </a:fontRef>
+        </p:style>
+      </p:cxnSp>
+      <p:cxnSp>
+        <p:nvCxnSpPr>
+          <p:cNvPr id="24" name="직선 연결선 23">
+            <a:extLst>
+              <a:ext uri="{FF2B5EF4-FFF2-40B4-BE49-F238E27FC236}">
+                <a16:creationId xmlns:a16="http://schemas.microsoft.com/office/drawing/2014/main" id="{4C6356F6-78AE-8849-B2E1-4FC5EEF67D28}"/>
+              </a:ext>
+            </a:extLst>
+          </p:cNvPr>
+          <p:cNvCxnSpPr/>
+          <p:nvPr/>
+        </p:nvCxnSpPr>
+        <p:spPr>
+          <a:xfrm flipV="1">
+            <a:off x="9426522" y="754380"/>
+            <a:ext cx="2441830" cy="1390783"/>
+          </a:xfrm>
+          <a:prstGeom prst="line">
+            <a:avLst/>
+          </a:prstGeom>
+          <a:noFill/>
+          <a:ln>
+            <a:solidFill>
+              <a:srgbClr val="FF00FF"/>
+            </a:solidFill>
+          </a:ln>
+        </p:spPr>
+        <p:style>
+          <a:lnRef idx="2">
+            <a:schemeClr val="accent1">
+              <a:shade val="15000"/>
+            </a:schemeClr>
+          </a:lnRef>
+          <a:fillRef idx="1">
+            <a:schemeClr val="accent1"/>
+          </a:fillRef>
+          <a:effectRef idx="0">
+            <a:schemeClr val="accent1"/>
+          </a:effectRef>
+          <a:fontRef idx="minor">
+            <a:schemeClr val="lt1"/>
+          </a:fontRef>
+        </p:style>
+      </p:cxnSp>
+      <p:sp>
+        <p:nvSpPr>
+          <p:cNvPr id="25" name="TextBox 24">
+            <a:extLst>
+              <a:ext uri="{FF2B5EF4-FFF2-40B4-BE49-F238E27FC236}">
+                <a16:creationId xmlns:a16="http://schemas.microsoft.com/office/drawing/2014/main" id="{2C27E638-244A-7F26-0269-DFACE33FD8B1}"/>
+              </a:ext>
+            </a:extLst>
+          </p:cNvPr>
+          <p:cNvSpPr txBox="1"/>
+          <p:nvPr/>
+        </p:nvSpPr>
+        <p:spPr>
+          <a:xfrm>
+            <a:off x="3238606" y="1318089"/>
+            <a:ext cx="899605" cy="230832"/>
+          </a:xfrm>
+          <a:prstGeom prst="rect">
+            <a:avLst/>
+          </a:prstGeom>
+          <a:solidFill>
+            <a:srgbClr val="F0F0F0"/>
+          </a:solidFill>
+        </p:spPr>
+        <p:txBody>
+          <a:bodyPr wrap="none" rtlCol="0">
+            <a:spAutoFit/>
+          </a:bodyPr>
+          <a:lstStyle/>
+          <a:p>
+            <a:r>
+              <a:rPr lang="en-US" altLang="ko-KR" sz="900" b="1" dirty="0">
+                <a:solidFill>
+                  <a:srgbClr val="0000FF"/>
+                </a:solidFill>
+              </a:rPr>
+              <a:t>RC-UG_user1</a:t>
+            </a:r>
+            <a:endParaRPr lang="ko-KR" altLang="en-US" sz="900" b="1" dirty="0">
+              <a:solidFill>
+                <a:srgbClr val="0000FF"/>
+              </a:solidFill>
+            </a:endParaRPr>
+          </a:p>
+        </p:txBody>
+      </p:sp>
+      <p:sp>
+        <p:nvSpPr>
+          <p:cNvPr id="26" name="TextBox 25">
+            <a:extLst>
+              <a:ext uri="{FF2B5EF4-FFF2-40B4-BE49-F238E27FC236}">
+                <a16:creationId xmlns:a16="http://schemas.microsoft.com/office/drawing/2014/main" id="{DDB1DA4D-AEC0-31D4-8706-3E5499A6D6F8}"/>
+              </a:ext>
+            </a:extLst>
+          </p:cNvPr>
+          <p:cNvSpPr txBox="1"/>
+          <p:nvPr/>
+        </p:nvSpPr>
+        <p:spPr>
+          <a:xfrm>
+            <a:off x="3238606" y="2145163"/>
+            <a:ext cx="538930" cy="230832"/>
+          </a:xfrm>
+          <a:prstGeom prst="rect">
+            <a:avLst/>
+          </a:prstGeom>
+          <a:solidFill>
+            <a:srgbClr val="F0F0F0"/>
+          </a:solidFill>
+        </p:spPr>
+        <p:txBody>
+          <a:bodyPr wrap="none" rtlCol="0">
+            <a:spAutoFit/>
+          </a:bodyPr>
+          <a:lstStyle/>
+          <a:p>
+            <a:r>
+              <a:rPr lang="en-US" altLang="ko-KR" sz="900" b="1" dirty="0">
+                <a:solidFill>
+                  <a:srgbClr val="0000FF"/>
+                </a:solidFill>
+              </a:rPr>
+              <a:t>UG-PT</a:t>
+            </a:r>
+            <a:endParaRPr lang="ko-KR" altLang="en-US" sz="900" b="1" dirty="0">
+              <a:solidFill>
+                <a:srgbClr val="0000FF"/>
+              </a:solidFill>
+            </a:endParaRPr>
+          </a:p>
+        </p:txBody>
+      </p:sp>
+      <p:sp>
+        <p:nvSpPr>
+          <p:cNvPr id="27" name="TextBox 26">
+            <a:extLst>
+              <a:ext uri="{FF2B5EF4-FFF2-40B4-BE49-F238E27FC236}">
+                <a16:creationId xmlns:a16="http://schemas.microsoft.com/office/drawing/2014/main" id="{D0571E60-D167-7AA5-DF14-3B8233122662}"/>
+              </a:ext>
+            </a:extLst>
+          </p:cNvPr>
+          <p:cNvSpPr txBox="1"/>
+          <p:nvPr/>
+        </p:nvSpPr>
+        <p:spPr>
+          <a:xfrm>
+            <a:off x="3238606" y="3014599"/>
+            <a:ext cx="559769" cy="230832"/>
+          </a:xfrm>
+          <a:prstGeom prst="rect">
+            <a:avLst/>
+          </a:prstGeom>
+          <a:solidFill>
+            <a:srgbClr val="F0F0F0"/>
+          </a:solidFill>
+        </p:spPr>
+        <p:txBody>
+          <a:bodyPr wrap="none" rtlCol="0">
+            <a:spAutoFit/>
+          </a:bodyPr>
+          <a:lstStyle/>
+          <a:p>
+            <a:r>
+              <a:rPr lang="en-US" altLang="ko-KR" sz="900" b="1" dirty="0">
+                <a:solidFill>
+                  <a:srgbClr val="0000FF"/>
+                </a:solidFill>
+              </a:rPr>
+              <a:t>EARTH</a:t>
+            </a:r>
+            <a:endParaRPr lang="ko-KR" altLang="en-US" sz="900" b="1" dirty="0">
+              <a:solidFill>
+                <a:srgbClr val="0000FF"/>
+              </a:solidFill>
+            </a:endParaRPr>
+          </a:p>
+        </p:txBody>
+      </p:sp>
+      <p:sp>
+        <p:nvSpPr>
+          <p:cNvPr id="28" name="TextBox 27">
+            <a:extLst>
+              <a:ext uri="{FF2B5EF4-FFF2-40B4-BE49-F238E27FC236}">
+                <a16:creationId xmlns:a16="http://schemas.microsoft.com/office/drawing/2014/main" id="{27D6C3DE-41D9-B7C8-7ABF-453D79111093}"/>
+              </a:ext>
+            </a:extLst>
+          </p:cNvPr>
+          <p:cNvSpPr txBox="1"/>
+          <p:nvPr/>
+        </p:nvSpPr>
+        <p:spPr>
+          <a:xfrm>
+            <a:off x="3238606" y="3871805"/>
+            <a:ext cx="468398" cy="230832"/>
+          </a:xfrm>
+          <a:prstGeom prst="rect">
+            <a:avLst/>
+          </a:prstGeom>
+          <a:solidFill>
+            <a:srgbClr val="F0F0F0"/>
+          </a:solidFill>
+        </p:spPr>
+        <p:txBody>
+          <a:bodyPr wrap="none" rtlCol="0">
+            <a:spAutoFit/>
+          </a:bodyPr>
+          <a:lstStyle/>
+          <a:p>
+            <a:r>
+              <a:rPr lang="en-US" altLang="ko-KR" sz="900" b="1" dirty="0">
+                <a:solidFill>
+                  <a:srgbClr val="0000FF"/>
+                </a:solidFill>
+              </a:rPr>
+              <a:t>BASE</a:t>
+            </a:r>
+            <a:endParaRPr lang="ko-KR" altLang="en-US" sz="900" b="1" dirty="0">
+              <a:solidFill>
+                <a:srgbClr val="0000FF"/>
+              </a:solidFill>
+            </a:endParaRPr>
+          </a:p>
+        </p:txBody>
+      </p:sp>
+      <p:sp>
+        <p:nvSpPr>
+          <p:cNvPr id="29" name="TextBox 28">
+            <a:extLst>
+              <a:ext uri="{FF2B5EF4-FFF2-40B4-BE49-F238E27FC236}">
+                <a16:creationId xmlns:a16="http://schemas.microsoft.com/office/drawing/2014/main" id="{40ED28A2-0E9C-B404-BAB1-6D389B654F8B}"/>
+              </a:ext>
+            </a:extLst>
+          </p:cNvPr>
+          <p:cNvSpPr txBox="1"/>
+          <p:nvPr/>
+        </p:nvSpPr>
+        <p:spPr>
+          <a:xfrm>
+            <a:off x="3238606" y="4242366"/>
+            <a:ext cx="667170" cy="230832"/>
+          </a:xfrm>
+          <a:prstGeom prst="rect">
+            <a:avLst/>
+          </a:prstGeom>
+          <a:solidFill>
+            <a:srgbClr val="F0F0F0"/>
+          </a:solidFill>
+        </p:spPr>
+        <p:txBody>
+          <a:bodyPr wrap="none" rtlCol="0">
+            <a:spAutoFit/>
+          </a:bodyPr>
+          <a:lstStyle/>
+          <a:p>
+            <a:r>
+              <a:rPr lang="en-US" altLang="ko-KR" sz="900" b="1" dirty="0">
+                <a:solidFill>
+                  <a:srgbClr val="0000FF"/>
+                </a:solidFill>
+              </a:rPr>
+              <a:t>PE</a:t>
+            </a:r>
+            <a:r>
+              <a:rPr lang="ko-KR" altLang="en-US" sz="900" b="1" dirty="0">
+                <a:solidFill>
+                  <a:srgbClr val="0000FF"/>
+                </a:solidFill>
+              </a:rPr>
+              <a:t> </a:t>
+            </a:r>
+            <a:r>
+              <a:rPr lang="en-US" altLang="ko-KR" sz="900" b="1" dirty="0">
+                <a:solidFill>
+                  <a:srgbClr val="0000FF"/>
+                </a:solidFill>
+              </a:rPr>
+              <a:t>Sheet</a:t>
+            </a:r>
+            <a:endParaRPr lang="ko-KR" altLang="en-US" sz="900" b="1" dirty="0">
+              <a:solidFill>
+                <a:srgbClr val="0000FF"/>
+              </a:solidFill>
+            </a:endParaRPr>
+          </a:p>
+        </p:txBody>
+      </p:sp>
+      <p:pic>
+        <p:nvPicPr>
+          <p:cNvPr id="1026" name="Picture 2" descr="체크 박스 디자인의 중요성과 설계 원칙">
+            <a:extLst>
+              <a:ext uri="{FF2B5EF4-FFF2-40B4-BE49-F238E27FC236}">
+                <a16:creationId xmlns:a16="http://schemas.microsoft.com/office/drawing/2014/main" id="{298670A5-217A-A321-9866-0C26ACFDCAB4}"/>
+              </a:ext>
+            </a:extLst>
+          </p:cNvPr>
+          <p:cNvPicPr>
+            <a:picLocks noChangeAspect="1" noChangeArrowheads="1"/>
+          </p:cNvPicPr>
+          <p:nvPr/>
+        </p:nvPicPr>
+        <p:blipFill rotWithShape="1">
+          <a:blip r:embed="rId3">
+            <a:extLst>
+              <a:ext uri="{28A0092B-C50C-407E-A947-70E740481C1C}">
+                <a14:useLocalDpi xmlns:a14="http://schemas.microsoft.com/office/drawing/2010/main" val="0"/>
+              </a:ext>
+            </a:extLst>
+          </a:blip>
+          <a:srcRect l="20937" t="37374" r="68548" b="41399"/>
+          <a:stretch/>
+        </p:blipFill>
+        <p:spPr bwMode="auto">
+          <a:xfrm>
+            <a:off x="4778076" y="1355535"/>
+            <a:ext cx="157447" cy="155939"/>
+          </a:xfrm>
+          <a:prstGeom prst="rect">
+            <a:avLst/>
+          </a:prstGeom>
+          <a:noFill/>
+          <a:extLst>
+            <a:ext uri="{909E8E84-426E-40DD-AFC4-6F175D3DCCD1}">
+              <a14:hiddenFill xmlns:a14="http://schemas.microsoft.com/office/drawing/2010/main">
+                <a:solidFill>
+                  <a:srgbClr val="FFFFFF"/>
+                </a:solidFill>
+              </a14:hiddenFill>
+            </a:ext>
+          </a:extLst>
+        </p:spPr>
+      </p:pic>
+      <p:sp>
+        <p:nvSpPr>
+          <p:cNvPr id="30" name="TextBox 29">
+            <a:extLst>
+              <a:ext uri="{FF2B5EF4-FFF2-40B4-BE49-F238E27FC236}">
+                <a16:creationId xmlns:a16="http://schemas.microsoft.com/office/drawing/2014/main" id="{4DE2FA2F-E2C0-9EF8-F320-55917029DDFC}"/>
+              </a:ext>
+            </a:extLst>
+          </p:cNvPr>
+          <p:cNvSpPr txBox="1"/>
+          <p:nvPr/>
+        </p:nvSpPr>
+        <p:spPr>
+          <a:xfrm>
+            <a:off x="4082388" y="1318089"/>
+            <a:ext cx="663964" cy="230832"/>
+          </a:xfrm>
+          <a:prstGeom prst="rect">
+            <a:avLst/>
+          </a:prstGeom>
+          <a:solidFill>
+            <a:srgbClr val="F0F0F0"/>
+          </a:solidFill>
+        </p:spPr>
+        <p:txBody>
+          <a:bodyPr wrap="none" rtlCol="0">
+            <a:spAutoFit/>
+          </a:bodyPr>
+          <a:lstStyle/>
+          <a:p>
+            <a:r>
+              <a:rPr lang="en-US" altLang="ko-KR" sz="900" b="1" dirty="0">
+                <a:solidFill>
+                  <a:srgbClr val="0000FF"/>
+                </a:solidFill>
+              </a:rPr>
+              <a:t>Derived?</a:t>
+            </a:r>
+            <a:endParaRPr lang="ko-KR" altLang="en-US" sz="900" b="1" dirty="0">
+              <a:solidFill>
+                <a:srgbClr val="0000FF"/>
+              </a:solidFill>
+            </a:endParaRPr>
+          </a:p>
+        </p:txBody>
+      </p:sp>
+      <p:pic>
+        <p:nvPicPr>
+          <p:cNvPr id="31" name="Picture 2" descr="체크 박스 디자인의 중요성과 설계 원칙">
+            <a:extLst>
+              <a:ext uri="{FF2B5EF4-FFF2-40B4-BE49-F238E27FC236}">
+                <a16:creationId xmlns:a16="http://schemas.microsoft.com/office/drawing/2014/main" id="{086283B5-7FF4-6CD3-D048-AC3E25FE094F}"/>
+              </a:ext>
+            </a:extLst>
+          </p:cNvPr>
+          <p:cNvPicPr>
+            <a:picLocks noChangeAspect="1" noChangeArrowheads="1"/>
+          </p:cNvPicPr>
+          <p:nvPr/>
+        </p:nvPicPr>
+        <p:blipFill rotWithShape="1">
+          <a:blip r:embed="rId3">
+            <a:extLst>
+              <a:ext uri="{28A0092B-C50C-407E-A947-70E740481C1C}">
+                <a14:useLocalDpi xmlns:a14="http://schemas.microsoft.com/office/drawing/2010/main" val="0"/>
+              </a:ext>
+            </a:extLst>
+          </a:blip>
+          <a:srcRect l="69041" t="37374" r="20444" b="41399"/>
+          <a:stretch/>
+        </p:blipFill>
+        <p:spPr bwMode="auto">
+          <a:xfrm>
+            <a:off x="4778076" y="2200471"/>
+            <a:ext cx="157447" cy="155939"/>
+          </a:xfrm>
+          <a:prstGeom prst="rect">
+            <a:avLst/>
+          </a:prstGeom>
+          <a:noFill/>
+          <a:extLst>
+            <a:ext uri="{909E8E84-426E-40DD-AFC4-6F175D3DCCD1}">
+              <a14:hiddenFill xmlns:a14="http://schemas.microsoft.com/office/drawing/2010/main">
+                <a:solidFill>
+                  <a:srgbClr val="FFFFFF"/>
+                </a:solidFill>
+              </a14:hiddenFill>
+            </a:ext>
+          </a:extLst>
+        </p:spPr>
+      </p:pic>
+      <p:sp>
+        <p:nvSpPr>
+          <p:cNvPr id="32" name="TextBox 31">
+            <a:extLst>
+              <a:ext uri="{FF2B5EF4-FFF2-40B4-BE49-F238E27FC236}">
+                <a16:creationId xmlns:a16="http://schemas.microsoft.com/office/drawing/2014/main" id="{617ADF83-563F-680A-F317-B6DB217CE0A6}"/>
+              </a:ext>
+            </a:extLst>
+          </p:cNvPr>
+          <p:cNvSpPr txBox="1"/>
+          <p:nvPr/>
+        </p:nvSpPr>
+        <p:spPr>
+          <a:xfrm>
+            <a:off x="4082388" y="2163025"/>
+            <a:ext cx="663964" cy="230832"/>
+          </a:xfrm>
+          <a:prstGeom prst="rect">
+            <a:avLst/>
+          </a:prstGeom>
+          <a:solidFill>
+            <a:srgbClr val="F0F0F0"/>
+          </a:solidFill>
+        </p:spPr>
+        <p:txBody>
+          <a:bodyPr wrap="none" rtlCol="0">
+            <a:spAutoFit/>
+          </a:bodyPr>
+          <a:lstStyle/>
+          <a:p>
+            <a:r>
+              <a:rPr lang="en-US" altLang="ko-KR" sz="900" b="1" dirty="0">
+                <a:solidFill>
+                  <a:srgbClr val="0000FF"/>
+                </a:solidFill>
+              </a:rPr>
+              <a:t>Derived?</a:t>
+            </a:r>
+            <a:endParaRPr lang="ko-KR" altLang="en-US" sz="900" b="1" dirty="0">
+              <a:solidFill>
+                <a:srgbClr val="0000FF"/>
+              </a:solidFill>
+            </a:endParaRPr>
+          </a:p>
+        </p:txBody>
+      </p:sp>
+      <p:pic>
+        <p:nvPicPr>
+          <p:cNvPr id="33" name="Picture 2" descr="체크 박스 디자인의 중요성과 설계 원칙">
+            <a:extLst>
+              <a:ext uri="{FF2B5EF4-FFF2-40B4-BE49-F238E27FC236}">
+                <a16:creationId xmlns:a16="http://schemas.microsoft.com/office/drawing/2014/main" id="{679F1659-A0DF-1B1B-ACF4-FC6026D7947B}"/>
+              </a:ext>
+            </a:extLst>
+          </p:cNvPr>
+          <p:cNvPicPr>
+            <a:picLocks noChangeAspect="1" noChangeArrowheads="1"/>
+          </p:cNvPicPr>
+          <p:nvPr/>
+        </p:nvPicPr>
+        <p:blipFill rotWithShape="1">
+          <a:blip r:embed="rId3">
+            <a:extLst>
+              <a:ext uri="{28A0092B-C50C-407E-A947-70E740481C1C}">
+                <a14:useLocalDpi xmlns:a14="http://schemas.microsoft.com/office/drawing/2010/main" val="0"/>
+              </a:ext>
+            </a:extLst>
+          </a:blip>
+          <a:srcRect l="69041" t="37374" r="20444" b="41399"/>
+          <a:stretch/>
+        </p:blipFill>
+        <p:spPr bwMode="auto">
+          <a:xfrm>
+            <a:off x="4778076" y="3064099"/>
+            <a:ext cx="157447" cy="155939"/>
+          </a:xfrm>
+          <a:prstGeom prst="rect">
+            <a:avLst/>
+          </a:prstGeom>
+          <a:noFill/>
+          <a:extLst>
+            <a:ext uri="{909E8E84-426E-40DD-AFC4-6F175D3DCCD1}">
+              <a14:hiddenFill xmlns:a14="http://schemas.microsoft.com/office/drawing/2010/main">
+                <a:solidFill>
+                  <a:srgbClr val="FFFFFF"/>
+                </a:solidFill>
+              </a14:hiddenFill>
+            </a:ext>
+          </a:extLst>
+        </p:spPr>
+      </p:pic>
+      <p:sp>
+        <p:nvSpPr>
+          <p:cNvPr id="34" name="TextBox 33">
+            <a:extLst>
+              <a:ext uri="{FF2B5EF4-FFF2-40B4-BE49-F238E27FC236}">
+                <a16:creationId xmlns:a16="http://schemas.microsoft.com/office/drawing/2014/main" id="{26251EAF-A5E3-CEB7-7EC2-38A62B5EDDD4}"/>
+              </a:ext>
+            </a:extLst>
+          </p:cNvPr>
+          <p:cNvSpPr txBox="1"/>
+          <p:nvPr/>
+        </p:nvSpPr>
+        <p:spPr>
+          <a:xfrm>
+            <a:off x="4082388" y="3026653"/>
+            <a:ext cx="663964" cy="230832"/>
+          </a:xfrm>
+          <a:prstGeom prst="rect">
+            <a:avLst/>
+          </a:prstGeom>
+          <a:solidFill>
+            <a:srgbClr val="F0F0F0"/>
+          </a:solidFill>
+        </p:spPr>
+        <p:txBody>
+          <a:bodyPr wrap="none" rtlCol="0">
+            <a:spAutoFit/>
+          </a:bodyPr>
+          <a:lstStyle/>
+          <a:p>
+            <a:r>
+              <a:rPr lang="en-US" altLang="ko-KR" sz="900" b="1" dirty="0">
+                <a:solidFill>
+                  <a:srgbClr val="0000FF"/>
+                </a:solidFill>
+              </a:rPr>
+              <a:t>Derived?</a:t>
+            </a:r>
+            <a:endParaRPr lang="ko-KR" altLang="en-US" sz="900" b="1" dirty="0">
+              <a:solidFill>
+                <a:srgbClr val="0000FF"/>
+              </a:solidFill>
+            </a:endParaRPr>
+          </a:p>
+        </p:txBody>
+      </p:sp>
+      <p:pic>
+        <p:nvPicPr>
+          <p:cNvPr id="35" name="Picture 2" descr="체크 박스 디자인의 중요성과 설계 원칙">
+            <a:extLst>
+              <a:ext uri="{FF2B5EF4-FFF2-40B4-BE49-F238E27FC236}">
+                <a16:creationId xmlns:a16="http://schemas.microsoft.com/office/drawing/2014/main" id="{8DCC496D-BE74-D6A3-E707-A18463F2B4D7}"/>
+              </a:ext>
+            </a:extLst>
+          </p:cNvPr>
+          <p:cNvPicPr>
+            <a:picLocks noChangeAspect="1" noChangeArrowheads="1"/>
+          </p:cNvPicPr>
+          <p:nvPr/>
+        </p:nvPicPr>
+        <p:blipFill rotWithShape="1">
+          <a:blip r:embed="rId3">
+            <a:extLst>
+              <a:ext uri="{28A0092B-C50C-407E-A947-70E740481C1C}">
+                <a14:useLocalDpi xmlns:a14="http://schemas.microsoft.com/office/drawing/2010/main" val="0"/>
+              </a:ext>
+            </a:extLst>
+          </a:blip>
+          <a:srcRect l="69041" t="37374" r="20444" b="41399"/>
+          <a:stretch/>
+        </p:blipFill>
+        <p:spPr bwMode="auto">
+          <a:xfrm>
+            <a:off x="4778076" y="3915457"/>
+            <a:ext cx="157447" cy="155939"/>
+          </a:xfrm>
+          <a:prstGeom prst="rect">
+            <a:avLst/>
+          </a:prstGeom>
+          <a:noFill/>
+          <a:extLst>
+            <a:ext uri="{909E8E84-426E-40DD-AFC4-6F175D3DCCD1}">
+              <a14:hiddenFill xmlns:a14="http://schemas.microsoft.com/office/drawing/2010/main">
+                <a:solidFill>
+                  <a:srgbClr val="FFFFFF"/>
+                </a:solidFill>
+              </a14:hiddenFill>
+            </a:ext>
+          </a:extLst>
+        </p:spPr>
+      </p:pic>
+      <p:sp>
+        <p:nvSpPr>
+          <p:cNvPr id="36" name="TextBox 35">
+            <a:extLst>
+              <a:ext uri="{FF2B5EF4-FFF2-40B4-BE49-F238E27FC236}">
+                <a16:creationId xmlns:a16="http://schemas.microsoft.com/office/drawing/2014/main" id="{5568DD36-D529-7753-6A2E-F6936F26CA11}"/>
+              </a:ext>
+            </a:extLst>
+          </p:cNvPr>
+          <p:cNvSpPr txBox="1"/>
+          <p:nvPr/>
+        </p:nvSpPr>
+        <p:spPr>
+          <a:xfrm>
+            <a:off x="4082388" y="3878011"/>
+            <a:ext cx="663964" cy="230832"/>
+          </a:xfrm>
+          <a:prstGeom prst="rect">
+            <a:avLst/>
+          </a:prstGeom>
+          <a:solidFill>
+            <a:srgbClr val="F0F0F0"/>
+          </a:solidFill>
+        </p:spPr>
+        <p:txBody>
+          <a:bodyPr wrap="none" rtlCol="0">
+            <a:spAutoFit/>
+          </a:bodyPr>
+          <a:lstStyle/>
+          <a:p>
+            <a:r>
+              <a:rPr lang="en-US" altLang="ko-KR" sz="900" b="1" dirty="0">
+                <a:solidFill>
+                  <a:srgbClr val="0000FF"/>
+                </a:solidFill>
+              </a:rPr>
+              <a:t>Derived?</a:t>
+            </a:r>
+            <a:endParaRPr lang="ko-KR" altLang="en-US" sz="900" b="1" dirty="0">
+              <a:solidFill>
+                <a:srgbClr val="0000FF"/>
+              </a:solidFill>
+            </a:endParaRPr>
+          </a:p>
+        </p:txBody>
+      </p:sp>
+      <p:pic>
+        <p:nvPicPr>
+          <p:cNvPr id="37" name="Picture 2" descr="체크 박스 디자인의 중요성과 설계 원칙">
+            <a:extLst>
+              <a:ext uri="{FF2B5EF4-FFF2-40B4-BE49-F238E27FC236}">
+                <a16:creationId xmlns:a16="http://schemas.microsoft.com/office/drawing/2014/main" id="{041DE14E-CCB0-C6FD-89A4-67D245194222}"/>
+              </a:ext>
+            </a:extLst>
+          </p:cNvPr>
+          <p:cNvPicPr>
+            <a:picLocks noChangeAspect="1" noChangeArrowheads="1"/>
+          </p:cNvPicPr>
+          <p:nvPr/>
+        </p:nvPicPr>
+        <p:blipFill rotWithShape="1">
+          <a:blip r:embed="rId3">
+            <a:extLst>
+              <a:ext uri="{28A0092B-C50C-407E-A947-70E740481C1C}">
+                <a14:useLocalDpi xmlns:a14="http://schemas.microsoft.com/office/drawing/2010/main" val="0"/>
+              </a:ext>
+            </a:extLst>
+          </a:blip>
+          <a:srcRect l="69041" t="37374" r="20444" b="41399"/>
+          <a:stretch/>
+        </p:blipFill>
+        <p:spPr bwMode="auto">
+          <a:xfrm>
+            <a:off x="4778076" y="4277201"/>
+            <a:ext cx="157447" cy="155939"/>
+          </a:xfrm>
+          <a:prstGeom prst="rect">
+            <a:avLst/>
+          </a:prstGeom>
+          <a:noFill/>
+          <a:extLst>
+            <a:ext uri="{909E8E84-426E-40DD-AFC4-6F175D3DCCD1}">
+              <a14:hiddenFill xmlns:a14="http://schemas.microsoft.com/office/drawing/2010/main">
+                <a:solidFill>
+                  <a:srgbClr val="FFFFFF"/>
+                </a:solidFill>
+              </a14:hiddenFill>
+            </a:ext>
+          </a:extLst>
+        </p:spPr>
+      </p:pic>
+      <p:sp>
+        <p:nvSpPr>
+          <p:cNvPr id="38" name="TextBox 37">
+            <a:extLst>
+              <a:ext uri="{FF2B5EF4-FFF2-40B4-BE49-F238E27FC236}">
+                <a16:creationId xmlns:a16="http://schemas.microsoft.com/office/drawing/2014/main" id="{FF3908B9-D71A-43B6-9C10-8797B3FF8C90}"/>
+              </a:ext>
+            </a:extLst>
+          </p:cNvPr>
+          <p:cNvSpPr txBox="1"/>
+          <p:nvPr/>
+        </p:nvSpPr>
+        <p:spPr>
+          <a:xfrm>
+            <a:off x="4082388" y="4239755"/>
+            <a:ext cx="663964" cy="230832"/>
+          </a:xfrm>
+          <a:prstGeom prst="rect">
+            <a:avLst/>
+          </a:prstGeom>
+          <a:solidFill>
+            <a:srgbClr val="F0F0F0"/>
+          </a:solidFill>
+        </p:spPr>
+        <p:txBody>
+          <a:bodyPr wrap="none" rtlCol="0">
+            <a:spAutoFit/>
+          </a:bodyPr>
+          <a:lstStyle/>
+          <a:p>
+            <a:r>
+              <a:rPr lang="en-US" altLang="ko-KR" sz="900" b="1" dirty="0">
+                <a:solidFill>
+                  <a:srgbClr val="0000FF"/>
+                </a:solidFill>
+              </a:rPr>
+              <a:t>Derived?</a:t>
+            </a:r>
+            <a:endParaRPr lang="ko-KR" altLang="en-US" sz="900" b="1" dirty="0">
+              <a:solidFill>
+                <a:srgbClr val="0000FF"/>
+              </a:solidFill>
+            </a:endParaRPr>
+          </a:p>
+        </p:txBody>
+      </p:sp>
+      <p:sp>
+        <p:nvSpPr>
+          <p:cNvPr id="40" name="TextBox 39">
+            <a:extLst>
+              <a:ext uri="{FF2B5EF4-FFF2-40B4-BE49-F238E27FC236}">
+                <a16:creationId xmlns:a16="http://schemas.microsoft.com/office/drawing/2014/main" id="{4BEDADCF-2AF0-187D-1C5D-BF4B5664B7F3}"/>
+              </a:ext>
+            </a:extLst>
+          </p:cNvPr>
+          <p:cNvSpPr txBox="1"/>
+          <p:nvPr/>
+        </p:nvSpPr>
+        <p:spPr>
+          <a:xfrm>
+            <a:off x="2966303" y="1086064"/>
+            <a:ext cx="1736220" cy="200055"/>
+          </a:xfrm>
+          <a:prstGeom prst="rect">
+            <a:avLst/>
+          </a:prstGeom>
+          <a:solidFill>
+            <a:schemeClr val="bg2"/>
+          </a:solidFill>
+        </p:spPr>
+        <p:txBody>
+          <a:bodyPr wrap="square">
+            <a:spAutoFit/>
+          </a:bodyPr>
+          <a:lstStyle/>
+          <a:p>
+            <a:r>
+              <a:rPr lang="ko-KR" altLang="en-US" sz="700" dirty="0"/>
+              <a:t>H_SF_AR S17_SOG</a:t>
+            </a:r>
+            <a:r>
+              <a:rPr lang="en-US" altLang="ko-KR" sz="700" dirty="0"/>
+              <a:t>_user1</a:t>
+            </a:r>
+            <a:endParaRPr lang="ko-KR" altLang="en-US" sz="700" dirty="0"/>
+          </a:p>
+        </p:txBody>
+      </p:sp>
+      <p:sp>
+        <p:nvSpPr>
+          <p:cNvPr id="41" name="TextBox 40">
+            <a:extLst>
+              <a:ext uri="{FF2B5EF4-FFF2-40B4-BE49-F238E27FC236}">
+                <a16:creationId xmlns:a16="http://schemas.microsoft.com/office/drawing/2014/main" id="{BBF9AE18-D86F-CAA5-DB18-E6270C4EA9EA}"/>
+              </a:ext>
+            </a:extLst>
+          </p:cNvPr>
+          <p:cNvSpPr txBox="1"/>
+          <p:nvPr/>
+        </p:nvSpPr>
+        <p:spPr>
+          <a:xfrm>
+            <a:off x="5710655" y="410552"/>
+            <a:ext cx="1909931" cy="338554"/>
+          </a:xfrm>
+          <a:prstGeom prst="rect">
+            <a:avLst/>
+          </a:prstGeom>
+          <a:noFill/>
+        </p:spPr>
+        <p:txBody>
+          <a:bodyPr wrap="square" rtlCol="0">
+            <a:spAutoFit/>
+          </a:bodyPr>
+          <a:lstStyle/>
+          <a:p>
+            <a:pPr algn="r"/>
+            <a:r>
+              <a:rPr lang="ko-KR" altLang="en-US" sz="800" dirty="0">
+                <a:solidFill>
+                  <a:srgbClr val="FF00FF"/>
+                </a:solidFill>
+              </a:rPr>
+              <a:t>프레임을 </a:t>
+            </a:r>
+            <a:r>
+              <a:rPr lang="en-US" altLang="ko-KR" sz="800" dirty="0">
+                <a:solidFill>
+                  <a:srgbClr val="FF00FF"/>
+                </a:solidFill>
+              </a:rPr>
+              <a:t>1,2,3,4 </a:t>
+            </a:r>
+            <a:r>
+              <a:rPr lang="ko-KR" altLang="en-US" sz="800" dirty="0">
+                <a:solidFill>
+                  <a:srgbClr val="FF00FF"/>
+                </a:solidFill>
+              </a:rPr>
+              <a:t>를</a:t>
+            </a:r>
+            <a:r>
+              <a:rPr lang="en-US" altLang="ko-KR" sz="800" dirty="0">
+                <a:solidFill>
+                  <a:srgbClr val="FF00FF"/>
+                </a:solidFill>
+              </a:rPr>
+              <a:t> </a:t>
+            </a:r>
+            <a:r>
+              <a:rPr lang="ko-KR" altLang="en-US" sz="800" dirty="0">
+                <a:solidFill>
+                  <a:srgbClr val="FF00FF"/>
+                </a:solidFill>
+              </a:rPr>
+              <a:t>꼭 나눠야 하는가</a:t>
+            </a:r>
+            <a:r>
+              <a:rPr lang="en-US" altLang="ko-KR" sz="800" dirty="0">
+                <a:solidFill>
+                  <a:srgbClr val="FF00FF"/>
+                </a:solidFill>
+              </a:rPr>
+              <a:t>?</a:t>
+            </a:r>
+          </a:p>
+          <a:p>
+            <a:pPr algn="r"/>
+            <a:r>
+              <a:rPr lang="ko-KR" altLang="en-US" sz="800" dirty="0">
+                <a:solidFill>
+                  <a:srgbClr val="FF00FF"/>
+                </a:solidFill>
+              </a:rPr>
+              <a:t>만약 아니라면</a:t>
+            </a:r>
+            <a:r>
+              <a:rPr lang="en-US" altLang="ko-KR" sz="800" dirty="0">
+                <a:solidFill>
+                  <a:srgbClr val="FF00FF"/>
+                </a:solidFill>
+              </a:rPr>
+              <a:t>,</a:t>
+            </a:r>
+            <a:endParaRPr lang="ko-KR" altLang="en-US" sz="800" dirty="0">
+              <a:solidFill>
+                <a:srgbClr val="FF00FF"/>
+              </a:solidFill>
+            </a:endParaRPr>
+          </a:p>
+        </p:txBody>
+      </p:sp>
+      <p:sp>
+        <p:nvSpPr>
+          <p:cNvPr id="42" name="자유형: 도형 41">
+            <a:extLst>
+              <a:ext uri="{FF2B5EF4-FFF2-40B4-BE49-F238E27FC236}">
+                <a16:creationId xmlns:a16="http://schemas.microsoft.com/office/drawing/2014/main" id="{25FC8804-3A32-85FA-815B-6842CA9A24BE}"/>
+              </a:ext>
+            </a:extLst>
+          </p:cNvPr>
+          <p:cNvSpPr/>
+          <p:nvPr/>
+        </p:nvSpPr>
+        <p:spPr>
+          <a:xfrm>
+            <a:off x="7598004" y="377072"/>
+            <a:ext cx="480767" cy="452487"/>
+          </a:xfrm>
+          <a:custGeom>
+            <a:avLst/>
+            <a:gdLst>
+              <a:gd name="connsiteX0" fmla="*/ 461914 w 480767"/>
+              <a:gd name="connsiteY0" fmla="*/ 0 h 452487"/>
+              <a:gd name="connsiteX1" fmla="*/ 0 w 480767"/>
+              <a:gd name="connsiteY1" fmla="*/ 245097 h 452487"/>
+              <a:gd name="connsiteX2" fmla="*/ 480767 w 480767"/>
+              <a:gd name="connsiteY2" fmla="*/ 452487 h 452487"/>
+            </a:gdLst>
+            <a:ahLst/>
+            <a:cxnLst>
+              <a:cxn ang="0">
+                <a:pos x="connsiteX0" y="connsiteY0"/>
+              </a:cxn>
+              <a:cxn ang="0">
+                <a:pos x="connsiteX1" y="connsiteY1"/>
+              </a:cxn>
+              <a:cxn ang="0">
+                <a:pos x="connsiteX2" y="connsiteY2"/>
+              </a:cxn>
+            </a:cxnLst>
+            <a:rect l="l" t="t" r="r" b="b"/>
+            <a:pathLst>
+              <a:path w="480767" h="452487">
+                <a:moveTo>
+                  <a:pt x="461914" y="0"/>
+                </a:moveTo>
+                <a:lnTo>
+                  <a:pt x="0" y="245097"/>
+                </a:lnTo>
+                <a:lnTo>
+                  <a:pt x="480767" y="452487"/>
+                </a:lnTo>
+              </a:path>
+            </a:pathLst>
+          </a:custGeom>
+          <a:noFill/>
+          <a:ln>
+            <a:solidFill>
+              <a:srgbClr val="FF00FF"/>
+            </a:solidFill>
+          </a:ln>
+        </p:spPr>
+        <p:style>
+          <a:lnRef idx="2">
+            <a:schemeClr val="accent1">
+              <a:shade val="15000"/>
+            </a:schemeClr>
+          </a:lnRef>
+          <a:fillRef idx="1">
+            <a:schemeClr val="accent1"/>
+          </a:fillRef>
+          <a:effectRef idx="0">
+            <a:schemeClr val="accent1"/>
+          </a:effectRef>
+          <a:fontRef idx="minor">
+            <a:schemeClr val="lt1"/>
+          </a:fontRef>
+        </p:style>
+        <p:txBody>
+          <a:bodyPr rtlCol="0" anchor="ctr"/>
+          <a:lstStyle/>
+          <a:p>
+            <a:pPr algn="ctr"/>
+            <a:endParaRPr lang="ko-KR" altLang="en-US"/>
+          </a:p>
+        </p:txBody>
+      </p:sp>
+      <p:sp>
+        <p:nvSpPr>
+          <p:cNvPr id="43" name="TextBox 42">
+            <a:extLst>
+              <a:ext uri="{FF2B5EF4-FFF2-40B4-BE49-F238E27FC236}">
+                <a16:creationId xmlns:a16="http://schemas.microsoft.com/office/drawing/2014/main" id="{BD6E5B7A-6957-F9A9-97A0-7CE42FE9769C}"/>
+              </a:ext>
+            </a:extLst>
+          </p:cNvPr>
+          <p:cNvSpPr txBox="1"/>
+          <p:nvPr/>
+        </p:nvSpPr>
+        <p:spPr>
+          <a:xfrm>
+            <a:off x="8119923" y="250846"/>
+            <a:ext cx="807262" cy="215444"/>
+          </a:xfrm>
+          <a:prstGeom prst="rect">
+            <a:avLst/>
+          </a:prstGeom>
+          <a:noFill/>
+        </p:spPr>
+        <p:txBody>
+          <a:bodyPr wrap="square" rtlCol="0">
+            <a:spAutoFit/>
+          </a:bodyPr>
+          <a:lstStyle/>
+          <a:p>
+            <a:r>
+              <a:rPr lang="ko-KR" altLang="en-US" sz="800" dirty="0">
+                <a:solidFill>
+                  <a:srgbClr val="FF00FF"/>
+                </a:solidFill>
+              </a:rPr>
+              <a:t>통짜 </a:t>
+            </a:r>
+            <a:r>
+              <a:rPr lang="ko-KR" altLang="en-US" sz="800" dirty="0" err="1">
+                <a:solidFill>
+                  <a:srgbClr val="FF00FF"/>
+                </a:solidFill>
+              </a:rPr>
+              <a:t>트리뷰</a:t>
+            </a:r>
+            <a:r>
+              <a:rPr lang="en-US" altLang="ko-KR" sz="800" dirty="0">
+                <a:solidFill>
+                  <a:srgbClr val="FF00FF"/>
+                </a:solidFill>
+              </a:rPr>
+              <a:t>?</a:t>
+            </a:r>
+            <a:endParaRPr lang="ko-KR" altLang="en-US" sz="800" dirty="0">
+              <a:solidFill>
+                <a:srgbClr val="FF00FF"/>
+              </a:solidFill>
+            </a:endParaRPr>
+          </a:p>
+        </p:txBody>
+      </p:sp>
+      <p:sp>
+        <p:nvSpPr>
+          <p:cNvPr id="44" name="TextBox 43">
+            <a:extLst>
+              <a:ext uri="{FF2B5EF4-FFF2-40B4-BE49-F238E27FC236}">
+                <a16:creationId xmlns:a16="http://schemas.microsoft.com/office/drawing/2014/main" id="{77FE6C9C-F370-6B2E-7380-3F548E7F119F}"/>
+              </a:ext>
+            </a:extLst>
+          </p:cNvPr>
+          <p:cNvSpPr txBox="1"/>
+          <p:nvPr/>
+        </p:nvSpPr>
+        <p:spPr>
+          <a:xfrm>
+            <a:off x="8119923" y="702270"/>
+            <a:ext cx="807262" cy="215444"/>
+          </a:xfrm>
+          <a:prstGeom prst="rect">
+            <a:avLst/>
+          </a:prstGeom>
+          <a:noFill/>
+        </p:spPr>
+        <p:txBody>
+          <a:bodyPr wrap="square" rtlCol="0">
+            <a:spAutoFit/>
+          </a:bodyPr>
+          <a:lstStyle/>
+          <a:p>
+            <a:r>
+              <a:rPr lang="ko-KR" altLang="en-US" sz="800" dirty="0">
+                <a:solidFill>
+                  <a:srgbClr val="FF00FF"/>
+                </a:solidFill>
+              </a:rPr>
+              <a:t>통짜 </a:t>
+            </a:r>
+            <a:r>
+              <a:rPr lang="en-US" altLang="ko-KR" sz="800" dirty="0" err="1">
+                <a:solidFill>
+                  <a:srgbClr val="FF00FF"/>
+                </a:solidFill>
+              </a:rPr>
+              <a:t>tksheet</a:t>
+            </a:r>
+            <a:r>
+              <a:rPr lang="en-US" altLang="ko-KR" sz="800" dirty="0">
+                <a:solidFill>
+                  <a:srgbClr val="FF00FF"/>
+                </a:solidFill>
+              </a:rPr>
+              <a:t>?</a:t>
+            </a:r>
+            <a:endParaRPr lang="ko-KR" altLang="en-US" sz="800" dirty="0">
+              <a:solidFill>
+                <a:srgbClr val="FF00FF"/>
+              </a:solidFill>
+            </a:endParaRPr>
+          </a:p>
+        </p:txBody>
+      </p:sp>
+    </p:spTree>
+    <p:extLst>
+      <p:ext uri="{BB962C8B-B14F-4D97-AF65-F5344CB8AC3E}">
+        <p14:creationId xmlns:p14="http://schemas.microsoft.com/office/powerpoint/2010/main" val="1437364568"/>
       </p:ext>
     </p:extLst>
   </p:cSld>

--- a/H_FamilyList_FP/화면정의서.pptx
+++ b/H_FamilyList_FP/화면정의서.pptx
@@ -278,7 +278,7 @@
           <a:p>
             <a:fld id="{9DC0FBBE-1B54-474B-A1EF-57FEDE0B6A08}" type="datetimeFigureOut">
               <a:rPr lang="ko-KR" altLang="en-US" smtClean="0"/>
-              <a:t>2024-12-04</a:t>
+              <a:t>2024-12-13</a:t>
             </a:fld>
             <a:endParaRPr lang="ko-KR" altLang="en-US"/>
           </a:p>
@@ -476,7 +476,7 @@
           <a:p>
             <a:fld id="{9DC0FBBE-1B54-474B-A1EF-57FEDE0B6A08}" type="datetimeFigureOut">
               <a:rPr lang="ko-KR" altLang="en-US" smtClean="0"/>
-              <a:t>2024-12-04</a:t>
+              <a:t>2024-12-13</a:t>
             </a:fld>
             <a:endParaRPr lang="ko-KR" altLang="en-US"/>
           </a:p>
@@ -684,7 +684,7 @@
           <a:p>
             <a:fld id="{9DC0FBBE-1B54-474B-A1EF-57FEDE0B6A08}" type="datetimeFigureOut">
               <a:rPr lang="ko-KR" altLang="en-US" smtClean="0"/>
-              <a:t>2024-12-04</a:t>
+              <a:t>2024-12-13</a:t>
             </a:fld>
             <a:endParaRPr lang="ko-KR" altLang="en-US"/>
           </a:p>
@@ -882,7 +882,7 @@
           <a:p>
             <a:fld id="{9DC0FBBE-1B54-474B-A1EF-57FEDE0B6A08}" type="datetimeFigureOut">
               <a:rPr lang="ko-KR" altLang="en-US" smtClean="0"/>
-              <a:t>2024-12-04</a:t>
+              <a:t>2024-12-13</a:t>
             </a:fld>
             <a:endParaRPr lang="ko-KR" altLang="en-US"/>
           </a:p>
@@ -1157,7 +1157,7 @@
           <a:p>
             <a:fld id="{9DC0FBBE-1B54-474B-A1EF-57FEDE0B6A08}" type="datetimeFigureOut">
               <a:rPr lang="ko-KR" altLang="en-US" smtClean="0"/>
-              <a:t>2024-12-04</a:t>
+              <a:t>2024-12-13</a:t>
             </a:fld>
             <a:endParaRPr lang="ko-KR" altLang="en-US"/>
           </a:p>
@@ -1422,7 +1422,7 @@
           <a:p>
             <a:fld id="{9DC0FBBE-1B54-474B-A1EF-57FEDE0B6A08}" type="datetimeFigureOut">
               <a:rPr lang="ko-KR" altLang="en-US" smtClean="0"/>
-              <a:t>2024-12-04</a:t>
+              <a:t>2024-12-13</a:t>
             </a:fld>
             <a:endParaRPr lang="ko-KR" altLang="en-US"/>
           </a:p>
@@ -1834,7 +1834,7 @@
           <a:p>
             <a:fld id="{9DC0FBBE-1B54-474B-A1EF-57FEDE0B6A08}" type="datetimeFigureOut">
               <a:rPr lang="ko-KR" altLang="en-US" smtClean="0"/>
-              <a:t>2024-12-04</a:t>
+              <a:t>2024-12-13</a:t>
             </a:fld>
             <a:endParaRPr lang="ko-KR" altLang="en-US"/>
           </a:p>
@@ -1975,7 +1975,7 @@
           <a:p>
             <a:fld id="{9DC0FBBE-1B54-474B-A1EF-57FEDE0B6A08}" type="datetimeFigureOut">
               <a:rPr lang="ko-KR" altLang="en-US" smtClean="0"/>
-              <a:t>2024-12-04</a:t>
+              <a:t>2024-12-13</a:t>
             </a:fld>
             <a:endParaRPr lang="ko-KR" altLang="en-US"/>
           </a:p>
@@ -2088,7 +2088,7 @@
           <a:p>
             <a:fld id="{9DC0FBBE-1B54-474B-A1EF-57FEDE0B6A08}" type="datetimeFigureOut">
               <a:rPr lang="ko-KR" altLang="en-US" smtClean="0"/>
-              <a:t>2024-12-04</a:t>
+              <a:t>2024-12-13</a:t>
             </a:fld>
             <a:endParaRPr lang="ko-KR" altLang="en-US"/>
           </a:p>
@@ -2399,7 +2399,7 @@
           <a:p>
             <a:fld id="{9DC0FBBE-1B54-474B-A1EF-57FEDE0B6A08}" type="datetimeFigureOut">
               <a:rPr lang="ko-KR" altLang="en-US" smtClean="0"/>
-              <a:t>2024-12-04</a:t>
+              <a:t>2024-12-13</a:t>
             </a:fld>
             <a:endParaRPr lang="ko-KR" altLang="en-US"/>
           </a:p>
@@ -2687,7 +2687,7 @@
           <a:p>
             <a:fld id="{9DC0FBBE-1B54-474B-A1EF-57FEDE0B6A08}" type="datetimeFigureOut">
               <a:rPr lang="ko-KR" altLang="en-US" smtClean="0"/>
-              <a:t>2024-12-04</a:t>
+              <a:t>2024-12-13</a:t>
             </a:fld>
             <a:endParaRPr lang="ko-KR" altLang="en-US"/>
           </a:p>
@@ -2928,7 +2928,7 @@
           <a:p>
             <a:fld id="{9DC0FBBE-1B54-474B-A1EF-57FEDE0B6A08}" type="datetimeFigureOut">
               <a:rPr lang="ko-KR" altLang="en-US" smtClean="0"/>
-              <a:t>2024-12-04</a:t>
+              <a:t>2024-12-13</a:t>
             </a:fld>
             <a:endParaRPr lang="ko-KR" altLang="en-US"/>
           </a:p>

--- a/H_FamilyList_FP/화면정의서.pptx
+++ b/H_FamilyList_FP/화면정의서.pptx
@@ -278,7 +278,7 @@
           <a:p>
             <a:fld id="{9DC0FBBE-1B54-474B-A1EF-57FEDE0B6A08}" type="datetimeFigureOut">
               <a:rPr lang="ko-KR" altLang="en-US" smtClean="0"/>
-              <a:t>2024-12-13</a:t>
+              <a:t>2024-12-20</a:t>
             </a:fld>
             <a:endParaRPr lang="ko-KR" altLang="en-US"/>
           </a:p>
@@ -476,7 +476,7 @@
           <a:p>
             <a:fld id="{9DC0FBBE-1B54-474B-A1EF-57FEDE0B6A08}" type="datetimeFigureOut">
               <a:rPr lang="ko-KR" altLang="en-US" smtClean="0"/>
-              <a:t>2024-12-13</a:t>
+              <a:t>2024-12-20</a:t>
             </a:fld>
             <a:endParaRPr lang="ko-KR" altLang="en-US"/>
           </a:p>
@@ -684,7 +684,7 @@
           <a:p>
             <a:fld id="{9DC0FBBE-1B54-474B-A1EF-57FEDE0B6A08}" type="datetimeFigureOut">
               <a:rPr lang="ko-KR" altLang="en-US" smtClean="0"/>
-              <a:t>2024-12-13</a:t>
+              <a:t>2024-12-20</a:t>
             </a:fld>
             <a:endParaRPr lang="ko-KR" altLang="en-US"/>
           </a:p>
@@ -882,7 +882,7 @@
           <a:p>
             <a:fld id="{9DC0FBBE-1B54-474B-A1EF-57FEDE0B6A08}" type="datetimeFigureOut">
               <a:rPr lang="ko-KR" altLang="en-US" smtClean="0"/>
-              <a:t>2024-12-13</a:t>
+              <a:t>2024-12-20</a:t>
             </a:fld>
             <a:endParaRPr lang="ko-KR" altLang="en-US"/>
           </a:p>
@@ -1157,7 +1157,7 @@
           <a:p>
             <a:fld id="{9DC0FBBE-1B54-474B-A1EF-57FEDE0B6A08}" type="datetimeFigureOut">
               <a:rPr lang="ko-KR" altLang="en-US" smtClean="0"/>
-              <a:t>2024-12-13</a:t>
+              <a:t>2024-12-20</a:t>
             </a:fld>
             <a:endParaRPr lang="ko-KR" altLang="en-US"/>
           </a:p>
@@ -1422,7 +1422,7 @@
           <a:p>
             <a:fld id="{9DC0FBBE-1B54-474B-A1EF-57FEDE0B6A08}" type="datetimeFigureOut">
               <a:rPr lang="ko-KR" altLang="en-US" smtClean="0"/>
-              <a:t>2024-12-13</a:t>
+              <a:t>2024-12-20</a:t>
             </a:fld>
             <a:endParaRPr lang="ko-KR" altLang="en-US"/>
           </a:p>
@@ -1834,7 +1834,7 @@
           <a:p>
             <a:fld id="{9DC0FBBE-1B54-474B-A1EF-57FEDE0B6A08}" type="datetimeFigureOut">
               <a:rPr lang="ko-KR" altLang="en-US" smtClean="0"/>
-              <a:t>2024-12-13</a:t>
+              <a:t>2024-12-20</a:t>
             </a:fld>
             <a:endParaRPr lang="ko-KR" altLang="en-US"/>
           </a:p>
@@ -1975,7 +1975,7 @@
           <a:p>
             <a:fld id="{9DC0FBBE-1B54-474B-A1EF-57FEDE0B6A08}" type="datetimeFigureOut">
               <a:rPr lang="ko-KR" altLang="en-US" smtClean="0"/>
-              <a:t>2024-12-13</a:t>
+              <a:t>2024-12-20</a:t>
             </a:fld>
             <a:endParaRPr lang="ko-KR" altLang="en-US"/>
           </a:p>
@@ -2088,7 +2088,7 @@
           <a:p>
             <a:fld id="{9DC0FBBE-1B54-474B-A1EF-57FEDE0B6A08}" type="datetimeFigureOut">
               <a:rPr lang="ko-KR" altLang="en-US" smtClean="0"/>
-              <a:t>2024-12-13</a:t>
+              <a:t>2024-12-20</a:t>
             </a:fld>
             <a:endParaRPr lang="ko-KR" altLang="en-US"/>
           </a:p>
@@ -2399,7 +2399,7 @@
           <a:p>
             <a:fld id="{9DC0FBBE-1B54-474B-A1EF-57FEDE0B6A08}" type="datetimeFigureOut">
               <a:rPr lang="ko-KR" altLang="en-US" smtClean="0"/>
-              <a:t>2024-12-13</a:t>
+              <a:t>2024-12-20</a:t>
             </a:fld>
             <a:endParaRPr lang="ko-KR" altLang="en-US"/>
           </a:p>
@@ -2687,7 +2687,7 @@
           <a:p>
             <a:fld id="{9DC0FBBE-1B54-474B-A1EF-57FEDE0B6A08}" type="datetimeFigureOut">
               <a:rPr lang="ko-KR" altLang="en-US" smtClean="0"/>
-              <a:t>2024-12-13</a:t>
+              <a:t>2024-12-20</a:t>
             </a:fld>
             <a:endParaRPr lang="ko-KR" altLang="en-US"/>
           </a:p>
@@ -2928,7 +2928,7 @@
           <a:p>
             <a:fld id="{9DC0FBBE-1B54-474B-A1EF-57FEDE0B6A08}" type="datetimeFigureOut">
               <a:rPr lang="ko-KR" altLang="en-US" smtClean="0"/>
-              <a:t>2024-12-13</a:t>
+              <a:t>2024-12-20</a:t>
             </a:fld>
             <a:endParaRPr lang="ko-KR" altLang="en-US"/>
           </a:p>

--- a/H_FamilyList_FP/화면정의서.pptx
+++ b/H_FamilyList_FP/화면정의서.pptx
@@ -278,7 +278,7 @@
           <a:p>
             <a:fld id="{9DC0FBBE-1B54-474B-A1EF-57FEDE0B6A08}" type="datetimeFigureOut">
               <a:rPr lang="ko-KR" altLang="en-US" smtClean="0"/>
-              <a:t>2024-12-20</a:t>
+              <a:t>2024-12-27</a:t>
             </a:fld>
             <a:endParaRPr lang="ko-KR" altLang="en-US"/>
           </a:p>
@@ -476,7 +476,7 @@
           <a:p>
             <a:fld id="{9DC0FBBE-1B54-474B-A1EF-57FEDE0B6A08}" type="datetimeFigureOut">
               <a:rPr lang="ko-KR" altLang="en-US" smtClean="0"/>
-              <a:t>2024-12-20</a:t>
+              <a:t>2024-12-27</a:t>
             </a:fld>
             <a:endParaRPr lang="ko-KR" altLang="en-US"/>
           </a:p>
@@ -684,7 +684,7 @@
           <a:p>
             <a:fld id="{9DC0FBBE-1B54-474B-A1EF-57FEDE0B6A08}" type="datetimeFigureOut">
               <a:rPr lang="ko-KR" altLang="en-US" smtClean="0"/>
-              <a:t>2024-12-20</a:t>
+              <a:t>2024-12-27</a:t>
             </a:fld>
             <a:endParaRPr lang="ko-KR" altLang="en-US"/>
           </a:p>
@@ -882,7 +882,7 @@
           <a:p>
             <a:fld id="{9DC0FBBE-1B54-474B-A1EF-57FEDE0B6A08}" type="datetimeFigureOut">
               <a:rPr lang="ko-KR" altLang="en-US" smtClean="0"/>
-              <a:t>2024-12-20</a:t>
+              <a:t>2024-12-27</a:t>
             </a:fld>
             <a:endParaRPr lang="ko-KR" altLang="en-US"/>
           </a:p>
@@ -1157,7 +1157,7 @@
           <a:p>
             <a:fld id="{9DC0FBBE-1B54-474B-A1EF-57FEDE0B6A08}" type="datetimeFigureOut">
               <a:rPr lang="ko-KR" altLang="en-US" smtClean="0"/>
-              <a:t>2024-12-20</a:t>
+              <a:t>2024-12-27</a:t>
             </a:fld>
             <a:endParaRPr lang="ko-KR" altLang="en-US"/>
           </a:p>
@@ -1422,7 +1422,7 @@
           <a:p>
             <a:fld id="{9DC0FBBE-1B54-474B-A1EF-57FEDE0B6A08}" type="datetimeFigureOut">
               <a:rPr lang="ko-KR" altLang="en-US" smtClean="0"/>
-              <a:t>2024-12-20</a:t>
+              <a:t>2024-12-27</a:t>
             </a:fld>
             <a:endParaRPr lang="ko-KR" altLang="en-US"/>
           </a:p>
@@ -1834,7 +1834,7 @@
           <a:p>
             <a:fld id="{9DC0FBBE-1B54-474B-A1EF-57FEDE0B6A08}" type="datetimeFigureOut">
               <a:rPr lang="ko-KR" altLang="en-US" smtClean="0"/>
-              <a:t>2024-12-20</a:t>
+              <a:t>2024-12-27</a:t>
             </a:fld>
             <a:endParaRPr lang="ko-KR" altLang="en-US"/>
           </a:p>
@@ -1975,7 +1975,7 @@
           <a:p>
             <a:fld id="{9DC0FBBE-1B54-474B-A1EF-57FEDE0B6A08}" type="datetimeFigureOut">
               <a:rPr lang="ko-KR" altLang="en-US" smtClean="0"/>
-              <a:t>2024-12-20</a:t>
+              <a:t>2024-12-27</a:t>
             </a:fld>
             <a:endParaRPr lang="ko-KR" altLang="en-US"/>
           </a:p>
@@ -2088,7 +2088,7 @@
           <a:p>
             <a:fld id="{9DC0FBBE-1B54-474B-A1EF-57FEDE0B6A08}" type="datetimeFigureOut">
               <a:rPr lang="ko-KR" altLang="en-US" smtClean="0"/>
-              <a:t>2024-12-20</a:t>
+              <a:t>2024-12-27</a:t>
             </a:fld>
             <a:endParaRPr lang="ko-KR" altLang="en-US"/>
           </a:p>
@@ -2399,7 +2399,7 @@
           <a:p>
             <a:fld id="{9DC0FBBE-1B54-474B-A1EF-57FEDE0B6A08}" type="datetimeFigureOut">
               <a:rPr lang="ko-KR" altLang="en-US" smtClean="0"/>
-              <a:t>2024-12-20</a:t>
+              <a:t>2024-12-27</a:t>
             </a:fld>
             <a:endParaRPr lang="ko-KR" altLang="en-US"/>
           </a:p>
@@ -2687,7 +2687,7 @@
           <a:p>
             <a:fld id="{9DC0FBBE-1B54-474B-A1EF-57FEDE0B6A08}" type="datetimeFigureOut">
               <a:rPr lang="ko-KR" altLang="en-US" smtClean="0"/>
-              <a:t>2024-12-20</a:t>
+              <a:t>2024-12-27</a:t>
             </a:fld>
             <a:endParaRPr lang="ko-KR" altLang="en-US"/>
           </a:p>
@@ -2928,7 +2928,7 @@
           <a:p>
             <a:fld id="{9DC0FBBE-1B54-474B-A1EF-57FEDE0B6A08}" type="datetimeFigureOut">
               <a:rPr lang="ko-KR" altLang="en-US" smtClean="0"/>
-              <a:t>2024-12-20</a:t>
+              <a:t>2024-12-27</a:t>
             </a:fld>
             <a:endParaRPr lang="ko-KR" altLang="en-US"/>
           </a:p>

--- a/H_FamilyList_FP/화면정의서.pptx
+++ b/H_FamilyList_FP/화면정의서.pptx
@@ -278,7 +278,7 @@
           <a:p>
             <a:fld id="{9DC0FBBE-1B54-474B-A1EF-57FEDE0B6A08}" type="datetimeFigureOut">
               <a:rPr lang="ko-KR" altLang="en-US" smtClean="0"/>
-              <a:t>2024-12-27</a:t>
+              <a:t>2025-01-03</a:t>
             </a:fld>
             <a:endParaRPr lang="ko-KR" altLang="en-US"/>
           </a:p>
@@ -476,7 +476,7 @@
           <a:p>
             <a:fld id="{9DC0FBBE-1B54-474B-A1EF-57FEDE0B6A08}" type="datetimeFigureOut">
               <a:rPr lang="ko-KR" altLang="en-US" smtClean="0"/>
-              <a:t>2024-12-27</a:t>
+              <a:t>2025-01-03</a:t>
             </a:fld>
             <a:endParaRPr lang="ko-KR" altLang="en-US"/>
           </a:p>
@@ -684,7 +684,7 @@
           <a:p>
             <a:fld id="{9DC0FBBE-1B54-474B-A1EF-57FEDE0B6A08}" type="datetimeFigureOut">
               <a:rPr lang="ko-KR" altLang="en-US" smtClean="0"/>
-              <a:t>2024-12-27</a:t>
+              <a:t>2025-01-03</a:t>
             </a:fld>
             <a:endParaRPr lang="ko-KR" altLang="en-US"/>
           </a:p>
@@ -882,7 +882,7 @@
           <a:p>
             <a:fld id="{9DC0FBBE-1B54-474B-A1EF-57FEDE0B6A08}" type="datetimeFigureOut">
               <a:rPr lang="ko-KR" altLang="en-US" smtClean="0"/>
-              <a:t>2024-12-27</a:t>
+              <a:t>2025-01-03</a:t>
             </a:fld>
             <a:endParaRPr lang="ko-KR" altLang="en-US"/>
           </a:p>
@@ -1157,7 +1157,7 @@
           <a:p>
             <a:fld id="{9DC0FBBE-1B54-474B-A1EF-57FEDE0B6A08}" type="datetimeFigureOut">
               <a:rPr lang="ko-KR" altLang="en-US" smtClean="0"/>
-              <a:t>2024-12-27</a:t>
+              <a:t>2025-01-03</a:t>
             </a:fld>
             <a:endParaRPr lang="ko-KR" altLang="en-US"/>
           </a:p>
@@ -1422,7 +1422,7 @@
           <a:p>
             <a:fld id="{9DC0FBBE-1B54-474B-A1EF-57FEDE0B6A08}" type="datetimeFigureOut">
               <a:rPr lang="ko-KR" altLang="en-US" smtClean="0"/>
-              <a:t>2024-12-27</a:t>
+              <a:t>2025-01-03</a:t>
             </a:fld>
             <a:endParaRPr lang="ko-KR" altLang="en-US"/>
           </a:p>
@@ -1834,7 +1834,7 @@
           <a:p>
             <a:fld id="{9DC0FBBE-1B54-474B-A1EF-57FEDE0B6A08}" type="datetimeFigureOut">
               <a:rPr lang="ko-KR" altLang="en-US" smtClean="0"/>
-              <a:t>2024-12-27</a:t>
+              <a:t>2025-01-03</a:t>
             </a:fld>
             <a:endParaRPr lang="ko-KR" altLang="en-US"/>
           </a:p>
@@ -1975,7 +1975,7 @@
           <a:p>
             <a:fld id="{9DC0FBBE-1B54-474B-A1EF-57FEDE0B6A08}" type="datetimeFigureOut">
               <a:rPr lang="ko-KR" altLang="en-US" smtClean="0"/>
-              <a:t>2024-12-27</a:t>
+              <a:t>2025-01-03</a:t>
             </a:fld>
             <a:endParaRPr lang="ko-KR" altLang="en-US"/>
           </a:p>
@@ -2088,7 +2088,7 @@
           <a:p>
             <a:fld id="{9DC0FBBE-1B54-474B-A1EF-57FEDE0B6A08}" type="datetimeFigureOut">
               <a:rPr lang="ko-KR" altLang="en-US" smtClean="0"/>
-              <a:t>2024-12-27</a:t>
+              <a:t>2025-01-03</a:t>
             </a:fld>
             <a:endParaRPr lang="ko-KR" altLang="en-US"/>
           </a:p>
@@ -2399,7 +2399,7 @@
           <a:p>
             <a:fld id="{9DC0FBBE-1B54-474B-A1EF-57FEDE0B6A08}" type="datetimeFigureOut">
               <a:rPr lang="ko-KR" altLang="en-US" smtClean="0"/>
-              <a:t>2024-12-27</a:t>
+              <a:t>2025-01-03</a:t>
             </a:fld>
             <a:endParaRPr lang="ko-KR" altLang="en-US"/>
           </a:p>
@@ -2687,7 +2687,7 @@
           <a:p>
             <a:fld id="{9DC0FBBE-1B54-474B-A1EF-57FEDE0B6A08}" type="datetimeFigureOut">
               <a:rPr lang="ko-KR" altLang="en-US" smtClean="0"/>
-              <a:t>2024-12-27</a:t>
+              <a:t>2025-01-03</a:t>
             </a:fld>
             <a:endParaRPr lang="ko-KR" altLang="en-US"/>
           </a:p>
@@ -2928,7 +2928,7 @@
           <a:p>
             <a:fld id="{9DC0FBBE-1B54-474B-A1EF-57FEDE0B6A08}" type="datetimeFigureOut">
               <a:rPr lang="ko-KR" altLang="en-US" smtClean="0"/>
-              <a:t>2024-12-27</a:t>
+              <a:t>2025-01-03</a:t>
             </a:fld>
             <a:endParaRPr lang="ko-KR" altLang="en-US"/>
           </a:p>

--- a/H_FamilyList_FP/화면정의서.pptx
+++ b/H_FamilyList_FP/화면정의서.pptx
@@ -25,6 +25,7 @@
     <p:sldId id="270" r:id="rId19"/>
     <p:sldId id="274" r:id="rId20"/>
     <p:sldId id="275" r:id="rId21"/>
+    <p:sldId id="277" r:id="rId22"/>
   </p:sldIdLst>
   <p:sldSz cx="12192000" cy="6858000"/>
   <p:notesSz cx="6858000" cy="9144000"/>
@@ -278,7 +279,7 @@
           <a:p>
             <a:fld id="{9DC0FBBE-1B54-474B-A1EF-57FEDE0B6A08}" type="datetimeFigureOut">
               <a:rPr lang="ko-KR" altLang="en-US" smtClean="0"/>
-              <a:t>2025-01-03</a:t>
+              <a:t>2025-01-08</a:t>
             </a:fld>
             <a:endParaRPr lang="ko-KR" altLang="en-US"/>
           </a:p>
@@ -476,7 +477,7 @@
           <a:p>
             <a:fld id="{9DC0FBBE-1B54-474B-A1EF-57FEDE0B6A08}" type="datetimeFigureOut">
               <a:rPr lang="ko-KR" altLang="en-US" smtClean="0"/>
-              <a:t>2025-01-03</a:t>
+              <a:t>2025-01-08</a:t>
             </a:fld>
             <a:endParaRPr lang="ko-KR" altLang="en-US"/>
           </a:p>
@@ -684,7 +685,7 @@
           <a:p>
             <a:fld id="{9DC0FBBE-1B54-474B-A1EF-57FEDE0B6A08}" type="datetimeFigureOut">
               <a:rPr lang="ko-KR" altLang="en-US" smtClean="0"/>
-              <a:t>2025-01-03</a:t>
+              <a:t>2025-01-08</a:t>
             </a:fld>
             <a:endParaRPr lang="ko-KR" altLang="en-US"/>
           </a:p>
@@ -882,7 +883,7 @@
           <a:p>
             <a:fld id="{9DC0FBBE-1B54-474B-A1EF-57FEDE0B6A08}" type="datetimeFigureOut">
               <a:rPr lang="ko-KR" altLang="en-US" smtClean="0"/>
-              <a:t>2025-01-03</a:t>
+              <a:t>2025-01-08</a:t>
             </a:fld>
             <a:endParaRPr lang="ko-KR" altLang="en-US"/>
           </a:p>
@@ -1157,7 +1158,7 @@
           <a:p>
             <a:fld id="{9DC0FBBE-1B54-474B-A1EF-57FEDE0B6A08}" type="datetimeFigureOut">
               <a:rPr lang="ko-KR" altLang="en-US" smtClean="0"/>
-              <a:t>2025-01-03</a:t>
+              <a:t>2025-01-08</a:t>
             </a:fld>
             <a:endParaRPr lang="ko-KR" altLang="en-US"/>
           </a:p>
@@ -1422,7 +1423,7 @@
           <a:p>
             <a:fld id="{9DC0FBBE-1B54-474B-A1EF-57FEDE0B6A08}" type="datetimeFigureOut">
               <a:rPr lang="ko-KR" altLang="en-US" smtClean="0"/>
-              <a:t>2025-01-03</a:t>
+              <a:t>2025-01-08</a:t>
             </a:fld>
             <a:endParaRPr lang="ko-KR" altLang="en-US"/>
           </a:p>
@@ -1834,7 +1835,7 @@
           <a:p>
             <a:fld id="{9DC0FBBE-1B54-474B-A1EF-57FEDE0B6A08}" type="datetimeFigureOut">
               <a:rPr lang="ko-KR" altLang="en-US" smtClean="0"/>
-              <a:t>2025-01-03</a:t>
+              <a:t>2025-01-08</a:t>
             </a:fld>
             <a:endParaRPr lang="ko-KR" altLang="en-US"/>
           </a:p>
@@ -1975,7 +1976,7 @@
           <a:p>
             <a:fld id="{9DC0FBBE-1B54-474B-A1EF-57FEDE0B6A08}" type="datetimeFigureOut">
               <a:rPr lang="ko-KR" altLang="en-US" smtClean="0"/>
-              <a:t>2025-01-03</a:t>
+              <a:t>2025-01-08</a:t>
             </a:fld>
             <a:endParaRPr lang="ko-KR" altLang="en-US"/>
           </a:p>
@@ -2088,7 +2089,7 @@
           <a:p>
             <a:fld id="{9DC0FBBE-1B54-474B-A1EF-57FEDE0B6A08}" type="datetimeFigureOut">
               <a:rPr lang="ko-KR" altLang="en-US" smtClean="0"/>
-              <a:t>2025-01-03</a:t>
+              <a:t>2025-01-08</a:t>
             </a:fld>
             <a:endParaRPr lang="ko-KR" altLang="en-US"/>
           </a:p>
@@ -2399,7 +2400,7 @@
           <a:p>
             <a:fld id="{9DC0FBBE-1B54-474B-A1EF-57FEDE0B6A08}" type="datetimeFigureOut">
               <a:rPr lang="ko-KR" altLang="en-US" smtClean="0"/>
-              <a:t>2025-01-03</a:t>
+              <a:t>2025-01-08</a:t>
             </a:fld>
             <a:endParaRPr lang="ko-KR" altLang="en-US"/>
           </a:p>
@@ -2687,7 +2688,7 @@
           <a:p>
             <a:fld id="{9DC0FBBE-1B54-474B-A1EF-57FEDE0B6A08}" type="datetimeFigureOut">
               <a:rPr lang="ko-KR" altLang="en-US" smtClean="0"/>
-              <a:t>2025-01-03</a:t>
+              <a:t>2025-01-08</a:t>
             </a:fld>
             <a:endParaRPr lang="ko-KR" altLang="en-US"/>
           </a:p>
@@ -2928,7 +2929,7 @@
           <a:p>
             <a:fld id="{9DC0FBBE-1B54-474B-A1EF-57FEDE0B6A08}" type="datetimeFigureOut">
               <a:rPr lang="ko-KR" altLang="en-US" smtClean="0"/>
-              <a:t>2025-01-03</a:t>
+              <a:t>2025-01-08</a:t>
             </a:fld>
             <a:endParaRPr lang="ko-KR" altLang="en-US"/>
           </a:p>
@@ -20139,6 +20140,2247 @@
 </p:sld>
 </file>
 
+<file path=ppt/slides/slide21.xml><?xml version="1.0" encoding="utf-8"?>
+<p:sld xmlns:a="http://schemas.openxmlformats.org/drawingml/2006/main" xmlns:r="http://schemas.openxmlformats.org/officeDocument/2006/relationships" xmlns:p="http://schemas.openxmlformats.org/presentationml/2006/main">
+  <p:cSld>
+    <p:spTree>
+      <p:nvGrpSpPr>
+        <p:cNvPr id="1" name=""/>
+        <p:cNvGrpSpPr/>
+        <p:nvPr/>
+      </p:nvGrpSpPr>
+      <p:grpSpPr>
+        <a:xfrm>
+          <a:off x="0" y="0"/>
+          <a:ext cx="0" cy="0"/>
+          <a:chOff x="0" y="0"/>
+          <a:chExt cx="0" cy="0"/>
+        </a:xfrm>
+      </p:grpSpPr>
+      <p:pic>
+        <p:nvPicPr>
+          <p:cNvPr id="5" name="그림 4">
+            <a:extLst>
+              <a:ext uri="{FF2B5EF4-FFF2-40B4-BE49-F238E27FC236}">
+                <a16:creationId xmlns:a16="http://schemas.microsoft.com/office/drawing/2014/main" id="{CE453613-61B3-6190-9158-5290CBA39FEE}"/>
+              </a:ext>
+            </a:extLst>
+          </p:cNvPr>
+          <p:cNvPicPr>
+            <a:picLocks noChangeAspect="1"/>
+          </p:cNvPicPr>
+          <p:nvPr/>
+        </p:nvPicPr>
+        <p:blipFill>
+          <a:blip r:embed="rId2"/>
+          <a:stretch>
+            <a:fillRect/>
+          </a:stretch>
+        </p:blipFill>
+        <p:spPr>
+          <a:xfrm>
+            <a:off x="0" y="152400"/>
+            <a:ext cx="12192000" cy="6553200"/>
+          </a:xfrm>
+          <a:prstGeom prst="rect">
+            <a:avLst/>
+          </a:prstGeom>
+        </p:spPr>
+      </p:pic>
+      <p:sp>
+        <p:nvSpPr>
+          <p:cNvPr id="6" name="직사각형 5">
+            <a:extLst>
+              <a:ext uri="{FF2B5EF4-FFF2-40B4-BE49-F238E27FC236}">
+                <a16:creationId xmlns:a16="http://schemas.microsoft.com/office/drawing/2014/main" id="{DDE4B47E-DB6A-D7FB-6CAF-D8EB416E46D1}"/>
+              </a:ext>
+            </a:extLst>
+          </p:cNvPr>
+          <p:cNvSpPr/>
+          <p:nvPr/>
+        </p:nvSpPr>
+        <p:spPr>
+          <a:xfrm>
+            <a:off x="696141" y="846094"/>
+            <a:ext cx="1019447" cy="137976"/>
+          </a:xfrm>
+          <a:prstGeom prst="rect">
+            <a:avLst/>
+          </a:prstGeom>
+        </p:spPr>
+        <p:style>
+          <a:lnRef idx="2">
+            <a:schemeClr val="accent1">
+              <a:shade val="15000"/>
+            </a:schemeClr>
+          </a:lnRef>
+          <a:fillRef idx="1">
+            <a:schemeClr val="accent1"/>
+          </a:fillRef>
+          <a:effectRef idx="0">
+            <a:schemeClr val="accent1"/>
+          </a:effectRef>
+          <a:fontRef idx="minor">
+            <a:schemeClr val="lt1"/>
+          </a:fontRef>
+        </p:style>
+        <p:txBody>
+          <a:bodyPr rtlCol="0" anchor="ctr"/>
+          <a:lstStyle/>
+          <a:p>
+            <a:pPr algn="ctr"/>
+            <a:r>
+              <a:rPr lang="en-US" altLang="ko-KR" sz="900" dirty="0"/>
+              <a:t>Select</a:t>
+            </a:r>
+            <a:r>
+              <a:rPr lang="ko-KR" altLang="en-US" sz="900" dirty="0"/>
+              <a:t> </a:t>
+            </a:r>
+            <a:r>
+              <a:rPr lang="en-US" altLang="ko-KR" sz="900" dirty="0"/>
+              <a:t>Building</a:t>
+            </a:r>
+            <a:endParaRPr lang="ko-KR" altLang="en-US" sz="900" dirty="0"/>
+          </a:p>
+        </p:txBody>
+      </p:sp>
+      <p:sp>
+        <p:nvSpPr>
+          <p:cNvPr id="7" name="직사각형 6">
+            <a:extLst>
+              <a:ext uri="{FF2B5EF4-FFF2-40B4-BE49-F238E27FC236}">
+                <a16:creationId xmlns:a16="http://schemas.microsoft.com/office/drawing/2014/main" id="{9DE61457-3DE7-A062-C067-CF6BB7C7C6A4}"/>
+              </a:ext>
+            </a:extLst>
+          </p:cNvPr>
+          <p:cNvSpPr/>
+          <p:nvPr/>
+        </p:nvSpPr>
+        <p:spPr>
+          <a:xfrm>
+            <a:off x="2710931" y="1480456"/>
+            <a:ext cx="2488457" cy="2789051"/>
+          </a:xfrm>
+          <a:prstGeom prst="rect">
+            <a:avLst/>
+          </a:prstGeom>
+          <a:noFill/>
+          <a:ln>
+            <a:solidFill>
+              <a:srgbClr val="FF00FF"/>
+            </a:solidFill>
+            <a:prstDash val="dash"/>
+          </a:ln>
+        </p:spPr>
+        <p:style>
+          <a:lnRef idx="2">
+            <a:schemeClr val="accent1">
+              <a:shade val="15000"/>
+            </a:schemeClr>
+          </a:lnRef>
+          <a:fillRef idx="1">
+            <a:schemeClr val="accent1"/>
+          </a:fillRef>
+          <a:effectRef idx="0">
+            <a:schemeClr val="accent1"/>
+          </a:effectRef>
+          <a:fontRef idx="minor">
+            <a:schemeClr val="lt1"/>
+          </a:fontRef>
+        </p:style>
+        <p:txBody>
+          <a:bodyPr rtlCol="0" anchor="t"/>
+          <a:lstStyle/>
+          <a:p>
+            <a:pPr>
+              <a:lnSpc>
+                <a:spcPct val="150000"/>
+              </a:lnSpc>
+            </a:pPr>
+            <a:r>
+              <a:rPr lang="pt-BR" altLang="ko-KR" sz="900" b="0" i="0" u="none" strike="noStrike" dirty="0">
+                <a:solidFill>
+                  <a:schemeClr val="tx1"/>
+                </a:solidFill>
+                <a:effectLst/>
+                <a:ea typeface="맑은 고딕" panose="020B0503020000020004" pitchFamily="50" charset="-127"/>
+              </a:rPr>
+              <a:t>H_FL_AR_S17_RC Slab_RS1 T150</a:t>
+            </a:r>
+            <a:r>
+              <a:rPr lang="pt-BR" altLang="ko-KR" sz="900" dirty="0">
+                <a:solidFill>
+                  <a:schemeClr val="tx1"/>
+                </a:solidFill>
+              </a:rPr>
+              <a:t> </a:t>
+            </a:r>
+          </a:p>
+          <a:p>
+            <a:pPr>
+              <a:lnSpc>
+                <a:spcPct val="150000"/>
+              </a:lnSpc>
+            </a:pPr>
+            <a:r>
+              <a:rPr lang="pt-BR" altLang="ko-KR" sz="900" dirty="0">
+                <a:solidFill>
+                  <a:schemeClr val="tx1"/>
+                </a:solidFill>
+              </a:rPr>
+              <a:t>H_FL_AR_S17_RC Slab_2S1 T150 30 MPa</a:t>
+            </a:r>
+            <a:endParaRPr lang="ko-KR" altLang="en-US" sz="900" dirty="0">
+              <a:solidFill>
+                <a:schemeClr val="tx1"/>
+              </a:solidFill>
+            </a:endParaRPr>
+          </a:p>
+        </p:txBody>
+      </p:sp>
+      <p:sp>
+        <p:nvSpPr>
+          <p:cNvPr id="8" name="직사각형 7">
+            <a:extLst>
+              <a:ext uri="{FF2B5EF4-FFF2-40B4-BE49-F238E27FC236}">
+                <a16:creationId xmlns:a16="http://schemas.microsoft.com/office/drawing/2014/main" id="{69E7578E-4130-76B5-0720-7A5165DA6B61}"/>
+              </a:ext>
+            </a:extLst>
+          </p:cNvPr>
+          <p:cNvSpPr/>
+          <p:nvPr/>
+        </p:nvSpPr>
+        <p:spPr>
+          <a:xfrm>
+            <a:off x="2710932" y="4876800"/>
+            <a:ext cx="2488456" cy="1221508"/>
+          </a:xfrm>
+          <a:prstGeom prst="rect">
+            <a:avLst/>
+          </a:prstGeom>
+          <a:noFill/>
+          <a:ln>
+            <a:solidFill>
+              <a:srgbClr val="FF00FF"/>
+            </a:solidFill>
+            <a:prstDash val="dash"/>
+          </a:ln>
+        </p:spPr>
+        <p:style>
+          <a:lnRef idx="2">
+            <a:schemeClr val="accent1">
+              <a:shade val="15000"/>
+            </a:schemeClr>
+          </a:lnRef>
+          <a:fillRef idx="1">
+            <a:schemeClr val="accent1"/>
+          </a:fillRef>
+          <a:effectRef idx="0">
+            <a:schemeClr val="accent1"/>
+          </a:effectRef>
+          <a:fontRef idx="minor">
+            <a:schemeClr val="lt1"/>
+          </a:fontRef>
+        </p:style>
+        <p:txBody>
+          <a:bodyPr rtlCol="0" anchor="ctr"/>
+          <a:lstStyle/>
+          <a:p>
+            <a:endParaRPr lang="ko-KR" altLang="en-US" sz="800" dirty="0">
+              <a:solidFill>
+                <a:schemeClr val="tx1"/>
+              </a:solidFill>
+            </a:endParaRPr>
+          </a:p>
+        </p:txBody>
+      </p:sp>
+      <p:sp>
+        <p:nvSpPr>
+          <p:cNvPr id="9" name="화살표: 아래쪽 8">
+            <a:extLst>
+              <a:ext uri="{FF2B5EF4-FFF2-40B4-BE49-F238E27FC236}">
+                <a16:creationId xmlns:a16="http://schemas.microsoft.com/office/drawing/2014/main" id="{97F6FDAC-A26F-0DE2-6AB2-59809CDD6269}"/>
+              </a:ext>
+            </a:extLst>
+          </p:cNvPr>
+          <p:cNvSpPr/>
+          <p:nvPr/>
+        </p:nvSpPr>
+        <p:spPr>
+          <a:xfrm>
+            <a:off x="4084321" y="4368502"/>
+            <a:ext cx="182880" cy="409303"/>
+          </a:xfrm>
+          <a:prstGeom prst="downArrow">
+            <a:avLst/>
+          </a:prstGeom>
+        </p:spPr>
+        <p:style>
+          <a:lnRef idx="2">
+            <a:schemeClr val="accent1">
+              <a:shade val="15000"/>
+            </a:schemeClr>
+          </a:lnRef>
+          <a:fillRef idx="1">
+            <a:schemeClr val="accent1"/>
+          </a:fillRef>
+          <a:effectRef idx="0">
+            <a:schemeClr val="accent1"/>
+          </a:effectRef>
+          <a:fontRef idx="minor">
+            <a:schemeClr val="lt1"/>
+          </a:fontRef>
+        </p:style>
+        <p:txBody>
+          <a:bodyPr rtlCol="0" anchor="ctr"/>
+          <a:lstStyle/>
+          <a:p>
+            <a:pPr algn="ctr"/>
+            <a:endParaRPr lang="ko-KR" altLang="en-US"/>
+          </a:p>
+        </p:txBody>
+      </p:sp>
+      <p:sp>
+        <p:nvSpPr>
+          <p:cNvPr id="10" name="화살표: 아래쪽 9">
+            <a:extLst>
+              <a:ext uri="{FF2B5EF4-FFF2-40B4-BE49-F238E27FC236}">
+                <a16:creationId xmlns:a16="http://schemas.microsoft.com/office/drawing/2014/main" id="{40A26720-E1B2-45B4-BEAB-1952FC9A7E1E}"/>
+              </a:ext>
+            </a:extLst>
+          </p:cNvPr>
+          <p:cNvSpPr/>
+          <p:nvPr/>
+        </p:nvSpPr>
+        <p:spPr>
+          <a:xfrm rot="10800000">
+            <a:off x="3326675" y="4368502"/>
+            <a:ext cx="182880" cy="409303"/>
+          </a:xfrm>
+          <a:prstGeom prst="downArrow">
+            <a:avLst/>
+          </a:prstGeom>
+        </p:spPr>
+        <p:style>
+          <a:lnRef idx="2">
+            <a:schemeClr val="accent1">
+              <a:shade val="15000"/>
+            </a:schemeClr>
+          </a:lnRef>
+          <a:fillRef idx="1">
+            <a:schemeClr val="accent1"/>
+          </a:fillRef>
+          <a:effectRef idx="0">
+            <a:schemeClr val="accent1"/>
+          </a:effectRef>
+          <a:fontRef idx="minor">
+            <a:schemeClr val="lt1"/>
+          </a:fontRef>
+        </p:style>
+        <p:txBody>
+          <a:bodyPr rtlCol="0" anchor="ctr"/>
+          <a:lstStyle/>
+          <a:p>
+            <a:pPr algn="ctr"/>
+            <a:endParaRPr lang="ko-KR" altLang="en-US"/>
+          </a:p>
+        </p:txBody>
+      </p:sp>
+      <p:sp>
+        <p:nvSpPr>
+          <p:cNvPr id="11" name="TextBox 10">
+            <a:extLst>
+              <a:ext uri="{FF2B5EF4-FFF2-40B4-BE49-F238E27FC236}">
+                <a16:creationId xmlns:a16="http://schemas.microsoft.com/office/drawing/2014/main" id="{69EF4A1E-BE43-A07A-5EE2-76D6F6B486E6}"/>
+              </a:ext>
+            </a:extLst>
+          </p:cNvPr>
+          <p:cNvSpPr txBox="1"/>
+          <p:nvPr/>
+        </p:nvSpPr>
+        <p:spPr>
+          <a:xfrm>
+            <a:off x="2710932" y="4615190"/>
+            <a:ext cx="506870" cy="261610"/>
+          </a:xfrm>
+          <a:prstGeom prst="rect">
+            <a:avLst/>
+          </a:prstGeom>
+          <a:noFill/>
+        </p:spPr>
+        <p:txBody>
+          <a:bodyPr wrap="none" rtlCol="0">
+            <a:spAutoFit/>
+          </a:bodyPr>
+          <a:lstStyle/>
+          <a:p>
+            <a:r>
+              <a:rPr lang="en-US" altLang="ko-KR" sz="1050" dirty="0"/>
+              <a:t>Entry</a:t>
+            </a:r>
+            <a:endParaRPr lang="ko-KR" altLang="en-US" sz="1050" dirty="0"/>
+          </a:p>
+        </p:txBody>
+      </p:sp>
+      <p:sp>
+        <p:nvSpPr>
+          <p:cNvPr id="12" name="TextBox 11">
+            <a:extLst>
+              <a:ext uri="{FF2B5EF4-FFF2-40B4-BE49-F238E27FC236}">
+                <a16:creationId xmlns:a16="http://schemas.microsoft.com/office/drawing/2014/main" id="{23853BAF-01BB-0607-160C-7FA3F10DC205}"/>
+              </a:ext>
+            </a:extLst>
+          </p:cNvPr>
+          <p:cNvSpPr txBox="1"/>
+          <p:nvPr/>
+        </p:nvSpPr>
+        <p:spPr>
+          <a:xfrm>
+            <a:off x="2710932" y="1169349"/>
+            <a:ext cx="1080745" cy="253916"/>
+          </a:xfrm>
+          <a:prstGeom prst="rect">
+            <a:avLst/>
+          </a:prstGeom>
+          <a:noFill/>
+        </p:spPr>
+        <p:txBody>
+          <a:bodyPr wrap="none" rtlCol="0">
+            <a:spAutoFit/>
+          </a:bodyPr>
+          <a:lstStyle/>
+          <a:p>
+            <a:r>
+              <a:rPr lang="en-US" altLang="ko-KR" sz="1050" dirty="0"/>
+              <a:t>Assigned for : </a:t>
+            </a:r>
+            <a:endParaRPr lang="ko-KR" altLang="en-US" sz="1050" dirty="0"/>
+          </a:p>
+        </p:txBody>
+      </p:sp>
+      <p:sp>
+        <p:nvSpPr>
+          <p:cNvPr id="13" name="TextBox 12">
+            <a:extLst>
+              <a:ext uri="{FF2B5EF4-FFF2-40B4-BE49-F238E27FC236}">
+                <a16:creationId xmlns:a16="http://schemas.microsoft.com/office/drawing/2014/main" id="{B815558F-13B4-EB8D-9EC7-E14642FEFC0D}"/>
+              </a:ext>
+            </a:extLst>
+          </p:cNvPr>
+          <p:cNvSpPr txBox="1"/>
+          <p:nvPr/>
+        </p:nvSpPr>
+        <p:spPr>
+          <a:xfrm>
+            <a:off x="3700261" y="1169349"/>
+            <a:ext cx="1499128" cy="253916"/>
+          </a:xfrm>
+          <a:prstGeom prst="rect">
+            <a:avLst/>
+          </a:prstGeom>
+          <a:noFill/>
+        </p:spPr>
+        <p:txBody>
+          <a:bodyPr wrap="none" rtlCol="0">
+            <a:spAutoFit/>
+          </a:bodyPr>
+          <a:lstStyle/>
+          <a:p>
+            <a:r>
+              <a:rPr lang="en-US" altLang="ko-KR" sz="1050" dirty="0">
+                <a:solidFill>
+                  <a:srgbClr val="0000FF"/>
+                </a:solidFill>
+              </a:rPr>
+              <a:t>H_FL_AR S17_RC Slab</a:t>
+            </a:r>
+            <a:endParaRPr lang="ko-KR" altLang="en-US" sz="1050" dirty="0">
+              <a:solidFill>
+                <a:srgbClr val="0000FF"/>
+              </a:solidFill>
+            </a:endParaRPr>
+          </a:p>
+        </p:txBody>
+      </p:sp>
+      <p:sp>
+        <p:nvSpPr>
+          <p:cNvPr id="14" name="TextBox 13">
+            <a:extLst>
+              <a:ext uri="{FF2B5EF4-FFF2-40B4-BE49-F238E27FC236}">
+                <a16:creationId xmlns:a16="http://schemas.microsoft.com/office/drawing/2014/main" id="{FFEEC939-484E-31FD-520F-8F5708EE9A3F}"/>
+              </a:ext>
+            </a:extLst>
+          </p:cNvPr>
+          <p:cNvSpPr txBox="1"/>
+          <p:nvPr/>
+        </p:nvSpPr>
+        <p:spPr>
+          <a:xfrm>
+            <a:off x="1827918" y="788124"/>
+            <a:ext cx="409086" cy="253916"/>
+          </a:xfrm>
+          <a:prstGeom prst="rect">
+            <a:avLst/>
+          </a:prstGeom>
+          <a:noFill/>
+        </p:spPr>
+        <p:txBody>
+          <a:bodyPr wrap="none" rtlCol="0">
+            <a:spAutoFit/>
+          </a:bodyPr>
+          <a:lstStyle/>
+          <a:p>
+            <a:r>
+              <a:rPr lang="en-US" altLang="ko-KR" sz="1050" dirty="0"/>
+              <a:t>STB</a:t>
+            </a:r>
+            <a:endParaRPr lang="ko-KR" altLang="en-US" sz="1050" dirty="0"/>
+          </a:p>
+        </p:txBody>
+      </p:sp>
+      <p:sp>
+        <p:nvSpPr>
+          <p:cNvPr id="15" name="직사각형 14">
+            <a:extLst>
+              <a:ext uri="{FF2B5EF4-FFF2-40B4-BE49-F238E27FC236}">
+                <a16:creationId xmlns:a16="http://schemas.microsoft.com/office/drawing/2014/main" id="{3255BBA7-9D1A-A471-CBD4-8DBE5823B238}"/>
+              </a:ext>
+            </a:extLst>
+          </p:cNvPr>
+          <p:cNvSpPr/>
+          <p:nvPr/>
+        </p:nvSpPr>
+        <p:spPr>
+          <a:xfrm>
+            <a:off x="2710932" y="1733006"/>
+            <a:ext cx="2488456" cy="248194"/>
+          </a:xfrm>
+          <a:prstGeom prst="rect">
+            <a:avLst/>
+          </a:prstGeom>
+          <a:solidFill>
+            <a:schemeClr val="accent4">
+              <a:lumMod val="60000"/>
+              <a:lumOff val="40000"/>
+              <a:alpha val="46000"/>
+            </a:schemeClr>
+          </a:solidFill>
+          <a:ln>
+            <a:noFill/>
+          </a:ln>
+        </p:spPr>
+        <p:style>
+          <a:lnRef idx="2">
+            <a:schemeClr val="accent1">
+              <a:shade val="15000"/>
+            </a:schemeClr>
+          </a:lnRef>
+          <a:fillRef idx="1">
+            <a:schemeClr val="accent1"/>
+          </a:fillRef>
+          <a:effectRef idx="0">
+            <a:schemeClr val="accent1"/>
+          </a:effectRef>
+          <a:fontRef idx="minor">
+            <a:schemeClr val="lt1"/>
+          </a:fontRef>
+        </p:style>
+        <p:txBody>
+          <a:bodyPr rtlCol="0" anchor="ctr"/>
+          <a:lstStyle/>
+          <a:p>
+            <a:pPr algn="ctr"/>
+            <a:endParaRPr lang="ko-KR" altLang="en-US"/>
+          </a:p>
+        </p:txBody>
+      </p:sp>
+      <p:sp>
+        <p:nvSpPr>
+          <p:cNvPr id="17" name="직사각형 16">
+            <a:extLst>
+              <a:ext uri="{FF2B5EF4-FFF2-40B4-BE49-F238E27FC236}">
+                <a16:creationId xmlns:a16="http://schemas.microsoft.com/office/drawing/2014/main" id="{8933FD8F-4430-C917-7E6D-1BB0E32078BF}"/>
+              </a:ext>
+            </a:extLst>
+          </p:cNvPr>
+          <p:cNvSpPr/>
+          <p:nvPr/>
+        </p:nvSpPr>
+        <p:spPr>
+          <a:xfrm>
+            <a:off x="45917" y="3180806"/>
+            <a:ext cx="2488456" cy="248194"/>
+          </a:xfrm>
+          <a:prstGeom prst="rect">
+            <a:avLst/>
+          </a:prstGeom>
+          <a:solidFill>
+            <a:schemeClr val="accent4">
+              <a:lumMod val="60000"/>
+              <a:lumOff val="40000"/>
+              <a:alpha val="46000"/>
+            </a:schemeClr>
+          </a:solidFill>
+          <a:ln>
+            <a:noFill/>
+          </a:ln>
+        </p:spPr>
+        <p:style>
+          <a:lnRef idx="2">
+            <a:schemeClr val="accent1">
+              <a:shade val="15000"/>
+            </a:schemeClr>
+          </a:lnRef>
+          <a:fillRef idx="1">
+            <a:schemeClr val="accent1"/>
+          </a:fillRef>
+          <a:effectRef idx="0">
+            <a:schemeClr val="accent1"/>
+          </a:effectRef>
+          <a:fontRef idx="minor">
+            <a:schemeClr val="lt1"/>
+          </a:fontRef>
+        </p:style>
+        <p:txBody>
+          <a:bodyPr rtlCol="0" anchor="ctr"/>
+          <a:lstStyle/>
+          <a:p>
+            <a:pPr algn="ctr"/>
+            <a:endParaRPr lang="ko-KR" altLang="en-US"/>
+          </a:p>
+        </p:txBody>
+      </p:sp>
+      <p:graphicFrame>
+        <p:nvGraphicFramePr>
+          <p:cNvPr id="18" name="표 17">
+            <a:extLst>
+              <a:ext uri="{FF2B5EF4-FFF2-40B4-BE49-F238E27FC236}">
+                <a16:creationId xmlns:a16="http://schemas.microsoft.com/office/drawing/2014/main" id="{B5E9E0A8-B906-37D8-AA51-AF340DA038F8}"/>
+              </a:ext>
+            </a:extLst>
+          </p:cNvPr>
+          <p:cNvGraphicFramePr>
+            <a:graphicFrameLocks noGrp="1"/>
+          </p:cNvGraphicFramePr>
+          <p:nvPr>
+            <p:extLst>
+              <p:ext uri="{D42A27DB-BD31-4B8C-83A1-F6EECF244321}">
+                <p14:modId xmlns:p14="http://schemas.microsoft.com/office/powerpoint/2010/main" val="1177967835"/>
+              </p:ext>
+            </p:extLst>
+          </p:nvPr>
+        </p:nvGraphicFramePr>
+        <p:xfrm>
+          <a:off x="5343802" y="1480456"/>
+          <a:ext cx="1540175" cy="1828800"/>
+        </p:xfrm>
+        <a:graphic>
+          <a:graphicData uri="http://schemas.openxmlformats.org/drawingml/2006/table">
+            <a:tbl>
+              <a:tblPr firstRow="1" bandRow="1">
+                <a:tableStyleId>{5940675A-B579-460E-94D1-54222C63F5DA}</a:tableStyleId>
+              </a:tblPr>
+              <a:tblGrid>
+                <a:gridCol w="288206">
+                  <a:extLst>
+                    <a:ext uri="{9D8B030D-6E8A-4147-A177-3AD203B41FA5}">
+                      <a16:colId xmlns:a16="http://schemas.microsoft.com/office/drawing/2014/main" val="2880091077"/>
+                    </a:ext>
+                  </a:extLst>
+                </a:gridCol>
+                <a:gridCol w="1251969">
+                  <a:extLst>
+                    <a:ext uri="{9D8B030D-6E8A-4147-A177-3AD203B41FA5}">
+                      <a16:colId xmlns:a16="http://schemas.microsoft.com/office/drawing/2014/main" val="2851344051"/>
+                    </a:ext>
+                  </a:extLst>
+                </a:gridCol>
+              </a:tblGrid>
+              <a:tr h="192646">
+                <a:tc>
+                  <a:txBody>
+                    <a:bodyPr/>
+                    <a:lstStyle/>
+                    <a:p>
+                      <a:pPr algn="ctr" latinLnBrk="1"/>
+                      <a:endParaRPr lang="ko-KR" altLang="en-US" dirty="0"/>
+                    </a:p>
+                  </a:txBody>
+                  <a:tcPr/>
+                </a:tc>
+                <a:tc>
+                  <a:txBody>
+                    <a:bodyPr/>
+                    <a:lstStyle/>
+                    <a:p>
+                      <a:pPr latinLnBrk="1"/>
+                      <a:r>
+                        <a:rPr lang="en-US" altLang="ko-KR" sz="1100" dirty="0">
+                          <a:solidFill>
+                            <a:schemeClr val="tx1"/>
+                          </a:solidFill>
+                        </a:rPr>
+                        <a:t>RC-AG</a:t>
+                      </a:r>
+                      <a:endParaRPr lang="ko-KR" altLang="en-US" sz="1100" dirty="0"/>
+                    </a:p>
+                  </a:txBody>
+                  <a:tcPr/>
+                </a:tc>
+                <a:extLst>
+                  <a:ext uri="{0D108BD9-81ED-4DB2-BD59-A6C34878D82A}">
+                    <a16:rowId xmlns:a16="http://schemas.microsoft.com/office/drawing/2014/main" val="258683091"/>
+                  </a:ext>
+                </a:extLst>
+              </a:tr>
+              <a:tr h="177868">
+                <a:tc>
+                  <a:txBody>
+                    <a:bodyPr/>
+                    <a:lstStyle/>
+                    <a:p>
+                      <a:pPr marL="0" marR="0" lvl="0" indent="0" algn="ctr" defTabSz="914400" rtl="0" eaLnBrk="1" fontAlgn="auto" latinLnBrk="1" hangingPunct="1">
+                        <a:lnSpc>
+                          <a:spcPct val="100000"/>
+                        </a:lnSpc>
+                        <a:spcBef>
+                          <a:spcPts val="0"/>
+                        </a:spcBef>
+                        <a:spcAft>
+                          <a:spcPts val="0"/>
+                        </a:spcAft>
+                        <a:buClrTx/>
+                        <a:buSzTx/>
+                        <a:buFontTx/>
+                        <a:buNone/>
+                        <a:tabLst/>
+                        <a:defRPr/>
+                      </a:pPr>
+                      <a:r>
+                        <a:rPr lang="ko-KR" altLang="en-US" dirty="0"/>
+                        <a:t>✓</a:t>
+                      </a:r>
+                    </a:p>
+                  </a:txBody>
+                  <a:tcPr/>
+                </a:tc>
+                <a:tc>
+                  <a:txBody>
+                    <a:bodyPr/>
+                    <a:lstStyle/>
+                    <a:p>
+                      <a:pPr marL="0" marR="0" lvl="0" indent="0" algn="l" defTabSz="914400" rtl="0" eaLnBrk="1" fontAlgn="auto" latinLnBrk="1" hangingPunct="1">
+                        <a:lnSpc>
+                          <a:spcPct val="100000"/>
+                        </a:lnSpc>
+                        <a:spcBef>
+                          <a:spcPts val="0"/>
+                        </a:spcBef>
+                        <a:spcAft>
+                          <a:spcPts val="0"/>
+                        </a:spcAft>
+                        <a:buClrTx/>
+                        <a:buSzTx/>
+                        <a:buFontTx/>
+                        <a:buNone/>
+                        <a:tabLst/>
+                        <a:defRPr/>
+                      </a:pPr>
+                      <a:r>
+                        <a:rPr lang="en-US" altLang="ko-KR" sz="1100" dirty="0">
+                          <a:solidFill>
+                            <a:schemeClr val="tx1"/>
+                          </a:solidFill>
+                        </a:rPr>
+                        <a:t>RC-AG::30MPa</a:t>
+                      </a:r>
+                      <a:endParaRPr lang="ko-KR" altLang="en-US" sz="1100" dirty="0">
+                        <a:solidFill>
+                          <a:schemeClr val="tx1"/>
+                        </a:solidFill>
+                      </a:endParaRPr>
+                    </a:p>
+                  </a:txBody>
+                  <a:tcPr/>
+                </a:tc>
+                <a:extLst>
+                  <a:ext uri="{0D108BD9-81ED-4DB2-BD59-A6C34878D82A}">
+                    <a16:rowId xmlns:a16="http://schemas.microsoft.com/office/drawing/2014/main" val="264297246"/>
+                  </a:ext>
+                </a:extLst>
+              </a:tr>
+              <a:tr h="311662">
+                <a:tc>
+                  <a:txBody>
+                    <a:bodyPr/>
+                    <a:lstStyle/>
+                    <a:p>
+                      <a:pPr algn="ctr" latinLnBrk="1"/>
+                      <a:endParaRPr lang="ko-KR" altLang="en-US"/>
+                    </a:p>
+                  </a:txBody>
+                  <a:tcPr/>
+                </a:tc>
+                <a:tc>
+                  <a:txBody>
+                    <a:bodyPr/>
+                    <a:lstStyle/>
+                    <a:p>
+                      <a:pPr latinLnBrk="1"/>
+                      <a:endParaRPr lang="ko-KR" altLang="en-US" sz="1100" dirty="0"/>
+                    </a:p>
+                  </a:txBody>
+                  <a:tcPr/>
+                </a:tc>
+                <a:extLst>
+                  <a:ext uri="{0D108BD9-81ED-4DB2-BD59-A6C34878D82A}">
+                    <a16:rowId xmlns:a16="http://schemas.microsoft.com/office/drawing/2014/main" val="159775522"/>
+                  </a:ext>
+                </a:extLst>
+              </a:tr>
+              <a:tr h="311662">
+                <a:tc>
+                  <a:txBody>
+                    <a:bodyPr/>
+                    <a:lstStyle/>
+                    <a:p>
+                      <a:pPr algn="ctr" latinLnBrk="1"/>
+                      <a:endParaRPr lang="ko-KR" altLang="en-US"/>
+                    </a:p>
+                  </a:txBody>
+                  <a:tcPr/>
+                </a:tc>
+                <a:tc>
+                  <a:txBody>
+                    <a:bodyPr/>
+                    <a:lstStyle/>
+                    <a:p>
+                      <a:pPr latinLnBrk="1"/>
+                      <a:endParaRPr lang="ko-KR" altLang="en-US" sz="1100" dirty="0"/>
+                    </a:p>
+                  </a:txBody>
+                  <a:tcPr/>
+                </a:tc>
+                <a:extLst>
+                  <a:ext uri="{0D108BD9-81ED-4DB2-BD59-A6C34878D82A}">
+                    <a16:rowId xmlns:a16="http://schemas.microsoft.com/office/drawing/2014/main" val="856595834"/>
+                  </a:ext>
+                </a:extLst>
+              </a:tr>
+              <a:tr h="311662">
+                <a:tc>
+                  <a:txBody>
+                    <a:bodyPr/>
+                    <a:lstStyle/>
+                    <a:p>
+                      <a:pPr algn="ctr" latinLnBrk="1"/>
+                      <a:endParaRPr lang="ko-KR" altLang="en-US" dirty="0"/>
+                    </a:p>
+                  </a:txBody>
+                  <a:tcPr/>
+                </a:tc>
+                <a:tc>
+                  <a:txBody>
+                    <a:bodyPr/>
+                    <a:lstStyle/>
+                    <a:p>
+                      <a:pPr latinLnBrk="1"/>
+                      <a:endParaRPr lang="ko-KR" altLang="en-US" sz="1100" dirty="0"/>
+                    </a:p>
+                  </a:txBody>
+                  <a:tcPr/>
+                </a:tc>
+                <a:extLst>
+                  <a:ext uri="{0D108BD9-81ED-4DB2-BD59-A6C34878D82A}">
+                    <a16:rowId xmlns:a16="http://schemas.microsoft.com/office/drawing/2014/main" val="3584855405"/>
+                  </a:ext>
+                </a:extLst>
+              </a:tr>
+            </a:tbl>
+          </a:graphicData>
+        </a:graphic>
+      </p:graphicFrame>
+      <p:sp>
+        <p:nvSpPr>
+          <p:cNvPr id="20" name="직사각형 19">
+            <a:extLst>
+              <a:ext uri="{FF2B5EF4-FFF2-40B4-BE49-F238E27FC236}">
+                <a16:creationId xmlns:a16="http://schemas.microsoft.com/office/drawing/2014/main" id="{90B292B2-EF5A-9D3B-5212-0982F4E8B81F}"/>
+              </a:ext>
+            </a:extLst>
+          </p:cNvPr>
+          <p:cNvSpPr/>
+          <p:nvPr/>
+        </p:nvSpPr>
+        <p:spPr>
+          <a:xfrm>
+            <a:off x="5343802" y="1285289"/>
+            <a:ext cx="1152248" cy="137976"/>
+          </a:xfrm>
+          <a:prstGeom prst="rect">
+            <a:avLst/>
+          </a:prstGeom>
+          <a:solidFill>
+            <a:schemeClr val="accent2">
+              <a:lumMod val="20000"/>
+              <a:lumOff val="80000"/>
+            </a:schemeClr>
+          </a:solidFill>
+        </p:spPr>
+        <p:style>
+          <a:lnRef idx="2">
+            <a:schemeClr val="accent1">
+              <a:shade val="15000"/>
+            </a:schemeClr>
+          </a:lnRef>
+          <a:fillRef idx="1">
+            <a:schemeClr val="accent1"/>
+          </a:fillRef>
+          <a:effectRef idx="0">
+            <a:schemeClr val="accent1"/>
+          </a:effectRef>
+          <a:fontRef idx="minor">
+            <a:schemeClr val="lt1"/>
+          </a:fontRef>
+        </p:style>
+        <p:txBody>
+          <a:bodyPr rtlCol="0" anchor="ctr"/>
+          <a:lstStyle/>
+          <a:p>
+            <a:pPr algn="ctr"/>
+            <a:r>
+              <a:rPr lang="en-US" altLang="ko-KR" sz="900" dirty="0">
+                <a:solidFill>
+                  <a:schemeClr val="tx1"/>
+                </a:solidFill>
+              </a:rPr>
+              <a:t>Select</a:t>
+            </a:r>
+            <a:r>
+              <a:rPr lang="ko-KR" altLang="en-US" sz="900" dirty="0">
+                <a:solidFill>
+                  <a:schemeClr val="tx1"/>
+                </a:solidFill>
+              </a:rPr>
+              <a:t> </a:t>
+            </a:r>
+            <a:r>
+              <a:rPr lang="en-US" altLang="ko-KR" sz="900" dirty="0">
+                <a:solidFill>
+                  <a:schemeClr val="tx1"/>
+                </a:solidFill>
+              </a:rPr>
+              <a:t>All / None</a:t>
+            </a:r>
+            <a:endParaRPr lang="ko-KR" altLang="en-US" sz="900" dirty="0">
+              <a:solidFill>
+                <a:schemeClr val="tx1"/>
+              </a:solidFill>
+            </a:endParaRPr>
+          </a:p>
+        </p:txBody>
+      </p:sp>
+      <p:sp>
+        <p:nvSpPr>
+          <p:cNvPr id="25" name="TextBox 24">
+            <a:extLst>
+              <a:ext uri="{FF2B5EF4-FFF2-40B4-BE49-F238E27FC236}">
+                <a16:creationId xmlns:a16="http://schemas.microsoft.com/office/drawing/2014/main" id="{CF8C64C2-5397-799D-81EB-BAAD62956ECE}"/>
+              </a:ext>
+            </a:extLst>
+          </p:cNvPr>
+          <p:cNvSpPr txBox="1"/>
+          <p:nvPr/>
+        </p:nvSpPr>
+        <p:spPr>
+          <a:xfrm>
+            <a:off x="8400325" y="982760"/>
+            <a:ext cx="3477490" cy="313547"/>
+          </a:xfrm>
+          <a:prstGeom prst="rect">
+            <a:avLst/>
+          </a:prstGeom>
+          <a:noFill/>
+        </p:spPr>
+        <p:txBody>
+          <a:bodyPr wrap="square">
+            <a:spAutoFit/>
+          </a:bodyPr>
+          <a:lstStyle/>
+          <a:p>
+            <a:pPr>
+              <a:lnSpc>
+                <a:spcPct val="150000"/>
+              </a:lnSpc>
+            </a:pPr>
+            <a:r>
+              <a:rPr lang="ko-KR" altLang="en-US" sz="1100" dirty="0">
+                <a:solidFill>
+                  <a:schemeClr val="tx1"/>
+                </a:solidFill>
+                <a:ea typeface="맑은 고딕" panose="020B0503020000020004" pitchFamily="50" charset="-127"/>
+              </a:rPr>
+              <a:t>체크된 </a:t>
+            </a:r>
+            <a:r>
+              <a:rPr lang="en-US" altLang="ko-KR" sz="1100" dirty="0">
+                <a:solidFill>
+                  <a:schemeClr val="tx1"/>
+                </a:solidFill>
+                <a:ea typeface="맑은 고딕" panose="020B0503020000020004" pitchFamily="50" charset="-127"/>
+              </a:rPr>
+              <a:t>GWM/SWM</a:t>
+            </a:r>
+            <a:r>
+              <a:rPr lang="ko-KR" altLang="en-US" sz="1100" dirty="0">
+                <a:solidFill>
+                  <a:schemeClr val="tx1"/>
+                </a:solidFill>
+                <a:ea typeface="맑은 고딕" panose="020B0503020000020004" pitchFamily="50" charset="-127"/>
+              </a:rPr>
+              <a:t>에 해당하는 모든 </a:t>
+            </a:r>
+            <a:r>
+              <a:rPr lang="en-US" altLang="ko-KR" sz="1100" dirty="0">
+                <a:solidFill>
+                  <a:schemeClr val="tx1"/>
+                </a:solidFill>
+                <a:ea typeface="맑은 고딕" panose="020B0503020000020004" pitchFamily="50" charset="-127"/>
+              </a:rPr>
+              <a:t>WM </a:t>
+            </a:r>
+            <a:r>
+              <a:rPr lang="ko-KR" altLang="en-US" sz="1100" dirty="0">
+                <a:solidFill>
+                  <a:schemeClr val="tx1"/>
+                </a:solidFill>
+                <a:ea typeface="맑은 고딕" panose="020B0503020000020004" pitchFamily="50" charset="-127"/>
+              </a:rPr>
+              <a:t>이 나열됨</a:t>
+            </a:r>
+            <a:endParaRPr lang="ko-KR" altLang="en-US" sz="1100" dirty="0">
+              <a:solidFill>
+                <a:schemeClr val="tx1"/>
+              </a:solidFill>
+            </a:endParaRPr>
+          </a:p>
+        </p:txBody>
+      </p:sp>
+      <p:graphicFrame>
+        <p:nvGraphicFramePr>
+          <p:cNvPr id="26" name="표 25">
+            <a:extLst>
+              <a:ext uri="{FF2B5EF4-FFF2-40B4-BE49-F238E27FC236}">
+                <a16:creationId xmlns:a16="http://schemas.microsoft.com/office/drawing/2014/main" id="{99F4E8E5-2EFD-7C3F-B115-FA985358F181}"/>
+              </a:ext>
+            </a:extLst>
+          </p:cNvPr>
+          <p:cNvGraphicFramePr>
+            <a:graphicFrameLocks noGrp="1"/>
+          </p:cNvGraphicFramePr>
+          <p:nvPr>
+            <p:extLst>
+              <p:ext uri="{D42A27DB-BD31-4B8C-83A1-F6EECF244321}">
+                <p14:modId xmlns:p14="http://schemas.microsoft.com/office/powerpoint/2010/main" val="43805928"/>
+              </p:ext>
+            </p:extLst>
+          </p:nvPr>
+        </p:nvGraphicFramePr>
+        <p:xfrm>
+          <a:off x="7181850" y="1480456"/>
+          <a:ext cx="4695967" cy="2983152"/>
+        </p:xfrm>
+        <a:graphic>
+          <a:graphicData uri="http://schemas.openxmlformats.org/drawingml/2006/table">
+            <a:tbl>
+              <a:tblPr>
+                <a:tableStyleId>{5940675A-B579-460E-94D1-54222C63F5DA}</a:tableStyleId>
+              </a:tblPr>
+              <a:tblGrid>
+                <a:gridCol w="336128">
+                  <a:extLst>
+                    <a:ext uri="{9D8B030D-6E8A-4147-A177-3AD203B41FA5}">
+                      <a16:colId xmlns:a16="http://schemas.microsoft.com/office/drawing/2014/main" val="2590470271"/>
+                    </a:ext>
+                  </a:extLst>
+                </a:gridCol>
+                <a:gridCol w="397297">
+                  <a:extLst>
+                    <a:ext uri="{9D8B030D-6E8A-4147-A177-3AD203B41FA5}">
+                      <a16:colId xmlns:a16="http://schemas.microsoft.com/office/drawing/2014/main" val="1751783114"/>
+                    </a:ext>
+                  </a:extLst>
+                </a:gridCol>
+                <a:gridCol w="3037084">
+                  <a:extLst>
+                    <a:ext uri="{9D8B030D-6E8A-4147-A177-3AD203B41FA5}">
+                      <a16:colId xmlns:a16="http://schemas.microsoft.com/office/drawing/2014/main" val="4004188966"/>
+                    </a:ext>
+                  </a:extLst>
+                </a:gridCol>
+                <a:gridCol w="302511">
+                  <a:extLst>
+                    <a:ext uri="{9D8B030D-6E8A-4147-A177-3AD203B41FA5}">
+                      <a16:colId xmlns:a16="http://schemas.microsoft.com/office/drawing/2014/main" val="2929073054"/>
+                    </a:ext>
+                  </a:extLst>
+                </a:gridCol>
+                <a:gridCol w="258023">
+                  <a:extLst>
+                    <a:ext uri="{9D8B030D-6E8A-4147-A177-3AD203B41FA5}">
+                      <a16:colId xmlns:a16="http://schemas.microsoft.com/office/drawing/2014/main" val="298705633"/>
+                    </a:ext>
+                  </a:extLst>
+                </a:gridCol>
+                <a:gridCol w="364924">
+                  <a:extLst>
+                    <a:ext uri="{9D8B030D-6E8A-4147-A177-3AD203B41FA5}">
+                      <a16:colId xmlns:a16="http://schemas.microsoft.com/office/drawing/2014/main" val="2058580796"/>
+                    </a:ext>
+                  </a:extLst>
+                </a:gridCol>
+              </a:tblGrid>
+              <a:tr h="372894">
+                <a:tc>
+                  <a:txBody>
+                    <a:bodyPr/>
+                    <a:lstStyle/>
+                    <a:p>
+                      <a:pPr algn="ctr" fontAlgn="ctr"/>
+                      <a:r>
+                        <a:rPr lang="en-US" sz="1200" b="0" i="0" u="none" strike="noStrike" dirty="0">
+                          <a:solidFill>
+                            <a:srgbClr val="000000"/>
+                          </a:solidFill>
+                          <a:effectLst/>
+                          <a:latin typeface="Arial Narrow" panose="020B0606020202030204" pitchFamily="34" charset="0"/>
+                          <a:ea typeface="맑은 고딕" panose="020B0503020000020004" pitchFamily="50" charset="-127"/>
+                        </a:rPr>
+                        <a:t>✓</a:t>
+                      </a:r>
+                    </a:p>
+                  </a:txBody>
+                  <a:tcPr marL="0" marR="0" marT="0" marB="0" anchor="ctr"/>
+                </a:tc>
+                <a:tc>
+                  <a:txBody>
+                    <a:bodyPr/>
+                    <a:lstStyle/>
+                    <a:p>
+                      <a:pPr algn="l" fontAlgn="ctr"/>
+                      <a:r>
+                        <a:rPr lang="en-US" sz="700" u="none" strike="noStrike" dirty="0">
+                          <a:effectLst/>
+                        </a:rPr>
+                        <a:t>Concrete</a:t>
+                      </a:r>
+                      <a:endParaRPr lang="en-US" sz="700" b="0" i="0" u="none" strike="noStrike" dirty="0">
+                        <a:solidFill>
+                          <a:srgbClr val="000000"/>
+                        </a:solidFill>
+                        <a:effectLst/>
+                        <a:latin typeface="Arial Narrow" panose="020B0606020202030204" pitchFamily="34" charset="0"/>
+                        <a:ea typeface="맑은 고딕" panose="020B0503020000020004" pitchFamily="50" charset="-127"/>
+                      </a:endParaRPr>
+                    </a:p>
+                  </a:txBody>
+                  <a:tcPr marL="0" marR="0" marT="0" marB="0" anchor="ctr"/>
+                </a:tc>
+                <a:tc>
+                  <a:txBody>
+                    <a:bodyPr/>
+                    <a:lstStyle/>
+                    <a:p>
+                      <a:pPr algn="l" fontAlgn="ctr"/>
+                      <a:r>
+                        <a:rPr lang="en-US" sz="700" u="none" strike="noStrike">
+                          <a:effectLst/>
+                        </a:rPr>
+                        <a:t>A03AF032-00019 Concrete Work Superstructure Work Structural Concrete  Cement Type-1 30MPa ≤ F'c (Cylinder Strength) &lt; 35MPa     </a:t>
+                      </a:r>
+                      <a:endParaRPr lang="en-US" sz="700" b="0" i="0" u="none" strike="noStrike">
+                        <a:solidFill>
+                          <a:srgbClr val="000000"/>
+                        </a:solidFill>
+                        <a:effectLst/>
+                        <a:latin typeface="Arial Narrow" panose="020B0606020202030204" pitchFamily="34" charset="0"/>
+                        <a:ea typeface="맑은 고딕" panose="020B0503020000020004" pitchFamily="50" charset="-127"/>
+                      </a:endParaRPr>
+                    </a:p>
+                  </a:txBody>
+                  <a:tcPr marL="0" marR="0" marT="0" marB="0" anchor="ctr"/>
+                </a:tc>
+                <a:tc>
+                  <a:txBody>
+                    <a:bodyPr/>
+                    <a:lstStyle/>
+                    <a:p>
+                      <a:pPr algn="l" fontAlgn="ctr"/>
+                      <a:r>
+                        <a:rPr lang="en-US" sz="700" u="none" strike="noStrike">
+                          <a:effectLst/>
+                        </a:rPr>
+                        <a:t>30MPa</a:t>
+                      </a:r>
+                      <a:endParaRPr lang="en-US" sz="700" b="0" i="0" u="none" strike="noStrike">
+                        <a:solidFill>
+                          <a:srgbClr val="000000"/>
+                        </a:solidFill>
+                        <a:effectLst/>
+                        <a:latin typeface="Arial Narrow" panose="020B0606020202030204" pitchFamily="34" charset="0"/>
+                        <a:ea typeface="맑은 고딕" panose="020B0503020000020004" pitchFamily="50" charset="-127"/>
+                      </a:endParaRPr>
+                    </a:p>
+                  </a:txBody>
+                  <a:tcPr marL="0" marR="0" marT="0" marB="0" anchor="ctr"/>
+                </a:tc>
+                <a:tc>
+                  <a:txBody>
+                    <a:bodyPr/>
+                    <a:lstStyle/>
+                    <a:p>
+                      <a:pPr algn="l" fontAlgn="ctr"/>
+                      <a:r>
+                        <a:rPr lang="en-US" sz="700" u="none" strike="noStrike">
+                          <a:effectLst/>
+                        </a:rPr>
+                        <a:t>M3</a:t>
+                      </a:r>
+                      <a:endParaRPr lang="en-US" sz="700" b="0" i="0" u="none" strike="noStrike">
+                        <a:solidFill>
+                          <a:srgbClr val="000000"/>
+                        </a:solidFill>
+                        <a:effectLst/>
+                        <a:latin typeface="Arial Narrow" panose="020B0606020202030204" pitchFamily="34" charset="0"/>
+                        <a:ea typeface="맑은 고딕" panose="020B0503020000020004" pitchFamily="50" charset="-127"/>
+                      </a:endParaRPr>
+                    </a:p>
+                  </a:txBody>
+                  <a:tcPr marL="0" marR="0" marT="0" marB="0" anchor="ctr"/>
+                </a:tc>
+                <a:tc>
+                  <a:txBody>
+                    <a:bodyPr/>
+                    <a:lstStyle/>
+                    <a:p>
+                      <a:pPr algn="l" fontAlgn="ctr"/>
+                      <a:r>
+                        <a:rPr lang="en-US" sz="900" u="none" strike="noStrike">
+                          <a:effectLst/>
+                        </a:rPr>
+                        <a:t>=V</a:t>
+                      </a:r>
+                      <a:endParaRPr lang="en-US" sz="900" b="0" i="0" u="none" strike="noStrike">
+                        <a:solidFill>
+                          <a:srgbClr val="000000"/>
+                        </a:solidFill>
+                        <a:effectLst/>
+                        <a:latin typeface="Arial Narrow" panose="020B0606020202030204" pitchFamily="34" charset="0"/>
+                        <a:ea typeface="맑은 고딕" panose="020B0503020000020004" pitchFamily="50" charset="-127"/>
+                      </a:endParaRPr>
+                    </a:p>
+                  </a:txBody>
+                  <a:tcPr marL="0" marR="0" marT="0" marB="0" anchor="ctr"/>
+                </a:tc>
+                <a:extLst>
+                  <a:ext uri="{0D108BD9-81ED-4DB2-BD59-A6C34878D82A}">
+                    <a16:rowId xmlns:a16="http://schemas.microsoft.com/office/drawing/2014/main" val="2303837531"/>
+                  </a:ext>
+                </a:extLst>
+              </a:tr>
+              <a:tr h="372894">
+                <a:tc>
+                  <a:txBody>
+                    <a:bodyPr/>
+                    <a:lstStyle/>
+                    <a:p>
+                      <a:pPr algn="ctr" fontAlgn="ctr"/>
+                      <a:r>
+                        <a:rPr lang="en-US" altLang="ko-KR" sz="1200" b="0" i="0" u="none" strike="noStrike" dirty="0">
+                          <a:solidFill>
+                            <a:srgbClr val="000000"/>
+                          </a:solidFill>
+                          <a:effectLst/>
+                          <a:latin typeface="Arial Narrow" panose="020B0606020202030204" pitchFamily="34" charset="0"/>
+                          <a:ea typeface="+mn-ea"/>
+                        </a:rPr>
+                        <a:t>✓</a:t>
+                      </a:r>
+                      <a:endParaRPr lang="en-US" sz="1200" b="0" i="0" u="none" strike="noStrike" dirty="0">
+                        <a:solidFill>
+                          <a:srgbClr val="000000"/>
+                        </a:solidFill>
+                        <a:effectLst/>
+                        <a:latin typeface="Arial Narrow" panose="020B0606020202030204" pitchFamily="34" charset="0"/>
+                        <a:ea typeface="맑은 고딕" panose="020B0503020000020004" pitchFamily="50" charset="-127"/>
+                      </a:endParaRPr>
+                    </a:p>
+                  </a:txBody>
+                  <a:tcPr marL="0" marR="0" marT="0" marB="0" anchor="ctr"/>
+                </a:tc>
+                <a:tc>
+                  <a:txBody>
+                    <a:bodyPr/>
+                    <a:lstStyle/>
+                    <a:p>
+                      <a:pPr algn="l" fontAlgn="ctr"/>
+                      <a:r>
+                        <a:rPr lang="en-US" sz="700" u="none" strike="noStrike">
+                          <a:effectLst/>
+                        </a:rPr>
+                        <a:t>Form1</a:t>
+                      </a:r>
+                      <a:endParaRPr lang="en-US" sz="700" b="0" i="0" u="none" strike="noStrike">
+                        <a:solidFill>
+                          <a:srgbClr val="000000"/>
+                        </a:solidFill>
+                        <a:effectLst/>
+                        <a:latin typeface="Arial Narrow" panose="020B0606020202030204" pitchFamily="34" charset="0"/>
+                        <a:ea typeface="맑은 고딕" panose="020B0503020000020004" pitchFamily="50" charset="-127"/>
+                      </a:endParaRPr>
+                    </a:p>
+                  </a:txBody>
+                  <a:tcPr marL="0" marR="0" marT="0" marB="0" anchor="ctr"/>
+                </a:tc>
+                <a:tc>
+                  <a:txBody>
+                    <a:bodyPr/>
+                    <a:lstStyle/>
+                    <a:p>
+                      <a:pPr algn="l" fontAlgn="ctr"/>
+                      <a:r>
+                        <a:rPr lang="en-US" sz="700" u="none" strike="noStrike">
+                          <a:effectLst/>
+                        </a:rPr>
+                        <a:t>A03AF036-00001 Concrete Work Superstructure Work Form Work (1 time in use) Flat Form     Dressed Lumber, Plywood or Steel Form(Wood Planks are not Allowed) incl. Chamfer  </a:t>
+                      </a:r>
+                      <a:endParaRPr lang="en-US" sz="700" b="0" i="0" u="none" strike="noStrike">
+                        <a:solidFill>
+                          <a:srgbClr val="000000"/>
+                        </a:solidFill>
+                        <a:effectLst/>
+                        <a:latin typeface="Arial Narrow" panose="020B0606020202030204" pitchFamily="34" charset="0"/>
+                        <a:ea typeface="맑은 고딕" panose="020B0503020000020004" pitchFamily="50" charset="-127"/>
+                      </a:endParaRPr>
+                    </a:p>
+                  </a:txBody>
+                  <a:tcPr marL="0" marR="0" marT="0" marB="0" anchor="ctr"/>
+                </a:tc>
+                <a:tc>
+                  <a:txBody>
+                    <a:bodyPr/>
+                    <a:lstStyle/>
+                    <a:p>
+                      <a:pPr algn="l" fontAlgn="ctr"/>
+                      <a:r>
+                        <a:rPr lang="en-US" altLang="ko-KR" sz="700" u="none" strike="noStrike">
+                          <a:effectLst/>
+                        </a:rPr>
+                        <a:t>0</a:t>
+                      </a:r>
+                      <a:endParaRPr lang="en-US" altLang="ko-KR" sz="700" b="0" i="0" u="none" strike="noStrike">
+                        <a:solidFill>
+                          <a:srgbClr val="000000"/>
+                        </a:solidFill>
+                        <a:effectLst/>
+                        <a:latin typeface="Arial Narrow" panose="020B0606020202030204" pitchFamily="34" charset="0"/>
+                        <a:ea typeface="맑은 고딕" panose="020B0503020000020004" pitchFamily="50" charset="-127"/>
+                      </a:endParaRPr>
+                    </a:p>
+                  </a:txBody>
+                  <a:tcPr marL="0" marR="0" marT="0" marB="0" anchor="ctr"/>
+                </a:tc>
+                <a:tc>
+                  <a:txBody>
+                    <a:bodyPr/>
+                    <a:lstStyle/>
+                    <a:p>
+                      <a:pPr algn="l" fontAlgn="ctr"/>
+                      <a:r>
+                        <a:rPr lang="en-US" sz="700" u="none" strike="noStrike">
+                          <a:effectLst/>
+                        </a:rPr>
+                        <a:t>M2</a:t>
+                      </a:r>
+                      <a:endParaRPr lang="en-US" sz="700" b="0" i="0" u="none" strike="noStrike">
+                        <a:solidFill>
+                          <a:srgbClr val="000000"/>
+                        </a:solidFill>
+                        <a:effectLst/>
+                        <a:latin typeface="Arial Narrow" panose="020B0606020202030204" pitchFamily="34" charset="0"/>
+                        <a:ea typeface="맑은 고딕" panose="020B0503020000020004" pitchFamily="50" charset="-127"/>
+                      </a:endParaRPr>
+                    </a:p>
+                  </a:txBody>
+                  <a:tcPr marL="0" marR="0" marT="0" marB="0" anchor="ctr"/>
+                </a:tc>
+                <a:tc>
+                  <a:txBody>
+                    <a:bodyPr/>
+                    <a:lstStyle/>
+                    <a:p>
+                      <a:pPr algn="l" fontAlgn="ctr"/>
+                      <a:r>
+                        <a:rPr lang="en-US" sz="900" u="none" strike="noStrike">
+                          <a:effectLst/>
+                        </a:rPr>
+                        <a:t>=A</a:t>
+                      </a:r>
+                      <a:endParaRPr lang="en-US" sz="900" b="0" i="0" u="none" strike="noStrike">
+                        <a:solidFill>
+                          <a:srgbClr val="000000"/>
+                        </a:solidFill>
+                        <a:effectLst/>
+                        <a:latin typeface="Arial Narrow" panose="020B0606020202030204" pitchFamily="34" charset="0"/>
+                        <a:ea typeface="맑은 고딕" panose="020B0503020000020004" pitchFamily="50" charset="-127"/>
+                      </a:endParaRPr>
+                    </a:p>
+                  </a:txBody>
+                  <a:tcPr marL="0" marR="0" marT="0" marB="0" anchor="ctr"/>
+                </a:tc>
+                <a:extLst>
+                  <a:ext uri="{0D108BD9-81ED-4DB2-BD59-A6C34878D82A}">
+                    <a16:rowId xmlns:a16="http://schemas.microsoft.com/office/drawing/2014/main" val="3894698825"/>
+                  </a:ext>
+                </a:extLst>
+              </a:tr>
+              <a:tr h="372894">
+                <a:tc>
+                  <a:txBody>
+                    <a:bodyPr/>
+                    <a:lstStyle/>
+                    <a:p>
+                      <a:pPr marL="0" marR="0" lvl="0" indent="0" algn="ctr" defTabSz="914400" rtl="0" eaLnBrk="1" fontAlgn="ctr" latinLnBrk="1" hangingPunct="1">
+                        <a:lnSpc>
+                          <a:spcPct val="100000"/>
+                        </a:lnSpc>
+                        <a:spcBef>
+                          <a:spcPts val="0"/>
+                        </a:spcBef>
+                        <a:spcAft>
+                          <a:spcPts val="0"/>
+                        </a:spcAft>
+                        <a:buClrTx/>
+                        <a:buSzTx/>
+                        <a:buFontTx/>
+                        <a:buNone/>
+                        <a:tabLst/>
+                        <a:defRPr/>
+                      </a:pPr>
+                      <a:r>
+                        <a:rPr lang="en-US" altLang="ko-KR" sz="1200" b="0" i="0" u="none" strike="noStrike" dirty="0">
+                          <a:solidFill>
+                            <a:srgbClr val="000000"/>
+                          </a:solidFill>
+                          <a:effectLst/>
+                          <a:latin typeface="Arial Narrow" panose="020B0606020202030204" pitchFamily="34" charset="0"/>
+                          <a:ea typeface="+mn-ea"/>
+                        </a:rPr>
+                        <a:t>✓</a:t>
+                      </a:r>
+                    </a:p>
+                  </a:txBody>
+                  <a:tcPr marL="0" marR="0" marT="0" marB="0" anchor="ctr"/>
+                </a:tc>
+                <a:tc>
+                  <a:txBody>
+                    <a:bodyPr/>
+                    <a:lstStyle/>
+                    <a:p>
+                      <a:pPr algn="l" fontAlgn="ctr"/>
+                      <a:r>
+                        <a:rPr lang="en-US" sz="700" u="none" strike="noStrike">
+                          <a:effectLst/>
+                        </a:rPr>
+                        <a:t>Rebar</a:t>
+                      </a:r>
+                      <a:endParaRPr lang="en-US" sz="700" b="0" i="0" u="none" strike="noStrike">
+                        <a:solidFill>
+                          <a:srgbClr val="000000"/>
+                        </a:solidFill>
+                        <a:effectLst/>
+                        <a:latin typeface="Arial Narrow" panose="020B0606020202030204" pitchFamily="34" charset="0"/>
+                        <a:ea typeface="맑은 고딕" panose="020B0503020000020004" pitchFamily="50" charset="-127"/>
+                      </a:endParaRPr>
+                    </a:p>
+                  </a:txBody>
+                  <a:tcPr marL="0" marR="0" marT="0" marB="0" anchor="ctr"/>
+                </a:tc>
+                <a:tc>
+                  <a:txBody>
+                    <a:bodyPr/>
+                    <a:lstStyle/>
+                    <a:p>
+                      <a:pPr algn="l" fontAlgn="ctr"/>
+                      <a:r>
+                        <a:rPr lang="en-US" sz="700" u="none" strike="noStrike" dirty="0">
+                          <a:effectLst/>
+                        </a:rPr>
+                        <a:t>A03AF037-00003 Concrete Work Superstructure Work Rebar Work Deformed Bar (Non-Coat.)  300MPa&lt;Fy≤400MPa     </a:t>
+                      </a:r>
+                      <a:endParaRPr lang="en-US" sz="700" b="0" i="0" u="none" strike="noStrike" dirty="0">
+                        <a:solidFill>
+                          <a:srgbClr val="000000"/>
+                        </a:solidFill>
+                        <a:effectLst/>
+                        <a:latin typeface="Arial Narrow" panose="020B0606020202030204" pitchFamily="34" charset="0"/>
+                        <a:ea typeface="맑은 고딕" panose="020B0503020000020004" pitchFamily="50" charset="-127"/>
+                      </a:endParaRPr>
+                    </a:p>
+                  </a:txBody>
+                  <a:tcPr marL="0" marR="0" marT="0" marB="0" anchor="ctr"/>
+                </a:tc>
+                <a:tc>
+                  <a:txBody>
+                    <a:bodyPr/>
+                    <a:lstStyle/>
+                    <a:p>
+                      <a:pPr algn="l" fontAlgn="ctr"/>
+                      <a:r>
+                        <a:rPr lang="en-US" sz="700" u="none" strike="noStrike">
+                          <a:effectLst/>
+                        </a:rPr>
+                        <a:t>400MPa</a:t>
+                      </a:r>
+                      <a:endParaRPr lang="en-US" sz="700" b="0" i="0" u="none" strike="noStrike">
+                        <a:solidFill>
+                          <a:srgbClr val="000000"/>
+                        </a:solidFill>
+                        <a:effectLst/>
+                        <a:latin typeface="Arial Narrow" panose="020B0606020202030204" pitchFamily="34" charset="0"/>
+                        <a:ea typeface="맑은 고딕" panose="020B0503020000020004" pitchFamily="50" charset="-127"/>
+                      </a:endParaRPr>
+                    </a:p>
+                  </a:txBody>
+                  <a:tcPr marL="0" marR="0" marT="0" marB="0" anchor="ctr"/>
+                </a:tc>
+                <a:tc>
+                  <a:txBody>
+                    <a:bodyPr/>
+                    <a:lstStyle/>
+                    <a:p>
+                      <a:pPr algn="l" fontAlgn="ctr"/>
+                      <a:r>
+                        <a:rPr lang="en-US" sz="700" u="none" strike="noStrike">
+                          <a:effectLst/>
+                        </a:rPr>
+                        <a:t>TON</a:t>
+                      </a:r>
+                      <a:endParaRPr lang="en-US" sz="700" b="0" i="0" u="none" strike="noStrike">
+                        <a:solidFill>
+                          <a:srgbClr val="000000"/>
+                        </a:solidFill>
+                        <a:effectLst/>
+                        <a:latin typeface="Arial Narrow" panose="020B0606020202030204" pitchFamily="34" charset="0"/>
+                        <a:ea typeface="맑은 고딕" panose="020B0503020000020004" pitchFamily="50" charset="-127"/>
+                      </a:endParaRPr>
+                    </a:p>
+                  </a:txBody>
+                  <a:tcPr marL="0" marR="0" marT="0" marB="0" anchor="ctr"/>
+                </a:tc>
+                <a:tc>
+                  <a:txBody>
+                    <a:bodyPr/>
+                    <a:lstStyle/>
+                    <a:p>
+                      <a:pPr algn="l" fontAlgn="ctr"/>
+                      <a:r>
+                        <a:rPr lang="en-US" sz="900" u="none" strike="noStrike" dirty="0">
+                          <a:effectLst/>
+                        </a:rPr>
+                        <a:t>=V*RE</a:t>
+                      </a:r>
+                      <a:endParaRPr lang="en-US" sz="900" b="0" i="0" u="none" strike="noStrike" dirty="0">
+                        <a:solidFill>
+                          <a:srgbClr val="000000"/>
+                        </a:solidFill>
+                        <a:effectLst/>
+                        <a:latin typeface="Arial Narrow" panose="020B0606020202030204" pitchFamily="34" charset="0"/>
+                        <a:ea typeface="맑은 고딕" panose="020B0503020000020004" pitchFamily="50" charset="-127"/>
+                      </a:endParaRPr>
+                    </a:p>
+                  </a:txBody>
+                  <a:tcPr marL="0" marR="0" marT="0" marB="0" anchor="ctr"/>
+                </a:tc>
+                <a:extLst>
+                  <a:ext uri="{0D108BD9-81ED-4DB2-BD59-A6C34878D82A}">
+                    <a16:rowId xmlns:a16="http://schemas.microsoft.com/office/drawing/2014/main" val="3118184368"/>
+                  </a:ext>
+                </a:extLst>
+              </a:tr>
+              <a:tr h="372894">
+                <a:tc>
+                  <a:txBody>
+                    <a:bodyPr/>
+                    <a:lstStyle/>
+                    <a:p>
+                      <a:pPr algn="ctr" fontAlgn="ctr"/>
+                      <a:endParaRPr lang="en-US" sz="1200" b="0" i="0" u="none" strike="noStrike">
+                        <a:solidFill>
+                          <a:srgbClr val="000000"/>
+                        </a:solidFill>
+                        <a:effectLst/>
+                        <a:latin typeface="Arial Narrow" panose="020B0606020202030204" pitchFamily="34" charset="0"/>
+                        <a:ea typeface="맑은 고딕" panose="020B0503020000020004" pitchFamily="50" charset="-127"/>
+                      </a:endParaRPr>
+                    </a:p>
+                  </a:txBody>
+                  <a:tcPr marL="0" marR="0" marT="0" marB="0" anchor="ctr"/>
+                </a:tc>
+                <a:tc>
+                  <a:txBody>
+                    <a:bodyPr/>
+                    <a:lstStyle/>
+                    <a:p>
+                      <a:pPr algn="l" fontAlgn="ctr"/>
+                      <a:endParaRPr lang="en-US" sz="700" b="0" i="0" u="none" strike="noStrike">
+                        <a:solidFill>
+                          <a:srgbClr val="000000"/>
+                        </a:solidFill>
+                        <a:effectLst/>
+                        <a:latin typeface="Arial Narrow" panose="020B0606020202030204" pitchFamily="34" charset="0"/>
+                        <a:ea typeface="맑은 고딕" panose="020B0503020000020004" pitchFamily="50" charset="-127"/>
+                      </a:endParaRPr>
+                    </a:p>
+                  </a:txBody>
+                  <a:tcPr marL="0" marR="0" marT="0" marB="0" anchor="ctr"/>
+                </a:tc>
+                <a:tc>
+                  <a:txBody>
+                    <a:bodyPr/>
+                    <a:lstStyle/>
+                    <a:p>
+                      <a:pPr algn="l" fontAlgn="ctr"/>
+                      <a:endParaRPr lang="en-US" sz="700" b="0" i="0" u="none" strike="noStrike" dirty="0">
+                        <a:solidFill>
+                          <a:srgbClr val="000000"/>
+                        </a:solidFill>
+                        <a:effectLst/>
+                        <a:latin typeface="Arial Narrow" panose="020B0606020202030204" pitchFamily="34" charset="0"/>
+                        <a:ea typeface="맑은 고딕" panose="020B0503020000020004" pitchFamily="50" charset="-127"/>
+                      </a:endParaRPr>
+                    </a:p>
+                  </a:txBody>
+                  <a:tcPr marL="0" marR="0" marT="0" marB="0" anchor="ctr"/>
+                </a:tc>
+                <a:tc>
+                  <a:txBody>
+                    <a:bodyPr/>
+                    <a:lstStyle/>
+                    <a:p>
+                      <a:pPr algn="l" fontAlgn="ctr"/>
+                      <a:endParaRPr lang="en-US" sz="700" b="0" i="0" u="none" strike="noStrike">
+                        <a:solidFill>
+                          <a:srgbClr val="000000"/>
+                        </a:solidFill>
+                        <a:effectLst/>
+                        <a:latin typeface="Arial Narrow" panose="020B0606020202030204" pitchFamily="34" charset="0"/>
+                        <a:ea typeface="맑은 고딕" panose="020B0503020000020004" pitchFamily="50" charset="-127"/>
+                      </a:endParaRPr>
+                    </a:p>
+                  </a:txBody>
+                  <a:tcPr marL="0" marR="0" marT="0" marB="0" anchor="ctr"/>
+                </a:tc>
+                <a:tc>
+                  <a:txBody>
+                    <a:bodyPr/>
+                    <a:lstStyle/>
+                    <a:p>
+                      <a:pPr algn="l" fontAlgn="ctr"/>
+                      <a:endParaRPr lang="en-US" sz="700" b="0" i="0" u="none" strike="noStrike">
+                        <a:solidFill>
+                          <a:srgbClr val="000000"/>
+                        </a:solidFill>
+                        <a:effectLst/>
+                        <a:latin typeface="Arial Narrow" panose="020B0606020202030204" pitchFamily="34" charset="0"/>
+                        <a:ea typeface="맑은 고딕" panose="020B0503020000020004" pitchFamily="50" charset="-127"/>
+                      </a:endParaRPr>
+                    </a:p>
+                  </a:txBody>
+                  <a:tcPr marL="0" marR="0" marT="0" marB="0" anchor="ctr"/>
+                </a:tc>
+                <a:tc>
+                  <a:txBody>
+                    <a:bodyPr/>
+                    <a:lstStyle/>
+                    <a:p>
+                      <a:pPr algn="l" fontAlgn="ctr"/>
+                      <a:endParaRPr lang="en-US" sz="900" b="0" i="0" u="none" strike="noStrike" dirty="0">
+                        <a:solidFill>
+                          <a:srgbClr val="000000"/>
+                        </a:solidFill>
+                        <a:effectLst/>
+                        <a:latin typeface="Arial Narrow" panose="020B0606020202030204" pitchFamily="34" charset="0"/>
+                        <a:ea typeface="맑은 고딕" panose="020B0503020000020004" pitchFamily="50" charset="-127"/>
+                      </a:endParaRPr>
+                    </a:p>
+                  </a:txBody>
+                  <a:tcPr marL="0" marR="0" marT="0" marB="0" anchor="ctr"/>
+                </a:tc>
+                <a:extLst>
+                  <a:ext uri="{0D108BD9-81ED-4DB2-BD59-A6C34878D82A}">
+                    <a16:rowId xmlns:a16="http://schemas.microsoft.com/office/drawing/2014/main" val="2626140156"/>
+                  </a:ext>
+                </a:extLst>
+              </a:tr>
+              <a:tr h="372894">
+                <a:tc>
+                  <a:txBody>
+                    <a:bodyPr/>
+                    <a:lstStyle/>
+                    <a:p>
+                      <a:pPr algn="ctr" fontAlgn="ctr"/>
+                      <a:endParaRPr lang="en-US" sz="1200" b="0" i="0" u="none" strike="noStrike">
+                        <a:solidFill>
+                          <a:srgbClr val="000000"/>
+                        </a:solidFill>
+                        <a:effectLst/>
+                        <a:latin typeface="Arial Narrow" panose="020B0606020202030204" pitchFamily="34" charset="0"/>
+                        <a:ea typeface="맑은 고딕" panose="020B0503020000020004" pitchFamily="50" charset="-127"/>
+                      </a:endParaRPr>
+                    </a:p>
+                  </a:txBody>
+                  <a:tcPr marL="0" marR="0" marT="0" marB="0" anchor="ctr"/>
+                </a:tc>
+                <a:tc>
+                  <a:txBody>
+                    <a:bodyPr/>
+                    <a:lstStyle/>
+                    <a:p>
+                      <a:pPr algn="l" fontAlgn="ctr"/>
+                      <a:endParaRPr lang="en-US" sz="700" b="0" i="0" u="none" strike="noStrike">
+                        <a:solidFill>
+                          <a:srgbClr val="000000"/>
+                        </a:solidFill>
+                        <a:effectLst/>
+                        <a:latin typeface="Arial Narrow" panose="020B0606020202030204" pitchFamily="34" charset="0"/>
+                        <a:ea typeface="맑은 고딕" panose="020B0503020000020004" pitchFamily="50" charset="-127"/>
+                      </a:endParaRPr>
+                    </a:p>
+                  </a:txBody>
+                  <a:tcPr marL="0" marR="0" marT="0" marB="0" anchor="ctr"/>
+                </a:tc>
+                <a:tc>
+                  <a:txBody>
+                    <a:bodyPr/>
+                    <a:lstStyle/>
+                    <a:p>
+                      <a:pPr algn="l" fontAlgn="ctr"/>
+                      <a:endParaRPr lang="en-US" sz="700" b="0" i="0" u="none" strike="noStrike" dirty="0">
+                        <a:solidFill>
+                          <a:srgbClr val="000000"/>
+                        </a:solidFill>
+                        <a:effectLst/>
+                        <a:latin typeface="Arial Narrow" panose="020B0606020202030204" pitchFamily="34" charset="0"/>
+                        <a:ea typeface="맑은 고딕" panose="020B0503020000020004" pitchFamily="50" charset="-127"/>
+                      </a:endParaRPr>
+                    </a:p>
+                  </a:txBody>
+                  <a:tcPr marL="0" marR="0" marT="0" marB="0" anchor="ctr"/>
+                </a:tc>
+                <a:tc>
+                  <a:txBody>
+                    <a:bodyPr/>
+                    <a:lstStyle/>
+                    <a:p>
+                      <a:pPr algn="l" fontAlgn="ctr"/>
+                      <a:endParaRPr lang="en-US" sz="700" b="0" i="0" u="none" strike="noStrike">
+                        <a:solidFill>
+                          <a:srgbClr val="000000"/>
+                        </a:solidFill>
+                        <a:effectLst/>
+                        <a:latin typeface="Arial Narrow" panose="020B0606020202030204" pitchFamily="34" charset="0"/>
+                        <a:ea typeface="맑은 고딕" panose="020B0503020000020004" pitchFamily="50" charset="-127"/>
+                      </a:endParaRPr>
+                    </a:p>
+                  </a:txBody>
+                  <a:tcPr marL="0" marR="0" marT="0" marB="0" anchor="ctr"/>
+                </a:tc>
+                <a:tc>
+                  <a:txBody>
+                    <a:bodyPr/>
+                    <a:lstStyle/>
+                    <a:p>
+                      <a:pPr algn="l" fontAlgn="ctr"/>
+                      <a:endParaRPr lang="en-US" sz="700" b="0" i="0" u="none" strike="noStrike">
+                        <a:solidFill>
+                          <a:srgbClr val="000000"/>
+                        </a:solidFill>
+                        <a:effectLst/>
+                        <a:latin typeface="Arial Narrow" panose="020B0606020202030204" pitchFamily="34" charset="0"/>
+                        <a:ea typeface="맑은 고딕" panose="020B0503020000020004" pitchFamily="50" charset="-127"/>
+                      </a:endParaRPr>
+                    </a:p>
+                  </a:txBody>
+                  <a:tcPr marL="0" marR="0" marT="0" marB="0" anchor="ctr"/>
+                </a:tc>
+                <a:tc>
+                  <a:txBody>
+                    <a:bodyPr/>
+                    <a:lstStyle/>
+                    <a:p>
+                      <a:pPr algn="l" fontAlgn="ctr"/>
+                      <a:endParaRPr lang="en-US" sz="900" b="0" i="0" u="none" strike="noStrike" dirty="0">
+                        <a:solidFill>
+                          <a:srgbClr val="000000"/>
+                        </a:solidFill>
+                        <a:effectLst/>
+                        <a:latin typeface="Arial Narrow" panose="020B0606020202030204" pitchFamily="34" charset="0"/>
+                        <a:ea typeface="맑은 고딕" panose="020B0503020000020004" pitchFamily="50" charset="-127"/>
+                      </a:endParaRPr>
+                    </a:p>
+                  </a:txBody>
+                  <a:tcPr marL="0" marR="0" marT="0" marB="0" anchor="ctr"/>
+                </a:tc>
+                <a:extLst>
+                  <a:ext uri="{0D108BD9-81ED-4DB2-BD59-A6C34878D82A}">
+                    <a16:rowId xmlns:a16="http://schemas.microsoft.com/office/drawing/2014/main" val="955036587"/>
+                  </a:ext>
+                </a:extLst>
+              </a:tr>
+              <a:tr h="372894">
+                <a:tc>
+                  <a:txBody>
+                    <a:bodyPr/>
+                    <a:lstStyle/>
+                    <a:p>
+                      <a:pPr algn="ctr" fontAlgn="ctr"/>
+                      <a:endParaRPr lang="en-US" sz="1200" b="0" i="0" u="none" strike="noStrike">
+                        <a:solidFill>
+                          <a:srgbClr val="000000"/>
+                        </a:solidFill>
+                        <a:effectLst/>
+                        <a:latin typeface="Arial Narrow" panose="020B0606020202030204" pitchFamily="34" charset="0"/>
+                        <a:ea typeface="맑은 고딕" panose="020B0503020000020004" pitchFamily="50" charset="-127"/>
+                      </a:endParaRPr>
+                    </a:p>
+                  </a:txBody>
+                  <a:tcPr marL="0" marR="0" marT="0" marB="0" anchor="ctr"/>
+                </a:tc>
+                <a:tc>
+                  <a:txBody>
+                    <a:bodyPr/>
+                    <a:lstStyle/>
+                    <a:p>
+                      <a:pPr algn="l" fontAlgn="ctr"/>
+                      <a:endParaRPr lang="en-US" sz="700" b="0" i="0" u="none" strike="noStrike">
+                        <a:solidFill>
+                          <a:srgbClr val="000000"/>
+                        </a:solidFill>
+                        <a:effectLst/>
+                        <a:latin typeface="Arial Narrow" panose="020B0606020202030204" pitchFamily="34" charset="0"/>
+                        <a:ea typeface="맑은 고딕" panose="020B0503020000020004" pitchFamily="50" charset="-127"/>
+                      </a:endParaRPr>
+                    </a:p>
+                  </a:txBody>
+                  <a:tcPr marL="0" marR="0" marT="0" marB="0" anchor="ctr"/>
+                </a:tc>
+                <a:tc>
+                  <a:txBody>
+                    <a:bodyPr/>
+                    <a:lstStyle/>
+                    <a:p>
+                      <a:pPr algn="l" fontAlgn="ctr"/>
+                      <a:endParaRPr lang="en-US" sz="700" b="0" i="0" u="none" strike="noStrike" dirty="0">
+                        <a:solidFill>
+                          <a:srgbClr val="000000"/>
+                        </a:solidFill>
+                        <a:effectLst/>
+                        <a:latin typeface="Arial Narrow" panose="020B0606020202030204" pitchFamily="34" charset="0"/>
+                        <a:ea typeface="맑은 고딕" panose="020B0503020000020004" pitchFamily="50" charset="-127"/>
+                      </a:endParaRPr>
+                    </a:p>
+                  </a:txBody>
+                  <a:tcPr marL="0" marR="0" marT="0" marB="0" anchor="ctr"/>
+                </a:tc>
+                <a:tc>
+                  <a:txBody>
+                    <a:bodyPr/>
+                    <a:lstStyle/>
+                    <a:p>
+                      <a:pPr algn="l" fontAlgn="ctr"/>
+                      <a:endParaRPr lang="en-US" sz="700" b="0" i="0" u="none" strike="noStrike">
+                        <a:solidFill>
+                          <a:srgbClr val="000000"/>
+                        </a:solidFill>
+                        <a:effectLst/>
+                        <a:latin typeface="Arial Narrow" panose="020B0606020202030204" pitchFamily="34" charset="0"/>
+                        <a:ea typeface="맑은 고딕" panose="020B0503020000020004" pitchFamily="50" charset="-127"/>
+                      </a:endParaRPr>
+                    </a:p>
+                  </a:txBody>
+                  <a:tcPr marL="0" marR="0" marT="0" marB="0" anchor="ctr"/>
+                </a:tc>
+                <a:tc>
+                  <a:txBody>
+                    <a:bodyPr/>
+                    <a:lstStyle/>
+                    <a:p>
+                      <a:pPr algn="l" fontAlgn="ctr"/>
+                      <a:endParaRPr lang="en-US" sz="700" b="0" i="0" u="none" strike="noStrike">
+                        <a:solidFill>
+                          <a:srgbClr val="000000"/>
+                        </a:solidFill>
+                        <a:effectLst/>
+                        <a:latin typeface="Arial Narrow" panose="020B0606020202030204" pitchFamily="34" charset="0"/>
+                        <a:ea typeface="맑은 고딕" panose="020B0503020000020004" pitchFamily="50" charset="-127"/>
+                      </a:endParaRPr>
+                    </a:p>
+                  </a:txBody>
+                  <a:tcPr marL="0" marR="0" marT="0" marB="0" anchor="ctr"/>
+                </a:tc>
+                <a:tc>
+                  <a:txBody>
+                    <a:bodyPr/>
+                    <a:lstStyle/>
+                    <a:p>
+                      <a:pPr algn="l" fontAlgn="ctr"/>
+                      <a:endParaRPr lang="en-US" sz="900" b="0" i="0" u="none" strike="noStrike" dirty="0">
+                        <a:solidFill>
+                          <a:srgbClr val="000000"/>
+                        </a:solidFill>
+                        <a:effectLst/>
+                        <a:latin typeface="Arial Narrow" panose="020B0606020202030204" pitchFamily="34" charset="0"/>
+                        <a:ea typeface="맑은 고딕" panose="020B0503020000020004" pitchFamily="50" charset="-127"/>
+                      </a:endParaRPr>
+                    </a:p>
+                  </a:txBody>
+                  <a:tcPr marL="0" marR="0" marT="0" marB="0" anchor="ctr"/>
+                </a:tc>
+                <a:extLst>
+                  <a:ext uri="{0D108BD9-81ED-4DB2-BD59-A6C34878D82A}">
+                    <a16:rowId xmlns:a16="http://schemas.microsoft.com/office/drawing/2014/main" val="2205410679"/>
+                  </a:ext>
+                </a:extLst>
+              </a:tr>
+              <a:tr h="372894">
+                <a:tc>
+                  <a:txBody>
+                    <a:bodyPr/>
+                    <a:lstStyle/>
+                    <a:p>
+                      <a:pPr algn="ctr" fontAlgn="ctr"/>
+                      <a:endParaRPr lang="en-US" sz="1200" b="0" i="0" u="none" strike="noStrike">
+                        <a:solidFill>
+                          <a:srgbClr val="000000"/>
+                        </a:solidFill>
+                        <a:effectLst/>
+                        <a:latin typeface="Arial Narrow" panose="020B0606020202030204" pitchFamily="34" charset="0"/>
+                        <a:ea typeface="맑은 고딕" panose="020B0503020000020004" pitchFamily="50" charset="-127"/>
+                      </a:endParaRPr>
+                    </a:p>
+                  </a:txBody>
+                  <a:tcPr marL="0" marR="0" marT="0" marB="0" anchor="ctr"/>
+                </a:tc>
+                <a:tc>
+                  <a:txBody>
+                    <a:bodyPr/>
+                    <a:lstStyle/>
+                    <a:p>
+                      <a:pPr algn="l" fontAlgn="ctr"/>
+                      <a:endParaRPr lang="en-US" sz="700" b="0" i="0" u="none" strike="noStrike">
+                        <a:solidFill>
+                          <a:srgbClr val="000000"/>
+                        </a:solidFill>
+                        <a:effectLst/>
+                        <a:latin typeface="Arial Narrow" panose="020B0606020202030204" pitchFamily="34" charset="0"/>
+                        <a:ea typeface="맑은 고딕" panose="020B0503020000020004" pitchFamily="50" charset="-127"/>
+                      </a:endParaRPr>
+                    </a:p>
+                  </a:txBody>
+                  <a:tcPr marL="0" marR="0" marT="0" marB="0" anchor="ctr"/>
+                </a:tc>
+                <a:tc>
+                  <a:txBody>
+                    <a:bodyPr/>
+                    <a:lstStyle/>
+                    <a:p>
+                      <a:pPr algn="l" fontAlgn="ctr"/>
+                      <a:endParaRPr lang="en-US" sz="700" b="0" i="0" u="none" strike="noStrike" dirty="0">
+                        <a:solidFill>
+                          <a:srgbClr val="000000"/>
+                        </a:solidFill>
+                        <a:effectLst/>
+                        <a:latin typeface="Arial Narrow" panose="020B0606020202030204" pitchFamily="34" charset="0"/>
+                        <a:ea typeface="맑은 고딕" panose="020B0503020000020004" pitchFamily="50" charset="-127"/>
+                      </a:endParaRPr>
+                    </a:p>
+                  </a:txBody>
+                  <a:tcPr marL="0" marR="0" marT="0" marB="0" anchor="ctr"/>
+                </a:tc>
+                <a:tc>
+                  <a:txBody>
+                    <a:bodyPr/>
+                    <a:lstStyle/>
+                    <a:p>
+                      <a:pPr algn="l" fontAlgn="ctr"/>
+                      <a:endParaRPr lang="en-US" sz="700" b="0" i="0" u="none" strike="noStrike">
+                        <a:solidFill>
+                          <a:srgbClr val="000000"/>
+                        </a:solidFill>
+                        <a:effectLst/>
+                        <a:latin typeface="Arial Narrow" panose="020B0606020202030204" pitchFamily="34" charset="0"/>
+                        <a:ea typeface="맑은 고딕" panose="020B0503020000020004" pitchFamily="50" charset="-127"/>
+                      </a:endParaRPr>
+                    </a:p>
+                  </a:txBody>
+                  <a:tcPr marL="0" marR="0" marT="0" marB="0" anchor="ctr"/>
+                </a:tc>
+                <a:tc>
+                  <a:txBody>
+                    <a:bodyPr/>
+                    <a:lstStyle/>
+                    <a:p>
+                      <a:pPr algn="l" fontAlgn="ctr"/>
+                      <a:endParaRPr lang="en-US" sz="700" b="0" i="0" u="none" strike="noStrike">
+                        <a:solidFill>
+                          <a:srgbClr val="000000"/>
+                        </a:solidFill>
+                        <a:effectLst/>
+                        <a:latin typeface="Arial Narrow" panose="020B0606020202030204" pitchFamily="34" charset="0"/>
+                        <a:ea typeface="맑은 고딕" panose="020B0503020000020004" pitchFamily="50" charset="-127"/>
+                      </a:endParaRPr>
+                    </a:p>
+                  </a:txBody>
+                  <a:tcPr marL="0" marR="0" marT="0" marB="0" anchor="ctr"/>
+                </a:tc>
+                <a:tc>
+                  <a:txBody>
+                    <a:bodyPr/>
+                    <a:lstStyle/>
+                    <a:p>
+                      <a:pPr algn="l" fontAlgn="ctr"/>
+                      <a:endParaRPr lang="en-US" sz="900" b="0" i="0" u="none" strike="noStrike" dirty="0">
+                        <a:solidFill>
+                          <a:srgbClr val="000000"/>
+                        </a:solidFill>
+                        <a:effectLst/>
+                        <a:latin typeface="Arial Narrow" panose="020B0606020202030204" pitchFamily="34" charset="0"/>
+                        <a:ea typeface="맑은 고딕" panose="020B0503020000020004" pitchFamily="50" charset="-127"/>
+                      </a:endParaRPr>
+                    </a:p>
+                  </a:txBody>
+                  <a:tcPr marL="0" marR="0" marT="0" marB="0" anchor="ctr"/>
+                </a:tc>
+                <a:extLst>
+                  <a:ext uri="{0D108BD9-81ED-4DB2-BD59-A6C34878D82A}">
+                    <a16:rowId xmlns:a16="http://schemas.microsoft.com/office/drawing/2014/main" val="3958806887"/>
+                  </a:ext>
+                </a:extLst>
+              </a:tr>
+              <a:tr h="372894">
+                <a:tc>
+                  <a:txBody>
+                    <a:bodyPr/>
+                    <a:lstStyle/>
+                    <a:p>
+                      <a:pPr algn="ctr" fontAlgn="ctr"/>
+                      <a:endParaRPr lang="en-US" sz="1200" b="0" i="0" u="none" strike="noStrike">
+                        <a:solidFill>
+                          <a:srgbClr val="000000"/>
+                        </a:solidFill>
+                        <a:effectLst/>
+                        <a:latin typeface="Arial Narrow" panose="020B0606020202030204" pitchFamily="34" charset="0"/>
+                        <a:ea typeface="맑은 고딕" panose="020B0503020000020004" pitchFamily="50" charset="-127"/>
+                      </a:endParaRPr>
+                    </a:p>
+                  </a:txBody>
+                  <a:tcPr marL="0" marR="0" marT="0" marB="0" anchor="ctr"/>
+                </a:tc>
+                <a:tc>
+                  <a:txBody>
+                    <a:bodyPr/>
+                    <a:lstStyle/>
+                    <a:p>
+                      <a:pPr algn="l" fontAlgn="ctr"/>
+                      <a:endParaRPr lang="en-US" sz="700" b="0" i="0" u="none" strike="noStrike">
+                        <a:solidFill>
+                          <a:srgbClr val="000000"/>
+                        </a:solidFill>
+                        <a:effectLst/>
+                        <a:latin typeface="Arial Narrow" panose="020B0606020202030204" pitchFamily="34" charset="0"/>
+                        <a:ea typeface="맑은 고딕" panose="020B0503020000020004" pitchFamily="50" charset="-127"/>
+                      </a:endParaRPr>
+                    </a:p>
+                  </a:txBody>
+                  <a:tcPr marL="0" marR="0" marT="0" marB="0" anchor="ctr"/>
+                </a:tc>
+                <a:tc>
+                  <a:txBody>
+                    <a:bodyPr/>
+                    <a:lstStyle/>
+                    <a:p>
+                      <a:pPr algn="l" fontAlgn="ctr"/>
+                      <a:endParaRPr lang="en-US" sz="700" b="0" i="0" u="none" strike="noStrike" dirty="0">
+                        <a:solidFill>
+                          <a:srgbClr val="000000"/>
+                        </a:solidFill>
+                        <a:effectLst/>
+                        <a:latin typeface="Arial Narrow" panose="020B0606020202030204" pitchFamily="34" charset="0"/>
+                        <a:ea typeface="맑은 고딕" panose="020B0503020000020004" pitchFamily="50" charset="-127"/>
+                      </a:endParaRPr>
+                    </a:p>
+                  </a:txBody>
+                  <a:tcPr marL="0" marR="0" marT="0" marB="0" anchor="ctr"/>
+                </a:tc>
+                <a:tc>
+                  <a:txBody>
+                    <a:bodyPr/>
+                    <a:lstStyle/>
+                    <a:p>
+                      <a:pPr algn="l" fontAlgn="ctr"/>
+                      <a:endParaRPr lang="en-US" sz="700" b="0" i="0" u="none" strike="noStrike">
+                        <a:solidFill>
+                          <a:srgbClr val="000000"/>
+                        </a:solidFill>
+                        <a:effectLst/>
+                        <a:latin typeface="Arial Narrow" panose="020B0606020202030204" pitchFamily="34" charset="0"/>
+                        <a:ea typeface="맑은 고딕" panose="020B0503020000020004" pitchFamily="50" charset="-127"/>
+                      </a:endParaRPr>
+                    </a:p>
+                  </a:txBody>
+                  <a:tcPr marL="0" marR="0" marT="0" marB="0" anchor="ctr"/>
+                </a:tc>
+                <a:tc>
+                  <a:txBody>
+                    <a:bodyPr/>
+                    <a:lstStyle/>
+                    <a:p>
+                      <a:pPr algn="l" fontAlgn="ctr"/>
+                      <a:endParaRPr lang="en-US" sz="700" b="0" i="0" u="none" strike="noStrike">
+                        <a:solidFill>
+                          <a:srgbClr val="000000"/>
+                        </a:solidFill>
+                        <a:effectLst/>
+                        <a:latin typeface="Arial Narrow" panose="020B0606020202030204" pitchFamily="34" charset="0"/>
+                        <a:ea typeface="맑은 고딕" panose="020B0503020000020004" pitchFamily="50" charset="-127"/>
+                      </a:endParaRPr>
+                    </a:p>
+                  </a:txBody>
+                  <a:tcPr marL="0" marR="0" marT="0" marB="0" anchor="ctr"/>
+                </a:tc>
+                <a:tc>
+                  <a:txBody>
+                    <a:bodyPr/>
+                    <a:lstStyle/>
+                    <a:p>
+                      <a:pPr algn="l" fontAlgn="ctr"/>
+                      <a:endParaRPr lang="en-US" sz="900" b="0" i="0" u="none" strike="noStrike" dirty="0">
+                        <a:solidFill>
+                          <a:srgbClr val="000000"/>
+                        </a:solidFill>
+                        <a:effectLst/>
+                        <a:latin typeface="Arial Narrow" panose="020B0606020202030204" pitchFamily="34" charset="0"/>
+                        <a:ea typeface="맑은 고딕" panose="020B0503020000020004" pitchFamily="50" charset="-127"/>
+                      </a:endParaRPr>
+                    </a:p>
+                  </a:txBody>
+                  <a:tcPr marL="0" marR="0" marT="0" marB="0" anchor="ctr"/>
+                </a:tc>
+                <a:extLst>
+                  <a:ext uri="{0D108BD9-81ED-4DB2-BD59-A6C34878D82A}">
+                    <a16:rowId xmlns:a16="http://schemas.microsoft.com/office/drawing/2014/main" val="677430634"/>
+                  </a:ext>
+                </a:extLst>
+              </a:tr>
+            </a:tbl>
+          </a:graphicData>
+        </a:graphic>
+      </p:graphicFrame>
+      <p:sp>
+        <p:nvSpPr>
+          <p:cNvPr id="27" name="직사각형 26">
+            <a:extLst>
+              <a:ext uri="{FF2B5EF4-FFF2-40B4-BE49-F238E27FC236}">
+                <a16:creationId xmlns:a16="http://schemas.microsoft.com/office/drawing/2014/main" id="{31E50C5D-9057-ADD0-6F77-DED6A6C6DE88}"/>
+              </a:ext>
+            </a:extLst>
+          </p:cNvPr>
+          <p:cNvSpPr/>
+          <p:nvPr/>
+        </p:nvSpPr>
+        <p:spPr>
+          <a:xfrm>
+            <a:off x="7181850" y="1285289"/>
+            <a:ext cx="1152248" cy="137976"/>
+          </a:xfrm>
+          <a:prstGeom prst="rect">
+            <a:avLst/>
+          </a:prstGeom>
+          <a:solidFill>
+            <a:schemeClr val="accent2">
+              <a:lumMod val="20000"/>
+              <a:lumOff val="80000"/>
+            </a:schemeClr>
+          </a:solidFill>
+        </p:spPr>
+        <p:style>
+          <a:lnRef idx="2">
+            <a:schemeClr val="accent1">
+              <a:shade val="15000"/>
+            </a:schemeClr>
+          </a:lnRef>
+          <a:fillRef idx="1">
+            <a:schemeClr val="accent1"/>
+          </a:fillRef>
+          <a:effectRef idx="0">
+            <a:schemeClr val="accent1"/>
+          </a:effectRef>
+          <a:fontRef idx="minor">
+            <a:schemeClr val="lt1"/>
+          </a:fontRef>
+        </p:style>
+        <p:txBody>
+          <a:bodyPr rtlCol="0" anchor="ctr"/>
+          <a:lstStyle/>
+          <a:p>
+            <a:pPr algn="ctr"/>
+            <a:r>
+              <a:rPr lang="en-US" altLang="ko-KR" sz="900" dirty="0">
+                <a:solidFill>
+                  <a:schemeClr val="tx1"/>
+                </a:solidFill>
+              </a:rPr>
+              <a:t>Select</a:t>
+            </a:r>
+            <a:r>
+              <a:rPr lang="ko-KR" altLang="en-US" sz="900" dirty="0">
+                <a:solidFill>
+                  <a:schemeClr val="tx1"/>
+                </a:solidFill>
+              </a:rPr>
+              <a:t> </a:t>
+            </a:r>
+            <a:r>
+              <a:rPr lang="en-US" altLang="ko-KR" sz="900" dirty="0">
+                <a:solidFill>
+                  <a:schemeClr val="tx1"/>
+                </a:solidFill>
+              </a:rPr>
+              <a:t>All / None</a:t>
+            </a:r>
+            <a:endParaRPr lang="ko-KR" altLang="en-US" sz="900" dirty="0">
+              <a:solidFill>
+                <a:schemeClr val="tx1"/>
+              </a:solidFill>
+            </a:endParaRPr>
+          </a:p>
+        </p:txBody>
+      </p:sp>
+    </p:spTree>
+    <p:extLst>
+      <p:ext uri="{BB962C8B-B14F-4D97-AF65-F5344CB8AC3E}">
+        <p14:creationId xmlns:p14="http://schemas.microsoft.com/office/powerpoint/2010/main" val="3600137718"/>
+      </p:ext>
+    </p:extLst>
+  </p:cSld>
+  <p:clrMapOvr>
+    <a:masterClrMapping/>
+  </p:clrMapOvr>
+</p:sld>
+</file>
+
 <file path=ppt/slides/slide3.xml><?xml version="1.0" encoding="utf-8"?>
 <p:sld xmlns:a="http://schemas.openxmlformats.org/drawingml/2006/main" xmlns:r="http://schemas.openxmlformats.org/officeDocument/2006/relationships" xmlns:p="http://schemas.openxmlformats.org/presentationml/2006/main">
   <p:cSld>

--- a/H_FamilyList_FP/화면정의서.pptx
+++ b/H_FamilyList_FP/화면정의서.pptx
@@ -25,7 +25,6 @@
     <p:sldId id="270" r:id="rId19"/>
     <p:sldId id="274" r:id="rId20"/>
     <p:sldId id="275" r:id="rId21"/>
-    <p:sldId id="277" r:id="rId22"/>
   </p:sldIdLst>
   <p:sldSz cx="12192000" cy="6858000"/>
   <p:notesSz cx="6858000" cy="9144000"/>
@@ -279,7 +278,7 @@
           <a:p>
             <a:fld id="{9DC0FBBE-1B54-474B-A1EF-57FEDE0B6A08}" type="datetimeFigureOut">
               <a:rPr lang="ko-KR" altLang="en-US" smtClean="0"/>
-              <a:t>2025-01-08</a:t>
+              <a:t>2025-01-09</a:t>
             </a:fld>
             <a:endParaRPr lang="ko-KR" altLang="en-US"/>
           </a:p>
@@ -477,7 +476,7 @@
           <a:p>
             <a:fld id="{9DC0FBBE-1B54-474B-A1EF-57FEDE0B6A08}" type="datetimeFigureOut">
               <a:rPr lang="ko-KR" altLang="en-US" smtClean="0"/>
-              <a:t>2025-01-08</a:t>
+              <a:t>2025-01-09</a:t>
             </a:fld>
             <a:endParaRPr lang="ko-KR" altLang="en-US"/>
           </a:p>
@@ -685,7 +684,7 @@
           <a:p>
             <a:fld id="{9DC0FBBE-1B54-474B-A1EF-57FEDE0B6A08}" type="datetimeFigureOut">
               <a:rPr lang="ko-KR" altLang="en-US" smtClean="0"/>
-              <a:t>2025-01-08</a:t>
+              <a:t>2025-01-09</a:t>
             </a:fld>
             <a:endParaRPr lang="ko-KR" altLang="en-US"/>
           </a:p>
@@ -883,7 +882,7 @@
           <a:p>
             <a:fld id="{9DC0FBBE-1B54-474B-A1EF-57FEDE0B6A08}" type="datetimeFigureOut">
               <a:rPr lang="ko-KR" altLang="en-US" smtClean="0"/>
-              <a:t>2025-01-08</a:t>
+              <a:t>2025-01-09</a:t>
             </a:fld>
             <a:endParaRPr lang="ko-KR" altLang="en-US"/>
           </a:p>
@@ -1158,7 +1157,7 @@
           <a:p>
             <a:fld id="{9DC0FBBE-1B54-474B-A1EF-57FEDE0B6A08}" type="datetimeFigureOut">
               <a:rPr lang="ko-KR" altLang="en-US" smtClean="0"/>
-              <a:t>2025-01-08</a:t>
+              <a:t>2025-01-09</a:t>
             </a:fld>
             <a:endParaRPr lang="ko-KR" altLang="en-US"/>
           </a:p>
@@ -1423,7 +1422,7 @@
           <a:p>
             <a:fld id="{9DC0FBBE-1B54-474B-A1EF-57FEDE0B6A08}" type="datetimeFigureOut">
               <a:rPr lang="ko-KR" altLang="en-US" smtClean="0"/>
-              <a:t>2025-01-08</a:t>
+              <a:t>2025-01-09</a:t>
             </a:fld>
             <a:endParaRPr lang="ko-KR" altLang="en-US"/>
           </a:p>
@@ -1835,7 +1834,7 @@
           <a:p>
             <a:fld id="{9DC0FBBE-1B54-474B-A1EF-57FEDE0B6A08}" type="datetimeFigureOut">
               <a:rPr lang="ko-KR" altLang="en-US" smtClean="0"/>
-              <a:t>2025-01-08</a:t>
+              <a:t>2025-01-09</a:t>
             </a:fld>
             <a:endParaRPr lang="ko-KR" altLang="en-US"/>
           </a:p>
@@ -1976,7 +1975,7 @@
           <a:p>
             <a:fld id="{9DC0FBBE-1B54-474B-A1EF-57FEDE0B6A08}" type="datetimeFigureOut">
               <a:rPr lang="ko-KR" altLang="en-US" smtClean="0"/>
-              <a:t>2025-01-08</a:t>
+              <a:t>2025-01-09</a:t>
             </a:fld>
             <a:endParaRPr lang="ko-KR" altLang="en-US"/>
           </a:p>
@@ -2089,7 +2088,7 @@
           <a:p>
             <a:fld id="{9DC0FBBE-1B54-474B-A1EF-57FEDE0B6A08}" type="datetimeFigureOut">
               <a:rPr lang="ko-KR" altLang="en-US" smtClean="0"/>
-              <a:t>2025-01-08</a:t>
+              <a:t>2025-01-09</a:t>
             </a:fld>
             <a:endParaRPr lang="ko-KR" altLang="en-US"/>
           </a:p>
@@ -2400,7 +2399,7 @@
           <a:p>
             <a:fld id="{9DC0FBBE-1B54-474B-A1EF-57FEDE0B6A08}" type="datetimeFigureOut">
               <a:rPr lang="ko-KR" altLang="en-US" smtClean="0"/>
-              <a:t>2025-01-08</a:t>
+              <a:t>2025-01-09</a:t>
             </a:fld>
             <a:endParaRPr lang="ko-KR" altLang="en-US"/>
           </a:p>
@@ -2688,7 +2687,7 @@
           <a:p>
             <a:fld id="{9DC0FBBE-1B54-474B-A1EF-57FEDE0B6A08}" type="datetimeFigureOut">
               <a:rPr lang="ko-KR" altLang="en-US" smtClean="0"/>
-              <a:t>2025-01-08</a:t>
+              <a:t>2025-01-09</a:t>
             </a:fld>
             <a:endParaRPr lang="ko-KR" altLang="en-US"/>
           </a:p>
@@ -2929,7 +2928,7 @@
           <a:p>
             <a:fld id="{9DC0FBBE-1B54-474B-A1EF-57FEDE0B6A08}" type="datetimeFigureOut">
               <a:rPr lang="ko-KR" altLang="en-US" smtClean="0"/>
-              <a:t>2025-01-08</a:t>
+              <a:t>2025-01-09</a:t>
             </a:fld>
             <a:endParaRPr lang="ko-KR" altLang="en-US"/>
           </a:p>
@@ -20140,2247 +20139,6 @@
 </p:sld>
 </file>
 
-<file path=ppt/slides/slide21.xml><?xml version="1.0" encoding="utf-8"?>
-<p:sld xmlns:a="http://schemas.openxmlformats.org/drawingml/2006/main" xmlns:r="http://schemas.openxmlformats.org/officeDocument/2006/relationships" xmlns:p="http://schemas.openxmlformats.org/presentationml/2006/main">
-  <p:cSld>
-    <p:spTree>
-      <p:nvGrpSpPr>
-        <p:cNvPr id="1" name=""/>
-        <p:cNvGrpSpPr/>
-        <p:nvPr/>
-      </p:nvGrpSpPr>
-      <p:grpSpPr>
-        <a:xfrm>
-          <a:off x="0" y="0"/>
-          <a:ext cx="0" cy="0"/>
-          <a:chOff x="0" y="0"/>
-          <a:chExt cx="0" cy="0"/>
-        </a:xfrm>
-      </p:grpSpPr>
-      <p:pic>
-        <p:nvPicPr>
-          <p:cNvPr id="5" name="그림 4">
-            <a:extLst>
-              <a:ext uri="{FF2B5EF4-FFF2-40B4-BE49-F238E27FC236}">
-                <a16:creationId xmlns:a16="http://schemas.microsoft.com/office/drawing/2014/main" id="{CE453613-61B3-6190-9158-5290CBA39FEE}"/>
-              </a:ext>
-            </a:extLst>
-          </p:cNvPr>
-          <p:cNvPicPr>
-            <a:picLocks noChangeAspect="1"/>
-          </p:cNvPicPr>
-          <p:nvPr/>
-        </p:nvPicPr>
-        <p:blipFill>
-          <a:blip r:embed="rId2"/>
-          <a:stretch>
-            <a:fillRect/>
-          </a:stretch>
-        </p:blipFill>
-        <p:spPr>
-          <a:xfrm>
-            <a:off x="0" y="152400"/>
-            <a:ext cx="12192000" cy="6553200"/>
-          </a:xfrm>
-          <a:prstGeom prst="rect">
-            <a:avLst/>
-          </a:prstGeom>
-        </p:spPr>
-      </p:pic>
-      <p:sp>
-        <p:nvSpPr>
-          <p:cNvPr id="6" name="직사각형 5">
-            <a:extLst>
-              <a:ext uri="{FF2B5EF4-FFF2-40B4-BE49-F238E27FC236}">
-                <a16:creationId xmlns:a16="http://schemas.microsoft.com/office/drawing/2014/main" id="{DDE4B47E-DB6A-D7FB-6CAF-D8EB416E46D1}"/>
-              </a:ext>
-            </a:extLst>
-          </p:cNvPr>
-          <p:cNvSpPr/>
-          <p:nvPr/>
-        </p:nvSpPr>
-        <p:spPr>
-          <a:xfrm>
-            <a:off x="696141" y="846094"/>
-            <a:ext cx="1019447" cy="137976"/>
-          </a:xfrm>
-          <a:prstGeom prst="rect">
-            <a:avLst/>
-          </a:prstGeom>
-        </p:spPr>
-        <p:style>
-          <a:lnRef idx="2">
-            <a:schemeClr val="accent1">
-              <a:shade val="15000"/>
-            </a:schemeClr>
-          </a:lnRef>
-          <a:fillRef idx="1">
-            <a:schemeClr val="accent1"/>
-          </a:fillRef>
-          <a:effectRef idx="0">
-            <a:schemeClr val="accent1"/>
-          </a:effectRef>
-          <a:fontRef idx="minor">
-            <a:schemeClr val="lt1"/>
-          </a:fontRef>
-        </p:style>
-        <p:txBody>
-          <a:bodyPr rtlCol="0" anchor="ctr"/>
-          <a:lstStyle/>
-          <a:p>
-            <a:pPr algn="ctr"/>
-            <a:r>
-              <a:rPr lang="en-US" altLang="ko-KR" sz="900" dirty="0"/>
-              <a:t>Select</a:t>
-            </a:r>
-            <a:r>
-              <a:rPr lang="ko-KR" altLang="en-US" sz="900" dirty="0"/>
-              <a:t> </a:t>
-            </a:r>
-            <a:r>
-              <a:rPr lang="en-US" altLang="ko-KR" sz="900" dirty="0"/>
-              <a:t>Building</a:t>
-            </a:r>
-            <a:endParaRPr lang="ko-KR" altLang="en-US" sz="900" dirty="0"/>
-          </a:p>
-        </p:txBody>
-      </p:sp>
-      <p:sp>
-        <p:nvSpPr>
-          <p:cNvPr id="7" name="직사각형 6">
-            <a:extLst>
-              <a:ext uri="{FF2B5EF4-FFF2-40B4-BE49-F238E27FC236}">
-                <a16:creationId xmlns:a16="http://schemas.microsoft.com/office/drawing/2014/main" id="{9DE61457-3DE7-A062-C067-CF6BB7C7C6A4}"/>
-              </a:ext>
-            </a:extLst>
-          </p:cNvPr>
-          <p:cNvSpPr/>
-          <p:nvPr/>
-        </p:nvSpPr>
-        <p:spPr>
-          <a:xfrm>
-            <a:off x="2710931" y="1480456"/>
-            <a:ext cx="2488457" cy="2789051"/>
-          </a:xfrm>
-          <a:prstGeom prst="rect">
-            <a:avLst/>
-          </a:prstGeom>
-          <a:noFill/>
-          <a:ln>
-            <a:solidFill>
-              <a:srgbClr val="FF00FF"/>
-            </a:solidFill>
-            <a:prstDash val="dash"/>
-          </a:ln>
-        </p:spPr>
-        <p:style>
-          <a:lnRef idx="2">
-            <a:schemeClr val="accent1">
-              <a:shade val="15000"/>
-            </a:schemeClr>
-          </a:lnRef>
-          <a:fillRef idx="1">
-            <a:schemeClr val="accent1"/>
-          </a:fillRef>
-          <a:effectRef idx="0">
-            <a:schemeClr val="accent1"/>
-          </a:effectRef>
-          <a:fontRef idx="minor">
-            <a:schemeClr val="lt1"/>
-          </a:fontRef>
-        </p:style>
-        <p:txBody>
-          <a:bodyPr rtlCol="0" anchor="t"/>
-          <a:lstStyle/>
-          <a:p>
-            <a:pPr>
-              <a:lnSpc>
-                <a:spcPct val="150000"/>
-              </a:lnSpc>
-            </a:pPr>
-            <a:r>
-              <a:rPr lang="pt-BR" altLang="ko-KR" sz="900" b="0" i="0" u="none" strike="noStrike" dirty="0">
-                <a:solidFill>
-                  <a:schemeClr val="tx1"/>
-                </a:solidFill>
-                <a:effectLst/>
-                <a:ea typeface="맑은 고딕" panose="020B0503020000020004" pitchFamily="50" charset="-127"/>
-              </a:rPr>
-              <a:t>H_FL_AR_S17_RC Slab_RS1 T150</a:t>
-            </a:r>
-            <a:r>
-              <a:rPr lang="pt-BR" altLang="ko-KR" sz="900" dirty="0">
-                <a:solidFill>
-                  <a:schemeClr val="tx1"/>
-                </a:solidFill>
-              </a:rPr>
-              <a:t> </a:t>
-            </a:r>
-          </a:p>
-          <a:p>
-            <a:pPr>
-              <a:lnSpc>
-                <a:spcPct val="150000"/>
-              </a:lnSpc>
-            </a:pPr>
-            <a:r>
-              <a:rPr lang="pt-BR" altLang="ko-KR" sz="900" dirty="0">
-                <a:solidFill>
-                  <a:schemeClr val="tx1"/>
-                </a:solidFill>
-              </a:rPr>
-              <a:t>H_FL_AR_S17_RC Slab_2S1 T150 30 MPa</a:t>
-            </a:r>
-            <a:endParaRPr lang="ko-KR" altLang="en-US" sz="900" dirty="0">
-              <a:solidFill>
-                <a:schemeClr val="tx1"/>
-              </a:solidFill>
-            </a:endParaRPr>
-          </a:p>
-        </p:txBody>
-      </p:sp>
-      <p:sp>
-        <p:nvSpPr>
-          <p:cNvPr id="8" name="직사각형 7">
-            <a:extLst>
-              <a:ext uri="{FF2B5EF4-FFF2-40B4-BE49-F238E27FC236}">
-                <a16:creationId xmlns:a16="http://schemas.microsoft.com/office/drawing/2014/main" id="{69E7578E-4130-76B5-0720-7A5165DA6B61}"/>
-              </a:ext>
-            </a:extLst>
-          </p:cNvPr>
-          <p:cNvSpPr/>
-          <p:nvPr/>
-        </p:nvSpPr>
-        <p:spPr>
-          <a:xfrm>
-            <a:off x="2710932" y="4876800"/>
-            <a:ext cx="2488456" cy="1221508"/>
-          </a:xfrm>
-          <a:prstGeom prst="rect">
-            <a:avLst/>
-          </a:prstGeom>
-          <a:noFill/>
-          <a:ln>
-            <a:solidFill>
-              <a:srgbClr val="FF00FF"/>
-            </a:solidFill>
-            <a:prstDash val="dash"/>
-          </a:ln>
-        </p:spPr>
-        <p:style>
-          <a:lnRef idx="2">
-            <a:schemeClr val="accent1">
-              <a:shade val="15000"/>
-            </a:schemeClr>
-          </a:lnRef>
-          <a:fillRef idx="1">
-            <a:schemeClr val="accent1"/>
-          </a:fillRef>
-          <a:effectRef idx="0">
-            <a:schemeClr val="accent1"/>
-          </a:effectRef>
-          <a:fontRef idx="minor">
-            <a:schemeClr val="lt1"/>
-          </a:fontRef>
-        </p:style>
-        <p:txBody>
-          <a:bodyPr rtlCol="0" anchor="ctr"/>
-          <a:lstStyle/>
-          <a:p>
-            <a:endParaRPr lang="ko-KR" altLang="en-US" sz="800" dirty="0">
-              <a:solidFill>
-                <a:schemeClr val="tx1"/>
-              </a:solidFill>
-            </a:endParaRPr>
-          </a:p>
-        </p:txBody>
-      </p:sp>
-      <p:sp>
-        <p:nvSpPr>
-          <p:cNvPr id="9" name="화살표: 아래쪽 8">
-            <a:extLst>
-              <a:ext uri="{FF2B5EF4-FFF2-40B4-BE49-F238E27FC236}">
-                <a16:creationId xmlns:a16="http://schemas.microsoft.com/office/drawing/2014/main" id="{97F6FDAC-A26F-0DE2-6AB2-59809CDD6269}"/>
-              </a:ext>
-            </a:extLst>
-          </p:cNvPr>
-          <p:cNvSpPr/>
-          <p:nvPr/>
-        </p:nvSpPr>
-        <p:spPr>
-          <a:xfrm>
-            <a:off x="4084321" y="4368502"/>
-            <a:ext cx="182880" cy="409303"/>
-          </a:xfrm>
-          <a:prstGeom prst="downArrow">
-            <a:avLst/>
-          </a:prstGeom>
-        </p:spPr>
-        <p:style>
-          <a:lnRef idx="2">
-            <a:schemeClr val="accent1">
-              <a:shade val="15000"/>
-            </a:schemeClr>
-          </a:lnRef>
-          <a:fillRef idx="1">
-            <a:schemeClr val="accent1"/>
-          </a:fillRef>
-          <a:effectRef idx="0">
-            <a:schemeClr val="accent1"/>
-          </a:effectRef>
-          <a:fontRef idx="minor">
-            <a:schemeClr val="lt1"/>
-          </a:fontRef>
-        </p:style>
-        <p:txBody>
-          <a:bodyPr rtlCol="0" anchor="ctr"/>
-          <a:lstStyle/>
-          <a:p>
-            <a:pPr algn="ctr"/>
-            <a:endParaRPr lang="ko-KR" altLang="en-US"/>
-          </a:p>
-        </p:txBody>
-      </p:sp>
-      <p:sp>
-        <p:nvSpPr>
-          <p:cNvPr id="10" name="화살표: 아래쪽 9">
-            <a:extLst>
-              <a:ext uri="{FF2B5EF4-FFF2-40B4-BE49-F238E27FC236}">
-                <a16:creationId xmlns:a16="http://schemas.microsoft.com/office/drawing/2014/main" id="{40A26720-E1B2-45B4-BEAB-1952FC9A7E1E}"/>
-              </a:ext>
-            </a:extLst>
-          </p:cNvPr>
-          <p:cNvSpPr/>
-          <p:nvPr/>
-        </p:nvSpPr>
-        <p:spPr>
-          <a:xfrm rot="10800000">
-            <a:off x="3326675" y="4368502"/>
-            <a:ext cx="182880" cy="409303"/>
-          </a:xfrm>
-          <a:prstGeom prst="downArrow">
-            <a:avLst/>
-          </a:prstGeom>
-        </p:spPr>
-        <p:style>
-          <a:lnRef idx="2">
-            <a:schemeClr val="accent1">
-              <a:shade val="15000"/>
-            </a:schemeClr>
-          </a:lnRef>
-          <a:fillRef idx="1">
-            <a:schemeClr val="accent1"/>
-          </a:fillRef>
-          <a:effectRef idx="0">
-            <a:schemeClr val="accent1"/>
-          </a:effectRef>
-          <a:fontRef idx="minor">
-            <a:schemeClr val="lt1"/>
-          </a:fontRef>
-        </p:style>
-        <p:txBody>
-          <a:bodyPr rtlCol="0" anchor="ctr"/>
-          <a:lstStyle/>
-          <a:p>
-            <a:pPr algn="ctr"/>
-            <a:endParaRPr lang="ko-KR" altLang="en-US"/>
-          </a:p>
-        </p:txBody>
-      </p:sp>
-      <p:sp>
-        <p:nvSpPr>
-          <p:cNvPr id="11" name="TextBox 10">
-            <a:extLst>
-              <a:ext uri="{FF2B5EF4-FFF2-40B4-BE49-F238E27FC236}">
-                <a16:creationId xmlns:a16="http://schemas.microsoft.com/office/drawing/2014/main" id="{69EF4A1E-BE43-A07A-5EE2-76D6F6B486E6}"/>
-              </a:ext>
-            </a:extLst>
-          </p:cNvPr>
-          <p:cNvSpPr txBox="1"/>
-          <p:nvPr/>
-        </p:nvSpPr>
-        <p:spPr>
-          <a:xfrm>
-            <a:off x="2710932" y="4615190"/>
-            <a:ext cx="506870" cy="261610"/>
-          </a:xfrm>
-          <a:prstGeom prst="rect">
-            <a:avLst/>
-          </a:prstGeom>
-          <a:noFill/>
-        </p:spPr>
-        <p:txBody>
-          <a:bodyPr wrap="none" rtlCol="0">
-            <a:spAutoFit/>
-          </a:bodyPr>
-          <a:lstStyle/>
-          <a:p>
-            <a:r>
-              <a:rPr lang="en-US" altLang="ko-KR" sz="1050" dirty="0"/>
-              <a:t>Entry</a:t>
-            </a:r>
-            <a:endParaRPr lang="ko-KR" altLang="en-US" sz="1050" dirty="0"/>
-          </a:p>
-        </p:txBody>
-      </p:sp>
-      <p:sp>
-        <p:nvSpPr>
-          <p:cNvPr id="12" name="TextBox 11">
-            <a:extLst>
-              <a:ext uri="{FF2B5EF4-FFF2-40B4-BE49-F238E27FC236}">
-                <a16:creationId xmlns:a16="http://schemas.microsoft.com/office/drawing/2014/main" id="{23853BAF-01BB-0607-160C-7FA3F10DC205}"/>
-              </a:ext>
-            </a:extLst>
-          </p:cNvPr>
-          <p:cNvSpPr txBox="1"/>
-          <p:nvPr/>
-        </p:nvSpPr>
-        <p:spPr>
-          <a:xfrm>
-            <a:off x="2710932" y="1169349"/>
-            <a:ext cx="1080745" cy="253916"/>
-          </a:xfrm>
-          <a:prstGeom prst="rect">
-            <a:avLst/>
-          </a:prstGeom>
-          <a:noFill/>
-        </p:spPr>
-        <p:txBody>
-          <a:bodyPr wrap="none" rtlCol="0">
-            <a:spAutoFit/>
-          </a:bodyPr>
-          <a:lstStyle/>
-          <a:p>
-            <a:r>
-              <a:rPr lang="en-US" altLang="ko-KR" sz="1050" dirty="0"/>
-              <a:t>Assigned for : </a:t>
-            </a:r>
-            <a:endParaRPr lang="ko-KR" altLang="en-US" sz="1050" dirty="0"/>
-          </a:p>
-        </p:txBody>
-      </p:sp>
-      <p:sp>
-        <p:nvSpPr>
-          <p:cNvPr id="13" name="TextBox 12">
-            <a:extLst>
-              <a:ext uri="{FF2B5EF4-FFF2-40B4-BE49-F238E27FC236}">
-                <a16:creationId xmlns:a16="http://schemas.microsoft.com/office/drawing/2014/main" id="{B815558F-13B4-EB8D-9EC7-E14642FEFC0D}"/>
-              </a:ext>
-            </a:extLst>
-          </p:cNvPr>
-          <p:cNvSpPr txBox="1"/>
-          <p:nvPr/>
-        </p:nvSpPr>
-        <p:spPr>
-          <a:xfrm>
-            <a:off x="3700261" y="1169349"/>
-            <a:ext cx="1499128" cy="253916"/>
-          </a:xfrm>
-          <a:prstGeom prst="rect">
-            <a:avLst/>
-          </a:prstGeom>
-          <a:noFill/>
-        </p:spPr>
-        <p:txBody>
-          <a:bodyPr wrap="none" rtlCol="0">
-            <a:spAutoFit/>
-          </a:bodyPr>
-          <a:lstStyle/>
-          <a:p>
-            <a:r>
-              <a:rPr lang="en-US" altLang="ko-KR" sz="1050" dirty="0">
-                <a:solidFill>
-                  <a:srgbClr val="0000FF"/>
-                </a:solidFill>
-              </a:rPr>
-              <a:t>H_FL_AR S17_RC Slab</a:t>
-            </a:r>
-            <a:endParaRPr lang="ko-KR" altLang="en-US" sz="1050" dirty="0">
-              <a:solidFill>
-                <a:srgbClr val="0000FF"/>
-              </a:solidFill>
-            </a:endParaRPr>
-          </a:p>
-        </p:txBody>
-      </p:sp>
-      <p:sp>
-        <p:nvSpPr>
-          <p:cNvPr id="14" name="TextBox 13">
-            <a:extLst>
-              <a:ext uri="{FF2B5EF4-FFF2-40B4-BE49-F238E27FC236}">
-                <a16:creationId xmlns:a16="http://schemas.microsoft.com/office/drawing/2014/main" id="{FFEEC939-484E-31FD-520F-8F5708EE9A3F}"/>
-              </a:ext>
-            </a:extLst>
-          </p:cNvPr>
-          <p:cNvSpPr txBox="1"/>
-          <p:nvPr/>
-        </p:nvSpPr>
-        <p:spPr>
-          <a:xfrm>
-            <a:off x="1827918" y="788124"/>
-            <a:ext cx="409086" cy="253916"/>
-          </a:xfrm>
-          <a:prstGeom prst="rect">
-            <a:avLst/>
-          </a:prstGeom>
-          <a:noFill/>
-        </p:spPr>
-        <p:txBody>
-          <a:bodyPr wrap="none" rtlCol="0">
-            <a:spAutoFit/>
-          </a:bodyPr>
-          <a:lstStyle/>
-          <a:p>
-            <a:r>
-              <a:rPr lang="en-US" altLang="ko-KR" sz="1050" dirty="0"/>
-              <a:t>STB</a:t>
-            </a:r>
-            <a:endParaRPr lang="ko-KR" altLang="en-US" sz="1050" dirty="0"/>
-          </a:p>
-        </p:txBody>
-      </p:sp>
-      <p:sp>
-        <p:nvSpPr>
-          <p:cNvPr id="15" name="직사각형 14">
-            <a:extLst>
-              <a:ext uri="{FF2B5EF4-FFF2-40B4-BE49-F238E27FC236}">
-                <a16:creationId xmlns:a16="http://schemas.microsoft.com/office/drawing/2014/main" id="{3255BBA7-9D1A-A471-CBD4-8DBE5823B238}"/>
-              </a:ext>
-            </a:extLst>
-          </p:cNvPr>
-          <p:cNvSpPr/>
-          <p:nvPr/>
-        </p:nvSpPr>
-        <p:spPr>
-          <a:xfrm>
-            <a:off x="2710932" y="1733006"/>
-            <a:ext cx="2488456" cy="248194"/>
-          </a:xfrm>
-          <a:prstGeom prst="rect">
-            <a:avLst/>
-          </a:prstGeom>
-          <a:solidFill>
-            <a:schemeClr val="accent4">
-              <a:lumMod val="60000"/>
-              <a:lumOff val="40000"/>
-              <a:alpha val="46000"/>
-            </a:schemeClr>
-          </a:solidFill>
-          <a:ln>
-            <a:noFill/>
-          </a:ln>
-        </p:spPr>
-        <p:style>
-          <a:lnRef idx="2">
-            <a:schemeClr val="accent1">
-              <a:shade val="15000"/>
-            </a:schemeClr>
-          </a:lnRef>
-          <a:fillRef idx="1">
-            <a:schemeClr val="accent1"/>
-          </a:fillRef>
-          <a:effectRef idx="0">
-            <a:schemeClr val="accent1"/>
-          </a:effectRef>
-          <a:fontRef idx="minor">
-            <a:schemeClr val="lt1"/>
-          </a:fontRef>
-        </p:style>
-        <p:txBody>
-          <a:bodyPr rtlCol="0" anchor="ctr"/>
-          <a:lstStyle/>
-          <a:p>
-            <a:pPr algn="ctr"/>
-            <a:endParaRPr lang="ko-KR" altLang="en-US"/>
-          </a:p>
-        </p:txBody>
-      </p:sp>
-      <p:sp>
-        <p:nvSpPr>
-          <p:cNvPr id="17" name="직사각형 16">
-            <a:extLst>
-              <a:ext uri="{FF2B5EF4-FFF2-40B4-BE49-F238E27FC236}">
-                <a16:creationId xmlns:a16="http://schemas.microsoft.com/office/drawing/2014/main" id="{8933FD8F-4430-C917-7E6D-1BB0E32078BF}"/>
-              </a:ext>
-            </a:extLst>
-          </p:cNvPr>
-          <p:cNvSpPr/>
-          <p:nvPr/>
-        </p:nvSpPr>
-        <p:spPr>
-          <a:xfrm>
-            <a:off x="45917" y="3180806"/>
-            <a:ext cx="2488456" cy="248194"/>
-          </a:xfrm>
-          <a:prstGeom prst="rect">
-            <a:avLst/>
-          </a:prstGeom>
-          <a:solidFill>
-            <a:schemeClr val="accent4">
-              <a:lumMod val="60000"/>
-              <a:lumOff val="40000"/>
-              <a:alpha val="46000"/>
-            </a:schemeClr>
-          </a:solidFill>
-          <a:ln>
-            <a:noFill/>
-          </a:ln>
-        </p:spPr>
-        <p:style>
-          <a:lnRef idx="2">
-            <a:schemeClr val="accent1">
-              <a:shade val="15000"/>
-            </a:schemeClr>
-          </a:lnRef>
-          <a:fillRef idx="1">
-            <a:schemeClr val="accent1"/>
-          </a:fillRef>
-          <a:effectRef idx="0">
-            <a:schemeClr val="accent1"/>
-          </a:effectRef>
-          <a:fontRef idx="minor">
-            <a:schemeClr val="lt1"/>
-          </a:fontRef>
-        </p:style>
-        <p:txBody>
-          <a:bodyPr rtlCol="0" anchor="ctr"/>
-          <a:lstStyle/>
-          <a:p>
-            <a:pPr algn="ctr"/>
-            <a:endParaRPr lang="ko-KR" altLang="en-US"/>
-          </a:p>
-        </p:txBody>
-      </p:sp>
-      <p:graphicFrame>
-        <p:nvGraphicFramePr>
-          <p:cNvPr id="18" name="표 17">
-            <a:extLst>
-              <a:ext uri="{FF2B5EF4-FFF2-40B4-BE49-F238E27FC236}">
-                <a16:creationId xmlns:a16="http://schemas.microsoft.com/office/drawing/2014/main" id="{B5E9E0A8-B906-37D8-AA51-AF340DA038F8}"/>
-              </a:ext>
-            </a:extLst>
-          </p:cNvPr>
-          <p:cNvGraphicFramePr>
-            <a:graphicFrameLocks noGrp="1"/>
-          </p:cNvGraphicFramePr>
-          <p:nvPr>
-            <p:extLst>
-              <p:ext uri="{D42A27DB-BD31-4B8C-83A1-F6EECF244321}">
-                <p14:modId xmlns:p14="http://schemas.microsoft.com/office/powerpoint/2010/main" val="1177967835"/>
-              </p:ext>
-            </p:extLst>
-          </p:nvPr>
-        </p:nvGraphicFramePr>
-        <p:xfrm>
-          <a:off x="5343802" y="1480456"/>
-          <a:ext cx="1540175" cy="1828800"/>
-        </p:xfrm>
-        <a:graphic>
-          <a:graphicData uri="http://schemas.openxmlformats.org/drawingml/2006/table">
-            <a:tbl>
-              <a:tblPr firstRow="1" bandRow="1">
-                <a:tableStyleId>{5940675A-B579-460E-94D1-54222C63F5DA}</a:tableStyleId>
-              </a:tblPr>
-              <a:tblGrid>
-                <a:gridCol w="288206">
-                  <a:extLst>
-                    <a:ext uri="{9D8B030D-6E8A-4147-A177-3AD203B41FA5}">
-                      <a16:colId xmlns:a16="http://schemas.microsoft.com/office/drawing/2014/main" val="2880091077"/>
-                    </a:ext>
-                  </a:extLst>
-                </a:gridCol>
-                <a:gridCol w="1251969">
-                  <a:extLst>
-                    <a:ext uri="{9D8B030D-6E8A-4147-A177-3AD203B41FA5}">
-                      <a16:colId xmlns:a16="http://schemas.microsoft.com/office/drawing/2014/main" val="2851344051"/>
-                    </a:ext>
-                  </a:extLst>
-                </a:gridCol>
-              </a:tblGrid>
-              <a:tr h="192646">
-                <a:tc>
-                  <a:txBody>
-                    <a:bodyPr/>
-                    <a:lstStyle/>
-                    <a:p>
-                      <a:pPr algn="ctr" latinLnBrk="1"/>
-                      <a:endParaRPr lang="ko-KR" altLang="en-US" dirty="0"/>
-                    </a:p>
-                  </a:txBody>
-                  <a:tcPr/>
-                </a:tc>
-                <a:tc>
-                  <a:txBody>
-                    <a:bodyPr/>
-                    <a:lstStyle/>
-                    <a:p>
-                      <a:pPr latinLnBrk="1"/>
-                      <a:r>
-                        <a:rPr lang="en-US" altLang="ko-KR" sz="1100" dirty="0">
-                          <a:solidFill>
-                            <a:schemeClr val="tx1"/>
-                          </a:solidFill>
-                        </a:rPr>
-                        <a:t>RC-AG</a:t>
-                      </a:r>
-                      <a:endParaRPr lang="ko-KR" altLang="en-US" sz="1100" dirty="0"/>
-                    </a:p>
-                  </a:txBody>
-                  <a:tcPr/>
-                </a:tc>
-                <a:extLst>
-                  <a:ext uri="{0D108BD9-81ED-4DB2-BD59-A6C34878D82A}">
-                    <a16:rowId xmlns:a16="http://schemas.microsoft.com/office/drawing/2014/main" val="258683091"/>
-                  </a:ext>
-                </a:extLst>
-              </a:tr>
-              <a:tr h="177868">
-                <a:tc>
-                  <a:txBody>
-                    <a:bodyPr/>
-                    <a:lstStyle/>
-                    <a:p>
-                      <a:pPr marL="0" marR="0" lvl="0" indent="0" algn="ctr" defTabSz="914400" rtl="0" eaLnBrk="1" fontAlgn="auto" latinLnBrk="1" hangingPunct="1">
-                        <a:lnSpc>
-                          <a:spcPct val="100000"/>
-                        </a:lnSpc>
-                        <a:spcBef>
-                          <a:spcPts val="0"/>
-                        </a:spcBef>
-                        <a:spcAft>
-                          <a:spcPts val="0"/>
-                        </a:spcAft>
-                        <a:buClrTx/>
-                        <a:buSzTx/>
-                        <a:buFontTx/>
-                        <a:buNone/>
-                        <a:tabLst/>
-                        <a:defRPr/>
-                      </a:pPr>
-                      <a:r>
-                        <a:rPr lang="ko-KR" altLang="en-US" dirty="0"/>
-                        <a:t>✓</a:t>
-                      </a:r>
-                    </a:p>
-                  </a:txBody>
-                  <a:tcPr/>
-                </a:tc>
-                <a:tc>
-                  <a:txBody>
-                    <a:bodyPr/>
-                    <a:lstStyle/>
-                    <a:p>
-                      <a:pPr marL="0" marR="0" lvl="0" indent="0" algn="l" defTabSz="914400" rtl="0" eaLnBrk="1" fontAlgn="auto" latinLnBrk="1" hangingPunct="1">
-                        <a:lnSpc>
-                          <a:spcPct val="100000"/>
-                        </a:lnSpc>
-                        <a:spcBef>
-                          <a:spcPts val="0"/>
-                        </a:spcBef>
-                        <a:spcAft>
-                          <a:spcPts val="0"/>
-                        </a:spcAft>
-                        <a:buClrTx/>
-                        <a:buSzTx/>
-                        <a:buFontTx/>
-                        <a:buNone/>
-                        <a:tabLst/>
-                        <a:defRPr/>
-                      </a:pPr>
-                      <a:r>
-                        <a:rPr lang="en-US" altLang="ko-KR" sz="1100" dirty="0">
-                          <a:solidFill>
-                            <a:schemeClr val="tx1"/>
-                          </a:solidFill>
-                        </a:rPr>
-                        <a:t>RC-AG::30MPa</a:t>
-                      </a:r>
-                      <a:endParaRPr lang="ko-KR" altLang="en-US" sz="1100" dirty="0">
-                        <a:solidFill>
-                          <a:schemeClr val="tx1"/>
-                        </a:solidFill>
-                      </a:endParaRPr>
-                    </a:p>
-                  </a:txBody>
-                  <a:tcPr/>
-                </a:tc>
-                <a:extLst>
-                  <a:ext uri="{0D108BD9-81ED-4DB2-BD59-A6C34878D82A}">
-                    <a16:rowId xmlns:a16="http://schemas.microsoft.com/office/drawing/2014/main" val="264297246"/>
-                  </a:ext>
-                </a:extLst>
-              </a:tr>
-              <a:tr h="311662">
-                <a:tc>
-                  <a:txBody>
-                    <a:bodyPr/>
-                    <a:lstStyle/>
-                    <a:p>
-                      <a:pPr algn="ctr" latinLnBrk="1"/>
-                      <a:endParaRPr lang="ko-KR" altLang="en-US"/>
-                    </a:p>
-                  </a:txBody>
-                  <a:tcPr/>
-                </a:tc>
-                <a:tc>
-                  <a:txBody>
-                    <a:bodyPr/>
-                    <a:lstStyle/>
-                    <a:p>
-                      <a:pPr latinLnBrk="1"/>
-                      <a:endParaRPr lang="ko-KR" altLang="en-US" sz="1100" dirty="0"/>
-                    </a:p>
-                  </a:txBody>
-                  <a:tcPr/>
-                </a:tc>
-                <a:extLst>
-                  <a:ext uri="{0D108BD9-81ED-4DB2-BD59-A6C34878D82A}">
-                    <a16:rowId xmlns:a16="http://schemas.microsoft.com/office/drawing/2014/main" val="159775522"/>
-                  </a:ext>
-                </a:extLst>
-              </a:tr>
-              <a:tr h="311662">
-                <a:tc>
-                  <a:txBody>
-                    <a:bodyPr/>
-                    <a:lstStyle/>
-                    <a:p>
-                      <a:pPr algn="ctr" latinLnBrk="1"/>
-                      <a:endParaRPr lang="ko-KR" altLang="en-US"/>
-                    </a:p>
-                  </a:txBody>
-                  <a:tcPr/>
-                </a:tc>
-                <a:tc>
-                  <a:txBody>
-                    <a:bodyPr/>
-                    <a:lstStyle/>
-                    <a:p>
-                      <a:pPr latinLnBrk="1"/>
-                      <a:endParaRPr lang="ko-KR" altLang="en-US" sz="1100" dirty="0"/>
-                    </a:p>
-                  </a:txBody>
-                  <a:tcPr/>
-                </a:tc>
-                <a:extLst>
-                  <a:ext uri="{0D108BD9-81ED-4DB2-BD59-A6C34878D82A}">
-                    <a16:rowId xmlns:a16="http://schemas.microsoft.com/office/drawing/2014/main" val="856595834"/>
-                  </a:ext>
-                </a:extLst>
-              </a:tr>
-              <a:tr h="311662">
-                <a:tc>
-                  <a:txBody>
-                    <a:bodyPr/>
-                    <a:lstStyle/>
-                    <a:p>
-                      <a:pPr algn="ctr" latinLnBrk="1"/>
-                      <a:endParaRPr lang="ko-KR" altLang="en-US" dirty="0"/>
-                    </a:p>
-                  </a:txBody>
-                  <a:tcPr/>
-                </a:tc>
-                <a:tc>
-                  <a:txBody>
-                    <a:bodyPr/>
-                    <a:lstStyle/>
-                    <a:p>
-                      <a:pPr latinLnBrk="1"/>
-                      <a:endParaRPr lang="ko-KR" altLang="en-US" sz="1100" dirty="0"/>
-                    </a:p>
-                  </a:txBody>
-                  <a:tcPr/>
-                </a:tc>
-                <a:extLst>
-                  <a:ext uri="{0D108BD9-81ED-4DB2-BD59-A6C34878D82A}">
-                    <a16:rowId xmlns:a16="http://schemas.microsoft.com/office/drawing/2014/main" val="3584855405"/>
-                  </a:ext>
-                </a:extLst>
-              </a:tr>
-            </a:tbl>
-          </a:graphicData>
-        </a:graphic>
-      </p:graphicFrame>
-      <p:sp>
-        <p:nvSpPr>
-          <p:cNvPr id="20" name="직사각형 19">
-            <a:extLst>
-              <a:ext uri="{FF2B5EF4-FFF2-40B4-BE49-F238E27FC236}">
-                <a16:creationId xmlns:a16="http://schemas.microsoft.com/office/drawing/2014/main" id="{90B292B2-EF5A-9D3B-5212-0982F4E8B81F}"/>
-              </a:ext>
-            </a:extLst>
-          </p:cNvPr>
-          <p:cNvSpPr/>
-          <p:nvPr/>
-        </p:nvSpPr>
-        <p:spPr>
-          <a:xfrm>
-            <a:off x="5343802" y="1285289"/>
-            <a:ext cx="1152248" cy="137976"/>
-          </a:xfrm>
-          <a:prstGeom prst="rect">
-            <a:avLst/>
-          </a:prstGeom>
-          <a:solidFill>
-            <a:schemeClr val="accent2">
-              <a:lumMod val="20000"/>
-              <a:lumOff val="80000"/>
-            </a:schemeClr>
-          </a:solidFill>
-        </p:spPr>
-        <p:style>
-          <a:lnRef idx="2">
-            <a:schemeClr val="accent1">
-              <a:shade val="15000"/>
-            </a:schemeClr>
-          </a:lnRef>
-          <a:fillRef idx="1">
-            <a:schemeClr val="accent1"/>
-          </a:fillRef>
-          <a:effectRef idx="0">
-            <a:schemeClr val="accent1"/>
-          </a:effectRef>
-          <a:fontRef idx="minor">
-            <a:schemeClr val="lt1"/>
-          </a:fontRef>
-        </p:style>
-        <p:txBody>
-          <a:bodyPr rtlCol="0" anchor="ctr"/>
-          <a:lstStyle/>
-          <a:p>
-            <a:pPr algn="ctr"/>
-            <a:r>
-              <a:rPr lang="en-US" altLang="ko-KR" sz="900" dirty="0">
-                <a:solidFill>
-                  <a:schemeClr val="tx1"/>
-                </a:solidFill>
-              </a:rPr>
-              <a:t>Select</a:t>
-            </a:r>
-            <a:r>
-              <a:rPr lang="ko-KR" altLang="en-US" sz="900" dirty="0">
-                <a:solidFill>
-                  <a:schemeClr val="tx1"/>
-                </a:solidFill>
-              </a:rPr>
-              <a:t> </a:t>
-            </a:r>
-            <a:r>
-              <a:rPr lang="en-US" altLang="ko-KR" sz="900" dirty="0">
-                <a:solidFill>
-                  <a:schemeClr val="tx1"/>
-                </a:solidFill>
-              </a:rPr>
-              <a:t>All / None</a:t>
-            </a:r>
-            <a:endParaRPr lang="ko-KR" altLang="en-US" sz="900" dirty="0">
-              <a:solidFill>
-                <a:schemeClr val="tx1"/>
-              </a:solidFill>
-            </a:endParaRPr>
-          </a:p>
-        </p:txBody>
-      </p:sp>
-      <p:sp>
-        <p:nvSpPr>
-          <p:cNvPr id="25" name="TextBox 24">
-            <a:extLst>
-              <a:ext uri="{FF2B5EF4-FFF2-40B4-BE49-F238E27FC236}">
-                <a16:creationId xmlns:a16="http://schemas.microsoft.com/office/drawing/2014/main" id="{CF8C64C2-5397-799D-81EB-BAAD62956ECE}"/>
-              </a:ext>
-            </a:extLst>
-          </p:cNvPr>
-          <p:cNvSpPr txBox="1"/>
-          <p:nvPr/>
-        </p:nvSpPr>
-        <p:spPr>
-          <a:xfrm>
-            <a:off x="8400325" y="982760"/>
-            <a:ext cx="3477490" cy="313547"/>
-          </a:xfrm>
-          <a:prstGeom prst="rect">
-            <a:avLst/>
-          </a:prstGeom>
-          <a:noFill/>
-        </p:spPr>
-        <p:txBody>
-          <a:bodyPr wrap="square">
-            <a:spAutoFit/>
-          </a:bodyPr>
-          <a:lstStyle/>
-          <a:p>
-            <a:pPr>
-              <a:lnSpc>
-                <a:spcPct val="150000"/>
-              </a:lnSpc>
-            </a:pPr>
-            <a:r>
-              <a:rPr lang="ko-KR" altLang="en-US" sz="1100" dirty="0">
-                <a:solidFill>
-                  <a:schemeClr val="tx1"/>
-                </a:solidFill>
-                <a:ea typeface="맑은 고딕" panose="020B0503020000020004" pitchFamily="50" charset="-127"/>
-              </a:rPr>
-              <a:t>체크된 </a:t>
-            </a:r>
-            <a:r>
-              <a:rPr lang="en-US" altLang="ko-KR" sz="1100" dirty="0">
-                <a:solidFill>
-                  <a:schemeClr val="tx1"/>
-                </a:solidFill>
-                <a:ea typeface="맑은 고딕" panose="020B0503020000020004" pitchFamily="50" charset="-127"/>
-              </a:rPr>
-              <a:t>GWM/SWM</a:t>
-            </a:r>
-            <a:r>
-              <a:rPr lang="ko-KR" altLang="en-US" sz="1100" dirty="0">
-                <a:solidFill>
-                  <a:schemeClr val="tx1"/>
-                </a:solidFill>
-                <a:ea typeface="맑은 고딕" panose="020B0503020000020004" pitchFamily="50" charset="-127"/>
-              </a:rPr>
-              <a:t>에 해당하는 모든 </a:t>
-            </a:r>
-            <a:r>
-              <a:rPr lang="en-US" altLang="ko-KR" sz="1100" dirty="0">
-                <a:solidFill>
-                  <a:schemeClr val="tx1"/>
-                </a:solidFill>
-                <a:ea typeface="맑은 고딕" panose="020B0503020000020004" pitchFamily="50" charset="-127"/>
-              </a:rPr>
-              <a:t>WM </a:t>
-            </a:r>
-            <a:r>
-              <a:rPr lang="ko-KR" altLang="en-US" sz="1100" dirty="0">
-                <a:solidFill>
-                  <a:schemeClr val="tx1"/>
-                </a:solidFill>
-                <a:ea typeface="맑은 고딕" panose="020B0503020000020004" pitchFamily="50" charset="-127"/>
-              </a:rPr>
-              <a:t>이 나열됨</a:t>
-            </a:r>
-            <a:endParaRPr lang="ko-KR" altLang="en-US" sz="1100" dirty="0">
-              <a:solidFill>
-                <a:schemeClr val="tx1"/>
-              </a:solidFill>
-            </a:endParaRPr>
-          </a:p>
-        </p:txBody>
-      </p:sp>
-      <p:graphicFrame>
-        <p:nvGraphicFramePr>
-          <p:cNvPr id="26" name="표 25">
-            <a:extLst>
-              <a:ext uri="{FF2B5EF4-FFF2-40B4-BE49-F238E27FC236}">
-                <a16:creationId xmlns:a16="http://schemas.microsoft.com/office/drawing/2014/main" id="{99F4E8E5-2EFD-7C3F-B115-FA985358F181}"/>
-              </a:ext>
-            </a:extLst>
-          </p:cNvPr>
-          <p:cNvGraphicFramePr>
-            <a:graphicFrameLocks noGrp="1"/>
-          </p:cNvGraphicFramePr>
-          <p:nvPr>
-            <p:extLst>
-              <p:ext uri="{D42A27DB-BD31-4B8C-83A1-F6EECF244321}">
-                <p14:modId xmlns:p14="http://schemas.microsoft.com/office/powerpoint/2010/main" val="43805928"/>
-              </p:ext>
-            </p:extLst>
-          </p:nvPr>
-        </p:nvGraphicFramePr>
-        <p:xfrm>
-          <a:off x="7181850" y="1480456"/>
-          <a:ext cx="4695967" cy="2983152"/>
-        </p:xfrm>
-        <a:graphic>
-          <a:graphicData uri="http://schemas.openxmlformats.org/drawingml/2006/table">
-            <a:tbl>
-              <a:tblPr>
-                <a:tableStyleId>{5940675A-B579-460E-94D1-54222C63F5DA}</a:tableStyleId>
-              </a:tblPr>
-              <a:tblGrid>
-                <a:gridCol w="336128">
-                  <a:extLst>
-                    <a:ext uri="{9D8B030D-6E8A-4147-A177-3AD203B41FA5}">
-                      <a16:colId xmlns:a16="http://schemas.microsoft.com/office/drawing/2014/main" val="2590470271"/>
-                    </a:ext>
-                  </a:extLst>
-                </a:gridCol>
-                <a:gridCol w="397297">
-                  <a:extLst>
-                    <a:ext uri="{9D8B030D-6E8A-4147-A177-3AD203B41FA5}">
-                      <a16:colId xmlns:a16="http://schemas.microsoft.com/office/drawing/2014/main" val="1751783114"/>
-                    </a:ext>
-                  </a:extLst>
-                </a:gridCol>
-                <a:gridCol w="3037084">
-                  <a:extLst>
-                    <a:ext uri="{9D8B030D-6E8A-4147-A177-3AD203B41FA5}">
-                      <a16:colId xmlns:a16="http://schemas.microsoft.com/office/drawing/2014/main" val="4004188966"/>
-                    </a:ext>
-                  </a:extLst>
-                </a:gridCol>
-                <a:gridCol w="302511">
-                  <a:extLst>
-                    <a:ext uri="{9D8B030D-6E8A-4147-A177-3AD203B41FA5}">
-                      <a16:colId xmlns:a16="http://schemas.microsoft.com/office/drawing/2014/main" val="2929073054"/>
-                    </a:ext>
-                  </a:extLst>
-                </a:gridCol>
-                <a:gridCol w="258023">
-                  <a:extLst>
-                    <a:ext uri="{9D8B030D-6E8A-4147-A177-3AD203B41FA5}">
-                      <a16:colId xmlns:a16="http://schemas.microsoft.com/office/drawing/2014/main" val="298705633"/>
-                    </a:ext>
-                  </a:extLst>
-                </a:gridCol>
-                <a:gridCol w="364924">
-                  <a:extLst>
-                    <a:ext uri="{9D8B030D-6E8A-4147-A177-3AD203B41FA5}">
-                      <a16:colId xmlns:a16="http://schemas.microsoft.com/office/drawing/2014/main" val="2058580796"/>
-                    </a:ext>
-                  </a:extLst>
-                </a:gridCol>
-              </a:tblGrid>
-              <a:tr h="372894">
-                <a:tc>
-                  <a:txBody>
-                    <a:bodyPr/>
-                    <a:lstStyle/>
-                    <a:p>
-                      <a:pPr algn="ctr" fontAlgn="ctr"/>
-                      <a:r>
-                        <a:rPr lang="en-US" sz="1200" b="0" i="0" u="none" strike="noStrike" dirty="0">
-                          <a:solidFill>
-                            <a:srgbClr val="000000"/>
-                          </a:solidFill>
-                          <a:effectLst/>
-                          <a:latin typeface="Arial Narrow" panose="020B0606020202030204" pitchFamily="34" charset="0"/>
-                          <a:ea typeface="맑은 고딕" panose="020B0503020000020004" pitchFamily="50" charset="-127"/>
-                        </a:rPr>
-                        <a:t>✓</a:t>
-                      </a:r>
-                    </a:p>
-                  </a:txBody>
-                  <a:tcPr marL="0" marR="0" marT="0" marB="0" anchor="ctr"/>
-                </a:tc>
-                <a:tc>
-                  <a:txBody>
-                    <a:bodyPr/>
-                    <a:lstStyle/>
-                    <a:p>
-                      <a:pPr algn="l" fontAlgn="ctr"/>
-                      <a:r>
-                        <a:rPr lang="en-US" sz="700" u="none" strike="noStrike" dirty="0">
-                          <a:effectLst/>
-                        </a:rPr>
-                        <a:t>Concrete</a:t>
-                      </a:r>
-                      <a:endParaRPr lang="en-US" sz="700" b="0" i="0" u="none" strike="noStrike" dirty="0">
-                        <a:solidFill>
-                          <a:srgbClr val="000000"/>
-                        </a:solidFill>
-                        <a:effectLst/>
-                        <a:latin typeface="Arial Narrow" panose="020B0606020202030204" pitchFamily="34" charset="0"/>
-                        <a:ea typeface="맑은 고딕" panose="020B0503020000020004" pitchFamily="50" charset="-127"/>
-                      </a:endParaRPr>
-                    </a:p>
-                  </a:txBody>
-                  <a:tcPr marL="0" marR="0" marT="0" marB="0" anchor="ctr"/>
-                </a:tc>
-                <a:tc>
-                  <a:txBody>
-                    <a:bodyPr/>
-                    <a:lstStyle/>
-                    <a:p>
-                      <a:pPr algn="l" fontAlgn="ctr"/>
-                      <a:r>
-                        <a:rPr lang="en-US" sz="700" u="none" strike="noStrike">
-                          <a:effectLst/>
-                        </a:rPr>
-                        <a:t>A03AF032-00019 Concrete Work Superstructure Work Structural Concrete  Cement Type-1 30MPa ≤ F'c (Cylinder Strength) &lt; 35MPa     </a:t>
-                      </a:r>
-                      <a:endParaRPr lang="en-US" sz="700" b="0" i="0" u="none" strike="noStrike">
-                        <a:solidFill>
-                          <a:srgbClr val="000000"/>
-                        </a:solidFill>
-                        <a:effectLst/>
-                        <a:latin typeface="Arial Narrow" panose="020B0606020202030204" pitchFamily="34" charset="0"/>
-                        <a:ea typeface="맑은 고딕" panose="020B0503020000020004" pitchFamily="50" charset="-127"/>
-                      </a:endParaRPr>
-                    </a:p>
-                  </a:txBody>
-                  <a:tcPr marL="0" marR="0" marT="0" marB="0" anchor="ctr"/>
-                </a:tc>
-                <a:tc>
-                  <a:txBody>
-                    <a:bodyPr/>
-                    <a:lstStyle/>
-                    <a:p>
-                      <a:pPr algn="l" fontAlgn="ctr"/>
-                      <a:r>
-                        <a:rPr lang="en-US" sz="700" u="none" strike="noStrike">
-                          <a:effectLst/>
-                        </a:rPr>
-                        <a:t>30MPa</a:t>
-                      </a:r>
-                      <a:endParaRPr lang="en-US" sz="700" b="0" i="0" u="none" strike="noStrike">
-                        <a:solidFill>
-                          <a:srgbClr val="000000"/>
-                        </a:solidFill>
-                        <a:effectLst/>
-                        <a:latin typeface="Arial Narrow" panose="020B0606020202030204" pitchFamily="34" charset="0"/>
-                        <a:ea typeface="맑은 고딕" panose="020B0503020000020004" pitchFamily="50" charset="-127"/>
-                      </a:endParaRPr>
-                    </a:p>
-                  </a:txBody>
-                  <a:tcPr marL="0" marR="0" marT="0" marB="0" anchor="ctr"/>
-                </a:tc>
-                <a:tc>
-                  <a:txBody>
-                    <a:bodyPr/>
-                    <a:lstStyle/>
-                    <a:p>
-                      <a:pPr algn="l" fontAlgn="ctr"/>
-                      <a:r>
-                        <a:rPr lang="en-US" sz="700" u="none" strike="noStrike">
-                          <a:effectLst/>
-                        </a:rPr>
-                        <a:t>M3</a:t>
-                      </a:r>
-                      <a:endParaRPr lang="en-US" sz="700" b="0" i="0" u="none" strike="noStrike">
-                        <a:solidFill>
-                          <a:srgbClr val="000000"/>
-                        </a:solidFill>
-                        <a:effectLst/>
-                        <a:latin typeface="Arial Narrow" panose="020B0606020202030204" pitchFamily="34" charset="0"/>
-                        <a:ea typeface="맑은 고딕" panose="020B0503020000020004" pitchFamily="50" charset="-127"/>
-                      </a:endParaRPr>
-                    </a:p>
-                  </a:txBody>
-                  <a:tcPr marL="0" marR="0" marT="0" marB="0" anchor="ctr"/>
-                </a:tc>
-                <a:tc>
-                  <a:txBody>
-                    <a:bodyPr/>
-                    <a:lstStyle/>
-                    <a:p>
-                      <a:pPr algn="l" fontAlgn="ctr"/>
-                      <a:r>
-                        <a:rPr lang="en-US" sz="900" u="none" strike="noStrike">
-                          <a:effectLst/>
-                        </a:rPr>
-                        <a:t>=V</a:t>
-                      </a:r>
-                      <a:endParaRPr lang="en-US" sz="900" b="0" i="0" u="none" strike="noStrike">
-                        <a:solidFill>
-                          <a:srgbClr val="000000"/>
-                        </a:solidFill>
-                        <a:effectLst/>
-                        <a:latin typeface="Arial Narrow" panose="020B0606020202030204" pitchFamily="34" charset="0"/>
-                        <a:ea typeface="맑은 고딕" panose="020B0503020000020004" pitchFamily="50" charset="-127"/>
-                      </a:endParaRPr>
-                    </a:p>
-                  </a:txBody>
-                  <a:tcPr marL="0" marR="0" marT="0" marB="0" anchor="ctr"/>
-                </a:tc>
-                <a:extLst>
-                  <a:ext uri="{0D108BD9-81ED-4DB2-BD59-A6C34878D82A}">
-                    <a16:rowId xmlns:a16="http://schemas.microsoft.com/office/drawing/2014/main" val="2303837531"/>
-                  </a:ext>
-                </a:extLst>
-              </a:tr>
-              <a:tr h="372894">
-                <a:tc>
-                  <a:txBody>
-                    <a:bodyPr/>
-                    <a:lstStyle/>
-                    <a:p>
-                      <a:pPr algn="ctr" fontAlgn="ctr"/>
-                      <a:r>
-                        <a:rPr lang="en-US" altLang="ko-KR" sz="1200" b="0" i="0" u="none" strike="noStrike" dirty="0">
-                          <a:solidFill>
-                            <a:srgbClr val="000000"/>
-                          </a:solidFill>
-                          <a:effectLst/>
-                          <a:latin typeface="Arial Narrow" panose="020B0606020202030204" pitchFamily="34" charset="0"/>
-                          <a:ea typeface="+mn-ea"/>
-                        </a:rPr>
-                        <a:t>✓</a:t>
-                      </a:r>
-                      <a:endParaRPr lang="en-US" sz="1200" b="0" i="0" u="none" strike="noStrike" dirty="0">
-                        <a:solidFill>
-                          <a:srgbClr val="000000"/>
-                        </a:solidFill>
-                        <a:effectLst/>
-                        <a:latin typeface="Arial Narrow" panose="020B0606020202030204" pitchFamily="34" charset="0"/>
-                        <a:ea typeface="맑은 고딕" panose="020B0503020000020004" pitchFamily="50" charset="-127"/>
-                      </a:endParaRPr>
-                    </a:p>
-                  </a:txBody>
-                  <a:tcPr marL="0" marR="0" marT="0" marB="0" anchor="ctr"/>
-                </a:tc>
-                <a:tc>
-                  <a:txBody>
-                    <a:bodyPr/>
-                    <a:lstStyle/>
-                    <a:p>
-                      <a:pPr algn="l" fontAlgn="ctr"/>
-                      <a:r>
-                        <a:rPr lang="en-US" sz="700" u="none" strike="noStrike">
-                          <a:effectLst/>
-                        </a:rPr>
-                        <a:t>Form1</a:t>
-                      </a:r>
-                      <a:endParaRPr lang="en-US" sz="700" b="0" i="0" u="none" strike="noStrike">
-                        <a:solidFill>
-                          <a:srgbClr val="000000"/>
-                        </a:solidFill>
-                        <a:effectLst/>
-                        <a:latin typeface="Arial Narrow" panose="020B0606020202030204" pitchFamily="34" charset="0"/>
-                        <a:ea typeface="맑은 고딕" panose="020B0503020000020004" pitchFamily="50" charset="-127"/>
-                      </a:endParaRPr>
-                    </a:p>
-                  </a:txBody>
-                  <a:tcPr marL="0" marR="0" marT="0" marB="0" anchor="ctr"/>
-                </a:tc>
-                <a:tc>
-                  <a:txBody>
-                    <a:bodyPr/>
-                    <a:lstStyle/>
-                    <a:p>
-                      <a:pPr algn="l" fontAlgn="ctr"/>
-                      <a:r>
-                        <a:rPr lang="en-US" sz="700" u="none" strike="noStrike">
-                          <a:effectLst/>
-                        </a:rPr>
-                        <a:t>A03AF036-00001 Concrete Work Superstructure Work Form Work (1 time in use) Flat Form     Dressed Lumber, Plywood or Steel Form(Wood Planks are not Allowed) incl. Chamfer  </a:t>
-                      </a:r>
-                      <a:endParaRPr lang="en-US" sz="700" b="0" i="0" u="none" strike="noStrike">
-                        <a:solidFill>
-                          <a:srgbClr val="000000"/>
-                        </a:solidFill>
-                        <a:effectLst/>
-                        <a:latin typeface="Arial Narrow" panose="020B0606020202030204" pitchFamily="34" charset="0"/>
-                        <a:ea typeface="맑은 고딕" panose="020B0503020000020004" pitchFamily="50" charset="-127"/>
-                      </a:endParaRPr>
-                    </a:p>
-                  </a:txBody>
-                  <a:tcPr marL="0" marR="0" marT="0" marB="0" anchor="ctr"/>
-                </a:tc>
-                <a:tc>
-                  <a:txBody>
-                    <a:bodyPr/>
-                    <a:lstStyle/>
-                    <a:p>
-                      <a:pPr algn="l" fontAlgn="ctr"/>
-                      <a:r>
-                        <a:rPr lang="en-US" altLang="ko-KR" sz="700" u="none" strike="noStrike">
-                          <a:effectLst/>
-                        </a:rPr>
-                        <a:t>0</a:t>
-                      </a:r>
-                      <a:endParaRPr lang="en-US" altLang="ko-KR" sz="700" b="0" i="0" u="none" strike="noStrike">
-                        <a:solidFill>
-                          <a:srgbClr val="000000"/>
-                        </a:solidFill>
-                        <a:effectLst/>
-                        <a:latin typeface="Arial Narrow" panose="020B0606020202030204" pitchFamily="34" charset="0"/>
-                        <a:ea typeface="맑은 고딕" panose="020B0503020000020004" pitchFamily="50" charset="-127"/>
-                      </a:endParaRPr>
-                    </a:p>
-                  </a:txBody>
-                  <a:tcPr marL="0" marR="0" marT="0" marB="0" anchor="ctr"/>
-                </a:tc>
-                <a:tc>
-                  <a:txBody>
-                    <a:bodyPr/>
-                    <a:lstStyle/>
-                    <a:p>
-                      <a:pPr algn="l" fontAlgn="ctr"/>
-                      <a:r>
-                        <a:rPr lang="en-US" sz="700" u="none" strike="noStrike">
-                          <a:effectLst/>
-                        </a:rPr>
-                        <a:t>M2</a:t>
-                      </a:r>
-                      <a:endParaRPr lang="en-US" sz="700" b="0" i="0" u="none" strike="noStrike">
-                        <a:solidFill>
-                          <a:srgbClr val="000000"/>
-                        </a:solidFill>
-                        <a:effectLst/>
-                        <a:latin typeface="Arial Narrow" panose="020B0606020202030204" pitchFamily="34" charset="0"/>
-                        <a:ea typeface="맑은 고딕" panose="020B0503020000020004" pitchFamily="50" charset="-127"/>
-                      </a:endParaRPr>
-                    </a:p>
-                  </a:txBody>
-                  <a:tcPr marL="0" marR="0" marT="0" marB="0" anchor="ctr"/>
-                </a:tc>
-                <a:tc>
-                  <a:txBody>
-                    <a:bodyPr/>
-                    <a:lstStyle/>
-                    <a:p>
-                      <a:pPr algn="l" fontAlgn="ctr"/>
-                      <a:r>
-                        <a:rPr lang="en-US" sz="900" u="none" strike="noStrike">
-                          <a:effectLst/>
-                        </a:rPr>
-                        <a:t>=A</a:t>
-                      </a:r>
-                      <a:endParaRPr lang="en-US" sz="900" b="0" i="0" u="none" strike="noStrike">
-                        <a:solidFill>
-                          <a:srgbClr val="000000"/>
-                        </a:solidFill>
-                        <a:effectLst/>
-                        <a:latin typeface="Arial Narrow" panose="020B0606020202030204" pitchFamily="34" charset="0"/>
-                        <a:ea typeface="맑은 고딕" panose="020B0503020000020004" pitchFamily="50" charset="-127"/>
-                      </a:endParaRPr>
-                    </a:p>
-                  </a:txBody>
-                  <a:tcPr marL="0" marR="0" marT="0" marB="0" anchor="ctr"/>
-                </a:tc>
-                <a:extLst>
-                  <a:ext uri="{0D108BD9-81ED-4DB2-BD59-A6C34878D82A}">
-                    <a16:rowId xmlns:a16="http://schemas.microsoft.com/office/drawing/2014/main" val="3894698825"/>
-                  </a:ext>
-                </a:extLst>
-              </a:tr>
-              <a:tr h="372894">
-                <a:tc>
-                  <a:txBody>
-                    <a:bodyPr/>
-                    <a:lstStyle/>
-                    <a:p>
-                      <a:pPr marL="0" marR="0" lvl="0" indent="0" algn="ctr" defTabSz="914400" rtl="0" eaLnBrk="1" fontAlgn="ctr" latinLnBrk="1" hangingPunct="1">
-                        <a:lnSpc>
-                          <a:spcPct val="100000"/>
-                        </a:lnSpc>
-                        <a:spcBef>
-                          <a:spcPts val="0"/>
-                        </a:spcBef>
-                        <a:spcAft>
-                          <a:spcPts val="0"/>
-                        </a:spcAft>
-                        <a:buClrTx/>
-                        <a:buSzTx/>
-                        <a:buFontTx/>
-                        <a:buNone/>
-                        <a:tabLst/>
-                        <a:defRPr/>
-                      </a:pPr>
-                      <a:r>
-                        <a:rPr lang="en-US" altLang="ko-KR" sz="1200" b="0" i="0" u="none" strike="noStrike" dirty="0">
-                          <a:solidFill>
-                            <a:srgbClr val="000000"/>
-                          </a:solidFill>
-                          <a:effectLst/>
-                          <a:latin typeface="Arial Narrow" panose="020B0606020202030204" pitchFamily="34" charset="0"/>
-                          <a:ea typeface="+mn-ea"/>
-                        </a:rPr>
-                        <a:t>✓</a:t>
-                      </a:r>
-                    </a:p>
-                  </a:txBody>
-                  <a:tcPr marL="0" marR="0" marT="0" marB="0" anchor="ctr"/>
-                </a:tc>
-                <a:tc>
-                  <a:txBody>
-                    <a:bodyPr/>
-                    <a:lstStyle/>
-                    <a:p>
-                      <a:pPr algn="l" fontAlgn="ctr"/>
-                      <a:r>
-                        <a:rPr lang="en-US" sz="700" u="none" strike="noStrike">
-                          <a:effectLst/>
-                        </a:rPr>
-                        <a:t>Rebar</a:t>
-                      </a:r>
-                      <a:endParaRPr lang="en-US" sz="700" b="0" i="0" u="none" strike="noStrike">
-                        <a:solidFill>
-                          <a:srgbClr val="000000"/>
-                        </a:solidFill>
-                        <a:effectLst/>
-                        <a:latin typeface="Arial Narrow" panose="020B0606020202030204" pitchFamily="34" charset="0"/>
-                        <a:ea typeface="맑은 고딕" panose="020B0503020000020004" pitchFamily="50" charset="-127"/>
-                      </a:endParaRPr>
-                    </a:p>
-                  </a:txBody>
-                  <a:tcPr marL="0" marR="0" marT="0" marB="0" anchor="ctr"/>
-                </a:tc>
-                <a:tc>
-                  <a:txBody>
-                    <a:bodyPr/>
-                    <a:lstStyle/>
-                    <a:p>
-                      <a:pPr algn="l" fontAlgn="ctr"/>
-                      <a:r>
-                        <a:rPr lang="en-US" sz="700" u="none" strike="noStrike" dirty="0">
-                          <a:effectLst/>
-                        </a:rPr>
-                        <a:t>A03AF037-00003 Concrete Work Superstructure Work Rebar Work Deformed Bar (Non-Coat.)  300MPa&lt;Fy≤400MPa     </a:t>
-                      </a:r>
-                      <a:endParaRPr lang="en-US" sz="700" b="0" i="0" u="none" strike="noStrike" dirty="0">
-                        <a:solidFill>
-                          <a:srgbClr val="000000"/>
-                        </a:solidFill>
-                        <a:effectLst/>
-                        <a:latin typeface="Arial Narrow" panose="020B0606020202030204" pitchFamily="34" charset="0"/>
-                        <a:ea typeface="맑은 고딕" panose="020B0503020000020004" pitchFamily="50" charset="-127"/>
-                      </a:endParaRPr>
-                    </a:p>
-                  </a:txBody>
-                  <a:tcPr marL="0" marR="0" marT="0" marB="0" anchor="ctr"/>
-                </a:tc>
-                <a:tc>
-                  <a:txBody>
-                    <a:bodyPr/>
-                    <a:lstStyle/>
-                    <a:p>
-                      <a:pPr algn="l" fontAlgn="ctr"/>
-                      <a:r>
-                        <a:rPr lang="en-US" sz="700" u="none" strike="noStrike">
-                          <a:effectLst/>
-                        </a:rPr>
-                        <a:t>400MPa</a:t>
-                      </a:r>
-                      <a:endParaRPr lang="en-US" sz="700" b="0" i="0" u="none" strike="noStrike">
-                        <a:solidFill>
-                          <a:srgbClr val="000000"/>
-                        </a:solidFill>
-                        <a:effectLst/>
-                        <a:latin typeface="Arial Narrow" panose="020B0606020202030204" pitchFamily="34" charset="0"/>
-                        <a:ea typeface="맑은 고딕" panose="020B0503020000020004" pitchFamily="50" charset="-127"/>
-                      </a:endParaRPr>
-                    </a:p>
-                  </a:txBody>
-                  <a:tcPr marL="0" marR="0" marT="0" marB="0" anchor="ctr"/>
-                </a:tc>
-                <a:tc>
-                  <a:txBody>
-                    <a:bodyPr/>
-                    <a:lstStyle/>
-                    <a:p>
-                      <a:pPr algn="l" fontAlgn="ctr"/>
-                      <a:r>
-                        <a:rPr lang="en-US" sz="700" u="none" strike="noStrike">
-                          <a:effectLst/>
-                        </a:rPr>
-                        <a:t>TON</a:t>
-                      </a:r>
-                      <a:endParaRPr lang="en-US" sz="700" b="0" i="0" u="none" strike="noStrike">
-                        <a:solidFill>
-                          <a:srgbClr val="000000"/>
-                        </a:solidFill>
-                        <a:effectLst/>
-                        <a:latin typeface="Arial Narrow" panose="020B0606020202030204" pitchFamily="34" charset="0"/>
-                        <a:ea typeface="맑은 고딕" panose="020B0503020000020004" pitchFamily="50" charset="-127"/>
-                      </a:endParaRPr>
-                    </a:p>
-                  </a:txBody>
-                  <a:tcPr marL="0" marR="0" marT="0" marB="0" anchor="ctr"/>
-                </a:tc>
-                <a:tc>
-                  <a:txBody>
-                    <a:bodyPr/>
-                    <a:lstStyle/>
-                    <a:p>
-                      <a:pPr algn="l" fontAlgn="ctr"/>
-                      <a:r>
-                        <a:rPr lang="en-US" sz="900" u="none" strike="noStrike" dirty="0">
-                          <a:effectLst/>
-                        </a:rPr>
-                        <a:t>=V*RE</a:t>
-                      </a:r>
-                      <a:endParaRPr lang="en-US" sz="900" b="0" i="0" u="none" strike="noStrike" dirty="0">
-                        <a:solidFill>
-                          <a:srgbClr val="000000"/>
-                        </a:solidFill>
-                        <a:effectLst/>
-                        <a:latin typeface="Arial Narrow" panose="020B0606020202030204" pitchFamily="34" charset="0"/>
-                        <a:ea typeface="맑은 고딕" panose="020B0503020000020004" pitchFamily="50" charset="-127"/>
-                      </a:endParaRPr>
-                    </a:p>
-                  </a:txBody>
-                  <a:tcPr marL="0" marR="0" marT="0" marB="0" anchor="ctr"/>
-                </a:tc>
-                <a:extLst>
-                  <a:ext uri="{0D108BD9-81ED-4DB2-BD59-A6C34878D82A}">
-                    <a16:rowId xmlns:a16="http://schemas.microsoft.com/office/drawing/2014/main" val="3118184368"/>
-                  </a:ext>
-                </a:extLst>
-              </a:tr>
-              <a:tr h="372894">
-                <a:tc>
-                  <a:txBody>
-                    <a:bodyPr/>
-                    <a:lstStyle/>
-                    <a:p>
-                      <a:pPr algn="ctr" fontAlgn="ctr"/>
-                      <a:endParaRPr lang="en-US" sz="1200" b="0" i="0" u="none" strike="noStrike">
-                        <a:solidFill>
-                          <a:srgbClr val="000000"/>
-                        </a:solidFill>
-                        <a:effectLst/>
-                        <a:latin typeface="Arial Narrow" panose="020B0606020202030204" pitchFamily="34" charset="0"/>
-                        <a:ea typeface="맑은 고딕" panose="020B0503020000020004" pitchFamily="50" charset="-127"/>
-                      </a:endParaRPr>
-                    </a:p>
-                  </a:txBody>
-                  <a:tcPr marL="0" marR="0" marT="0" marB="0" anchor="ctr"/>
-                </a:tc>
-                <a:tc>
-                  <a:txBody>
-                    <a:bodyPr/>
-                    <a:lstStyle/>
-                    <a:p>
-                      <a:pPr algn="l" fontAlgn="ctr"/>
-                      <a:endParaRPr lang="en-US" sz="700" b="0" i="0" u="none" strike="noStrike">
-                        <a:solidFill>
-                          <a:srgbClr val="000000"/>
-                        </a:solidFill>
-                        <a:effectLst/>
-                        <a:latin typeface="Arial Narrow" panose="020B0606020202030204" pitchFamily="34" charset="0"/>
-                        <a:ea typeface="맑은 고딕" panose="020B0503020000020004" pitchFamily="50" charset="-127"/>
-                      </a:endParaRPr>
-                    </a:p>
-                  </a:txBody>
-                  <a:tcPr marL="0" marR="0" marT="0" marB="0" anchor="ctr"/>
-                </a:tc>
-                <a:tc>
-                  <a:txBody>
-                    <a:bodyPr/>
-                    <a:lstStyle/>
-                    <a:p>
-                      <a:pPr algn="l" fontAlgn="ctr"/>
-                      <a:endParaRPr lang="en-US" sz="700" b="0" i="0" u="none" strike="noStrike" dirty="0">
-                        <a:solidFill>
-                          <a:srgbClr val="000000"/>
-                        </a:solidFill>
-                        <a:effectLst/>
-                        <a:latin typeface="Arial Narrow" panose="020B0606020202030204" pitchFamily="34" charset="0"/>
-                        <a:ea typeface="맑은 고딕" panose="020B0503020000020004" pitchFamily="50" charset="-127"/>
-                      </a:endParaRPr>
-                    </a:p>
-                  </a:txBody>
-                  <a:tcPr marL="0" marR="0" marT="0" marB="0" anchor="ctr"/>
-                </a:tc>
-                <a:tc>
-                  <a:txBody>
-                    <a:bodyPr/>
-                    <a:lstStyle/>
-                    <a:p>
-                      <a:pPr algn="l" fontAlgn="ctr"/>
-                      <a:endParaRPr lang="en-US" sz="700" b="0" i="0" u="none" strike="noStrike">
-                        <a:solidFill>
-                          <a:srgbClr val="000000"/>
-                        </a:solidFill>
-                        <a:effectLst/>
-                        <a:latin typeface="Arial Narrow" panose="020B0606020202030204" pitchFamily="34" charset="0"/>
-                        <a:ea typeface="맑은 고딕" panose="020B0503020000020004" pitchFamily="50" charset="-127"/>
-                      </a:endParaRPr>
-                    </a:p>
-                  </a:txBody>
-                  <a:tcPr marL="0" marR="0" marT="0" marB="0" anchor="ctr"/>
-                </a:tc>
-                <a:tc>
-                  <a:txBody>
-                    <a:bodyPr/>
-                    <a:lstStyle/>
-                    <a:p>
-                      <a:pPr algn="l" fontAlgn="ctr"/>
-                      <a:endParaRPr lang="en-US" sz="700" b="0" i="0" u="none" strike="noStrike">
-                        <a:solidFill>
-                          <a:srgbClr val="000000"/>
-                        </a:solidFill>
-                        <a:effectLst/>
-                        <a:latin typeface="Arial Narrow" panose="020B0606020202030204" pitchFamily="34" charset="0"/>
-                        <a:ea typeface="맑은 고딕" panose="020B0503020000020004" pitchFamily="50" charset="-127"/>
-                      </a:endParaRPr>
-                    </a:p>
-                  </a:txBody>
-                  <a:tcPr marL="0" marR="0" marT="0" marB="0" anchor="ctr"/>
-                </a:tc>
-                <a:tc>
-                  <a:txBody>
-                    <a:bodyPr/>
-                    <a:lstStyle/>
-                    <a:p>
-                      <a:pPr algn="l" fontAlgn="ctr"/>
-                      <a:endParaRPr lang="en-US" sz="900" b="0" i="0" u="none" strike="noStrike" dirty="0">
-                        <a:solidFill>
-                          <a:srgbClr val="000000"/>
-                        </a:solidFill>
-                        <a:effectLst/>
-                        <a:latin typeface="Arial Narrow" panose="020B0606020202030204" pitchFamily="34" charset="0"/>
-                        <a:ea typeface="맑은 고딕" panose="020B0503020000020004" pitchFamily="50" charset="-127"/>
-                      </a:endParaRPr>
-                    </a:p>
-                  </a:txBody>
-                  <a:tcPr marL="0" marR="0" marT="0" marB="0" anchor="ctr"/>
-                </a:tc>
-                <a:extLst>
-                  <a:ext uri="{0D108BD9-81ED-4DB2-BD59-A6C34878D82A}">
-                    <a16:rowId xmlns:a16="http://schemas.microsoft.com/office/drawing/2014/main" val="2626140156"/>
-                  </a:ext>
-                </a:extLst>
-              </a:tr>
-              <a:tr h="372894">
-                <a:tc>
-                  <a:txBody>
-                    <a:bodyPr/>
-                    <a:lstStyle/>
-                    <a:p>
-                      <a:pPr algn="ctr" fontAlgn="ctr"/>
-                      <a:endParaRPr lang="en-US" sz="1200" b="0" i="0" u="none" strike="noStrike">
-                        <a:solidFill>
-                          <a:srgbClr val="000000"/>
-                        </a:solidFill>
-                        <a:effectLst/>
-                        <a:latin typeface="Arial Narrow" panose="020B0606020202030204" pitchFamily="34" charset="0"/>
-                        <a:ea typeface="맑은 고딕" panose="020B0503020000020004" pitchFamily="50" charset="-127"/>
-                      </a:endParaRPr>
-                    </a:p>
-                  </a:txBody>
-                  <a:tcPr marL="0" marR="0" marT="0" marB="0" anchor="ctr"/>
-                </a:tc>
-                <a:tc>
-                  <a:txBody>
-                    <a:bodyPr/>
-                    <a:lstStyle/>
-                    <a:p>
-                      <a:pPr algn="l" fontAlgn="ctr"/>
-                      <a:endParaRPr lang="en-US" sz="700" b="0" i="0" u="none" strike="noStrike">
-                        <a:solidFill>
-                          <a:srgbClr val="000000"/>
-                        </a:solidFill>
-                        <a:effectLst/>
-                        <a:latin typeface="Arial Narrow" panose="020B0606020202030204" pitchFamily="34" charset="0"/>
-                        <a:ea typeface="맑은 고딕" panose="020B0503020000020004" pitchFamily="50" charset="-127"/>
-                      </a:endParaRPr>
-                    </a:p>
-                  </a:txBody>
-                  <a:tcPr marL="0" marR="0" marT="0" marB="0" anchor="ctr"/>
-                </a:tc>
-                <a:tc>
-                  <a:txBody>
-                    <a:bodyPr/>
-                    <a:lstStyle/>
-                    <a:p>
-                      <a:pPr algn="l" fontAlgn="ctr"/>
-                      <a:endParaRPr lang="en-US" sz="700" b="0" i="0" u="none" strike="noStrike" dirty="0">
-                        <a:solidFill>
-                          <a:srgbClr val="000000"/>
-                        </a:solidFill>
-                        <a:effectLst/>
-                        <a:latin typeface="Arial Narrow" panose="020B0606020202030204" pitchFamily="34" charset="0"/>
-                        <a:ea typeface="맑은 고딕" panose="020B0503020000020004" pitchFamily="50" charset="-127"/>
-                      </a:endParaRPr>
-                    </a:p>
-                  </a:txBody>
-                  <a:tcPr marL="0" marR="0" marT="0" marB="0" anchor="ctr"/>
-                </a:tc>
-                <a:tc>
-                  <a:txBody>
-                    <a:bodyPr/>
-                    <a:lstStyle/>
-                    <a:p>
-                      <a:pPr algn="l" fontAlgn="ctr"/>
-                      <a:endParaRPr lang="en-US" sz="700" b="0" i="0" u="none" strike="noStrike">
-                        <a:solidFill>
-                          <a:srgbClr val="000000"/>
-                        </a:solidFill>
-                        <a:effectLst/>
-                        <a:latin typeface="Arial Narrow" panose="020B0606020202030204" pitchFamily="34" charset="0"/>
-                        <a:ea typeface="맑은 고딕" panose="020B0503020000020004" pitchFamily="50" charset="-127"/>
-                      </a:endParaRPr>
-                    </a:p>
-                  </a:txBody>
-                  <a:tcPr marL="0" marR="0" marT="0" marB="0" anchor="ctr"/>
-                </a:tc>
-                <a:tc>
-                  <a:txBody>
-                    <a:bodyPr/>
-                    <a:lstStyle/>
-                    <a:p>
-                      <a:pPr algn="l" fontAlgn="ctr"/>
-                      <a:endParaRPr lang="en-US" sz="700" b="0" i="0" u="none" strike="noStrike">
-                        <a:solidFill>
-                          <a:srgbClr val="000000"/>
-                        </a:solidFill>
-                        <a:effectLst/>
-                        <a:latin typeface="Arial Narrow" panose="020B0606020202030204" pitchFamily="34" charset="0"/>
-                        <a:ea typeface="맑은 고딕" panose="020B0503020000020004" pitchFamily="50" charset="-127"/>
-                      </a:endParaRPr>
-                    </a:p>
-                  </a:txBody>
-                  <a:tcPr marL="0" marR="0" marT="0" marB="0" anchor="ctr"/>
-                </a:tc>
-                <a:tc>
-                  <a:txBody>
-                    <a:bodyPr/>
-                    <a:lstStyle/>
-                    <a:p>
-                      <a:pPr algn="l" fontAlgn="ctr"/>
-                      <a:endParaRPr lang="en-US" sz="900" b="0" i="0" u="none" strike="noStrike" dirty="0">
-                        <a:solidFill>
-                          <a:srgbClr val="000000"/>
-                        </a:solidFill>
-                        <a:effectLst/>
-                        <a:latin typeface="Arial Narrow" panose="020B0606020202030204" pitchFamily="34" charset="0"/>
-                        <a:ea typeface="맑은 고딕" panose="020B0503020000020004" pitchFamily="50" charset="-127"/>
-                      </a:endParaRPr>
-                    </a:p>
-                  </a:txBody>
-                  <a:tcPr marL="0" marR="0" marT="0" marB="0" anchor="ctr"/>
-                </a:tc>
-                <a:extLst>
-                  <a:ext uri="{0D108BD9-81ED-4DB2-BD59-A6C34878D82A}">
-                    <a16:rowId xmlns:a16="http://schemas.microsoft.com/office/drawing/2014/main" val="955036587"/>
-                  </a:ext>
-                </a:extLst>
-              </a:tr>
-              <a:tr h="372894">
-                <a:tc>
-                  <a:txBody>
-                    <a:bodyPr/>
-                    <a:lstStyle/>
-                    <a:p>
-                      <a:pPr algn="ctr" fontAlgn="ctr"/>
-                      <a:endParaRPr lang="en-US" sz="1200" b="0" i="0" u="none" strike="noStrike">
-                        <a:solidFill>
-                          <a:srgbClr val="000000"/>
-                        </a:solidFill>
-                        <a:effectLst/>
-                        <a:latin typeface="Arial Narrow" panose="020B0606020202030204" pitchFamily="34" charset="0"/>
-                        <a:ea typeface="맑은 고딕" panose="020B0503020000020004" pitchFamily="50" charset="-127"/>
-                      </a:endParaRPr>
-                    </a:p>
-                  </a:txBody>
-                  <a:tcPr marL="0" marR="0" marT="0" marB="0" anchor="ctr"/>
-                </a:tc>
-                <a:tc>
-                  <a:txBody>
-                    <a:bodyPr/>
-                    <a:lstStyle/>
-                    <a:p>
-                      <a:pPr algn="l" fontAlgn="ctr"/>
-                      <a:endParaRPr lang="en-US" sz="700" b="0" i="0" u="none" strike="noStrike">
-                        <a:solidFill>
-                          <a:srgbClr val="000000"/>
-                        </a:solidFill>
-                        <a:effectLst/>
-                        <a:latin typeface="Arial Narrow" panose="020B0606020202030204" pitchFamily="34" charset="0"/>
-                        <a:ea typeface="맑은 고딕" panose="020B0503020000020004" pitchFamily="50" charset="-127"/>
-                      </a:endParaRPr>
-                    </a:p>
-                  </a:txBody>
-                  <a:tcPr marL="0" marR="0" marT="0" marB="0" anchor="ctr"/>
-                </a:tc>
-                <a:tc>
-                  <a:txBody>
-                    <a:bodyPr/>
-                    <a:lstStyle/>
-                    <a:p>
-                      <a:pPr algn="l" fontAlgn="ctr"/>
-                      <a:endParaRPr lang="en-US" sz="700" b="0" i="0" u="none" strike="noStrike" dirty="0">
-                        <a:solidFill>
-                          <a:srgbClr val="000000"/>
-                        </a:solidFill>
-                        <a:effectLst/>
-                        <a:latin typeface="Arial Narrow" panose="020B0606020202030204" pitchFamily="34" charset="0"/>
-                        <a:ea typeface="맑은 고딕" panose="020B0503020000020004" pitchFamily="50" charset="-127"/>
-                      </a:endParaRPr>
-                    </a:p>
-                  </a:txBody>
-                  <a:tcPr marL="0" marR="0" marT="0" marB="0" anchor="ctr"/>
-                </a:tc>
-                <a:tc>
-                  <a:txBody>
-                    <a:bodyPr/>
-                    <a:lstStyle/>
-                    <a:p>
-                      <a:pPr algn="l" fontAlgn="ctr"/>
-                      <a:endParaRPr lang="en-US" sz="700" b="0" i="0" u="none" strike="noStrike">
-                        <a:solidFill>
-                          <a:srgbClr val="000000"/>
-                        </a:solidFill>
-                        <a:effectLst/>
-                        <a:latin typeface="Arial Narrow" panose="020B0606020202030204" pitchFamily="34" charset="0"/>
-                        <a:ea typeface="맑은 고딕" panose="020B0503020000020004" pitchFamily="50" charset="-127"/>
-                      </a:endParaRPr>
-                    </a:p>
-                  </a:txBody>
-                  <a:tcPr marL="0" marR="0" marT="0" marB="0" anchor="ctr"/>
-                </a:tc>
-                <a:tc>
-                  <a:txBody>
-                    <a:bodyPr/>
-                    <a:lstStyle/>
-                    <a:p>
-                      <a:pPr algn="l" fontAlgn="ctr"/>
-                      <a:endParaRPr lang="en-US" sz="700" b="0" i="0" u="none" strike="noStrike">
-                        <a:solidFill>
-                          <a:srgbClr val="000000"/>
-                        </a:solidFill>
-                        <a:effectLst/>
-                        <a:latin typeface="Arial Narrow" panose="020B0606020202030204" pitchFamily="34" charset="0"/>
-                        <a:ea typeface="맑은 고딕" panose="020B0503020000020004" pitchFamily="50" charset="-127"/>
-                      </a:endParaRPr>
-                    </a:p>
-                  </a:txBody>
-                  <a:tcPr marL="0" marR="0" marT="0" marB="0" anchor="ctr"/>
-                </a:tc>
-                <a:tc>
-                  <a:txBody>
-                    <a:bodyPr/>
-                    <a:lstStyle/>
-                    <a:p>
-                      <a:pPr algn="l" fontAlgn="ctr"/>
-                      <a:endParaRPr lang="en-US" sz="900" b="0" i="0" u="none" strike="noStrike" dirty="0">
-                        <a:solidFill>
-                          <a:srgbClr val="000000"/>
-                        </a:solidFill>
-                        <a:effectLst/>
-                        <a:latin typeface="Arial Narrow" panose="020B0606020202030204" pitchFamily="34" charset="0"/>
-                        <a:ea typeface="맑은 고딕" panose="020B0503020000020004" pitchFamily="50" charset="-127"/>
-                      </a:endParaRPr>
-                    </a:p>
-                  </a:txBody>
-                  <a:tcPr marL="0" marR="0" marT="0" marB="0" anchor="ctr"/>
-                </a:tc>
-                <a:extLst>
-                  <a:ext uri="{0D108BD9-81ED-4DB2-BD59-A6C34878D82A}">
-                    <a16:rowId xmlns:a16="http://schemas.microsoft.com/office/drawing/2014/main" val="2205410679"/>
-                  </a:ext>
-                </a:extLst>
-              </a:tr>
-              <a:tr h="372894">
-                <a:tc>
-                  <a:txBody>
-                    <a:bodyPr/>
-                    <a:lstStyle/>
-                    <a:p>
-                      <a:pPr algn="ctr" fontAlgn="ctr"/>
-                      <a:endParaRPr lang="en-US" sz="1200" b="0" i="0" u="none" strike="noStrike">
-                        <a:solidFill>
-                          <a:srgbClr val="000000"/>
-                        </a:solidFill>
-                        <a:effectLst/>
-                        <a:latin typeface="Arial Narrow" panose="020B0606020202030204" pitchFamily="34" charset="0"/>
-                        <a:ea typeface="맑은 고딕" panose="020B0503020000020004" pitchFamily="50" charset="-127"/>
-                      </a:endParaRPr>
-                    </a:p>
-                  </a:txBody>
-                  <a:tcPr marL="0" marR="0" marT="0" marB="0" anchor="ctr"/>
-                </a:tc>
-                <a:tc>
-                  <a:txBody>
-                    <a:bodyPr/>
-                    <a:lstStyle/>
-                    <a:p>
-                      <a:pPr algn="l" fontAlgn="ctr"/>
-                      <a:endParaRPr lang="en-US" sz="700" b="0" i="0" u="none" strike="noStrike">
-                        <a:solidFill>
-                          <a:srgbClr val="000000"/>
-                        </a:solidFill>
-                        <a:effectLst/>
-                        <a:latin typeface="Arial Narrow" panose="020B0606020202030204" pitchFamily="34" charset="0"/>
-                        <a:ea typeface="맑은 고딕" panose="020B0503020000020004" pitchFamily="50" charset="-127"/>
-                      </a:endParaRPr>
-                    </a:p>
-                  </a:txBody>
-                  <a:tcPr marL="0" marR="0" marT="0" marB="0" anchor="ctr"/>
-                </a:tc>
-                <a:tc>
-                  <a:txBody>
-                    <a:bodyPr/>
-                    <a:lstStyle/>
-                    <a:p>
-                      <a:pPr algn="l" fontAlgn="ctr"/>
-                      <a:endParaRPr lang="en-US" sz="700" b="0" i="0" u="none" strike="noStrike" dirty="0">
-                        <a:solidFill>
-                          <a:srgbClr val="000000"/>
-                        </a:solidFill>
-                        <a:effectLst/>
-                        <a:latin typeface="Arial Narrow" panose="020B0606020202030204" pitchFamily="34" charset="0"/>
-                        <a:ea typeface="맑은 고딕" panose="020B0503020000020004" pitchFamily="50" charset="-127"/>
-                      </a:endParaRPr>
-                    </a:p>
-                  </a:txBody>
-                  <a:tcPr marL="0" marR="0" marT="0" marB="0" anchor="ctr"/>
-                </a:tc>
-                <a:tc>
-                  <a:txBody>
-                    <a:bodyPr/>
-                    <a:lstStyle/>
-                    <a:p>
-                      <a:pPr algn="l" fontAlgn="ctr"/>
-                      <a:endParaRPr lang="en-US" sz="700" b="0" i="0" u="none" strike="noStrike">
-                        <a:solidFill>
-                          <a:srgbClr val="000000"/>
-                        </a:solidFill>
-                        <a:effectLst/>
-                        <a:latin typeface="Arial Narrow" panose="020B0606020202030204" pitchFamily="34" charset="0"/>
-                        <a:ea typeface="맑은 고딕" panose="020B0503020000020004" pitchFamily="50" charset="-127"/>
-                      </a:endParaRPr>
-                    </a:p>
-                  </a:txBody>
-                  <a:tcPr marL="0" marR="0" marT="0" marB="0" anchor="ctr"/>
-                </a:tc>
-                <a:tc>
-                  <a:txBody>
-                    <a:bodyPr/>
-                    <a:lstStyle/>
-                    <a:p>
-                      <a:pPr algn="l" fontAlgn="ctr"/>
-                      <a:endParaRPr lang="en-US" sz="700" b="0" i="0" u="none" strike="noStrike">
-                        <a:solidFill>
-                          <a:srgbClr val="000000"/>
-                        </a:solidFill>
-                        <a:effectLst/>
-                        <a:latin typeface="Arial Narrow" panose="020B0606020202030204" pitchFamily="34" charset="0"/>
-                        <a:ea typeface="맑은 고딕" panose="020B0503020000020004" pitchFamily="50" charset="-127"/>
-                      </a:endParaRPr>
-                    </a:p>
-                  </a:txBody>
-                  <a:tcPr marL="0" marR="0" marT="0" marB="0" anchor="ctr"/>
-                </a:tc>
-                <a:tc>
-                  <a:txBody>
-                    <a:bodyPr/>
-                    <a:lstStyle/>
-                    <a:p>
-                      <a:pPr algn="l" fontAlgn="ctr"/>
-                      <a:endParaRPr lang="en-US" sz="900" b="0" i="0" u="none" strike="noStrike" dirty="0">
-                        <a:solidFill>
-                          <a:srgbClr val="000000"/>
-                        </a:solidFill>
-                        <a:effectLst/>
-                        <a:latin typeface="Arial Narrow" panose="020B0606020202030204" pitchFamily="34" charset="0"/>
-                        <a:ea typeface="맑은 고딕" panose="020B0503020000020004" pitchFamily="50" charset="-127"/>
-                      </a:endParaRPr>
-                    </a:p>
-                  </a:txBody>
-                  <a:tcPr marL="0" marR="0" marT="0" marB="0" anchor="ctr"/>
-                </a:tc>
-                <a:extLst>
-                  <a:ext uri="{0D108BD9-81ED-4DB2-BD59-A6C34878D82A}">
-                    <a16:rowId xmlns:a16="http://schemas.microsoft.com/office/drawing/2014/main" val="3958806887"/>
-                  </a:ext>
-                </a:extLst>
-              </a:tr>
-              <a:tr h="372894">
-                <a:tc>
-                  <a:txBody>
-                    <a:bodyPr/>
-                    <a:lstStyle/>
-                    <a:p>
-                      <a:pPr algn="ctr" fontAlgn="ctr"/>
-                      <a:endParaRPr lang="en-US" sz="1200" b="0" i="0" u="none" strike="noStrike">
-                        <a:solidFill>
-                          <a:srgbClr val="000000"/>
-                        </a:solidFill>
-                        <a:effectLst/>
-                        <a:latin typeface="Arial Narrow" panose="020B0606020202030204" pitchFamily="34" charset="0"/>
-                        <a:ea typeface="맑은 고딕" panose="020B0503020000020004" pitchFamily="50" charset="-127"/>
-                      </a:endParaRPr>
-                    </a:p>
-                  </a:txBody>
-                  <a:tcPr marL="0" marR="0" marT="0" marB="0" anchor="ctr"/>
-                </a:tc>
-                <a:tc>
-                  <a:txBody>
-                    <a:bodyPr/>
-                    <a:lstStyle/>
-                    <a:p>
-                      <a:pPr algn="l" fontAlgn="ctr"/>
-                      <a:endParaRPr lang="en-US" sz="700" b="0" i="0" u="none" strike="noStrike">
-                        <a:solidFill>
-                          <a:srgbClr val="000000"/>
-                        </a:solidFill>
-                        <a:effectLst/>
-                        <a:latin typeface="Arial Narrow" panose="020B0606020202030204" pitchFamily="34" charset="0"/>
-                        <a:ea typeface="맑은 고딕" panose="020B0503020000020004" pitchFamily="50" charset="-127"/>
-                      </a:endParaRPr>
-                    </a:p>
-                  </a:txBody>
-                  <a:tcPr marL="0" marR="0" marT="0" marB="0" anchor="ctr"/>
-                </a:tc>
-                <a:tc>
-                  <a:txBody>
-                    <a:bodyPr/>
-                    <a:lstStyle/>
-                    <a:p>
-                      <a:pPr algn="l" fontAlgn="ctr"/>
-                      <a:endParaRPr lang="en-US" sz="700" b="0" i="0" u="none" strike="noStrike" dirty="0">
-                        <a:solidFill>
-                          <a:srgbClr val="000000"/>
-                        </a:solidFill>
-                        <a:effectLst/>
-                        <a:latin typeface="Arial Narrow" panose="020B0606020202030204" pitchFamily="34" charset="0"/>
-                        <a:ea typeface="맑은 고딕" panose="020B0503020000020004" pitchFamily="50" charset="-127"/>
-                      </a:endParaRPr>
-                    </a:p>
-                  </a:txBody>
-                  <a:tcPr marL="0" marR="0" marT="0" marB="0" anchor="ctr"/>
-                </a:tc>
-                <a:tc>
-                  <a:txBody>
-                    <a:bodyPr/>
-                    <a:lstStyle/>
-                    <a:p>
-                      <a:pPr algn="l" fontAlgn="ctr"/>
-                      <a:endParaRPr lang="en-US" sz="700" b="0" i="0" u="none" strike="noStrike">
-                        <a:solidFill>
-                          <a:srgbClr val="000000"/>
-                        </a:solidFill>
-                        <a:effectLst/>
-                        <a:latin typeface="Arial Narrow" panose="020B0606020202030204" pitchFamily="34" charset="0"/>
-                        <a:ea typeface="맑은 고딕" panose="020B0503020000020004" pitchFamily="50" charset="-127"/>
-                      </a:endParaRPr>
-                    </a:p>
-                  </a:txBody>
-                  <a:tcPr marL="0" marR="0" marT="0" marB="0" anchor="ctr"/>
-                </a:tc>
-                <a:tc>
-                  <a:txBody>
-                    <a:bodyPr/>
-                    <a:lstStyle/>
-                    <a:p>
-                      <a:pPr algn="l" fontAlgn="ctr"/>
-                      <a:endParaRPr lang="en-US" sz="700" b="0" i="0" u="none" strike="noStrike">
-                        <a:solidFill>
-                          <a:srgbClr val="000000"/>
-                        </a:solidFill>
-                        <a:effectLst/>
-                        <a:latin typeface="Arial Narrow" panose="020B0606020202030204" pitchFamily="34" charset="0"/>
-                        <a:ea typeface="맑은 고딕" panose="020B0503020000020004" pitchFamily="50" charset="-127"/>
-                      </a:endParaRPr>
-                    </a:p>
-                  </a:txBody>
-                  <a:tcPr marL="0" marR="0" marT="0" marB="0" anchor="ctr"/>
-                </a:tc>
-                <a:tc>
-                  <a:txBody>
-                    <a:bodyPr/>
-                    <a:lstStyle/>
-                    <a:p>
-                      <a:pPr algn="l" fontAlgn="ctr"/>
-                      <a:endParaRPr lang="en-US" sz="900" b="0" i="0" u="none" strike="noStrike" dirty="0">
-                        <a:solidFill>
-                          <a:srgbClr val="000000"/>
-                        </a:solidFill>
-                        <a:effectLst/>
-                        <a:latin typeface="Arial Narrow" panose="020B0606020202030204" pitchFamily="34" charset="0"/>
-                        <a:ea typeface="맑은 고딕" panose="020B0503020000020004" pitchFamily="50" charset="-127"/>
-                      </a:endParaRPr>
-                    </a:p>
-                  </a:txBody>
-                  <a:tcPr marL="0" marR="0" marT="0" marB="0" anchor="ctr"/>
-                </a:tc>
-                <a:extLst>
-                  <a:ext uri="{0D108BD9-81ED-4DB2-BD59-A6C34878D82A}">
-                    <a16:rowId xmlns:a16="http://schemas.microsoft.com/office/drawing/2014/main" val="677430634"/>
-                  </a:ext>
-                </a:extLst>
-              </a:tr>
-            </a:tbl>
-          </a:graphicData>
-        </a:graphic>
-      </p:graphicFrame>
-      <p:sp>
-        <p:nvSpPr>
-          <p:cNvPr id="27" name="직사각형 26">
-            <a:extLst>
-              <a:ext uri="{FF2B5EF4-FFF2-40B4-BE49-F238E27FC236}">
-                <a16:creationId xmlns:a16="http://schemas.microsoft.com/office/drawing/2014/main" id="{31E50C5D-9057-ADD0-6F77-DED6A6C6DE88}"/>
-              </a:ext>
-            </a:extLst>
-          </p:cNvPr>
-          <p:cNvSpPr/>
-          <p:nvPr/>
-        </p:nvSpPr>
-        <p:spPr>
-          <a:xfrm>
-            <a:off x="7181850" y="1285289"/>
-            <a:ext cx="1152248" cy="137976"/>
-          </a:xfrm>
-          <a:prstGeom prst="rect">
-            <a:avLst/>
-          </a:prstGeom>
-          <a:solidFill>
-            <a:schemeClr val="accent2">
-              <a:lumMod val="20000"/>
-              <a:lumOff val="80000"/>
-            </a:schemeClr>
-          </a:solidFill>
-        </p:spPr>
-        <p:style>
-          <a:lnRef idx="2">
-            <a:schemeClr val="accent1">
-              <a:shade val="15000"/>
-            </a:schemeClr>
-          </a:lnRef>
-          <a:fillRef idx="1">
-            <a:schemeClr val="accent1"/>
-          </a:fillRef>
-          <a:effectRef idx="0">
-            <a:schemeClr val="accent1"/>
-          </a:effectRef>
-          <a:fontRef idx="minor">
-            <a:schemeClr val="lt1"/>
-          </a:fontRef>
-        </p:style>
-        <p:txBody>
-          <a:bodyPr rtlCol="0" anchor="ctr"/>
-          <a:lstStyle/>
-          <a:p>
-            <a:pPr algn="ctr"/>
-            <a:r>
-              <a:rPr lang="en-US" altLang="ko-KR" sz="900" dirty="0">
-                <a:solidFill>
-                  <a:schemeClr val="tx1"/>
-                </a:solidFill>
-              </a:rPr>
-              <a:t>Select</a:t>
-            </a:r>
-            <a:r>
-              <a:rPr lang="ko-KR" altLang="en-US" sz="900" dirty="0">
-                <a:solidFill>
-                  <a:schemeClr val="tx1"/>
-                </a:solidFill>
-              </a:rPr>
-              <a:t> </a:t>
-            </a:r>
-            <a:r>
-              <a:rPr lang="en-US" altLang="ko-KR" sz="900" dirty="0">
-                <a:solidFill>
-                  <a:schemeClr val="tx1"/>
-                </a:solidFill>
-              </a:rPr>
-              <a:t>All / None</a:t>
-            </a:r>
-            <a:endParaRPr lang="ko-KR" altLang="en-US" sz="900" dirty="0">
-              <a:solidFill>
-                <a:schemeClr val="tx1"/>
-              </a:solidFill>
-            </a:endParaRPr>
-          </a:p>
-        </p:txBody>
-      </p:sp>
-    </p:spTree>
-    <p:extLst>
-      <p:ext uri="{BB962C8B-B14F-4D97-AF65-F5344CB8AC3E}">
-        <p14:creationId xmlns:p14="http://schemas.microsoft.com/office/powerpoint/2010/main" val="3600137718"/>
-      </p:ext>
-    </p:extLst>
-  </p:cSld>
-  <p:clrMapOvr>
-    <a:masterClrMapping/>
-  </p:clrMapOvr>
-</p:sld>
-</file>
-
 <file path=ppt/slides/slide3.xml><?xml version="1.0" encoding="utf-8"?>
 <p:sld xmlns:a="http://schemas.openxmlformats.org/drawingml/2006/main" xmlns:r="http://schemas.openxmlformats.org/officeDocument/2006/relationships" xmlns:p="http://schemas.openxmlformats.org/presentationml/2006/main">
   <p:cSld>

--- a/H_FamilyList_FP/화면정의서.pptx
+++ b/H_FamilyList_FP/화면정의서.pptx
@@ -278,7 +278,7 @@
           <a:p>
             <a:fld id="{9DC0FBBE-1B54-474B-A1EF-57FEDE0B6A08}" type="datetimeFigureOut">
               <a:rPr lang="ko-KR" altLang="en-US" smtClean="0"/>
-              <a:t>2025-01-09</a:t>
+              <a:t>2025-01-10</a:t>
             </a:fld>
             <a:endParaRPr lang="ko-KR" altLang="en-US"/>
           </a:p>
@@ -476,7 +476,7 @@
           <a:p>
             <a:fld id="{9DC0FBBE-1B54-474B-A1EF-57FEDE0B6A08}" type="datetimeFigureOut">
               <a:rPr lang="ko-KR" altLang="en-US" smtClean="0"/>
-              <a:t>2025-01-09</a:t>
+              <a:t>2025-01-10</a:t>
             </a:fld>
             <a:endParaRPr lang="ko-KR" altLang="en-US"/>
           </a:p>
@@ -684,7 +684,7 @@
           <a:p>
             <a:fld id="{9DC0FBBE-1B54-474B-A1EF-57FEDE0B6A08}" type="datetimeFigureOut">
               <a:rPr lang="ko-KR" altLang="en-US" smtClean="0"/>
-              <a:t>2025-01-09</a:t>
+              <a:t>2025-01-10</a:t>
             </a:fld>
             <a:endParaRPr lang="ko-KR" altLang="en-US"/>
           </a:p>
@@ -882,7 +882,7 @@
           <a:p>
             <a:fld id="{9DC0FBBE-1B54-474B-A1EF-57FEDE0B6A08}" type="datetimeFigureOut">
               <a:rPr lang="ko-KR" altLang="en-US" smtClean="0"/>
-              <a:t>2025-01-09</a:t>
+              <a:t>2025-01-10</a:t>
             </a:fld>
             <a:endParaRPr lang="ko-KR" altLang="en-US"/>
           </a:p>
@@ -1157,7 +1157,7 @@
           <a:p>
             <a:fld id="{9DC0FBBE-1B54-474B-A1EF-57FEDE0B6A08}" type="datetimeFigureOut">
               <a:rPr lang="ko-KR" altLang="en-US" smtClean="0"/>
-              <a:t>2025-01-09</a:t>
+              <a:t>2025-01-10</a:t>
             </a:fld>
             <a:endParaRPr lang="ko-KR" altLang="en-US"/>
           </a:p>
@@ -1422,7 +1422,7 @@
           <a:p>
             <a:fld id="{9DC0FBBE-1B54-474B-A1EF-57FEDE0B6A08}" type="datetimeFigureOut">
               <a:rPr lang="ko-KR" altLang="en-US" smtClean="0"/>
-              <a:t>2025-01-09</a:t>
+              <a:t>2025-01-10</a:t>
             </a:fld>
             <a:endParaRPr lang="ko-KR" altLang="en-US"/>
           </a:p>
@@ -1834,7 +1834,7 @@
           <a:p>
             <a:fld id="{9DC0FBBE-1B54-474B-A1EF-57FEDE0B6A08}" type="datetimeFigureOut">
               <a:rPr lang="ko-KR" altLang="en-US" smtClean="0"/>
-              <a:t>2025-01-09</a:t>
+              <a:t>2025-01-10</a:t>
             </a:fld>
             <a:endParaRPr lang="ko-KR" altLang="en-US"/>
           </a:p>
@@ -1975,7 +1975,7 @@
           <a:p>
             <a:fld id="{9DC0FBBE-1B54-474B-A1EF-57FEDE0B6A08}" type="datetimeFigureOut">
               <a:rPr lang="ko-KR" altLang="en-US" smtClean="0"/>
-              <a:t>2025-01-09</a:t>
+              <a:t>2025-01-10</a:t>
             </a:fld>
             <a:endParaRPr lang="ko-KR" altLang="en-US"/>
           </a:p>
@@ -2088,7 +2088,7 @@
           <a:p>
             <a:fld id="{9DC0FBBE-1B54-474B-A1EF-57FEDE0B6A08}" type="datetimeFigureOut">
               <a:rPr lang="ko-KR" altLang="en-US" smtClean="0"/>
-              <a:t>2025-01-09</a:t>
+              <a:t>2025-01-10</a:t>
             </a:fld>
             <a:endParaRPr lang="ko-KR" altLang="en-US"/>
           </a:p>
@@ -2399,7 +2399,7 @@
           <a:p>
             <a:fld id="{9DC0FBBE-1B54-474B-A1EF-57FEDE0B6A08}" type="datetimeFigureOut">
               <a:rPr lang="ko-KR" altLang="en-US" smtClean="0"/>
-              <a:t>2025-01-09</a:t>
+              <a:t>2025-01-10</a:t>
             </a:fld>
             <a:endParaRPr lang="ko-KR" altLang="en-US"/>
           </a:p>
@@ -2687,7 +2687,7 @@
           <a:p>
             <a:fld id="{9DC0FBBE-1B54-474B-A1EF-57FEDE0B6A08}" type="datetimeFigureOut">
               <a:rPr lang="ko-KR" altLang="en-US" smtClean="0"/>
-              <a:t>2025-01-09</a:t>
+              <a:t>2025-01-10</a:t>
             </a:fld>
             <a:endParaRPr lang="ko-KR" altLang="en-US"/>
           </a:p>
@@ -2928,7 +2928,7 @@
           <a:p>
             <a:fld id="{9DC0FBBE-1B54-474B-A1EF-57FEDE0B6A08}" type="datetimeFigureOut">
               <a:rPr lang="ko-KR" altLang="en-US" smtClean="0"/>
-              <a:t>2025-01-09</a:t>
+              <a:t>2025-01-10</a:t>
             </a:fld>
             <a:endParaRPr lang="ko-KR" altLang="en-US"/>
           </a:p>
